--- a/3조_1차_재활용도움센터 위치 선정.pptx
+++ b/3조_1차_재활용도움센터 위치 선정.pptx
@@ -119,10 +119,21 @@
   </p:defaultTextStyle>
   <p:extLst>
     <p:ext uri="{EFAFB233-063F-42B5-8137-9DF3F51BA10A}">
-      <p15:sldGuideLst xmlns:p15="http://schemas.microsoft.com/office/powerpoint/2012/main" xmlns=""/>
+      <p15:sldGuideLst xmlns:p15="http://schemas.microsoft.com/office/powerpoint/2012/main">
+        <p15:guide id="1" orient="horz" pos="2160">
+          <p15:clr>
+            <a:srgbClr val="A4A3A4"/>
+          </p15:clr>
+        </p15:guide>
+        <p15:guide id="2" pos="3840">
+          <p15:clr>
+            <a:srgbClr val="A4A3A4"/>
+          </p15:clr>
+        </p15:guide>
+      </p15:sldGuideLst>
     </p:ext>
     <p:ext uri="{2D200454-40CA-4A62-9FC3-DE9A4176ACB9}">
-      <p15:notesGuideLst xmlns:p15="http://schemas.microsoft.com/office/powerpoint/2012/main" xmlns=""/>
+      <p15:notesGuideLst xmlns:p15="http://schemas.microsoft.com/office/powerpoint/2012/main"/>
     </p:ext>
   </p:extLst>
 </p:presentation>
@@ -210,7 +221,7 @@
           <a:p>
             <a:fld id="{7ABD7B13-4101-4D2A-8FF3-235760A0B331}" type="datetimeFigureOut">
               <a:rPr lang="ko-KR" altLang="en-US" smtClean="0"/>
-              <a:t>2020-01-20</a:t>
+              <a:t>2020-01-22</a:t>
             </a:fld>
             <a:endParaRPr lang="ko-KR" altLang="en-US"/>
           </a:p>
@@ -9506,16 +9517,12 @@
           <a:lstStyle/>
           <a:p>
             <a:r>
-              <a:rPr lang="ko-KR" altLang="en-US" dirty="0" smtClean="0">
+              <a:rPr lang="ko-KR" altLang="en-US" dirty="0">
                 <a:latin typeface="HY동녘M" pitchFamily="18" charset="-127"/>
                 <a:ea typeface="HY동녘M" pitchFamily="18" charset="-127"/>
               </a:rPr>
               <a:t>재활용도움센터 위치 선정</a:t>
             </a:r>
-            <a:endParaRPr lang="ko-KR" altLang="en-US" dirty="0">
-              <a:latin typeface="HY동녘M" pitchFamily="18" charset="-127"/>
-              <a:ea typeface="HY동녘M" pitchFamily="18" charset="-127"/>
-            </a:endParaRPr>
           </a:p>
         </p:txBody>
       </p:sp>
@@ -9540,22 +9547,21 @@
           <a:lstStyle/>
           <a:p>
             <a:r>
-              <a:rPr lang="en-US" altLang="ko-KR" dirty="0" smtClean="0"/>
+              <a:rPr lang="en-US" altLang="ko-KR" dirty="0"/>
               <a:t>3</a:t>
             </a:r>
             <a:r>
-              <a:rPr lang="ko-KR" altLang="en-US" dirty="0" smtClean="0"/>
+              <a:rPr lang="ko-KR" altLang="en-US" dirty="0"/>
               <a:t>조</a:t>
             </a:r>
             <a:r>
-              <a:rPr lang="en-US" altLang="ko-KR" dirty="0" smtClean="0"/>
+              <a:rPr lang="en-US" altLang="ko-KR" dirty="0"/>
               <a:t>. </a:t>
             </a:r>
             <a:r>
-              <a:rPr lang="ko-KR" altLang="en-US" dirty="0" smtClean="0"/>
+              <a:rPr lang="ko-KR" altLang="en-US" dirty="0"/>
               <a:t>이소정 김대현 박민혁 현동엽</a:t>
             </a:r>
-            <a:endParaRPr lang="ko-KR" altLang="en-US" dirty="0"/>
           </a:p>
         </p:txBody>
       </p:sp>
@@ -9964,7 +9970,7 @@
           <a:p>
             <a:pPr algn="ctr"/>
             <a:r>
-              <a:rPr lang="en-US" altLang="ko-KR" sz="4000" spc="-300" dirty="0" smtClean="0">
+              <a:rPr lang="en-US" altLang="ko-KR" sz="4000" spc="-300" dirty="0">
                 <a:solidFill>
                   <a:srgbClr val="8A713B"/>
                 </a:solidFill>
@@ -10067,7 +10073,7 @@
             <a:p>
               <a:pPr algn="ctr"/>
               <a:r>
-                <a:rPr lang="en-US" altLang="ko-KR" sz="3200" spc="-300" dirty="0" smtClean="0">
+                <a:rPr lang="en-US" altLang="ko-KR" sz="3200" spc="-300" dirty="0">
                   <a:solidFill>
                     <a:srgbClr val="FBFBFB"/>
                   </a:solidFill>
@@ -10216,7 +10222,7 @@
           <a:p>
             <a:pPr algn="ctr"/>
             <a:r>
-              <a:rPr lang="en-US" altLang="ko-KR" sz="7200" dirty="0" smtClean="0">
+              <a:rPr lang="en-US" altLang="ko-KR" sz="7200" dirty="0">
                 <a:latin typeface="HY견고딕" pitchFamily="18" charset="-127"/>
                 <a:ea typeface="HY견고딕" pitchFamily="18" charset="-127"/>
               </a:rPr>
@@ -10610,33 +10616,32 @@
           </a:lstStyle>
           <a:p>
             <a:r>
-              <a:rPr lang="ko-KR" altLang="en-US" dirty="0" smtClean="0"/>
+              <a:rPr lang="ko-KR" altLang="en-US" dirty="0"/>
               <a:t>제주 쓰레기 양</a:t>
             </a:r>
-            <a:endParaRPr lang="en-US" altLang="ko-KR" dirty="0" smtClean="0"/>
+            <a:endParaRPr lang="en-US" altLang="ko-KR" dirty="0"/>
           </a:p>
           <a:p>
             <a:r>
-              <a:rPr lang="ko-KR" altLang="en-US" dirty="0" smtClean="0"/>
+              <a:rPr lang="ko-KR" altLang="en-US" dirty="0"/>
               <a:t>읍</a:t>
             </a:r>
             <a:r>
-              <a:rPr lang="en-US" altLang="ko-KR" dirty="0" smtClean="0"/>
+              <a:rPr lang="en-US" altLang="ko-KR" dirty="0"/>
               <a:t>,</a:t>
             </a:r>
             <a:r>
-              <a:rPr lang="ko-KR" altLang="en-US" dirty="0" smtClean="0"/>
+              <a:rPr lang="ko-KR" altLang="en-US" dirty="0"/>
               <a:t>면</a:t>
             </a:r>
             <a:r>
-              <a:rPr lang="en-US" altLang="ko-KR" dirty="0" smtClean="0"/>
+              <a:rPr lang="en-US" altLang="ko-KR" dirty="0"/>
               <a:t>,</a:t>
             </a:r>
             <a:r>
-              <a:rPr lang="ko-KR" altLang="en-US" dirty="0" smtClean="0"/>
+              <a:rPr lang="ko-KR" altLang="en-US" dirty="0"/>
               <a:t>동 별 군집화</a:t>
             </a:r>
-            <a:endParaRPr lang="ko-KR" altLang="en-US" dirty="0"/>
           </a:p>
         </p:txBody>
       </p:sp>
@@ -11035,36 +11040,34 @@
           </a:lstStyle>
           <a:p>
             <a:r>
-              <a:rPr lang="en-US" altLang="ko-KR" dirty="0" smtClean="0"/>
+              <a:rPr lang="en-US" altLang="ko-KR" dirty="0"/>
               <a:t>1</a:t>
             </a:r>
             <a:r>
-              <a:rPr lang="ko-KR" altLang="en-US" dirty="0" smtClean="0"/>
+              <a:rPr lang="ko-KR" altLang="en-US" dirty="0"/>
               <a:t>인</a:t>
             </a:r>
             <a:r>
-              <a:rPr lang="en-US" altLang="ko-KR" dirty="0" smtClean="0"/>
+              <a:rPr lang="en-US" altLang="ko-KR" dirty="0"/>
               <a:t> </a:t>
             </a:r>
             <a:r>
-              <a:rPr lang="ko-KR" altLang="en-US" dirty="0" smtClean="0"/>
+              <a:rPr lang="ko-KR" altLang="en-US" dirty="0"/>
               <a:t>쓰레기 배출 현황</a:t>
             </a:r>
-            <a:endParaRPr lang="en-US" altLang="ko-KR" dirty="0" smtClean="0"/>
+            <a:endParaRPr lang="en-US" altLang="ko-KR" dirty="0"/>
           </a:p>
           <a:p>
             <a:r>
-              <a:rPr lang="ko-KR" altLang="en-US" dirty="0" smtClean="0"/>
+              <a:rPr lang="ko-KR" altLang="en-US" dirty="0"/>
               <a:t>연도 쓰레기 배출 변화</a:t>
             </a:r>
-            <a:endParaRPr lang="ko-KR" altLang="en-US" dirty="0"/>
           </a:p>
           <a:p>
             <a:r>
-              <a:rPr lang="ko-KR" altLang="en-US" dirty="0" smtClean="0"/>
+              <a:rPr lang="ko-KR" altLang="en-US" dirty="0"/>
               <a:t>재활용도움센터 필요성</a:t>
             </a:r>
-            <a:endParaRPr lang="ko-KR" altLang="en-US" dirty="0"/>
           </a:p>
         </p:txBody>
       </p:sp>
@@ -11255,10 +11258,13 @@
           </a:lstStyle>
           <a:p>
             <a:r>
-              <a:rPr lang="en-US" altLang="ko-KR" sz="3200" dirty="0" smtClean="0"/>
-              <a:t>Q&amp;A</a:t>
+              <a:rPr lang="en-US" altLang="ko-KR" sz="3200" dirty="0"/>
+              <a:t>Q&amp;A </a:t>
             </a:r>
-            <a:endParaRPr lang="ko-KR" altLang="en-US" sz="3200" dirty="0"/>
+            <a:r>
+              <a:rPr lang="ko-KR" altLang="en-US" sz="3200" dirty="0"/>
+              <a:t>출처</a:t>
+            </a:r>
           </a:p>
         </p:txBody>
       </p:sp>
@@ -11272,8 +11278,8 @@
         </p:nvSpPr>
         <p:spPr>
           <a:xfrm>
-            <a:off x="9283258" y="3554159"/>
-            <a:ext cx="1041840" cy="570382"/>
+            <a:off x="8925766" y="3554159"/>
+            <a:ext cx="2159576" cy="570382"/>
           </a:xfrm>
           <a:prstGeom prst="rect">
             <a:avLst/>
@@ -11281,7 +11287,7 @@
         </p:spPr>
         <p:txBody>
           <a:bodyPr vert="horz" lIns="91440" tIns="45720" rIns="91440" bIns="45720" rtlCol="0" anchor="ctr">
-            <a:normAutofit/>
+            <a:noAutofit/>
           </a:bodyPr>
           <a:lstStyle>
             <a:lvl1pPr marL="0" indent="0" algn="l" defTabSz="914400" rtl="0" eaLnBrk="1" latinLnBrk="1" hangingPunct="1">
@@ -11449,13 +11455,17 @@
           </a:lstStyle>
           <a:p>
             <a:r>
-              <a:rPr lang="ko-KR" altLang="en-US" sz="3200" dirty="0" smtClean="0"/>
-              <a:t>출</a:t>
+              <a:rPr lang="ko-KR" altLang="en-US" sz="3200" dirty="0"/>
+              <a:t>데이터</a:t>
             </a:r>
+            <a:br>
+              <a:rPr lang="en-US" altLang="ko-KR" sz="3200" dirty="0"/>
+            </a:br>
             <a:r>
-              <a:rPr lang="ko-KR" altLang="en-US" sz="3200" dirty="0"/>
-              <a:t>처</a:t>
+              <a:rPr lang="ko-KR" altLang="en-US" sz="3200" dirty="0" err="1"/>
+              <a:t>전처리</a:t>
             </a:r>
+            <a:endParaRPr lang="ko-KR" altLang="en-US" sz="3200" dirty="0"/>
           </a:p>
         </p:txBody>
       </p:sp>
@@ -11646,10 +11656,9 @@
           </a:lstStyle>
           <a:p>
             <a:r>
-              <a:rPr lang="ko-KR" altLang="en-US" sz="3200" dirty="0" smtClean="0"/>
+              <a:rPr lang="ko-KR" altLang="en-US" sz="3200" dirty="0"/>
               <a:t>데이터 분석</a:t>
             </a:r>
-            <a:endParaRPr lang="ko-KR" altLang="en-US" sz="3200" dirty="0"/>
           </a:p>
         </p:txBody>
       </p:sp>
@@ -11840,7 +11849,7 @@
           </a:lstStyle>
           <a:p>
             <a:r>
-              <a:rPr lang="en-US" altLang="ko-KR" sz="3200" dirty="0" smtClean="0"/>
+              <a:rPr lang="en-US" altLang="ko-KR" sz="3200" dirty="0"/>
               <a:t>model</a:t>
             </a:r>
             <a:endParaRPr lang="ko-KR" altLang="en-US" sz="3200" dirty="0"/>
@@ -12034,10 +12043,9 @@
           </a:lstStyle>
           <a:p>
             <a:r>
-              <a:rPr lang="ko-KR" altLang="en-US" sz="3200" dirty="0" smtClean="0"/>
+              <a:rPr lang="ko-KR" altLang="en-US" sz="3200" dirty="0"/>
               <a:t>문제현황</a:t>
             </a:r>
-            <a:endParaRPr lang="ko-KR" altLang="en-US" sz="3200" dirty="0"/>
           </a:p>
         </p:txBody>
       </p:sp>
@@ -12099,10 +12107,9 @@
           <a:lstStyle/>
           <a:p>
             <a:r>
-              <a:rPr lang="ko-KR" altLang="en-US" dirty="0" smtClean="0"/>
+              <a:rPr lang="ko-KR" altLang="en-US" dirty="0"/>
               <a:t>문제현황</a:t>
             </a:r>
-            <a:endParaRPr lang="ko-KR" altLang="en-US" dirty="0"/>
           </a:p>
         </p:txBody>
       </p:sp>
@@ -12122,17 +12129,52 @@
           <a:lstStyle/>
           <a:p>
             <a:r>
-              <a:rPr lang="en-US" altLang="ko-KR" dirty="0" smtClean="0"/>
+              <a:rPr lang="en-US" altLang="ko-KR" dirty="0"/>
               <a:t>1</a:t>
             </a:r>
             <a:r>
-              <a:rPr lang="ko-KR" altLang="en-US" dirty="0" smtClean="0"/>
+              <a:rPr lang="ko-KR" altLang="en-US" dirty="0"/>
               <a:t>인 쓰레기 배출 현황</a:t>
             </a:r>
-            <a:endParaRPr lang="ko-KR" altLang="en-US" dirty="0"/>
           </a:p>
         </p:txBody>
       </p:sp>
+      <p:pic>
+        <p:nvPicPr>
+          <p:cNvPr id="3" name="그림 2">
+            <a:extLst>
+              <a:ext uri="{FF2B5EF4-FFF2-40B4-BE49-F238E27FC236}">
+                <a16:creationId xmlns:a16="http://schemas.microsoft.com/office/drawing/2014/main" id="{C7260820-2C74-4AF5-A5C2-3CE771AD0E98}"/>
+              </a:ext>
+            </a:extLst>
+          </p:cNvPr>
+          <p:cNvPicPr>
+            <a:picLocks noChangeAspect="1"/>
+          </p:cNvPicPr>
+          <p:nvPr/>
+        </p:nvPicPr>
+        <p:blipFill>
+          <a:blip r:embed="rId2">
+            <a:extLst>
+              <a:ext uri="{28A0092B-C50C-407E-A947-70E740481C1C}">
+                <a14:useLocalDpi xmlns:a14="http://schemas.microsoft.com/office/drawing/2010/main" val="0"/>
+              </a:ext>
+            </a:extLst>
+          </a:blip>
+          <a:stretch>
+            <a:fillRect/>
+          </a:stretch>
+        </p:blipFill>
+        <p:spPr>
+          <a:xfrm>
+            <a:off x="0" y="1079691"/>
+            <a:ext cx="12173954" cy="2866667"/>
+          </a:xfrm>
+          <a:prstGeom prst="rect">
+            <a:avLst/>
+          </a:prstGeom>
+        </p:spPr>
+      </p:pic>
     </p:spTree>
     <p:extLst>
       <p:ext uri="{BB962C8B-B14F-4D97-AF65-F5344CB8AC3E}">
@@ -12191,10 +12233,9 @@
           <a:lstStyle/>
           <a:p>
             <a:r>
-              <a:rPr lang="ko-KR" altLang="en-US" dirty="0" smtClean="0"/>
+              <a:rPr lang="ko-KR" altLang="en-US" dirty="0"/>
               <a:t>문제현황</a:t>
             </a:r>
-            <a:endParaRPr lang="ko-KR" altLang="en-US" dirty="0"/>
           </a:p>
         </p:txBody>
       </p:sp>
@@ -12214,10 +12255,80 @@
           <a:lstStyle/>
           <a:p>
             <a:r>
-              <a:rPr lang="ko-KR" altLang="en-US" dirty="0" smtClean="0"/>
+              <a:rPr lang="ko-KR" altLang="en-US" dirty="0"/>
               <a:t>연도별 쓰레기 배출 변화</a:t>
             </a:r>
-            <a:endParaRPr lang="ko-KR" altLang="en-US" dirty="0"/>
+          </a:p>
+        </p:txBody>
+      </p:sp>
+      <p:pic>
+        <p:nvPicPr>
+          <p:cNvPr id="5" name="그림 4">
+            <a:extLst>
+              <a:ext uri="{FF2B5EF4-FFF2-40B4-BE49-F238E27FC236}">
+                <a16:creationId xmlns:a16="http://schemas.microsoft.com/office/drawing/2014/main" id="{F8DF6EA9-EE04-42A8-A67F-FF1E6223B36D}"/>
+              </a:ext>
+            </a:extLst>
+          </p:cNvPr>
+          <p:cNvPicPr>
+            <a:picLocks noChangeAspect="1"/>
+          </p:cNvPicPr>
+          <p:nvPr/>
+        </p:nvPicPr>
+        <p:blipFill>
+          <a:blip r:embed="rId2">
+            <a:extLst>
+              <a:ext uri="{28A0092B-C50C-407E-A947-70E740481C1C}">
+                <a14:useLocalDpi xmlns:a14="http://schemas.microsoft.com/office/drawing/2010/main" val="0"/>
+              </a:ext>
+            </a:extLst>
+          </a:blip>
+          <a:stretch>
+            <a:fillRect/>
+          </a:stretch>
+        </p:blipFill>
+        <p:spPr>
+          <a:xfrm>
+            <a:off x="0" y="1136016"/>
+            <a:ext cx="12192000" cy="3483428"/>
+          </a:xfrm>
+          <a:prstGeom prst="rect">
+            <a:avLst/>
+          </a:prstGeom>
+        </p:spPr>
+      </p:pic>
+      <p:sp>
+        <p:nvSpPr>
+          <p:cNvPr id="6" name="TextBox 5">
+            <a:extLst>
+              <a:ext uri="{FF2B5EF4-FFF2-40B4-BE49-F238E27FC236}">
+                <a16:creationId xmlns:a16="http://schemas.microsoft.com/office/drawing/2014/main" id="{B83D923B-45C3-437F-B7F8-0D4C9D0B038A}"/>
+              </a:ext>
+            </a:extLst>
+          </p:cNvPr>
+          <p:cNvSpPr txBox="1"/>
+          <p:nvPr/>
+        </p:nvSpPr>
+        <p:spPr>
+          <a:xfrm>
+            <a:off x="540848" y="4764343"/>
+            <a:ext cx="1611339" cy="369332"/>
+          </a:xfrm>
+          <a:prstGeom prst="rect">
+            <a:avLst/>
+          </a:prstGeom>
+          <a:noFill/>
+        </p:spPr>
+        <p:txBody>
+          <a:bodyPr wrap="none" rtlCol="0">
+            <a:spAutoFit/>
+          </a:bodyPr>
+          <a:lstStyle/>
+          <a:p>
+            <a:r>
+              <a:rPr lang="ko-KR" altLang="en-US" dirty="0"/>
+              <a:t>여백 제거 시도</a:t>
+            </a:r>
           </a:p>
         </p:txBody>
       </p:sp>
@@ -12243,6 +12354,127 @@
       </p:transition>
     </mc:Fallback>
   </mc:AlternateContent>
+  <p:timing>
+    <p:tnLst>
+      <p:par>
+        <p:cTn id="1" dur="indefinite" restart="never" nodeType="tmRoot">
+          <p:childTnLst>
+            <p:seq concurrent="1" nextAc="seek">
+              <p:cTn id="2" dur="indefinite" nodeType="mainSeq">
+                <p:childTnLst>
+                  <p:par>
+                    <p:cTn id="3" fill="hold">
+                      <p:stCondLst>
+                        <p:cond delay="indefinite"/>
+                      </p:stCondLst>
+                      <p:childTnLst>
+                        <p:par>
+                          <p:cTn id="4" fill="hold">
+                            <p:stCondLst>
+                              <p:cond delay="0"/>
+                            </p:stCondLst>
+                            <p:childTnLst>
+                              <p:par>
+                                <p:cTn id="5" presetID="2" presetClass="entr" presetSubtype="4" fill="hold" nodeType="clickEffect">
+                                  <p:stCondLst>
+                                    <p:cond delay="0"/>
+                                  </p:stCondLst>
+                                  <p:childTnLst>
+                                    <p:set>
+                                      <p:cBhvr>
+                                        <p:cTn id="6" dur="1" fill="hold">
+                                          <p:stCondLst>
+                                            <p:cond delay="0"/>
+                                          </p:stCondLst>
+                                        </p:cTn>
+                                        <p:tgtEl>
+                                          <p:spTgt spid="5"/>
+                                        </p:tgtEl>
+                                        <p:attrNameLst>
+                                          <p:attrName>style.visibility</p:attrName>
+                                        </p:attrNameLst>
+                                      </p:cBhvr>
+                                      <p:to>
+                                        <p:strVal val="visible"/>
+                                      </p:to>
+                                    </p:set>
+                                    <p:anim calcmode="lin" valueType="num">
+                                      <p:cBhvr additive="base">
+                                        <p:cTn id="7" dur="250" fill="hold"/>
+                                        <p:tgtEl>
+                                          <p:spTgt spid="5"/>
+                                        </p:tgtEl>
+                                        <p:attrNameLst>
+                                          <p:attrName>ppt_x</p:attrName>
+                                        </p:attrNameLst>
+                                      </p:cBhvr>
+                                      <p:tavLst>
+                                        <p:tav tm="0">
+                                          <p:val>
+                                            <p:strVal val="#ppt_x"/>
+                                          </p:val>
+                                        </p:tav>
+                                        <p:tav tm="100000">
+                                          <p:val>
+                                            <p:strVal val="#ppt_x"/>
+                                          </p:val>
+                                        </p:tav>
+                                      </p:tavLst>
+                                    </p:anim>
+                                    <p:anim calcmode="lin" valueType="num">
+                                      <p:cBhvr additive="base">
+                                        <p:cTn id="8" dur="250" fill="hold"/>
+                                        <p:tgtEl>
+                                          <p:spTgt spid="5"/>
+                                        </p:tgtEl>
+                                        <p:attrNameLst>
+                                          <p:attrName>ppt_y</p:attrName>
+                                        </p:attrNameLst>
+                                      </p:cBhvr>
+                                      <p:tavLst>
+                                        <p:tav tm="0">
+                                          <p:val>
+                                            <p:strVal val="1+#ppt_h/2"/>
+                                          </p:val>
+                                        </p:tav>
+                                        <p:tav tm="100000">
+                                          <p:val>
+                                            <p:strVal val="#ppt_y"/>
+                                          </p:val>
+                                        </p:tav>
+                                      </p:tavLst>
+                                    </p:anim>
+                                  </p:childTnLst>
+                                </p:cTn>
+                              </p:par>
+                            </p:childTnLst>
+                          </p:cTn>
+                        </p:par>
+                      </p:childTnLst>
+                    </p:cTn>
+                  </p:par>
+                </p:childTnLst>
+              </p:cTn>
+              <p:prevCondLst>
+                <p:cond evt="onPrev" delay="0">
+                  <p:tgtEl>
+                    <p:sldTgt/>
+                  </p:tgtEl>
+                </p:cond>
+              </p:prevCondLst>
+              <p:nextCondLst>
+                <p:cond evt="onNext" delay="0">
+                  <p:tgtEl>
+                    <p:sldTgt/>
+                  </p:tgtEl>
+                </p:cond>
+              </p:nextCondLst>
+            </p:seq>
+          </p:childTnLst>
+        </p:cTn>
+      </p:par>
+    </p:tnLst>
+  </p:timing>
 </p:sld>
 </file>
 
@@ -12279,10 +12511,9 @@
           <a:lstStyle/>
           <a:p>
             <a:r>
-              <a:rPr lang="ko-KR" altLang="en-US" dirty="0" smtClean="0"/>
+              <a:rPr lang="ko-KR" altLang="en-US" dirty="0"/>
               <a:t>문제현황</a:t>
             </a:r>
-            <a:endParaRPr lang="ko-KR" altLang="en-US" dirty="0"/>
           </a:p>
         </p:txBody>
       </p:sp>
@@ -12302,13 +12533,119 @@
           <a:lstStyle/>
           <a:p>
             <a:r>
-              <a:rPr lang="ko-KR" altLang="en-US" dirty="0" smtClean="0"/>
+              <a:rPr lang="ko-KR" altLang="en-US" dirty="0"/>
               <a:t>재활용도움센터 필요성</a:t>
             </a:r>
-            <a:endParaRPr lang="ko-KR" altLang="en-US" dirty="0"/>
           </a:p>
         </p:txBody>
       </p:sp>
+      <p:pic>
+        <p:nvPicPr>
+          <p:cNvPr id="5" name="그림 4">
+            <a:extLst>
+              <a:ext uri="{FF2B5EF4-FFF2-40B4-BE49-F238E27FC236}">
+                <a16:creationId xmlns:a16="http://schemas.microsoft.com/office/drawing/2014/main" id="{BD6ECFE8-AEF0-4269-BE01-29A245C74772}"/>
+              </a:ext>
+            </a:extLst>
+          </p:cNvPr>
+          <p:cNvPicPr>
+            <a:picLocks noChangeAspect="1"/>
+          </p:cNvPicPr>
+          <p:nvPr/>
+        </p:nvPicPr>
+        <p:blipFill>
+          <a:blip r:embed="rId2">
+            <a:extLst>
+              <a:ext uri="{28A0092B-C50C-407E-A947-70E740481C1C}">
+                <a14:useLocalDpi xmlns:a14="http://schemas.microsoft.com/office/drawing/2010/main" val="0"/>
+              </a:ext>
+            </a:extLst>
+          </a:blip>
+          <a:stretch>
+            <a:fillRect/>
+          </a:stretch>
+        </p:blipFill>
+        <p:spPr>
+          <a:xfrm>
+            <a:off x="0" y="1136016"/>
+            <a:ext cx="12192000" cy="3483428"/>
+          </a:xfrm>
+          <a:prstGeom prst="rect">
+            <a:avLst/>
+          </a:prstGeom>
+        </p:spPr>
+      </p:pic>
+      <p:sp>
+        <p:nvSpPr>
+          <p:cNvPr id="6" name="TextBox 5">
+            <a:extLst>
+              <a:ext uri="{FF2B5EF4-FFF2-40B4-BE49-F238E27FC236}">
+                <a16:creationId xmlns:a16="http://schemas.microsoft.com/office/drawing/2014/main" id="{8ED6488B-0611-47ED-B2A5-DA9CE4302EE4}"/>
+              </a:ext>
+            </a:extLst>
+          </p:cNvPr>
+          <p:cNvSpPr txBox="1"/>
+          <p:nvPr/>
+        </p:nvSpPr>
+        <p:spPr>
+          <a:xfrm>
+            <a:off x="540848" y="4764343"/>
+            <a:ext cx="1611339" cy="369332"/>
+          </a:xfrm>
+          <a:prstGeom prst="rect">
+            <a:avLst/>
+          </a:prstGeom>
+          <a:noFill/>
+        </p:spPr>
+        <p:txBody>
+          <a:bodyPr wrap="none" rtlCol="0">
+            <a:spAutoFit/>
+          </a:bodyPr>
+          <a:lstStyle/>
+          <a:p>
+            <a:r>
+              <a:rPr lang="ko-KR" altLang="en-US" dirty="0"/>
+              <a:t>여백 제거 시도</a:t>
+            </a:r>
+          </a:p>
+        </p:txBody>
+      </p:sp>
+      <p:pic>
+        <p:nvPicPr>
+          <p:cNvPr id="8" name="그림 7">
+            <a:extLst>
+              <a:ext uri="{FF2B5EF4-FFF2-40B4-BE49-F238E27FC236}">
+                <a16:creationId xmlns:a16="http://schemas.microsoft.com/office/drawing/2014/main" id="{2D0A7031-438D-44C1-AF43-6B17994AC8E6}"/>
+              </a:ext>
+            </a:extLst>
+          </p:cNvPr>
+          <p:cNvPicPr>
+            <a:picLocks noChangeAspect="1"/>
+          </p:cNvPicPr>
+          <p:nvPr/>
+        </p:nvPicPr>
+        <p:blipFill>
+          <a:blip r:embed="rId3">
+            <a:extLst>
+              <a:ext uri="{28A0092B-C50C-407E-A947-70E740481C1C}">
+                <a14:useLocalDpi xmlns:a14="http://schemas.microsoft.com/office/drawing/2010/main" val="0"/>
+              </a:ext>
+            </a:extLst>
+          </a:blip>
+          <a:stretch>
+            <a:fillRect/>
+          </a:stretch>
+        </p:blipFill>
+        <p:spPr>
+          <a:xfrm>
+            <a:off x="-112295" y="5133675"/>
+            <a:ext cx="12192000" cy="3483428"/>
+          </a:xfrm>
+          <a:prstGeom prst="rect">
+            <a:avLst/>
+          </a:prstGeom>
+        </p:spPr>
+      </p:pic>
     </p:spTree>
     <p:extLst>
       <p:ext uri="{BB962C8B-B14F-4D97-AF65-F5344CB8AC3E}">
@@ -12379,10 +12716,9 @@
           <a:lstStyle/>
           <a:p>
             <a:r>
-              <a:rPr lang="ko-KR" altLang="en-US" dirty="0" smtClean="0"/>
+              <a:rPr lang="ko-KR" altLang="en-US" dirty="0"/>
               <a:t>사용 데이터</a:t>
             </a:r>
-            <a:endParaRPr lang="ko-KR" altLang="en-US" dirty="0"/>
           </a:p>
         </p:txBody>
       </p:sp>
@@ -12402,10 +12738,9 @@
           <a:lstStyle/>
           <a:p>
             <a:r>
-              <a:rPr lang="ko-KR" altLang="en-US" dirty="0" smtClean="0"/>
+              <a:rPr lang="ko-KR" altLang="en-US" dirty="0"/>
               <a:t>데이터 분석</a:t>
             </a:r>
-            <a:endParaRPr lang="ko-KR" altLang="en-US" dirty="0"/>
           </a:p>
         </p:txBody>
       </p:sp>
@@ -12425,10 +12760,9 @@
           <a:lstStyle/>
           <a:p>
             <a:r>
-              <a:rPr lang="ko-KR" altLang="en-US" dirty="0" smtClean="0"/>
+              <a:rPr lang="ko-KR" altLang="en-US" dirty="0"/>
               <a:t>제주 쓰레기 양</a:t>
             </a:r>
-            <a:endParaRPr lang="ko-KR" altLang="en-US" dirty="0"/>
           </a:p>
         </p:txBody>
       </p:sp>
@@ -12459,14 +12793,14 @@
               <a:buChar char="ü"/>
             </a:pPr>
             <a:r>
-              <a:rPr lang="ko-KR" altLang="en-US" sz="2000" dirty="0" smtClean="0">
+              <a:rPr lang="ko-KR" altLang="en-US" sz="2000" dirty="0">
                 <a:solidFill>
                   <a:schemeClr val="accent6"/>
                 </a:solidFill>
               </a:rPr>
               <a:t>인구수</a:t>
             </a:r>
-            <a:endParaRPr lang="en-US" altLang="ko-KR" sz="2000" dirty="0" smtClean="0">
+            <a:endParaRPr lang="en-US" altLang="ko-KR" sz="2000" dirty="0">
               <a:solidFill>
                 <a:schemeClr val="accent6"/>
               </a:solidFill>
@@ -12477,7 +12811,7 @@
               <a:buFont typeface="Wingdings" pitchFamily="2" charset="2"/>
               <a:buChar char="ü"/>
             </a:pPr>
-            <a:endParaRPr lang="en-US" altLang="ko-KR" sz="2000" dirty="0" smtClean="0">
+            <a:endParaRPr lang="en-US" altLang="ko-KR" sz="2000" dirty="0">
               <a:solidFill>
                 <a:schemeClr val="accent6"/>
               </a:solidFill>
@@ -12489,14 +12823,14 @@
               <a:buChar char="ü"/>
             </a:pPr>
             <a:r>
-              <a:rPr lang="ko-KR" altLang="en-US" sz="2000" dirty="0" smtClean="0">
+              <a:rPr lang="ko-KR" altLang="en-US" sz="2000" dirty="0">
                 <a:solidFill>
                   <a:schemeClr val="accent6"/>
                 </a:solidFill>
               </a:rPr>
               <a:t>관광객 도입 수</a:t>
             </a:r>
-            <a:endParaRPr lang="en-US" altLang="ko-KR" sz="2000" dirty="0" smtClean="0">
+            <a:endParaRPr lang="en-US" altLang="ko-KR" sz="2000" dirty="0">
               <a:solidFill>
                 <a:schemeClr val="accent6"/>
               </a:solidFill>
@@ -12507,7 +12841,7 @@
               <a:buFont typeface="Wingdings" pitchFamily="2" charset="2"/>
               <a:buChar char="ü"/>
             </a:pPr>
-            <a:endParaRPr lang="en-US" altLang="ko-KR" sz="2000" dirty="0" smtClean="0">
+            <a:endParaRPr lang="en-US" altLang="ko-KR" sz="2000" dirty="0">
               <a:solidFill>
                 <a:schemeClr val="accent6"/>
               </a:solidFill>
@@ -12519,7 +12853,7 @@
               <a:buChar char="ü"/>
             </a:pPr>
             <a:r>
-              <a:rPr lang="en-US" altLang="ko-KR" sz="2000" dirty="0" smtClean="0">
+              <a:rPr lang="en-US" altLang="ko-KR" sz="2000" dirty="0">
                 <a:solidFill>
                   <a:schemeClr val="accent6"/>
                 </a:solidFill>
@@ -12527,7 +12861,7 @@
               <a:t>GRDP(</a:t>
             </a:r>
             <a:r>
-              <a:rPr lang="ko-KR" altLang="en-US" sz="2000" dirty="0" smtClean="0">
+              <a:rPr lang="ko-KR" altLang="en-US" sz="2000" dirty="0">
                 <a:solidFill>
                   <a:schemeClr val="accent6"/>
                 </a:solidFill>
@@ -12535,7 +12869,7 @@
               <a:t>지역 내 총 생산</a:t>
             </a:r>
             <a:r>
-              <a:rPr lang="en-US" altLang="ko-KR" sz="2000" dirty="0" smtClean="0">
+              <a:rPr lang="en-US" altLang="ko-KR" sz="2000" dirty="0">
                 <a:solidFill>
                   <a:schemeClr val="accent6"/>
                 </a:solidFill>
@@ -12547,6 +12881,50 @@
                 <a:schemeClr val="accent6"/>
               </a:solidFill>
             </a:endParaRPr>
+          </a:p>
+        </p:txBody>
+      </p:sp>
+      <p:sp>
+        <p:nvSpPr>
+          <p:cNvPr id="8" name="TextBox 7">
+            <a:extLst>
+              <a:ext uri="{FF2B5EF4-FFF2-40B4-BE49-F238E27FC236}">
+                <a16:creationId xmlns:a16="http://schemas.microsoft.com/office/drawing/2014/main" id="{75C6D06C-B8F2-468E-A6B2-2973534A1BFD}"/>
+              </a:ext>
+            </a:extLst>
+          </p:cNvPr>
+          <p:cNvSpPr txBox="1"/>
+          <p:nvPr/>
+        </p:nvSpPr>
+        <p:spPr>
+          <a:xfrm>
+            <a:off x="4081666" y="1131969"/>
+            <a:ext cx="4028667" cy="369332"/>
+          </a:xfrm>
+          <a:prstGeom prst="rect">
+            <a:avLst/>
+          </a:prstGeom>
+          <a:noFill/>
+        </p:spPr>
+        <p:txBody>
+          <a:bodyPr wrap="none" rtlCol="0">
+            <a:spAutoFit/>
+          </a:bodyPr>
+          <a:lstStyle/>
+          <a:p>
+            <a:r>
+              <a:rPr lang="ko-KR" altLang="en-US" dirty="0" err="1"/>
+              <a:t>파이썬</a:t>
+            </a:r>
+            <a:r>
+              <a:rPr lang="ko-KR" altLang="en-US" dirty="0"/>
+              <a:t> 데이터프레임 캡쳐 사진 올리기</a:t>
+            </a:r>
+            <a:r>
+              <a:rPr lang="en-US" altLang="ko-KR" dirty="0"/>
+              <a:t>?</a:t>
+            </a:r>
+            <a:endParaRPr lang="ko-KR" altLang="en-US" dirty="0"/>
           </a:p>
         </p:txBody>
       </p:sp>
@@ -12608,10 +12986,9 @@
           <a:lstStyle/>
           <a:p>
             <a:r>
-              <a:rPr lang="ko-KR" altLang="en-US" b="1" dirty="0" smtClean="0"/>
+              <a:rPr lang="ko-KR" altLang="en-US" b="1" dirty="0"/>
               <a:t>인구수</a:t>
             </a:r>
-            <a:endParaRPr lang="ko-KR" altLang="en-US" b="1" dirty="0"/>
           </a:p>
         </p:txBody>
       </p:sp>
@@ -12631,10 +13008,9 @@
           <a:lstStyle/>
           <a:p>
             <a:r>
-              <a:rPr lang="ko-KR" altLang="en-US" b="1" dirty="0" smtClean="0"/>
+              <a:rPr lang="ko-KR" altLang="en-US" b="1" dirty="0"/>
               <a:t>사업체 수</a:t>
             </a:r>
-            <a:endParaRPr lang="ko-KR" altLang="en-US" b="1" dirty="0"/>
           </a:p>
         </p:txBody>
       </p:sp>
@@ -12654,10 +13030,9 @@
           <a:lstStyle/>
           <a:p>
             <a:r>
-              <a:rPr lang="ko-KR" altLang="en-US" b="1" dirty="0" smtClean="0"/>
+              <a:rPr lang="ko-KR" altLang="en-US" b="1" dirty="0"/>
               <a:t>세대 수</a:t>
             </a:r>
-            <a:endParaRPr lang="ko-KR" altLang="en-US" b="1" dirty="0"/>
           </a:p>
         </p:txBody>
       </p:sp>
@@ -12677,10 +13052,9 @@
           <a:lstStyle/>
           <a:p>
             <a:r>
-              <a:rPr lang="ko-KR" altLang="en-US" b="1" dirty="0" smtClean="0"/>
+              <a:rPr lang="ko-KR" altLang="en-US" b="1" dirty="0"/>
               <a:t>지역별 매출액</a:t>
             </a:r>
-            <a:endParaRPr lang="ko-KR" altLang="en-US" b="1" dirty="0"/>
           </a:p>
         </p:txBody>
       </p:sp>
@@ -12700,10 +13074,9 @@
           <a:lstStyle/>
           <a:p>
             <a:r>
-              <a:rPr lang="ko-KR" altLang="en-US" b="1" dirty="0" smtClean="0"/>
+              <a:rPr lang="ko-KR" altLang="en-US" b="1" dirty="0"/>
               <a:t>교육기관 수</a:t>
             </a:r>
-            <a:endParaRPr lang="ko-KR" altLang="en-US" b="1" dirty="0"/>
           </a:p>
         </p:txBody>
       </p:sp>
@@ -12923,10 +13296,9 @@
           <a:lstStyle/>
           <a:p>
             <a:r>
-              <a:rPr lang="ko-KR" altLang="en-US" dirty="0" smtClean="0"/>
+              <a:rPr lang="ko-KR" altLang="en-US" dirty="0"/>
               <a:t>데이터 분석</a:t>
             </a:r>
-            <a:endParaRPr lang="ko-KR" altLang="en-US" dirty="0"/>
           </a:p>
         </p:txBody>
       </p:sp>
@@ -13118,7 +13490,7 @@
           <a:p>
             <a:pPr algn="l"/>
             <a:r>
-              <a:rPr lang="ko-KR" altLang="en-US" dirty="0" smtClean="0">
+              <a:rPr lang="ko-KR" altLang="en-US" dirty="0">
                 <a:solidFill>
                   <a:schemeClr val="accent6"/>
                 </a:solidFill>
@@ -13126,7 +13498,7 @@
               <a:t>읍</a:t>
             </a:r>
             <a:r>
-              <a:rPr lang="en-US" altLang="ko-KR" dirty="0" smtClean="0">
+              <a:rPr lang="en-US" altLang="ko-KR" dirty="0">
                 <a:solidFill>
                   <a:schemeClr val="accent6"/>
                 </a:solidFill>
@@ -13134,7 +13506,7 @@
               <a:t>,</a:t>
             </a:r>
             <a:r>
-              <a:rPr lang="ko-KR" altLang="en-US" dirty="0" smtClean="0">
+              <a:rPr lang="ko-KR" altLang="en-US" dirty="0">
                 <a:solidFill>
                   <a:schemeClr val="accent6"/>
                 </a:solidFill>
@@ -13142,7 +13514,7 @@
               <a:t>면</a:t>
             </a:r>
             <a:r>
-              <a:rPr lang="en-US" altLang="ko-KR" dirty="0" smtClean="0">
+              <a:rPr lang="en-US" altLang="ko-KR" dirty="0">
                 <a:solidFill>
                   <a:schemeClr val="accent6"/>
                 </a:solidFill>
@@ -13150,18 +13522,13 @@
               <a:t>,</a:t>
             </a:r>
             <a:r>
-              <a:rPr lang="ko-KR" altLang="en-US" dirty="0" smtClean="0">
+              <a:rPr lang="ko-KR" altLang="en-US" dirty="0">
                 <a:solidFill>
                   <a:schemeClr val="accent6"/>
                 </a:solidFill>
               </a:rPr>
               <a:t>동 별 군집화</a:t>
             </a:r>
-            <a:endParaRPr lang="ko-KR" altLang="en-US" dirty="0">
-              <a:solidFill>
-                <a:schemeClr val="accent6"/>
-              </a:solidFill>
-            </a:endParaRPr>
           </a:p>
         </p:txBody>
       </p:sp>
@@ -13225,15 +13592,15 @@
           <a:lstStyle/>
           <a:p>
             <a:r>
-              <a:rPr lang="en-US" altLang="ko-KR" b="1" dirty="0" smtClean="0"/>
+              <a:rPr lang="en-US" altLang="ko-KR" b="1" dirty="0"/>
               <a:t>WIFI</a:t>
             </a:r>
             <a:r>
-              <a:rPr lang="ko-KR" altLang="en-US" b="1" dirty="0" smtClean="0"/>
+              <a:rPr lang="ko-KR" altLang="en-US" b="1" dirty="0"/>
               <a:t> </a:t>
             </a:r>
             <a:r>
-              <a:rPr lang="ko-KR" altLang="en-US" b="1" dirty="0" err="1" smtClean="0"/>
+              <a:rPr lang="ko-KR" altLang="en-US" b="1" dirty="0" err="1"/>
               <a:t>접속수</a:t>
             </a:r>
             <a:endParaRPr lang="ko-KR" altLang="en-US" b="1" dirty="0"/>
@@ -13864,7 +14231,7 @@
           <a:lstStyle/>
           <a:p>
             <a:r>
-              <a:rPr lang="en-US" altLang="ko-KR" dirty="0" smtClean="0"/>
+              <a:rPr lang="en-US" altLang="ko-KR" dirty="0"/>
               <a:t>MODELING</a:t>
             </a:r>
             <a:endParaRPr lang="ko-KR" altLang="en-US" dirty="0"/>
@@ -13887,6 +14254,41 @@
           <a:lstStyle/>
           <a:p>
             <a:endParaRPr lang="ko-KR" altLang="en-US"/>
+          </a:p>
+        </p:txBody>
+      </p:sp>
+      <p:sp>
+        <p:nvSpPr>
+          <p:cNvPr id="4" name="TextBox 3">
+            <a:extLst>
+              <a:ext uri="{FF2B5EF4-FFF2-40B4-BE49-F238E27FC236}">
+                <a16:creationId xmlns:a16="http://schemas.microsoft.com/office/drawing/2014/main" id="{337619A4-61CE-47DB-9CE2-F961CA1CB7D9}"/>
+              </a:ext>
+            </a:extLst>
+          </p:cNvPr>
+          <p:cNvSpPr txBox="1"/>
+          <p:nvPr/>
+        </p:nvSpPr>
+        <p:spPr>
+          <a:xfrm>
+            <a:off x="540848" y="4764343"/>
+            <a:ext cx="3751348" cy="369332"/>
+          </a:xfrm>
+          <a:prstGeom prst="rect">
+            <a:avLst/>
+          </a:prstGeom>
+          <a:noFill/>
+        </p:spPr>
+        <p:txBody>
+          <a:bodyPr wrap="none" rtlCol="0">
+            <a:spAutoFit/>
+          </a:bodyPr>
+          <a:lstStyle/>
+          <a:p>
+            <a:r>
+              <a:rPr lang="ko-KR" altLang="en-US" dirty="0"/>
+              <a:t>이후 모델링하고 지도 슬라이드 추가</a:t>
+            </a:r>
           </a:p>
         </p:txBody>
       </p:sp>
@@ -13948,12 +14350,8 @@
           <a:lstStyle/>
           <a:p>
             <a:r>
-              <a:rPr lang="ko-KR" altLang="en-US" dirty="0" smtClean="0"/>
-              <a:t>출</a:t>
-            </a:r>
-            <a:r>
               <a:rPr lang="ko-KR" altLang="en-US" dirty="0"/>
-              <a:t>처</a:t>
+              <a:t>출처</a:t>
             </a:r>
           </a:p>
         </p:txBody>
@@ -14178,7 +14576,7 @@
   <a:extraClrSchemeLst/>
   <a:extLst>
     <a:ext uri="{05A4C25C-085E-4340-85A3-A5531E510DB2}">
-      <thm15:themeFamily xmlns:thm15="http://schemas.microsoft.com/office/thememl/2012/main" xmlns="" name="eco" id="{A3131CF0-3114-46EB-BAC6-16367F25B4DE}" vid="{A2004E72-5A11-4E01-BC98-8EA4BF1057AD}"/>
+      <thm15:themeFamily xmlns:thm15="http://schemas.microsoft.com/office/thememl/2012/main" name="eco" id="{A3131CF0-3114-46EB-BAC6-16367F25B4DE}" vid="{A2004E72-5A11-4E01-BC98-8EA4BF1057AD}"/>
     </a:ext>
   </a:extLst>
 </a:theme>
@@ -14473,7 +14871,7 @@
   <a:extraClrSchemeLst/>
   <a:extLst>
     <a:ext uri="{05A4C25C-085E-4340-85A3-A5531E510DB2}">
-      <thm15:themeFamily xmlns:thm15="http://schemas.microsoft.com/office/thememl/2012/main" xmlns="" name="Office Theme" id="{62F939B6-93AF-4DB8-9C6B-D6C7DFDC589F}" vid="{4A3C46E8-61CC-4603-A589-7422A47A8E4A}"/>
+      <thm15:themeFamily xmlns:thm15="http://schemas.microsoft.com/office/thememl/2012/main" name="Office Theme" id="{62F939B6-93AF-4DB8-9C6B-D6C7DFDC589F}" vid="{4A3C46E8-61CC-4603-A589-7422A47A8E4A}"/>
     </a:ext>
   </a:extLst>
 </a:theme>

--- a/3조_1차_재활용도움센터 위치 선정.pptx
+++ b/3조_1차_재활용도움센터 위치 선정.pptx
@@ -5,20 +5,21 @@
     <p:sldMasterId id="2147483745" r:id="rId1"/>
   </p:sldMasterIdLst>
   <p:notesMasterIdLst>
-    <p:notesMasterId r:id="rId13"/>
+    <p:notesMasterId r:id="rId14"/>
   </p:notesMasterIdLst>
   <p:sldIdLst>
     <p:sldId id="279" r:id="rId2"/>
     <p:sldId id="280" r:id="rId3"/>
-    <p:sldId id="288" r:id="rId4"/>
-    <p:sldId id="289" r:id="rId5"/>
-    <p:sldId id="290" r:id="rId6"/>
-    <p:sldId id="291" r:id="rId7"/>
-    <p:sldId id="281" r:id="rId8"/>
-    <p:sldId id="292" r:id="rId9"/>
-    <p:sldId id="293" r:id="rId10"/>
-    <p:sldId id="295" r:id="rId11"/>
-    <p:sldId id="287" r:id="rId12"/>
+    <p:sldId id="296" r:id="rId4"/>
+    <p:sldId id="288" r:id="rId5"/>
+    <p:sldId id="289" r:id="rId6"/>
+    <p:sldId id="290" r:id="rId7"/>
+    <p:sldId id="291" r:id="rId8"/>
+    <p:sldId id="281" r:id="rId9"/>
+    <p:sldId id="292" r:id="rId10"/>
+    <p:sldId id="293" r:id="rId11"/>
+    <p:sldId id="295" r:id="rId12"/>
+    <p:sldId id="287" r:id="rId13"/>
   </p:sldIdLst>
   <p:sldSz cx="12192000" cy="6858000"/>
   <p:notesSz cx="6858000" cy="9144000"/>
@@ -9948,6 +9949,70 @@
       </p:grpSpPr>
       <p:sp>
         <p:nvSpPr>
+          <p:cNvPr id="4" name="제목 3"/>
+          <p:cNvSpPr>
+            <a:spLocks noGrp="1"/>
+          </p:cNvSpPr>
+          <p:nvPr>
+            <p:ph type="title"/>
+          </p:nvPr>
+        </p:nvSpPr>
+        <p:spPr/>
+        <p:txBody>
+          <a:bodyPr/>
+          <a:lstStyle/>
+          <a:p>
+            <a:r>
+              <a:rPr lang="ko-KR" altLang="en-US" dirty="0"/>
+              <a:t>출처</a:t>
+            </a:r>
+          </a:p>
+        </p:txBody>
+      </p:sp>
+    </p:spTree>
+    <p:extLst>
+      <p:ext uri="{BB962C8B-B14F-4D97-AF65-F5344CB8AC3E}">
+        <p14:creationId xmlns:p14="http://schemas.microsoft.com/office/powerpoint/2010/main" val="2600011812"/>
+      </p:ext>
+    </p:extLst>
+  </p:cSld>
+  <p:clrMapOvr>
+    <a:masterClrMapping/>
+  </p:clrMapOvr>
+  <mc:AlternateContent xmlns:mc="http://schemas.openxmlformats.org/markup-compatibility/2006" xmlns:p14="http://schemas.microsoft.com/office/powerpoint/2010/main">
+    <mc:Choice Requires="p14">
+      <p:transition spd="med" p14:dur="700">
+        <p:fade/>
+      </p:transition>
+    </mc:Choice>
+    <mc:Fallback xmlns="">
+      <p:transition spd="med">
+        <p:fade/>
+      </p:transition>
+    </mc:Fallback>
+  </mc:AlternateContent>
+</p:sld>
+</file>
+
+<file path=ppt/slides/slide11.xml><?xml version="1.0" encoding="utf-8"?>
+<p:sld xmlns:a="http://schemas.openxmlformats.org/drawingml/2006/main" xmlns:r="http://schemas.openxmlformats.org/officeDocument/2006/relationships" xmlns:p="http://schemas.openxmlformats.org/presentationml/2006/main">
+  <p:cSld>
+    <p:spTree>
+      <p:nvGrpSpPr>
+        <p:cNvPr id="1" name=""/>
+        <p:cNvGrpSpPr/>
+        <p:nvPr/>
+      </p:nvGrpSpPr>
+      <p:grpSpPr>
+        <a:xfrm>
+          <a:off x="0" y="0"/>
+          <a:ext cx="0" cy="0"/>
+          <a:chOff x="0" y="0"/>
+          <a:chExt cx="0" cy="0"/>
+        </a:xfrm>
+      </p:grpSpPr>
+      <p:sp>
+        <p:nvSpPr>
           <p:cNvPr id="2" name="TextBox 1"/>
           <p:cNvSpPr txBox="1"/>
           <p:nvPr/>
@@ -10118,7 +10183,7 @@
 </p:sld>
 </file>
 
-<file path=ppt/slides/slide11.xml><?xml version="1.0" encoding="utf-8"?>
+<file path=ppt/slides/slide12.xml><?xml version="1.0" encoding="utf-8"?>
 <p:sld xmlns:a="http://schemas.openxmlformats.org/drawingml/2006/main" xmlns:r="http://schemas.openxmlformats.org/officeDocument/2006/relationships" xmlns:p="http://schemas.openxmlformats.org/presentationml/2006/main">
   <p:cSld>
     <p:spTree>
@@ -12093,6 +12158,188 @@
       </p:grpSpPr>
       <p:sp>
         <p:nvSpPr>
+          <p:cNvPr id="2" name="제목 1">
+            <a:extLst>
+              <a:ext uri="{FF2B5EF4-FFF2-40B4-BE49-F238E27FC236}">
+                <a16:creationId xmlns:a16="http://schemas.microsoft.com/office/drawing/2014/main" id="{DDA58543-E65E-418E-BC4D-ECE19DE32264}"/>
+              </a:ext>
+            </a:extLst>
+          </p:cNvPr>
+          <p:cNvSpPr>
+            <a:spLocks noGrp="1"/>
+          </p:cNvSpPr>
+          <p:nvPr>
+            <p:ph type="title"/>
+          </p:nvPr>
+        </p:nvSpPr>
+        <p:spPr/>
+        <p:txBody>
+          <a:bodyPr/>
+          <a:lstStyle/>
+          <a:p>
+            <a:endParaRPr lang="ko-KR" altLang="en-US"/>
+          </a:p>
+        </p:txBody>
+      </p:sp>
+      <p:sp>
+        <p:nvSpPr>
+          <p:cNvPr id="3" name="텍스트 개체 틀 2">
+            <a:extLst>
+              <a:ext uri="{FF2B5EF4-FFF2-40B4-BE49-F238E27FC236}">
+                <a16:creationId xmlns:a16="http://schemas.microsoft.com/office/drawing/2014/main" id="{FC22AB71-C645-4261-AAC6-B5D7B26371A2}"/>
+              </a:ext>
+            </a:extLst>
+          </p:cNvPr>
+          <p:cNvSpPr>
+            <a:spLocks noGrp="1"/>
+          </p:cNvSpPr>
+          <p:nvPr>
+            <p:ph type="body" sz="quarter" idx="13"/>
+          </p:nvPr>
+        </p:nvSpPr>
+        <p:spPr/>
+        <p:txBody>
+          <a:bodyPr/>
+          <a:lstStyle/>
+          <a:p>
+            <a:endParaRPr lang="ko-KR" altLang="en-US"/>
+          </a:p>
+        </p:txBody>
+      </p:sp>
+      <p:pic>
+        <p:nvPicPr>
+          <p:cNvPr id="4" name="그림 3">
+            <a:extLst>
+              <a:ext uri="{FF2B5EF4-FFF2-40B4-BE49-F238E27FC236}">
+                <a16:creationId xmlns:a16="http://schemas.microsoft.com/office/drawing/2014/main" id="{747F4685-747D-4A19-AB04-24E03F11C99B}"/>
+              </a:ext>
+            </a:extLst>
+          </p:cNvPr>
+          <p:cNvPicPr>
+            <a:picLocks noChangeAspect="1"/>
+          </p:cNvPicPr>
+          <p:nvPr/>
+        </p:nvPicPr>
+        <p:blipFill>
+          <a:blip r:embed="rId2"/>
+          <a:stretch>
+            <a:fillRect/>
+          </a:stretch>
+        </p:blipFill>
+        <p:spPr>
+          <a:xfrm>
+            <a:off x="2676047" y="2090550"/>
+            <a:ext cx="6839905" cy="2676899"/>
+          </a:xfrm>
+          <a:prstGeom prst="rect">
+            <a:avLst/>
+          </a:prstGeom>
+        </p:spPr>
+      </p:pic>
+      <p:pic>
+        <p:nvPicPr>
+          <p:cNvPr id="5" name="그림 4">
+            <a:extLst>
+              <a:ext uri="{FF2B5EF4-FFF2-40B4-BE49-F238E27FC236}">
+                <a16:creationId xmlns:a16="http://schemas.microsoft.com/office/drawing/2014/main" id="{9A4AEB2B-C2E8-479F-B5A5-DCE108731CE5}"/>
+              </a:ext>
+            </a:extLst>
+          </p:cNvPr>
+          <p:cNvPicPr>
+            <a:picLocks noChangeAspect="1"/>
+          </p:cNvPicPr>
+          <p:nvPr/>
+        </p:nvPicPr>
+        <p:blipFill>
+          <a:blip r:embed="rId3"/>
+          <a:stretch>
+            <a:fillRect/>
+          </a:stretch>
+        </p:blipFill>
+        <p:spPr>
+          <a:xfrm>
+            <a:off x="1016000" y="5308416"/>
+            <a:ext cx="7430537" cy="1314633"/>
+          </a:xfrm>
+          <a:prstGeom prst="rect">
+            <a:avLst/>
+          </a:prstGeom>
+        </p:spPr>
+      </p:pic>
+      <p:pic>
+        <p:nvPicPr>
+          <p:cNvPr id="6" name="그림 5">
+            <a:extLst>
+              <a:ext uri="{FF2B5EF4-FFF2-40B4-BE49-F238E27FC236}">
+                <a16:creationId xmlns:a16="http://schemas.microsoft.com/office/drawing/2014/main" id="{6D3ABFEF-4B6E-448F-860B-1E042B75B2EE}"/>
+              </a:ext>
+            </a:extLst>
+          </p:cNvPr>
+          <p:cNvPicPr>
+            <a:picLocks noChangeAspect="1"/>
+          </p:cNvPicPr>
+          <p:nvPr/>
+        </p:nvPicPr>
+        <p:blipFill>
+          <a:blip r:embed="rId4"/>
+          <a:stretch>
+            <a:fillRect/>
+          </a:stretch>
+        </p:blipFill>
+        <p:spPr>
+          <a:xfrm>
+            <a:off x="6095999" y="4813047"/>
+            <a:ext cx="1438476" cy="495369"/>
+          </a:xfrm>
+          <a:prstGeom prst="rect">
+            <a:avLst/>
+          </a:prstGeom>
+        </p:spPr>
+      </p:pic>
+    </p:spTree>
+    <p:extLst>
+      <p:ext uri="{BB962C8B-B14F-4D97-AF65-F5344CB8AC3E}">
+        <p14:creationId xmlns:p14="http://schemas.microsoft.com/office/powerpoint/2010/main" val="3409901545"/>
+      </p:ext>
+    </p:extLst>
+  </p:cSld>
+  <p:clrMapOvr>
+    <a:masterClrMapping/>
+  </p:clrMapOvr>
+  <mc:AlternateContent xmlns:mc="http://schemas.openxmlformats.org/markup-compatibility/2006" xmlns:p14="http://schemas.microsoft.com/office/powerpoint/2010/main">
+    <mc:Choice Requires="p14">
+      <p:transition spd="med" p14:dur="700">
+        <p:fade/>
+      </p:transition>
+    </mc:Choice>
+    <mc:Fallback xmlns="">
+      <p:transition spd="med">
+        <p:fade/>
+      </p:transition>
+    </mc:Fallback>
+  </mc:AlternateContent>
+</p:sld>
+</file>
+
+<file path=ppt/slides/slide4.xml><?xml version="1.0" encoding="utf-8"?>
+<p:sld xmlns:a="http://schemas.openxmlformats.org/drawingml/2006/main" xmlns:r="http://schemas.openxmlformats.org/officeDocument/2006/relationships" xmlns:p="http://schemas.openxmlformats.org/presentationml/2006/main">
+  <p:cSld>
+    <p:spTree>
+      <p:nvGrpSpPr>
+        <p:cNvPr id="1" name=""/>
+        <p:cNvGrpSpPr/>
+        <p:nvPr/>
+      </p:nvGrpSpPr>
+      <p:grpSpPr>
+        <a:xfrm>
+          <a:off x="0" y="0"/>
+          <a:ext cx="0" cy="0"/>
+          <a:chOff x="0" y="0"/>
+          <a:chExt cx="0" cy="0"/>
+        </a:xfrm>
+      </p:grpSpPr>
+      <p:sp>
+        <p:nvSpPr>
           <p:cNvPr id="14" name="제목 13"/>
           <p:cNvSpPr>
             <a:spLocks noGrp="1"/>
@@ -12141,10 +12388,10 @@
       </p:sp>
       <p:pic>
         <p:nvPicPr>
-          <p:cNvPr id="3" name="그림 2">
+          <p:cNvPr id="4" name="그림 3">
             <a:extLst>
               <a:ext uri="{FF2B5EF4-FFF2-40B4-BE49-F238E27FC236}">
-                <a16:creationId xmlns:a16="http://schemas.microsoft.com/office/drawing/2014/main" id="{C7260820-2C74-4AF5-A5C2-3CE771AD0E98}"/>
+                <a16:creationId xmlns:a16="http://schemas.microsoft.com/office/drawing/2014/main" id="{BF9CCF59-4F09-4583-BC48-9F8531B9A77B}"/>
               </a:ext>
             </a:extLst>
           </p:cNvPr>
@@ -12154,21 +12401,15 @@
           <p:nvPr/>
         </p:nvPicPr>
         <p:blipFill>
-          <a:blip r:embed="rId2">
-            <a:extLst>
-              <a:ext uri="{28A0092B-C50C-407E-A947-70E740481C1C}">
-                <a14:useLocalDpi xmlns:a14="http://schemas.microsoft.com/office/drawing/2010/main" val="0"/>
-              </a:ext>
-            </a:extLst>
-          </a:blip>
+          <a:blip r:embed="rId2"/>
           <a:stretch>
             <a:fillRect/>
           </a:stretch>
         </p:blipFill>
         <p:spPr>
           <a:xfrm>
-            <a:off x="0" y="1079691"/>
-            <a:ext cx="12173954" cy="2866667"/>
+            <a:off x="1346518" y="1344012"/>
+            <a:ext cx="8916644" cy="2915057"/>
           </a:xfrm>
           <a:prstGeom prst="rect">
             <a:avLst/>
@@ -12200,7 +12441,7 @@
 </p:sld>
 </file>
 
-<file path=ppt/slides/slide4.xml><?xml version="1.0" encoding="utf-8"?>
+<file path=ppt/slides/slide5.xml><?xml version="1.0" encoding="utf-8"?>
 <p:sld xmlns:a="http://schemas.openxmlformats.org/drawingml/2006/main" xmlns:r="http://schemas.openxmlformats.org/officeDocument/2006/relationships" xmlns:p="http://schemas.openxmlformats.org/presentationml/2006/main">
   <p:cSld>
     <p:spTree>
@@ -12263,10 +12504,10 @@
       </p:sp>
       <p:pic>
         <p:nvPicPr>
-          <p:cNvPr id="5" name="그림 4">
+          <p:cNvPr id="7" name="그림 6">
             <a:extLst>
               <a:ext uri="{FF2B5EF4-FFF2-40B4-BE49-F238E27FC236}">
-                <a16:creationId xmlns:a16="http://schemas.microsoft.com/office/drawing/2014/main" id="{F8DF6EA9-EE04-42A8-A67F-FF1E6223B36D}"/>
+                <a16:creationId xmlns:a16="http://schemas.microsoft.com/office/drawing/2014/main" id="{7867B66E-EC8C-425A-9D86-FD2B164907FE}"/>
               </a:ext>
             </a:extLst>
           </p:cNvPr>
@@ -12276,62 +12517,21 @@
           <p:nvPr/>
         </p:nvPicPr>
         <p:blipFill>
-          <a:blip r:embed="rId2">
-            <a:extLst>
-              <a:ext uri="{28A0092B-C50C-407E-A947-70E740481C1C}">
-                <a14:useLocalDpi xmlns:a14="http://schemas.microsoft.com/office/drawing/2010/main" val="0"/>
-              </a:ext>
-            </a:extLst>
-          </a:blip>
+          <a:blip r:embed="rId2"/>
           <a:stretch>
             <a:fillRect/>
           </a:stretch>
         </p:blipFill>
         <p:spPr>
           <a:xfrm>
-            <a:off x="0" y="1136016"/>
-            <a:ext cx="12192000" cy="3483428"/>
+            <a:off x="1346517" y="1312248"/>
+            <a:ext cx="8783276" cy="2924583"/>
           </a:xfrm>
           <a:prstGeom prst="rect">
             <a:avLst/>
           </a:prstGeom>
         </p:spPr>
       </p:pic>
-      <p:sp>
-        <p:nvSpPr>
-          <p:cNvPr id="6" name="TextBox 5">
-            <a:extLst>
-              <a:ext uri="{FF2B5EF4-FFF2-40B4-BE49-F238E27FC236}">
-                <a16:creationId xmlns:a16="http://schemas.microsoft.com/office/drawing/2014/main" id="{B83D923B-45C3-437F-B7F8-0D4C9D0B038A}"/>
-              </a:ext>
-            </a:extLst>
-          </p:cNvPr>
-          <p:cNvSpPr txBox="1"/>
-          <p:nvPr/>
-        </p:nvSpPr>
-        <p:spPr>
-          <a:xfrm>
-            <a:off x="540848" y="4764343"/>
-            <a:ext cx="1611339" cy="369332"/>
-          </a:xfrm>
-          <a:prstGeom prst="rect">
-            <a:avLst/>
-          </a:prstGeom>
-          <a:noFill/>
-        </p:spPr>
-        <p:txBody>
-          <a:bodyPr wrap="none" rtlCol="0">
-            <a:spAutoFit/>
-          </a:bodyPr>
-          <a:lstStyle/>
-          <a:p>
-            <a:r>
-              <a:rPr lang="ko-KR" altLang="en-US" dirty="0"/>
-              <a:t>여백 제거 시도</a:t>
-            </a:r>
-          </a:p>
-        </p:txBody>
-      </p:sp>
     </p:spTree>
     <p:extLst>
       <p:ext uri="{BB962C8B-B14F-4D97-AF65-F5344CB8AC3E}">
@@ -12354,131 +12554,10 @@
       </p:transition>
     </mc:Fallback>
   </mc:AlternateContent>
-  <p:timing>
-    <p:tnLst>
-      <p:par>
-        <p:cTn id="1" dur="indefinite" restart="never" nodeType="tmRoot">
-          <p:childTnLst>
-            <p:seq concurrent="1" nextAc="seek">
-              <p:cTn id="2" dur="indefinite" nodeType="mainSeq">
-                <p:childTnLst>
-                  <p:par>
-                    <p:cTn id="3" fill="hold">
-                      <p:stCondLst>
-                        <p:cond delay="indefinite"/>
-                      </p:stCondLst>
-                      <p:childTnLst>
-                        <p:par>
-                          <p:cTn id="4" fill="hold">
-                            <p:stCondLst>
-                              <p:cond delay="0"/>
-                            </p:stCondLst>
-                            <p:childTnLst>
-                              <p:par>
-                                <p:cTn id="5" presetID="2" presetClass="entr" presetSubtype="4" fill="hold" nodeType="clickEffect">
-                                  <p:stCondLst>
-                                    <p:cond delay="0"/>
-                                  </p:stCondLst>
-                                  <p:childTnLst>
-                                    <p:set>
-                                      <p:cBhvr>
-                                        <p:cTn id="6" dur="1" fill="hold">
-                                          <p:stCondLst>
-                                            <p:cond delay="0"/>
-                                          </p:stCondLst>
-                                        </p:cTn>
-                                        <p:tgtEl>
-                                          <p:spTgt spid="5"/>
-                                        </p:tgtEl>
-                                        <p:attrNameLst>
-                                          <p:attrName>style.visibility</p:attrName>
-                                        </p:attrNameLst>
-                                      </p:cBhvr>
-                                      <p:to>
-                                        <p:strVal val="visible"/>
-                                      </p:to>
-                                    </p:set>
-                                    <p:anim calcmode="lin" valueType="num">
-                                      <p:cBhvr additive="base">
-                                        <p:cTn id="7" dur="250" fill="hold"/>
-                                        <p:tgtEl>
-                                          <p:spTgt spid="5"/>
-                                        </p:tgtEl>
-                                        <p:attrNameLst>
-                                          <p:attrName>ppt_x</p:attrName>
-                                        </p:attrNameLst>
-                                      </p:cBhvr>
-                                      <p:tavLst>
-                                        <p:tav tm="0">
-                                          <p:val>
-                                            <p:strVal val="#ppt_x"/>
-                                          </p:val>
-                                        </p:tav>
-                                        <p:tav tm="100000">
-                                          <p:val>
-                                            <p:strVal val="#ppt_x"/>
-                                          </p:val>
-                                        </p:tav>
-                                      </p:tavLst>
-                                    </p:anim>
-                                    <p:anim calcmode="lin" valueType="num">
-                                      <p:cBhvr additive="base">
-                                        <p:cTn id="8" dur="250" fill="hold"/>
-                                        <p:tgtEl>
-                                          <p:spTgt spid="5"/>
-                                        </p:tgtEl>
-                                        <p:attrNameLst>
-                                          <p:attrName>ppt_y</p:attrName>
-                                        </p:attrNameLst>
-                                      </p:cBhvr>
-                                      <p:tavLst>
-                                        <p:tav tm="0">
-                                          <p:val>
-                                            <p:strVal val="1+#ppt_h/2"/>
-                                          </p:val>
-                                        </p:tav>
-                                        <p:tav tm="100000">
-                                          <p:val>
-                                            <p:strVal val="#ppt_y"/>
-                                          </p:val>
-                                        </p:tav>
-                                      </p:tavLst>
-                                    </p:anim>
-                                  </p:childTnLst>
-                                </p:cTn>
-                              </p:par>
-                            </p:childTnLst>
-                          </p:cTn>
-                        </p:par>
-                      </p:childTnLst>
-                    </p:cTn>
-                  </p:par>
-                </p:childTnLst>
-              </p:cTn>
-              <p:prevCondLst>
-                <p:cond evt="onPrev" delay="0">
-                  <p:tgtEl>
-                    <p:sldTgt/>
-                  </p:tgtEl>
-                </p:cond>
-              </p:prevCondLst>
-              <p:nextCondLst>
-                <p:cond evt="onNext" delay="0">
-                  <p:tgtEl>
-                    <p:sldTgt/>
-                  </p:tgtEl>
-                </p:cond>
-              </p:nextCondLst>
-            </p:seq>
-          </p:childTnLst>
-        </p:cTn>
-      </p:par>
-    </p:tnLst>
-  </p:timing>
 </p:sld>
 </file>
 
-<file path=ppt/slides/slide5.xml><?xml version="1.0" encoding="utf-8"?>
+<file path=ppt/slides/slide6.xml><?xml version="1.0" encoding="utf-8"?>
 <p:sld xmlns:a="http://schemas.openxmlformats.org/drawingml/2006/main" xmlns:r="http://schemas.openxmlformats.org/officeDocument/2006/relationships" xmlns:p="http://schemas.openxmlformats.org/presentationml/2006/main">
   <p:cSld>
     <p:spTree>
@@ -12541,10 +12620,10 @@
       </p:sp>
       <p:pic>
         <p:nvPicPr>
-          <p:cNvPr id="5" name="그림 4">
+          <p:cNvPr id="4" name="그림 3">
             <a:extLst>
               <a:ext uri="{FF2B5EF4-FFF2-40B4-BE49-F238E27FC236}">
-                <a16:creationId xmlns:a16="http://schemas.microsoft.com/office/drawing/2014/main" id="{BD6ECFE8-AEF0-4269-BE01-29A245C74772}"/>
+                <a16:creationId xmlns:a16="http://schemas.microsoft.com/office/drawing/2014/main" id="{FE5A7838-6A12-48AD-8D8B-37C17CD5FDE0}"/>
               </a:ext>
             </a:extLst>
           </p:cNvPr>
@@ -12554,68 +12633,27 @@
           <p:nvPr/>
         </p:nvPicPr>
         <p:blipFill>
-          <a:blip r:embed="rId2">
-            <a:extLst>
-              <a:ext uri="{28A0092B-C50C-407E-A947-70E740481C1C}">
-                <a14:useLocalDpi xmlns:a14="http://schemas.microsoft.com/office/drawing/2010/main" val="0"/>
-              </a:ext>
-            </a:extLst>
-          </a:blip>
+          <a:blip r:embed="rId2"/>
           <a:stretch>
             <a:fillRect/>
           </a:stretch>
         </p:blipFill>
         <p:spPr>
           <a:xfrm>
-            <a:off x="0" y="1136016"/>
-            <a:ext cx="12192000" cy="3483428"/>
+            <a:off x="3018995" y="1136016"/>
+            <a:ext cx="6154009" cy="3801005"/>
           </a:xfrm>
           <a:prstGeom prst="rect">
             <a:avLst/>
           </a:prstGeom>
         </p:spPr>
       </p:pic>
-      <p:sp>
-        <p:nvSpPr>
-          <p:cNvPr id="6" name="TextBox 5">
+      <p:pic>
+        <p:nvPicPr>
+          <p:cNvPr id="7" name="그림 6">
             <a:extLst>
               <a:ext uri="{FF2B5EF4-FFF2-40B4-BE49-F238E27FC236}">
-                <a16:creationId xmlns:a16="http://schemas.microsoft.com/office/drawing/2014/main" id="{8ED6488B-0611-47ED-B2A5-DA9CE4302EE4}"/>
-              </a:ext>
-            </a:extLst>
-          </p:cNvPr>
-          <p:cNvSpPr txBox="1"/>
-          <p:nvPr/>
-        </p:nvSpPr>
-        <p:spPr>
-          <a:xfrm>
-            <a:off x="540848" y="4764343"/>
-            <a:ext cx="1611339" cy="369332"/>
-          </a:xfrm>
-          <a:prstGeom prst="rect">
-            <a:avLst/>
-          </a:prstGeom>
-          <a:noFill/>
-        </p:spPr>
-        <p:txBody>
-          <a:bodyPr wrap="none" rtlCol="0">
-            <a:spAutoFit/>
-          </a:bodyPr>
-          <a:lstStyle/>
-          <a:p>
-            <a:r>
-              <a:rPr lang="ko-KR" altLang="en-US" dirty="0"/>
-              <a:t>여백 제거 시도</a:t>
-            </a:r>
-          </a:p>
-        </p:txBody>
-      </p:sp>
-      <p:pic>
-        <p:nvPicPr>
-          <p:cNvPr id="8" name="그림 7">
-            <a:extLst>
-              <a:ext uri="{FF2B5EF4-FFF2-40B4-BE49-F238E27FC236}">
-                <a16:creationId xmlns:a16="http://schemas.microsoft.com/office/drawing/2014/main" id="{2D0A7031-438D-44C1-AF43-6B17994AC8E6}"/>
+                <a16:creationId xmlns:a16="http://schemas.microsoft.com/office/drawing/2014/main" id="{1761C0A0-5681-459A-8C9D-A0B23CB03CDD}"/>
               </a:ext>
             </a:extLst>
           </p:cNvPr>
@@ -12625,21 +12663,15 @@
           <p:nvPr/>
         </p:nvPicPr>
         <p:blipFill>
-          <a:blip r:embed="rId3">
-            <a:extLst>
-              <a:ext uri="{28A0092B-C50C-407E-A947-70E740481C1C}">
-                <a14:useLocalDpi xmlns:a14="http://schemas.microsoft.com/office/drawing/2010/main" val="0"/>
-              </a:ext>
-            </a:extLst>
-          </a:blip>
+          <a:blip r:embed="rId3"/>
           <a:stretch>
             <a:fillRect/>
           </a:stretch>
         </p:blipFill>
         <p:spPr>
           <a:xfrm>
-            <a:off x="-112295" y="5133675"/>
-            <a:ext cx="12192000" cy="3483428"/>
+            <a:off x="3018995" y="4971787"/>
+            <a:ext cx="6154009" cy="3772426"/>
           </a:xfrm>
           <a:prstGeom prst="rect">
             <a:avLst/>
@@ -12671,7 +12703,7 @@
 </p:sld>
 </file>
 
-<file path=ppt/slides/slide6.xml><?xml version="1.0" encoding="utf-8"?>
+<file path=ppt/slides/slide7.xml><?xml version="1.0" encoding="utf-8"?>
 <p:sld xmlns:a="http://schemas.openxmlformats.org/drawingml/2006/main" xmlns:r="http://schemas.openxmlformats.org/officeDocument/2006/relationships" xmlns:p="http://schemas.openxmlformats.org/presentationml/2006/main">
   <p:cSld>
     <p:spTree>
@@ -12953,7 +12985,7 @@
 </p:sld>
 </file>
 
-<file path=ppt/slides/slide7.xml><?xml version="1.0" encoding="utf-8"?>
+<file path=ppt/slides/slide8.xml><?xml version="1.0" encoding="utf-8"?>
 <p:sld xmlns:a="http://schemas.openxmlformats.org/drawingml/2006/main" xmlns:r="http://schemas.openxmlformats.org/officeDocument/2006/relationships" xmlns:p="http://schemas.openxmlformats.org/presentationml/2006/main" showMasterPhAnim="0">
   <p:cSld>
     <p:spTree>
@@ -14198,7 +14230,7 @@
 </p:sld>
 </file>
 
-<file path=ppt/slides/slide8.xml><?xml version="1.0" encoding="utf-8"?>
+<file path=ppt/slides/slide9.xml><?xml version="1.0" encoding="utf-8"?>
 <p:sld xmlns:a="http://schemas.openxmlformats.org/drawingml/2006/main" xmlns:r="http://schemas.openxmlformats.org/officeDocument/2006/relationships" xmlns:p="http://schemas.openxmlformats.org/presentationml/2006/main">
   <p:cSld>
     <p:spTree>
@@ -14296,70 +14328,6 @@
     <p:extLst>
       <p:ext uri="{BB962C8B-B14F-4D97-AF65-F5344CB8AC3E}">
         <p14:creationId xmlns:p14="http://schemas.microsoft.com/office/powerpoint/2010/main" val="3502499193"/>
-      </p:ext>
-    </p:extLst>
-  </p:cSld>
-  <p:clrMapOvr>
-    <a:masterClrMapping/>
-  </p:clrMapOvr>
-  <mc:AlternateContent xmlns:mc="http://schemas.openxmlformats.org/markup-compatibility/2006" xmlns:p14="http://schemas.microsoft.com/office/powerpoint/2010/main">
-    <mc:Choice Requires="p14">
-      <p:transition spd="med" p14:dur="700">
-        <p:fade/>
-      </p:transition>
-    </mc:Choice>
-    <mc:Fallback xmlns="">
-      <p:transition spd="med">
-        <p:fade/>
-      </p:transition>
-    </mc:Fallback>
-  </mc:AlternateContent>
-</p:sld>
-</file>
-
-<file path=ppt/slides/slide9.xml><?xml version="1.0" encoding="utf-8"?>
-<p:sld xmlns:a="http://schemas.openxmlformats.org/drawingml/2006/main" xmlns:r="http://schemas.openxmlformats.org/officeDocument/2006/relationships" xmlns:p="http://schemas.openxmlformats.org/presentationml/2006/main">
-  <p:cSld>
-    <p:spTree>
-      <p:nvGrpSpPr>
-        <p:cNvPr id="1" name=""/>
-        <p:cNvGrpSpPr/>
-        <p:nvPr/>
-      </p:nvGrpSpPr>
-      <p:grpSpPr>
-        <a:xfrm>
-          <a:off x="0" y="0"/>
-          <a:ext cx="0" cy="0"/>
-          <a:chOff x="0" y="0"/>
-          <a:chExt cx="0" cy="0"/>
-        </a:xfrm>
-      </p:grpSpPr>
-      <p:sp>
-        <p:nvSpPr>
-          <p:cNvPr id="4" name="제목 3"/>
-          <p:cNvSpPr>
-            <a:spLocks noGrp="1"/>
-          </p:cNvSpPr>
-          <p:nvPr>
-            <p:ph type="title"/>
-          </p:nvPr>
-        </p:nvSpPr>
-        <p:spPr/>
-        <p:txBody>
-          <a:bodyPr/>
-          <a:lstStyle/>
-          <a:p>
-            <a:r>
-              <a:rPr lang="ko-KR" altLang="en-US" dirty="0"/>
-              <a:t>출처</a:t>
-            </a:r>
-          </a:p>
-        </p:txBody>
-      </p:sp>
-    </p:spTree>
-    <p:extLst>
-      <p:ext uri="{BB962C8B-B14F-4D97-AF65-F5344CB8AC3E}">
-        <p14:creationId xmlns:p14="http://schemas.microsoft.com/office/powerpoint/2010/main" val="2600011812"/>
       </p:ext>
     </p:extLst>
   </p:cSld>

--- a/3조_1차_재활용도움센터 위치 선정.pptx
+++ b/3조_1차_재활용도움센터 위치 선정.pptx
@@ -5,21 +5,22 @@
     <p:sldMasterId id="2147483745" r:id="rId1"/>
   </p:sldMasterIdLst>
   <p:notesMasterIdLst>
-    <p:notesMasterId r:id="rId14"/>
+    <p:notesMasterId r:id="rId15"/>
   </p:notesMasterIdLst>
   <p:sldIdLst>
     <p:sldId id="279" r:id="rId2"/>
     <p:sldId id="280" r:id="rId3"/>
-    <p:sldId id="296" r:id="rId4"/>
-    <p:sldId id="288" r:id="rId5"/>
-    <p:sldId id="289" r:id="rId6"/>
-    <p:sldId id="290" r:id="rId7"/>
-    <p:sldId id="291" r:id="rId8"/>
-    <p:sldId id="281" r:id="rId9"/>
-    <p:sldId id="292" r:id="rId10"/>
-    <p:sldId id="293" r:id="rId11"/>
-    <p:sldId id="295" r:id="rId12"/>
-    <p:sldId id="287" r:id="rId13"/>
+    <p:sldId id="297" r:id="rId4"/>
+    <p:sldId id="296" r:id="rId5"/>
+    <p:sldId id="288" r:id="rId6"/>
+    <p:sldId id="289" r:id="rId7"/>
+    <p:sldId id="290" r:id="rId8"/>
+    <p:sldId id="291" r:id="rId9"/>
+    <p:sldId id="281" r:id="rId10"/>
+    <p:sldId id="292" r:id="rId11"/>
+    <p:sldId id="293" r:id="rId12"/>
+    <p:sldId id="295" r:id="rId13"/>
+    <p:sldId id="287" r:id="rId14"/>
   </p:sldIdLst>
   <p:sldSz cx="12192000" cy="6858000"/>
   <p:notesSz cx="6858000" cy="9144000"/>
@@ -9561,7 +9562,15 @@
             </a:r>
             <a:r>
               <a:rPr lang="ko-KR" altLang="en-US" dirty="0"/>
-              <a:t>이소정 김대현 박민혁 현동엽</a:t>
+              <a:t>이소정 김대현 </a:t>
+            </a:r>
+            <a:r>
+              <a:rPr lang="ko-KR" altLang="en-US" dirty="0" err="1"/>
+              <a:t>현동엽</a:t>
+            </a:r>
+            <a:r>
+              <a:rPr lang="ko-KR" altLang="en-US" dirty="0"/>
+              <a:t> 박민혁</a:t>
             </a:r>
           </a:p>
         </p:txBody>
@@ -9949,6 +9958,125 @@
       </p:grpSpPr>
       <p:sp>
         <p:nvSpPr>
+          <p:cNvPr id="7" name="제목 6"/>
+          <p:cNvSpPr>
+            <a:spLocks noGrp="1"/>
+          </p:cNvSpPr>
+          <p:nvPr>
+            <p:ph type="title"/>
+          </p:nvPr>
+        </p:nvSpPr>
+        <p:spPr/>
+        <p:txBody>
+          <a:bodyPr/>
+          <a:lstStyle/>
+          <a:p>
+            <a:r>
+              <a:rPr lang="en-US" altLang="ko-KR" dirty="0"/>
+              <a:t>MODELING</a:t>
+            </a:r>
+            <a:endParaRPr lang="ko-KR" altLang="en-US" dirty="0"/>
+          </a:p>
+        </p:txBody>
+      </p:sp>
+      <p:sp>
+        <p:nvSpPr>
+          <p:cNvPr id="8" name="텍스트 개체 틀 7"/>
+          <p:cNvSpPr>
+            <a:spLocks noGrp="1"/>
+          </p:cNvSpPr>
+          <p:nvPr>
+            <p:ph type="body" sz="quarter" idx="13"/>
+          </p:nvPr>
+        </p:nvSpPr>
+        <p:spPr/>
+        <p:txBody>
+          <a:bodyPr/>
+          <a:lstStyle/>
+          <a:p>
+            <a:endParaRPr lang="ko-KR" altLang="en-US"/>
+          </a:p>
+        </p:txBody>
+      </p:sp>
+      <p:sp>
+        <p:nvSpPr>
+          <p:cNvPr id="4" name="TextBox 3">
+            <a:extLst>
+              <a:ext uri="{FF2B5EF4-FFF2-40B4-BE49-F238E27FC236}">
+                <a16:creationId xmlns:a16="http://schemas.microsoft.com/office/drawing/2014/main" id="{337619A4-61CE-47DB-9CE2-F961CA1CB7D9}"/>
+              </a:ext>
+            </a:extLst>
+          </p:cNvPr>
+          <p:cNvSpPr txBox="1"/>
+          <p:nvPr/>
+        </p:nvSpPr>
+        <p:spPr>
+          <a:xfrm>
+            <a:off x="540848" y="4764343"/>
+            <a:ext cx="3751348" cy="369332"/>
+          </a:xfrm>
+          <a:prstGeom prst="rect">
+            <a:avLst/>
+          </a:prstGeom>
+          <a:noFill/>
+        </p:spPr>
+        <p:txBody>
+          <a:bodyPr wrap="none" rtlCol="0">
+            <a:spAutoFit/>
+          </a:bodyPr>
+          <a:lstStyle/>
+          <a:p>
+            <a:r>
+              <a:rPr lang="ko-KR" altLang="en-US" dirty="0"/>
+              <a:t>이후 모델링하고 지도 슬라이드 추가</a:t>
+            </a:r>
+          </a:p>
+        </p:txBody>
+      </p:sp>
+    </p:spTree>
+    <p:extLst>
+      <p:ext uri="{BB962C8B-B14F-4D97-AF65-F5344CB8AC3E}">
+        <p14:creationId xmlns:p14="http://schemas.microsoft.com/office/powerpoint/2010/main" val="3502499193"/>
+      </p:ext>
+    </p:extLst>
+  </p:cSld>
+  <p:clrMapOvr>
+    <a:masterClrMapping/>
+  </p:clrMapOvr>
+  <mc:AlternateContent xmlns:mc="http://schemas.openxmlformats.org/markup-compatibility/2006" xmlns:p14="http://schemas.microsoft.com/office/powerpoint/2010/main">
+    <mc:Choice Requires="p14">
+      <p:transition spd="med" p14:dur="700">
+        <p:fade/>
+      </p:transition>
+    </mc:Choice>
+    <mc:Fallback xmlns="">
+      <p:transition spd="med">
+        <p:fade/>
+      </p:transition>
+    </mc:Fallback>
+  </mc:AlternateContent>
+</p:sld>
+</file>
+
+<file path=ppt/slides/slide11.xml><?xml version="1.0" encoding="utf-8"?>
+<p:sld xmlns:a="http://schemas.openxmlformats.org/drawingml/2006/main" xmlns:r="http://schemas.openxmlformats.org/officeDocument/2006/relationships" xmlns:p="http://schemas.openxmlformats.org/presentationml/2006/main">
+  <p:cSld>
+    <p:spTree>
+      <p:nvGrpSpPr>
+        <p:cNvPr id="1" name=""/>
+        <p:cNvGrpSpPr/>
+        <p:nvPr/>
+      </p:nvGrpSpPr>
+      <p:grpSpPr>
+        <a:xfrm>
+          <a:off x="0" y="0"/>
+          <a:ext cx="0" cy="0"/>
+          <a:chOff x="0" y="0"/>
+          <a:chExt cx="0" cy="0"/>
+        </a:xfrm>
+      </p:grpSpPr>
+      <p:sp>
+        <p:nvSpPr>
           <p:cNvPr id="4" name="제목 3"/>
           <p:cNvSpPr>
             <a:spLocks noGrp="1"/>
@@ -9969,6 +10097,663 @@
           </a:p>
         </p:txBody>
       </p:sp>
+      <p:sp>
+        <p:nvSpPr>
+          <p:cNvPr id="3" name="직사각형 2">
+            <a:extLst>
+              <a:ext uri="{FF2B5EF4-FFF2-40B4-BE49-F238E27FC236}">
+                <a16:creationId xmlns:a16="http://schemas.microsoft.com/office/drawing/2014/main" id="{85961670-32CA-4CD8-9BD5-DCB4F08E7854}"/>
+              </a:ext>
+            </a:extLst>
+          </p:cNvPr>
+          <p:cNvSpPr/>
+          <p:nvPr/>
+        </p:nvSpPr>
+        <p:spPr>
+          <a:xfrm>
+            <a:off x="3712425" y="1789531"/>
+            <a:ext cx="1971949" cy="369332"/>
+          </a:xfrm>
+          <a:prstGeom prst="rect">
+            <a:avLst/>
+          </a:prstGeom>
+        </p:spPr>
+        <p:txBody>
+          <a:bodyPr wrap="square">
+            <a:spAutoFit/>
+          </a:bodyPr>
+          <a:lstStyle/>
+          <a:p>
+            <a:r>
+              <a:rPr lang="ko-KR" altLang="en-US" dirty="0">
+                <a:solidFill>
+                  <a:srgbClr val="222222"/>
+                </a:solidFill>
+                <a:latin typeface="-apple-system"/>
+              </a:rPr>
+              <a:t>제주도청</a:t>
+            </a:r>
+            <a:endParaRPr lang="ko-KR" altLang="en-US" dirty="0"/>
+          </a:p>
+        </p:txBody>
+      </p:sp>
+      <p:pic>
+        <p:nvPicPr>
+          <p:cNvPr id="5" name="그림 4">
+            <a:extLst>
+              <a:ext uri="{FF2B5EF4-FFF2-40B4-BE49-F238E27FC236}">
+                <a16:creationId xmlns:a16="http://schemas.microsoft.com/office/drawing/2014/main" id="{15E9EE53-34FB-46F1-938E-D66F4C89C21A}"/>
+              </a:ext>
+            </a:extLst>
+          </p:cNvPr>
+          <p:cNvPicPr>
+            <a:picLocks noChangeAspect="1"/>
+          </p:cNvPicPr>
+          <p:nvPr/>
+        </p:nvPicPr>
+        <p:blipFill>
+          <a:blip r:embed="rId2"/>
+          <a:stretch>
+            <a:fillRect/>
+          </a:stretch>
+        </p:blipFill>
+        <p:spPr>
+          <a:xfrm>
+            <a:off x="224222" y="1377729"/>
+            <a:ext cx="3488203" cy="823604"/>
+          </a:xfrm>
+          <a:prstGeom prst="rect">
+            <a:avLst/>
+          </a:prstGeom>
+        </p:spPr>
+      </p:pic>
+      <p:sp>
+        <p:nvSpPr>
+          <p:cNvPr id="6" name="직사각형 5">
+            <a:extLst>
+              <a:ext uri="{FF2B5EF4-FFF2-40B4-BE49-F238E27FC236}">
+                <a16:creationId xmlns:a16="http://schemas.microsoft.com/office/drawing/2014/main" id="{CEA3F918-78B9-4DA1-826E-F42256B5DDB8}"/>
+              </a:ext>
+            </a:extLst>
+          </p:cNvPr>
+          <p:cNvSpPr/>
+          <p:nvPr/>
+        </p:nvSpPr>
+        <p:spPr>
+          <a:xfrm>
+            <a:off x="4698399" y="1789531"/>
+            <a:ext cx="1781257" cy="369332"/>
+          </a:xfrm>
+          <a:prstGeom prst="rect">
+            <a:avLst/>
+          </a:prstGeom>
+        </p:spPr>
+        <p:txBody>
+          <a:bodyPr wrap="none">
+            <a:spAutoFit/>
+          </a:bodyPr>
+          <a:lstStyle/>
+          <a:p>
+            <a:r>
+              <a:rPr lang="en-US" altLang="ko-KR" dirty="0">
+                <a:solidFill>
+                  <a:srgbClr val="99209B"/>
+                </a:solidFill>
+                <a:latin typeface="굴림" panose="020B0600000101010101" pitchFamily="50" charset="-127"/>
+                <a:ea typeface="굴림" panose="020B0600000101010101" pitchFamily="50" charset="-127"/>
+                <a:hlinkClick r:id="rId3"/>
+              </a:rPr>
+              <a:t>www.jeju.go.kr</a:t>
+            </a:r>
+            <a:endParaRPr lang="ko-KR" altLang="en-US" dirty="0"/>
+          </a:p>
+        </p:txBody>
+      </p:sp>
+      <p:pic>
+        <p:nvPicPr>
+          <p:cNvPr id="7" name="그림 6">
+            <a:extLst>
+              <a:ext uri="{FF2B5EF4-FFF2-40B4-BE49-F238E27FC236}">
+                <a16:creationId xmlns:a16="http://schemas.microsoft.com/office/drawing/2014/main" id="{FA7F587F-9AB4-44AA-A8FF-79F0512F10B5}"/>
+              </a:ext>
+            </a:extLst>
+          </p:cNvPr>
+          <p:cNvPicPr>
+            <a:picLocks noChangeAspect="1"/>
+          </p:cNvPicPr>
+          <p:nvPr/>
+        </p:nvPicPr>
+        <p:blipFill>
+          <a:blip r:embed="rId4"/>
+          <a:stretch>
+            <a:fillRect/>
+          </a:stretch>
+        </p:blipFill>
+        <p:spPr>
+          <a:xfrm>
+            <a:off x="224222" y="2476786"/>
+            <a:ext cx="3488203" cy="823604"/>
+          </a:xfrm>
+          <a:prstGeom prst="rect">
+            <a:avLst/>
+          </a:prstGeom>
+        </p:spPr>
+      </p:pic>
+      <p:sp>
+        <p:nvSpPr>
+          <p:cNvPr id="8" name="직사각형 7">
+            <a:extLst>
+              <a:ext uri="{FF2B5EF4-FFF2-40B4-BE49-F238E27FC236}">
+                <a16:creationId xmlns:a16="http://schemas.microsoft.com/office/drawing/2014/main" id="{EBC20D67-9278-40B0-8E49-6E16CD2B5145}"/>
+              </a:ext>
+            </a:extLst>
+          </p:cNvPr>
+          <p:cNvSpPr/>
+          <p:nvPr/>
+        </p:nvSpPr>
+        <p:spPr>
+          <a:xfrm>
+            <a:off x="3712425" y="2957277"/>
+            <a:ext cx="833883" cy="369332"/>
+          </a:xfrm>
+          <a:prstGeom prst="rect">
+            <a:avLst/>
+          </a:prstGeom>
+        </p:spPr>
+        <p:txBody>
+          <a:bodyPr wrap="none">
+            <a:spAutoFit/>
+          </a:bodyPr>
+          <a:lstStyle/>
+          <a:p>
+            <a:r>
+              <a:rPr lang="ko-KR" altLang="en-US" dirty="0">
+                <a:solidFill>
+                  <a:schemeClr val="accent5">
+                    <a:lumMod val="10000"/>
+                  </a:schemeClr>
+                </a:solidFill>
+              </a:rPr>
+              <a:t>통계청</a:t>
+            </a:r>
+          </a:p>
+        </p:txBody>
+      </p:sp>
+      <p:sp>
+        <p:nvSpPr>
+          <p:cNvPr id="9" name="직사각형 8">
+            <a:extLst>
+              <a:ext uri="{FF2B5EF4-FFF2-40B4-BE49-F238E27FC236}">
+                <a16:creationId xmlns:a16="http://schemas.microsoft.com/office/drawing/2014/main" id="{3E4C1AF3-3557-46B1-A2E8-3E283BD9F80A}"/>
+              </a:ext>
+            </a:extLst>
+          </p:cNvPr>
+          <p:cNvSpPr/>
+          <p:nvPr/>
+        </p:nvSpPr>
+        <p:spPr>
+          <a:xfrm>
+            <a:off x="4427466" y="2970594"/>
+            <a:ext cx="1460656" cy="369332"/>
+          </a:xfrm>
+          <a:prstGeom prst="rect">
+            <a:avLst/>
+          </a:prstGeom>
+        </p:spPr>
+        <p:txBody>
+          <a:bodyPr wrap="none">
+            <a:spAutoFit/>
+          </a:bodyPr>
+          <a:lstStyle/>
+          <a:p>
+            <a:r>
+              <a:rPr lang="en-US" altLang="ko-KR" dirty="0">
+                <a:solidFill>
+                  <a:srgbClr val="99209B"/>
+                </a:solidFill>
+                <a:latin typeface="굴림" panose="020B0600000101010101" pitchFamily="50" charset="-127"/>
+                <a:ea typeface="굴림" panose="020B0600000101010101" pitchFamily="50" charset="-127"/>
+                <a:hlinkClick r:id="rId5"/>
+              </a:rPr>
+              <a:t>kostat.go.kr</a:t>
+            </a:r>
+            <a:endParaRPr lang="ko-KR" altLang="en-US" dirty="0"/>
+          </a:p>
+        </p:txBody>
+      </p:sp>
+      <p:pic>
+        <p:nvPicPr>
+          <p:cNvPr id="10" name="그림 9">
+            <a:extLst>
+              <a:ext uri="{FF2B5EF4-FFF2-40B4-BE49-F238E27FC236}">
+                <a16:creationId xmlns:a16="http://schemas.microsoft.com/office/drawing/2014/main" id="{0B57803E-1F63-437B-8912-A08A3FDD8D04}"/>
+              </a:ext>
+            </a:extLst>
+          </p:cNvPr>
+          <p:cNvPicPr>
+            <a:picLocks noChangeAspect="1"/>
+          </p:cNvPicPr>
+          <p:nvPr/>
+        </p:nvPicPr>
+        <p:blipFill>
+          <a:blip r:embed="rId6"/>
+          <a:stretch>
+            <a:fillRect/>
+          </a:stretch>
+        </p:blipFill>
+        <p:spPr>
+          <a:xfrm>
+            <a:off x="220551" y="3753880"/>
+            <a:ext cx="3488203" cy="823604"/>
+          </a:xfrm>
+          <a:prstGeom prst="rect">
+            <a:avLst/>
+          </a:prstGeom>
+        </p:spPr>
+      </p:pic>
+      <p:sp>
+        <p:nvSpPr>
+          <p:cNvPr id="12" name="직사각형 11">
+            <a:extLst>
+              <a:ext uri="{FF2B5EF4-FFF2-40B4-BE49-F238E27FC236}">
+                <a16:creationId xmlns:a16="http://schemas.microsoft.com/office/drawing/2014/main" id="{4CA08181-75CC-4D23-9C58-8BBA7CB79D9C}"/>
+              </a:ext>
+            </a:extLst>
+          </p:cNvPr>
+          <p:cNvSpPr/>
+          <p:nvPr/>
+        </p:nvSpPr>
+        <p:spPr>
+          <a:xfrm>
+            <a:off x="3708754" y="4208152"/>
+            <a:ext cx="1827744" cy="369332"/>
+          </a:xfrm>
+          <a:prstGeom prst="rect">
+            <a:avLst/>
+          </a:prstGeom>
+        </p:spPr>
+        <p:txBody>
+          <a:bodyPr wrap="none">
+            <a:spAutoFit/>
+          </a:bodyPr>
+          <a:lstStyle/>
+          <a:p>
+            <a:r>
+              <a:rPr lang="ko-KR" altLang="en-US" dirty="0">
+                <a:solidFill>
+                  <a:schemeClr val="accent5">
+                    <a:lumMod val="10000"/>
+                  </a:schemeClr>
+                </a:solidFill>
+              </a:rPr>
+              <a:t>제주 데이터 허브</a:t>
+            </a:r>
+          </a:p>
+        </p:txBody>
+      </p:sp>
+      <p:sp>
+        <p:nvSpPr>
+          <p:cNvPr id="13" name="직사각형 12">
+            <a:extLst>
+              <a:ext uri="{FF2B5EF4-FFF2-40B4-BE49-F238E27FC236}">
+                <a16:creationId xmlns:a16="http://schemas.microsoft.com/office/drawing/2014/main" id="{19244415-93E7-4090-BC9F-BFD288288B23}"/>
+              </a:ext>
+            </a:extLst>
+          </p:cNvPr>
+          <p:cNvSpPr/>
+          <p:nvPr/>
+        </p:nvSpPr>
+        <p:spPr>
+          <a:xfrm>
+            <a:off x="5423501" y="4165682"/>
+            <a:ext cx="2541080" cy="369332"/>
+          </a:xfrm>
+          <a:prstGeom prst="rect">
+            <a:avLst/>
+          </a:prstGeom>
+        </p:spPr>
+        <p:txBody>
+          <a:bodyPr wrap="none">
+            <a:spAutoFit/>
+          </a:bodyPr>
+          <a:lstStyle/>
+          <a:p>
+            <a:r>
+              <a:rPr lang="en-US" altLang="ko-KR" dirty="0">
+                <a:solidFill>
+                  <a:srgbClr val="1C8E42"/>
+                </a:solidFill>
+                <a:latin typeface="굴림" panose="020B0600000101010101" pitchFamily="50" charset="-127"/>
+                <a:ea typeface="굴림" panose="020B0600000101010101" pitchFamily="50" charset="-127"/>
+                <a:hlinkClick r:id="rId7"/>
+              </a:rPr>
+              <a:t>www.jejudatahub.net/</a:t>
+            </a:r>
+            <a:endParaRPr lang="ko-KR" altLang="en-US" dirty="0"/>
+          </a:p>
+        </p:txBody>
+      </p:sp>
+      <p:pic>
+        <p:nvPicPr>
+          <p:cNvPr id="14" name="그림 13">
+            <a:extLst>
+              <a:ext uri="{FF2B5EF4-FFF2-40B4-BE49-F238E27FC236}">
+                <a16:creationId xmlns:a16="http://schemas.microsoft.com/office/drawing/2014/main" id="{E537075F-857F-49D7-B0BB-94C2802713DF}"/>
+              </a:ext>
+            </a:extLst>
+          </p:cNvPr>
+          <p:cNvPicPr>
+            <a:picLocks noChangeAspect="1"/>
+          </p:cNvPicPr>
+          <p:nvPr/>
+        </p:nvPicPr>
+        <p:blipFill>
+          <a:blip r:embed="rId8"/>
+          <a:stretch>
+            <a:fillRect/>
+          </a:stretch>
+        </p:blipFill>
+        <p:spPr>
+          <a:xfrm>
+            <a:off x="220550" y="4968901"/>
+            <a:ext cx="3488203" cy="686832"/>
+          </a:xfrm>
+          <a:prstGeom prst="rect">
+            <a:avLst/>
+          </a:prstGeom>
+        </p:spPr>
+      </p:pic>
+      <p:sp>
+        <p:nvSpPr>
+          <p:cNvPr id="15" name="직사각형 14">
+            <a:extLst>
+              <a:ext uri="{FF2B5EF4-FFF2-40B4-BE49-F238E27FC236}">
+                <a16:creationId xmlns:a16="http://schemas.microsoft.com/office/drawing/2014/main" id="{19D33F48-DECF-472F-B476-E0E41A1ADEFB}"/>
+              </a:ext>
+            </a:extLst>
+          </p:cNvPr>
+          <p:cNvSpPr/>
+          <p:nvPr/>
+        </p:nvSpPr>
+        <p:spPr>
+          <a:xfrm>
+            <a:off x="3708754" y="5291313"/>
+            <a:ext cx="675185" cy="369332"/>
+          </a:xfrm>
+          <a:prstGeom prst="rect">
+            <a:avLst/>
+          </a:prstGeom>
+        </p:spPr>
+        <p:txBody>
+          <a:bodyPr wrap="none">
+            <a:spAutoFit/>
+          </a:bodyPr>
+          <a:lstStyle/>
+          <a:p>
+            <a:r>
+              <a:rPr lang="en-US" altLang="ko-KR" dirty="0">
+                <a:solidFill>
+                  <a:schemeClr val="accent5">
+                    <a:lumMod val="10000"/>
+                  </a:schemeClr>
+                </a:solidFill>
+              </a:rPr>
+              <a:t>SGIS</a:t>
+            </a:r>
+            <a:endParaRPr lang="ko-KR" altLang="en-US" dirty="0">
+              <a:solidFill>
+                <a:schemeClr val="accent5">
+                  <a:lumMod val="10000"/>
+                </a:schemeClr>
+              </a:solidFill>
+            </a:endParaRPr>
+          </a:p>
+        </p:txBody>
+      </p:sp>
+      <p:sp>
+        <p:nvSpPr>
+          <p:cNvPr id="16" name="직사각형 15">
+            <a:extLst>
+              <a:ext uri="{FF2B5EF4-FFF2-40B4-BE49-F238E27FC236}">
+                <a16:creationId xmlns:a16="http://schemas.microsoft.com/office/drawing/2014/main" id="{B7D202C5-E9BF-4814-99CB-D1A25B51579D}"/>
+              </a:ext>
+            </a:extLst>
+          </p:cNvPr>
+          <p:cNvSpPr/>
+          <p:nvPr/>
+        </p:nvSpPr>
+        <p:spPr>
+          <a:xfrm>
+            <a:off x="4362328" y="5291313"/>
+            <a:ext cx="1976823" cy="369332"/>
+          </a:xfrm>
+          <a:prstGeom prst="rect">
+            <a:avLst/>
+          </a:prstGeom>
+        </p:spPr>
+        <p:txBody>
+          <a:bodyPr wrap="none">
+            <a:spAutoFit/>
+          </a:bodyPr>
+          <a:lstStyle/>
+          <a:p>
+            <a:r>
+              <a:rPr lang="en-US" altLang="ko-KR" dirty="0">
+                <a:solidFill>
+                  <a:srgbClr val="99209B"/>
+                </a:solidFill>
+                <a:latin typeface="굴림" panose="020B0600000101010101" pitchFamily="50" charset="-127"/>
+                <a:ea typeface="굴림" panose="020B0600000101010101" pitchFamily="50" charset="-127"/>
+                <a:hlinkClick r:id="rId9"/>
+              </a:rPr>
+              <a:t>sgis.kostat.go.kr</a:t>
+            </a:r>
+            <a:endParaRPr lang="ko-KR" altLang="en-US" dirty="0"/>
+          </a:p>
+        </p:txBody>
+      </p:sp>
+      <p:pic>
+        <p:nvPicPr>
+          <p:cNvPr id="17" name="그림 16">
+            <a:extLst>
+              <a:ext uri="{FF2B5EF4-FFF2-40B4-BE49-F238E27FC236}">
+                <a16:creationId xmlns:a16="http://schemas.microsoft.com/office/drawing/2014/main" id="{7DF0EC65-C977-4AA8-841D-59C1946B0A0A}"/>
+              </a:ext>
+            </a:extLst>
+          </p:cNvPr>
+          <p:cNvPicPr>
+            <a:picLocks noChangeAspect="1"/>
+          </p:cNvPicPr>
+          <p:nvPr/>
+        </p:nvPicPr>
+        <p:blipFill>
+          <a:blip r:embed="rId10"/>
+          <a:stretch>
+            <a:fillRect/>
+          </a:stretch>
+        </p:blipFill>
+        <p:spPr>
+          <a:xfrm>
+            <a:off x="220550" y="5931626"/>
+            <a:ext cx="3488203" cy="686832"/>
+          </a:xfrm>
+          <a:prstGeom prst="rect">
+            <a:avLst/>
+          </a:prstGeom>
+        </p:spPr>
+      </p:pic>
+      <p:sp>
+        <p:nvSpPr>
+          <p:cNvPr id="18" name="직사각형 17">
+            <a:extLst>
+              <a:ext uri="{FF2B5EF4-FFF2-40B4-BE49-F238E27FC236}">
+                <a16:creationId xmlns:a16="http://schemas.microsoft.com/office/drawing/2014/main" id="{C7B6174B-4703-488A-AF2A-A9B6556CEAD0}"/>
+              </a:ext>
+            </a:extLst>
+          </p:cNvPr>
+          <p:cNvSpPr/>
+          <p:nvPr/>
+        </p:nvSpPr>
+        <p:spPr>
+          <a:xfrm>
+            <a:off x="3708754" y="6238686"/>
+            <a:ext cx="2132315" cy="369332"/>
+          </a:xfrm>
+          <a:prstGeom prst="rect">
+            <a:avLst/>
+          </a:prstGeom>
+        </p:spPr>
+        <p:txBody>
+          <a:bodyPr wrap="none">
+            <a:spAutoFit/>
+          </a:bodyPr>
+          <a:lstStyle/>
+          <a:p>
+            <a:r>
+              <a:rPr lang="ko-KR" altLang="en-US" dirty="0">
+                <a:solidFill>
+                  <a:schemeClr val="accent5">
+                    <a:lumMod val="10000"/>
+                  </a:schemeClr>
+                </a:solidFill>
+              </a:rPr>
+              <a:t>자원순환정보시스템</a:t>
+            </a:r>
+          </a:p>
+        </p:txBody>
+      </p:sp>
+      <p:sp>
+        <p:nvSpPr>
+          <p:cNvPr id="19" name="직사각형 18">
+            <a:extLst>
+              <a:ext uri="{FF2B5EF4-FFF2-40B4-BE49-F238E27FC236}">
+                <a16:creationId xmlns:a16="http://schemas.microsoft.com/office/drawing/2014/main" id="{65011877-05CF-4C1D-948F-04C5EF67BBC8}"/>
+              </a:ext>
+            </a:extLst>
+          </p:cNvPr>
+          <p:cNvSpPr/>
+          <p:nvPr/>
+        </p:nvSpPr>
+        <p:spPr>
+          <a:xfrm>
+            <a:off x="5684374" y="6228246"/>
+            <a:ext cx="3039615" cy="369332"/>
+          </a:xfrm>
+          <a:prstGeom prst="rect">
+            <a:avLst/>
+          </a:prstGeom>
+        </p:spPr>
+        <p:txBody>
+          <a:bodyPr wrap="none">
+            <a:spAutoFit/>
+          </a:bodyPr>
+          <a:lstStyle/>
+          <a:p>
+            <a:r>
+              <a:rPr lang="en-US" altLang="ko-KR" dirty="0">
+                <a:solidFill>
+                  <a:srgbClr val="1C8E42"/>
+                </a:solidFill>
+                <a:latin typeface="굴림" panose="020B0600000101010101" pitchFamily="50" charset="-127"/>
+                <a:ea typeface="굴림" panose="020B0600000101010101" pitchFamily="50" charset="-127"/>
+                <a:hlinkClick r:id="rId11"/>
+              </a:rPr>
+              <a:t>www.recycling-info.or.kr/</a:t>
+            </a:r>
+            <a:endParaRPr lang="ko-KR" altLang="en-US" dirty="0"/>
+          </a:p>
+        </p:txBody>
+      </p:sp>
+      <p:pic>
+        <p:nvPicPr>
+          <p:cNvPr id="20" name="그림 19">
+            <a:extLst>
+              <a:ext uri="{FF2B5EF4-FFF2-40B4-BE49-F238E27FC236}">
+                <a16:creationId xmlns:a16="http://schemas.microsoft.com/office/drawing/2014/main" id="{53DF61D6-6C24-403F-A14D-ACAB2BB186E1}"/>
+              </a:ext>
+            </a:extLst>
+          </p:cNvPr>
+          <p:cNvPicPr>
+            <a:picLocks noChangeAspect="1"/>
+          </p:cNvPicPr>
+          <p:nvPr/>
+        </p:nvPicPr>
+        <p:blipFill>
+          <a:blip r:embed="rId12"/>
+          <a:stretch>
+            <a:fillRect/>
+          </a:stretch>
+        </p:blipFill>
+        <p:spPr>
+          <a:xfrm>
+            <a:off x="9172577" y="1377729"/>
+            <a:ext cx="2210108" cy="1214607"/>
+          </a:xfrm>
+          <a:prstGeom prst="rect">
+            <a:avLst/>
+          </a:prstGeom>
+        </p:spPr>
+      </p:pic>
+      <p:pic>
+        <p:nvPicPr>
+          <p:cNvPr id="21" name="그림 20">
+            <a:extLst>
+              <a:ext uri="{FF2B5EF4-FFF2-40B4-BE49-F238E27FC236}">
+                <a16:creationId xmlns:a16="http://schemas.microsoft.com/office/drawing/2014/main" id="{E4F60674-F56C-4605-87FD-CB9B5DE2AFE7}"/>
+              </a:ext>
+            </a:extLst>
+          </p:cNvPr>
+          <p:cNvPicPr>
+            <a:picLocks noChangeAspect="1"/>
+          </p:cNvPicPr>
+          <p:nvPr/>
+        </p:nvPicPr>
+        <p:blipFill>
+          <a:blip r:embed="rId13"/>
+          <a:stretch>
+            <a:fillRect/>
+          </a:stretch>
+        </p:blipFill>
+        <p:spPr>
+          <a:xfrm>
+            <a:off x="9172577" y="2888588"/>
+            <a:ext cx="2210108" cy="1073608"/>
+          </a:xfrm>
+          <a:prstGeom prst="rect">
+            <a:avLst/>
+          </a:prstGeom>
+        </p:spPr>
+      </p:pic>
+      <p:pic>
+        <p:nvPicPr>
+          <p:cNvPr id="22" name="그림 21">
+            <a:extLst>
+              <a:ext uri="{FF2B5EF4-FFF2-40B4-BE49-F238E27FC236}">
+                <a16:creationId xmlns:a16="http://schemas.microsoft.com/office/drawing/2014/main" id="{54BC2381-8E75-45E5-81C8-062896C602F1}"/>
+              </a:ext>
+            </a:extLst>
+          </p:cNvPr>
+          <p:cNvPicPr>
+            <a:picLocks noChangeAspect="1"/>
+          </p:cNvPicPr>
+          <p:nvPr/>
+        </p:nvPicPr>
+        <p:blipFill>
+          <a:blip r:embed="rId14"/>
+          <a:stretch>
+            <a:fillRect/>
+          </a:stretch>
+        </p:blipFill>
+        <p:spPr>
+          <a:xfrm>
+            <a:off x="9172576" y="4166639"/>
+            <a:ext cx="2210107" cy="1764987"/>
+          </a:xfrm>
+          <a:prstGeom prst="rect">
+            <a:avLst/>
+          </a:prstGeom>
+        </p:spPr>
+      </p:pic>
     </p:spTree>
     <p:extLst>
       <p:ext uri="{BB962C8B-B14F-4D97-AF65-F5344CB8AC3E}">
@@ -9994,7 +10779,7 @@
 </p:sld>
 </file>
 
-<file path=ppt/slides/slide11.xml><?xml version="1.0" encoding="utf-8"?>
+<file path=ppt/slides/slide12.xml><?xml version="1.0" encoding="utf-8"?>
 <p:sld xmlns:a="http://schemas.openxmlformats.org/drawingml/2006/main" xmlns:r="http://schemas.openxmlformats.org/officeDocument/2006/relationships" xmlns:p="http://schemas.openxmlformats.org/presentationml/2006/main">
   <p:cSld>
     <p:spTree>
@@ -10183,7 +10968,7 @@
 </p:sld>
 </file>
 
-<file path=ppt/slides/slide12.xml><?xml version="1.0" encoding="utf-8"?>
+<file path=ppt/slides/slide13.xml><?xml version="1.0" encoding="utf-8"?>
 <p:sld xmlns:a="http://schemas.openxmlformats.org/drawingml/2006/main" xmlns:r="http://schemas.openxmlformats.org/officeDocument/2006/relationships" xmlns:p="http://schemas.openxmlformats.org/presentationml/2006/main">
   <p:cSld>
     <p:spTree>
@@ -10256,7 +11041,7 @@
         </p:nvSpPr>
         <p:spPr>
           <a:xfrm>
-            <a:off x="5607050" y="2730501"/>
+            <a:off x="5302250" y="2866599"/>
             <a:ext cx="6584950" cy="1574800"/>
           </a:xfrm>
           <a:prstGeom prst="rect">
@@ -10308,7 +11093,7 @@
         </p:nvCxnSpPr>
         <p:spPr>
           <a:xfrm>
-            <a:off x="5821680" y="3952240"/>
+            <a:off x="5516880" y="3952240"/>
             <a:ext cx="6370320" cy="20320"/>
           </a:xfrm>
           <a:prstGeom prst="line">
@@ -12158,6 +12943,1922 @@
       </p:grpSpPr>
       <p:sp>
         <p:nvSpPr>
+          <p:cNvPr id="22" name="제목 1"/>
+          <p:cNvSpPr>
+            <a:spLocks noGrp="1"/>
+          </p:cNvSpPr>
+          <p:nvPr>
+            <p:ph type="title"/>
+          </p:nvPr>
+        </p:nvSpPr>
+        <p:spPr>
+          <a:xfrm>
+            <a:off x="977900" y="330201"/>
+            <a:ext cx="2349500" cy="571500"/>
+          </a:xfrm>
+        </p:spPr>
+        <p:txBody>
+          <a:bodyPr/>
+          <a:lstStyle/>
+          <a:p>
+            <a:r>
+              <a:rPr lang="en-US" altLang="ko-KR" dirty="0"/>
+              <a:t>Index</a:t>
+            </a:r>
+            <a:endParaRPr lang="ko-KR" altLang="en-US" dirty="0"/>
+          </a:p>
+        </p:txBody>
+      </p:sp>
+      <p:sp>
+        <p:nvSpPr>
+          <p:cNvPr id="40" name="텍스트 개체 틀 5"/>
+          <p:cNvSpPr>
+            <a:spLocks noGrp="1"/>
+          </p:cNvSpPr>
+          <p:nvPr/>
+        </p:nvSpPr>
+        <p:spPr>
+          <a:xfrm>
+            <a:off x="6127103" y="1537651"/>
+            <a:ext cx="2798663" cy="981378"/>
+          </a:xfrm>
+          <a:prstGeom prst="rect">
+            <a:avLst/>
+          </a:prstGeom>
+        </p:spPr>
+        <p:txBody>
+          <a:bodyPr vert="horz" lIns="91440" tIns="45720" rIns="91440" bIns="45720" rtlCol="0">
+            <a:normAutofit/>
+          </a:bodyPr>
+          <a:lstStyle>
+            <a:lvl1pPr marL="0" indent="0" algn="l" defTabSz="914400" rtl="0" eaLnBrk="1" latinLnBrk="1" hangingPunct="1">
+              <a:lnSpc>
+                <a:spcPct val="90000"/>
+              </a:lnSpc>
+              <a:spcBef>
+                <a:spcPts val="1000"/>
+              </a:spcBef>
+              <a:buFont typeface="Arial" panose="020B0604020202020204" pitchFamily="34" charset="0"/>
+              <a:buNone/>
+              <a:defRPr sz="1200" b="1" i="0" kern="1200">
+                <a:solidFill>
+                  <a:srgbClr val="8B723C"/>
+                </a:solidFill>
+                <a:latin typeface="나눔고딕" panose="020D0604000000000000" pitchFamily="50" charset="-127"/>
+                <a:ea typeface="나눔고딕" panose="020D0604000000000000" pitchFamily="50" charset="-127"/>
+                <a:cs typeface="+mn-cs"/>
+              </a:defRPr>
+            </a:lvl1pPr>
+            <a:lvl2pPr marL="457200" indent="0" algn="l" defTabSz="914400" rtl="0" eaLnBrk="1" latinLnBrk="1" hangingPunct="1">
+              <a:lnSpc>
+                <a:spcPct val="90000"/>
+              </a:lnSpc>
+              <a:spcBef>
+                <a:spcPts val="500"/>
+              </a:spcBef>
+              <a:buFont typeface="Arial" panose="020B0604020202020204" pitchFamily="34" charset="0"/>
+              <a:buNone/>
+              <a:defRPr sz="2400" kern="1200">
+                <a:solidFill>
+                  <a:schemeClr val="tx1"/>
+                </a:solidFill>
+                <a:latin typeface="+mn-lt"/>
+                <a:ea typeface="+mn-ea"/>
+                <a:cs typeface="+mn-cs"/>
+              </a:defRPr>
+            </a:lvl2pPr>
+            <a:lvl3pPr marL="914400" indent="0" algn="l" defTabSz="914400" rtl="0" eaLnBrk="1" latinLnBrk="1" hangingPunct="1">
+              <a:lnSpc>
+                <a:spcPct val="90000"/>
+              </a:lnSpc>
+              <a:spcBef>
+                <a:spcPts val="500"/>
+              </a:spcBef>
+              <a:buFont typeface="Arial" panose="020B0604020202020204" pitchFamily="34" charset="0"/>
+              <a:buNone/>
+              <a:defRPr sz="2000" kern="1200">
+                <a:solidFill>
+                  <a:schemeClr val="tx1"/>
+                </a:solidFill>
+                <a:latin typeface="+mn-lt"/>
+                <a:ea typeface="+mn-ea"/>
+                <a:cs typeface="+mn-cs"/>
+              </a:defRPr>
+            </a:lvl3pPr>
+            <a:lvl4pPr marL="1371600" indent="0" algn="l" defTabSz="914400" rtl="0" eaLnBrk="1" latinLnBrk="1" hangingPunct="1">
+              <a:lnSpc>
+                <a:spcPct val="90000"/>
+              </a:lnSpc>
+              <a:spcBef>
+                <a:spcPts val="500"/>
+              </a:spcBef>
+              <a:buFont typeface="Arial" panose="020B0604020202020204" pitchFamily="34" charset="0"/>
+              <a:buNone/>
+              <a:defRPr sz="1800" kern="1200">
+                <a:solidFill>
+                  <a:schemeClr val="tx1"/>
+                </a:solidFill>
+                <a:latin typeface="+mn-lt"/>
+                <a:ea typeface="+mn-ea"/>
+                <a:cs typeface="+mn-cs"/>
+              </a:defRPr>
+            </a:lvl4pPr>
+            <a:lvl5pPr marL="1828800" indent="0" algn="l" defTabSz="914400" rtl="0" eaLnBrk="1" latinLnBrk="1" hangingPunct="1">
+              <a:lnSpc>
+                <a:spcPct val="90000"/>
+              </a:lnSpc>
+              <a:spcBef>
+                <a:spcPts val="500"/>
+              </a:spcBef>
+              <a:buFont typeface="Arial" panose="020B0604020202020204" pitchFamily="34" charset="0"/>
+              <a:buNone/>
+              <a:defRPr sz="1800" kern="1200">
+                <a:solidFill>
+                  <a:schemeClr val="tx1"/>
+                </a:solidFill>
+                <a:latin typeface="+mn-lt"/>
+                <a:ea typeface="+mn-ea"/>
+                <a:cs typeface="+mn-cs"/>
+              </a:defRPr>
+            </a:lvl5pPr>
+            <a:lvl6pPr marL="2514600" indent="-228600" algn="l" defTabSz="914400" rtl="0" eaLnBrk="1" latinLnBrk="1" hangingPunct="1">
+              <a:lnSpc>
+                <a:spcPct val="90000"/>
+              </a:lnSpc>
+              <a:spcBef>
+                <a:spcPts val="500"/>
+              </a:spcBef>
+              <a:buFont typeface="Arial" panose="020B0604020202020204" pitchFamily="34" charset="0"/>
+              <a:buChar char="•"/>
+              <a:defRPr sz="1800" kern="1200">
+                <a:solidFill>
+                  <a:schemeClr val="tx1"/>
+                </a:solidFill>
+                <a:latin typeface="+mn-lt"/>
+                <a:ea typeface="+mn-ea"/>
+                <a:cs typeface="+mn-cs"/>
+              </a:defRPr>
+            </a:lvl6pPr>
+            <a:lvl7pPr marL="2971800" indent="-228600" algn="l" defTabSz="914400" rtl="0" eaLnBrk="1" latinLnBrk="1" hangingPunct="1">
+              <a:lnSpc>
+                <a:spcPct val="90000"/>
+              </a:lnSpc>
+              <a:spcBef>
+                <a:spcPts val="500"/>
+              </a:spcBef>
+              <a:buFont typeface="Arial" panose="020B0604020202020204" pitchFamily="34" charset="0"/>
+              <a:buChar char="•"/>
+              <a:defRPr sz="1800" kern="1200">
+                <a:solidFill>
+                  <a:schemeClr val="tx1"/>
+                </a:solidFill>
+                <a:latin typeface="+mn-lt"/>
+                <a:ea typeface="+mn-ea"/>
+                <a:cs typeface="+mn-cs"/>
+              </a:defRPr>
+            </a:lvl7pPr>
+            <a:lvl8pPr marL="3429000" indent="-228600" algn="l" defTabSz="914400" rtl="0" eaLnBrk="1" latinLnBrk="1" hangingPunct="1">
+              <a:lnSpc>
+                <a:spcPct val="90000"/>
+              </a:lnSpc>
+              <a:spcBef>
+                <a:spcPts val="500"/>
+              </a:spcBef>
+              <a:buFont typeface="Arial" panose="020B0604020202020204" pitchFamily="34" charset="0"/>
+              <a:buChar char="•"/>
+              <a:defRPr sz="1800" kern="1200">
+                <a:solidFill>
+                  <a:schemeClr val="tx1"/>
+                </a:solidFill>
+                <a:latin typeface="+mn-lt"/>
+                <a:ea typeface="+mn-ea"/>
+                <a:cs typeface="+mn-cs"/>
+              </a:defRPr>
+            </a:lvl8pPr>
+            <a:lvl9pPr marL="3886200" indent="-228600" algn="l" defTabSz="914400" rtl="0" eaLnBrk="1" latinLnBrk="1" hangingPunct="1">
+              <a:lnSpc>
+                <a:spcPct val="90000"/>
+              </a:lnSpc>
+              <a:spcBef>
+                <a:spcPts val="500"/>
+              </a:spcBef>
+              <a:buFont typeface="Arial" panose="020B0604020202020204" pitchFamily="34" charset="0"/>
+              <a:buChar char="•"/>
+              <a:defRPr sz="1800" kern="1200">
+                <a:solidFill>
+                  <a:schemeClr val="tx1"/>
+                </a:solidFill>
+                <a:latin typeface="+mn-lt"/>
+                <a:ea typeface="+mn-ea"/>
+                <a:cs typeface="+mn-cs"/>
+              </a:defRPr>
+            </a:lvl9pPr>
+          </a:lstStyle>
+          <a:p>
+            <a:r>
+              <a:rPr lang="ko-KR" altLang="en-US" dirty="0"/>
+              <a:t>제주 쓰레기 양</a:t>
+            </a:r>
+            <a:endParaRPr lang="en-US" altLang="ko-KR" dirty="0"/>
+          </a:p>
+          <a:p>
+            <a:r>
+              <a:rPr lang="ko-KR" altLang="en-US" dirty="0"/>
+              <a:t>읍</a:t>
+            </a:r>
+            <a:r>
+              <a:rPr lang="en-US" altLang="ko-KR" dirty="0"/>
+              <a:t>,</a:t>
+            </a:r>
+            <a:r>
+              <a:rPr lang="ko-KR" altLang="en-US" dirty="0"/>
+              <a:t>면</a:t>
+            </a:r>
+            <a:r>
+              <a:rPr lang="en-US" altLang="ko-KR" dirty="0"/>
+              <a:t>,</a:t>
+            </a:r>
+            <a:r>
+              <a:rPr lang="ko-KR" altLang="en-US" dirty="0"/>
+              <a:t>동 별 군집화</a:t>
+            </a:r>
+          </a:p>
+        </p:txBody>
+      </p:sp>
+      <p:sp>
+        <p:nvSpPr>
+          <p:cNvPr id="41" name="텍스트 개체 틀 6"/>
+          <p:cNvSpPr>
+            <a:spLocks noGrp="1"/>
+          </p:cNvSpPr>
+          <p:nvPr/>
+        </p:nvSpPr>
+        <p:spPr>
+          <a:xfrm>
+            <a:off x="3146306" y="3890243"/>
+            <a:ext cx="2902802" cy="996179"/>
+          </a:xfrm>
+          <a:prstGeom prst="rect">
+            <a:avLst/>
+          </a:prstGeom>
+        </p:spPr>
+        <p:txBody>
+          <a:bodyPr vert="horz" lIns="91440" tIns="45720" rIns="91440" bIns="45720" rtlCol="0">
+            <a:normAutofit/>
+          </a:bodyPr>
+          <a:lstStyle>
+            <a:lvl1pPr marL="0" indent="0" algn="r" defTabSz="914400" rtl="0" eaLnBrk="1" latinLnBrk="1" hangingPunct="1">
+              <a:lnSpc>
+                <a:spcPct val="90000"/>
+              </a:lnSpc>
+              <a:spcBef>
+                <a:spcPts val="1000"/>
+              </a:spcBef>
+              <a:buFont typeface="Arial" panose="020B0604020202020204" pitchFamily="34" charset="0"/>
+              <a:buNone/>
+              <a:defRPr sz="1200" b="1" i="0" kern="1200">
+                <a:solidFill>
+                  <a:srgbClr val="8B723C"/>
+                </a:solidFill>
+                <a:latin typeface="나눔고딕" panose="020D0604000000000000" pitchFamily="50" charset="-127"/>
+                <a:ea typeface="나눔고딕" panose="020D0604000000000000" pitchFamily="50" charset="-127"/>
+                <a:cs typeface="+mn-cs"/>
+              </a:defRPr>
+            </a:lvl1pPr>
+            <a:lvl2pPr marL="457200" indent="0" algn="l" defTabSz="914400" rtl="0" eaLnBrk="1" latinLnBrk="1" hangingPunct="1">
+              <a:lnSpc>
+                <a:spcPct val="90000"/>
+              </a:lnSpc>
+              <a:spcBef>
+                <a:spcPts val="500"/>
+              </a:spcBef>
+              <a:buFont typeface="Arial" panose="020B0604020202020204" pitchFamily="34" charset="0"/>
+              <a:buNone/>
+              <a:defRPr sz="2400" kern="1200">
+                <a:solidFill>
+                  <a:schemeClr val="tx1"/>
+                </a:solidFill>
+                <a:latin typeface="+mn-lt"/>
+                <a:ea typeface="+mn-ea"/>
+                <a:cs typeface="+mn-cs"/>
+              </a:defRPr>
+            </a:lvl2pPr>
+            <a:lvl3pPr marL="914400" indent="0" algn="l" defTabSz="914400" rtl="0" eaLnBrk="1" latinLnBrk="1" hangingPunct="1">
+              <a:lnSpc>
+                <a:spcPct val="90000"/>
+              </a:lnSpc>
+              <a:spcBef>
+                <a:spcPts val="500"/>
+              </a:spcBef>
+              <a:buFont typeface="Arial" panose="020B0604020202020204" pitchFamily="34" charset="0"/>
+              <a:buNone/>
+              <a:defRPr sz="2000" kern="1200">
+                <a:solidFill>
+                  <a:schemeClr val="tx1"/>
+                </a:solidFill>
+                <a:latin typeface="+mn-lt"/>
+                <a:ea typeface="+mn-ea"/>
+                <a:cs typeface="+mn-cs"/>
+              </a:defRPr>
+            </a:lvl3pPr>
+            <a:lvl4pPr marL="1371600" indent="0" algn="l" defTabSz="914400" rtl="0" eaLnBrk="1" latinLnBrk="1" hangingPunct="1">
+              <a:lnSpc>
+                <a:spcPct val="90000"/>
+              </a:lnSpc>
+              <a:spcBef>
+                <a:spcPts val="500"/>
+              </a:spcBef>
+              <a:buFont typeface="Arial" panose="020B0604020202020204" pitchFamily="34" charset="0"/>
+              <a:buNone/>
+              <a:defRPr sz="1800" kern="1200">
+                <a:solidFill>
+                  <a:schemeClr val="tx1"/>
+                </a:solidFill>
+                <a:latin typeface="+mn-lt"/>
+                <a:ea typeface="+mn-ea"/>
+                <a:cs typeface="+mn-cs"/>
+              </a:defRPr>
+            </a:lvl4pPr>
+            <a:lvl5pPr marL="1828800" indent="0" algn="l" defTabSz="914400" rtl="0" eaLnBrk="1" latinLnBrk="1" hangingPunct="1">
+              <a:lnSpc>
+                <a:spcPct val="90000"/>
+              </a:lnSpc>
+              <a:spcBef>
+                <a:spcPts val="500"/>
+              </a:spcBef>
+              <a:buFont typeface="Arial" panose="020B0604020202020204" pitchFamily="34" charset="0"/>
+              <a:buNone/>
+              <a:defRPr sz="1800" kern="1200">
+                <a:solidFill>
+                  <a:schemeClr val="tx1"/>
+                </a:solidFill>
+                <a:latin typeface="+mn-lt"/>
+                <a:ea typeface="+mn-ea"/>
+                <a:cs typeface="+mn-cs"/>
+              </a:defRPr>
+            </a:lvl5pPr>
+            <a:lvl6pPr marL="2514600" indent="-228600" algn="l" defTabSz="914400" rtl="0" eaLnBrk="1" latinLnBrk="1" hangingPunct="1">
+              <a:lnSpc>
+                <a:spcPct val="90000"/>
+              </a:lnSpc>
+              <a:spcBef>
+                <a:spcPts val="500"/>
+              </a:spcBef>
+              <a:buFont typeface="Arial" panose="020B0604020202020204" pitchFamily="34" charset="0"/>
+              <a:buChar char="•"/>
+              <a:defRPr sz="1800" kern="1200">
+                <a:solidFill>
+                  <a:schemeClr val="tx1"/>
+                </a:solidFill>
+                <a:latin typeface="+mn-lt"/>
+                <a:ea typeface="+mn-ea"/>
+                <a:cs typeface="+mn-cs"/>
+              </a:defRPr>
+            </a:lvl6pPr>
+            <a:lvl7pPr marL="2971800" indent="-228600" algn="l" defTabSz="914400" rtl="0" eaLnBrk="1" latinLnBrk="1" hangingPunct="1">
+              <a:lnSpc>
+                <a:spcPct val="90000"/>
+              </a:lnSpc>
+              <a:spcBef>
+                <a:spcPts val="500"/>
+              </a:spcBef>
+              <a:buFont typeface="Arial" panose="020B0604020202020204" pitchFamily="34" charset="0"/>
+              <a:buChar char="•"/>
+              <a:defRPr sz="1800" kern="1200">
+                <a:solidFill>
+                  <a:schemeClr val="tx1"/>
+                </a:solidFill>
+                <a:latin typeface="+mn-lt"/>
+                <a:ea typeface="+mn-ea"/>
+                <a:cs typeface="+mn-cs"/>
+              </a:defRPr>
+            </a:lvl7pPr>
+            <a:lvl8pPr marL="3429000" indent="-228600" algn="l" defTabSz="914400" rtl="0" eaLnBrk="1" latinLnBrk="1" hangingPunct="1">
+              <a:lnSpc>
+                <a:spcPct val="90000"/>
+              </a:lnSpc>
+              <a:spcBef>
+                <a:spcPts val="500"/>
+              </a:spcBef>
+              <a:buFont typeface="Arial" panose="020B0604020202020204" pitchFamily="34" charset="0"/>
+              <a:buChar char="•"/>
+              <a:defRPr sz="1800" kern="1200">
+                <a:solidFill>
+                  <a:schemeClr val="tx1"/>
+                </a:solidFill>
+                <a:latin typeface="+mn-lt"/>
+                <a:ea typeface="+mn-ea"/>
+                <a:cs typeface="+mn-cs"/>
+              </a:defRPr>
+            </a:lvl8pPr>
+            <a:lvl9pPr marL="3886200" indent="-228600" algn="l" defTabSz="914400" rtl="0" eaLnBrk="1" latinLnBrk="1" hangingPunct="1">
+              <a:lnSpc>
+                <a:spcPct val="90000"/>
+              </a:lnSpc>
+              <a:spcBef>
+                <a:spcPts val="500"/>
+              </a:spcBef>
+              <a:buFont typeface="Arial" panose="020B0604020202020204" pitchFamily="34" charset="0"/>
+              <a:buChar char="•"/>
+              <a:defRPr sz="1800" kern="1200">
+                <a:solidFill>
+                  <a:schemeClr val="tx1"/>
+                </a:solidFill>
+                <a:latin typeface="+mn-lt"/>
+                <a:ea typeface="+mn-ea"/>
+                <a:cs typeface="+mn-cs"/>
+              </a:defRPr>
+            </a:lvl9pPr>
+          </a:lstStyle>
+          <a:p>
+            <a:r>
+              <a:rPr lang="ko-KR" altLang="en-US" dirty="0"/>
+              <a:t>내용을 입력하세요 내용을 입력하세요</a:t>
+            </a:r>
+          </a:p>
+          <a:p>
+            <a:r>
+              <a:rPr lang="ko-KR" altLang="en-US" dirty="0"/>
+              <a:t>내용을 입력하세요 내용을 입력하세요</a:t>
+            </a:r>
+          </a:p>
+          <a:p>
+            <a:r>
+              <a:rPr lang="ko-KR" altLang="en-US" dirty="0"/>
+              <a:t>내용을 입력하세요 내용을 입력하세요</a:t>
+            </a:r>
+          </a:p>
+          <a:p>
+            <a:endParaRPr lang="ko-KR" altLang="en-US" dirty="0"/>
+          </a:p>
+        </p:txBody>
+      </p:sp>
+      <p:sp>
+        <p:nvSpPr>
+          <p:cNvPr id="42" name="텍스트 개체 틀 7"/>
+          <p:cNvSpPr>
+            <a:spLocks noGrp="1"/>
+          </p:cNvSpPr>
+          <p:nvPr/>
+        </p:nvSpPr>
+        <p:spPr>
+          <a:xfrm>
+            <a:off x="2801418" y="2120507"/>
+            <a:ext cx="2902802" cy="996179"/>
+          </a:xfrm>
+          <a:prstGeom prst="rect">
+            <a:avLst/>
+          </a:prstGeom>
+        </p:spPr>
+        <p:txBody>
+          <a:bodyPr vert="horz" lIns="91440" tIns="45720" rIns="91440" bIns="45720" rtlCol="0">
+            <a:normAutofit/>
+          </a:bodyPr>
+          <a:lstStyle>
+            <a:lvl1pPr marL="0" indent="0" algn="r" defTabSz="914400" rtl="0" eaLnBrk="1" latinLnBrk="1" hangingPunct="1">
+              <a:lnSpc>
+                <a:spcPct val="90000"/>
+              </a:lnSpc>
+              <a:spcBef>
+                <a:spcPts val="1000"/>
+              </a:spcBef>
+              <a:buFont typeface="Arial" panose="020B0604020202020204" pitchFamily="34" charset="0"/>
+              <a:buNone/>
+              <a:defRPr sz="1200" b="1" i="0" kern="1200">
+                <a:solidFill>
+                  <a:srgbClr val="8B723C"/>
+                </a:solidFill>
+                <a:latin typeface="나눔고딕" panose="020D0604000000000000" pitchFamily="50" charset="-127"/>
+                <a:ea typeface="나눔고딕" panose="020D0604000000000000" pitchFamily="50" charset="-127"/>
+                <a:cs typeface="+mn-cs"/>
+              </a:defRPr>
+            </a:lvl1pPr>
+            <a:lvl2pPr marL="457200" indent="0" algn="l" defTabSz="914400" rtl="0" eaLnBrk="1" latinLnBrk="1" hangingPunct="1">
+              <a:lnSpc>
+                <a:spcPct val="90000"/>
+              </a:lnSpc>
+              <a:spcBef>
+                <a:spcPts val="500"/>
+              </a:spcBef>
+              <a:buFont typeface="Arial" panose="020B0604020202020204" pitchFamily="34" charset="0"/>
+              <a:buNone/>
+              <a:defRPr sz="2400" kern="1200">
+                <a:solidFill>
+                  <a:schemeClr val="tx1"/>
+                </a:solidFill>
+                <a:latin typeface="+mn-lt"/>
+                <a:ea typeface="+mn-ea"/>
+                <a:cs typeface="+mn-cs"/>
+              </a:defRPr>
+            </a:lvl2pPr>
+            <a:lvl3pPr marL="914400" indent="0" algn="l" defTabSz="914400" rtl="0" eaLnBrk="1" latinLnBrk="1" hangingPunct="1">
+              <a:lnSpc>
+                <a:spcPct val="90000"/>
+              </a:lnSpc>
+              <a:spcBef>
+                <a:spcPts val="500"/>
+              </a:spcBef>
+              <a:buFont typeface="Arial" panose="020B0604020202020204" pitchFamily="34" charset="0"/>
+              <a:buNone/>
+              <a:defRPr sz="2000" kern="1200">
+                <a:solidFill>
+                  <a:schemeClr val="tx1"/>
+                </a:solidFill>
+                <a:latin typeface="+mn-lt"/>
+                <a:ea typeface="+mn-ea"/>
+                <a:cs typeface="+mn-cs"/>
+              </a:defRPr>
+            </a:lvl3pPr>
+            <a:lvl4pPr marL="1371600" indent="0" algn="l" defTabSz="914400" rtl="0" eaLnBrk="1" latinLnBrk="1" hangingPunct="1">
+              <a:lnSpc>
+                <a:spcPct val="90000"/>
+              </a:lnSpc>
+              <a:spcBef>
+                <a:spcPts val="500"/>
+              </a:spcBef>
+              <a:buFont typeface="Arial" panose="020B0604020202020204" pitchFamily="34" charset="0"/>
+              <a:buNone/>
+              <a:defRPr sz="1800" kern="1200">
+                <a:solidFill>
+                  <a:schemeClr val="tx1"/>
+                </a:solidFill>
+                <a:latin typeface="+mn-lt"/>
+                <a:ea typeface="+mn-ea"/>
+                <a:cs typeface="+mn-cs"/>
+              </a:defRPr>
+            </a:lvl4pPr>
+            <a:lvl5pPr marL="1828800" indent="0" algn="l" defTabSz="914400" rtl="0" eaLnBrk="1" latinLnBrk="1" hangingPunct="1">
+              <a:lnSpc>
+                <a:spcPct val="90000"/>
+              </a:lnSpc>
+              <a:spcBef>
+                <a:spcPts val="500"/>
+              </a:spcBef>
+              <a:buFont typeface="Arial" panose="020B0604020202020204" pitchFamily="34" charset="0"/>
+              <a:buNone/>
+              <a:defRPr sz="1800" kern="1200">
+                <a:solidFill>
+                  <a:schemeClr val="tx1"/>
+                </a:solidFill>
+                <a:latin typeface="+mn-lt"/>
+                <a:ea typeface="+mn-ea"/>
+                <a:cs typeface="+mn-cs"/>
+              </a:defRPr>
+            </a:lvl5pPr>
+            <a:lvl6pPr marL="2514600" indent="-228600" algn="l" defTabSz="914400" rtl="0" eaLnBrk="1" latinLnBrk="1" hangingPunct="1">
+              <a:lnSpc>
+                <a:spcPct val="90000"/>
+              </a:lnSpc>
+              <a:spcBef>
+                <a:spcPts val="500"/>
+              </a:spcBef>
+              <a:buFont typeface="Arial" panose="020B0604020202020204" pitchFamily="34" charset="0"/>
+              <a:buChar char="•"/>
+              <a:defRPr sz="1800" kern="1200">
+                <a:solidFill>
+                  <a:schemeClr val="tx1"/>
+                </a:solidFill>
+                <a:latin typeface="+mn-lt"/>
+                <a:ea typeface="+mn-ea"/>
+                <a:cs typeface="+mn-cs"/>
+              </a:defRPr>
+            </a:lvl6pPr>
+            <a:lvl7pPr marL="2971800" indent="-228600" algn="l" defTabSz="914400" rtl="0" eaLnBrk="1" latinLnBrk="1" hangingPunct="1">
+              <a:lnSpc>
+                <a:spcPct val="90000"/>
+              </a:lnSpc>
+              <a:spcBef>
+                <a:spcPts val="500"/>
+              </a:spcBef>
+              <a:buFont typeface="Arial" panose="020B0604020202020204" pitchFamily="34" charset="0"/>
+              <a:buChar char="•"/>
+              <a:defRPr sz="1800" kern="1200">
+                <a:solidFill>
+                  <a:schemeClr val="tx1"/>
+                </a:solidFill>
+                <a:latin typeface="+mn-lt"/>
+                <a:ea typeface="+mn-ea"/>
+                <a:cs typeface="+mn-cs"/>
+              </a:defRPr>
+            </a:lvl7pPr>
+            <a:lvl8pPr marL="3429000" indent="-228600" algn="l" defTabSz="914400" rtl="0" eaLnBrk="1" latinLnBrk="1" hangingPunct="1">
+              <a:lnSpc>
+                <a:spcPct val="90000"/>
+              </a:lnSpc>
+              <a:spcBef>
+                <a:spcPts val="500"/>
+              </a:spcBef>
+              <a:buFont typeface="Arial" panose="020B0604020202020204" pitchFamily="34" charset="0"/>
+              <a:buChar char="•"/>
+              <a:defRPr sz="1800" kern="1200">
+                <a:solidFill>
+                  <a:schemeClr val="tx1"/>
+                </a:solidFill>
+                <a:latin typeface="+mn-lt"/>
+                <a:ea typeface="+mn-ea"/>
+                <a:cs typeface="+mn-cs"/>
+              </a:defRPr>
+            </a:lvl8pPr>
+            <a:lvl9pPr marL="3886200" indent="-228600" algn="l" defTabSz="914400" rtl="0" eaLnBrk="1" latinLnBrk="1" hangingPunct="1">
+              <a:lnSpc>
+                <a:spcPct val="90000"/>
+              </a:lnSpc>
+              <a:spcBef>
+                <a:spcPts val="500"/>
+              </a:spcBef>
+              <a:buFont typeface="Arial" panose="020B0604020202020204" pitchFamily="34" charset="0"/>
+              <a:buChar char="•"/>
+              <a:defRPr sz="1800" kern="1200">
+                <a:solidFill>
+                  <a:schemeClr val="tx1"/>
+                </a:solidFill>
+                <a:latin typeface="+mn-lt"/>
+                <a:ea typeface="+mn-ea"/>
+                <a:cs typeface="+mn-cs"/>
+              </a:defRPr>
+            </a:lvl9pPr>
+          </a:lstStyle>
+          <a:p>
+            <a:r>
+              <a:rPr lang="en-US" altLang="ko-KR" dirty="0"/>
+              <a:t>1</a:t>
+            </a:r>
+            <a:r>
+              <a:rPr lang="ko-KR" altLang="en-US" dirty="0"/>
+              <a:t>인</a:t>
+            </a:r>
+            <a:r>
+              <a:rPr lang="en-US" altLang="ko-KR" dirty="0"/>
+              <a:t> </a:t>
+            </a:r>
+            <a:r>
+              <a:rPr lang="ko-KR" altLang="en-US" dirty="0"/>
+              <a:t>쓰레기 배출 현황</a:t>
+            </a:r>
+            <a:endParaRPr lang="en-US" altLang="ko-KR" dirty="0"/>
+          </a:p>
+          <a:p>
+            <a:r>
+              <a:rPr lang="ko-KR" altLang="en-US" dirty="0"/>
+              <a:t>연도 쓰레기 배출 변화</a:t>
+            </a:r>
+          </a:p>
+          <a:p>
+            <a:r>
+              <a:rPr lang="ko-KR" altLang="en-US" dirty="0"/>
+              <a:t>재활용도움센터 필요성</a:t>
+            </a:r>
+          </a:p>
+        </p:txBody>
+      </p:sp>
+      <p:sp>
+        <p:nvSpPr>
+          <p:cNvPr id="43" name="텍스트 개체 틀 8"/>
+          <p:cNvSpPr>
+            <a:spLocks noGrp="1"/>
+          </p:cNvSpPr>
+          <p:nvPr/>
+        </p:nvSpPr>
+        <p:spPr>
+          <a:xfrm>
+            <a:off x="8925766" y="5422305"/>
+            <a:ext cx="1968917" cy="570382"/>
+          </a:xfrm>
+          <a:prstGeom prst="rect">
+            <a:avLst/>
+          </a:prstGeom>
+        </p:spPr>
+        <p:txBody>
+          <a:bodyPr vert="horz" lIns="91440" tIns="45720" rIns="91440" bIns="45720" rtlCol="0" anchor="ctr">
+            <a:noAutofit/>
+          </a:bodyPr>
+          <a:lstStyle>
+            <a:lvl1pPr marL="0" indent="0" algn="l" defTabSz="914400" rtl="0" eaLnBrk="1" latinLnBrk="1" hangingPunct="1">
+              <a:lnSpc>
+                <a:spcPct val="90000"/>
+              </a:lnSpc>
+              <a:spcBef>
+                <a:spcPts val="1000"/>
+              </a:spcBef>
+              <a:buFont typeface="Arial" panose="020B0604020202020204" pitchFamily="34" charset="0"/>
+              <a:buNone/>
+              <a:defRPr sz="2800" b="0" i="0" kern="1200">
+                <a:solidFill>
+                  <a:srgbClr val="8B723C"/>
+                </a:solidFill>
+                <a:latin typeface="210 하얀바람 B" panose="02020603020101020101" pitchFamily="18" charset="-127"/>
+                <a:ea typeface="210 하얀바람 B" panose="02020603020101020101" pitchFamily="18" charset="-127"/>
+                <a:cs typeface="+mn-cs"/>
+              </a:defRPr>
+            </a:lvl1pPr>
+            <a:lvl2pPr marL="457200" indent="0" algn="l" defTabSz="914400" rtl="0" eaLnBrk="1" latinLnBrk="1" hangingPunct="1">
+              <a:lnSpc>
+                <a:spcPct val="90000"/>
+              </a:lnSpc>
+              <a:spcBef>
+                <a:spcPts val="500"/>
+              </a:spcBef>
+              <a:buFont typeface="Arial" panose="020B0604020202020204" pitchFamily="34" charset="0"/>
+              <a:buNone/>
+              <a:defRPr sz="2400" kern="1200">
+                <a:solidFill>
+                  <a:schemeClr val="tx1"/>
+                </a:solidFill>
+                <a:latin typeface="+mn-lt"/>
+                <a:ea typeface="+mn-ea"/>
+                <a:cs typeface="+mn-cs"/>
+              </a:defRPr>
+            </a:lvl2pPr>
+            <a:lvl3pPr marL="914400" indent="0" algn="l" defTabSz="914400" rtl="0" eaLnBrk="1" latinLnBrk="1" hangingPunct="1">
+              <a:lnSpc>
+                <a:spcPct val="90000"/>
+              </a:lnSpc>
+              <a:spcBef>
+                <a:spcPts val="500"/>
+              </a:spcBef>
+              <a:buFont typeface="Arial" panose="020B0604020202020204" pitchFamily="34" charset="0"/>
+              <a:buNone/>
+              <a:defRPr sz="2000" kern="1200">
+                <a:solidFill>
+                  <a:schemeClr val="tx1"/>
+                </a:solidFill>
+                <a:latin typeface="+mn-lt"/>
+                <a:ea typeface="+mn-ea"/>
+                <a:cs typeface="+mn-cs"/>
+              </a:defRPr>
+            </a:lvl3pPr>
+            <a:lvl4pPr marL="1371600" indent="0" algn="l" defTabSz="914400" rtl="0" eaLnBrk="1" latinLnBrk="1" hangingPunct="1">
+              <a:lnSpc>
+                <a:spcPct val="90000"/>
+              </a:lnSpc>
+              <a:spcBef>
+                <a:spcPts val="500"/>
+              </a:spcBef>
+              <a:buFont typeface="Arial" panose="020B0604020202020204" pitchFamily="34" charset="0"/>
+              <a:buNone/>
+              <a:defRPr sz="1800" kern="1200">
+                <a:solidFill>
+                  <a:schemeClr val="tx1"/>
+                </a:solidFill>
+                <a:latin typeface="+mn-lt"/>
+                <a:ea typeface="+mn-ea"/>
+                <a:cs typeface="+mn-cs"/>
+              </a:defRPr>
+            </a:lvl4pPr>
+            <a:lvl5pPr marL="1828800" indent="0" algn="l" defTabSz="914400" rtl="0" eaLnBrk="1" latinLnBrk="1" hangingPunct="1">
+              <a:lnSpc>
+                <a:spcPct val="90000"/>
+              </a:lnSpc>
+              <a:spcBef>
+                <a:spcPts val="500"/>
+              </a:spcBef>
+              <a:buFont typeface="Arial" panose="020B0604020202020204" pitchFamily="34" charset="0"/>
+              <a:buNone/>
+              <a:defRPr sz="1800" kern="1200">
+                <a:solidFill>
+                  <a:schemeClr val="tx1"/>
+                </a:solidFill>
+                <a:latin typeface="+mn-lt"/>
+                <a:ea typeface="+mn-ea"/>
+                <a:cs typeface="+mn-cs"/>
+              </a:defRPr>
+            </a:lvl5pPr>
+            <a:lvl6pPr marL="2514600" indent="-228600" algn="l" defTabSz="914400" rtl="0" eaLnBrk="1" latinLnBrk="1" hangingPunct="1">
+              <a:lnSpc>
+                <a:spcPct val="90000"/>
+              </a:lnSpc>
+              <a:spcBef>
+                <a:spcPts val="500"/>
+              </a:spcBef>
+              <a:buFont typeface="Arial" panose="020B0604020202020204" pitchFamily="34" charset="0"/>
+              <a:buChar char="•"/>
+              <a:defRPr sz="1800" kern="1200">
+                <a:solidFill>
+                  <a:schemeClr val="tx1"/>
+                </a:solidFill>
+                <a:latin typeface="+mn-lt"/>
+                <a:ea typeface="+mn-ea"/>
+                <a:cs typeface="+mn-cs"/>
+              </a:defRPr>
+            </a:lvl6pPr>
+            <a:lvl7pPr marL="2971800" indent="-228600" algn="l" defTabSz="914400" rtl="0" eaLnBrk="1" latinLnBrk="1" hangingPunct="1">
+              <a:lnSpc>
+                <a:spcPct val="90000"/>
+              </a:lnSpc>
+              <a:spcBef>
+                <a:spcPts val="500"/>
+              </a:spcBef>
+              <a:buFont typeface="Arial" panose="020B0604020202020204" pitchFamily="34" charset="0"/>
+              <a:buChar char="•"/>
+              <a:defRPr sz="1800" kern="1200">
+                <a:solidFill>
+                  <a:schemeClr val="tx1"/>
+                </a:solidFill>
+                <a:latin typeface="+mn-lt"/>
+                <a:ea typeface="+mn-ea"/>
+                <a:cs typeface="+mn-cs"/>
+              </a:defRPr>
+            </a:lvl7pPr>
+            <a:lvl8pPr marL="3429000" indent="-228600" algn="l" defTabSz="914400" rtl="0" eaLnBrk="1" latinLnBrk="1" hangingPunct="1">
+              <a:lnSpc>
+                <a:spcPct val="90000"/>
+              </a:lnSpc>
+              <a:spcBef>
+                <a:spcPts val="500"/>
+              </a:spcBef>
+              <a:buFont typeface="Arial" panose="020B0604020202020204" pitchFamily="34" charset="0"/>
+              <a:buChar char="•"/>
+              <a:defRPr sz="1800" kern="1200">
+                <a:solidFill>
+                  <a:schemeClr val="tx1"/>
+                </a:solidFill>
+                <a:latin typeface="+mn-lt"/>
+                <a:ea typeface="+mn-ea"/>
+                <a:cs typeface="+mn-cs"/>
+              </a:defRPr>
+            </a:lvl8pPr>
+            <a:lvl9pPr marL="3886200" indent="-228600" algn="l" defTabSz="914400" rtl="0" eaLnBrk="1" latinLnBrk="1" hangingPunct="1">
+              <a:lnSpc>
+                <a:spcPct val="90000"/>
+              </a:lnSpc>
+              <a:spcBef>
+                <a:spcPts val="500"/>
+              </a:spcBef>
+              <a:buFont typeface="Arial" panose="020B0604020202020204" pitchFamily="34" charset="0"/>
+              <a:buChar char="•"/>
+              <a:defRPr sz="1800" kern="1200">
+                <a:solidFill>
+                  <a:schemeClr val="tx1"/>
+                </a:solidFill>
+                <a:latin typeface="+mn-lt"/>
+                <a:ea typeface="+mn-ea"/>
+                <a:cs typeface="+mn-cs"/>
+              </a:defRPr>
+            </a:lvl9pPr>
+          </a:lstStyle>
+          <a:p>
+            <a:r>
+              <a:rPr lang="en-US" altLang="ko-KR" sz="2400" dirty="0"/>
+              <a:t>5. Q&amp;A </a:t>
+            </a:r>
+            <a:r>
+              <a:rPr lang="ko-KR" altLang="en-US" sz="2400" dirty="0"/>
+              <a:t>출처</a:t>
+            </a:r>
+          </a:p>
+        </p:txBody>
+      </p:sp>
+      <p:sp>
+        <p:nvSpPr>
+          <p:cNvPr id="44" name="텍스트 개체 틀 9"/>
+          <p:cNvSpPr>
+            <a:spLocks noGrp="1"/>
+          </p:cNvSpPr>
+          <p:nvPr/>
+        </p:nvSpPr>
+        <p:spPr>
+          <a:xfrm>
+            <a:off x="8925766" y="3554159"/>
+            <a:ext cx="2159576" cy="570382"/>
+          </a:xfrm>
+          <a:prstGeom prst="rect">
+            <a:avLst/>
+          </a:prstGeom>
+        </p:spPr>
+        <p:txBody>
+          <a:bodyPr vert="horz" lIns="91440" tIns="45720" rIns="91440" bIns="45720" rtlCol="0" anchor="ctr">
+            <a:noAutofit/>
+          </a:bodyPr>
+          <a:lstStyle>
+            <a:lvl1pPr marL="0" indent="0" algn="l" defTabSz="914400" rtl="0" eaLnBrk="1" latinLnBrk="1" hangingPunct="1">
+              <a:lnSpc>
+                <a:spcPct val="90000"/>
+              </a:lnSpc>
+              <a:spcBef>
+                <a:spcPts val="1000"/>
+              </a:spcBef>
+              <a:buFont typeface="Arial" panose="020B0604020202020204" pitchFamily="34" charset="0"/>
+              <a:buNone/>
+              <a:defRPr sz="2800" b="0" i="0" kern="1200">
+                <a:solidFill>
+                  <a:srgbClr val="8B723C"/>
+                </a:solidFill>
+                <a:latin typeface="210 하얀바람 B" panose="02020603020101020101" pitchFamily="18" charset="-127"/>
+                <a:ea typeface="210 하얀바람 B" panose="02020603020101020101" pitchFamily="18" charset="-127"/>
+                <a:cs typeface="+mn-cs"/>
+              </a:defRPr>
+            </a:lvl1pPr>
+            <a:lvl2pPr marL="457200" indent="0" algn="l" defTabSz="914400" rtl="0" eaLnBrk="1" latinLnBrk="1" hangingPunct="1">
+              <a:lnSpc>
+                <a:spcPct val="90000"/>
+              </a:lnSpc>
+              <a:spcBef>
+                <a:spcPts val="500"/>
+              </a:spcBef>
+              <a:buFont typeface="Arial" panose="020B0604020202020204" pitchFamily="34" charset="0"/>
+              <a:buNone/>
+              <a:defRPr sz="2400" kern="1200">
+                <a:solidFill>
+                  <a:schemeClr val="tx1"/>
+                </a:solidFill>
+                <a:latin typeface="+mn-lt"/>
+                <a:ea typeface="+mn-ea"/>
+                <a:cs typeface="+mn-cs"/>
+              </a:defRPr>
+            </a:lvl2pPr>
+            <a:lvl3pPr marL="914400" indent="0" algn="l" defTabSz="914400" rtl="0" eaLnBrk="1" latinLnBrk="1" hangingPunct="1">
+              <a:lnSpc>
+                <a:spcPct val="90000"/>
+              </a:lnSpc>
+              <a:spcBef>
+                <a:spcPts val="500"/>
+              </a:spcBef>
+              <a:buFont typeface="Arial" panose="020B0604020202020204" pitchFamily="34" charset="0"/>
+              <a:buNone/>
+              <a:defRPr sz="2000" kern="1200">
+                <a:solidFill>
+                  <a:schemeClr val="tx1"/>
+                </a:solidFill>
+                <a:latin typeface="+mn-lt"/>
+                <a:ea typeface="+mn-ea"/>
+                <a:cs typeface="+mn-cs"/>
+              </a:defRPr>
+            </a:lvl3pPr>
+            <a:lvl4pPr marL="1371600" indent="0" algn="l" defTabSz="914400" rtl="0" eaLnBrk="1" latinLnBrk="1" hangingPunct="1">
+              <a:lnSpc>
+                <a:spcPct val="90000"/>
+              </a:lnSpc>
+              <a:spcBef>
+                <a:spcPts val="500"/>
+              </a:spcBef>
+              <a:buFont typeface="Arial" panose="020B0604020202020204" pitchFamily="34" charset="0"/>
+              <a:buNone/>
+              <a:defRPr sz="1800" kern="1200">
+                <a:solidFill>
+                  <a:schemeClr val="tx1"/>
+                </a:solidFill>
+                <a:latin typeface="+mn-lt"/>
+                <a:ea typeface="+mn-ea"/>
+                <a:cs typeface="+mn-cs"/>
+              </a:defRPr>
+            </a:lvl4pPr>
+            <a:lvl5pPr marL="1828800" indent="0" algn="l" defTabSz="914400" rtl="0" eaLnBrk="1" latinLnBrk="1" hangingPunct="1">
+              <a:lnSpc>
+                <a:spcPct val="90000"/>
+              </a:lnSpc>
+              <a:spcBef>
+                <a:spcPts val="500"/>
+              </a:spcBef>
+              <a:buFont typeface="Arial" panose="020B0604020202020204" pitchFamily="34" charset="0"/>
+              <a:buNone/>
+              <a:defRPr sz="1800" kern="1200">
+                <a:solidFill>
+                  <a:schemeClr val="tx1"/>
+                </a:solidFill>
+                <a:latin typeface="+mn-lt"/>
+                <a:ea typeface="+mn-ea"/>
+                <a:cs typeface="+mn-cs"/>
+              </a:defRPr>
+            </a:lvl5pPr>
+            <a:lvl6pPr marL="2514600" indent="-228600" algn="l" defTabSz="914400" rtl="0" eaLnBrk="1" latinLnBrk="1" hangingPunct="1">
+              <a:lnSpc>
+                <a:spcPct val="90000"/>
+              </a:lnSpc>
+              <a:spcBef>
+                <a:spcPts val="500"/>
+              </a:spcBef>
+              <a:buFont typeface="Arial" panose="020B0604020202020204" pitchFamily="34" charset="0"/>
+              <a:buChar char="•"/>
+              <a:defRPr sz="1800" kern="1200">
+                <a:solidFill>
+                  <a:schemeClr val="tx1"/>
+                </a:solidFill>
+                <a:latin typeface="+mn-lt"/>
+                <a:ea typeface="+mn-ea"/>
+                <a:cs typeface="+mn-cs"/>
+              </a:defRPr>
+            </a:lvl6pPr>
+            <a:lvl7pPr marL="2971800" indent="-228600" algn="l" defTabSz="914400" rtl="0" eaLnBrk="1" latinLnBrk="1" hangingPunct="1">
+              <a:lnSpc>
+                <a:spcPct val="90000"/>
+              </a:lnSpc>
+              <a:spcBef>
+                <a:spcPts val="500"/>
+              </a:spcBef>
+              <a:buFont typeface="Arial" panose="020B0604020202020204" pitchFamily="34" charset="0"/>
+              <a:buChar char="•"/>
+              <a:defRPr sz="1800" kern="1200">
+                <a:solidFill>
+                  <a:schemeClr val="tx1"/>
+                </a:solidFill>
+                <a:latin typeface="+mn-lt"/>
+                <a:ea typeface="+mn-ea"/>
+                <a:cs typeface="+mn-cs"/>
+              </a:defRPr>
+            </a:lvl7pPr>
+            <a:lvl8pPr marL="3429000" indent="-228600" algn="l" defTabSz="914400" rtl="0" eaLnBrk="1" latinLnBrk="1" hangingPunct="1">
+              <a:lnSpc>
+                <a:spcPct val="90000"/>
+              </a:lnSpc>
+              <a:spcBef>
+                <a:spcPts val="500"/>
+              </a:spcBef>
+              <a:buFont typeface="Arial" panose="020B0604020202020204" pitchFamily="34" charset="0"/>
+              <a:buChar char="•"/>
+              <a:defRPr sz="1800" kern="1200">
+                <a:solidFill>
+                  <a:schemeClr val="tx1"/>
+                </a:solidFill>
+                <a:latin typeface="+mn-lt"/>
+                <a:ea typeface="+mn-ea"/>
+                <a:cs typeface="+mn-cs"/>
+              </a:defRPr>
+            </a:lvl8pPr>
+            <a:lvl9pPr marL="3886200" indent="-228600" algn="l" defTabSz="914400" rtl="0" eaLnBrk="1" latinLnBrk="1" hangingPunct="1">
+              <a:lnSpc>
+                <a:spcPct val="90000"/>
+              </a:lnSpc>
+              <a:spcBef>
+                <a:spcPts val="500"/>
+              </a:spcBef>
+              <a:buFont typeface="Arial" panose="020B0604020202020204" pitchFamily="34" charset="0"/>
+              <a:buChar char="•"/>
+              <a:defRPr sz="1800" kern="1200">
+                <a:solidFill>
+                  <a:schemeClr val="tx1"/>
+                </a:solidFill>
+                <a:latin typeface="+mn-lt"/>
+                <a:ea typeface="+mn-ea"/>
+                <a:cs typeface="+mn-cs"/>
+              </a:defRPr>
+            </a:lvl9pPr>
+          </a:lstStyle>
+          <a:p>
+            <a:r>
+              <a:rPr lang="en-US" altLang="ko-KR" sz="2400" dirty="0"/>
+              <a:t>3. </a:t>
+            </a:r>
+            <a:r>
+              <a:rPr lang="ko-KR" altLang="en-US" sz="2400" dirty="0"/>
+              <a:t>문제분석</a:t>
+            </a:r>
+          </a:p>
+        </p:txBody>
+      </p:sp>
+      <p:sp>
+        <p:nvSpPr>
+          <p:cNvPr id="45" name="텍스트 개체 틀 10"/>
+          <p:cNvSpPr>
+            <a:spLocks noGrp="1"/>
+          </p:cNvSpPr>
+          <p:nvPr/>
+        </p:nvSpPr>
+        <p:spPr>
+          <a:xfrm>
+            <a:off x="2218337" y="2367562"/>
+            <a:ext cx="2014996" cy="570382"/>
+          </a:xfrm>
+          <a:prstGeom prst="rect">
+            <a:avLst/>
+          </a:prstGeom>
+        </p:spPr>
+        <p:txBody>
+          <a:bodyPr vert="horz" lIns="91440" tIns="45720" rIns="91440" bIns="45720" rtlCol="0" anchor="ctr">
+            <a:noAutofit/>
+          </a:bodyPr>
+          <a:lstStyle>
+            <a:lvl1pPr marL="0" indent="0" algn="l" defTabSz="914400" rtl="0" eaLnBrk="1" latinLnBrk="1" hangingPunct="1">
+              <a:lnSpc>
+                <a:spcPct val="90000"/>
+              </a:lnSpc>
+              <a:spcBef>
+                <a:spcPts val="1000"/>
+              </a:spcBef>
+              <a:buFont typeface="Arial" panose="020B0604020202020204" pitchFamily="34" charset="0"/>
+              <a:buNone/>
+              <a:defRPr sz="2800" b="0" i="0" kern="1200">
+                <a:solidFill>
+                  <a:srgbClr val="8B723C"/>
+                </a:solidFill>
+                <a:latin typeface="210 하얀바람 B" panose="02020603020101020101" pitchFamily="18" charset="-127"/>
+                <a:ea typeface="210 하얀바람 B" panose="02020603020101020101" pitchFamily="18" charset="-127"/>
+                <a:cs typeface="+mn-cs"/>
+              </a:defRPr>
+            </a:lvl1pPr>
+            <a:lvl2pPr marL="457200" indent="0" algn="l" defTabSz="914400" rtl="0" eaLnBrk="1" latinLnBrk="1" hangingPunct="1">
+              <a:lnSpc>
+                <a:spcPct val="90000"/>
+              </a:lnSpc>
+              <a:spcBef>
+                <a:spcPts val="500"/>
+              </a:spcBef>
+              <a:buFont typeface="Arial" panose="020B0604020202020204" pitchFamily="34" charset="0"/>
+              <a:buNone/>
+              <a:defRPr sz="2400" kern="1200">
+                <a:solidFill>
+                  <a:schemeClr val="tx1"/>
+                </a:solidFill>
+                <a:latin typeface="+mn-lt"/>
+                <a:ea typeface="+mn-ea"/>
+                <a:cs typeface="+mn-cs"/>
+              </a:defRPr>
+            </a:lvl2pPr>
+            <a:lvl3pPr marL="914400" indent="0" algn="l" defTabSz="914400" rtl="0" eaLnBrk="1" latinLnBrk="1" hangingPunct="1">
+              <a:lnSpc>
+                <a:spcPct val="90000"/>
+              </a:lnSpc>
+              <a:spcBef>
+                <a:spcPts val="500"/>
+              </a:spcBef>
+              <a:buFont typeface="Arial" panose="020B0604020202020204" pitchFamily="34" charset="0"/>
+              <a:buNone/>
+              <a:defRPr sz="2000" kern="1200">
+                <a:solidFill>
+                  <a:schemeClr val="tx1"/>
+                </a:solidFill>
+                <a:latin typeface="+mn-lt"/>
+                <a:ea typeface="+mn-ea"/>
+                <a:cs typeface="+mn-cs"/>
+              </a:defRPr>
+            </a:lvl3pPr>
+            <a:lvl4pPr marL="1371600" indent="0" algn="l" defTabSz="914400" rtl="0" eaLnBrk="1" latinLnBrk="1" hangingPunct="1">
+              <a:lnSpc>
+                <a:spcPct val="90000"/>
+              </a:lnSpc>
+              <a:spcBef>
+                <a:spcPts val="500"/>
+              </a:spcBef>
+              <a:buFont typeface="Arial" panose="020B0604020202020204" pitchFamily="34" charset="0"/>
+              <a:buNone/>
+              <a:defRPr sz="1800" kern="1200">
+                <a:solidFill>
+                  <a:schemeClr val="tx1"/>
+                </a:solidFill>
+                <a:latin typeface="+mn-lt"/>
+                <a:ea typeface="+mn-ea"/>
+                <a:cs typeface="+mn-cs"/>
+              </a:defRPr>
+            </a:lvl4pPr>
+            <a:lvl5pPr marL="1828800" indent="0" algn="l" defTabSz="914400" rtl="0" eaLnBrk="1" latinLnBrk="1" hangingPunct="1">
+              <a:lnSpc>
+                <a:spcPct val="90000"/>
+              </a:lnSpc>
+              <a:spcBef>
+                <a:spcPts val="500"/>
+              </a:spcBef>
+              <a:buFont typeface="Arial" panose="020B0604020202020204" pitchFamily="34" charset="0"/>
+              <a:buNone/>
+              <a:defRPr sz="1800" kern="1200">
+                <a:solidFill>
+                  <a:schemeClr val="tx1"/>
+                </a:solidFill>
+                <a:latin typeface="+mn-lt"/>
+                <a:ea typeface="+mn-ea"/>
+                <a:cs typeface="+mn-cs"/>
+              </a:defRPr>
+            </a:lvl5pPr>
+            <a:lvl6pPr marL="2514600" indent="-228600" algn="l" defTabSz="914400" rtl="0" eaLnBrk="1" latinLnBrk="1" hangingPunct="1">
+              <a:lnSpc>
+                <a:spcPct val="90000"/>
+              </a:lnSpc>
+              <a:spcBef>
+                <a:spcPts val="500"/>
+              </a:spcBef>
+              <a:buFont typeface="Arial" panose="020B0604020202020204" pitchFamily="34" charset="0"/>
+              <a:buChar char="•"/>
+              <a:defRPr sz="1800" kern="1200">
+                <a:solidFill>
+                  <a:schemeClr val="tx1"/>
+                </a:solidFill>
+                <a:latin typeface="+mn-lt"/>
+                <a:ea typeface="+mn-ea"/>
+                <a:cs typeface="+mn-cs"/>
+              </a:defRPr>
+            </a:lvl6pPr>
+            <a:lvl7pPr marL="2971800" indent="-228600" algn="l" defTabSz="914400" rtl="0" eaLnBrk="1" latinLnBrk="1" hangingPunct="1">
+              <a:lnSpc>
+                <a:spcPct val="90000"/>
+              </a:lnSpc>
+              <a:spcBef>
+                <a:spcPts val="500"/>
+              </a:spcBef>
+              <a:buFont typeface="Arial" panose="020B0604020202020204" pitchFamily="34" charset="0"/>
+              <a:buChar char="•"/>
+              <a:defRPr sz="1800" kern="1200">
+                <a:solidFill>
+                  <a:schemeClr val="tx1"/>
+                </a:solidFill>
+                <a:latin typeface="+mn-lt"/>
+                <a:ea typeface="+mn-ea"/>
+                <a:cs typeface="+mn-cs"/>
+              </a:defRPr>
+            </a:lvl7pPr>
+            <a:lvl8pPr marL="3429000" indent="-228600" algn="l" defTabSz="914400" rtl="0" eaLnBrk="1" latinLnBrk="1" hangingPunct="1">
+              <a:lnSpc>
+                <a:spcPct val="90000"/>
+              </a:lnSpc>
+              <a:spcBef>
+                <a:spcPts val="500"/>
+              </a:spcBef>
+              <a:buFont typeface="Arial" panose="020B0604020202020204" pitchFamily="34" charset="0"/>
+              <a:buChar char="•"/>
+              <a:defRPr sz="1800" kern="1200">
+                <a:solidFill>
+                  <a:schemeClr val="tx1"/>
+                </a:solidFill>
+                <a:latin typeface="+mn-lt"/>
+                <a:ea typeface="+mn-ea"/>
+                <a:cs typeface="+mn-cs"/>
+              </a:defRPr>
+            </a:lvl8pPr>
+            <a:lvl9pPr marL="3886200" indent="-228600" algn="l" defTabSz="914400" rtl="0" eaLnBrk="1" latinLnBrk="1" hangingPunct="1">
+              <a:lnSpc>
+                <a:spcPct val="90000"/>
+              </a:lnSpc>
+              <a:spcBef>
+                <a:spcPts val="500"/>
+              </a:spcBef>
+              <a:buFont typeface="Arial" panose="020B0604020202020204" pitchFamily="34" charset="0"/>
+              <a:buChar char="•"/>
+              <a:defRPr sz="1800" kern="1200">
+                <a:solidFill>
+                  <a:schemeClr val="tx1"/>
+                </a:solidFill>
+                <a:latin typeface="+mn-lt"/>
+                <a:ea typeface="+mn-ea"/>
+                <a:cs typeface="+mn-cs"/>
+              </a:defRPr>
+            </a:lvl9pPr>
+          </a:lstStyle>
+          <a:p>
+            <a:r>
+              <a:rPr lang="en-US" altLang="ko-KR" sz="2400" dirty="0"/>
+              <a:t>2. </a:t>
+            </a:r>
+            <a:r>
+              <a:rPr lang="ko-KR" altLang="en-US" sz="2400" dirty="0"/>
+              <a:t>문제 현황</a:t>
+            </a:r>
+          </a:p>
+        </p:txBody>
+      </p:sp>
+      <p:sp>
+        <p:nvSpPr>
+          <p:cNvPr id="46" name="텍스트 개체 틀 11"/>
+          <p:cNvSpPr>
+            <a:spLocks noGrp="1"/>
+          </p:cNvSpPr>
+          <p:nvPr/>
+        </p:nvSpPr>
+        <p:spPr>
+          <a:xfrm>
+            <a:off x="1799166" y="4103141"/>
+            <a:ext cx="1672168" cy="570382"/>
+          </a:xfrm>
+          <a:prstGeom prst="rect">
+            <a:avLst/>
+          </a:prstGeom>
+        </p:spPr>
+        <p:txBody>
+          <a:bodyPr vert="horz" lIns="91440" tIns="45720" rIns="91440" bIns="45720" rtlCol="0" anchor="ctr">
+            <a:noAutofit/>
+          </a:bodyPr>
+          <a:lstStyle>
+            <a:lvl1pPr marL="0" indent="0" algn="r" defTabSz="914400" rtl="0" eaLnBrk="1" latinLnBrk="1" hangingPunct="1">
+              <a:lnSpc>
+                <a:spcPct val="90000"/>
+              </a:lnSpc>
+              <a:spcBef>
+                <a:spcPts val="1000"/>
+              </a:spcBef>
+              <a:buFont typeface="Arial" panose="020B0604020202020204" pitchFamily="34" charset="0"/>
+              <a:buNone/>
+              <a:defRPr sz="2800" b="0" i="0" kern="1200">
+                <a:solidFill>
+                  <a:srgbClr val="8B723C"/>
+                </a:solidFill>
+                <a:latin typeface="210 하얀바람 B" panose="02020603020101020101" pitchFamily="18" charset="-127"/>
+                <a:ea typeface="210 하얀바람 B" panose="02020603020101020101" pitchFamily="18" charset="-127"/>
+                <a:cs typeface="+mn-cs"/>
+              </a:defRPr>
+            </a:lvl1pPr>
+            <a:lvl2pPr marL="457200" indent="0" algn="l" defTabSz="914400" rtl="0" eaLnBrk="1" latinLnBrk="1" hangingPunct="1">
+              <a:lnSpc>
+                <a:spcPct val="90000"/>
+              </a:lnSpc>
+              <a:spcBef>
+                <a:spcPts val="500"/>
+              </a:spcBef>
+              <a:buFont typeface="Arial" panose="020B0604020202020204" pitchFamily="34" charset="0"/>
+              <a:buNone/>
+              <a:defRPr sz="2400" kern="1200">
+                <a:solidFill>
+                  <a:schemeClr val="tx1"/>
+                </a:solidFill>
+                <a:latin typeface="+mn-lt"/>
+                <a:ea typeface="+mn-ea"/>
+                <a:cs typeface="+mn-cs"/>
+              </a:defRPr>
+            </a:lvl2pPr>
+            <a:lvl3pPr marL="914400" indent="0" algn="l" defTabSz="914400" rtl="0" eaLnBrk="1" latinLnBrk="1" hangingPunct="1">
+              <a:lnSpc>
+                <a:spcPct val="90000"/>
+              </a:lnSpc>
+              <a:spcBef>
+                <a:spcPts val="500"/>
+              </a:spcBef>
+              <a:buFont typeface="Arial" panose="020B0604020202020204" pitchFamily="34" charset="0"/>
+              <a:buNone/>
+              <a:defRPr sz="2000" kern="1200">
+                <a:solidFill>
+                  <a:schemeClr val="tx1"/>
+                </a:solidFill>
+                <a:latin typeface="+mn-lt"/>
+                <a:ea typeface="+mn-ea"/>
+                <a:cs typeface="+mn-cs"/>
+              </a:defRPr>
+            </a:lvl3pPr>
+            <a:lvl4pPr marL="1371600" indent="0" algn="l" defTabSz="914400" rtl="0" eaLnBrk="1" latinLnBrk="1" hangingPunct="1">
+              <a:lnSpc>
+                <a:spcPct val="90000"/>
+              </a:lnSpc>
+              <a:spcBef>
+                <a:spcPts val="500"/>
+              </a:spcBef>
+              <a:buFont typeface="Arial" panose="020B0604020202020204" pitchFamily="34" charset="0"/>
+              <a:buNone/>
+              <a:defRPr sz="1800" kern="1200">
+                <a:solidFill>
+                  <a:schemeClr val="tx1"/>
+                </a:solidFill>
+                <a:latin typeface="+mn-lt"/>
+                <a:ea typeface="+mn-ea"/>
+                <a:cs typeface="+mn-cs"/>
+              </a:defRPr>
+            </a:lvl4pPr>
+            <a:lvl5pPr marL="1828800" indent="0" algn="l" defTabSz="914400" rtl="0" eaLnBrk="1" latinLnBrk="1" hangingPunct="1">
+              <a:lnSpc>
+                <a:spcPct val="90000"/>
+              </a:lnSpc>
+              <a:spcBef>
+                <a:spcPts val="500"/>
+              </a:spcBef>
+              <a:buFont typeface="Arial" panose="020B0604020202020204" pitchFamily="34" charset="0"/>
+              <a:buNone/>
+              <a:defRPr sz="1800" kern="1200">
+                <a:solidFill>
+                  <a:schemeClr val="tx1"/>
+                </a:solidFill>
+                <a:latin typeface="+mn-lt"/>
+                <a:ea typeface="+mn-ea"/>
+                <a:cs typeface="+mn-cs"/>
+              </a:defRPr>
+            </a:lvl5pPr>
+            <a:lvl6pPr marL="2514600" indent="-228600" algn="l" defTabSz="914400" rtl="0" eaLnBrk="1" latinLnBrk="1" hangingPunct="1">
+              <a:lnSpc>
+                <a:spcPct val="90000"/>
+              </a:lnSpc>
+              <a:spcBef>
+                <a:spcPts val="500"/>
+              </a:spcBef>
+              <a:buFont typeface="Arial" panose="020B0604020202020204" pitchFamily="34" charset="0"/>
+              <a:buChar char="•"/>
+              <a:defRPr sz="1800" kern="1200">
+                <a:solidFill>
+                  <a:schemeClr val="tx1"/>
+                </a:solidFill>
+                <a:latin typeface="+mn-lt"/>
+                <a:ea typeface="+mn-ea"/>
+                <a:cs typeface="+mn-cs"/>
+              </a:defRPr>
+            </a:lvl6pPr>
+            <a:lvl7pPr marL="2971800" indent="-228600" algn="l" defTabSz="914400" rtl="0" eaLnBrk="1" latinLnBrk="1" hangingPunct="1">
+              <a:lnSpc>
+                <a:spcPct val="90000"/>
+              </a:lnSpc>
+              <a:spcBef>
+                <a:spcPts val="500"/>
+              </a:spcBef>
+              <a:buFont typeface="Arial" panose="020B0604020202020204" pitchFamily="34" charset="0"/>
+              <a:buChar char="•"/>
+              <a:defRPr sz="1800" kern="1200">
+                <a:solidFill>
+                  <a:schemeClr val="tx1"/>
+                </a:solidFill>
+                <a:latin typeface="+mn-lt"/>
+                <a:ea typeface="+mn-ea"/>
+                <a:cs typeface="+mn-cs"/>
+              </a:defRPr>
+            </a:lvl7pPr>
+            <a:lvl8pPr marL="3429000" indent="-228600" algn="l" defTabSz="914400" rtl="0" eaLnBrk="1" latinLnBrk="1" hangingPunct="1">
+              <a:lnSpc>
+                <a:spcPct val="90000"/>
+              </a:lnSpc>
+              <a:spcBef>
+                <a:spcPts val="500"/>
+              </a:spcBef>
+              <a:buFont typeface="Arial" panose="020B0604020202020204" pitchFamily="34" charset="0"/>
+              <a:buChar char="•"/>
+              <a:defRPr sz="1800" kern="1200">
+                <a:solidFill>
+                  <a:schemeClr val="tx1"/>
+                </a:solidFill>
+                <a:latin typeface="+mn-lt"/>
+                <a:ea typeface="+mn-ea"/>
+                <a:cs typeface="+mn-cs"/>
+              </a:defRPr>
+            </a:lvl8pPr>
+            <a:lvl9pPr marL="3886200" indent="-228600" algn="l" defTabSz="914400" rtl="0" eaLnBrk="1" latinLnBrk="1" hangingPunct="1">
+              <a:lnSpc>
+                <a:spcPct val="90000"/>
+              </a:lnSpc>
+              <a:spcBef>
+                <a:spcPts val="500"/>
+              </a:spcBef>
+              <a:buFont typeface="Arial" panose="020B0604020202020204" pitchFamily="34" charset="0"/>
+              <a:buChar char="•"/>
+              <a:defRPr sz="1800" kern="1200">
+                <a:solidFill>
+                  <a:schemeClr val="tx1"/>
+                </a:solidFill>
+                <a:latin typeface="+mn-lt"/>
+                <a:ea typeface="+mn-ea"/>
+                <a:cs typeface="+mn-cs"/>
+              </a:defRPr>
+            </a:lvl9pPr>
+          </a:lstStyle>
+          <a:p>
+            <a:r>
+              <a:rPr lang="en-US" altLang="ko-KR" sz="2400" dirty="0"/>
+              <a:t>4. model</a:t>
+            </a:r>
+            <a:endParaRPr lang="ko-KR" altLang="en-US" sz="2400" dirty="0"/>
+          </a:p>
+        </p:txBody>
+      </p:sp>
+      <p:sp>
+        <p:nvSpPr>
+          <p:cNvPr id="47" name="텍스트 개체 틀 12"/>
+          <p:cNvSpPr>
+            <a:spLocks noGrp="1"/>
+          </p:cNvSpPr>
+          <p:nvPr/>
+        </p:nvSpPr>
+        <p:spPr>
+          <a:xfrm>
+            <a:off x="7826668" y="1686013"/>
+            <a:ext cx="2638132" cy="570382"/>
+          </a:xfrm>
+          <a:prstGeom prst="rect">
+            <a:avLst/>
+          </a:prstGeom>
+        </p:spPr>
+        <p:txBody>
+          <a:bodyPr vert="horz" lIns="91440" tIns="45720" rIns="91440" bIns="45720" rtlCol="0" anchor="ctr">
+            <a:noAutofit/>
+          </a:bodyPr>
+          <a:lstStyle>
+            <a:lvl1pPr marL="0" indent="0" algn="r" defTabSz="914400" rtl="0" eaLnBrk="1" latinLnBrk="1" hangingPunct="1">
+              <a:lnSpc>
+                <a:spcPct val="90000"/>
+              </a:lnSpc>
+              <a:spcBef>
+                <a:spcPts val="1000"/>
+              </a:spcBef>
+              <a:buFont typeface="Arial" panose="020B0604020202020204" pitchFamily="34" charset="0"/>
+              <a:buNone/>
+              <a:defRPr sz="2800" b="0" i="0" kern="1200">
+                <a:solidFill>
+                  <a:srgbClr val="8B723C"/>
+                </a:solidFill>
+                <a:latin typeface="210 하얀바람 B" panose="02020603020101020101" pitchFamily="18" charset="-127"/>
+                <a:ea typeface="210 하얀바람 B" panose="02020603020101020101" pitchFamily="18" charset="-127"/>
+                <a:cs typeface="+mn-cs"/>
+              </a:defRPr>
+            </a:lvl1pPr>
+            <a:lvl2pPr marL="457200" indent="0" algn="l" defTabSz="914400" rtl="0" eaLnBrk="1" latinLnBrk="1" hangingPunct="1">
+              <a:lnSpc>
+                <a:spcPct val="90000"/>
+              </a:lnSpc>
+              <a:spcBef>
+                <a:spcPts val="500"/>
+              </a:spcBef>
+              <a:buFont typeface="Arial" panose="020B0604020202020204" pitchFamily="34" charset="0"/>
+              <a:buNone/>
+              <a:defRPr sz="2400" kern="1200">
+                <a:solidFill>
+                  <a:schemeClr val="tx1"/>
+                </a:solidFill>
+                <a:latin typeface="+mn-lt"/>
+                <a:ea typeface="+mn-ea"/>
+                <a:cs typeface="+mn-cs"/>
+              </a:defRPr>
+            </a:lvl2pPr>
+            <a:lvl3pPr marL="914400" indent="0" algn="l" defTabSz="914400" rtl="0" eaLnBrk="1" latinLnBrk="1" hangingPunct="1">
+              <a:lnSpc>
+                <a:spcPct val="90000"/>
+              </a:lnSpc>
+              <a:spcBef>
+                <a:spcPts val="500"/>
+              </a:spcBef>
+              <a:buFont typeface="Arial" panose="020B0604020202020204" pitchFamily="34" charset="0"/>
+              <a:buNone/>
+              <a:defRPr sz="2000" kern="1200">
+                <a:solidFill>
+                  <a:schemeClr val="tx1"/>
+                </a:solidFill>
+                <a:latin typeface="+mn-lt"/>
+                <a:ea typeface="+mn-ea"/>
+                <a:cs typeface="+mn-cs"/>
+              </a:defRPr>
+            </a:lvl3pPr>
+            <a:lvl4pPr marL="1371600" indent="0" algn="l" defTabSz="914400" rtl="0" eaLnBrk="1" latinLnBrk="1" hangingPunct="1">
+              <a:lnSpc>
+                <a:spcPct val="90000"/>
+              </a:lnSpc>
+              <a:spcBef>
+                <a:spcPts val="500"/>
+              </a:spcBef>
+              <a:buFont typeface="Arial" panose="020B0604020202020204" pitchFamily="34" charset="0"/>
+              <a:buNone/>
+              <a:defRPr sz="1800" kern="1200">
+                <a:solidFill>
+                  <a:schemeClr val="tx1"/>
+                </a:solidFill>
+                <a:latin typeface="+mn-lt"/>
+                <a:ea typeface="+mn-ea"/>
+                <a:cs typeface="+mn-cs"/>
+              </a:defRPr>
+            </a:lvl4pPr>
+            <a:lvl5pPr marL="1828800" indent="0" algn="l" defTabSz="914400" rtl="0" eaLnBrk="1" latinLnBrk="1" hangingPunct="1">
+              <a:lnSpc>
+                <a:spcPct val="90000"/>
+              </a:lnSpc>
+              <a:spcBef>
+                <a:spcPts val="500"/>
+              </a:spcBef>
+              <a:buFont typeface="Arial" panose="020B0604020202020204" pitchFamily="34" charset="0"/>
+              <a:buNone/>
+              <a:defRPr sz="1800" kern="1200">
+                <a:solidFill>
+                  <a:schemeClr val="tx1"/>
+                </a:solidFill>
+                <a:latin typeface="+mn-lt"/>
+                <a:ea typeface="+mn-ea"/>
+                <a:cs typeface="+mn-cs"/>
+              </a:defRPr>
+            </a:lvl5pPr>
+            <a:lvl6pPr marL="2514600" indent="-228600" algn="l" defTabSz="914400" rtl="0" eaLnBrk="1" latinLnBrk="1" hangingPunct="1">
+              <a:lnSpc>
+                <a:spcPct val="90000"/>
+              </a:lnSpc>
+              <a:spcBef>
+                <a:spcPts val="500"/>
+              </a:spcBef>
+              <a:buFont typeface="Arial" panose="020B0604020202020204" pitchFamily="34" charset="0"/>
+              <a:buChar char="•"/>
+              <a:defRPr sz="1800" kern="1200">
+                <a:solidFill>
+                  <a:schemeClr val="tx1"/>
+                </a:solidFill>
+                <a:latin typeface="+mn-lt"/>
+                <a:ea typeface="+mn-ea"/>
+                <a:cs typeface="+mn-cs"/>
+              </a:defRPr>
+            </a:lvl6pPr>
+            <a:lvl7pPr marL="2971800" indent="-228600" algn="l" defTabSz="914400" rtl="0" eaLnBrk="1" latinLnBrk="1" hangingPunct="1">
+              <a:lnSpc>
+                <a:spcPct val="90000"/>
+              </a:lnSpc>
+              <a:spcBef>
+                <a:spcPts val="500"/>
+              </a:spcBef>
+              <a:buFont typeface="Arial" panose="020B0604020202020204" pitchFamily="34" charset="0"/>
+              <a:buChar char="•"/>
+              <a:defRPr sz="1800" kern="1200">
+                <a:solidFill>
+                  <a:schemeClr val="tx1"/>
+                </a:solidFill>
+                <a:latin typeface="+mn-lt"/>
+                <a:ea typeface="+mn-ea"/>
+                <a:cs typeface="+mn-cs"/>
+              </a:defRPr>
+            </a:lvl7pPr>
+            <a:lvl8pPr marL="3429000" indent="-228600" algn="l" defTabSz="914400" rtl="0" eaLnBrk="1" latinLnBrk="1" hangingPunct="1">
+              <a:lnSpc>
+                <a:spcPct val="90000"/>
+              </a:lnSpc>
+              <a:spcBef>
+                <a:spcPts val="500"/>
+              </a:spcBef>
+              <a:buFont typeface="Arial" panose="020B0604020202020204" pitchFamily="34" charset="0"/>
+              <a:buChar char="•"/>
+              <a:defRPr sz="1800" kern="1200">
+                <a:solidFill>
+                  <a:schemeClr val="tx1"/>
+                </a:solidFill>
+                <a:latin typeface="+mn-lt"/>
+                <a:ea typeface="+mn-ea"/>
+                <a:cs typeface="+mn-cs"/>
+              </a:defRPr>
+            </a:lvl8pPr>
+            <a:lvl9pPr marL="3886200" indent="-228600" algn="l" defTabSz="914400" rtl="0" eaLnBrk="1" latinLnBrk="1" hangingPunct="1">
+              <a:lnSpc>
+                <a:spcPct val="90000"/>
+              </a:lnSpc>
+              <a:spcBef>
+                <a:spcPts val="500"/>
+              </a:spcBef>
+              <a:buFont typeface="Arial" panose="020B0604020202020204" pitchFamily="34" charset="0"/>
+              <a:buChar char="•"/>
+              <a:defRPr sz="1800" kern="1200">
+                <a:solidFill>
+                  <a:schemeClr val="tx1"/>
+                </a:solidFill>
+                <a:latin typeface="+mn-lt"/>
+                <a:ea typeface="+mn-ea"/>
+                <a:cs typeface="+mn-cs"/>
+              </a:defRPr>
+            </a:lvl9pPr>
+          </a:lstStyle>
+          <a:p>
+            <a:r>
+              <a:rPr lang="en-US" altLang="ko-KR" sz="2400" dirty="0"/>
+              <a:t>1. </a:t>
+            </a:r>
+            <a:r>
+              <a:rPr lang="ko-KR" altLang="en-US" sz="2400" dirty="0"/>
+              <a:t>문제</a:t>
+            </a:r>
+            <a:r>
+              <a:rPr lang="en-US" altLang="ko-KR" sz="2400" dirty="0"/>
+              <a:t> </a:t>
+            </a:r>
+            <a:r>
+              <a:rPr lang="ko-KR" altLang="en-US" sz="2400" dirty="0"/>
+              <a:t>선정배경</a:t>
+            </a:r>
+          </a:p>
+        </p:txBody>
+      </p:sp>
+      <p:sp>
+        <p:nvSpPr>
+          <p:cNvPr id="12" name="텍스트 개체 틀 6">
+            <a:extLst>
+              <a:ext uri="{FF2B5EF4-FFF2-40B4-BE49-F238E27FC236}">
+                <a16:creationId xmlns:a16="http://schemas.microsoft.com/office/drawing/2014/main" id="{E4724C96-268B-4530-A491-E07A3A1E87CE}"/>
+              </a:ext>
+            </a:extLst>
+          </p:cNvPr>
+          <p:cNvSpPr>
+            <a:spLocks noGrp="1"/>
+          </p:cNvSpPr>
+          <p:nvPr/>
+        </p:nvSpPr>
+        <p:spPr>
+          <a:xfrm>
+            <a:off x="5944847" y="3253703"/>
+            <a:ext cx="2902802" cy="996179"/>
+          </a:xfrm>
+          <a:prstGeom prst="rect">
+            <a:avLst/>
+          </a:prstGeom>
+        </p:spPr>
+        <p:txBody>
+          <a:bodyPr vert="horz" lIns="91440" tIns="45720" rIns="91440" bIns="45720" rtlCol="0">
+            <a:normAutofit/>
+          </a:bodyPr>
+          <a:lstStyle>
+            <a:lvl1pPr marL="0" indent="0" algn="r" defTabSz="914400" rtl="0" eaLnBrk="1" latinLnBrk="1" hangingPunct="1">
+              <a:lnSpc>
+                <a:spcPct val="90000"/>
+              </a:lnSpc>
+              <a:spcBef>
+                <a:spcPts val="1000"/>
+              </a:spcBef>
+              <a:buFont typeface="Arial" panose="020B0604020202020204" pitchFamily="34" charset="0"/>
+              <a:buNone/>
+              <a:defRPr sz="1200" b="1" i="0" kern="1200">
+                <a:solidFill>
+                  <a:srgbClr val="8B723C"/>
+                </a:solidFill>
+                <a:latin typeface="나눔고딕" panose="020D0604000000000000" pitchFamily="50" charset="-127"/>
+                <a:ea typeface="나눔고딕" panose="020D0604000000000000" pitchFamily="50" charset="-127"/>
+                <a:cs typeface="+mn-cs"/>
+              </a:defRPr>
+            </a:lvl1pPr>
+            <a:lvl2pPr marL="457200" indent="0" algn="l" defTabSz="914400" rtl="0" eaLnBrk="1" latinLnBrk="1" hangingPunct="1">
+              <a:lnSpc>
+                <a:spcPct val="90000"/>
+              </a:lnSpc>
+              <a:spcBef>
+                <a:spcPts val="500"/>
+              </a:spcBef>
+              <a:buFont typeface="Arial" panose="020B0604020202020204" pitchFamily="34" charset="0"/>
+              <a:buNone/>
+              <a:defRPr sz="2400" kern="1200">
+                <a:solidFill>
+                  <a:schemeClr val="tx1"/>
+                </a:solidFill>
+                <a:latin typeface="+mn-lt"/>
+                <a:ea typeface="+mn-ea"/>
+                <a:cs typeface="+mn-cs"/>
+              </a:defRPr>
+            </a:lvl2pPr>
+            <a:lvl3pPr marL="914400" indent="0" algn="l" defTabSz="914400" rtl="0" eaLnBrk="1" latinLnBrk="1" hangingPunct="1">
+              <a:lnSpc>
+                <a:spcPct val="90000"/>
+              </a:lnSpc>
+              <a:spcBef>
+                <a:spcPts val="500"/>
+              </a:spcBef>
+              <a:buFont typeface="Arial" panose="020B0604020202020204" pitchFamily="34" charset="0"/>
+              <a:buNone/>
+              <a:defRPr sz="2000" kern="1200">
+                <a:solidFill>
+                  <a:schemeClr val="tx1"/>
+                </a:solidFill>
+                <a:latin typeface="+mn-lt"/>
+                <a:ea typeface="+mn-ea"/>
+                <a:cs typeface="+mn-cs"/>
+              </a:defRPr>
+            </a:lvl3pPr>
+            <a:lvl4pPr marL="1371600" indent="0" algn="l" defTabSz="914400" rtl="0" eaLnBrk="1" latinLnBrk="1" hangingPunct="1">
+              <a:lnSpc>
+                <a:spcPct val="90000"/>
+              </a:lnSpc>
+              <a:spcBef>
+                <a:spcPts val="500"/>
+              </a:spcBef>
+              <a:buFont typeface="Arial" panose="020B0604020202020204" pitchFamily="34" charset="0"/>
+              <a:buNone/>
+              <a:defRPr sz="1800" kern="1200">
+                <a:solidFill>
+                  <a:schemeClr val="tx1"/>
+                </a:solidFill>
+                <a:latin typeface="+mn-lt"/>
+                <a:ea typeface="+mn-ea"/>
+                <a:cs typeface="+mn-cs"/>
+              </a:defRPr>
+            </a:lvl4pPr>
+            <a:lvl5pPr marL="1828800" indent="0" algn="l" defTabSz="914400" rtl="0" eaLnBrk="1" latinLnBrk="1" hangingPunct="1">
+              <a:lnSpc>
+                <a:spcPct val="90000"/>
+              </a:lnSpc>
+              <a:spcBef>
+                <a:spcPts val="500"/>
+              </a:spcBef>
+              <a:buFont typeface="Arial" panose="020B0604020202020204" pitchFamily="34" charset="0"/>
+              <a:buNone/>
+              <a:defRPr sz="1800" kern="1200">
+                <a:solidFill>
+                  <a:schemeClr val="tx1"/>
+                </a:solidFill>
+                <a:latin typeface="+mn-lt"/>
+                <a:ea typeface="+mn-ea"/>
+                <a:cs typeface="+mn-cs"/>
+              </a:defRPr>
+            </a:lvl5pPr>
+            <a:lvl6pPr marL="2514600" indent="-228600" algn="l" defTabSz="914400" rtl="0" eaLnBrk="1" latinLnBrk="1" hangingPunct="1">
+              <a:lnSpc>
+                <a:spcPct val="90000"/>
+              </a:lnSpc>
+              <a:spcBef>
+                <a:spcPts val="500"/>
+              </a:spcBef>
+              <a:buFont typeface="Arial" panose="020B0604020202020204" pitchFamily="34" charset="0"/>
+              <a:buChar char="•"/>
+              <a:defRPr sz="1800" kern="1200">
+                <a:solidFill>
+                  <a:schemeClr val="tx1"/>
+                </a:solidFill>
+                <a:latin typeface="+mn-lt"/>
+                <a:ea typeface="+mn-ea"/>
+                <a:cs typeface="+mn-cs"/>
+              </a:defRPr>
+            </a:lvl6pPr>
+            <a:lvl7pPr marL="2971800" indent="-228600" algn="l" defTabSz="914400" rtl="0" eaLnBrk="1" latinLnBrk="1" hangingPunct="1">
+              <a:lnSpc>
+                <a:spcPct val="90000"/>
+              </a:lnSpc>
+              <a:spcBef>
+                <a:spcPts val="500"/>
+              </a:spcBef>
+              <a:buFont typeface="Arial" panose="020B0604020202020204" pitchFamily="34" charset="0"/>
+              <a:buChar char="•"/>
+              <a:defRPr sz="1800" kern="1200">
+                <a:solidFill>
+                  <a:schemeClr val="tx1"/>
+                </a:solidFill>
+                <a:latin typeface="+mn-lt"/>
+                <a:ea typeface="+mn-ea"/>
+                <a:cs typeface="+mn-cs"/>
+              </a:defRPr>
+            </a:lvl7pPr>
+            <a:lvl8pPr marL="3429000" indent="-228600" algn="l" defTabSz="914400" rtl="0" eaLnBrk="1" latinLnBrk="1" hangingPunct="1">
+              <a:lnSpc>
+                <a:spcPct val="90000"/>
+              </a:lnSpc>
+              <a:spcBef>
+                <a:spcPts val="500"/>
+              </a:spcBef>
+              <a:buFont typeface="Arial" panose="020B0604020202020204" pitchFamily="34" charset="0"/>
+              <a:buChar char="•"/>
+              <a:defRPr sz="1800" kern="1200">
+                <a:solidFill>
+                  <a:schemeClr val="tx1"/>
+                </a:solidFill>
+                <a:latin typeface="+mn-lt"/>
+                <a:ea typeface="+mn-ea"/>
+                <a:cs typeface="+mn-cs"/>
+              </a:defRPr>
+            </a:lvl8pPr>
+            <a:lvl9pPr marL="3886200" indent="-228600" algn="l" defTabSz="914400" rtl="0" eaLnBrk="1" latinLnBrk="1" hangingPunct="1">
+              <a:lnSpc>
+                <a:spcPct val="90000"/>
+              </a:lnSpc>
+              <a:spcBef>
+                <a:spcPts val="500"/>
+              </a:spcBef>
+              <a:buFont typeface="Arial" panose="020B0604020202020204" pitchFamily="34" charset="0"/>
+              <a:buChar char="•"/>
+              <a:defRPr sz="1800" kern="1200">
+                <a:solidFill>
+                  <a:schemeClr val="tx1"/>
+                </a:solidFill>
+                <a:latin typeface="+mn-lt"/>
+                <a:ea typeface="+mn-ea"/>
+                <a:cs typeface="+mn-cs"/>
+              </a:defRPr>
+            </a:lvl9pPr>
+          </a:lstStyle>
+          <a:p>
+            <a:r>
+              <a:rPr lang="ko-KR" altLang="en-US" dirty="0"/>
+              <a:t>내용을 입력하세요 내용을 입력하세요</a:t>
+            </a:r>
+          </a:p>
+          <a:p>
+            <a:r>
+              <a:rPr lang="ko-KR" altLang="en-US" dirty="0"/>
+              <a:t>내용을 입력하세요 내용을 입력하세요</a:t>
+            </a:r>
+          </a:p>
+          <a:p>
+            <a:r>
+              <a:rPr lang="ko-KR" altLang="en-US" dirty="0"/>
+              <a:t>내용을 입력하세요 내용을 입력하세요</a:t>
+            </a:r>
+          </a:p>
+          <a:p>
+            <a:endParaRPr lang="ko-KR" altLang="en-US" dirty="0"/>
+          </a:p>
+        </p:txBody>
+      </p:sp>
+    </p:spTree>
+    <p:extLst>
+      <p:ext uri="{BB962C8B-B14F-4D97-AF65-F5344CB8AC3E}">
+        <p14:creationId xmlns:p14="http://schemas.microsoft.com/office/powerpoint/2010/main" val="2809895803"/>
+      </p:ext>
+    </p:extLst>
+  </p:cSld>
+  <p:clrMapOvr>
+    <a:masterClrMapping/>
+  </p:clrMapOvr>
+  <mc:AlternateContent xmlns:mc="http://schemas.openxmlformats.org/markup-compatibility/2006" xmlns:p14="http://schemas.microsoft.com/office/powerpoint/2010/main">
+    <mc:Choice Requires="p14">
+      <p:transition spd="med" p14:dur="700">
+        <p:fade/>
+      </p:transition>
+    </mc:Choice>
+    <mc:Fallback xmlns="">
+      <p:transition spd="med">
+        <p:fade/>
+      </p:transition>
+    </mc:Fallback>
+  </mc:AlternateContent>
+</p:sld>
+</file>
+
+<file path=ppt/slides/slide4.xml><?xml version="1.0" encoding="utf-8"?>
+<p:sld xmlns:a="http://schemas.openxmlformats.org/drawingml/2006/main" xmlns:r="http://schemas.openxmlformats.org/officeDocument/2006/relationships" xmlns:p="http://schemas.openxmlformats.org/presentationml/2006/main">
+  <p:cSld>
+    <p:spTree>
+      <p:nvGrpSpPr>
+        <p:cNvPr id="1" name=""/>
+        <p:cNvGrpSpPr/>
+        <p:nvPr/>
+      </p:nvGrpSpPr>
+      <p:grpSpPr>
+        <a:xfrm>
+          <a:off x="0" y="0"/>
+          <a:ext cx="0" cy="0"/>
+          <a:chOff x="0" y="0"/>
+          <a:chExt cx="0" cy="0"/>
+        </a:xfrm>
+      </p:grpSpPr>
+      <p:sp>
+        <p:nvSpPr>
           <p:cNvPr id="2" name="제목 1">
             <a:extLst>
               <a:ext uri="{FF2B5EF4-FFF2-40B4-BE49-F238E27FC236}">
@@ -12177,7 +14878,10 @@
           <a:bodyPr/>
           <a:lstStyle/>
           <a:p>
-            <a:endParaRPr lang="ko-KR" altLang="en-US"/>
+            <a:r>
+              <a:rPr lang="ko-KR" altLang="en-US" dirty="0"/>
+              <a:t>문제현황</a:t>
+            </a:r>
           </a:p>
         </p:txBody>
       </p:sp>
@@ -12202,7 +14906,10 @@
           <a:bodyPr/>
           <a:lstStyle/>
           <a:p>
-            <a:endParaRPr lang="ko-KR" altLang="en-US"/>
+            <a:r>
+              <a:rPr lang="ko-KR" altLang="en-US" dirty="0"/>
+              <a:t>주제 선정 배경</a:t>
+            </a:r>
           </a:p>
         </p:txBody>
       </p:sp>
@@ -12228,7 +14935,7 @@
         </p:blipFill>
         <p:spPr>
           <a:xfrm>
-            <a:off x="2676047" y="2090550"/>
+            <a:off x="305380" y="1301820"/>
             <a:ext cx="6839905" cy="2676899"/>
           </a:xfrm>
           <a:prstGeom prst="rect">
@@ -12258,7 +14965,7 @@
         </p:blipFill>
         <p:spPr>
           <a:xfrm>
-            <a:off x="1016000" y="5308416"/>
+            <a:off x="4456083" y="4474088"/>
             <a:ext cx="7430537" cy="1314633"/>
           </a:xfrm>
           <a:prstGeom prst="rect">
@@ -12288,8 +14995,38 @@
         </p:blipFill>
         <p:spPr>
           <a:xfrm>
-            <a:off x="6095999" y="4813047"/>
+            <a:off x="305380" y="3978719"/>
             <a:ext cx="1438476" cy="495369"/>
+          </a:xfrm>
+          <a:prstGeom prst="rect">
+            <a:avLst/>
+          </a:prstGeom>
+        </p:spPr>
+      </p:pic>
+      <p:pic>
+        <p:nvPicPr>
+          <p:cNvPr id="7" name="그림 6">
+            <a:extLst>
+              <a:ext uri="{FF2B5EF4-FFF2-40B4-BE49-F238E27FC236}">
+                <a16:creationId xmlns:a16="http://schemas.microsoft.com/office/drawing/2014/main" id="{43F487E6-80E4-446B-BCB1-5F0A9F09672A}"/>
+              </a:ext>
+            </a:extLst>
+          </p:cNvPr>
+          <p:cNvPicPr>
+            <a:picLocks noChangeAspect="1"/>
+          </p:cNvPicPr>
+          <p:nvPr/>
+        </p:nvPicPr>
+        <p:blipFill>
+          <a:blip r:embed="rId5"/>
+          <a:stretch>
+            <a:fillRect/>
+          </a:stretch>
+        </p:blipFill>
+        <p:spPr>
+          <a:xfrm>
+            <a:off x="9714617" y="5788721"/>
+            <a:ext cx="2172003" cy="438211"/>
           </a:xfrm>
           <a:prstGeom prst="rect">
             <a:avLst/>
@@ -12321,7 +15058,7 @@
 </p:sld>
 </file>
 
-<file path=ppt/slides/slide4.xml><?xml version="1.0" encoding="utf-8"?>
+<file path=ppt/slides/slide5.xml><?xml version="1.0" encoding="utf-8"?>
 <p:sld xmlns:a="http://schemas.openxmlformats.org/drawingml/2006/main" xmlns:r="http://schemas.openxmlformats.org/officeDocument/2006/relationships" xmlns:p="http://schemas.openxmlformats.org/presentationml/2006/main">
   <p:cSld>
     <p:spTree>
@@ -12408,7 +15145,7 @@
         </p:blipFill>
         <p:spPr>
           <a:xfrm>
-            <a:off x="1346518" y="1344012"/>
+            <a:off x="1637678" y="1513346"/>
             <a:ext cx="8916644" cy="2915057"/>
           </a:xfrm>
           <a:prstGeom prst="rect">
@@ -12416,6 +15153,102 @@
           </a:prstGeom>
         </p:spPr>
       </p:pic>
+      <p:sp>
+        <p:nvSpPr>
+          <p:cNvPr id="2" name="화살표: 오른쪽 1">
+            <a:extLst>
+              <a:ext uri="{FF2B5EF4-FFF2-40B4-BE49-F238E27FC236}">
+                <a16:creationId xmlns:a16="http://schemas.microsoft.com/office/drawing/2014/main" id="{2579ACEB-66A0-43B8-86F1-CB4717EDA16B}"/>
+              </a:ext>
+            </a:extLst>
+          </p:cNvPr>
+          <p:cNvSpPr/>
+          <p:nvPr/>
+        </p:nvSpPr>
+        <p:spPr>
+          <a:xfrm>
+            <a:off x="1016000" y="5014454"/>
+            <a:ext cx="1427255" cy="660400"/>
+          </a:xfrm>
+          <a:prstGeom prst="rightArrow">
+            <a:avLst/>
+          </a:prstGeom>
+          <a:solidFill>
+            <a:srgbClr val="A1B502"/>
+          </a:solidFill>
+        </p:spPr>
+        <p:style>
+          <a:lnRef idx="2">
+            <a:schemeClr val="accent1">
+              <a:shade val="50000"/>
+            </a:schemeClr>
+          </a:lnRef>
+          <a:fillRef idx="1">
+            <a:schemeClr val="accent1"/>
+          </a:fillRef>
+          <a:effectRef idx="0">
+            <a:schemeClr val="accent1"/>
+          </a:effectRef>
+          <a:fontRef idx="minor">
+            <a:schemeClr val="lt1"/>
+          </a:fontRef>
+        </p:style>
+        <p:txBody>
+          <a:bodyPr rtlCol="0" anchor="ctr"/>
+          <a:lstStyle/>
+          <a:p>
+            <a:pPr algn="ctr"/>
+            <a:endParaRPr lang="ko-KR" altLang="en-US"/>
+          </a:p>
+        </p:txBody>
+      </p:sp>
+      <p:sp>
+        <p:nvSpPr>
+          <p:cNvPr id="6" name="TextBox 5">
+            <a:extLst>
+              <a:ext uri="{FF2B5EF4-FFF2-40B4-BE49-F238E27FC236}">
+                <a16:creationId xmlns:a16="http://schemas.microsoft.com/office/drawing/2014/main" id="{7C6541F4-3A78-480C-99FA-64FFD22FB327}"/>
+              </a:ext>
+            </a:extLst>
+          </p:cNvPr>
+          <p:cNvSpPr txBox="1"/>
+          <p:nvPr/>
+        </p:nvSpPr>
+        <p:spPr>
+          <a:xfrm>
+            <a:off x="2827883" y="5159988"/>
+            <a:ext cx="7082955" cy="369332"/>
+          </a:xfrm>
+          <a:prstGeom prst="rect">
+            <a:avLst/>
+          </a:prstGeom>
+          <a:noFill/>
+        </p:spPr>
+        <p:txBody>
+          <a:bodyPr wrap="square" rtlCol="0">
+            <a:spAutoFit/>
+          </a:bodyPr>
+          <a:lstStyle/>
+          <a:p>
+            <a:r>
+              <a:rPr lang="ko-KR" altLang="en-US" dirty="0" err="1"/>
+              <a:t>요일별</a:t>
+            </a:r>
+            <a:r>
+              <a:rPr lang="ko-KR" altLang="en-US" dirty="0"/>
+              <a:t> </a:t>
+            </a:r>
+            <a:r>
+              <a:rPr lang="ko-KR" altLang="en-US" dirty="0" err="1"/>
+              <a:t>배출제</a:t>
+            </a:r>
+            <a:r>
+              <a:rPr lang="ko-KR" altLang="en-US" dirty="0"/>
+              <a:t> 시행 후 주춤해진 쓰레기 배출량</a:t>
+            </a:r>
+          </a:p>
+        </p:txBody>
+      </p:sp>
     </p:spTree>
     <p:extLst>
       <p:ext uri="{BB962C8B-B14F-4D97-AF65-F5344CB8AC3E}">
@@ -12441,7 +15274,7 @@
 </p:sld>
 </file>
 
-<file path=ppt/slides/slide5.xml><?xml version="1.0" encoding="utf-8"?>
+<file path=ppt/slides/slide6.xml><?xml version="1.0" encoding="utf-8"?>
 <p:sld xmlns:a="http://schemas.openxmlformats.org/drawingml/2006/main" xmlns:r="http://schemas.openxmlformats.org/officeDocument/2006/relationships" xmlns:p="http://schemas.openxmlformats.org/presentationml/2006/main">
   <p:cSld>
     <p:spTree>
@@ -12524,7 +15357,7 @@
         </p:blipFill>
         <p:spPr>
           <a:xfrm>
-            <a:off x="1346517" y="1312248"/>
+            <a:off x="1704362" y="1530279"/>
             <a:ext cx="8783276" cy="2924583"/>
           </a:xfrm>
           <a:prstGeom prst="rect">
@@ -12557,7 +15390,7 @@
 </p:sld>
 </file>
 
-<file path=ppt/slides/slide6.xml><?xml version="1.0" encoding="utf-8"?>
+<file path=ppt/slides/slide7.xml><?xml version="1.0" encoding="utf-8"?>
 <p:sld xmlns:a="http://schemas.openxmlformats.org/drawingml/2006/main" xmlns:r="http://schemas.openxmlformats.org/officeDocument/2006/relationships" xmlns:p="http://schemas.openxmlformats.org/presentationml/2006/main">
   <p:cSld>
     <p:spTree>
@@ -12640,8 +15473,8 @@
         </p:blipFill>
         <p:spPr>
           <a:xfrm>
-            <a:off x="3018995" y="1136016"/>
-            <a:ext cx="6154009" cy="3801005"/>
+            <a:off x="237067" y="1293355"/>
+            <a:ext cx="5029200" cy="4792133"/>
           </a:xfrm>
           <a:prstGeom prst="rect">
             <a:avLst/>
@@ -12670,8 +15503,8 @@
         </p:blipFill>
         <p:spPr>
           <a:xfrm>
-            <a:off x="3018995" y="4971787"/>
-            <a:ext cx="6154009" cy="3772426"/>
+            <a:off x="5960533" y="1293355"/>
+            <a:ext cx="5858933" cy="4792133"/>
           </a:xfrm>
           <a:prstGeom prst="rect">
             <a:avLst/>
@@ -12703,7 +15536,7 @@
 </p:sld>
 </file>
 
-<file path=ppt/slides/slide7.xml><?xml version="1.0" encoding="utf-8"?>
+<file path=ppt/slides/slide8.xml><?xml version="1.0" encoding="utf-8"?>
 <p:sld xmlns:a="http://schemas.openxmlformats.org/drawingml/2006/main" xmlns:r="http://schemas.openxmlformats.org/officeDocument/2006/relationships" xmlns:p="http://schemas.openxmlformats.org/presentationml/2006/main">
   <p:cSld>
     <p:spTree>
@@ -12916,50 +15749,78 @@
           </a:p>
         </p:txBody>
       </p:sp>
-      <p:sp>
-        <p:nvSpPr>
-          <p:cNvPr id="8" name="TextBox 7">
+      <p:pic>
+        <p:nvPicPr>
+          <p:cNvPr id="3" name="그림 2">
             <a:extLst>
               <a:ext uri="{FF2B5EF4-FFF2-40B4-BE49-F238E27FC236}">
-                <a16:creationId xmlns:a16="http://schemas.microsoft.com/office/drawing/2014/main" id="{75C6D06C-B8F2-468E-A6B2-2973534A1BFD}"/>
+                <a16:creationId xmlns:a16="http://schemas.microsoft.com/office/drawing/2014/main" id="{4F46222A-2E5C-45B0-8C57-2D460F2388A5}"/>
               </a:ext>
             </a:extLst>
           </p:cNvPr>
-          <p:cNvSpPr txBox="1"/>
+          <p:cNvPicPr>
+            <a:picLocks noChangeAspect="1"/>
+          </p:cNvPicPr>
           <p:nvPr/>
-        </p:nvSpPr>
+        </p:nvPicPr>
+        <p:blipFill>
+          <a:blip r:embed="rId2">
+            <a:extLst>
+              <a:ext uri="{28A0092B-C50C-407E-A947-70E740481C1C}">
+                <a14:useLocalDpi xmlns:a14="http://schemas.microsoft.com/office/drawing/2010/main" val="0"/>
+              </a:ext>
+            </a:extLst>
+          </a:blip>
+          <a:stretch>
+            <a:fillRect/>
+          </a:stretch>
+        </p:blipFill>
         <p:spPr>
           <a:xfrm>
-            <a:off x="4081666" y="1131969"/>
-            <a:ext cx="4028667" cy="369332"/>
+            <a:off x="375556" y="1495474"/>
+            <a:ext cx="5867401" cy="2551594"/>
           </a:xfrm>
           <a:prstGeom prst="rect">
             <a:avLst/>
           </a:prstGeom>
-          <a:noFill/>
         </p:spPr>
-        <p:txBody>
-          <a:bodyPr wrap="none" rtlCol="0">
-            <a:spAutoFit/>
-          </a:bodyPr>
-          <a:lstStyle/>
-          <a:p>
-            <a:r>
-              <a:rPr lang="ko-KR" altLang="en-US" dirty="0" err="1"/>
-              <a:t>파이썬</a:t>
-            </a:r>
-            <a:r>
-              <a:rPr lang="ko-KR" altLang="en-US" dirty="0"/>
-              <a:t> 데이터프레임 캡쳐 사진 올리기</a:t>
-            </a:r>
-            <a:r>
-              <a:rPr lang="en-US" altLang="ko-KR" dirty="0"/>
-              <a:t>?</a:t>
-            </a:r>
-            <a:endParaRPr lang="ko-KR" altLang="en-US" dirty="0"/>
-          </a:p>
-        </p:txBody>
-      </p:sp>
+      </p:pic>
+      <p:pic>
+        <p:nvPicPr>
+          <p:cNvPr id="11" name="그림 10">
+            <a:extLst>
+              <a:ext uri="{FF2B5EF4-FFF2-40B4-BE49-F238E27FC236}">
+                <a16:creationId xmlns:a16="http://schemas.microsoft.com/office/drawing/2014/main" id="{279E9FEE-EEE6-4070-8ACE-F72291299A09}"/>
+              </a:ext>
+            </a:extLst>
+          </p:cNvPr>
+          <p:cNvPicPr>
+            <a:picLocks noChangeAspect="1"/>
+          </p:cNvPicPr>
+          <p:nvPr/>
+        </p:nvPicPr>
+        <p:blipFill>
+          <a:blip r:embed="rId3">
+            <a:extLst>
+              <a:ext uri="{28A0092B-C50C-407E-A947-70E740481C1C}">
+                <a14:useLocalDpi xmlns:a14="http://schemas.microsoft.com/office/drawing/2010/main" val="0"/>
+              </a:ext>
+            </a:extLst>
+          </a:blip>
+          <a:stretch>
+            <a:fillRect/>
+          </a:stretch>
+        </p:blipFill>
+        <p:spPr>
+          <a:xfrm>
+            <a:off x="339270" y="4514611"/>
+            <a:ext cx="5867400" cy="2067213"/>
+          </a:xfrm>
+          <a:prstGeom prst="rect">
+            <a:avLst/>
+          </a:prstGeom>
+        </p:spPr>
+      </p:pic>
     </p:spTree>
     <p:extLst>
       <p:ext uri="{BB962C8B-B14F-4D97-AF65-F5344CB8AC3E}">
@@ -12985,7 +15846,7 @@
 </p:sld>
 </file>
 
-<file path=ppt/slides/slide8.xml><?xml version="1.0" encoding="utf-8"?>
+<file path=ppt/slides/slide9.xml><?xml version="1.0" encoding="utf-8"?>
 <p:sld xmlns:a="http://schemas.openxmlformats.org/drawingml/2006/main" xmlns:r="http://schemas.openxmlformats.org/officeDocument/2006/relationships" xmlns:p="http://schemas.openxmlformats.org/presentationml/2006/main" showMasterPhAnim="0">
   <p:cSld>
     <p:spTree>
@@ -14230,125 +17091,6 @@
 </p:sld>
 </file>
 
-<file path=ppt/slides/slide9.xml><?xml version="1.0" encoding="utf-8"?>
-<p:sld xmlns:a="http://schemas.openxmlformats.org/drawingml/2006/main" xmlns:r="http://schemas.openxmlformats.org/officeDocument/2006/relationships" xmlns:p="http://schemas.openxmlformats.org/presentationml/2006/main">
-  <p:cSld>
-    <p:spTree>
-      <p:nvGrpSpPr>
-        <p:cNvPr id="1" name=""/>
-        <p:cNvGrpSpPr/>
-        <p:nvPr/>
-      </p:nvGrpSpPr>
-      <p:grpSpPr>
-        <a:xfrm>
-          <a:off x="0" y="0"/>
-          <a:ext cx="0" cy="0"/>
-          <a:chOff x="0" y="0"/>
-          <a:chExt cx="0" cy="0"/>
-        </a:xfrm>
-      </p:grpSpPr>
-      <p:sp>
-        <p:nvSpPr>
-          <p:cNvPr id="7" name="제목 6"/>
-          <p:cNvSpPr>
-            <a:spLocks noGrp="1"/>
-          </p:cNvSpPr>
-          <p:nvPr>
-            <p:ph type="title"/>
-          </p:nvPr>
-        </p:nvSpPr>
-        <p:spPr/>
-        <p:txBody>
-          <a:bodyPr/>
-          <a:lstStyle/>
-          <a:p>
-            <a:r>
-              <a:rPr lang="en-US" altLang="ko-KR" dirty="0"/>
-              <a:t>MODELING</a:t>
-            </a:r>
-            <a:endParaRPr lang="ko-KR" altLang="en-US" dirty="0"/>
-          </a:p>
-        </p:txBody>
-      </p:sp>
-      <p:sp>
-        <p:nvSpPr>
-          <p:cNvPr id="8" name="텍스트 개체 틀 7"/>
-          <p:cNvSpPr>
-            <a:spLocks noGrp="1"/>
-          </p:cNvSpPr>
-          <p:nvPr>
-            <p:ph type="body" sz="quarter" idx="13"/>
-          </p:nvPr>
-        </p:nvSpPr>
-        <p:spPr/>
-        <p:txBody>
-          <a:bodyPr/>
-          <a:lstStyle/>
-          <a:p>
-            <a:endParaRPr lang="ko-KR" altLang="en-US"/>
-          </a:p>
-        </p:txBody>
-      </p:sp>
-      <p:sp>
-        <p:nvSpPr>
-          <p:cNvPr id="4" name="TextBox 3">
-            <a:extLst>
-              <a:ext uri="{FF2B5EF4-FFF2-40B4-BE49-F238E27FC236}">
-                <a16:creationId xmlns:a16="http://schemas.microsoft.com/office/drawing/2014/main" id="{337619A4-61CE-47DB-9CE2-F961CA1CB7D9}"/>
-              </a:ext>
-            </a:extLst>
-          </p:cNvPr>
-          <p:cNvSpPr txBox="1"/>
-          <p:nvPr/>
-        </p:nvSpPr>
-        <p:spPr>
-          <a:xfrm>
-            <a:off x="540848" y="4764343"/>
-            <a:ext cx="3751348" cy="369332"/>
-          </a:xfrm>
-          <a:prstGeom prst="rect">
-            <a:avLst/>
-          </a:prstGeom>
-          <a:noFill/>
-        </p:spPr>
-        <p:txBody>
-          <a:bodyPr wrap="none" rtlCol="0">
-            <a:spAutoFit/>
-          </a:bodyPr>
-          <a:lstStyle/>
-          <a:p>
-            <a:r>
-              <a:rPr lang="ko-KR" altLang="en-US" dirty="0"/>
-              <a:t>이후 모델링하고 지도 슬라이드 추가</a:t>
-            </a:r>
-          </a:p>
-        </p:txBody>
-      </p:sp>
-    </p:spTree>
-    <p:extLst>
-      <p:ext uri="{BB962C8B-B14F-4D97-AF65-F5344CB8AC3E}">
-        <p14:creationId xmlns:p14="http://schemas.microsoft.com/office/powerpoint/2010/main" val="3502499193"/>
-      </p:ext>
-    </p:extLst>
-  </p:cSld>
-  <p:clrMapOvr>
-    <a:masterClrMapping/>
-  </p:clrMapOvr>
-  <mc:AlternateContent xmlns:mc="http://schemas.openxmlformats.org/markup-compatibility/2006" xmlns:p14="http://schemas.microsoft.com/office/powerpoint/2010/main">
-    <mc:Choice Requires="p14">
-      <p:transition spd="med" p14:dur="700">
-        <p:fade/>
-      </p:transition>
-    </mc:Choice>
-    <mc:Fallback xmlns="">
-      <p:transition spd="med">
-        <p:fade/>
-      </p:transition>
-    </mc:Fallback>
-  </mc:AlternateContent>
-</p:sld>
-</file>
-
 <file path=ppt/theme/theme1.xml><?xml version="1.0" encoding="utf-8"?>
 <a:theme xmlns:a="http://schemas.openxmlformats.org/drawingml/2006/main" name="eco">
   <a:themeElements>

--- a/3조_1차_재활용도움센터 위치 선정.pptx
+++ b/3조_1차_재활용도움센터 위치 선정.pptx
@@ -14000,7 +14000,7 @@
             </a:r>
             <a:r>
               <a:rPr lang="ko-KR" altLang="en-US" sz="2400" dirty="0"/>
-              <a:t>문제분석</a:t>
+              <a:t>데이터 분석</a:t>
             </a:r>
           </a:p>
         </p:txBody>
@@ -15357,7 +15357,7 @@
         </p:blipFill>
         <p:spPr>
           <a:xfrm>
-            <a:off x="1704362" y="1530279"/>
+            <a:off x="1645639" y="1521890"/>
             <a:ext cx="8783276" cy="2924583"/>
           </a:xfrm>
           <a:prstGeom prst="rect">
@@ -15473,8 +15473,8 @@
         </p:blipFill>
         <p:spPr>
           <a:xfrm>
-            <a:off x="237067" y="1293355"/>
-            <a:ext cx="5029200" cy="4792133"/>
+            <a:off x="614572" y="1293355"/>
+            <a:ext cx="4400475" cy="4193045"/>
           </a:xfrm>
           <a:prstGeom prst="rect">
             <a:avLst/>
@@ -15503,8 +15503,8 @@
         </p:blipFill>
         <p:spPr>
           <a:xfrm>
-            <a:off x="5960533" y="1293355"/>
-            <a:ext cx="5858933" cy="4792133"/>
+            <a:off x="6096000" y="2600361"/>
+            <a:ext cx="4994246" cy="4043720"/>
           </a:xfrm>
           <a:prstGeom prst="rect">
             <a:avLst/>

--- a/3조_1차_재활용도움센터 위치 선정.pptx
+++ b/3조_1차_재활용도움센터 위치 선정.pptx
@@ -15055,6 +15055,350 @@
       </p:transition>
     </mc:Fallback>
   </mc:AlternateContent>
+  <p:timing>
+    <p:tnLst>
+      <p:par>
+        <p:cTn id="1" dur="indefinite" restart="never" nodeType="tmRoot">
+          <p:childTnLst>
+            <p:seq concurrent="1" nextAc="seek">
+              <p:cTn id="2" dur="indefinite" nodeType="mainSeq">
+                <p:childTnLst>
+                  <p:par>
+                    <p:cTn id="3" fill="hold">
+                      <p:stCondLst>
+                        <p:cond delay="indefinite"/>
+                      </p:stCondLst>
+                      <p:childTnLst>
+                        <p:par>
+                          <p:cTn id="4" fill="hold">
+                            <p:stCondLst>
+                              <p:cond delay="0"/>
+                            </p:stCondLst>
+                            <p:childTnLst>
+                              <p:par>
+                                <p:cTn id="5" presetID="31" presetClass="entr" presetSubtype="0" fill="hold" nodeType="clickEffect">
+                                  <p:stCondLst>
+                                    <p:cond delay="0"/>
+                                  </p:stCondLst>
+                                  <p:childTnLst>
+                                    <p:set>
+                                      <p:cBhvr>
+                                        <p:cTn id="6" dur="1" fill="hold">
+                                          <p:stCondLst>
+                                            <p:cond delay="0"/>
+                                          </p:stCondLst>
+                                        </p:cTn>
+                                        <p:tgtEl>
+                                          <p:spTgt spid="4"/>
+                                        </p:tgtEl>
+                                        <p:attrNameLst>
+                                          <p:attrName>style.visibility</p:attrName>
+                                        </p:attrNameLst>
+                                      </p:cBhvr>
+                                      <p:to>
+                                        <p:strVal val="visible"/>
+                                      </p:to>
+                                    </p:set>
+                                    <p:anim calcmode="lin" valueType="num">
+                                      <p:cBhvr>
+                                        <p:cTn id="7" dur="750" fill="hold"/>
+                                        <p:tgtEl>
+                                          <p:spTgt spid="4"/>
+                                        </p:tgtEl>
+                                        <p:attrNameLst>
+                                          <p:attrName>ppt_w</p:attrName>
+                                        </p:attrNameLst>
+                                      </p:cBhvr>
+                                      <p:tavLst>
+                                        <p:tav tm="0">
+                                          <p:val>
+                                            <p:fltVal val="0"/>
+                                          </p:val>
+                                        </p:tav>
+                                        <p:tav tm="100000">
+                                          <p:val>
+                                            <p:strVal val="#ppt_w"/>
+                                          </p:val>
+                                        </p:tav>
+                                      </p:tavLst>
+                                    </p:anim>
+                                    <p:anim calcmode="lin" valueType="num">
+                                      <p:cBhvr>
+                                        <p:cTn id="8" dur="750" fill="hold"/>
+                                        <p:tgtEl>
+                                          <p:spTgt spid="4"/>
+                                        </p:tgtEl>
+                                        <p:attrNameLst>
+                                          <p:attrName>ppt_h</p:attrName>
+                                        </p:attrNameLst>
+                                      </p:cBhvr>
+                                      <p:tavLst>
+                                        <p:tav tm="0">
+                                          <p:val>
+                                            <p:fltVal val="0"/>
+                                          </p:val>
+                                        </p:tav>
+                                        <p:tav tm="100000">
+                                          <p:val>
+                                            <p:strVal val="#ppt_h"/>
+                                          </p:val>
+                                        </p:tav>
+                                      </p:tavLst>
+                                    </p:anim>
+                                    <p:anim calcmode="lin" valueType="num">
+                                      <p:cBhvr>
+                                        <p:cTn id="9" dur="750" fill="hold"/>
+                                        <p:tgtEl>
+                                          <p:spTgt spid="4"/>
+                                        </p:tgtEl>
+                                        <p:attrNameLst>
+                                          <p:attrName>style.rotation</p:attrName>
+                                        </p:attrNameLst>
+                                      </p:cBhvr>
+                                      <p:tavLst>
+                                        <p:tav tm="0">
+                                          <p:val>
+                                            <p:fltVal val="90"/>
+                                          </p:val>
+                                        </p:tav>
+                                        <p:tav tm="100000">
+                                          <p:val>
+                                            <p:fltVal val="0"/>
+                                          </p:val>
+                                        </p:tav>
+                                      </p:tavLst>
+                                    </p:anim>
+                                    <p:animEffect transition="in" filter="fade">
+                                      <p:cBhvr>
+                                        <p:cTn id="10" dur="750"/>
+                                        <p:tgtEl>
+                                          <p:spTgt spid="4"/>
+                                        </p:tgtEl>
+                                      </p:cBhvr>
+                                    </p:animEffect>
+                                  </p:childTnLst>
+                                </p:cTn>
+                              </p:par>
+                              <p:par>
+                                <p:cTn id="11" presetID="14" presetClass="entr" presetSubtype="10" fill="hold" nodeType="withEffect">
+                                  <p:stCondLst>
+                                    <p:cond delay="0"/>
+                                  </p:stCondLst>
+                                  <p:childTnLst>
+                                    <p:set>
+                                      <p:cBhvr>
+                                        <p:cTn id="12" dur="1" fill="hold">
+                                          <p:stCondLst>
+                                            <p:cond delay="0"/>
+                                          </p:stCondLst>
+                                        </p:cTn>
+                                        <p:tgtEl>
+                                          <p:spTgt spid="6"/>
+                                        </p:tgtEl>
+                                        <p:attrNameLst>
+                                          <p:attrName>style.visibility</p:attrName>
+                                        </p:attrNameLst>
+                                      </p:cBhvr>
+                                      <p:to>
+                                        <p:strVal val="visible"/>
+                                      </p:to>
+                                    </p:set>
+                                    <p:animEffect transition="in" filter="randombar(horizontal)">
+                                      <p:cBhvr>
+                                        <p:cTn id="13" dur="500"/>
+                                        <p:tgtEl>
+                                          <p:spTgt spid="6"/>
+                                        </p:tgtEl>
+                                      </p:cBhvr>
+                                    </p:animEffect>
+                                  </p:childTnLst>
+                                </p:cTn>
+                              </p:par>
+                            </p:childTnLst>
+                          </p:cTn>
+                        </p:par>
+                      </p:childTnLst>
+                    </p:cTn>
+                  </p:par>
+                  <p:par>
+                    <p:cTn id="14" fill="hold">
+                      <p:stCondLst>
+                        <p:cond delay="indefinite"/>
+                      </p:stCondLst>
+                      <p:childTnLst>
+                        <p:par>
+                          <p:cTn id="15" fill="hold">
+                            <p:stCondLst>
+                              <p:cond delay="0"/>
+                            </p:stCondLst>
+                            <p:childTnLst>
+                              <p:par>
+                                <p:cTn id="16" presetID="31" presetClass="entr" presetSubtype="0" fill="hold" nodeType="clickEffect">
+                                  <p:stCondLst>
+                                    <p:cond delay="0"/>
+                                  </p:stCondLst>
+                                  <p:childTnLst>
+                                    <p:set>
+                                      <p:cBhvr>
+                                        <p:cTn id="17" dur="1" fill="hold">
+                                          <p:stCondLst>
+                                            <p:cond delay="0"/>
+                                          </p:stCondLst>
+                                        </p:cTn>
+                                        <p:tgtEl>
+                                          <p:spTgt spid="5"/>
+                                        </p:tgtEl>
+                                        <p:attrNameLst>
+                                          <p:attrName>style.visibility</p:attrName>
+                                        </p:attrNameLst>
+                                      </p:cBhvr>
+                                      <p:to>
+                                        <p:strVal val="visible"/>
+                                      </p:to>
+                                    </p:set>
+                                    <p:anim calcmode="lin" valueType="num">
+                                      <p:cBhvr>
+                                        <p:cTn id="18" dur="750" fill="hold"/>
+                                        <p:tgtEl>
+                                          <p:spTgt spid="5"/>
+                                        </p:tgtEl>
+                                        <p:attrNameLst>
+                                          <p:attrName>ppt_w</p:attrName>
+                                        </p:attrNameLst>
+                                      </p:cBhvr>
+                                      <p:tavLst>
+                                        <p:tav tm="0">
+                                          <p:val>
+                                            <p:fltVal val="0"/>
+                                          </p:val>
+                                        </p:tav>
+                                        <p:tav tm="100000">
+                                          <p:val>
+                                            <p:strVal val="#ppt_w"/>
+                                          </p:val>
+                                        </p:tav>
+                                      </p:tavLst>
+                                    </p:anim>
+                                    <p:anim calcmode="lin" valueType="num">
+                                      <p:cBhvr>
+                                        <p:cTn id="19" dur="750" fill="hold"/>
+                                        <p:tgtEl>
+                                          <p:spTgt spid="5"/>
+                                        </p:tgtEl>
+                                        <p:attrNameLst>
+                                          <p:attrName>ppt_h</p:attrName>
+                                        </p:attrNameLst>
+                                      </p:cBhvr>
+                                      <p:tavLst>
+                                        <p:tav tm="0">
+                                          <p:val>
+                                            <p:fltVal val="0"/>
+                                          </p:val>
+                                        </p:tav>
+                                        <p:tav tm="100000">
+                                          <p:val>
+                                            <p:strVal val="#ppt_h"/>
+                                          </p:val>
+                                        </p:tav>
+                                      </p:tavLst>
+                                    </p:anim>
+                                    <p:anim calcmode="lin" valueType="num">
+                                      <p:cBhvr>
+                                        <p:cTn id="20" dur="750" fill="hold"/>
+                                        <p:tgtEl>
+                                          <p:spTgt spid="5"/>
+                                        </p:tgtEl>
+                                        <p:attrNameLst>
+                                          <p:attrName>style.rotation</p:attrName>
+                                        </p:attrNameLst>
+                                      </p:cBhvr>
+                                      <p:tavLst>
+                                        <p:tav tm="0">
+                                          <p:val>
+                                            <p:fltVal val="90"/>
+                                          </p:val>
+                                        </p:tav>
+                                        <p:tav tm="100000">
+                                          <p:val>
+                                            <p:fltVal val="0"/>
+                                          </p:val>
+                                        </p:tav>
+                                      </p:tavLst>
+                                    </p:anim>
+                                    <p:animEffect transition="in" filter="fade">
+                                      <p:cBhvr>
+                                        <p:cTn id="21" dur="750"/>
+                                        <p:tgtEl>
+                                          <p:spTgt spid="5"/>
+                                        </p:tgtEl>
+                                      </p:cBhvr>
+                                    </p:animEffect>
+                                  </p:childTnLst>
+                                </p:cTn>
+                              </p:par>
+                              <p:par>
+                                <p:cTn id="22" presetID="14" presetClass="entr" presetSubtype="10" fill="hold" nodeType="withEffect">
+                                  <p:stCondLst>
+                                    <p:cond delay="0"/>
+                                  </p:stCondLst>
+                                  <p:childTnLst>
+                                    <p:set>
+                                      <p:cBhvr>
+                                        <p:cTn id="23" dur="1" fill="hold">
+                                          <p:stCondLst>
+                                            <p:cond delay="0"/>
+                                          </p:stCondLst>
+                                        </p:cTn>
+                                        <p:tgtEl>
+                                          <p:spTgt spid="7"/>
+                                        </p:tgtEl>
+                                        <p:attrNameLst>
+                                          <p:attrName>style.visibility</p:attrName>
+                                        </p:attrNameLst>
+                                      </p:cBhvr>
+                                      <p:to>
+                                        <p:strVal val="visible"/>
+                                      </p:to>
+                                    </p:set>
+                                    <p:animEffect transition="in" filter="randombar(horizontal)">
+                                      <p:cBhvr>
+                                        <p:cTn id="24" dur="500"/>
+                                        <p:tgtEl>
+                                          <p:spTgt spid="7"/>
+                                        </p:tgtEl>
+                                      </p:cBhvr>
+                                    </p:animEffect>
+                                  </p:childTnLst>
+                                </p:cTn>
+                              </p:par>
+                            </p:childTnLst>
+                          </p:cTn>
+                        </p:par>
+                      </p:childTnLst>
+                    </p:cTn>
+                  </p:par>
+                </p:childTnLst>
+              </p:cTn>
+              <p:prevCondLst>
+                <p:cond evt="onPrev" delay="0">
+                  <p:tgtEl>
+                    <p:sldTgt/>
+                  </p:tgtEl>
+                </p:cond>
+              </p:prevCondLst>
+              <p:nextCondLst>
+                <p:cond evt="onNext" delay="0">
+                  <p:tgtEl>
+                    <p:sldTgt/>
+                  </p:tgtEl>
+                </p:cond>
+              </p:nextCondLst>
+            </p:seq>
+          </p:childTnLst>
+        </p:cTn>
+      </p:par>
+    </p:tnLst>
+  </p:timing>
 </p:sld>
 </file>
 

--- a/3조_1차_재활용도움센터 위치 선정.pptx
+++ b/3조_1차_재활용도움센터 위치 선정.pptx
@@ -5,7 +5,7 @@
     <p:sldMasterId id="2147483745" r:id="rId1"/>
   </p:sldMasterIdLst>
   <p:notesMasterIdLst>
-    <p:notesMasterId r:id="rId15"/>
+    <p:notesMasterId r:id="rId23"/>
   </p:notesMasterIdLst>
   <p:sldIdLst>
     <p:sldId id="279" r:id="rId2"/>
@@ -18,9 +18,17 @@
     <p:sldId id="291" r:id="rId9"/>
     <p:sldId id="281" r:id="rId10"/>
     <p:sldId id="292" r:id="rId11"/>
-    <p:sldId id="293" r:id="rId12"/>
-    <p:sldId id="295" r:id="rId13"/>
-    <p:sldId id="287" r:id="rId14"/>
+    <p:sldId id="298" r:id="rId12"/>
+    <p:sldId id="299" r:id="rId13"/>
+    <p:sldId id="301" r:id="rId14"/>
+    <p:sldId id="300" r:id="rId15"/>
+    <p:sldId id="302" r:id="rId16"/>
+    <p:sldId id="303" r:id="rId17"/>
+    <p:sldId id="305" r:id="rId18"/>
+    <p:sldId id="304" r:id="rId19"/>
+    <p:sldId id="293" r:id="rId20"/>
+    <p:sldId id="295" r:id="rId21"/>
+    <p:sldId id="287" r:id="rId22"/>
   </p:sldIdLst>
   <p:sldSz cx="12192000" cy="6858000"/>
   <p:notesSz cx="6858000" cy="9144000"/>
@@ -9972,10 +9980,9 @@
           <a:lstStyle/>
           <a:p>
             <a:r>
-              <a:rPr lang="en-US" altLang="ko-KR" dirty="0"/>
-              <a:t>MODELING</a:t>
-            </a:r>
-            <a:endParaRPr lang="ko-KR" altLang="en-US" dirty="0"/>
+              <a:rPr lang="ko-KR" altLang="en-US" dirty="0"/>
+              <a:t>데이터 수집</a:t>
+            </a:r>
           </a:p>
         </p:txBody>
       </p:sp>
@@ -9994,16 +10001,16 @@
           <a:bodyPr/>
           <a:lstStyle/>
           <a:p>
-            <a:endParaRPr lang="ko-KR" altLang="en-US"/>
+            <a:endParaRPr lang="ko-KR" altLang="en-US" dirty="0"/>
           </a:p>
         </p:txBody>
       </p:sp>
       <p:sp>
         <p:nvSpPr>
-          <p:cNvPr id="4" name="TextBox 3">
+          <p:cNvPr id="3" name="TextBox 2">
             <a:extLst>
               <a:ext uri="{FF2B5EF4-FFF2-40B4-BE49-F238E27FC236}">
-                <a16:creationId xmlns:a16="http://schemas.microsoft.com/office/drawing/2014/main" id="{337619A4-61CE-47DB-9CE2-F961CA1CB7D9}"/>
+                <a16:creationId xmlns:a16="http://schemas.microsoft.com/office/drawing/2014/main" id="{40273CE6-9A9F-4A76-A2E1-C7947C0F3E69}"/>
               </a:ext>
             </a:extLst>
           </p:cNvPr>
@@ -10012,8 +10019,8 @@
         </p:nvSpPr>
         <p:spPr>
           <a:xfrm>
-            <a:off x="540848" y="4764343"/>
-            <a:ext cx="3751348" cy="369332"/>
+            <a:off x="850232" y="1620253"/>
+            <a:ext cx="6962273" cy="2308324"/>
           </a:xfrm>
           <a:prstGeom prst="rect">
             <a:avLst/>
@@ -10021,15 +10028,150 @@
           <a:noFill/>
         </p:spPr>
         <p:txBody>
-          <a:bodyPr wrap="none" rtlCol="0">
+          <a:bodyPr wrap="square" rtlCol="0">
             <a:spAutoFit/>
           </a:bodyPr>
           <a:lstStyle/>
           <a:p>
             <a:r>
+              <a:rPr lang="ko-KR" altLang="en-US" dirty="0" err="1"/>
+              <a:t>사업체수</a:t>
+            </a:r>
+            <a:r>
               <a:rPr lang="ko-KR" altLang="en-US" dirty="0"/>
-              <a:t>이후 모델링하고 지도 슬라이드 추가</a:t>
-            </a:r>
+              <a:t> </a:t>
+            </a:r>
+            <a:r>
+              <a:rPr lang="en-US" altLang="ko-KR" dirty="0"/>
+              <a:t>: </a:t>
+            </a:r>
+            <a:r>
+              <a:rPr lang="ko-KR" altLang="en-US" dirty="0"/>
+              <a:t>통계지리정보서비스</a:t>
+            </a:r>
+            <a:endParaRPr lang="en-US" altLang="ko-KR" dirty="0"/>
+          </a:p>
+          <a:p>
+            <a:r>
+              <a:rPr lang="ko-KR" altLang="en-US" dirty="0"/>
+              <a:t>인구수 </a:t>
+            </a:r>
+            <a:r>
+              <a:rPr lang="en-US" altLang="ko-KR" dirty="0"/>
+              <a:t>: </a:t>
+            </a:r>
+            <a:r>
+              <a:rPr lang="ko-KR" altLang="en-US" dirty="0"/>
+              <a:t>통계청 주민등록조사</a:t>
+            </a:r>
+            <a:endParaRPr lang="en-US" altLang="ko-KR" dirty="0"/>
+          </a:p>
+          <a:p>
+            <a:r>
+              <a:rPr lang="ko-KR" altLang="en-US" dirty="0" err="1"/>
+              <a:t>세대수</a:t>
+            </a:r>
+            <a:r>
+              <a:rPr lang="ko-KR" altLang="en-US" dirty="0"/>
+              <a:t> </a:t>
+            </a:r>
+            <a:r>
+              <a:rPr lang="en-US" altLang="ko-KR" dirty="0"/>
+              <a:t>: </a:t>
+            </a:r>
+            <a:r>
+              <a:rPr lang="ko-KR" altLang="en-US" dirty="0"/>
+              <a:t>통계청 주민등록조사</a:t>
+            </a:r>
+            <a:endParaRPr lang="en-US" altLang="ko-KR" dirty="0"/>
+          </a:p>
+          <a:p>
+            <a:r>
+              <a:rPr lang="en-US" altLang="ko-KR" dirty="0" err="1"/>
+              <a:t>Wifi</a:t>
+            </a:r>
+            <a:r>
+              <a:rPr lang="en-US" altLang="ko-KR" dirty="0"/>
+              <a:t> </a:t>
+            </a:r>
+            <a:r>
+              <a:rPr lang="ko-KR" altLang="en-US" dirty="0"/>
+              <a:t>접속자수 </a:t>
+            </a:r>
+            <a:r>
+              <a:rPr lang="en-US" altLang="ko-KR" dirty="0"/>
+              <a:t>:  </a:t>
+            </a:r>
+            <a:r>
+              <a:rPr lang="ko-KR" altLang="en-US" dirty="0" err="1"/>
+              <a:t>데이터허브</a:t>
+            </a:r>
+            <a:r>
+              <a:rPr lang="en-US" altLang="ko-KR" dirty="0"/>
+              <a:t>( </a:t>
+            </a:r>
+            <a:r>
+              <a:rPr lang="ko-KR" altLang="en-US" dirty="0" err="1"/>
+              <a:t>읍면동별</a:t>
+            </a:r>
+            <a:r>
+              <a:rPr lang="ko-KR" altLang="en-US" dirty="0"/>
+              <a:t> 와이파이 사용량 </a:t>
+            </a:r>
+            <a:r>
+              <a:rPr lang="en-US" altLang="ko-KR" dirty="0" err="1"/>
+              <a:t>api</a:t>
+            </a:r>
+            <a:r>
+              <a:rPr lang="en-US" altLang="ko-KR" dirty="0"/>
+              <a:t> )</a:t>
+            </a:r>
+          </a:p>
+          <a:p>
+            <a:r>
+              <a:rPr lang="ko-KR" altLang="en-US" dirty="0"/>
+              <a:t>지역별 매출액 </a:t>
+            </a:r>
+            <a:r>
+              <a:rPr lang="en-US" altLang="ko-KR" dirty="0"/>
+              <a:t>: </a:t>
+            </a:r>
+            <a:r>
+              <a:rPr lang="ko-KR" altLang="en-US" dirty="0" err="1"/>
+              <a:t>데이터허브</a:t>
+            </a:r>
+            <a:r>
+              <a:rPr lang="en-US" altLang="ko-KR" dirty="0"/>
+              <a:t>(</a:t>
+            </a:r>
+            <a:r>
+              <a:rPr lang="ko-KR" altLang="en-US" dirty="0"/>
+              <a:t> 제주도 신용카드 데이터 오픈 </a:t>
+            </a:r>
+            <a:r>
+              <a:rPr lang="en-US" altLang="ko-KR" dirty="0" err="1"/>
+              <a:t>api</a:t>
+            </a:r>
+            <a:r>
+              <a:rPr lang="en-US" altLang="ko-KR" dirty="0"/>
+              <a:t> )</a:t>
+            </a:r>
+          </a:p>
+          <a:p>
+            <a:r>
+              <a:rPr lang="ko-KR" altLang="en-US" dirty="0"/>
+              <a:t>교육기관 수 </a:t>
+            </a:r>
+            <a:r>
+              <a:rPr lang="en-US" altLang="ko-KR" dirty="0"/>
+              <a:t>: ?</a:t>
+            </a:r>
+          </a:p>
+          <a:p>
+            <a:endParaRPr lang="en-US" altLang="ko-KR" dirty="0"/>
+          </a:p>
+          <a:p>
+            <a:endParaRPr lang="ko-KR" altLang="en-US" dirty="0"/>
           </a:p>
         </p:txBody>
       </p:sp>
@@ -10059,6 +10201,3081 @@
 </file>
 
 <file path=ppt/slides/slide11.xml><?xml version="1.0" encoding="utf-8"?>
+<p:sld xmlns:a="http://schemas.openxmlformats.org/drawingml/2006/main" xmlns:r="http://schemas.openxmlformats.org/officeDocument/2006/relationships" xmlns:p="http://schemas.openxmlformats.org/presentationml/2006/main">
+  <p:cSld>
+    <p:spTree>
+      <p:nvGrpSpPr>
+        <p:cNvPr id="1" name=""/>
+        <p:cNvGrpSpPr/>
+        <p:nvPr/>
+      </p:nvGrpSpPr>
+      <p:grpSpPr>
+        <a:xfrm>
+          <a:off x="0" y="0"/>
+          <a:ext cx="0" cy="0"/>
+          <a:chOff x="0" y="0"/>
+          <a:chExt cx="0" cy="0"/>
+        </a:xfrm>
+      </p:grpSpPr>
+      <p:sp>
+        <p:nvSpPr>
+          <p:cNvPr id="7" name="제목 6"/>
+          <p:cNvSpPr>
+            <a:spLocks noGrp="1"/>
+          </p:cNvSpPr>
+          <p:nvPr>
+            <p:ph type="title"/>
+          </p:nvPr>
+        </p:nvSpPr>
+        <p:spPr/>
+        <p:txBody>
+          <a:bodyPr/>
+          <a:lstStyle/>
+          <a:p>
+            <a:r>
+              <a:rPr lang="ko-KR" altLang="en-US" dirty="0"/>
+              <a:t>데이터 </a:t>
+            </a:r>
+            <a:r>
+              <a:rPr lang="ko-KR" altLang="en-US" dirty="0" err="1"/>
+              <a:t>전처리</a:t>
+            </a:r>
+            <a:endParaRPr lang="ko-KR" altLang="en-US" dirty="0"/>
+          </a:p>
+        </p:txBody>
+      </p:sp>
+      <p:sp>
+        <p:nvSpPr>
+          <p:cNvPr id="8" name="텍스트 개체 틀 7"/>
+          <p:cNvSpPr>
+            <a:spLocks noGrp="1"/>
+          </p:cNvSpPr>
+          <p:nvPr>
+            <p:ph type="body" sz="quarter" idx="13"/>
+          </p:nvPr>
+        </p:nvSpPr>
+        <p:spPr/>
+        <p:txBody>
+          <a:bodyPr/>
+          <a:lstStyle/>
+          <a:p>
+            <a:endParaRPr lang="ko-KR" altLang="en-US" dirty="0"/>
+          </a:p>
+        </p:txBody>
+      </p:sp>
+      <p:sp>
+        <p:nvSpPr>
+          <p:cNvPr id="3" name="TextBox 2">
+            <a:extLst>
+              <a:ext uri="{FF2B5EF4-FFF2-40B4-BE49-F238E27FC236}">
+                <a16:creationId xmlns:a16="http://schemas.microsoft.com/office/drawing/2014/main" id="{40273CE6-9A9F-4A76-A2E1-C7947C0F3E69}"/>
+              </a:ext>
+            </a:extLst>
+          </p:cNvPr>
+          <p:cNvSpPr txBox="1"/>
+          <p:nvPr/>
+        </p:nvSpPr>
+        <p:spPr>
+          <a:xfrm>
+            <a:off x="850232" y="1620253"/>
+            <a:ext cx="4752282" cy="923330"/>
+          </a:xfrm>
+          <a:prstGeom prst="rect">
+            <a:avLst/>
+          </a:prstGeom>
+          <a:noFill/>
+        </p:spPr>
+        <p:txBody>
+          <a:bodyPr wrap="square" rtlCol="0">
+            <a:spAutoFit/>
+          </a:bodyPr>
+          <a:lstStyle/>
+          <a:p>
+            <a:r>
+              <a:rPr lang="en-US" altLang="ko-KR" dirty="0" err="1"/>
+              <a:t>Wifi</a:t>
+            </a:r>
+            <a:r>
+              <a:rPr lang="en-US" altLang="ko-KR" dirty="0"/>
+              <a:t> </a:t>
+            </a:r>
+            <a:r>
+              <a:rPr lang="ko-KR" altLang="en-US" dirty="0"/>
+              <a:t>사용자 </a:t>
+            </a:r>
+            <a:r>
+              <a:rPr lang="en-US" altLang="ko-KR" dirty="0"/>
+              <a:t>, </a:t>
+            </a:r>
+            <a:r>
+              <a:rPr lang="ko-KR" altLang="en-US" dirty="0"/>
+              <a:t>카드사용 매출액 데이터 수집 </a:t>
+            </a:r>
+            <a:r>
+              <a:rPr lang="en-US" altLang="ko-KR" dirty="0"/>
+              <a:t>-&gt; </a:t>
+            </a:r>
+            <a:r>
+              <a:rPr lang="ko-KR" altLang="en-US" dirty="0"/>
+              <a:t>인구</a:t>
+            </a:r>
+            <a:r>
+              <a:rPr lang="en-US" altLang="ko-KR" dirty="0"/>
+              <a:t>, </a:t>
+            </a:r>
+            <a:r>
+              <a:rPr lang="ko-KR" altLang="en-US" dirty="0" err="1"/>
+              <a:t>세대수</a:t>
+            </a:r>
+            <a:r>
+              <a:rPr lang="en-US" altLang="ko-KR" dirty="0"/>
+              <a:t>, </a:t>
+            </a:r>
+            <a:r>
+              <a:rPr lang="ko-KR" altLang="en-US" dirty="0" err="1"/>
+              <a:t>사업체수</a:t>
+            </a:r>
+            <a:r>
+              <a:rPr lang="en-US" altLang="ko-KR" dirty="0"/>
+              <a:t> </a:t>
+            </a:r>
+            <a:r>
+              <a:rPr lang="ko-KR" altLang="en-US" dirty="0"/>
+              <a:t>데이터와 병합</a:t>
+            </a:r>
+            <a:r>
+              <a:rPr lang="en-US" altLang="ko-KR" dirty="0"/>
+              <a:t> </a:t>
+            </a:r>
+          </a:p>
+          <a:p>
+            <a:endParaRPr lang="ko-KR" altLang="en-US" dirty="0"/>
+          </a:p>
+        </p:txBody>
+      </p:sp>
+      <p:pic>
+        <p:nvPicPr>
+          <p:cNvPr id="2" name="그림 1">
+            <a:extLst>
+              <a:ext uri="{FF2B5EF4-FFF2-40B4-BE49-F238E27FC236}">
+                <a16:creationId xmlns:a16="http://schemas.microsoft.com/office/drawing/2014/main" id="{6F96258A-AB78-464C-BCEE-FB42EF88BD58}"/>
+              </a:ext>
+            </a:extLst>
+          </p:cNvPr>
+          <p:cNvPicPr>
+            <a:picLocks noChangeAspect="1"/>
+          </p:cNvPicPr>
+          <p:nvPr/>
+        </p:nvPicPr>
+        <p:blipFill>
+          <a:blip r:embed="rId2"/>
+          <a:stretch>
+            <a:fillRect/>
+          </a:stretch>
+        </p:blipFill>
+        <p:spPr>
+          <a:xfrm>
+            <a:off x="572412" y="2750821"/>
+            <a:ext cx="4887007" cy="2800741"/>
+          </a:xfrm>
+          <a:prstGeom prst="rect">
+            <a:avLst/>
+          </a:prstGeom>
+        </p:spPr>
+      </p:pic>
+    </p:spTree>
+    <p:extLst>
+      <p:ext uri="{BB962C8B-B14F-4D97-AF65-F5344CB8AC3E}">
+        <p14:creationId xmlns:p14="http://schemas.microsoft.com/office/powerpoint/2010/main" val="716375801"/>
+      </p:ext>
+    </p:extLst>
+  </p:cSld>
+  <p:clrMapOvr>
+    <a:masterClrMapping/>
+  </p:clrMapOvr>
+  <mc:AlternateContent xmlns:mc="http://schemas.openxmlformats.org/markup-compatibility/2006" xmlns:p14="http://schemas.microsoft.com/office/powerpoint/2010/main">
+    <mc:Choice Requires="p14">
+      <p:transition spd="med" p14:dur="700">
+        <p:fade/>
+      </p:transition>
+    </mc:Choice>
+    <mc:Fallback xmlns="">
+      <p:transition spd="med">
+        <p:fade/>
+      </p:transition>
+    </mc:Fallback>
+  </mc:AlternateContent>
+</p:sld>
+</file>
+
+<file path=ppt/slides/slide12.xml><?xml version="1.0" encoding="utf-8"?>
+<p:sld xmlns:a="http://schemas.openxmlformats.org/drawingml/2006/main" xmlns:r="http://schemas.openxmlformats.org/officeDocument/2006/relationships" xmlns:p="http://schemas.openxmlformats.org/presentationml/2006/main">
+  <p:cSld>
+    <p:spTree>
+      <p:nvGrpSpPr>
+        <p:cNvPr id="1" name=""/>
+        <p:cNvGrpSpPr/>
+        <p:nvPr/>
+      </p:nvGrpSpPr>
+      <p:grpSpPr>
+        <a:xfrm>
+          <a:off x="0" y="0"/>
+          <a:ext cx="0" cy="0"/>
+          <a:chOff x="0" y="0"/>
+          <a:chExt cx="0" cy="0"/>
+        </a:xfrm>
+      </p:grpSpPr>
+      <p:sp>
+        <p:nvSpPr>
+          <p:cNvPr id="2" name="제목 1">
+            <a:extLst>
+              <a:ext uri="{FF2B5EF4-FFF2-40B4-BE49-F238E27FC236}">
+                <a16:creationId xmlns:a16="http://schemas.microsoft.com/office/drawing/2014/main" id="{E52A4A83-AF5A-40E4-88E9-AAE0CCF3138B}"/>
+              </a:ext>
+            </a:extLst>
+          </p:cNvPr>
+          <p:cNvSpPr>
+            <a:spLocks noGrp="1"/>
+          </p:cNvSpPr>
+          <p:nvPr>
+            <p:ph type="title"/>
+          </p:nvPr>
+        </p:nvSpPr>
+        <p:spPr/>
+        <p:txBody>
+          <a:bodyPr/>
+          <a:lstStyle/>
+          <a:p>
+            <a:r>
+              <a:rPr lang="ko-KR" altLang="en-US" dirty="0"/>
+              <a:t>정규화</a:t>
+            </a:r>
+          </a:p>
+        </p:txBody>
+      </p:sp>
+      <p:sp>
+        <p:nvSpPr>
+          <p:cNvPr id="3" name="텍스트 개체 틀 2">
+            <a:extLst>
+              <a:ext uri="{FF2B5EF4-FFF2-40B4-BE49-F238E27FC236}">
+                <a16:creationId xmlns:a16="http://schemas.microsoft.com/office/drawing/2014/main" id="{B61E381A-F2E2-4DF6-BA78-75AE3B440B9C}"/>
+              </a:ext>
+            </a:extLst>
+          </p:cNvPr>
+          <p:cNvSpPr>
+            <a:spLocks noGrp="1"/>
+          </p:cNvSpPr>
+          <p:nvPr>
+            <p:ph type="body" sz="quarter" idx="13"/>
+          </p:nvPr>
+        </p:nvSpPr>
+        <p:spPr/>
+        <p:txBody>
+          <a:bodyPr/>
+          <a:lstStyle/>
+          <a:p>
+            <a:endParaRPr lang="ko-KR" altLang="en-US"/>
+          </a:p>
+        </p:txBody>
+      </p:sp>
+      <p:pic>
+        <p:nvPicPr>
+          <p:cNvPr id="5" name="그림 4">
+            <a:extLst>
+              <a:ext uri="{FF2B5EF4-FFF2-40B4-BE49-F238E27FC236}">
+                <a16:creationId xmlns:a16="http://schemas.microsoft.com/office/drawing/2014/main" id="{ABCD8B4B-B7D4-4B6E-B1A5-3D4CD0BF385C}"/>
+              </a:ext>
+            </a:extLst>
+          </p:cNvPr>
+          <p:cNvPicPr>
+            <a:picLocks noChangeAspect="1"/>
+          </p:cNvPicPr>
+          <p:nvPr/>
+        </p:nvPicPr>
+        <p:blipFill>
+          <a:blip r:embed="rId2">
+            <a:extLst>
+              <a:ext uri="{28A0092B-C50C-407E-A947-70E740481C1C}">
+                <a14:useLocalDpi xmlns:a14="http://schemas.microsoft.com/office/drawing/2010/main" val="0"/>
+              </a:ext>
+            </a:extLst>
+          </a:blip>
+          <a:stretch>
+            <a:fillRect/>
+          </a:stretch>
+        </p:blipFill>
+        <p:spPr>
+          <a:xfrm>
+            <a:off x="463159" y="3314207"/>
+            <a:ext cx="2644197" cy="1719027"/>
+          </a:xfrm>
+          <a:prstGeom prst="rect">
+            <a:avLst/>
+          </a:prstGeom>
+        </p:spPr>
+      </p:pic>
+      <p:pic>
+        <p:nvPicPr>
+          <p:cNvPr id="7" name="그림 6">
+            <a:extLst>
+              <a:ext uri="{FF2B5EF4-FFF2-40B4-BE49-F238E27FC236}">
+                <a16:creationId xmlns:a16="http://schemas.microsoft.com/office/drawing/2014/main" id="{D724697C-E936-45A3-8918-05FC07C0AA82}"/>
+              </a:ext>
+            </a:extLst>
+          </p:cNvPr>
+          <p:cNvPicPr>
+            <a:picLocks noChangeAspect="1"/>
+          </p:cNvPicPr>
+          <p:nvPr/>
+        </p:nvPicPr>
+        <p:blipFill>
+          <a:blip r:embed="rId3">
+            <a:extLst>
+              <a:ext uri="{28A0092B-C50C-407E-A947-70E740481C1C}">
+                <a14:useLocalDpi xmlns:a14="http://schemas.microsoft.com/office/drawing/2010/main" val="0"/>
+              </a:ext>
+            </a:extLst>
+          </a:blip>
+          <a:stretch>
+            <a:fillRect/>
+          </a:stretch>
+        </p:blipFill>
+        <p:spPr>
+          <a:xfrm>
+            <a:off x="471548" y="1404170"/>
+            <a:ext cx="2644197" cy="1842369"/>
+          </a:xfrm>
+          <a:prstGeom prst="rect">
+            <a:avLst/>
+          </a:prstGeom>
+        </p:spPr>
+      </p:pic>
+      <p:pic>
+        <p:nvPicPr>
+          <p:cNvPr id="9" name="그림 8">
+            <a:extLst>
+              <a:ext uri="{FF2B5EF4-FFF2-40B4-BE49-F238E27FC236}">
+                <a16:creationId xmlns:a16="http://schemas.microsoft.com/office/drawing/2014/main" id="{D3F2833D-7337-4876-B00F-56D3856637BD}"/>
+              </a:ext>
+            </a:extLst>
+          </p:cNvPr>
+          <p:cNvPicPr>
+            <a:picLocks noChangeAspect="1"/>
+          </p:cNvPicPr>
+          <p:nvPr/>
+        </p:nvPicPr>
+        <p:blipFill>
+          <a:blip r:embed="rId4">
+            <a:extLst>
+              <a:ext uri="{28A0092B-C50C-407E-A947-70E740481C1C}">
+                <a14:useLocalDpi xmlns:a14="http://schemas.microsoft.com/office/drawing/2010/main" val="0"/>
+              </a:ext>
+            </a:extLst>
+          </a:blip>
+          <a:stretch>
+            <a:fillRect/>
+          </a:stretch>
+        </p:blipFill>
+        <p:spPr>
+          <a:xfrm>
+            <a:off x="3165022" y="1404169"/>
+            <a:ext cx="2931942" cy="1842369"/>
+          </a:xfrm>
+          <a:prstGeom prst="rect">
+            <a:avLst/>
+          </a:prstGeom>
+        </p:spPr>
+      </p:pic>
+      <p:pic>
+        <p:nvPicPr>
+          <p:cNvPr id="11" name="그림 10">
+            <a:extLst>
+              <a:ext uri="{FF2B5EF4-FFF2-40B4-BE49-F238E27FC236}">
+                <a16:creationId xmlns:a16="http://schemas.microsoft.com/office/drawing/2014/main" id="{4E176584-7118-4727-9A6E-3DA0E00A0636}"/>
+              </a:ext>
+            </a:extLst>
+          </p:cNvPr>
+          <p:cNvPicPr>
+            <a:picLocks noChangeAspect="1"/>
+          </p:cNvPicPr>
+          <p:nvPr/>
+        </p:nvPicPr>
+        <p:blipFill>
+          <a:blip r:embed="rId5">
+            <a:extLst>
+              <a:ext uri="{28A0092B-C50C-407E-A947-70E740481C1C}">
+                <a14:useLocalDpi xmlns:a14="http://schemas.microsoft.com/office/drawing/2010/main" val="0"/>
+              </a:ext>
+            </a:extLst>
+          </a:blip>
+          <a:stretch>
+            <a:fillRect/>
+          </a:stretch>
+        </p:blipFill>
+        <p:spPr>
+          <a:xfrm>
+            <a:off x="3165022" y="3321744"/>
+            <a:ext cx="2931942" cy="1728268"/>
+          </a:xfrm>
+          <a:prstGeom prst="rect">
+            <a:avLst/>
+          </a:prstGeom>
+        </p:spPr>
+      </p:pic>
+      <p:pic>
+        <p:nvPicPr>
+          <p:cNvPr id="15" name="그림 14">
+            <a:extLst>
+              <a:ext uri="{FF2B5EF4-FFF2-40B4-BE49-F238E27FC236}">
+                <a16:creationId xmlns:a16="http://schemas.microsoft.com/office/drawing/2014/main" id="{5E86E5CC-0D49-48C0-A831-942DF978B39A}"/>
+              </a:ext>
+            </a:extLst>
+          </p:cNvPr>
+          <p:cNvPicPr>
+            <a:picLocks noChangeAspect="1"/>
+          </p:cNvPicPr>
+          <p:nvPr/>
+        </p:nvPicPr>
+        <p:blipFill>
+          <a:blip r:embed="rId6">
+            <a:extLst>
+              <a:ext uri="{28A0092B-C50C-407E-A947-70E740481C1C}">
+                <a14:useLocalDpi xmlns:a14="http://schemas.microsoft.com/office/drawing/2010/main" val="0"/>
+              </a:ext>
+            </a:extLst>
+          </a:blip>
+          <a:stretch>
+            <a:fillRect/>
+          </a:stretch>
+        </p:blipFill>
+        <p:spPr>
+          <a:xfrm>
+            <a:off x="463159" y="5100902"/>
+            <a:ext cx="2644197" cy="1573037"/>
+          </a:xfrm>
+          <a:prstGeom prst="rect">
+            <a:avLst/>
+          </a:prstGeom>
+        </p:spPr>
+      </p:pic>
+      <p:sp>
+        <p:nvSpPr>
+          <p:cNvPr id="16" name="TextBox 15">
+            <a:extLst>
+              <a:ext uri="{FF2B5EF4-FFF2-40B4-BE49-F238E27FC236}">
+                <a16:creationId xmlns:a16="http://schemas.microsoft.com/office/drawing/2014/main" id="{1A0F32D0-9057-4D55-9FB2-324012B83336}"/>
+              </a:ext>
+            </a:extLst>
+          </p:cNvPr>
+          <p:cNvSpPr txBox="1"/>
+          <p:nvPr/>
+        </p:nvSpPr>
+        <p:spPr>
+          <a:xfrm>
+            <a:off x="6744749" y="1501629"/>
+            <a:ext cx="4362275" cy="646331"/>
+          </a:xfrm>
+          <a:prstGeom prst="rect">
+            <a:avLst/>
+          </a:prstGeom>
+          <a:noFill/>
+        </p:spPr>
+        <p:txBody>
+          <a:bodyPr wrap="square" rtlCol="0">
+            <a:spAutoFit/>
+          </a:bodyPr>
+          <a:lstStyle/>
+          <a:p>
+            <a:r>
+              <a:rPr lang="ko-KR" altLang="en-US" dirty="0"/>
+              <a:t>표준 정규분포를 이루는 데이터가 거의 없음</a:t>
+            </a:r>
+            <a:endParaRPr lang="en-US" altLang="ko-KR" dirty="0"/>
+          </a:p>
+          <a:p>
+            <a:pPr marL="285750" indent="-285750">
+              <a:buFont typeface="Wingdings" panose="05000000000000000000" pitchFamily="2" charset="2"/>
+              <a:buChar char="è"/>
+            </a:pPr>
+            <a:r>
+              <a:rPr lang="en-US" altLang="ko-KR" dirty="0">
+                <a:sym typeface="Wingdings" panose="05000000000000000000" pitchFamily="2" charset="2"/>
+              </a:rPr>
+              <a:t>min-max </a:t>
+            </a:r>
+            <a:r>
+              <a:rPr lang="ko-KR" altLang="en-US" dirty="0">
+                <a:sym typeface="Wingdings" panose="05000000000000000000" pitchFamily="2" charset="2"/>
+              </a:rPr>
+              <a:t>정규화 선택</a:t>
+            </a:r>
+            <a:endParaRPr lang="ko-KR" altLang="en-US" dirty="0"/>
+          </a:p>
+        </p:txBody>
+      </p:sp>
+    </p:spTree>
+    <p:extLst>
+      <p:ext uri="{BB962C8B-B14F-4D97-AF65-F5344CB8AC3E}">
+        <p14:creationId xmlns:p14="http://schemas.microsoft.com/office/powerpoint/2010/main" val="370634966"/>
+      </p:ext>
+    </p:extLst>
+  </p:cSld>
+  <p:clrMapOvr>
+    <a:masterClrMapping/>
+  </p:clrMapOvr>
+  <mc:AlternateContent xmlns:mc="http://schemas.openxmlformats.org/markup-compatibility/2006" xmlns:p14="http://schemas.microsoft.com/office/powerpoint/2010/main">
+    <mc:Choice Requires="p14">
+      <p:transition spd="med" p14:dur="700">
+        <p:fade/>
+      </p:transition>
+    </mc:Choice>
+    <mc:Fallback xmlns="">
+      <p:transition spd="med">
+        <p:fade/>
+      </p:transition>
+    </mc:Fallback>
+  </mc:AlternateContent>
+</p:sld>
+</file>
+
+<file path=ppt/slides/slide13.xml><?xml version="1.0" encoding="utf-8"?>
+<p:sld xmlns:a="http://schemas.openxmlformats.org/drawingml/2006/main" xmlns:r="http://schemas.openxmlformats.org/officeDocument/2006/relationships" xmlns:p="http://schemas.openxmlformats.org/presentationml/2006/main">
+  <p:cSld>
+    <p:spTree>
+      <p:nvGrpSpPr>
+        <p:cNvPr id="1" name=""/>
+        <p:cNvGrpSpPr/>
+        <p:nvPr/>
+      </p:nvGrpSpPr>
+      <p:grpSpPr>
+        <a:xfrm>
+          <a:off x="0" y="0"/>
+          <a:ext cx="0" cy="0"/>
+          <a:chOff x="0" y="0"/>
+          <a:chExt cx="0" cy="0"/>
+        </a:xfrm>
+      </p:grpSpPr>
+      <p:sp>
+        <p:nvSpPr>
+          <p:cNvPr id="2" name="제목 1">
+            <a:extLst>
+              <a:ext uri="{FF2B5EF4-FFF2-40B4-BE49-F238E27FC236}">
+                <a16:creationId xmlns:a16="http://schemas.microsoft.com/office/drawing/2014/main" id="{D39C04F3-4F9C-4A62-A63C-CD1D127A7F8A}"/>
+              </a:ext>
+            </a:extLst>
+          </p:cNvPr>
+          <p:cNvSpPr>
+            <a:spLocks noGrp="1"/>
+          </p:cNvSpPr>
+          <p:nvPr>
+            <p:ph type="title"/>
+          </p:nvPr>
+        </p:nvSpPr>
+        <p:spPr/>
+        <p:txBody>
+          <a:bodyPr/>
+          <a:lstStyle/>
+          <a:p>
+            <a:r>
+              <a:rPr lang="ko-KR" altLang="en-US" dirty="0"/>
+              <a:t>모델</a:t>
+            </a:r>
+          </a:p>
+        </p:txBody>
+      </p:sp>
+      <p:sp>
+        <p:nvSpPr>
+          <p:cNvPr id="3" name="텍스트 개체 틀 2">
+            <a:extLst>
+              <a:ext uri="{FF2B5EF4-FFF2-40B4-BE49-F238E27FC236}">
+                <a16:creationId xmlns:a16="http://schemas.microsoft.com/office/drawing/2014/main" id="{3FC47F95-100B-4C55-AC59-C9BCD300A65D}"/>
+              </a:ext>
+            </a:extLst>
+          </p:cNvPr>
+          <p:cNvSpPr>
+            <a:spLocks noGrp="1"/>
+          </p:cNvSpPr>
+          <p:nvPr>
+            <p:ph type="body" sz="quarter" idx="13"/>
+          </p:nvPr>
+        </p:nvSpPr>
+        <p:spPr/>
+        <p:txBody>
+          <a:bodyPr/>
+          <a:lstStyle/>
+          <a:p>
+            <a:endParaRPr lang="ko-KR" altLang="en-US"/>
+          </a:p>
+        </p:txBody>
+      </p:sp>
+      <p:sp>
+        <p:nvSpPr>
+          <p:cNvPr id="4" name="TextBox 3">
+            <a:extLst>
+              <a:ext uri="{FF2B5EF4-FFF2-40B4-BE49-F238E27FC236}">
+                <a16:creationId xmlns:a16="http://schemas.microsoft.com/office/drawing/2014/main" id="{D2146EB7-9072-4C52-8A37-F8B34C9E69E7}"/>
+              </a:ext>
+            </a:extLst>
+          </p:cNvPr>
+          <p:cNvSpPr txBox="1"/>
+          <p:nvPr/>
+        </p:nvSpPr>
+        <p:spPr>
+          <a:xfrm>
+            <a:off x="383991" y="1397966"/>
+            <a:ext cx="1925053" cy="369332"/>
+          </a:xfrm>
+          <a:prstGeom prst="rect">
+            <a:avLst/>
+          </a:prstGeom>
+          <a:noFill/>
+        </p:spPr>
+        <p:txBody>
+          <a:bodyPr wrap="square" rtlCol="0">
+            <a:spAutoFit/>
+          </a:bodyPr>
+          <a:lstStyle/>
+          <a:p>
+            <a:r>
+              <a:rPr lang="ko-KR" altLang="en-US" dirty="0"/>
+              <a:t>군집 개수 선택</a:t>
+            </a:r>
+          </a:p>
+        </p:txBody>
+      </p:sp>
+      <p:sp>
+        <p:nvSpPr>
+          <p:cNvPr id="5" name="TextBox 4">
+            <a:extLst>
+              <a:ext uri="{FF2B5EF4-FFF2-40B4-BE49-F238E27FC236}">
+                <a16:creationId xmlns:a16="http://schemas.microsoft.com/office/drawing/2014/main" id="{FAB030E8-848C-4A2A-A251-A27B5A988491}"/>
+              </a:ext>
+            </a:extLst>
+          </p:cNvPr>
+          <p:cNvSpPr txBox="1"/>
+          <p:nvPr/>
+        </p:nvSpPr>
+        <p:spPr>
+          <a:xfrm>
+            <a:off x="641684" y="2261937"/>
+            <a:ext cx="8406063" cy="923330"/>
+          </a:xfrm>
+          <a:prstGeom prst="rect">
+            <a:avLst/>
+          </a:prstGeom>
+          <a:noFill/>
+        </p:spPr>
+        <p:txBody>
+          <a:bodyPr wrap="square" rtlCol="0">
+            <a:spAutoFit/>
+          </a:bodyPr>
+          <a:lstStyle/>
+          <a:p>
+            <a:r>
+              <a:rPr lang="en-US" altLang="ko-KR" dirty="0"/>
+              <a:t>Elbow </a:t>
+            </a:r>
+            <a:r>
+              <a:rPr lang="ko-KR" altLang="en-US" dirty="0"/>
+              <a:t>기법</a:t>
+            </a:r>
+            <a:endParaRPr lang="en-US" altLang="ko-KR" dirty="0"/>
+          </a:p>
+          <a:p>
+            <a:pPr marL="285750" indent="-285750">
+              <a:buFontTx/>
+              <a:buChar char="-"/>
+            </a:pPr>
+            <a:r>
+              <a:rPr lang="ko-KR" altLang="en-US" dirty="0"/>
+              <a:t>각 중심점에서 해당 클러스터 내의 점까지 거리 합산한 값으로 측정</a:t>
+            </a:r>
+            <a:endParaRPr lang="en-US" altLang="ko-KR" dirty="0"/>
+          </a:p>
+          <a:p>
+            <a:pPr marL="285750" indent="-285750">
+              <a:buFontTx/>
+              <a:buChar char="-"/>
+            </a:pPr>
+            <a:r>
+              <a:rPr lang="ko-KR" altLang="en-US" dirty="0"/>
+              <a:t>값이 작을 수록 잘 </a:t>
+            </a:r>
+            <a:r>
+              <a:rPr lang="ko-KR" altLang="en-US" dirty="0" err="1"/>
+              <a:t>뭉쳐있음</a:t>
+            </a:r>
+            <a:endParaRPr lang="ko-KR" altLang="en-US" dirty="0"/>
+          </a:p>
+        </p:txBody>
+      </p:sp>
+      <p:sp>
+        <p:nvSpPr>
+          <p:cNvPr id="9" name="TextBox 8">
+            <a:extLst>
+              <a:ext uri="{FF2B5EF4-FFF2-40B4-BE49-F238E27FC236}">
+                <a16:creationId xmlns:a16="http://schemas.microsoft.com/office/drawing/2014/main" id="{2141CD9B-6608-46D2-ADD2-04086FE881DB}"/>
+              </a:ext>
+            </a:extLst>
+          </p:cNvPr>
+          <p:cNvSpPr txBox="1"/>
+          <p:nvPr/>
+        </p:nvSpPr>
+        <p:spPr>
+          <a:xfrm>
+            <a:off x="641684" y="4179088"/>
+            <a:ext cx="8406063" cy="923330"/>
+          </a:xfrm>
+          <a:prstGeom prst="rect">
+            <a:avLst/>
+          </a:prstGeom>
+          <a:noFill/>
+        </p:spPr>
+        <p:txBody>
+          <a:bodyPr wrap="square" rtlCol="0">
+            <a:spAutoFit/>
+          </a:bodyPr>
+          <a:lstStyle/>
+          <a:p>
+            <a:r>
+              <a:rPr lang="ko-KR" altLang="en-US" dirty="0"/>
+              <a:t>실루엣 계수</a:t>
+            </a:r>
+            <a:endParaRPr lang="en-US" altLang="ko-KR" dirty="0"/>
+          </a:p>
+          <a:p>
+            <a:pPr marL="285750" indent="-285750">
+              <a:buFontTx/>
+              <a:buChar char="-"/>
+            </a:pPr>
+            <a:r>
+              <a:rPr lang="ko-KR" altLang="en-US" dirty="0"/>
+              <a:t>같은 클러스터의 데이터가 다른 클러스터의 데이터보다 가까운 정도</a:t>
+            </a:r>
+            <a:endParaRPr lang="en-US" altLang="ko-KR" dirty="0"/>
+          </a:p>
+          <a:p>
+            <a:pPr marL="285750" indent="-285750">
+              <a:buFontTx/>
+              <a:buChar char="-"/>
+            </a:pPr>
+            <a:r>
+              <a:rPr lang="en-US" altLang="ko-KR" dirty="0"/>
+              <a:t>1</a:t>
+            </a:r>
+            <a:r>
+              <a:rPr lang="ko-KR" altLang="en-US" dirty="0"/>
+              <a:t>에 가까울 수록 </a:t>
+            </a:r>
+            <a:r>
+              <a:rPr lang="ko-KR" altLang="en-US" dirty="0" err="1"/>
+              <a:t>클러스트끼리</a:t>
+            </a:r>
+            <a:r>
+              <a:rPr lang="ko-KR" altLang="en-US" dirty="0"/>
+              <a:t> 잘 </a:t>
+            </a:r>
+            <a:r>
+              <a:rPr lang="ko-KR" altLang="en-US" dirty="0" err="1"/>
+              <a:t>뭉쳐있음</a:t>
+            </a:r>
+            <a:endParaRPr lang="ko-KR" altLang="en-US" dirty="0"/>
+          </a:p>
+        </p:txBody>
+      </p:sp>
+      <p:pic>
+        <p:nvPicPr>
+          <p:cNvPr id="7" name="그림 6">
+            <a:extLst>
+              <a:ext uri="{FF2B5EF4-FFF2-40B4-BE49-F238E27FC236}">
+                <a16:creationId xmlns:a16="http://schemas.microsoft.com/office/drawing/2014/main" id="{A4BF61A8-0745-4156-AD7A-570B178FCF0E}"/>
+              </a:ext>
+            </a:extLst>
+          </p:cNvPr>
+          <p:cNvPicPr>
+            <a:picLocks noChangeAspect="1"/>
+          </p:cNvPicPr>
+          <p:nvPr/>
+        </p:nvPicPr>
+        <p:blipFill>
+          <a:blip r:embed="rId2"/>
+          <a:stretch>
+            <a:fillRect/>
+          </a:stretch>
+        </p:blipFill>
+        <p:spPr>
+          <a:xfrm>
+            <a:off x="641684" y="5257186"/>
+            <a:ext cx="2943636" cy="1124107"/>
+          </a:xfrm>
+          <a:prstGeom prst="rect">
+            <a:avLst/>
+          </a:prstGeom>
+        </p:spPr>
+      </p:pic>
+      <p:sp>
+        <p:nvSpPr>
+          <p:cNvPr id="10" name="TextBox 9">
+            <a:extLst>
+              <a:ext uri="{FF2B5EF4-FFF2-40B4-BE49-F238E27FC236}">
+                <a16:creationId xmlns:a16="http://schemas.microsoft.com/office/drawing/2014/main" id="{B2AE7C95-D061-458B-BF14-3F2048626C69}"/>
+              </a:ext>
+            </a:extLst>
+          </p:cNvPr>
+          <p:cNvSpPr txBox="1"/>
+          <p:nvPr/>
+        </p:nvSpPr>
+        <p:spPr>
+          <a:xfrm>
+            <a:off x="4090737" y="5257186"/>
+            <a:ext cx="4957010" cy="369332"/>
+          </a:xfrm>
+          <a:prstGeom prst="rect">
+            <a:avLst/>
+          </a:prstGeom>
+          <a:noFill/>
+        </p:spPr>
+        <p:txBody>
+          <a:bodyPr wrap="square" rtlCol="0">
+            <a:spAutoFit/>
+          </a:bodyPr>
+          <a:lstStyle/>
+          <a:p>
+            <a:endParaRPr lang="ko-KR" altLang="en-US" dirty="0"/>
+          </a:p>
+        </p:txBody>
+      </p:sp>
+      <p:sp>
+        <p:nvSpPr>
+          <p:cNvPr id="11" name="Rectangle 1">
+            <a:extLst>
+              <a:ext uri="{FF2B5EF4-FFF2-40B4-BE49-F238E27FC236}">
+                <a16:creationId xmlns:a16="http://schemas.microsoft.com/office/drawing/2014/main" id="{84AB5DD7-2B98-41EC-BE14-E4A0D276AA4F}"/>
+              </a:ext>
+            </a:extLst>
+          </p:cNvPr>
+          <p:cNvSpPr>
+            <a:spLocks noChangeArrowheads="1"/>
+          </p:cNvSpPr>
+          <p:nvPr/>
+        </p:nvSpPr>
+        <p:spPr bwMode="auto">
+          <a:xfrm>
+            <a:off x="0" y="0"/>
+            <a:ext cx="12192000" cy="0"/>
+          </a:xfrm>
+          <a:prstGeom prst="rect">
+            <a:avLst/>
+          </a:prstGeom>
+          <a:noFill/>
+          <a:ln>
+            <a:noFill/>
+          </a:ln>
+          <a:effectLst/>
+          <a:extLst>
+            <a:ext uri="{909E8E84-426E-40DD-AFC4-6F175D3DCCD1}">
+              <a14:hiddenFill xmlns:a14="http://schemas.microsoft.com/office/drawing/2010/main">
+                <a:solidFill>
+                  <a:schemeClr val="accent1"/>
+                </a:solidFill>
+              </a14:hiddenFill>
+            </a:ext>
+            <a:ext uri="{91240B29-F687-4F45-9708-019B960494DF}">
+              <a14:hiddenLine xmlns:a14="http://schemas.microsoft.com/office/drawing/2010/main" w="9525">
+                <a:solidFill>
+                  <a:schemeClr val="tx1"/>
+                </a:solidFill>
+                <a:miter lim="800000"/>
+                <a:headEnd/>
+                <a:tailEnd/>
+              </a14:hiddenLine>
+            </a:ext>
+            <a:ext uri="{AF507438-7753-43E0-B8FC-AC1667EBCBE1}">
+              <a14:hiddenEffects xmlns:a14="http://schemas.microsoft.com/office/drawing/2010/main">
+                <a:effectLst>
+                  <a:outerShdw dist="35921" dir="2700000" algn="ctr" rotWithShape="0">
+                    <a:schemeClr val="bg2"/>
+                  </a:outerShdw>
+                </a:effectLst>
+              </a14:hiddenEffects>
+            </a:ext>
+          </a:extLst>
+        </p:spPr>
+        <p:txBody>
+          <a:bodyPr vert="horz" wrap="none" lIns="91440" tIns="45720" rIns="91440" bIns="45720" numCol="1" anchor="ctr" anchorCtr="0" compatLnSpc="1">
+            <a:prstTxWarp prst="textNoShape">
+              <a:avLst/>
+            </a:prstTxWarp>
+            <a:spAutoFit/>
+          </a:bodyPr>
+          <a:lstStyle>
+            <a:lvl1pPr eaLnBrk="0" fontAlgn="base" hangingPunct="0">
+              <a:spcBef>
+                <a:spcPct val="0"/>
+              </a:spcBef>
+              <a:spcAft>
+                <a:spcPct val="0"/>
+              </a:spcAft>
+              <a:defRPr>
+                <a:solidFill>
+                  <a:schemeClr val="tx1"/>
+                </a:solidFill>
+                <a:latin typeface="Arial" panose="020B0604020202020204" pitchFamily="34" charset="0"/>
+              </a:defRPr>
+            </a:lvl1pPr>
+            <a:lvl2pPr eaLnBrk="0" fontAlgn="base" hangingPunct="0">
+              <a:spcBef>
+                <a:spcPct val="0"/>
+              </a:spcBef>
+              <a:spcAft>
+                <a:spcPct val="0"/>
+              </a:spcAft>
+              <a:defRPr>
+                <a:solidFill>
+                  <a:schemeClr val="tx1"/>
+                </a:solidFill>
+                <a:latin typeface="Arial" panose="020B0604020202020204" pitchFamily="34" charset="0"/>
+              </a:defRPr>
+            </a:lvl2pPr>
+            <a:lvl3pPr eaLnBrk="0" fontAlgn="base" hangingPunct="0">
+              <a:spcBef>
+                <a:spcPct val="0"/>
+              </a:spcBef>
+              <a:spcAft>
+                <a:spcPct val="0"/>
+              </a:spcAft>
+              <a:defRPr>
+                <a:solidFill>
+                  <a:schemeClr val="tx1"/>
+                </a:solidFill>
+                <a:latin typeface="Arial" panose="020B0604020202020204" pitchFamily="34" charset="0"/>
+              </a:defRPr>
+            </a:lvl3pPr>
+            <a:lvl4pPr eaLnBrk="0" fontAlgn="base" hangingPunct="0">
+              <a:spcBef>
+                <a:spcPct val="0"/>
+              </a:spcBef>
+              <a:spcAft>
+                <a:spcPct val="0"/>
+              </a:spcAft>
+              <a:defRPr>
+                <a:solidFill>
+                  <a:schemeClr val="tx1"/>
+                </a:solidFill>
+                <a:latin typeface="Arial" panose="020B0604020202020204" pitchFamily="34" charset="0"/>
+              </a:defRPr>
+            </a:lvl4pPr>
+            <a:lvl5pPr eaLnBrk="0" fontAlgn="base" hangingPunct="0">
+              <a:spcBef>
+                <a:spcPct val="0"/>
+              </a:spcBef>
+              <a:spcAft>
+                <a:spcPct val="0"/>
+              </a:spcAft>
+              <a:defRPr>
+                <a:solidFill>
+                  <a:schemeClr val="tx1"/>
+                </a:solidFill>
+                <a:latin typeface="Arial" panose="020B0604020202020204" pitchFamily="34" charset="0"/>
+              </a:defRPr>
+            </a:lvl5pPr>
+            <a:lvl6pPr eaLnBrk="0" fontAlgn="base" hangingPunct="0">
+              <a:spcBef>
+                <a:spcPct val="0"/>
+              </a:spcBef>
+              <a:spcAft>
+                <a:spcPct val="0"/>
+              </a:spcAft>
+              <a:defRPr>
+                <a:solidFill>
+                  <a:schemeClr val="tx1"/>
+                </a:solidFill>
+                <a:latin typeface="Arial" panose="020B0604020202020204" pitchFamily="34" charset="0"/>
+              </a:defRPr>
+            </a:lvl6pPr>
+            <a:lvl7pPr eaLnBrk="0" fontAlgn="base" hangingPunct="0">
+              <a:spcBef>
+                <a:spcPct val="0"/>
+              </a:spcBef>
+              <a:spcAft>
+                <a:spcPct val="0"/>
+              </a:spcAft>
+              <a:defRPr>
+                <a:solidFill>
+                  <a:schemeClr val="tx1"/>
+                </a:solidFill>
+                <a:latin typeface="Arial" panose="020B0604020202020204" pitchFamily="34" charset="0"/>
+              </a:defRPr>
+            </a:lvl7pPr>
+            <a:lvl8pPr eaLnBrk="0" fontAlgn="base" hangingPunct="0">
+              <a:spcBef>
+                <a:spcPct val="0"/>
+              </a:spcBef>
+              <a:spcAft>
+                <a:spcPct val="0"/>
+              </a:spcAft>
+              <a:defRPr>
+                <a:solidFill>
+                  <a:schemeClr val="tx1"/>
+                </a:solidFill>
+                <a:latin typeface="Arial" panose="020B0604020202020204" pitchFamily="34" charset="0"/>
+              </a:defRPr>
+            </a:lvl8pPr>
+            <a:lvl9pPr eaLnBrk="0" fontAlgn="base" hangingPunct="0">
+              <a:spcBef>
+                <a:spcPct val="0"/>
+              </a:spcBef>
+              <a:spcAft>
+                <a:spcPct val="0"/>
+              </a:spcAft>
+              <a:defRPr>
+                <a:solidFill>
+                  <a:schemeClr val="tx1"/>
+                </a:solidFill>
+                <a:latin typeface="Arial" panose="020B0604020202020204" pitchFamily="34" charset="0"/>
+              </a:defRPr>
+            </a:lvl9pPr>
+          </a:lstStyle>
+          <a:p>
+            <a:pPr marL="0" marR="0" lvl="0" indent="0" algn="just" defTabSz="914400" rtl="0" eaLnBrk="0" fontAlgn="base" latinLnBrk="0" hangingPunct="0">
+              <a:lnSpc>
+                <a:spcPct val="100000"/>
+              </a:lnSpc>
+              <a:spcBef>
+                <a:spcPct val="0"/>
+              </a:spcBef>
+              <a:spcAft>
+                <a:spcPct val="0"/>
+              </a:spcAft>
+              <a:buClrTx/>
+              <a:buSzTx/>
+              <a:buFontTx/>
+              <a:buNone/>
+              <a:tabLst/>
+            </a:pPr>
+            <a:r>
+              <a:rPr kumimoji="0" lang="ko-KR" altLang="ko-KR" sz="1400" b="0" i="0" u="none" strike="noStrike" cap="none" normalizeH="0" baseline="0">
+                <a:ln>
+                  <a:noFill/>
+                </a:ln>
+                <a:solidFill>
+                  <a:srgbClr val="333333"/>
+                </a:solidFill>
+                <a:effectLst/>
+                <a:latin typeface="Arial" panose="020B0604020202020204" pitchFamily="34" charset="0"/>
+                <a:ea typeface="MathJax_Math-italic"/>
+              </a:rPr>
+              <a:t>a</a:t>
+            </a:r>
+            <a:r>
+              <a:rPr kumimoji="0" lang="ko-KR" altLang="ko-KR" sz="900" b="0" i="0" u="none" strike="noStrike" cap="none" normalizeH="0" baseline="0">
+                <a:ln>
+                  <a:noFill/>
+                </a:ln>
+                <a:solidFill>
+                  <a:srgbClr val="333333"/>
+                </a:solidFill>
+                <a:effectLst/>
+                <a:latin typeface="Arial" panose="020B0604020202020204" pitchFamily="34" charset="0"/>
+                <a:ea typeface="MathJax_Math-italic"/>
+              </a:rPr>
+              <a:t>i</a:t>
+            </a:r>
+            <a:r>
+              <a:rPr kumimoji="0" lang="ko-KR" altLang="ko-KR" sz="1200" b="0" i="0" u="none" strike="noStrike" cap="none" normalizeH="0" baseline="0">
+                <a:ln>
+                  <a:noFill/>
+                </a:ln>
+                <a:solidFill>
+                  <a:srgbClr val="333333"/>
+                </a:solidFill>
+                <a:effectLst/>
+                <a:latin typeface="Arial" panose="020B0604020202020204" pitchFamily="34" charset="0"/>
+                <a:ea typeface="Noto Serif KR"/>
+              </a:rPr>
+              <a:t>ai : </a:t>
+            </a:r>
+            <a:r>
+              <a:rPr kumimoji="0" lang="ko-KR" altLang="ko-KR" sz="1400" b="0" i="0" u="none" strike="noStrike" cap="none" normalizeH="0" baseline="0">
+                <a:ln>
+                  <a:noFill/>
+                </a:ln>
+                <a:solidFill>
+                  <a:srgbClr val="333333"/>
+                </a:solidFill>
+                <a:effectLst/>
+                <a:latin typeface="Arial" panose="020B0604020202020204" pitchFamily="34" charset="0"/>
+                <a:ea typeface="MathJax_Math-italic"/>
+              </a:rPr>
+              <a:t>i</a:t>
+            </a:r>
+            <a:r>
+              <a:rPr kumimoji="0" lang="ko-KR" altLang="ko-KR" sz="1200" b="0" i="0" u="none" strike="noStrike" cap="none" normalizeH="0" baseline="0">
+                <a:ln>
+                  <a:noFill/>
+                </a:ln>
+                <a:solidFill>
+                  <a:srgbClr val="333333"/>
+                </a:solidFill>
+                <a:effectLst/>
+                <a:latin typeface="Arial" panose="020B0604020202020204" pitchFamily="34" charset="0"/>
+                <a:ea typeface="Noto Serif KR"/>
+              </a:rPr>
+              <a:t>i와 같은 클러스터에 속한 원소들의 평균 거리</a:t>
+            </a:r>
+            <a:r>
+              <a:rPr kumimoji="0" lang="ko-KR" altLang="ko-KR" sz="800" b="0" i="0" u="none" strike="noStrike" cap="none" normalizeH="0" baseline="0">
+                <a:ln>
+                  <a:noFill/>
+                </a:ln>
+                <a:solidFill>
+                  <a:schemeClr val="tx1"/>
+                </a:solidFill>
+                <a:effectLst/>
+                <a:latin typeface="Arial" panose="020B0604020202020204" pitchFamily="34" charset="0"/>
+              </a:rPr>
+              <a:t> </a:t>
+            </a:r>
+            <a:endParaRPr kumimoji="0" lang="ko-KR" altLang="ko-KR" sz="1800" b="0" i="0" u="none" strike="noStrike" cap="none" normalizeH="0" baseline="0">
+              <a:ln>
+                <a:noFill/>
+              </a:ln>
+              <a:solidFill>
+                <a:schemeClr val="tx1"/>
+              </a:solidFill>
+              <a:effectLst/>
+              <a:latin typeface="Arial" panose="020B0604020202020204" pitchFamily="34" charset="0"/>
+            </a:endParaRPr>
+          </a:p>
+        </p:txBody>
+      </p:sp>
+      <p:pic>
+        <p:nvPicPr>
+          <p:cNvPr id="12" name="그림 11">
+            <a:extLst>
+              <a:ext uri="{FF2B5EF4-FFF2-40B4-BE49-F238E27FC236}">
+                <a16:creationId xmlns:a16="http://schemas.microsoft.com/office/drawing/2014/main" id="{A58C9463-BB75-48E7-909C-80ED20CD4D2C}"/>
+              </a:ext>
+            </a:extLst>
+          </p:cNvPr>
+          <p:cNvPicPr>
+            <a:picLocks noChangeAspect="1"/>
+          </p:cNvPicPr>
+          <p:nvPr/>
+        </p:nvPicPr>
+        <p:blipFill>
+          <a:blip r:embed="rId3"/>
+          <a:stretch>
+            <a:fillRect/>
+          </a:stretch>
+        </p:blipFill>
+        <p:spPr>
+          <a:xfrm>
+            <a:off x="3669350" y="5924029"/>
+            <a:ext cx="4439270" cy="457264"/>
+          </a:xfrm>
+          <a:prstGeom prst="rect">
+            <a:avLst/>
+          </a:prstGeom>
+        </p:spPr>
+      </p:pic>
+    </p:spTree>
+    <p:extLst>
+      <p:ext uri="{BB962C8B-B14F-4D97-AF65-F5344CB8AC3E}">
+        <p14:creationId xmlns:p14="http://schemas.microsoft.com/office/powerpoint/2010/main" val="247896025"/>
+      </p:ext>
+    </p:extLst>
+  </p:cSld>
+  <p:clrMapOvr>
+    <a:masterClrMapping/>
+  </p:clrMapOvr>
+  <mc:AlternateContent xmlns:mc="http://schemas.openxmlformats.org/markup-compatibility/2006" xmlns:p14="http://schemas.microsoft.com/office/powerpoint/2010/main">
+    <mc:Choice Requires="p14">
+      <p:transition spd="med" p14:dur="700">
+        <p:fade/>
+      </p:transition>
+    </mc:Choice>
+    <mc:Fallback xmlns="">
+      <p:transition spd="med">
+        <p:fade/>
+      </p:transition>
+    </mc:Fallback>
+  </mc:AlternateContent>
+</p:sld>
+</file>
+
+<file path=ppt/slides/slide14.xml><?xml version="1.0" encoding="utf-8"?>
+<p:sld xmlns:a="http://schemas.openxmlformats.org/drawingml/2006/main" xmlns:r="http://schemas.openxmlformats.org/officeDocument/2006/relationships" xmlns:p="http://schemas.openxmlformats.org/presentationml/2006/main">
+  <p:cSld>
+    <p:spTree>
+      <p:nvGrpSpPr>
+        <p:cNvPr id="1" name=""/>
+        <p:cNvGrpSpPr/>
+        <p:nvPr/>
+      </p:nvGrpSpPr>
+      <p:grpSpPr>
+        <a:xfrm>
+          <a:off x="0" y="0"/>
+          <a:ext cx="0" cy="0"/>
+          <a:chOff x="0" y="0"/>
+          <a:chExt cx="0" cy="0"/>
+        </a:xfrm>
+      </p:grpSpPr>
+      <p:sp>
+        <p:nvSpPr>
+          <p:cNvPr id="2" name="제목 1">
+            <a:extLst>
+              <a:ext uri="{FF2B5EF4-FFF2-40B4-BE49-F238E27FC236}">
+                <a16:creationId xmlns:a16="http://schemas.microsoft.com/office/drawing/2014/main" id="{D39C04F3-4F9C-4A62-A63C-CD1D127A7F8A}"/>
+              </a:ext>
+            </a:extLst>
+          </p:cNvPr>
+          <p:cNvSpPr>
+            <a:spLocks noGrp="1"/>
+          </p:cNvSpPr>
+          <p:nvPr>
+            <p:ph type="title"/>
+          </p:nvPr>
+        </p:nvSpPr>
+        <p:spPr/>
+        <p:txBody>
+          <a:bodyPr/>
+          <a:lstStyle/>
+          <a:p>
+            <a:r>
+              <a:rPr lang="ko-KR" altLang="en-US" dirty="0"/>
+              <a:t>모델</a:t>
+            </a:r>
+          </a:p>
+        </p:txBody>
+      </p:sp>
+      <p:sp>
+        <p:nvSpPr>
+          <p:cNvPr id="3" name="텍스트 개체 틀 2">
+            <a:extLst>
+              <a:ext uri="{FF2B5EF4-FFF2-40B4-BE49-F238E27FC236}">
+                <a16:creationId xmlns:a16="http://schemas.microsoft.com/office/drawing/2014/main" id="{3FC47F95-100B-4C55-AC59-C9BCD300A65D}"/>
+              </a:ext>
+            </a:extLst>
+          </p:cNvPr>
+          <p:cNvSpPr>
+            <a:spLocks noGrp="1"/>
+          </p:cNvSpPr>
+          <p:nvPr>
+            <p:ph type="body" sz="quarter" idx="13"/>
+          </p:nvPr>
+        </p:nvSpPr>
+        <p:spPr/>
+        <p:txBody>
+          <a:bodyPr/>
+          <a:lstStyle/>
+          <a:p>
+            <a:endParaRPr lang="ko-KR" altLang="en-US"/>
+          </a:p>
+        </p:txBody>
+      </p:sp>
+      <p:pic>
+        <p:nvPicPr>
+          <p:cNvPr id="6" name="그림 5">
+            <a:extLst>
+              <a:ext uri="{FF2B5EF4-FFF2-40B4-BE49-F238E27FC236}">
+                <a16:creationId xmlns:a16="http://schemas.microsoft.com/office/drawing/2014/main" id="{3BB3D139-D664-4729-8E97-47ACDF82DCE4}"/>
+              </a:ext>
+            </a:extLst>
+          </p:cNvPr>
+          <p:cNvPicPr>
+            <a:picLocks noChangeAspect="1"/>
+          </p:cNvPicPr>
+          <p:nvPr/>
+        </p:nvPicPr>
+        <p:blipFill>
+          <a:blip r:embed="rId2">
+            <a:extLst>
+              <a:ext uri="{28A0092B-C50C-407E-A947-70E740481C1C}">
+                <a14:useLocalDpi xmlns:a14="http://schemas.microsoft.com/office/drawing/2010/main" val="0"/>
+              </a:ext>
+            </a:extLst>
+          </a:blip>
+          <a:stretch>
+            <a:fillRect/>
+          </a:stretch>
+        </p:blipFill>
+        <p:spPr>
+          <a:xfrm>
+            <a:off x="4375343" y="2815310"/>
+            <a:ext cx="3761995" cy="2286000"/>
+          </a:xfrm>
+          <a:prstGeom prst="rect">
+            <a:avLst/>
+          </a:prstGeom>
+        </p:spPr>
+      </p:pic>
+      <p:pic>
+        <p:nvPicPr>
+          <p:cNvPr id="8" name="그림 7">
+            <a:extLst>
+              <a:ext uri="{FF2B5EF4-FFF2-40B4-BE49-F238E27FC236}">
+                <a16:creationId xmlns:a16="http://schemas.microsoft.com/office/drawing/2014/main" id="{DC2664CB-C2E6-4A85-8CB4-0D09AC853D4D}"/>
+              </a:ext>
+            </a:extLst>
+          </p:cNvPr>
+          <p:cNvPicPr>
+            <a:picLocks noChangeAspect="1"/>
+          </p:cNvPicPr>
+          <p:nvPr/>
+        </p:nvPicPr>
+        <p:blipFill>
+          <a:blip r:embed="rId3">
+            <a:extLst>
+              <a:ext uri="{28A0092B-C50C-407E-A947-70E740481C1C}">
+                <a14:useLocalDpi xmlns:a14="http://schemas.microsoft.com/office/drawing/2010/main" val="0"/>
+              </a:ext>
+            </a:extLst>
+          </a:blip>
+          <a:stretch>
+            <a:fillRect/>
+          </a:stretch>
+        </p:blipFill>
+        <p:spPr>
+          <a:xfrm>
+            <a:off x="177640" y="2811299"/>
+            <a:ext cx="4023436" cy="2286000"/>
+          </a:xfrm>
+          <a:prstGeom prst="rect">
+            <a:avLst/>
+          </a:prstGeom>
+        </p:spPr>
+      </p:pic>
+      <p:pic>
+        <p:nvPicPr>
+          <p:cNvPr id="10" name="그림 9">
+            <a:extLst>
+              <a:ext uri="{FF2B5EF4-FFF2-40B4-BE49-F238E27FC236}">
+                <a16:creationId xmlns:a16="http://schemas.microsoft.com/office/drawing/2014/main" id="{6A962019-0DC8-4B18-BE89-ED1BC4FEA70E}"/>
+              </a:ext>
+            </a:extLst>
+          </p:cNvPr>
+          <p:cNvPicPr>
+            <a:picLocks noChangeAspect="1"/>
+          </p:cNvPicPr>
+          <p:nvPr/>
+        </p:nvPicPr>
+        <p:blipFill>
+          <a:blip r:embed="rId4">
+            <a:extLst>
+              <a:ext uri="{28A0092B-C50C-407E-A947-70E740481C1C}">
+                <a14:useLocalDpi xmlns:a14="http://schemas.microsoft.com/office/drawing/2010/main" val="0"/>
+              </a:ext>
+            </a:extLst>
+          </a:blip>
+          <a:stretch>
+            <a:fillRect/>
+          </a:stretch>
+        </p:blipFill>
+        <p:spPr>
+          <a:xfrm>
+            <a:off x="8300490" y="2815311"/>
+            <a:ext cx="3761996" cy="2286000"/>
+          </a:xfrm>
+          <a:prstGeom prst="rect">
+            <a:avLst/>
+          </a:prstGeom>
+        </p:spPr>
+      </p:pic>
+      <p:sp>
+        <p:nvSpPr>
+          <p:cNvPr id="11" name="TextBox 10">
+            <a:extLst>
+              <a:ext uri="{FF2B5EF4-FFF2-40B4-BE49-F238E27FC236}">
+                <a16:creationId xmlns:a16="http://schemas.microsoft.com/office/drawing/2014/main" id="{FEA33BE9-B8B2-4125-83D8-F239D138B454}"/>
+              </a:ext>
+            </a:extLst>
+          </p:cNvPr>
+          <p:cNvSpPr txBox="1"/>
+          <p:nvPr/>
+        </p:nvSpPr>
+        <p:spPr>
+          <a:xfrm>
+            <a:off x="1016000" y="5307112"/>
+            <a:ext cx="2131404" cy="368969"/>
+          </a:xfrm>
+          <a:prstGeom prst="rect">
+            <a:avLst/>
+          </a:prstGeom>
+          <a:noFill/>
+        </p:spPr>
+        <p:txBody>
+          <a:bodyPr wrap="square" rtlCol="0">
+            <a:spAutoFit/>
+          </a:bodyPr>
+          <a:lstStyle/>
+          <a:p>
+            <a:r>
+              <a:rPr lang="en-US" altLang="ko-KR" dirty="0"/>
+              <a:t>Z</a:t>
+            </a:r>
+            <a:r>
+              <a:rPr lang="ko-KR" altLang="en-US" dirty="0"/>
+              <a:t>점수 표준화 적용</a:t>
+            </a:r>
+          </a:p>
+        </p:txBody>
+      </p:sp>
+      <p:sp>
+        <p:nvSpPr>
+          <p:cNvPr id="12" name="TextBox 11">
+            <a:extLst>
+              <a:ext uri="{FF2B5EF4-FFF2-40B4-BE49-F238E27FC236}">
+                <a16:creationId xmlns:a16="http://schemas.microsoft.com/office/drawing/2014/main" id="{91DBADF8-A91F-4414-864C-1B892132C6E4}"/>
+              </a:ext>
+            </a:extLst>
+          </p:cNvPr>
+          <p:cNvSpPr txBox="1"/>
+          <p:nvPr/>
+        </p:nvSpPr>
+        <p:spPr>
+          <a:xfrm>
+            <a:off x="5190638" y="5307112"/>
+            <a:ext cx="2365194" cy="369332"/>
+          </a:xfrm>
+          <a:prstGeom prst="rect">
+            <a:avLst/>
+          </a:prstGeom>
+          <a:noFill/>
+        </p:spPr>
+        <p:txBody>
+          <a:bodyPr wrap="square" rtlCol="0">
+            <a:spAutoFit/>
+          </a:bodyPr>
+          <a:lstStyle/>
+          <a:p>
+            <a:r>
+              <a:rPr lang="en-US" altLang="ko-KR"/>
+              <a:t>Min-max </a:t>
+            </a:r>
+            <a:r>
+              <a:rPr lang="ko-KR" altLang="en-US" dirty="0"/>
+              <a:t>정규화 적용</a:t>
+            </a:r>
+          </a:p>
+        </p:txBody>
+      </p:sp>
+      <p:sp>
+        <p:nvSpPr>
+          <p:cNvPr id="13" name="TextBox 12">
+            <a:extLst>
+              <a:ext uri="{FF2B5EF4-FFF2-40B4-BE49-F238E27FC236}">
+                <a16:creationId xmlns:a16="http://schemas.microsoft.com/office/drawing/2014/main" id="{B3E81E12-DB45-47C1-A132-50A91BD2D153}"/>
+              </a:ext>
+            </a:extLst>
+          </p:cNvPr>
+          <p:cNvSpPr txBox="1"/>
+          <p:nvPr/>
+        </p:nvSpPr>
+        <p:spPr>
+          <a:xfrm>
+            <a:off x="9891902" y="5307112"/>
+            <a:ext cx="1284098" cy="368969"/>
+          </a:xfrm>
+          <a:prstGeom prst="rect">
+            <a:avLst/>
+          </a:prstGeom>
+          <a:noFill/>
+        </p:spPr>
+        <p:txBody>
+          <a:bodyPr wrap="square" rtlCol="0">
+            <a:spAutoFit/>
+          </a:bodyPr>
+          <a:lstStyle/>
+          <a:p>
+            <a:r>
+              <a:rPr lang="en-US" altLang="ko-KR" dirty="0"/>
+              <a:t>PCA </a:t>
+            </a:r>
+            <a:r>
+              <a:rPr lang="ko-KR" altLang="en-US" dirty="0"/>
+              <a:t>적용</a:t>
+            </a:r>
+          </a:p>
+        </p:txBody>
+      </p:sp>
+      <p:sp>
+        <p:nvSpPr>
+          <p:cNvPr id="14" name="TextBox 13">
+            <a:extLst>
+              <a:ext uri="{FF2B5EF4-FFF2-40B4-BE49-F238E27FC236}">
+                <a16:creationId xmlns:a16="http://schemas.microsoft.com/office/drawing/2014/main" id="{834EFBE5-B2A7-4F90-996A-3D600244BED7}"/>
+              </a:ext>
+            </a:extLst>
+          </p:cNvPr>
+          <p:cNvSpPr txBox="1"/>
+          <p:nvPr/>
+        </p:nvSpPr>
+        <p:spPr>
+          <a:xfrm>
+            <a:off x="177640" y="1349216"/>
+            <a:ext cx="8406063" cy="1200329"/>
+          </a:xfrm>
+          <a:prstGeom prst="rect">
+            <a:avLst/>
+          </a:prstGeom>
+          <a:noFill/>
+        </p:spPr>
+        <p:txBody>
+          <a:bodyPr wrap="square" rtlCol="0">
+            <a:spAutoFit/>
+          </a:bodyPr>
+          <a:lstStyle/>
+          <a:p>
+            <a:r>
+              <a:rPr lang="en-US" altLang="ko-KR" dirty="0"/>
+              <a:t>Elbow </a:t>
+            </a:r>
+            <a:r>
+              <a:rPr lang="ko-KR" altLang="en-US" dirty="0"/>
+              <a:t>기법</a:t>
+            </a:r>
+            <a:endParaRPr lang="en-US" altLang="ko-KR" dirty="0"/>
+          </a:p>
+          <a:p>
+            <a:pPr marL="285750" indent="-285750">
+              <a:buFontTx/>
+              <a:buChar char="-"/>
+            </a:pPr>
+            <a:r>
+              <a:rPr lang="ko-KR" altLang="en-US" dirty="0"/>
+              <a:t>각 중심점에서 해당 클러스터 내의 점까지 거리 합산한 값으로 측정</a:t>
+            </a:r>
+            <a:endParaRPr lang="en-US" altLang="ko-KR" dirty="0"/>
+          </a:p>
+          <a:p>
+            <a:pPr marL="285750" indent="-285750">
+              <a:buFontTx/>
+              <a:buChar char="-"/>
+            </a:pPr>
+            <a:r>
+              <a:rPr lang="ko-KR" altLang="en-US" dirty="0"/>
+              <a:t>값이 작을 수록 잘 </a:t>
+            </a:r>
+            <a:r>
+              <a:rPr lang="ko-KR" altLang="en-US" dirty="0" err="1"/>
+              <a:t>뭉쳐있음</a:t>
+            </a:r>
+            <a:endParaRPr lang="en-US" altLang="ko-KR" dirty="0"/>
+          </a:p>
+          <a:p>
+            <a:pPr marL="285750" indent="-285750">
+              <a:buFontTx/>
+              <a:buChar char="-"/>
+            </a:pPr>
+            <a:r>
+              <a:rPr lang="ko-KR" altLang="en-US" dirty="0"/>
+              <a:t>팔꿈치</a:t>
+            </a:r>
+            <a:r>
+              <a:rPr lang="en-US" altLang="ko-KR" dirty="0"/>
+              <a:t>(Elbow)</a:t>
+            </a:r>
+            <a:r>
+              <a:rPr lang="ko-KR" altLang="en-US" dirty="0"/>
+              <a:t>부분이 잘 형성된 곳을 군집화 개수로 지정</a:t>
+            </a:r>
+          </a:p>
+        </p:txBody>
+      </p:sp>
+    </p:spTree>
+    <p:extLst>
+      <p:ext uri="{BB962C8B-B14F-4D97-AF65-F5344CB8AC3E}">
+        <p14:creationId xmlns:p14="http://schemas.microsoft.com/office/powerpoint/2010/main" val="310800277"/>
+      </p:ext>
+    </p:extLst>
+  </p:cSld>
+  <p:clrMapOvr>
+    <a:masterClrMapping/>
+  </p:clrMapOvr>
+  <mc:AlternateContent xmlns:mc="http://schemas.openxmlformats.org/markup-compatibility/2006" xmlns:p14="http://schemas.microsoft.com/office/powerpoint/2010/main">
+    <mc:Choice Requires="p14">
+      <p:transition spd="med" p14:dur="700">
+        <p:fade/>
+      </p:transition>
+    </mc:Choice>
+    <mc:Fallback xmlns="">
+      <p:transition spd="med">
+        <p:fade/>
+      </p:transition>
+    </mc:Fallback>
+  </mc:AlternateContent>
+</p:sld>
+</file>
+
+<file path=ppt/slides/slide15.xml><?xml version="1.0" encoding="utf-8"?>
+<p:sld xmlns:a="http://schemas.openxmlformats.org/drawingml/2006/main" xmlns:r="http://schemas.openxmlformats.org/officeDocument/2006/relationships" xmlns:p="http://schemas.openxmlformats.org/presentationml/2006/main">
+  <p:cSld>
+    <p:spTree>
+      <p:nvGrpSpPr>
+        <p:cNvPr id="1" name=""/>
+        <p:cNvGrpSpPr/>
+        <p:nvPr/>
+      </p:nvGrpSpPr>
+      <p:grpSpPr>
+        <a:xfrm>
+          <a:off x="0" y="0"/>
+          <a:ext cx="0" cy="0"/>
+          <a:chOff x="0" y="0"/>
+          <a:chExt cx="0" cy="0"/>
+        </a:xfrm>
+      </p:grpSpPr>
+      <p:sp>
+        <p:nvSpPr>
+          <p:cNvPr id="2" name="제목 1">
+            <a:extLst>
+              <a:ext uri="{FF2B5EF4-FFF2-40B4-BE49-F238E27FC236}">
+                <a16:creationId xmlns:a16="http://schemas.microsoft.com/office/drawing/2014/main" id="{D39C04F3-4F9C-4A62-A63C-CD1D127A7F8A}"/>
+              </a:ext>
+            </a:extLst>
+          </p:cNvPr>
+          <p:cNvSpPr>
+            <a:spLocks noGrp="1"/>
+          </p:cNvSpPr>
+          <p:nvPr>
+            <p:ph type="title"/>
+          </p:nvPr>
+        </p:nvSpPr>
+        <p:spPr/>
+        <p:txBody>
+          <a:bodyPr/>
+          <a:lstStyle/>
+          <a:p>
+            <a:r>
+              <a:rPr lang="ko-KR" altLang="en-US" dirty="0"/>
+              <a:t>모델</a:t>
+            </a:r>
+          </a:p>
+        </p:txBody>
+      </p:sp>
+      <p:sp>
+        <p:nvSpPr>
+          <p:cNvPr id="3" name="텍스트 개체 틀 2">
+            <a:extLst>
+              <a:ext uri="{FF2B5EF4-FFF2-40B4-BE49-F238E27FC236}">
+                <a16:creationId xmlns:a16="http://schemas.microsoft.com/office/drawing/2014/main" id="{3FC47F95-100B-4C55-AC59-C9BCD300A65D}"/>
+              </a:ext>
+            </a:extLst>
+          </p:cNvPr>
+          <p:cNvSpPr>
+            <a:spLocks noGrp="1"/>
+          </p:cNvSpPr>
+          <p:nvPr>
+            <p:ph type="body" sz="quarter" idx="13"/>
+          </p:nvPr>
+        </p:nvSpPr>
+        <p:spPr/>
+        <p:txBody>
+          <a:bodyPr/>
+          <a:lstStyle/>
+          <a:p>
+            <a:endParaRPr lang="ko-KR" altLang="en-US"/>
+          </a:p>
+        </p:txBody>
+      </p:sp>
+      <p:sp>
+        <p:nvSpPr>
+          <p:cNvPr id="15" name="TextBox 14">
+            <a:extLst>
+              <a:ext uri="{FF2B5EF4-FFF2-40B4-BE49-F238E27FC236}">
+                <a16:creationId xmlns:a16="http://schemas.microsoft.com/office/drawing/2014/main" id="{0E78397C-62BC-40AA-A1DB-FCBE604F6624}"/>
+              </a:ext>
+            </a:extLst>
+          </p:cNvPr>
+          <p:cNvSpPr txBox="1"/>
+          <p:nvPr/>
+        </p:nvSpPr>
+        <p:spPr>
+          <a:xfrm>
+            <a:off x="641684" y="1387763"/>
+            <a:ext cx="8406063" cy="923330"/>
+          </a:xfrm>
+          <a:prstGeom prst="rect">
+            <a:avLst/>
+          </a:prstGeom>
+          <a:noFill/>
+        </p:spPr>
+        <p:txBody>
+          <a:bodyPr wrap="square" rtlCol="0">
+            <a:spAutoFit/>
+          </a:bodyPr>
+          <a:lstStyle/>
+          <a:p>
+            <a:r>
+              <a:rPr lang="ko-KR" altLang="en-US" dirty="0"/>
+              <a:t>실루엣 계수</a:t>
+            </a:r>
+            <a:endParaRPr lang="en-US" altLang="ko-KR" dirty="0"/>
+          </a:p>
+          <a:p>
+            <a:pPr marL="285750" indent="-285750">
+              <a:buFontTx/>
+              <a:buChar char="-"/>
+            </a:pPr>
+            <a:r>
+              <a:rPr lang="ko-KR" altLang="en-US" dirty="0"/>
+              <a:t>같은 클러스터의 데이터가 다른 클러스터의 데이터보다 가까운 정도</a:t>
+            </a:r>
+            <a:endParaRPr lang="en-US" altLang="ko-KR" dirty="0"/>
+          </a:p>
+          <a:p>
+            <a:pPr marL="285750" indent="-285750">
+              <a:buFontTx/>
+              <a:buChar char="-"/>
+            </a:pPr>
+            <a:r>
+              <a:rPr lang="en-US" altLang="ko-KR" dirty="0"/>
+              <a:t>1</a:t>
+            </a:r>
+            <a:r>
+              <a:rPr lang="ko-KR" altLang="en-US" dirty="0"/>
+              <a:t>에 가까울 수록 </a:t>
+            </a:r>
+            <a:r>
+              <a:rPr lang="ko-KR" altLang="en-US" dirty="0" err="1"/>
+              <a:t>클러스트끼리</a:t>
+            </a:r>
+            <a:r>
+              <a:rPr lang="ko-KR" altLang="en-US" dirty="0"/>
+              <a:t> 잘 </a:t>
+            </a:r>
+            <a:r>
+              <a:rPr lang="ko-KR" altLang="en-US" dirty="0" err="1"/>
+              <a:t>뭉쳐있음</a:t>
+            </a:r>
+            <a:endParaRPr lang="ko-KR" altLang="en-US" dirty="0"/>
+          </a:p>
+        </p:txBody>
+      </p:sp>
+      <p:pic>
+        <p:nvPicPr>
+          <p:cNvPr id="5" name="그림 4">
+            <a:extLst>
+              <a:ext uri="{FF2B5EF4-FFF2-40B4-BE49-F238E27FC236}">
+                <a16:creationId xmlns:a16="http://schemas.microsoft.com/office/drawing/2014/main" id="{8AC744AA-739F-43DB-BF65-90068CE65DDD}"/>
+              </a:ext>
+            </a:extLst>
+          </p:cNvPr>
+          <p:cNvPicPr>
+            <a:picLocks noChangeAspect="1"/>
+          </p:cNvPicPr>
+          <p:nvPr/>
+        </p:nvPicPr>
+        <p:blipFill rotWithShape="1">
+          <a:blip r:embed="rId2">
+            <a:extLst>
+              <a:ext uri="{28A0092B-C50C-407E-A947-70E740481C1C}">
+                <a14:useLocalDpi xmlns:a14="http://schemas.microsoft.com/office/drawing/2010/main" val="0"/>
+              </a:ext>
+            </a:extLst>
+          </a:blip>
+          <a:srcRect r="-1605" b="7270"/>
+          <a:stretch/>
+        </p:blipFill>
+        <p:spPr>
+          <a:xfrm>
+            <a:off x="158138" y="2483859"/>
+            <a:ext cx="3963486" cy="2579460"/>
+          </a:xfrm>
+          <a:prstGeom prst="rect">
+            <a:avLst/>
+          </a:prstGeom>
+        </p:spPr>
+      </p:pic>
+      <p:pic>
+        <p:nvPicPr>
+          <p:cNvPr id="9" name="그림 8">
+            <a:extLst>
+              <a:ext uri="{FF2B5EF4-FFF2-40B4-BE49-F238E27FC236}">
+                <a16:creationId xmlns:a16="http://schemas.microsoft.com/office/drawing/2014/main" id="{5649C74C-DD5C-4066-BE15-17EECEC2E5DE}"/>
+              </a:ext>
+            </a:extLst>
+          </p:cNvPr>
+          <p:cNvPicPr>
+            <a:picLocks noChangeAspect="1"/>
+          </p:cNvPicPr>
+          <p:nvPr/>
+        </p:nvPicPr>
+        <p:blipFill rotWithShape="1">
+          <a:blip r:embed="rId3">
+            <a:extLst>
+              <a:ext uri="{28A0092B-C50C-407E-A947-70E740481C1C}">
+                <a14:useLocalDpi xmlns:a14="http://schemas.microsoft.com/office/drawing/2010/main" val="0"/>
+              </a:ext>
+            </a:extLst>
+          </a:blip>
+          <a:srcRect b="4992"/>
+          <a:stretch/>
+        </p:blipFill>
+        <p:spPr>
+          <a:xfrm>
+            <a:off x="4148920" y="2483859"/>
+            <a:ext cx="3671248" cy="2579460"/>
+          </a:xfrm>
+          <a:prstGeom prst="rect">
+            <a:avLst/>
+          </a:prstGeom>
+        </p:spPr>
+      </p:pic>
+      <p:pic>
+        <p:nvPicPr>
+          <p:cNvPr id="20" name="그림 19">
+            <a:extLst>
+              <a:ext uri="{FF2B5EF4-FFF2-40B4-BE49-F238E27FC236}">
+                <a16:creationId xmlns:a16="http://schemas.microsoft.com/office/drawing/2014/main" id="{F6343569-84B7-457D-A9D2-CA7633C7B577}"/>
+              </a:ext>
+            </a:extLst>
+          </p:cNvPr>
+          <p:cNvPicPr>
+            <a:picLocks noChangeAspect="1"/>
+          </p:cNvPicPr>
+          <p:nvPr/>
+        </p:nvPicPr>
+        <p:blipFill rotWithShape="1">
+          <a:blip r:embed="rId4">
+            <a:extLst>
+              <a:ext uri="{28A0092B-C50C-407E-A947-70E740481C1C}">
+                <a14:useLocalDpi xmlns:a14="http://schemas.microsoft.com/office/drawing/2010/main" val="0"/>
+              </a:ext>
+            </a:extLst>
+          </a:blip>
+          <a:srcRect r="-62" b="7270"/>
+          <a:stretch/>
+        </p:blipFill>
+        <p:spPr>
+          <a:xfrm>
+            <a:off x="7950142" y="2483860"/>
+            <a:ext cx="3860808" cy="2579459"/>
+          </a:xfrm>
+          <a:prstGeom prst="rect">
+            <a:avLst/>
+          </a:prstGeom>
+        </p:spPr>
+      </p:pic>
+      <p:sp>
+        <p:nvSpPr>
+          <p:cNvPr id="21" name="TextBox 20">
+            <a:extLst>
+              <a:ext uri="{FF2B5EF4-FFF2-40B4-BE49-F238E27FC236}">
+                <a16:creationId xmlns:a16="http://schemas.microsoft.com/office/drawing/2014/main" id="{EE16AA11-60B6-406B-9221-56F457706240}"/>
+              </a:ext>
+            </a:extLst>
+          </p:cNvPr>
+          <p:cNvSpPr txBox="1"/>
+          <p:nvPr/>
+        </p:nvSpPr>
+        <p:spPr>
+          <a:xfrm>
+            <a:off x="1068531" y="5236085"/>
+            <a:ext cx="2142699" cy="646331"/>
+          </a:xfrm>
+          <a:prstGeom prst="rect">
+            <a:avLst/>
+          </a:prstGeom>
+          <a:noFill/>
+        </p:spPr>
+        <p:txBody>
+          <a:bodyPr wrap="square" rtlCol="0">
+            <a:spAutoFit/>
+          </a:bodyPr>
+          <a:lstStyle/>
+          <a:p>
+            <a:r>
+              <a:rPr lang="en-US" altLang="ko-KR" dirty="0"/>
+              <a:t>Min-max </a:t>
+            </a:r>
+            <a:r>
+              <a:rPr lang="ko-KR" altLang="en-US" dirty="0"/>
+              <a:t>정규화</a:t>
+            </a:r>
+            <a:endParaRPr lang="en-US" altLang="ko-KR" dirty="0"/>
+          </a:p>
+          <a:p>
+            <a:r>
+              <a:rPr lang="ko-KR" altLang="en-US" dirty="0"/>
+              <a:t>실루엣 계수</a:t>
+            </a:r>
+            <a:r>
+              <a:rPr lang="en-US" altLang="ko-KR" dirty="0"/>
+              <a:t> : 0.34</a:t>
+            </a:r>
+            <a:endParaRPr lang="ko-KR" altLang="en-US" dirty="0"/>
+          </a:p>
+        </p:txBody>
+      </p:sp>
+      <p:sp>
+        <p:nvSpPr>
+          <p:cNvPr id="22" name="TextBox 21">
+            <a:extLst>
+              <a:ext uri="{FF2B5EF4-FFF2-40B4-BE49-F238E27FC236}">
+                <a16:creationId xmlns:a16="http://schemas.microsoft.com/office/drawing/2014/main" id="{E872CA12-7732-4346-B1F5-B5AB667EE867}"/>
+              </a:ext>
+            </a:extLst>
+          </p:cNvPr>
+          <p:cNvSpPr txBox="1"/>
+          <p:nvPr/>
+        </p:nvSpPr>
+        <p:spPr>
+          <a:xfrm>
+            <a:off x="5024650" y="5236085"/>
+            <a:ext cx="2142699" cy="646331"/>
+          </a:xfrm>
+          <a:prstGeom prst="rect">
+            <a:avLst/>
+          </a:prstGeom>
+          <a:noFill/>
+        </p:spPr>
+        <p:txBody>
+          <a:bodyPr wrap="square" rtlCol="0">
+            <a:spAutoFit/>
+          </a:bodyPr>
+          <a:lstStyle/>
+          <a:p>
+            <a:r>
+              <a:rPr lang="en-US" altLang="ko-KR" dirty="0"/>
+              <a:t>PCA </a:t>
+            </a:r>
+          </a:p>
+          <a:p>
+            <a:r>
+              <a:rPr lang="ko-KR" altLang="en-US" dirty="0"/>
+              <a:t>실루엣 계수</a:t>
+            </a:r>
+            <a:r>
+              <a:rPr lang="en-US" altLang="ko-KR" dirty="0"/>
+              <a:t> : 0.45</a:t>
+            </a:r>
+            <a:endParaRPr lang="ko-KR" altLang="en-US" dirty="0"/>
+          </a:p>
+        </p:txBody>
+      </p:sp>
+      <p:sp>
+        <p:nvSpPr>
+          <p:cNvPr id="23" name="TextBox 22">
+            <a:extLst>
+              <a:ext uri="{FF2B5EF4-FFF2-40B4-BE49-F238E27FC236}">
+                <a16:creationId xmlns:a16="http://schemas.microsoft.com/office/drawing/2014/main" id="{6F49002F-D172-4BF6-97DA-FD978A19B907}"/>
+              </a:ext>
+            </a:extLst>
+          </p:cNvPr>
+          <p:cNvSpPr txBox="1"/>
+          <p:nvPr/>
+        </p:nvSpPr>
+        <p:spPr>
+          <a:xfrm>
+            <a:off x="9047747" y="5236085"/>
+            <a:ext cx="2142699" cy="646331"/>
+          </a:xfrm>
+          <a:prstGeom prst="rect">
+            <a:avLst/>
+          </a:prstGeom>
+          <a:noFill/>
+        </p:spPr>
+        <p:txBody>
+          <a:bodyPr wrap="square" rtlCol="0">
+            <a:spAutoFit/>
+          </a:bodyPr>
+          <a:lstStyle/>
+          <a:p>
+            <a:r>
+              <a:rPr lang="en-US" altLang="ko-KR" dirty="0"/>
+              <a:t>Z</a:t>
+            </a:r>
+            <a:r>
+              <a:rPr lang="ko-KR" altLang="en-US" dirty="0"/>
+              <a:t>점수 표준화 </a:t>
+            </a:r>
+            <a:r>
+              <a:rPr lang="en-US" altLang="ko-KR" dirty="0"/>
+              <a:t>:</a:t>
+            </a:r>
+          </a:p>
+          <a:p>
+            <a:r>
+              <a:rPr lang="ko-KR" altLang="en-US" dirty="0"/>
+              <a:t>실루엣 계수</a:t>
+            </a:r>
+            <a:r>
+              <a:rPr lang="en-US" altLang="ko-KR" dirty="0"/>
+              <a:t> : 0.42</a:t>
+            </a:r>
+            <a:endParaRPr lang="ko-KR" altLang="en-US" dirty="0"/>
+          </a:p>
+        </p:txBody>
+      </p:sp>
+      <p:sp>
+        <p:nvSpPr>
+          <p:cNvPr id="24" name="타원 23">
+            <a:extLst>
+              <a:ext uri="{FF2B5EF4-FFF2-40B4-BE49-F238E27FC236}">
+                <a16:creationId xmlns:a16="http://schemas.microsoft.com/office/drawing/2014/main" id="{DCF3C6F7-1429-4CEA-B9D8-042211433723}"/>
+              </a:ext>
+            </a:extLst>
+          </p:cNvPr>
+          <p:cNvSpPr/>
+          <p:nvPr/>
+        </p:nvSpPr>
+        <p:spPr>
+          <a:xfrm>
+            <a:off x="4135272" y="2311093"/>
+            <a:ext cx="3963486" cy="3774395"/>
+          </a:xfrm>
+          <a:prstGeom prst="ellipse">
+            <a:avLst/>
+          </a:prstGeom>
+        </p:spPr>
+        <p:style>
+          <a:lnRef idx="2">
+            <a:schemeClr val="accent1">
+              <a:shade val="50000"/>
+            </a:schemeClr>
+          </a:lnRef>
+          <a:fillRef idx="1">
+            <a:schemeClr val="accent1"/>
+          </a:fillRef>
+          <a:effectRef idx="0">
+            <a:schemeClr val="accent1"/>
+          </a:effectRef>
+          <a:fontRef idx="minor">
+            <a:schemeClr val="lt1"/>
+          </a:fontRef>
+        </p:style>
+        <p:txBody>
+          <a:bodyPr rtlCol="0" anchor="ctr"/>
+          <a:lstStyle/>
+          <a:p>
+            <a:pPr algn="ctr"/>
+            <a:endParaRPr lang="ko-KR" altLang="en-US"/>
+          </a:p>
+        </p:txBody>
+      </p:sp>
+    </p:spTree>
+    <p:extLst>
+      <p:ext uri="{BB962C8B-B14F-4D97-AF65-F5344CB8AC3E}">
+        <p14:creationId xmlns:p14="http://schemas.microsoft.com/office/powerpoint/2010/main" val="3458531740"/>
+      </p:ext>
+    </p:extLst>
+  </p:cSld>
+  <p:clrMapOvr>
+    <a:masterClrMapping/>
+  </p:clrMapOvr>
+  <mc:AlternateContent xmlns:mc="http://schemas.openxmlformats.org/markup-compatibility/2006" xmlns:p14="http://schemas.microsoft.com/office/powerpoint/2010/main">
+    <mc:Choice Requires="p14">
+      <p:transition spd="med" p14:dur="700">
+        <p:fade/>
+      </p:transition>
+    </mc:Choice>
+    <mc:Fallback xmlns="">
+      <p:transition spd="med">
+        <p:fade/>
+      </p:transition>
+    </mc:Fallback>
+  </mc:AlternateContent>
+</p:sld>
+</file>
+
+<file path=ppt/slides/slide16.xml><?xml version="1.0" encoding="utf-8"?>
+<p:sld xmlns:a="http://schemas.openxmlformats.org/drawingml/2006/main" xmlns:r="http://schemas.openxmlformats.org/officeDocument/2006/relationships" xmlns:p="http://schemas.openxmlformats.org/presentationml/2006/main">
+  <p:cSld>
+    <p:spTree>
+      <p:nvGrpSpPr>
+        <p:cNvPr id="1" name=""/>
+        <p:cNvGrpSpPr/>
+        <p:nvPr/>
+      </p:nvGrpSpPr>
+      <p:grpSpPr>
+        <a:xfrm>
+          <a:off x="0" y="0"/>
+          <a:ext cx="0" cy="0"/>
+          <a:chOff x="0" y="0"/>
+          <a:chExt cx="0" cy="0"/>
+        </a:xfrm>
+      </p:grpSpPr>
+      <p:sp>
+        <p:nvSpPr>
+          <p:cNvPr id="2" name="제목 1">
+            <a:extLst>
+              <a:ext uri="{FF2B5EF4-FFF2-40B4-BE49-F238E27FC236}">
+                <a16:creationId xmlns:a16="http://schemas.microsoft.com/office/drawing/2014/main" id="{2B358EFC-E73D-46B8-BE84-2DD30B894FCC}"/>
+              </a:ext>
+            </a:extLst>
+          </p:cNvPr>
+          <p:cNvSpPr>
+            <a:spLocks noGrp="1"/>
+          </p:cNvSpPr>
+          <p:nvPr>
+            <p:ph type="title"/>
+          </p:nvPr>
+        </p:nvSpPr>
+        <p:spPr/>
+        <p:txBody>
+          <a:bodyPr/>
+          <a:lstStyle/>
+          <a:p>
+            <a:endParaRPr lang="ko-KR" altLang="en-US" dirty="0"/>
+          </a:p>
+        </p:txBody>
+      </p:sp>
+      <p:sp>
+        <p:nvSpPr>
+          <p:cNvPr id="3" name="텍스트 개체 틀 2">
+            <a:extLst>
+              <a:ext uri="{FF2B5EF4-FFF2-40B4-BE49-F238E27FC236}">
+                <a16:creationId xmlns:a16="http://schemas.microsoft.com/office/drawing/2014/main" id="{A1C6B3F4-E81E-4FE4-958A-2390FA3895A8}"/>
+              </a:ext>
+            </a:extLst>
+          </p:cNvPr>
+          <p:cNvSpPr>
+            <a:spLocks noGrp="1"/>
+          </p:cNvSpPr>
+          <p:nvPr>
+            <p:ph type="body" sz="quarter" idx="13"/>
+          </p:nvPr>
+        </p:nvSpPr>
+        <p:spPr/>
+        <p:txBody>
+          <a:bodyPr/>
+          <a:lstStyle/>
+          <a:p>
+            <a:endParaRPr lang="ko-KR" altLang="en-US"/>
+          </a:p>
+        </p:txBody>
+      </p:sp>
+      <p:pic>
+        <p:nvPicPr>
+          <p:cNvPr id="5" name="그림 4">
+            <a:extLst>
+              <a:ext uri="{FF2B5EF4-FFF2-40B4-BE49-F238E27FC236}">
+                <a16:creationId xmlns:a16="http://schemas.microsoft.com/office/drawing/2014/main" id="{53828ACD-1801-40AB-A165-5F5008D7E0E4}"/>
+              </a:ext>
+            </a:extLst>
+          </p:cNvPr>
+          <p:cNvPicPr>
+            <a:picLocks noChangeAspect="1"/>
+          </p:cNvPicPr>
+          <p:nvPr/>
+        </p:nvPicPr>
+        <p:blipFill>
+          <a:blip r:embed="rId2">
+            <a:extLst>
+              <a:ext uri="{28A0092B-C50C-407E-A947-70E740481C1C}">
+                <a14:useLocalDpi xmlns:a14="http://schemas.microsoft.com/office/drawing/2010/main" val="0"/>
+              </a:ext>
+            </a:extLst>
+          </a:blip>
+          <a:stretch>
+            <a:fillRect/>
+          </a:stretch>
+        </p:blipFill>
+        <p:spPr>
+          <a:xfrm>
+            <a:off x="5405289" y="1960185"/>
+            <a:ext cx="4153480" cy="2695951"/>
+          </a:xfrm>
+          <a:prstGeom prst="rect">
+            <a:avLst/>
+          </a:prstGeom>
+        </p:spPr>
+      </p:pic>
+      <p:pic>
+        <p:nvPicPr>
+          <p:cNvPr id="7" name="그림 6">
+            <a:extLst>
+              <a:ext uri="{FF2B5EF4-FFF2-40B4-BE49-F238E27FC236}">
+                <a16:creationId xmlns:a16="http://schemas.microsoft.com/office/drawing/2014/main" id="{8B265905-8069-4718-93FB-A544E08ED6BF}"/>
+              </a:ext>
+            </a:extLst>
+          </p:cNvPr>
+          <p:cNvPicPr>
+            <a:picLocks noChangeAspect="1"/>
+          </p:cNvPicPr>
+          <p:nvPr/>
+        </p:nvPicPr>
+        <p:blipFill>
+          <a:blip r:embed="rId3">
+            <a:extLst>
+              <a:ext uri="{28A0092B-C50C-407E-A947-70E740481C1C}">
+                <a14:useLocalDpi xmlns:a14="http://schemas.microsoft.com/office/drawing/2010/main" val="0"/>
+              </a:ext>
+            </a:extLst>
+          </a:blip>
+          <a:stretch>
+            <a:fillRect/>
+          </a:stretch>
+        </p:blipFill>
+        <p:spPr>
+          <a:xfrm>
+            <a:off x="530753" y="1960185"/>
+            <a:ext cx="4220164" cy="2715004"/>
+          </a:xfrm>
+          <a:prstGeom prst="rect">
+            <a:avLst/>
+          </a:prstGeom>
+        </p:spPr>
+      </p:pic>
+      <p:sp>
+        <p:nvSpPr>
+          <p:cNvPr id="8" name="TextBox 7">
+            <a:extLst>
+              <a:ext uri="{FF2B5EF4-FFF2-40B4-BE49-F238E27FC236}">
+                <a16:creationId xmlns:a16="http://schemas.microsoft.com/office/drawing/2014/main" id="{5ADEDA48-E663-4617-B0F8-BB455F9FD98B}"/>
+              </a:ext>
+            </a:extLst>
+          </p:cNvPr>
+          <p:cNvSpPr txBox="1"/>
+          <p:nvPr/>
+        </p:nvSpPr>
+        <p:spPr>
+          <a:xfrm>
+            <a:off x="2232952" y="4816122"/>
+            <a:ext cx="815765" cy="369332"/>
+          </a:xfrm>
+          <a:prstGeom prst="rect">
+            <a:avLst/>
+          </a:prstGeom>
+          <a:noFill/>
+        </p:spPr>
+        <p:txBody>
+          <a:bodyPr wrap="square" rtlCol="0">
+            <a:spAutoFit/>
+          </a:bodyPr>
+          <a:lstStyle/>
+          <a:p>
+            <a:r>
+              <a:rPr lang="en-US" altLang="ko-KR" dirty="0"/>
+              <a:t>K = 3</a:t>
+            </a:r>
+            <a:endParaRPr lang="ko-KR" altLang="en-US" dirty="0"/>
+          </a:p>
+        </p:txBody>
+      </p:sp>
+      <p:sp>
+        <p:nvSpPr>
+          <p:cNvPr id="9" name="TextBox 8">
+            <a:extLst>
+              <a:ext uri="{FF2B5EF4-FFF2-40B4-BE49-F238E27FC236}">
+                <a16:creationId xmlns:a16="http://schemas.microsoft.com/office/drawing/2014/main" id="{D6D913A1-AEA6-4A1B-89B5-57B23B2E7F8F}"/>
+              </a:ext>
+            </a:extLst>
+          </p:cNvPr>
+          <p:cNvSpPr txBox="1"/>
+          <p:nvPr/>
+        </p:nvSpPr>
+        <p:spPr>
+          <a:xfrm>
+            <a:off x="7074146" y="4816122"/>
+            <a:ext cx="815765" cy="369332"/>
+          </a:xfrm>
+          <a:prstGeom prst="rect">
+            <a:avLst/>
+          </a:prstGeom>
+          <a:noFill/>
+        </p:spPr>
+        <p:txBody>
+          <a:bodyPr wrap="square" rtlCol="0">
+            <a:spAutoFit/>
+          </a:bodyPr>
+          <a:lstStyle/>
+          <a:p>
+            <a:r>
+              <a:rPr lang="en-US" altLang="ko-KR" dirty="0"/>
+              <a:t>K = 4</a:t>
+            </a:r>
+            <a:endParaRPr lang="ko-KR" altLang="en-US" dirty="0"/>
+          </a:p>
+        </p:txBody>
+      </p:sp>
+      <p:sp>
+        <p:nvSpPr>
+          <p:cNvPr id="10" name="TextBox 9">
+            <a:extLst>
+              <a:ext uri="{FF2B5EF4-FFF2-40B4-BE49-F238E27FC236}">
+                <a16:creationId xmlns:a16="http://schemas.microsoft.com/office/drawing/2014/main" id="{3973A3BE-B456-4F75-9B32-A510363BD02B}"/>
+              </a:ext>
+            </a:extLst>
+          </p:cNvPr>
+          <p:cNvSpPr txBox="1"/>
+          <p:nvPr/>
+        </p:nvSpPr>
+        <p:spPr>
+          <a:xfrm>
+            <a:off x="530753" y="1313440"/>
+            <a:ext cx="2403516" cy="369332"/>
+          </a:xfrm>
+          <a:prstGeom prst="rect">
+            <a:avLst/>
+          </a:prstGeom>
+          <a:noFill/>
+        </p:spPr>
+        <p:txBody>
+          <a:bodyPr wrap="square" rtlCol="0">
+            <a:spAutoFit/>
+          </a:bodyPr>
+          <a:lstStyle/>
+          <a:p>
+            <a:r>
+              <a:rPr lang="ko-KR" altLang="en-US" dirty="0"/>
+              <a:t>군집 수 비교</a:t>
+            </a:r>
+          </a:p>
+        </p:txBody>
+      </p:sp>
+    </p:spTree>
+    <p:extLst>
+      <p:ext uri="{BB962C8B-B14F-4D97-AF65-F5344CB8AC3E}">
+        <p14:creationId xmlns:p14="http://schemas.microsoft.com/office/powerpoint/2010/main" val="4097537232"/>
+      </p:ext>
+    </p:extLst>
+  </p:cSld>
+  <p:clrMapOvr>
+    <a:masterClrMapping/>
+  </p:clrMapOvr>
+  <mc:AlternateContent xmlns:mc="http://schemas.openxmlformats.org/markup-compatibility/2006" xmlns:p14="http://schemas.microsoft.com/office/powerpoint/2010/main">
+    <mc:Choice Requires="p14">
+      <p:transition spd="med" p14:dur="700">
+        <p:fade/>
+      </p:transition>
+    </mc:Choice>
+    <mc:Fallback xmlns="">
+      <p:transition spd="med">
+        <p:fade/>
+      </p:transition>
+    </mc:Fallback>
+  </mc:AlternateContent>
+</p:sld>
+</file>
+
+<file path=ppt/slides/slide17.xml><?xml version="1.0" encoding="utf-8"?>
+<p:sld xmlns:a="http://schemas.openxmlformats.org/drawingml/2006/main" xmlns:r="http://schemas.openxmlformats.org/officeDocument/2006/relationships" xmlns:p="http://schemas.openxmlformats.org/presentationml/2006/main">
+  <p:cSld>
+    <p:spTree>
+      <p:nvGrpSpPr>
+        <p:cNvPr id="1" name=""/>
+        <p:cNvGrpSpPr/>
+        <p:nvPr/>
+      </p:nvGrpSpPr>
+      <p:grpSpPr>
+        <a:xfrm>
+          <a:off x="0" y="0"/>
+          <a:ext cx="0" cy="0"/>
+          <a:chOff x="0" y="0"/>
+          <a:chExt cx="0" cy="0"/>
+        </a:xfrm>
+      </p:grpSpPr>
+      <p:sp>
+        <p:nvSpPr>
+          <p:cNvPr id="2" name="제목 1">
+            <a:extLst>
+              <a:ext uri="{FF2B5EF4-FFF2-40B4-BE49-F238E27FC236}">
+                <a16:creationId xmlns:a16="http://schemas.microsoft.com/office/drawing/2014/main" id="{85B8FD81-61ED-4319-93FE-F1C78B31405A}"/>
+              </a:ext>
+            </a:extLst>
+          </p:cNvPr>
+          <p:cNvSpPr>
+            <a:spLocks noGrp="1"/>
+          </p:cNvSpPr>
+          <p:nvPr>
+            <p:ph type="title"/>
+          </p:nvPr>
+        </p:nvSpPr>
+        <p:spPr/>
+        <p:txBody>
+          <a:bodyPr/>
+          <a:lstStyle/>
+          <a:p>
+            <a:endParaRPr lang="ko-KR" altLang="en-US"/>
+          </a:p>
+        </p:txBody>
+      </p:sp>
+      <p:sp>
+        <p:nvSpPr>
+          <p:cNvPr id="3" name="텍스트 개체 틀 2">
+            <a:extLst>
+              <a:ext uri="{FF2B5EF4-FFF2-40B4-BE49-F238E27FC236}">
+                <a16:creationId xmlns:a16="http://schemas.microsoft.com/office/drawing/2014/main" id="{93FB05E4-1540-406A-A84F-C664044732E0}"/>
+              </a:ext>
+            </a:extLst>
+          </p:cNvPr>
+          <p:cNvSpPr>
+            <a:spLocks noGrp="1"/>
+          </p:cNvSpPr>
+          <p:nvPr>
+            <p:ph type="body" sz="quarter" idx="13"/>
+          </p:nvPr>
+        </p:nvSpPr>
+        <p:spPr/>
+        <p:txBody>
+          <a:bodyPr/>
+          <a:lstStyle/>
+          <a:p>
+            <a:endParaRPr lang="ko-KR" altLang="en-US"/>
+          </a:p>
+        </p:txBody>
+      </p:sp>
+      <p:sp>
+        <p:nvSpPr>
+          <p:cNvPr id="6" name="TextBox 5">
+            <a:extLst>
+              <a:ext uri="{FF2B5EF4-FFF2-40B4-BE49-F238E27FC236}">
+                <a16:creationId xmlns:a16="http://schemas.microsoft.com/office/drawing/2014/main" id="{3CC5044F-024D-4B64-B58A-8F7F41CB6164}"/>
+              </a:ext>
+            </a:extLst>
+          </p:cNvPr>
+          <p:cNvSpPr txBox="1"/>
+          <p:nvPr/>
+        </p:nvSpPr>
+        <p:spPr>
+          <a:xfrm>
+            <a:off x="409433" y="1398945"/>
+            <a:ext cx="3725839" cy="369332"/>
+          </a:xfrm>
+          <a:prstGeom prst="rect">
+            <a:avLst/>
+          </a:prstGeom>
+          <a:noFill/>
+        </p:spPr>
+        <p:txBody>
+          <a:bodyPr wrap="square" rtlCol="0">
+            <a:spAutoFit/>
+          </a:bodyPr>
+          <a:lstStyle/>
+          <a:p>
+            <a:r>
+              <a:rPr lang="en-US" altLang="ko-KR" dirty="0" err="1"/>
+              <a:t>GridSearchCV</a:t>
+            </a:r>
+            <a:r>
+              <a:rPr lang="ko-KR" altLang="en-US" dirty="0"/>
+              <a:t>를 활용한 모델 탐색</a:t>
+            </a:r>
+          </a:p>
+        </p:txBody>
+      </p:sp>
+      <p:sp>
+        <p:nvSpPr>
+          <p:cNvPr id="7" name="TextBox 6">
+            <a:extLst>
+              <a:ext uri="{FF2B5EF4-FFF2-40B4-BE49-F238E27FC236}">
+                <a16:creationId xmlns:a16="http://schemas.microsoft.com/office/drawing/2014/main" id="{C73343A2-FC82-4F0A-9C05-BB9972613F11}"/>
+              </a:ext>
+            </a:extLst>
+          </p:cNvPr>
+          <p:cNvSpPr txBox="1"/>
+          <p:nvPr/>
+        </p:nvSpPr>
+        <p:spPr>
+          <a:xfrm>
+            <a:off x="532266" y="2031206"/>
+            <a:ext cx="1817019" cy="369332"/>
+          </a:xfrm>
+          <a:prstGeom prst="rect">
+            <a:avLst/>
+          </a:prstGeom>
+          <a:noFill/>
+        </p:spPr>
+        <p:txBody>
+          <a:bodyPr wrap="square" rtlCol="0">
+            <a:spAutoFit/>
+          </a:bodyPr>
+          <a:lstStyle/>
+          <a:p>
+            <a:r>
+              <a:rPr lang="en-US" altLang="ko-KR" dirty="0" err="1"/>
+              <a:t>RandomForest</a:t>
+            </a:r>
+            <a:endParaRPr lang="ko-KR" altLang="en-US" dirty="0"/>
+          </a:p>
+        </p:txBody>
+      </p:sp>
+      <p:sp>
+        <p:nvSpPr>
+          <p:cNvPr id="8" name="TextBox 7">
+            <a:extLst>
+              <a:ext uri="{FF2B5EF4-FFF2-40B4-BE49-F238E27FC236}">
+                <a16:creationId xmlns:a16="http://schemas.microsoft.com/office/drawing/2014/main" id="{AAAC374E-BD82-4F95-9801-61BFDCDDA340}"/>
+              </a:ext>
+            </a:extLst>
+          </p:cNvPr>
+          <p:cNvSpPr txBox="1"/>
+          <p:nvPr/>
+        </p:nvSpPr>
+        <p:spPr>
+          <a:xfrm>
+            <a:off x="2429301" y="2031206"/>
+            <a:ext cx="1282887" cy="369332"/>
+          </a:xfrm>
+          <a:prstGeom prst="rect">
+            <a:avLst/>
+          </a:prstGeom>
+          <a:noFill/>
+        </p:spPr>
+        <p:txBody>
+          <a:bodyPr wrap="square" rtlCol="0">
+            <a:spAutoFit/>
+          </a:bodyPr>
+          <a:lstStyle/>
+          <a:p>
+            <a:r>
+              <a:rPr lang="en-US" altLang="ko-KR" dirty="0" err="1"/>
+              <a:t>XGBoost</a:t>
+            </a:r>
+            <a:endParaRPr lang="ko-KR" altLang="en-US" dirty="0"/>
+          </a:p>
+        </p:txBody>
+      </p:sp>
+      <p:sp>
+        <p:nvSpPr>
+          <p:cNvPr id="9" name="TextBox 8">
+            <a:extLst>
+              <a:ext uri="{FF2B5EF4-FFF2-40B4-BE49-F238E27FC236}">
+                <a16:creationId xmlns:a16="http://schemas.microsoft.com/office/drawing/2014/main" id="{252EC59E-58E3-463D-817F-5F8D831479BD}"/>
+              </a:ext>
+            </a:extLst>
+          </p:cNvPr>
+          <p:cNvSpPr txBox="1"/>
+          <p:nvPr/>
+        </p:nvSpPr>
+        <p:spPr>
+          <a:xfrm>
+            <a:off x="3628438" y="2031206"/>
+            <a:ext cx="1710824" cy="369332"/>
+          </a:xfrm>
+          <a:prstGeom prst="rect">
+            <a:avLst/>
+          </a:prstGeom>
+          <a:noFill/>
+        </p:spPr>
+        <p:txBody>
+          <a:bodyPr wrap="square" rtlCol="0">
+            <a:spAutoFit/>
+          </a:bodyPr>
+          <a:lstStyle/>
+          <a:p>
+            <a:r>
+              <a:rPr lang="en-US" altLang="ko-KR" dirty="0" err="1"/>
+              <a:t>GradianBoost</a:t>
+            </a:r>
+            <a:endParaRPr lang="ko-KR" altLang="en-US" dirty="0"/>
+          </a:p>
+        </p:txBody>
+      </p:sp>
+      <p:sp>
+        <p:nvSpPr>
+          <p:cNvPr id="10" name="TextBox 9">
+            <a:extLst>
+              <a:ext uri="{FF2B5EF4-FFF2-40B4-BE49-F238E27FC236}">
+                <a16:creationId xmlns:a16="http://schemas.microsoft.com/office/drawing/2014/main" id="{D140FF74-C72A-414D-AF1A-63F5DD71857F}"/>
+              </a:ext>
+            </a:extLst>
+          </p:cNvPr>
+          <p:cNvSpPr txBox="1"/>
+          <p:nvPr/>
+        </p:nvSpPr>
+        <p:spPr>
+          <a:xfrm>
+            <a:off x="5414424" y="2031206"/>
+            <a:ext cx="808952" cy="369332"/>
+          </a:xfrm>
+          <a:prstGeom prst="rect">
+            <a:avLst/>
+          </a:prstGeom>
+          <a:noFill/>
+        </p:spPr>
+        <p:txBody>
+          <a:bodyPr wrap="square" rtlCol="0">
+            <a:spAutoFit/>
+          </a:bodyPr>
+          <a:lstStyle/>
+          <a:p>
+            <a:r>
+              <a:rPr lang="en-US" altLang="ko-KR" dirty="0"/>
+              <a:t>SVC</a:t>
+            </a:r>
+            <a:endParaRPr lang="ko-KR" altLang="en-US" dirty="0"/>
+          </a:p>
+        </p:txBody>
+      </p:sp>
+      <p:graphicFrame>
+        <p:nvGraphicFramePr>
+          <p:cNvPr id="11" name="표 10">
+            <a:extLst>
+              <a:ext uri="{FF2B5EF4-FFF2-40B4-BE49-F238E27FC236}">
+                <a16:creationId xmlns:a16="http://schemas.microsoft.com/office/drawing/2014/main" id="{215D6CCC-4B89-438E-996C-423CEF5A4A48}"/>
+              </a:ext>
+            </a:extLst>
+          </p:cNvPr>
+          <p:cNvGraphicFramePr>
+            <a:graphicFrameLocks noGrp="1"/>
+          </p:cNvGraphicFramePr>
+          <p:nvPr>
+            <p:extLst>
+              <p:ext uri="{D42A27DB-BD31-4B8C-83A1-F6EECF244321}">
+                <p14:modId xmlns:p14="http://schemas.microsoft.com/office/powerpoint/2010/main" val="1102122340"/>
+              </p:ext>
+            </p:extLst>
+          </p:nvPr>
+        </p:nvGraphicFramePr>
+        <p:xfrm>
+          <a:off x="1538514" y="2924888"/>
+          <a:ext cx="9652649" cy="1174939"/>
+        </p:xfrm>
+        <a:graphic>
+          <a:graphicData uri="http://schemas.openxmlformats.org/drawingml/2006/table">
+            <a:tbl>
+              <a:tblPr firstRow="1" bandRow="1">
+                <a:tableStyleId>{5C22544A-7EE6-4342-B048-85BDC9FD1C3A}</a:tableStyleId>
+              </a:tblPr>
+              <a:tblGrid>
+                <a:gridCol w="1722163">
+                  <a:extLst>
+                    <a:ext uri="{9D8B030D-6E8A-4147-A177-3AD203B41FA5}">
+                      <a16:colId xmlns:a16="http://schemas.microsoft.com/office/drawing/2014/main" val="2609917266"/>
+                    </a:ext>
+                  </a:extLst>
+                </a:gridCol>
+                <a:gridCol w="1722163">
+                  <a:extLst>
+                    <a:ext uri="{9D8B030D-6E8A-4147-A177-3AD203B41FA5}">
+                      <a16:colId xmlns:a16="http://schemas.microsoft.com/office/drawing/2014/main" val="4212828052"/>
+                    </a:ext>
+                  </a:extLst>
+                </a:gridCol>
+                <a:gridCol w="2069441">
+                  <a:extLst>
+                    <a:ext uri="{9D8B030D-6E8A-4147-A177-3AD203B41FA5}">
+                      <a16:colId xmlns:a16="http://schemas.microsoft.com/office/drawing/2014/main" val="4151601302"/>
+                    </a:ext>
+                  </a:extLst>
+                </a:gridCol>
+                <a:gridCol w="2069441">
+                  <a:extLst>
+                    <a:ext uri="{9D8B030D-6E8A-4147-A177-3AD203B41FA5}">
+                      <a16:colId xmlns:a16="http://schemas.microsoft.com/office/drawing/2014/main" val="949333257"/>
+                    </a:ext>
+                  </a:extLst>
+                </a:gridCol>
+                <a:gridCol w="2069441">
+                  <a:extLst>
+                    <a:ext uri="{9D8B030D-6E8A-4147-A177-3AD203B41FA5}">
+                      <a16:colId xmlns:a16="http://schemas.microsoft.com/office/drawing/2014/main" val="1795505207"/>
+                    </a:ext>
+                  </a:extLst>
+                </a:gridCol>
+              </a:tblGrid>
+              <a:tr h="650825">
+                <a:tc>
+                  <a:txBody>
+                    <a:bodyPr/>
+                    <a:lstStyle/>
+                    <a:p>
+                      <a:pPr latinLnBrk="1"/>
+                      <a:r>
+                        <a:rPr lang="ko-KR" altLang="en-US" dirty="0"/>
+                        <a:t>모델</a:t>
+                      </a:r>
+                    </a:p>
+                  </a:txBody>
+                  <a:tcPr/>
+                </a:tc>
+                <a:tc>
+                  <a:txBody>
+                    <a:bodyPr/>
+                    <a:lstStyle/>
+                    <a:p>
+                      <a:pPr latinLnBrk="1"/>
+                      <a:r>
+                        <a:rPr lang="en-US" altLang="ko-KR" dirty="0" err="1"/>
+                        <a:t>RandomForest</a:t>
+                      </a:r>
+                      <a:endParaRPr lang="ko-KR" altLang="en-US" dirty="0"/>
+                    </a:p>
+                  </a:txBody>
+                  <a:tcPr/>
+                </a:tc>
+                <a:tc>
+                  <a:txBody>
+                    <a:bodyPr/>
+                    <a:lstStyle/>
+                    <a:p>
+                      <a:pPr marL="0" marR="0" lvl="0" indent="0" algn="l" defTabSz="914400" rtl="0" eaLnBrk="1" fontAlgn="auto" latinLnBrk="1" hangingPunct="1">
+                        <a:lnSpc>
+                          <a:spcPct val="100000"/>
+                        </a:lnSpc>
+                        <a:spcBef>
+                          <a:spcPts val="0"/>
+                        </a:spcBef>
+                        <a:spcAft>
+                          <a:spcPts val="0"/>
+                        </a:spcAft>
+                        <a:buClrTx/>
+                        <a:buSzTx/>
+                        <a:buFontTx/>
+                        <a:buNone/>
+                        <a:tabLst/>
+                        <a:defRPr/>
+                      </a:pPr>
+                      <a:r>
+                        <a:rPr lang="en-US" altLang="ko-KR" dirty="0" err="1"/>
+                        <a:t>XGBoost</a:t>
+                      </a:r>
+                      <a:endParaRPr lang="ko-KR" altLang="en-US" dirty="0"/>
+                    </a:p>
+                  </a:txBody>
+                  <a:tcPr/>
+                </a:tc>
+                <a:tc>
+                  <a:txBody>
+                    <a:bodyPr/>
+                    <a:lstStyle/>
+                    <a:p>
+                      <a:pPr marL="0" marR="0" lvl="0" indent="0" algn="l" defTabSz="914400" rtl="0" eaLnBrk="1" fontAlgn="auto" latinLnBrk="1" hangingPunct="1">
+                        <a:lnSpc>
+                          <a:spcPct val="100000"/>
+                        </a:lnSpc>
+                        <a:spcBef>
+                          <a:spcPts val="0"/>
+                        </a:spcBef>
+                        <a:spcAft>
+                          <a:spcPts val="0"/>
+                        </a:spcAft>
+                        <a:buClrTx/>
+                        <a:buSzTx/>
+                        <a:buFontTx/>
+                        <a:buNone/>
+                        <a:tabLst/>
+                        <a:defRPr/>
+                      </a:pPr>
+                      <a:r>
+                        <a:rPr lang="en-US" altLang="ko-KR" dirty="0" err="1"/>
+                        <a:t>GradianBoost</a:t>
+                      </a:r>
+                      <a:endParaRPr lang="ko-KR" altLang="en-US" dirty="0"/>
+                    </a:p>
+                  </a:txBody>
+                  <a:tcPr/>
+                </a:tc>
+                <a:tc>
+                  <a:txBody>
+                    <a:bodyPr/>
+                    <a:lstStyle/>
+                    <a:p>
+                      <a:pPr marL="0" marR="0" lvl="0" indent="0" algn="l" defTabSz="914400" rtl="0" eaLnBrk="1" fontAlgn="auto" latinLnBrk="1" hangingPunct="1">
+                        <a:lnSpc>
+                          <a:spcPct val="100000"/>
+                        </a:lnSpc>
+                        <a:spcBef>
+                          <a:spcPts val="0"/>
+                        </a:spcBef>
+                        <a:spcAft>
+                          <a:spcPts val="0"/>
+                        </a:spcAft>
+                        <a:buClrTx/>
+                        <a:buSzTx/>
+                        <a:buFontTx/>
+                        <a:buNone/>
+                        <a:tabLst/>
+                        <a:defRPr/>
+                      </a:pPr>
+                      <a:r>
+                        <a:rPr lang="en-US" altLang="ko-KR" dirty="0"/>
+                        <a:t>SVC</a:t>
+                      </a:r>
+                      <a:endParaRPr lang="ko-KR" altLang="en-US" dirty="0"/>
+                    </a:p>
+                  </a:txBody>
+                  <a:tcPr/>
+                </a:tc>
+                <a:extLst>
+                  <a:ext uri="{0D108BD9-81ED-4DB2-BD59-A6C34878D82A}">
+                    <a16:rowId xmlns:a16="http://schemas.microsoft.com/office/drawing/2014/main" val="820854965"/>
+                  </a:ext>
+                </a:extLst>
+              </a:tr>
+              <a:tr h="524114">
+                <a:tc>
+                  <a:txBody>
+                    <a:bodyPr/>
+                    <a:lstStyle/>
+                    <a:p>
+                      <a:pPr latinLnBrk="1"/>
+                      <a:r>
+                        <a:rPr lang="ko-KR" altLang="en-US" dirty="0" err="1"/>
+                        <a:t>예측률</a:t>
+                      </a:r>
+                      <a:endParaRPr lang="ko-KR" altLang="en-US" dirty="0"/>
+                    </a:p>
+                  </a:txBody>
+                  <a:tcPr/>
+                </a:tc>
+                <a:tc>
+                  <a:txBody>
+                    <a:bodyPr/>
+                    <a:lstStyle/>
+                    <a:p>
+                      <a:pPr latinLnBrk="1"/>
+                      <a:r>
+                        <a:rPr lang="en-US" altLang="ko-KR" dirty="0"/>
+                        <a:t>0.865</a:t>
+                      </a:r>
+                      <a:endParaRPr lang="ko-KR" altLang="en-US" dirty="0"/>
+                    </a:p>
+                  </a:txBody>
+                  <a:tcPr/>
+                </a:tc>
+                <a:tc>
+                  <a:txBody>
+                    <a:bodyPr/>
+                    <a:lstStyle/>
+                    <a:p>
+                      <a:pPr latinLnBrk="1"/>
+                      <a:r>
+                        <a:rPr lang="en-US" altLang="ko-KR" dirty="0"/>
+                        <a:t>0.835</a:t>
+                      </a:r>
+                      <a:endParaRPr lang="ko-KR" altLang="en-US" dirty="0"/>
+                    </a:p>
+                  </a:txBody>
+                  <a:tcPr/>
+                </a:tc>
+                <a:tc>
+                  <a:txBody>
+                    <a:bodyPr/>
+                    <a:lstStyle/>
+                    <a:p>
+                      <a:pPr latinLnBrk="1"/>
+                      <a:r>
+                        <a:rPr lang="en-US" altLang="ko-KR" dirty="0"/>
+                        <a:t>0.415</a:t>
+                      </a:r>
+                      <a:endParaRPr lang="ko-KR" altLang="en-US" dirty="0"/>
+                    </a:p>
+                  </a:txBody>
+                  <a:tcPr/>
+                </a:tc>
+                <a:tc>
+                  <a:txBody>
+                    <a:bodyPr/>
+                    <a:lstStyle/>
+                    <a:p>
+                      <a:pPr latinLnBrk="1"/>
+                      <a:r>
+                        <a:rPr lang="en-US" altLang="ko-KR" dirty="0"/>
+                        <a:t>0.415</a:t>
+                      </a:r>
+                    </a:p>
+                  </a:txBody>
+                  <a:tcPr/>
+                </a:tc>
+                <a:extLst>
+                  <a:ext uri="{0D108BD9-81ED-4DB2-BD59-A6C34878D82A}">
+                    <a16:rowId xmlns:a16="http://schemas.microsoft.com/office/drawing/2014/main" val="1782034565"/>
+                  </a:ext>
+                </a:extLst>
+              </a:tr>
+            </a:tbl>
+          </a:graphicData>
+        </a:graphic>
+      </p:graphicFrame>
+      <p:sp>
+        <p:nvSpPr>
+          <p:cNvPr id="12" name="타원 11">
+            <a:extLst>
+              <a:ext uri="{FF2B5EF4-FFF2-40B4-BE49-F238E27FC236}">
+                <a16:creationId xmlns:a16="http://schemas.microsoft.com/office/drawing/2014/main" id="{021F883F-CF2C-4D73-ABD9-386C83533D83}"/>
+              </a:ext>
+            </a:extLst>
+          </p:cNvPr>
+          <p:cNvSpPr/>
+          <p:nvPr/>
+        </p:nvSpPr>
+        <p:spPr>
+          <a:xfrm>
+            <a:off x="2988860" y="2400538"/>
+            <a:ext cx="2047164" cy="1843916"/>
+          </a:xfrm>
+          <a:prstGeom prst="ellipse">
+            <a:avLst/>
+          </a:prstGeom>
+          <a:noFill/>
+        </p:spPr>
+        <p:style>
+          <a:lnRef idx="2">
+            <a:schemeClr val="accent1">
+              <a:shade val="50000"/>
+            </a:schemeClr>
+          </a:lnRef>
+          <a:fillRef idx="1">
+            <a:schemeClr val="accent1"/>
+          </a:fillRef>
+          <a:effectRef idx="0">
+            <a:schemeClr val="accent1"/>
+          </a:effectRef>
+          <a:fontRef idx="minor">
+            <a:schemeClr val="lt1"/>
+          </a:fontRef>
+        </p:style>
+        <p:txBody>
+          <a:bodyPr rtlCol="0" anchor="ctr"/>
+          <a:lstStyle/>
+          <a:p>
+            <a:pPr algn="ctr"/>
+            <a:endParaRPr lang="ko-KR" altLang="en-US"/>
+          </a:p>
+        </p:txBody>
+      </p:sp>
+    </p:spTree>
+    <p:extLst>
+      <p:ext uri="{BB962C8B-B14F-4D97-AF65-F5344CB8AC3E}">
+        <p14:creationId xmlns:p14="http://schemas.microsoft.com/office/powerpoint/2010/main" val="1948982357"/>
+      </p:ext>
+    </p:extLst>
+  </p:cSld>
+  <p:clrMapOvr>
+    <a:masterClrMapping/>
+  </p:clrMapOvr>
+  <mc:AlternateContent xmlns:mc="http://schemas.openxmlformats.org/markup-compatibility/2006" xmlns:p14="http://schemas.microsoft.com/office/powerpoint/2010/main">
+    <mc:Choice Requires="p14">
+      <p:transition spd="med" p14:dur="700">
+        <p:fade/>
+      </p:transition>
+    </mc:Choice>
+    <mc:Fallback xmlns="">
+      <p:transition spd="med">
+        <p:fade/>
+      </p:transition>
+    </mc:Fallback>
+  </mc:AlternateContent>
+</p:sld>
+</file>
+
+<file path=ppt/slides/slide18.xml><?xml version="1.0" encoding="utf-8"?>
+<p:sld xmlns:a="http://schemas.openxmlformats.org/drawingml/2006/main" xmlns:r="http://schemas.openxmlformats.org/officeDocument/2006/relationships" xmlns:p="http://schemas.openxmlformats.org/presentationml/2006/main">
+  <p:cSld>
+    <p:spTree>
+      <p:nvGrpSpPr>
+        <p:cNvPr id="1" name=""/>
+        <p:cNvGrpSpPr/>
+        <p:nvPr/>
+      </p:nvGrpSpPr>
+      <p:grpSpPr>
+        <a:xfrm>
+          <a:off x="0" y="0"/>
+          <a:ext cx="0" cy="0"/>
+          <a:chOff x="0" y="0"/>
+          <a:chExt cx="0" cy="0"/>
+        </a:xfrm>
+      </p:grpSpPr>
+      <p:sp>
+        <p:nvSpPr>
+          <p:cNvPr id="2" name="제목 1">
+            <a:extLst>
+              <a:ext uri="{FF2B5EF4-FFF2-40B4-BE49-F238E27FC236}">
+                <a16:creationId xmlns:a16="http://schemas.microsoft.com/office/drawing/2014/main" id="{F39D12D2-93D3-413A-B413-7256EEC2627B}"/>
+              </a:ext>
+            </a:extLst>
+          </p:cNvPr>
+          <p:cNvSpPr>
+            <a:spLocks noGrp="1"/>
+          </p:cNvSpPr>
+          <p:nvPr>
+            <p:ph type="title"/>
+          </p:nvPr>
+        </p:nvSpPr>
+        <p:spPr/>
+        <p:txBody>
+          <a:bodyPr/>
+          <a:lstStyle/>
+          <a:p>
+            <a:endParaRPr lang="ko-KR" altLang="en-US"/>
+          </a:p>
+        </p:txBody>
+      </p:sp>
+      <p:sp>
+        <p:nvSpPr>
+          <p:cNvPr id="3" name="텍스트 개체 틀 2">
+            <a:extLst>
+              <a:ext uri="{FF2B5EF4-FFF2-40B4-BE49-F238E27FC236}">
+                <a16:creationId xmlns:a16="http://schemas.microsoft.com/office/drawing/2014/main" id="{34071793-2B13-4B60-80F5-B51E2D8159F1}"/>
+              </a:ext>
+            </a:extLst>
+          </p:cNvPr>
+          <p:cNvSpPr>
+            <a:spLocks noGrp="1"/>
+          </p:cNvSpPr>
+          <p:nvPr>
+            <p:ph type="body" sz="quarter" idx="13"/>
+          </p:nvPr>
+        </p:nvSpPr>
+        <p:spPr/>
+        <p:txBody>
+          <a:bodyPr/>
+          <a:lstStyle/>
+          <a:p>
+            <a:endParaRPr lang="ko-KR" altLang="en-US"/>
+          </a:p>
+        </p:txBody>
+      </p:sp>
+      <p:pic>
+        <p:nvPicPr>
+          <p:cNvPr id="6" name="그림 5">
+            <a:extLst>
+              <a:ext uri="{FF2B5EF4-FFF2-40B4-BE49-F238E27FC236}">
+                <a16:creationId xmlns:a16="http://schemas.microsoft.com/office/drawing/2014/main" id="{8DB1DBEB-582A-4D7C-A254-08019FFBF803}"/>
+              </a:ext>
+            </a:extLst>
+          </p:cNvPr>
+          <p:cNvPicPr>
+            <a:picLocks noChangeAspect="1"/>
+          </p:cNvPicPr>
+          <p:nvPr/>
+        </p:nvPicPr>
+        <p:blipFill>
+          <a:blip r:embed="rId2"/>
+          <a:stretch>
+            <a:fillRect/>
+          </a:stretch>
+        </p:blipFill>
+        <p:spPr>
+          <a:xfrm>
+            <a:off x="620827" y="1136016"/>
+            <a:ext cx="10555173" cy="5706271"/>
+          </a:xfrm>
+          <a:prstGeom prst="rect">
+            <a:avLst/>
+          </a:prstGeom>
+        </p:spPr>
+      </p:pic>
+    </p:spTree>
+    <p:extLst>
+      <p:ext uri="{BB962C8B-B14F-4D97-AF65-F5344CB8AC3E}">
+        <p14:creationId xmlns:p14="http://schemas.microsoft.com/office/powerpoint/2010/main" val="4128570909"/>
+      </p:ext>
+    </p:extLst>
+  </p:cSld>
+  <p:clrMapOvr>
+    <a:masterClrMapping/>
+  </p:clrMapOvr>
+  <mc:AlternateContent xmlns:mc="http://schemas.openxmlformats.org/markup-compatibility/2006" xmlns:p14="http://schemas.microsoft.com/office/powerpoint/2010/main">
+    <mc:Choice Requires="p14">
+      <p:transition spd="med" p14:dur="700">
+        <p:fade/>
+      </p:transition>
+    </mc:Choice>
+    <mc:Fallback xmlns="">
+      <p:transition spd="med">
+        <p:fade/>
+      </p:transition>
+    </mc:Fallback>
+  </mc:AlternateContent>
+</p:sld>
+</file>
+
+<file path=ppt/slides/slide19.xml><?xml version="1.0" encoding="utf-8"?>
 <p:sld xmlns:a="http://schemas.openxmlformats.org/drawingml/2006/main" xmlns:r="http://schemas.openxmlformats.org/officeDocument/2006/relationships" xmlns:p="http://schemas.openxmlformats.org/presentationml/2006/main">
   <p:cSld>
     <p:spTree>
@@ -10779,7 +13996,1697 @@
 </p:sld>
 </file>
 
-<file path=ppt/slides/slide12.xml><?xml version="1.0" encoding="utf-8"?>
+<file path=ppt/slides/slide2.xml><?xml version="1.0" encoding="utf-8"?>
+<p:sld xmlns:a="http://schemas.openxmlformats.org/drawingml/2006/main" xmlns:r="http://schemas.openxmlformats.org/officeDocument/2006/relationships" xmlns:p="http://schemas.openxmlformats.org/presentationml/2006/main">
+  <p:cSld>
+    <p:spTree>
+      <p:nvGrpSpPr>
+        <p:cNvPr id="1" name=""/>
+        <p:cNvGrpSpPr/>
+        <p:nvPr/>
+      </p:nvGrpSpPr>
+      <p:grpSpPr>
+        <a:xfrm>
+          <a:off x="0" y="0"/>
+          <a:ext cx="0" cy="0"/>
+          <a:chOff x="0" y="0"/>
+          <a:chExt cx="0" cy="0"/>
+        </a:xfrm>
+      </p:grpSpPr>
+      <p:sp>
+        <p:nvSpPr>
+          <p:cNvPr id="22" name="제목 1"/>
+          <p:cNvSpPr>
+            <a:spLocks noGrp="1"/>
+          </p:cNvSpPr>
+          <p:nvPr>
+            <p:ph type="title"/>
+          </p:nvPr>
+        </p:nvSpPr>
+        <p:spPr>
+          <a:xfrm>
+            <a:off x="977900" y="330201"/>
+            <a:ext cx="2349500" cy="571500"/>
+          </a:xfrm>
+        </p:spPr>
+        <p:txBody>
+          <a:bodyPr/>
+          <a:lstStyle/>
+          <a:p>
+            <a:r>
+              <a:rPr lang="en-US" altLang="ko-KR" dirty="0"/>
+              <a:t>Index</a:t>
+            </a:r>
+            <a:endParaRPr lang="ko-KR" altLang="en-US" dirty="0"/>
+          </a:p>
+        </p:txBody>
+      </p:sp>
+      <p:sp>
+        <p:nvSpPr>
+          <p:cNvPr id="40" name="텍스트 개체 틀 5"/>
+          <p:cNvSpPr>
+            <a:spLocks noGrp="1"/>
+          </p:cNvSpPr>
+          <p:nvPr/>
+        </p:nvSpPr>
+        <p:spPr>
+          <a:xfrm>
+            <a:off x="6127103" y="1537651"/>
+            <a:ext cx="2798663" cy="981378"/>
+          </a:xfrm>
+          <a:prstGeom prst="rect">
+            <a:avLst/>
+          </a:prstGeom>
+        </p:spPr>
+        <p:txBody>
+          <a:bodyPr vert="horz" lIns="91440" tIns="45720" rIns="91440" bIns="45720" rtlCol="0">
+            <a:normAutofit/>
+          </a:bodyPr>
+          <a:lstStyle>
+            <a:lvl1pPr marL="0" indent="0" algn="l" defTabSz="914400" rtl="0" eaLnBrk="1" latinLnBrk="1" hangingPunct="1">
+              <a:lnSpc>
+                <a:spcPct val="90000"/>
+              </a:lnSpc>
+              <a:spcBef>
+                <a:spcPts val="1000"/>
+              </a:spcBef>
+              <a:buFont typeface="Arial" panose="020B0604020202020204" pitchFamily="34" charset="0"/>
+              <a:buNone/>
+              <a:defRPr sz="1200" b="1" i="0" kern="1200">
+                <a:solidFill>
+                  <a:srgbClr val="8B723C"/>
+                </a:solidFill>
+                <a:latin typeface="나눔고딕" panose="020D0604000000000000" pitchFamily="50" charset="-127"/>
+                <a:ea typeface="나눔고딕" panose="020D0604000000000000" pitchFamily="50" charset="-127"/>
+                <a:cs typeface="+mn-cs"/>
+              </a:defRPr>
+            </a:lvl1pPr>
+            <a:lvl2pPr marL="457200" indent="0" algn="l" defTabSz="914400" rtl="0" eaLnBrk="1" latinLnBrk="1" hangingPunct="1">
+              <a:lnSpc>
+                <a:spcPct val="90000"/>
+              </a:lnSpc>
+              <a:spcBef>
+                <a:spcPts val="500"/>
+              </a:spcBef>
+              <a:buFont typeface="Arial" panose="020B0604020202020204" pitchFamily="34" charset="0"/>
+              <a:buNone/>
+              <a:defRPr sz="2400" kern="1200">
+                <a:solidFill>
+                  <a:schemeClr val="tx1"/>
+                </a:solidFill>
+                <a:latin typeface="+mn-lt"/>
+                <a:ea typeface="+mn-ea"/>
+                <a:cs typeface="+mn-cs"/>
+              </a:defRPr>
+            </a:lvl2pPr>
+            <a:lvl3pPr marL="914400" indent="0" algn="l" defTabSz="914400" rtl="0" eaLnBrk="1" latinLnBrk="1" hangingPunct="1">
+              <a:lnSpc>
+                <a:spcPct val="90000"/>
+              </a:lnSpc>
+              <a:spcBef>
+                <a:spcPts val="500"/>
+              </a:spcBef>
+              <a:buFont typeface="Arial" panose="020B0604020202020204" pitchFamily="34" charset="0"/>
+              <a:buNone/>
+              <a:defRPr sz="2000" kern="1200">
+                <a:solidFill>
+                  <a:schemeClr val="tx1"/>
+                </a:solidFill>
+                <a:latin typeface="+mn-lt"/>
+                <a:ea typeface="+mn-ea"/>
+                <a:cs typeface="+mn-cs"/>
+              </a:defRPr>
+            </a:lvl3pPr>
+            <a:lvl4pPr marL="1371600" indent="0" algn="l" defTabSz="914400" rtl="0" eaLnBrk="1" latinLnBrk="1" hangingPunct="1">
+              <a:lnSpc>
+                <a:spcPct val="90000"/>
+              </a:lnSpc>
+              <a:spcBef>
+                <a:spcPts val="500"/>
+              </a:spcBef>
+              <a:buFont typeface="Arial" panose="020B0604020202020204" pitchFamily="34" charset="0"/>
+              <a:buNone/>
+              <a:defRPr sz="1800" kern="1200">
+                <a:solidFill>
+                  <a:schemeClr val="tx1"/>
+                </a:solidFill>
+                <a:latin typeface="+mn-lt"/>
+                <a:ea typeface="+mn-ea"/>
+                <a:cs typeface="+mn-cs"/>
+              </a:defRPr>
+            </a:lvl4pPr>
+            <a:lvl5pPr marL="1828800" indent="0" algn="l" defTabSz="914400" rtl="0" eaLnBrk="1" latinLnBrk="1" hangingPunct="1">
+              <a:lnSpc>
+                <a:spcPct val="90000"/>
+              </a:lnSpc>
+              <a:spcBef>
+                <a:spcPts val="500"/>
+              </a:spcBef>
+              <a:buFont typeface="Arial" panose="020B0604020202020204" pitchFamily="34" charset="0"/>
+              <a:buNone/>
+              <a:defRPr sz="1800" kern="1200">
+                <a:solidFill>
+                  <a:schemeClr val="tx1"/>
+                </a:solidFill>
+                <a:latin typeface="+mn-lt"/>
+                <a:ea typeface="+mn-ea"/>
+                <a:cs typeface="+mn-cs"/>
+              </a:defRPr>
+            </a:lvl5pPr>
+            <a:lvl6pPr marL="2514600" indent="-228600" algn="l" defTabSz="914400" rtl="0" eaLnBrk="1" latinLnBrk="1" hangingPunct="1">
+              <a:lnSpc>
+                <a:spcPct val="90000"/>
+              </a:lnSpc>
+              <a:spcBef>
+                <a:spcPts val="500"/>
+              </a:spcBef>
+              <a:buFont typeface="Arial" panose="020B0604020202020204" pitchFamily="34" charset="0"/>
+              <a:buChar char="•"/>
+              <a:defRPr sz="1800" kern="1200">
+                <a:solidFill>
+                  <a:schemeClr val="tx1"/>
+                </a:solidFill>
+                <a:latin typeface="+mn-lt"/>
+                <a:ea typeface="+mn-ea"/>
+                <a:cs typeface="+mn-cs"/>
+              </a:defRPr>
+            </a:lvl6pPr>
+            <a:lvl7pPr marL="2971800" indent="-228600" algn="l" defTabSz="914400" rtl="0" eaLnBrk="1" latinLnBrk="1" hangingPunct="1">
+              <a:lnSpc>
+                <a:spcPct val="90000"/>
+              </a:lnSpc>
+              <a:spcBef>
+                <a:spcPts val="500"/>
+              </a:spcBef>
+              <a:buFont typeface="Arial" panose="020B0604020202020204" pitchFamily="34" charset="0"/>
+              <a:buChar char="•"/>
+              <a:defRPr sz="1800" kern="1200">
+                <a:solidFill>
+                  <a:schemeClr val="tx1"/>
+                </a:solidFill>
+                <a:latin typeface="+mn-lt"/>
+                <a:ea typeface="+mn-ea"/>
+                <a:cs typeface="+mn-cs"/>
+              </a:defRPr>
+            </a:lvl7pPr>
+            <a:lvl8pPr marL="3429000" indent="-228600" algn="l" defTabSz="914400" rtl="0" eaLnBrk="1" latinLnBrk="1" hangingPunct="1">
+              <a:lnSpc>
+                <a:spcPct val="90000"/>
+              </a:lnSpc>
+              <a:spcBef>
+                <a:spcPts val="500"/>
+              </a:spcBef>
+              <a:buFont typeface="Arial" panose="020B0604020202020204" pitchFamily="34" charset="0"/>
+              <a:buChar char="•"/>
+              <a:defRPr sz="1800" kern="1200">
+                <a:solidFill>
+                  <a:schemeClr val="tx1"/>
+                </a:solidFill>
+                <a:latin typeface="+mn-lt"/>
+                <a:ea typeface="+mn-ea"/>
+                <a:cs typeface="+mn-cs"/>
+              </a:defRPr>
+            </a:lvl8pPr>
+            <a:lvl9pPr marL="3886200" indent="-228600" algn="l" defTabSz="914400" rtl="0" eaLnBrk="1" latinLnBrk="1" hangingPunct="1">
+              <a:lnSpc>
+                <a:spcPct val="90000"/>
+              </a:lnSpc>
+              <a:spcBef>
+                <a:spcPts val="500"/>
+              </a:spcBef>
+              <a:buFont typeface="Arial" panose="020B0604020202020204" pitchFamily="34" charset="0"/>
+              <a:buChar char="•"/>
+              <a:defRPr sz="1800" kern="1200">
+                <a:solidFill>
+                  <a:schemeClr val="tx1"/>
+                </a:solidFill>
+                <a:latin typeface="+mn-lt"/>
+                <a:ea typeface="+mn-ea"/>
+                <a:cs typeface="+mn-cs"/>
+              </a:defRPr>
+            </a:lvl9pPr>
+          </a:lstStyle>
+          <a:p>
+            <a:r>
+              <a:rPr lang="ko-KR" altLang="en-US" dirty="0"/>
+              <a:t>제주 쓰레기 양</a:t>
+            </a:r>
+            <a:endParaRPr lang="en-US" altLang="ko-KR" dirty="0"/>
+          </a:p>
+          <a:p>
+            <a:r>
+              <a:rPr lang="ko-KR" altLang="en-US" dirty="0"/>
+              <a:t>읍</a:t>
+            </a:r>
+            <a:r>
+              <a:rPr lang="en-US" altLang="ko-KR" dirty="0"/>
+              <a:t>,</a:t>
+            </a:r>
+            <a:r>
+              <a:rPr lang="ko-KR" altLang="en-US" dirty="0"/>
+              <a:t>면</a:t>
+            </a:r>
+            <a:r>
+              <a:rPr lang="en-US" altLang="ko-KR" dirty="0"/>
+              <a:t>,</a:t>
+            </a:r>
+            <a:r>
+              <a:rPr lang="ko-KR" altLang="en-US" dirty="0"/>
+              <a:t>동 별 군집화</a:t>
+            </a:r>
+          </a:p>
+        </p:txBody>
+      </p:sp>
+      <p:sp>
+        <p:nvSpPr>
+          <p:cNvPr id="41" name="텍스트 개체 틀 6"/>
+          <p:cNvSpPr>
+            <a:spLocks noGrp="1"/>
+          </p:cNvSpPr>
+          <p:nvPr/>
+        </p:nvSpPr>
+        <p:spPr>
+          <a:xfrm>
+            <a:off x="3146306" y="3890243"/>
+            <a:ext cx="2902802" cy="996179"/>
+          </a:xfrm>
+          <a:prstGeom prst="rect">
+            <a:avLst/>
+          </a:prstGeom>
+        </p:spPr>
+        <p:txBody>
+          <a:bodyPr vert="horz" lIns="91440" tIns="45720" rIns="91440" bIns="45720" rtlCol="0">
+            <a:normAutofit/>
+          </a:bodyPr>
+          <a:lstStyle>
+            <a:lvl1pPr marL="0" indent="0" algn="r" defTabSz="914400" rtl="0" eaLnBrk="1" latinLnBrk="1" hangingPunct="1">
+              <a:lnSpc>
+                <a:spcPct val="90000"/>
+              </a:lnSpc>
+              <a:spcBef>
+                <a:spcPts val="1000"/>
+              </a:spcBef>
+              <a:buFont typeface="Arial" panose="020B0604020202020204" pitchFamily="34" charset="0"/>
+              <a:buNone/>
+              <a:defRPr sz="1200" b="1" i="0" kern="1200">
+                <a:solidFill>
+                  <a:srgbClr val="8B723C"/>
+                </a:solidFill>
+                <a:latin typeface="나눔고딕" panose="020D0604000000000000" pitchFamily="50" charset="-127"/>
+                <a:ea typeface="나눔고딕" panose="020D0604000000000000" pitchFamily="50" charset="-127"/>
+                <a:cs typeface="+mn-cs"/>
+              </a:defRPr>
+            </a:lvl1pPr>
+            <a:lvl2pPr marL="457200" indent="0" algn="l" defTabSz="914400" rtl="0" eaLnBrk="1" latinLnBrk="1" hangingPunct="1">
+              <a:lnSpc>
+                <a:spcPct val="90000"/>
+              </a:lnSpc>
+              <a:spcBef>
+                <a:spcPts val="500"/>
+              </a:spcBef>
+              <a:buFont typeface="Arial" panose="020B0604020202020204" pitchFamily="34" charset="0"/>
+              <a:buNone/>
+              <a:defRPr sz="2400" kern="1200">
+                <a:solidFill>
+                  <a:schemeClr val="tx1"/>
+                </a:solidFill>
+                <a:latin typeface="+mn-lt"/>
+                <a:ea typeface="+mn-ea"/>
+                <a:cs typeface="+mn-cs"/>
+              </a:defRPr>
+            </a:lvl2pPr>
+            <a:lvl3pPr marL="914400" indent="0" algn="l" defTabSz="914400" rtl="0" eaLnBrk="1" latinLnBrk="1" hangingPunct="1">
+              <a:lnSpc>
+                <a:spcPct val="90000"/>
+              </a:lnSpc>
+              <a:spcBef>
+                <a:spcPts val="500"/>
+              </a:spcBef>
+              <a:buFont typeface="Arial" panose="020B0604020202020204" pitchFamily="34" charset="0"/>
+              <a:buNone/>
+              <a:defRPr sz="2000" kern="1200">
+                <a:solidFill>
+                  <a:schemeClr val="tx1"/>
+                </a:solidFill>
+                <a:latin typeface="+mn-lt"/>
+                <a:ea typeface="+mn-ea"/>
+                <a:cs typeface="+mn-cs"/>
+              </a:defRPr>
+            </a:lvl3pPr>
+            <a:lvl4pPr marL="1371600" indent="0" algn="l" defTabSz="914400" rtl="0" eaLnBrk="1" latinLnBrk="1" hangingPunct="1">
+              <a:lnSpc>
+                <a:spcPct val="90000"/>
+              </a:lnSpc>
+              <a:spcBef>
+                <a:spcPts val="500"/>
+              </a:spcBef>
+              <a:buFont typeface="Arial" panose="020B0604020202020204" pitchFamily="34" charset="0"/>
+              <a:buNone/>
+              <a:defRPr sz="1800" kern="1200">
+                <a:solidFill>
+                  <a:schemeClr val="tx1"/>
+                </a:solidFill>
+                <a:latin typeface="+mn-lt"/>
+                <a:ea typeface="+mn-ea"/>
+                <a:cs typeface="+mn-cs"/>
+              </a:defRPr>
+            </a:lvl4pPr>
+            <a:lvl5pPr marL="1828800" indent="0" algn="l" defTabSz="914400" rtl="0" eaLnBrk="1" latinLnBrk="1" hangingPunct="1">
+              <a:lnSpc>
+                <a:spcPct val="90000"/>
+              </a:lnSpc>
+              <a:spcBef>
+                <a:spcPts val="500"/>
+              </a:spcBef>
+              <a:buFont typeface="Arial" panose="020B0604020202020204" pitchFamily="34" charset="0"/>
+              <a:buNone/>
+              <a:defRPr sz="1800" kern="1200">
+                <a:solidFill>
+                  <a:schemeClr val="tx1"/>
+                </a:solidFill>
+                <a:latin typeface="+mn-lt"/>
+                <a:ea typeface="+mn-ea"/>
+                <a:cs typeface="+mn-cs"/>
+              </a:defRPr>
+            </a:lvl5pPr>
+            <a:lvl6pPr marL="2514600" indent="-228600" algn="l" defTabSz="914400" rtl="0" eaLnBrk="1" latinLnBrk="1" hangingPunct="1">
+              <a:lnSpc>
+                <a:spcPct val="90000"/>
+              </a:lnSpc>
+              <a:spcBef>
+                <a:spcPts val="500"/>
+              </a:spcBef>
+              <a:buFont typeface="Arial" panose="020B0604020202020204" pitchFamily="34" charset="0"/>
+              <a:buChar char="•"/>
+              <a:defRPr sz="1800" kern="1200">
+                <a:solidFill>
+                  <a:schemeClr val="tx1"/>
+                </a:solidFill>
+                <a:latin typeface="+mn-lt"/>
+                <a:ea typeface="+mn-ea"/>
+                <a:cs typeface="+mn-cs"/>
+              </a:defRPr>
+            </a:lvl6pPr>
+            <a:lvl7pPr marL="2971800" indent="-228600" algn="l" defTabSz="914400" rtl="0" eaLnBrk="1" latinLnBrk="1" hangingPunct="1">
+              <a:lnSpc>
+                <a:spcPct val="90000"/>
+              </a:lnSpc>
+              <a:spcBef>
+                <a:spcPts val="500"/>
+              </a:spcBef>
+              <a:buFont typeface="Arial" panose="020B0604020202020204" pitchFamily="34" charset="0"/>
+              <a:buChar char="•"/>
+              <a:defRPr sz="1800" kern="1200">
+                <a:solidFill>
+                  <a:schemeClr val="tx1"/>
+                </a:solidFill>
+                <a:latin typeface="+mn-lt"/>
+                <a:ea typeface="+mn-ea"/>
+                <a:cs typeface="+mn-cs"/>
+              </a:defRPr>
+            </a:lvl7pPr>
+            <a:lvl8pPr marL="3429000" indent="-228600" algn="l" defTabSz="914400" rtl="0" eaLnBrk="1" latinLnBrk="1" hangingPunct="1">
+              <a:lnSpc>
+                <a:spcPct val="90000"/>
+              </a:lnSpc>
+              <a:spcBef>
+                <a:spcPts val="500"/>
+              </a:spcBef>
+              <a:buFont typeface="Arial" panose="020B0604020202020204" pitchFamily="34" charset="0"/>
+              <a:buChar char="•"/>
+              <a:defRPr sz="1800" kern="1200">
+                <a:solidFill>
+                  <a:schemeClr val="tx1"/>
+                </a:solidFill>
+                <a:latin typeface="+mn-lt"/>
+                <a:ea typeface="+mn-ea"/>
+                <a:cs typeface="+mn-cs"/>
+              </a:defRPr>
+            </a:lvl8pPr>
+            <a:lvl9pPr marL="3886200" indent="-228600" algn="l" defTabSz="914400" rtl="0" eaLnBrk="1" latinLnBrk="1" hangingPunct="1">
+              <a:lnSpc>
+                <a:spcPct val="90000"/>
+              </a:lnSpc>
+              <a:spcBef>
+                <a:spcPts val="500"/>
+              </a:spcBef>
+              <a:buFont typeface="Arial" panose="020B0604020202020204" pitchFamily="34" charset="0"/>
+              <a:buChar char="•"/>
+              <a:defRPr sz="1800" kern="1200">
+                <a:solidFill>
+                  <a:schemeClr val="tx1"/>
+                </a:solidFill>
+                <a:latin typeface="+mn-lt"/>
+                <a:ea typeface="+mn-ea"/>
+                <a:cs typeface="+mn-cs"/>
+              </a:defRPr>
+            </a:lvl9pPr>
+          </a:lstStyle>
+          <a:p>
+            <a:r>
+              <a:rPr lang="ko-KR" altLang="en-US" dirty="0"/>
+              <a:t>내용을 입력하세요 내용을 입력하세요</a:t>
+            </a:r>
+          </a:p>
+          <a:p>
+            <a:r>
+              <a:rPr lang="ko-KR" altLang="en-US" dirty="0"/>
+              <a:t>내용을 입력하세요 내용을 입력하세요</a:t>
+            </a:r>
+          </a:p>
+          <a:p>
+            <a:r>
+              <a:rPr lang="ko-KR" altLang="en-US" dirty="0"/>
+              <a:t>내용을 입력하세요 내용을 입력하세요</a:t>
+            </a:r>
+          </a:p>
+          <a:p>
+            <a:endParaRPr lang="ko-KR" altLang="en-US" dirty="0"/>
+          </a:p>
+        </p:txBody>
+      </p:sp>
+      <p:sp>
+        <p:nvSpPr>
+          <p:cNvPr id="42" name="텍스트 개체 틀 7"/>
+          <p:cNvSpPr>
+            <a:spLocks noGrp="1"/>
+          </p:cNvSpPr>
+          <p:nvPr/>
+        </p:nvSpPr>
+        <p:spPr>
+          <a:xfrm>
+            <a:off x="2801418" y="2120507"/>
+            <a:ext cx="2902802" cy="996179"/>
+          </a:xfrm>
+          <a:prstGeom prst="rect">
+            <a:avLst/>
+          </a:prstGeom>
+        </p:spPr>
+        <p:txBody>
+          <a:bodyPr vert="horz" lIns="91440" tIns="45720" rIns="91440" bIns="45720" rtlCol="0">
+            <a:normAutofit/>
+          </a:bodyPr>
+          <a:lstStyle>
+            <a:lvl1pPr marL="0" indent="0" algn="r" defTabSz="914400" rtl="0" eaLnBrk="1" latinLnBrk="1" hangingPunct="1">
+              <a:lnSpc>
+                <a:spcPct val="90000"/>
+              </a:lnSpc>
+              <a:spcBef>
+                <a:spcPts val="1000"/>
+              </a:spcBef>
+              <a:buFont typeface="Arial" panose="020B0604020202020204" pitchFamily="34" charset="0"/>
+              <a:buNone/>
+              <a:defRPr sz="1200" b="1" i="0" kern="1200">
+                <a:solidFill>
+                  <a:srgbClr val="8B723C"/>
+                </a:solidFill>
+                <a:latin typeface="나눔고딕" panose="020D0604000000000000" pitchFamily="50" charset="-127"/>
+                <a:ea typeface="나눔고딕" panose="020D0604000000000000" pitchFamily="50" charset="-127"/>
+                <a:cs typeface="+mn-cs"/>
+              </a:defRPr>
+            </a:lvl1pPr>
+            <a:lvl2pPr marL="457200" indent="0" algn="l" defTabSz="914400" rtl="0" eaLnBrk="1" latinLnBrk="1" hangingPunct="1">
+              <a:lnSpc>
+                <a:spcPct val="90000"/>
+              </a:lnSpc>
+              <a:spcBef>
+                <a:spcPts val="500"/>
+              </a:spcBef>
+              <a:buFont typeface="Arial" panose="020B0604020202020204" pitchFamily="34" charset="0"/>
+              <a:buNone/>
+              <a:defRPr sz="2400" kern="1200">
+                <a:solidFill>
+                  <a:schemeClr val="tx1"/>
+                </a:solidFill>
+                <a:latin typeface="+mn-lt"/>
+                <a:ea typeface="+mn-ea"/>
+                <a:cs typeface="+mn-cs"/>
+              </a:defRPr>
+            </a:lvl2pPr>
+            <a:lvl3pPr marL="914400" indent="0" algn="l" defTabSz="914400" rtl="0" eaLnBrk="1" latinLnBrk="1" hangingPunct="1">
+              <a:lnSpc>
+                <a:spcPct val="90000"/>
+              </a:lnSpc>
+              <a:spcBef>
+                <a:spcPts val="500"/>
+              </a:spcBef>
+              <a:buFont typeface="Arial" panose="020B0604020202020204" pitchFamily="34" charset="0"/>
+              <a:buNone/>
+              <a:defRPr sz="2000" kern="1200">
+                <a:solidFill>
+                  <a:schemeClr val="tx1"/>
+                </a:solidFill>
+                <a:latin typeface="+mn-lt"/>
+                <a:ea typeface="+mn-ea"/>
+                <a:cs typeface="+mn-cs"/>
+              </a:defRPr>
+            </a:lvl3pPr>
+            <a:lvl4pPr marL="1371600" indent="0" algn="l" defTabSz="914400" rtl="0" eaLnBrk="1" latinLnBrk="1" hangingPunct="1">
+              <a:lnSpc>
+                <a:spcPct val="90000"/>
+              </a:lnSpc>
+              <a:spcBef>
+                <a:spcPts val="500"/>
+              </a:spcBef>
+              <a:buFont typeface="Arial" panose="020B0604020202020204" pitchFamily="34" charset="0"/>
+              <a:buNone/>
+              <a:defRPr sz="1800" kern="1200">
+                <a:solidFill>
+                  <a:schemeClr val="tx1"/>
+                </a:solidFill>
+                <a:latin typeface="+mn-lt"/>
+                <a:ea typeface="+mn-ea"/>
+                <a:cs typeface="+mn-cs"/>
+              </a:defRPr>
+            </a:lvl4pPr>
+            <a:lvl5pPr marL="1828800" indent="0" algn="l" defTabSz="914400" rtl="0" eaLnBrk="1" latinLnBrk="1" hangingPunct="1">
+              <a:lnSpc>
+                <a:spcPct val="90000"/>
+              </a:lnSpc>
+              <a:spcBef>
+                <a:spcPts val="500"/>
+              </a:spcBef>
+              <a:buFont typeface="Arial" panose="020B0604020202020204" pitchFamily="34" charset="0"/>
+              <a:buNone/>
+              <a:defRPr sz="1800" kern="1200">
+                <a:solidFill>
+                  <a:schemeClr val="tx1"/>
+                </a:solidFill>
+                <a:latin typeface="+mn-lt"/>
+                <a:ea typeface="+mn-ea"/>
+                <a:cs typeface="+mn-cs"/>
+              </a:defRPr>
+            </a:lvl5pPr>
+            <a:lvl6pPr marL="2514600" indent="-228600" algn="l" defTabSz="914400" rtl="0" eaLnBrk="1" latinLnBrk="1" hangingPunct="1">
+              <a:lnSpc>
+                <a:spcPct val="90000"/>
+              </a:lnSpc>
+              <a:spcBef>
+                <a:spcPts val="500"/>
+              </a:spcBef>
+              <a:buFont typeface="Arial" panose="020B0604020202020204" pitchFamily="34" charset="0"/>
+              <a:buChar char="•"/>
+              <a:defRPr sz="1800" kern="1200">
+                <a:solidFill>
+                  <a:schemeClr val="tx1"/>
+                </a:solidFill>
+                <a:latin typeface="+mn-lt"/>
+                <a:ea typeface="+mn-ea"/>
+                <a:cs typeface="+mn-cs"/>
+              </a:defRPr>
+            </a:lvl6pPr>
+            <a:lvl7pPr marL="2971800" indent="-228600" algn="l" defTabSz="914400" rtl="0" eaLnBrk="1" latinLnBrk="1" hangingPunct="1">
+              <a:lnSpc>
+                <a:spcPct val="90000"/>
+              </a:lnSpc>
+              <a:spcBef>
+                <a:spcPts val="500"/>
+              </a:spcBef>
+              <a:buFont typeface="Arial" panose="020B0604020202020204" pitchFamily="34" charset="0"/>
+              <a:buChar char="•"/>
+              <a:defRPr sz="1800" kern="1200">
+                <a:solidFill>
+                  <a:schemeClr val="tx1"/>
+                </a:solidFill>
+                <a:latin typeface="+mn-lt"/>
+                <a:ea typeface="+mn-ea"/>
+                <a:cs typeface="+mn-cs"/>
+              </a:defRPr>
+            </a:lvl7pPr>
+            <a:lvl8pPr marL="3429000" indent="-228600" algn="l" defTabSz="914400" rtl="0" eaLnBrk="1" latinLnBrk="1" hangingPunct="1">
+              <a:lnSpc>
+                <a:spcPct val="90000"/>
+              </a:lnSpc>
+              <a:spcBef>
+                <a:spcPts val="500"/>
+              </a:spcBef>
+              <a:buFont typeface="Arial" panose="020B0604020202020204" pitchFamily="34" charset="0"/>
+              <a:buChar char="•"/>
+              <a:defRPr sz="1800" kern="1200">
+                <a:solidFill>
+                  <a:schemeClr val="tx1"/>
+                </a:solidFill>
+                <a:latin typeface="+mn-lt"/>
+                <a:ea typeface="+mn-ea"/>
+                <a:cs typeface="+mn-cs"/>
+              </a:defRPr>
+            </a:lvl8pPr>
+            <a:lvl9pPr marL="3886200" indent="-228600" algn="l" defTabSz="914400" rtl="0" eaLnBrk="1" latinLnBrk="1" hangingPunct="1">
+              <a:lnSpc>
+                <a:spcPct val="90000"/>
+              </a:lnSpc>
+              <a:spcBef>
+                <a:spcPts val="500"/>
+              </a:spcBef>
+              <a:buFont typeface="Arial" panose="020B0604020202020204" pitchFamily="34" charset="0"/>
+              <a:buChar char="•"/>
+              <a:defRPr sz="1800" kern="1200">
+                <a:solidFill>
+                  <a:schemeClr val="tx1"/>
+                </a:solidFill>
+                <a:latin typeface="+mn-lt"/>
+                <a:ea typeface="+mn-ea"/>
+                <a:cs typeface="+mn-cs"/>
+              </a:defRPr>
+            </a:lvl9pPr>
+          </a:lstStyle>
+          <a:p>
+            <a:r>
+              <a:rPr lang="en-US" altLang="ko-KR" dirty="0"/>
+              <a:t>1</a:t>
+            </a:r>
+            <a:r>
+              <a:rPr lang="ko-KR" altLang="en-US" dirty="0"/>
+              <a:t>인</a:t>
+            </a:r>
+            <a:r>
+              <a:rPr lang="en-US" altLang="ko-KR" dirty="0"/>
+              <a:t> </a:t>
+            </a:r>
+            <a:r>
+              <a:rPr lang="ko-KR" altLang="en-US" dirty="0"/>
+              <a:t>쓰레기 배출 현황</a:t>
+            </a:r>
+            <a:endParaRPr lang="en-US" altLang="ko-KR" dirty="0"/>
+          </a:p>
+          <a:p>
+            <a:r>
+              <a:rPr lang="ko-KR" altLang="en-US" dirty="0"/>
+              <a:t>연도 쓰레기 배출 변화</a:t>
+            </a:r>
+          </a:p>
+          <a:p>
+            <a:r>
+              <a:rPr lang="ko-KR" altLang="en-US" dirty="0"/>
+              <a:t>재활용도움센터 필요성</a:t>
+            </a:r>
+          </a:p>
+        </p:txBody>
+      </p:sp>
+      <p:sp>
+        <p:nvSpPr>
+          <p:cNvPr id="43" name="텍스트 개체 틀 8"/>
+          <p:cNvSpPr>
+            <a:spLocks noGrp="1"/>
+          </p:cNvSpPr>
+          <p:nvPr/>
+        </p:nvSpPr>
+        <p:spPr>
+          <a:xfrm>
+            <a:off x="9116425" y="5438456"/>
+            <a:ext cx="1208673" cy="570382"/>
+          </a:xfrm>
+          <a:prstGeom prst="rect">
+            <a:avLst/>
+          </a:prstGeom>
+        </p:spPr>
+        <p:txBody>
+          <a:bodyPr vert="horz" lIns="91440" tIns="45720" rIns="91440" bIns="45720" rtlCol="0" anchor="ctr">
+            <a:noAutofit/>
+          </a:bodyPr>
+          <a:lstStyle>
+            <a:lvl1pPr marL="0" indent="0" algn="l" defTabSz="914400" rtl="0" eaLnBrk="1" latinLnBrk="1" hangingPunct="1">
+              <a:lnSpc>
+                <a:spcPct val="90000"/>
+              </a:lnSpc>
+              <a:spcBef>
+                <a:spcPts val="1000"/>
+              </a:spcBef>
+              <a:buFont typeface="Arial" panose="020B0604020202020204" pitchFamily="34" charset="0"/>
+              <a:buNone/>
+              <a:defRPr sz="2800" b="0" i="0" kern="1200">
+                <a:solidFill>
+                  <a:srgbClr val="8B723C"/>
+                </a:solidFill>
+                <a:latin typeface="210 하얀바람 B" panose="02020603020101020101" pitchFamily="18" charset="-127"/>
+                <a:ea typeface="210 하얀바람 B" panose="02020603020101020101" pitchFamily="18" charset="-127"/>
+                <a:cs typeface="+mn-cs"/>
+              </a:defRPr>
+            </a:lvl1pPr>
+            <a:lvl2pPr marL="457200" indent="0" algn="l" defTabSz="914400" rtl="0" eaLnBrk="1" latinLnBrk="1" hangingPunct="1">
+              <a:lnSpc>
+                <a:spcPct val="90000"/>
+              </a:lnSpc>
+              <a:spcBef>
+                <a:spcPts val="500"/>
+              </a:spcBef>
+              <a:buFont typeface="Arial" panose="020B0604020202020204" pitchFamily="34" charset="0"/>
+              <a:buNone/>
+              <a:defRPr sz="2400" kern="1200">
+                <a:solidFill>
+                  <a:schemeClr val="tx1"/>
+                </a:solidFill>
+                <a:latin typeface="+mn-lt"/>
+                <a:ea typeface="+mn-ea"/>
+                <a:cs typeface="+mn-cs"/>
+              </a:defRPr>
+            </a:lvl2pPr>
+            <a:lvl3pPr marL="914400" indent="0" algn="l" defTabSz="914400" rtl="0" eaLnBrk="1" latinLnBrk="1" hangingPunct="1">
+              <a:lnSpc>
+                <a:spcPct val="90000"/>
+              </a:lnSpc>
+              <a:spcBef>
+                <a:spcPts val="500"/>
+              </a:spcBef>
+              <a:buFont typeface="Arial" panose="020B0604020202020204" pitchFamily="34" charset="0"/>
+              <a:buNone/>
+              <a:defRPr sz="2000" kern="1200">
+                <a:solidFill>
+                  <a:schemeClr val="tx1"/>
+                </a:solidFill>
+                <a:latin typeface="+mn-lt"/>
+                <a:ea typeface="+mn-ea"/>
+                <a:cs typeface="+mn-cs"/>
+              </a:defRPr>
+            </a:lvl3pPr>
+            <a:lvl4pPr marL="1371600" indent="0" algn="l" defTabSz="914400" rtl="0" eaLnBrk="1" latinLnBrk="1" hangingPunct="1">
+              <a:lnSpc>
+                <a:spcPct val="90000"/>
+              </a:lnSpc>
+              <a:spcBef>
+                <a:spcPts val="500"/>
+              </a:spcBef>
+              <a:buFont typeface="Arial" panose="020B0604020202020204" pitchFamily="34" charset="0"/>
+              <a:buNone/>
+              <a:defRPr sz="1800" kern="1200">
+                <a:solidFill>
+                  <a:schemeClr val="tx1"/>
+                </a:solidFill>
+                <a:latin typeface="+mn-lt"/>
+                <a:ea typeface="+mn-ea"/>
+                <a:cs typeface="+mn-cs"/>
+              </a:defRPr>
+            </a:lvl4pPr>
+            <a:lvl5pPr marL="1828800" indent="0" algn="l" defTabSz="914400" rtl="0" eaLnBrk="1" latinLnBrk="1" hangingPunct="1">
+              <a:lnSpc>
+                <a:spcPct val="90000"/>
+              </a:lnSpc>
+              <a:spcBef>
+                <a:spcPts val="500"/>
+              </a:spcBef>
+              <a:buFont typeface="Arial" panose="020B0604020202020204" pitchFamily="34" charset="0"/>
+              <a:buNone/>
+              <a:defRPr sz="1800" kern="1200">
+                <a:solidFill>
+                  <a:schemeClr val="tx1"/>
+                </a:solidFill>
+                <a:latin typeface="+mn-lt"/>
+                <a:ea typeface="+mn-ea"/>
+                <a:cs typeface="+mn-cs"/>
+              </a:defRPr>
+            </a:lvl5pPr>
+            <a:lvl6pPr marL="2514600" indent="-228600" algn="l" defTabSz="914400" rtl="0" eaLnBrk="1" latinLnBrk="1" hangingPunct="1">
+              <a:lnSpc>
+                <a:spcPct val="90000"/>
+              </a:lnSpc>
+              <a:spcBef>
+                <a:spcPts val="500"/>
+              </a:spcBef>
+              <a:buFont typeface="Arial" panose="020B0604020202020204" pitchFamily="34" charset="0"/>
+              <a:buChar char="•"/>
+              <a:defRPr sz="1800" kern="1200">
+                <a:solidFill>
+                  <a:schemeClr val="tx1"/>
+                </a:solidFill>
+                <a:latin typeface="+mn-lt"/>
+                <a:ea typeface="+mn-ea"/>
+                <a:cs typeface="+mn-cs"/>
+              </a:defRPr>
+            </a:lvl6pPr>
+            <a:lvl7pPr marL="2971800" indent="-228600" algn="l" defTabSz="914400" rtl="0" eaLnBrk="1" latinLnBrk="1" hangingPunct="1">
+              <a:lnSpc>
+                <a:spcPct val="90000"/>
+              </a:lnSpc>
+              <a:spcBef>
+                <a:spcPts val="500"/>
+              </a:spcBef>
+              <a:buFont typeface="Arial" panose="020B0604020202020204" pitchFamily="34" charset="0"/>
+              <a:buChar char="•"/>
+              <a:defRPr sz="1800" kern="1200">
+                <a:solidFill>
+                  <a:schemeClr val="tx1"/>
+                </a:solidFill>
+                <a:latin typeface="+mn-lt"/>
+                <a:ea typeface="+mn-ea"/>
+                <a:cs typeface="+mn-cs"/>
+              </a:defRPr>
+            </a:lvl7pPr>
+            <a:lvl8pPr marL="3429000" indent="-228600" algn="l" defTabSz="914400" rtl="0" eaLnBrk="1" latinLnBrk="1" hangingPunct="1">
+              <a:lnSpc>
+                <a:spcPct val="90000"/>
+              </a:lnSpc>
+              <a:spcBef>
+                <a:spcPts val="500"/>
+              </a:spcBef>
+              <a:buFont typeface="Arial" panose="020B0604020202020204" pitchFamily="34" charset="0"/>
+              <a:buChar char="•"/>
+              <a:defRPr sz="1800" kern="1200">
+                <a:solidFill>
+                  <a:schemeClr val="tx1"/>
+                </a:solidFill>
+                <a:latin typeface="+mn-lt"/>
+                <a:ea typeface="+mn-ea"/>
+                <a:cs typeface="+mn-cs"/>
+              </a:defRPr>
+            </a:lvl8pPr>
+            <a:lvl9pPr marL="3886200" indent="-228600" algn="l" defTabSz="914400" rtl="0" eaLnBrk="1" latinLnBrk="1" hangingPunct="1">
+              <a:lnSpc>
+                <a:spcPct val="90000"/>
+              </a:lnSpc>
+              <a:spcBef>
+                <a:spcPts val="500"/>
+              </a:spcBef>
+              <a:buFont typeface="Arial" panose="020B0604020202020204" pitchFamily="34" charset="0"/>
+              <a:buChar char="•"/>
+              <a:defRPr sz="1800" kern="1200">
+                <a:solidFill>
+                  <a:schemeClr val="tx1"/>
+                </a:solidFill>
+                <a:latin typeface="+mn-lt"/>
+                <a:ea typeface="+mn-ea"/>
+                <a:cs typeface="+mn-cs"/>
+              </a:defRPr>
+            </a:lvl9pPr>
+          </a:lstStyle>
+          <a:p>
+            <a:r>
+              <a:rPr lang="en-US" altLang="ko-KR" sz="3200" dirty="0"/>
+              <a:t>Q&amp;A </a:t>
+            </a:r>
+            <a:r>
+              <a:rPr lang="ko-KR" altLang="en-US" sz="3200" dirty="0"/>
+              <a:t>출처</a:t>
+            </a:r>
+          </a:p>
+        </p:txBody>
+      </p:sp>
+      <p:sp>
+        <p:nvSpPr>
+          <p:cNvPr id="44" name="텍스트 개체 틀 9"/>
+          <p:cNvSpPr>
+            <a:spLocks noGrp="1"/>
+          </p:cNvSpPr>
+          <p:nvPr/>
+        </p:nvSpPr>
+        <p:spPr>
+          <a:xfrm>
+            <a:off x="8925766" y="3554159"/>
+            <a:ext cx="2159576" cy="570382"/>
+          </a:xfrm>
+          <a:prstGeom prst="rect">
+            <a:avLst/>
+          </a:prstGeom>
+        </p:spPr>
+        <p:txBody>
+          <a:bodyPr vert="horz" lIns="91440" tIns="45720" rIns="91440" bIns="45720" rtlCol="0" anchor="ctr">
+            <a:noAutofit/>
+          </a:bodyPr>
+          <a:lstStyle>
+            <a:lvl1pPr marL="0" indent="0" algn="l" defTabSz="914400" rtl="0" eaLnBrk="1" latinLnBrk="1" hangingPunct="1">
+              <a:lnSpc>
+                <a:spcPct val="90000"/>
+              </a:lnSpc>
+              <a:spcBef>
+                <a:spcPts val="1000"/>
+              </a:spcBef>
+              <a:buFont typeface="Arial" panose="020B0604020202020204" pitchFamily="34" charset="0"/>
+              <a:buNone/>
+              <a:defRPr sz="2800" b="0" i="0" kern="1200">
+                <a:solidFill>
+                  <a:srgbClr val="8B723C"/>
+                </a:solidFill>
+                <a:latin typeface="210 하얀바람 B" panose="02020603020101020101" pitchFamily="18" charset="-127"/>
+                <a:ea typeface="210 하얀바람 B" panose="02020603020101020101" pitchFamily="18" charset="-127"/>
+                <a:cs typeface="+mn-cs"/>
+              </a:defRPr>
+            </a:lvl1pPr>
+            <a:lvl2pPr marL="457200" indent="0" algn="l" defTabSz="914400" rtl="0" eaLnBrk="1" latinLnBrk="1" hangingPunct="1">
+              <a:lnSpc>
+                <a:spcPct val="90000"/>
+              </a:lnSpc>
+              <a:spcBef>
+                <a:spcPts val="500"/>
+              </a:spcBef>
+              <a:buFont typeface="Arial" panose="020B0604020202020204" pitchFamily="34" charset="0"/>
+              <a:buNone/>
+              <a:defRPr sz="2400" kern="1200">
+                <a:solidFill>
+                  <a:schemeClr val="tx1"/>
+                </a:solidFill>
+                <a:latin typeface="+mn-lt"/>
+                <a:ea typeface="+mn-ea"/>
+                <a:cs typeface="+mn-cs"/>
+              </a:defRPr>
+            </a:lvl2pPr>
+            <a:lvl3pPr marL="914400" indent="0" algn="l" defTabSz="914400" rtl="0" eaLnBrk="1" latinLnBrk="1" hangingPunct="1">
+              <a:lnSpc>
+                <a:spcPct val="90000"/>
+              </a:lnSpc>
+              <a:spcBef>
+                <a:spcPts val="500"/>
+              </a:spcBef>
+              <a:buFont typeface="Arial" panose="020B0604020202020204" pitchFamily="34" charset="0"/>
+              <a:buNone/>
+              <a:defRPr sz="2000" kern="1200">
+                <a:solidFill>
+                  <a:schemeClr val="tx1"/>
+                </a:solidFill>
+                <a:latin typeface="+mn-lt"/>
+                <a:ea typeface="+mn-ea"/>
+                <a:cs typeface="+mn-cs"/>
+              </a:defRPr>
+            </a:lvl3pPr>
+            <a:lvl4pPr marL="1371600" indent="0" algn="l" defTabSz="914400" rtl="0" eaLnBrk="1" latinLnBrk="1" hangingPunct="1">
+              <a:lnSpc>
+                <a:spcPct val="90000"/>
+              </a:lnSpc>
+              <a:spcBef>
+                <a:spcPts val="500"/>
+              </a:spcBef>
+              <a:buFont typeface="Arial" panose="020B0604020202020204" pitchFamily="34" charset="0"/>
+              <a:buNone/>
+              <a:defRPr sz="1800" kern="1200">
+                <a:solidFill>
+                  <a:schemeClr val="tx1"/>
+                </a:solidFill>
+                <a:latin typeface="+mn-lt"/>
+                <a:ea typeface="+mn-ea"/>
+                <a:cs typeface="+mn-cs"/>
+              </a:defRPr>
+            </a:lvl4pPr>
+            <a:lvl5pPr marL="1828800" indent="0" algn="l" defTabSz="914400" rtl="0" eaLnBrk="1" latinLnBrk="1" hangingPunct="1">
+              <a:lnSpc>
+                <a:spcPct val="90000"/>
+              </a:lnSpc>
+              <a:spcBef>
+                <a:spcPts val="500"/>
+              </a:spcBef>
+              <a:buFont typeface="Arial" panose="020B0604020202020204" pitchFamily="34" charset="0"/>
+              <a:buNone/>
+              <a:defRPr sz="1800" kern="1200">
+                <a:solidFill>
+                  <a:schemeClr val="tx1"/>
+                </a:solidFill>
+                <a:latin typeface="+mn-lt"/>
+                <a:ea typeface="+mn-ea"/>
+                <a:cs typeface="+mn-cs"/>
+              </a:defRPr>
+            </a:lvl5pPr>
+            <a:lvl6pPr marL="2514600" indent="-228600" algn="l" defTabSz="914400" rtl="0" eaLnBrk="1" latinLnBrk="1" hangingPunct="1">
+              <a:lnSpc>
+                <a:spcPct val="90000"/>
+              </a:lnSpc>
+              <a:spcBef>
+                <a:spcPts val="500"/>
+              </a:spcBef>
+              <a:buFont typeface="Arial" panose="020B0604020202020204" pitchFamily="34" charset="0"/>
+              <a:buChar char="•"/>
+              <a:defRPr sz="1800" kern="1200">
+                <a:solidFill>
+                  <a:schemeClr val="tx1"/>
+                </a:solidFill>
+                <a:latin typeface="+mn-lt"/>
+                <a:ea typeface="+mn-ea"/>
+                <a:cs typeface="+mn-cs"/>
+              </a:defRPr>
+            </a:lvl6pPr>
+            <a:lvl7pPr marL="2971800" indent="-228600" algn="l" defTabSz="914400" rtl="0" eaLnBrk="1" latinLnBrk="1" hangingPunct="1">
+              <a:lnSpc>
+                <a:spcPct val="90000"/>
+              </a:lnSpc>
+              <a:spcBef>
+                <a:spcPts val="500"/>
+              </a:spcBef>
+              <a:buFont typeface="Arial" panose="020B0604020202020204" pitchFamily="34" charset="0"/>
+              <a:buChar char="•"/>
+              <a:defRPr sz="1800" kern="1200">
+                <a:solidFill>
+                  <a:schemeClr val="tx1"/>
+                </a:solidFill>
+                <a:latin typeface="+mn-lt"/>
+                <a:ea typeface="+mn-ea"/>
+                <a:cs typeface="+mn-cs"/>
+              </a:defRPr>
+            </a:lvl7pPr>
+            <a:lvl8pPr marL="3429000" indent="-228600" algn="l" defTabSz="914400" rtl="0" eaLnBrk="1" latinLnBrk="1" hangingPunct="1">
+              <a:lnSpc>
+                <a:spcPct val="90000"/>
+              </a:lnSpc>
+              <a:spcBef>
+                <a:spcPts val="500"/>
+              </a:spcBef>
+              <a:buFont typeface="Arial" panose="020B0604020202020204" pitchFamily="34" charset="0"/>
+              <a:buChar char="•"/>
+              <a:defRPr sz="1800" kern="1200">
+                <a:solidFill>
+                  <a:schemeClr val="tx1"/>
+                </a:solidFill>
+                <a:latin typeface="+mn-lt"/>
+                <a:ea typeface="+mn-ea"/>
+                <a:cs typeface="+mn-cs"/>
+              </a:defRPr>
+            </a:lvl8pPr>
+            <a:lvl9pPr marL="3886200" indent="-228600" algn="l" defTabSz="914400" rtl="0" eaLnBrk="1" latinLnBrk="1" hangingPunct="1">
+              <a:lnSpc>
+                <a:spcPct val="90000"/>
+              </a:lnSpc>
+              <a:spcBef>
+                <a:spcPts val="500"/>
+              </a:spcBef>
+              <a:buFont typeface="Arial" panose="020B0604020202020204" pitchFamily="34" charset="0"/>
+              <a:buChar char="•"/>
+              <a:defRPr sz="1800" kern="1200">
+                <a:solidFill>
+                  <a:schemeClr val="tx1"/>
+                </a:solidFill>
+                <a:latin typeface="+mn-lt"/>
+                <a:ea typeface="+mn-ea"/>
+                <a:cs typeface="+mn-cs"/>
+              </a:defRPr>
+            </a:lvl9pPr>
+          </a:lstStyle>
+          <a:p>
+            <a:r>
+              <a:rPr lang="ko-KR" altLang="en-US" sz="3200" dirty="0"/>
+              <a:t>데이터</a:t>
+            </a:r>
+            <a:br>
+              <a:rPr lang="en-US" altLang="ko-KR" sz="3200" dirty="0"/>
+            </a:br>
+            <a:r>
+              <a:rPr lang="ko-KR" altLang="en-US" sz="3200" dirty="0" err="1"/>
+              <a:t>전처리</a:t>
+            </a:r>
+            <a:endParaRPr lang="ko-KR" altLang="en-US" sz="3200" dirty="0"/>
+          </a:p>
+        </p:txBody>
+      </p:sp>
+      <p:sp>
+        <p:nvSpPr>
+          <p:cNvPr id="45" name="텍스트 개체 틀 10"/>
+          <p:cNvSpPr>
+            <a:spLocks noGrp="1"/>
+          </p:cNvSpPr>
+          <p:nvPr/>
+        </p:nvSpPr>
+        <p:spPr>
+          <a:xfrm>
+            <a:off x="8847770" y="1743149"/>
+            <a:ext cx="1477328" cy="570382"/>
+          </a:xfrm>
+          <a:prstGeom prst="rect">
+            <a:avLst/>
+          </a:prstGeom>
+        </p:spPr>
+        <p:txBody>
+          <a:bodyPr vert="horz" lIns="91440" tIns="45720" rIns="91440" bIns="45720" rtlCol="0" anchor="ctr">
+            <a:noAutofit/>
+          </a:bodyPr>
+          <a:lstStyle>
+            <a:lvl1pPr marL="0" indent="0" algn="l" defTabSz="914400" rtl="0" eaLnBrk="1" latinLnBrk="1" hangingPunct="1">
+              <a:lnSpc>
+                <a:spcPct val="90000"/>
+              </a:lnSpc>
+              <a:spcBef>
+                <a:spcPts val="1000"/>
+              </a:spcBef>
+              <a:buFont typeface="Arial" panose="020B0604020202020204" pitchFamily="34" charset="0"/>
+              <a:buNone/>
+              <a:defRPr sz="2800" b="0" i="0" kern="1200">
+                <a:solidFill>
+                  <a:srgbClr val="8B723C"/>
+                </a:solidFill>
+                <a:latin typeface="210 하얀바람 B" panose="02020603020101020101" pitchFamily="18" charset="-127"/>
+                <a:ea typeface="210 하얀바람 B" panose="02020603020101020101" pitchFamily="18" charset="-127"/>
+                <a:cs typeface="+mn-cs"/>
+              </a:defRPr>
+            </a:lvl1pPr>
+            <a:lvl2pPr marL="457200" indent="0" algn="l" defTabSz="914400" rtl="0" eaLnBrk="1" latinLnBrk="1" hangingPunct="1">
+              <a:lnSpc>
+                <a:spcPct val="90000"/>
+              </a:lnSpc>
+              <a:spcBef>
+                <a:spcPts val="500"/>
+              </a:spcBef>
+              <a:buFont typeface="Arial" panose="020B0604020202020204" pitchFamily="34" charset="0"/>
+              <a:buNone/>
+              <a:defRPr sz="2400" kern="1200">
+                <a:solidFill>
+                  <a:schemeClr val="tx1"/>
+                </a:solidFill>
+                <a:latin typeface="+mn-lt"/>
+                <a:ea typeface="+mn-ea"/>
+                <a:cs typeface="+mn-cs"/>
+              </a:defRPr>
+            </a:lvl2pPr>
+            <a:lvl3pPr marL="914400" indent="0" algn="l" defTabSz="914400" rtl="0" eaLnBrk="1" latinLnBrk="1" hangingPunct="1">
+              <a:lnSpc>
+                <a:spcPct val="90000"/>
+              </a:lnSpc>
+              <a:spcBef>
+                <a:spcPts val="500"/>
+              </a:spcBef>
+              <a:buFont typeface="Arial" panose="020B0604020202020204" pitchFamily="34" charset="0"/>
+              <a:buNone/>
+              <a:defRPr sz="2000" kern="1200">
+                <a:solidFill>
+                  <a:schemeClr val="tx1"/>
+                </a:solidFill>
+                <a:latin typeface="+mn-lt"/>
+                <a:ea typeface="+mn-ea"/>
+                <a:cs typeface="+mn-cs"/>
+              </a:defRPr>
+            </a:lvl3pPr>
+            <a:lvl4pPr marL="1371600" indent="0" algn="l" defTabSz="914400" rtl="0" eaLnBrk="1" latinLnBrk="1" hangingPunct="1">
+              <a:lnSpc>
+                <a:spcPct val="90000"/>
+              </a:lnSpc>
+              <a:spcBef>
+                <a:spcPts val="500"/>
+              </a:spcBef>
+              <a:buFont typeface="Arial" panose="020B0604020202020204" pitchFamily="34" charset="0"/>
+              <a:buNone/>
+              <a:defRPr sz="1800" kern="1200">
+                <a:solidFill>
+                  <a:schemeClr val="tx1"/>
+                </a:solidFill>
+                <a:latin typeface="+mn-lt"/>
+                <a:ea typeface="+mn-ea"/>
+                <a:cs typeface="+mn-cs"/>
+              </a:defRPr>
+            </a:lvl4pPr>
+            <a:lvl5pPr marL="1828800" indent="0" algn="l" defTabSz="914400" rtl="0" eaLnBrk="1" latinLnBrk="1" hangingPunct="1">
+              <a:lnSpc>
+                <a:spcPct val="90000"/>
+              </a:lnSpc>
+              <a:spcBef>
+                <a:spcPts val="500"/>
+              </a:spcBef>
+              <a:buFont typeface="Arial" panose="020B0604020202020204" pitchFamily="34" charset="0"/>
+              <a:buNone/>
+              <a:defRPr sz="1800" kern="1200">
+                <a:solidFill>
+                  <a:schemeClr val="tx1"/>
+                </a:solidFill>
+                <a:latin typeface="+mn-lt"/>
+                <a:ea typeface="+mn-ea"/>
+                <a:cs typeface="+mn-cs"/>
+              </a:defRPr>
+            </a:lvl5pPr>
+            <a:lvl6pPr marL="2514600" indent="-228600" algn="l" defTabSz="914400" rtl="0" eaLnBrk="1" latinLnBrk="1" hangingPunct="1">
+              <a:lnSpc>
+                <a:spcPct val="90000"/>
+              </a:lnSpc>
+              <a:spcBef>
+                <a:spcPts val="500"/>
+              </a:spcBef>
+              <a:buFont typeface="Arial" panose="020B0604020202020204" pitchFamily="34" charset="0"/>
+              <a:buChar char="•"/>
+              <a:defRPr sz="1800" kern="1200">
+                <a:solidFill>
+                  <a:schemeClr val="tx1"/>
+                </a:solidFill>
+                <a:latin typeface="+mn-lt"/>
+                <a:ea typeface="+mn-ea"/>
+                <a:cs typeface="+mn-cs"/>
+              </a:defRPr>
+            </a:lvl6pPr>
+            <a:lvl7pPr marL="2971800" indent="-228600" algn="l" defTabSz="914400" rtl="0" eaLnBrk="1" latinLnBrk="1" hangingPunct="1">
+              <a:lnSpc>
+                <a:spcPct val="90000"/>
+              </a:lnSpc>
+              <a:spcBef>
+                <a:spcPts val="500"/>
+              </a:spcBef>
+              <a:buFont typeface="Arial" panose="020B0604020202020204" pitchFamily="34" charset="0"/>
+              <a:buChar char="•"/>
+              <a:defRPr sz="1800" kern="1200">
+                <a:solidFill>
+                  <a:schemeClr val="tx1"/>
+                </a:solidFill>
+                <a:latin typeface="+mn-lt"/>
+                <a:ea typeface="+mn-ea"/>
+                <a:cs typeface="+mn-cs"/>
+              </a:defRPr>
+            </a:lvl7pPr>
+            <a:lvl8pPr marL="3429000" indent="-228600" algn="l" defTabSz="914400" rtl="0" eaLnBrk="1" latinLnBrk="1" hangingPunct="1">
+              <a:lnSpc>
+                <a:spcPct val="90000"/>
+              </a:lnSpc>
+              <a:spcBef>
+                <a:spcPts val="500"/>
+              </a:spcBef>
+              <a:buFont typeface="Arial" panose="020B0604020202020204" pitchFamily="34" charset="0"/>
+              <a:buChar char="•"/>
+              <a:defRPr sz="1800" kern="1200">
+                <a:solidFill>
+                  <a:schemeClr val="tx1"/>
+                </a:solidFill>
+                <a:latin typeface="+mn-lt"/>
+                <a:ea typeface="+mn-ea"/>
+                <a:cs typeface="+mn-cs"/>
+              </a:defRPr>
+            </a:lvl8pPr>
+            <a:lvl9pPr marL="3886200" indent="-228600" algn="l" defTabSz="914400" rtl="0" eaLnBrk="1" latinLnBrk="1" hangingPunct="1">
+              <a:lnSpc>
+                <a:spcPct val="90000"/>
+              </a:lnSpc>
+              <a:spcBef>
+                <a:spcPts val="500"/>
+              </a:spcBef>
+              <a:buFont typeface="Arial" panose="020B0604020202020204" pitchFamily="34" charset="0"/>
+              <a:buChar char="•"/>
+              <a:defRPr sz="1800" kern="1200">
+                <a:solidFill>
+                  <a:schemeClr val="tx1"/>
+                </a:solidFill>
+                <a:latin typeface="+mn-lt"/>
+                <a:ea typeface="+mn-ea"/>
+                <a:cs typeface="+mn-cs"/>
+              </a:defRPr>
+            </a:lvl9pPr>
+          </a:lstStyle>
+          <a:p>
+            <a:r>
+              <a:rPr lang="ko-KR" altLang="en-US" sz="3200" dirty="0"/>
+              <a:t>데이터 분석</a:t>
+            </a:r>
+          </a:p>
+        </p:txBody>
+      </p:sp>
+      <p:sp>
+        <p:nvSpPr>
+          <p:cNvPr id="46" name="텍스트 개체 틀 11"/>
+          <p:cNvSpPr>
+            <a:spLocks noGrp="1"/>
+          </p:cNvSpPr>
+          <p:nvPr/>
+        </p:nvSpPr>
+        <p:spPr>
+          <a:xfrm>
+            <a:off x="1866900" y="4103142"/>
+            <a:ext cx="1359480" cy="570382"/>
+          </a:xfrm>
+          <a:prstGeom prst="rect">
+            <a:avLst/>
+          </a:prstGeom>
+        </p:spPr>
+        <p:txBody>
+          <a:bodyPr vert="horz" lIns="91440" tIns="45720" rIns="91440" bIns="45720" rtlCol="0" anchor="ctr">
+            <a:noAutofit/>
+          </a:bodyPr>
+          <a:lstStyle>
+            <a:lvl1pPr marL="0" indent="0" algn="r" defTabSz="914400" rtl="0" eaLnBrk="1" latinLnBrk="1" hangingPunct="1">
+              <a:lnSpc>
+                <a:spcPct val="90000"/>
+              </a:lnSpc>
+              <a:spcBef>
+                <a:spcPts val="1000"/>
+              </a:spcBef>
+              <a:buFont typeface="Arial" panose="020B0604020202020204" pitchFamily="34" charset="0"/>
+              <a:buNone/>
+              <a:defRPr sz="2800" b="0" i="0" kern="1200">
+                <a:solidFill>
+                  <a:srgbClr val="8B723C"/>
+                </a:solidFill>
+                <a:latin typeface="210 하얀바람 B" panose="02020603020101020101" pitchFamily="18" charset="-127"/>
+                <a:ea typeface="210 하얀바람 B" panose="02020603020101020101" pitchFamily="18" charset="-127"/>
+                <a:cs typeface="+mn-cs"/>
+              </a:defRPr>
+            </a:lvl1pPr>
+            <a:lvl2pPr marL="457200" indent="0" algn="l" defTabSz="914400" rtl="0" eaLnBrk="1" latinLnBrk="1" hangingPunct="1">
+              <a:lnSpc>
+                <a:spcPct val="90000"/>
+              </a:lnSpc>
+              <a:spcBef>
+                <a:spcPts val="500"/>
+              </a:spcBef>
+              <a:buFont typeface="Arial" panose="020B0604020202020204" pitchFamily="34" charset="0"/>
+              <a:buNone/>
+              <a:defRPr sz="2400" kern="1200">
+                <a:solidFill>
+                  <a:schemeClr val="tx1"/>
+                </a:solidFill>
+                <a:latin typeface="+mn-lt"/>
+                <a:ea typeface="+mn-ea"/>
+                <a:cs typeface="+mn-cs"/>
+              </a:defRPr>
+            </a:lvl2pPr>
+            <a:lvl3pPr marL="914400" indent="0" algn="l" defTabSz="914400" rtl="0" eaLnBrk="1" latinLnBrk="1" hangingPunct="1">
+              <a:lnSpc>
+                <a:spcPct val="90000"/>
+              </a:lnSpc>
+              <a:spcBef>
+                <a:spcPts val="500"/>
+              </a:spcBef>
+              <a:buFont typeface="Arial" panose="020B0604020202020204" pitchFamily="34" charset="0"/>
+              <a:buNone/>
+              <a:defRPr sz="2000" kern="1200">
+                <a:solidFill>
+                  <a:schemeClr val="tx1"/>
+                </a:solidFill>
+                <a:latin typeface="+mn-lt"/>
+                <a:ea typeface="+mn-ea"/>
+                <a:cs typeface="+mn-cs"/>
+              </a:defRPr>
+            </a:lvl3pPr>
+            <a:lvl4pPr marL="1371600" indent="0" algn="l" defTabSz="914400" rtl="0" eaLnBrk="1" latinLnBrk="1" hangingPunct="1">
+              <a:lnSpc>
+                <a:spcPct val="90000"/>
+              </a:lnSpc>
+              <a:spcBef>
+                <a:spcPts val="500"/>
+              </a:spcBef>
+              <a:buFont typeface="Arial" panose="020B0604020202020204" pitchFamily="34" charset="0"/>
+              <a:buNone/>
+              <a:defRPr sz="1800" kern="1200">
+                <a:solidFill>
+                  <a:schemeClr val="tx1"/>
+                </a:solidFill>
+                <a:latin typeface="+mn-lt"/>
+                <a:ea typeface="+mn-ea"/>
+                <a:cs typeface="+mn-cs"/>
+              </a:defRPr>
+            </a:lvl4pPr>
+            <a:lvl5pPr marL="1828800" indent="0" algn="l" defTabSz="914400" rtl="0" eaLnBrk="1" latinLnBrk="1" hangingPunct="1">
+              <a:lnSpc>
+                <a:spcPct val="90000"/>
+              </a:lnSpc>
+              <a:spcBef>
+                <a:spcPts val="500"/>
+              </a:spcBef>
+              <a:buFont typeface="Arial" panose="020B0604020202020204" pitchFamily="34" charset="0"/>
+              <a:buNone/>
+              <a:defRPr sz="1800" kern="1200">
+                <a:solidFill>
+                  <a:schemeClr val="tx1"/>
+                </a:solidFill>
+                <a:latin typeface="+mn-lt"/>
+                <a:ea typeface="+mn-ea"/>
+                <a:cs typeface="+mn-cs"/>
+              </a:defRPr>
+            </a:lvl5pPr>
+            <a:lvl6pPr marL="2514600" indent="-228600" algn="l" defTabSz="914400" rtl="0" eaLnBrk="1" latinLnBrk="1" hangingPunct="1">
+              <a:lnSpc>
+                <a:spcPct val="90000"/>
+              </a:lnSpc>
+              <a:spcBef>
+                <a:spcPts val="500"/>
+              </a:spcBef>
+              <a:buFont typeface="Arial" panose="020B0604020202020204" pitchFamily="34" charset="0"/>
+              <a:buChar char="•"/>
+              <a:defRPr sz="1800" kern="1200">
+                <a:solidFill>
+                  <a:schemeClr val="tx1"/>
+                </a:solidFill>
+                <a:latin typeface="+mn-lt"/>
+                <a:ea typeface="+mn-ea"/>
+                <a:cs typeface="+mn-cs"/>
+              </a:defRPr>
+            </a:lvl6pPr>
+            <a:lvl7pPr marL="2971800" indent="-228600" algn="l" defTabSz="914400" rtl="0" eaLnBrk="1" latinLnBrk="1" hangingPunct="1">
+              <a:lnSpc>
+                <a:spcPct val="90000"/>
+              </a:lnSpc>
+              <a:spcBef>
+                <a:spcPts val="500"/>
+              </a:spcBef>
+              <a:buFont typeface="Arial" panose="020B0604020202020204" pitchFamily="34" charset="0"/>
+              <a:buChar char="•"/>
+              <a:defRPr sz="1800" kern="1200">
+                <a:solidFill>
+                  <a:schemeClr val="tx1"/>
+                </a:solidFill>
+                <a:latin typeface="+mn-lt"/>
+                <a:ea typeface="+mn-ea"/>
+                <a:cs typeface="+mn-cs"/>
+              </a:defRPr>
+            </a:lvl7pPr>
+            <a:lvl8pPr marL="3429000" indent="-228600" algn="l" defTabSz="914400" rtl="0" eaLnBrk="1" latinLnBrk="1" hangingPunct="1">
+              <a:lnSpc>
+                <a:spcPct val="90000"/>
+              </a:lnSpc>
+              <a:spcBef>
+                <a:spcPts val="500"/>
+              </a:spcBef>
+              <a:buFont typeface="Arial" panose="020B0604020202020204" pitchFamily="34" charset="0"/>
+              <a:buChar char="•"/>
+              <a:defRPr sz="1800" kern="1200">
+                <a:solidFill>
+                  <a:schemeClr val="tx1"/>
+                </a:solidFill>
+                <a:latin typeface="+mn-lt"/>
+                <a:ea typeface="+mn-ea"/>
+                <a:cs typeface="+mn-cs"/>
+              </a:defRPr>
+            </a:lvl8pPr>
+            <a:lvl9pPr marL="3886200" indent="-228600" algn="l" defTabSz="914400" rtl="0" eaLnBrk="1" latinLnBrk="1" hangingPunct="1">
+              <a:lnSpc>
+                <a:spcPct val="90000"/>
+              </a:lnSpc>
+              <a:spcBef>
+                <a:spcPts val="500"/>
+              </a:spcBef>
+              <a:buFont typeface="Arial" panose="020B0604020202020204" pitchFamily="34" charset="0"/>
+              <a:buChar char="•"/>
+              <a:defRPr sz="1800" kern="1200">
+                <a:solidFill>
+                  <a:schemeClr val="tx1"/>
+                </a:solidFill>
+                <a:latin typeface="+mn-lt"/>
+                <a:ea typeface="+mn-ea"/>
+                <a:cs typeface="+mn-cs"/>
+              </a:defRPr>
+            </a:lvl9pPr>
+          </a:lstStyle>
+          <a:p>
+            <a:r>
+              <a:rPr lang="en-US" altLang="ko-KR" sz="3200" dirty="0"/>
+              <a:t>model</a:t>
+            </a:r>
+            <a:endParaRPr lang="ko-KR" altLang="en-US" sz="3200" dirty="0"/>
+          </a:p>
+        </p:txBody>
+      </p:sp>
+      <p:sp>
+        <p:nvSpPr>
+          <p:cNvPr id="47" name="텍스트 개체 틀 12"/>
+          <p:cNvSpPr>
+            <a:spLocks noGrp="1"/>
+          </p:cNvSpPr>
+          <p:nvPr/>
+        </p:nvSpPr>
+        <p:spPr>
+          <a:xfrm>
+            <a:off x="1780316" y="2333406"/>
+            <a:ext cx="1021102" cy="570382"/>
+          </a:xfrm>
+          <a:prstGeom prst="rect">
+            <a:avLst/>
+          </a:prstGeom>
+        </p:spPr>
+        <p:txBody>
+          <a:bodyPr vert="horz" lIns="91440" tIns="45720" rIns="91440" bIns="45720" rtlCol="0" anchor="ctr">
+            <a:noAutofit/>
+          </a:bodyPr>
+          <a:lstStyle>
+            <a:lvl1pPr marL="0" indent="0" algn="r" defTabSz="914400" rtl="0" eaLnBrk="1" latinLnBrk="1" hangingPunct="1">
+              <a:lnSpc>
+                <a:spcPct val="90000"/>
+              </a:lnSpc>
+              <a:spcBef>
+                <a:spcPts val="1000"/>
+              </a:spcBef>
+              <a:buFont typeface="Arial" panose="020B0604020202020204" pitchFamily="34" charset="0"/>
+              <a:buNone/>
+              <a:defRPr sz="2800" b="0" i="0" kern="1200">
+                <a:solidFill>
+                  <a:srgbClr val="8B723C"/>
+                </a:solidFill>
+                <a:latin typeface="210 하얀바람 B" panose="02020603020101020101" pitchFamily="18" charset="-127"/>
+                <a:ea typeface="210 하얀바람 B" panose="02020603020101020101" pitchFamily="18" charset="-127"/>
+                <a:cs typeface="+mn-cs"/>
+              </a:defRPr>
+            </a:lvl1pPr>
+            <a:lvl2pPr marL="457200" indent="0" algn="l" defTabSz="914400" rtl="0" eaLnBrk="1" latinLnBrk="1" hangingPunct="1">
+              <a:lnSpc>
+                <a:spcPct val="90000"/>
+              </a:lnSpc>
+              <a:spcBef>
+                <a:spcPts val="500"/>
+              </a:spcBef>
+              <a:buFont typeface="Arial" panose="020B0604020202020204" pitchFamily="34" charset="0"/>
+              <a:buNone/>
+              <a:defRPr sz="2400" kern="1200">
+                <a:solidFill>
+                  <a:schemeClr val="tx1"/>
+                </a:solidFill>
+                <a:latin typeface="+mn-lt"/>
+                <a:ea typeface="+mn-ea"/>
+                <a:cs typeface="+mn-cs"/>
+              </a:defRPr>
+            </a:lvl2pPr>
+            <a:lvl3pPr marL="914400" indent="0" algn="l" defTabSz="914400" rtl="0" eaLnBrk="1" latinLnBrk="1" hangingPunct="1">
+              <a:lnSpc>
+                <a:spcPct val="90000"/>
+              </a:lnSpc>
+              <a:spcBef>
+                <a:spcPts val="500"/>
+              </a:spcBef>
+              <a:buFont typeface="Arial" panose="020B0604020202020204" pitchFamily="34" charset="0"/>
+              <a:buNone/>
+              <a:defRPr sz="2000" kern="1200">
+                <a:solidFill>
+                  <a:schemeClr val="tx1"/>
+                </a:solidFill>
+                <a:latin typeface="+mn-lt"/>
+                <a:ea typeface="+mn-ea"/>
+                <a:cs typeface="+mn-cs"/>
+              </a:defRPr>
+            </a:lvl3pPr>
+            <a:lvl4pPr marL="1371600" indent="0" algn="l" defTabSz="914400" rtl="0" eaLnBrk="1" latinLnBrk="1" hangingPunct="1">
+              <a:lnSpc>
+                <a:spcPct val="90000"/>
+              </a:lnSpc>
+              <a:spcBef>
+                <a:spcPts val="500"/>
+              </a:spcBef>
+              <a:buFont typeface="Arial" panose="020B0604020202020204" pitchFamily="34" charset="0"/>
+              <a:buNone/>
+              <a:defRPr sz="1800" kern="1200">
+                <a:solidFill>
+                  <a:schemeClr val="tx1"/>
+                </a:solidFill>
+                <a:latin typeface="+mn-lt"/>
+                <a:ea typeface="+mn-ea"/>
+                <a:cs typeface="+mn-cs"/>
+              </a:defRPr>
+            </a:lvl4pPr>
+            <a:lvl5pPr marL="1828800" indent="0" algn="l" defTabSz="914400" rtl="0" eaLnBrk="1" latinLnBrk="1" hangingPunct="1">
+              <a:lnSpc>
+                <a:spcPct val="90000"/>
+              </a:lnSpc>
+              <a:spcBef>
+                <a:spcPts val="500"/>
+              </a:spcBef>
+              <a:buFont typeface="Arial" panose="020B0604020202020204" pitchFamily="34" charset="0"/>
+              <a:buNone/>
+              <a:defRPr sz="1800" kern="1200">
+                <a:solidFill>
+                  <a:schemeClr val="tx1"/>
+                </a:solidFill>
+                <a:latin typeface="+mn-lt"/>
+                <a:ea typeface="+mn-ea"/>
+                <a:cs typeface="+mn-cs"/>
+              </a:defRPr>
+            </a:lvl5pPr>
+            <a:lvl6pPr marL="2514600" indent="-228600" algn="l" defTabSz="914400" rtl="0" eaLnBrk="1" latinLnBrk="1" hangingPunct="1">
+              <a:lnSpc>
+                <a:spcPct val="90000"/>
+              </a:lnSpc>
+              <a:spcBef>
+                <a:spcPts val="500"/>
+              </a:spcBef>
+              <a:buFont typeface="Arial" panose="020B0604020202020204" pitchFamily="34" charset="0"/>
+              <a:buChar char="•"/>
+              <a:defRPr sz="1800" kern="1200">
+                <a:solidFill>
+                  <a:schemeClr val="tx1"/>
+                </a:solidFill>
+                <a:latin typeface="+mn-lt"/>
+                <a:ea typeface="+mn-ea"/>
+                <a:cs typeface="+mn-cs"/>
+              </a:defRPr>
+            </a:lvl6pPr>
+            <a:lvl7pPr marL="2971800" indent="-228600" algn="l" defTabSz="914400" rtl="0" eaLnBrk="1" latinLnBrk="1" hangingPunct="1">
+              <a:lnSpc>
+                <a:spcPct val="90000"/>
+              </a:lnSpc>
+              <a:spcBef>
+                <a:spcPts val="500"/>
+              </a:spcBef>
+              <a:buFont typeface="Arial" panose="020B0604020202020204" pitchFamily="34" charset="0"/>
+              <a:buChar char="•"/>
+              <a:defRPr sz="1800" kern="1200">
+                <a:solidFill>
+                  <a:schemeClr val="tx1"/>
+                </a:solidFill>
+                <a:latin typeface="+mn-lt"/>
+                <a:ea typeface="+mn-ea"/>
+                <a:cs typeface="+mn-cs"/>
+              </a:defRPr>
+            </a:lvl7pPr>
+            <a:lvl8pPr marL="3429000" indent="-228600" algn="l" defTabSz="914400" rtl="0" eaLnBrk="1" latinLnBrk="1" hangingPunct="1">
+              <a:lnSpc>
+                <a:spcPct val="90000"/>
+              </a:lnSpc>
+              <a:spcBef>
+                <a:spcPts val="500"/>
+              </a:spcBef>
+              <a:buFont typeface="Arial" panose="020B0604020202020204" pitchFamily="34" charset="0"/>
+              <a:buChar char="•"/>
+              <a:defRPr sz="1800" kern="1200">
+                <a:solidFill>
+                  <a:schemeClr val="tx1"/>
+                </a:solidFill>
+                <a:latin typeface="+mn-lt"/>
+                <a:ea typeface="+mn-ea"/>
+                <a:cs typeface="+mn-cs"/>
+              </a:defRPr>
+            </a:lvl8pPr>
+            <a:lvl9pPr marL="3886200" indent="-228600" algn="l" defTabSz="914400" rtl="0" eaLnBrk="1" latinLnBrk="1" hangingPunct="1">
+              <a:lnSpc>
+                <a:spcPct val="90000"/>
+              </a:lnSpc>
+              <a:spcBef>
+                <a:spcPts val="500"/>
+              </a:spcBef>
+              <a:buFont typeface="Arial" panose="020B0604020202020204" pitchFamily="34" charset="0"/>
+              <a:buChar char="•"/>
+              <a:defRPr sz="1800" kern="1200">
+                <a:solidFill>
+                  <a:schemeClr val="tx1"/>
+                </a:solidFill>
+                <a:latin typeface="+mn-lt"/>
+                <a:ea typeface="+mn-ea"/>
+                <a:cs typeface="+mn-cs"/>
+              </a:defRPr>
+            </a:lvl9pPr>
+          </a:lstStyle>
+          <a:p>
+            <a:r>
+              <a:rPr lang="ko-KR" altLang="en-US" sz="3200" dirty="0"/>
+              <a:t>문제현황</a:t>
+            </a:r>
+          </a:p>
+        </p:txBody>
+      </p:sp>
+    </p:spTree>
+    <p:extLst>
+      <p:ext uri="{BB962C8B-B14F-4D97-AF65-F5344CB8AC3E}">
+        <p14:creationId xmlns:p14="http://schemas.microsoft.com/office/powerpoint/2010/main" val="284353440"/>
+      </p:ext>
+    </p:extLst>
+  </p:cSld>
+  <p:clrMapOvr>
+    <a:masterClrMapping/>
+  </p:clrMapOvr>
+  <mc:AlternateContent xmlns:mc="http://schemas.openxmlformats.org/markup-compatibility/2006" xmlns:p14="http://schemas.microsoft.com/office/powerpoint/2010/main">
+    <mc:Choice Requires="p14">
+      <p:transition spd="med" p14:dur="700">
+        <p:fade/>
+      </p:transition>
+    </mc:Choice>
+    <mc:Fallback xmlns="">
+      <p:transition spd="med">
+        <p:fade/>
+      </p:transition>
+    </mc:Fallback>
+  </mc:AlternateContent>
+</p:sld>
+</file>
+
+<file path=ppt/slides/slide20.xml><?xml version="1.0" encoding="utf-8"?>
 <p:sld xmlns:a="http://schemas.openxmlformats.org/drawingml/2006/main" xmlns:r="http://schemas.openxmlformats.org/officeDocument/2006/relationships" xmlns:p="http://schemas.openxmlformats.org/presentationml/2006/main">
   <p:cSld>
     <p:spTree>
@@ -10968,7 +15875,7 @@
 </p:sld>
 </file>
 
-<file path=ppt/slides/slide13.xml><?xml version="1.0" encoding="utf-8"?>
+<file path=ppt/slides/slide21.xml><?xml version="1.0" encoding="utf-8"?>
 <p:sld xmlns:a="http://schemas.openxmlformats.org/drawingml/2006/main" xmlns:r="http://schemas.openxmlformats.org/officeDocument/2006/relationships" xmlns:p="http://schemas.openxmlformats.org/presentationml/2006/main">
   <p:cSld>
     <p:spTree>
@@ -11231,1696 +16138,6 @@
       <p:bldP spid="3" grpId="0"/>
     </p:bldLst>
   </p:timing>
-</p:sld>
-</file>
-
-<file path=ppt/slides/slide2.xml><?xml version="1.0" encoding="utf-8"?>
-<p:sld xmlns:a="http://schemas.openxmlformats.org/drawingml/2006/main" xmlns:r="http://schemas.openxmlformats.org/officeDocument/2006/relationships" xmlns:p="http://schemas.openxmlformats.org/presentationml/2006/main">
-  <p:cSld>
-    <p:spTree>
-      <p:nvGrpSpPr>
-        <p:cNvPr id="1" name=""/>
-        <p:cNvGrpSpPr/>
-        <p:nvPr/>
-      </p:nvGrpSpPr>
-      <p:grpSpPr>
-        <a:xfrm>
-          <a:off x="0" y="0"/>
-          <a:ext cx="0" cy="0"/>
-          <a:chOff x="0" y="0"/>
-          <a:chExt cx="0" cy="0"/>
-        </a:xfrm>
-      </p:grpSpPr>
-      <p:sp>
-        <p:nvSpPr>
-          <p:cNvPr id="22" name="제목 1"/>
-          <p:cNvSpPr>
-            <a:spLocks noGrp="1"/>
-          </p:cNvSpPr>
-          <p:nvPr>
-            <p:ph type="title"/>
-          </p:nvPr>
-        </p:nvSpPr>
-        <p:spPr>
-          <a:xfrm>
-            <a:off x="977900" y="330201"/>
-            <a:ext cx="2349500" cy="571500"/>
-          </a:xfrm>
-        </p:spPr>
-        <p:txBody>
-          <a:bodyPr/>
-          <a:lstStyle/>
-          <a:p>
-            <a:r>
-              <a:rPr lang="en-US" altLang="ko-KR" dirty="0"/>
-              <a:t>Index</a:t>
-            </a:r>
-            <a:endParaRPr lang="ko-KR" altLang="en-US" dirty="0"/>
-          </a:p>
-        </p:txBody>
-      </p:sp>
-      <p:sp>
-        <p:nvSpPr>
-          <p:cNvPr id="40" name="텍스트 개체 틀 5"/>
-          <p:cNvSpPr>
-            <a:spLocks noGrp="1"/>
-          </p:cNvSpPr>
-          <p:nvPr/>
-        </p:nvSpPr>
-        <p:spPr>
-          <a:xfrm>
-            <a:off x="6127103" y="1537651"/>
-            <a:ext cx="2798663" cy="981378"/>
-          </a:xfrm>
-          <a:prstGeom prst="rect">
-            <a:avLst/>
-          </a:prstGeom>
-        </p:spPr>
-        <p:txBody>
-          <a:bodyPr vert="horz" lIns="91440" tIns="45720" rIns="91440" bIns="45720" rtlCol="0">
-            <a:normAutofit/>
-          </a:bodyPr>
-          <a:lstStyle>
-            <a:lvl1pPr marL="0" indent="0" algn="l" defTabSz="914400" rtl="0" eaLnBrk="1" latinLnBrk="1" hangingPunct="1">
-              <a:lnSpc>
-                <a:spcPct val="90000"/>
-              </a:lnSpc>
-              <a:spcBef>
-                <a:spcPts val="1000"/>
-              </a:spcBef>
-              <a:buFont typeface="Arial" panose="020B0604020202020204" pitchFamily="34" charset="0"/>
-              <a:buNone/>
-              <a:defRPr sz="1200" b="1" i="0" kern="1200">
-                <a:solidFill>
-                  <a:srgbClr val="8B723C"/>
-                </a:solidFill>
-                <a:latin typeface="나눔고딕" panose="020D0604000000000000" pitchFamily="50" charset="-127"/>
-                <a:ea typeface="나눔고딕" panose="020D0604000000000000" pitchFamily="50" charset="-127"/>
-                <a:cs typeface="+mn-cs"/>
-              </a:defRPr>
-            </a:lvl1pPr>
-            <a:lvl2pPr marL="457200" indent="0" algn="l" defTabSz="914400" rtl="0" eaLnBrk="1" latinLnBrk="1" hangingPunct="1">
-              <a:lnSpc>
-                <a:spcPct val="90000"/>
-              </a:lnSpc>
-              <a:spcBef>
-                <a:spcPts val="500"/>
-              </a:spcBef>
-              <a:buFont typeface="Arial" panose="020B0604020202020204" pitchFamily="34" charset="0"/>
-              <a:buNone/>
-              <a:defRPr sz="2400" kern="1200">
-                <a:solidFill>
-                  <a:schemeClr val="tx1"/>
-                </a:solidFill>
-                <a:latin typeface="+mn-lt"/>
-                <a:ea typeface="+mn-ea"/>
-                <a:cs typeface="+mn-cs"/>
-              </a:defRPr>
-            </a:lvl2pPr>
-            <a:lvl3pPr marL="914400" indent="0" algn="l" defTabSz="914400" rtl="0" eaLnBrk="1" latinLnBrk="1" hangingPunct="1">
-              <a:lnSpc>
-                <a:spcPct val="90000"/>
-              </a:lnSpc>
-              <a:spcBef>
-                <a:spcPts val="500"/>
-              </a:spcBef>
-              <a:buFont typeface="Arial" panose="020B0604020202020204" pitchFamily="34" charset="0"/>
-              <a:buNone/>
-              <a:defRPr sz="2000" kern="1200">
-                <a:solidFill>
-                  <a:schemeClr val="tx1"/>
-                </a:solidFill>
-                <a:latin typeface="+mn-lt"/>
-                <a:ea typeface="+mn-ea"/>
-                <a:cs typeface="+mn-cs"/>
-              </a:defRPr>
-            </a:lvl3pPr>
-            <a:lvl4pPr marL="1371600" indent="0" algn="l" defTabSz="914400" rtl="0" eaLnBrk="1" latinLnBrk="1" hangingPunct="1">
-              <a:lnSpc>
-                <a:spcPct val="90000"/>
-              </a:lnSpc>
-              <a:spcBef>
-                <a:spcPts val="500"/>
-              </a:spcBef>
-              <a:buFont typeface="Arial" panose="020B0604020202020204" pitchFamily="34" charset="0"/>
-              <a:buNone/>
-              <a:defRPr sz="1800" kern="1200">
-                <a:solidFill>
-                  <a:schemeClr val="tx1"/>
-                </a:solidFill>
-                <a:latin typeface="+mn-lt"/>
-                <a:ea typeface="+mn-ea"/>
-                <a:cs typeface="+mn-cs"/>
-              </a:defRPr>
-            </a:lvl4pPr>
-            <a:lvl5pPr marL="1828800" indent="0" algn="l" defTabSz="914400" rtl="0" eaLnBrk="1" latinLnBrk="1" hangingPunct="1">
-              <a:lnSpc>
-                <a:spcPct val="90000"/>
-              </a:lnSpc>
-              <a:spcBef>
-                <a:spcPts val="500"/>
-              </a:spcBef>
-              <a:buFont typeface="Arial" panose="020B0604020202020204" pitchFamily="34" charset="0"/>
-              <a:buNone/>
-              <a:defRPr sz="1800" kern="1200">
-                <a:solidFill>
-                  <a:schemeClr val="tx1"/>
-                </a:solidFill>
-                <a:latin typeface="+mn-lt"/>
-                <a:ea typeface="+mn-ea"/>
-                <a:cs typeface="+mn-cs"/>
-              </a:defRPr>
-            </a:lvl5pPr>
-            <a:lvl6pPr marL="2514600" indent="-228600" algn="l" defTabSz="914400" rtl="0" eaLnBrk="1" latinLnBrk="1" hangingPunct="1">
-              <a:lnSpc>
-                <a:spcPct val="90000"/>
-              </a:lnSpc>
-              <a:spcBef>
-                <a:spcPts val="500"/>
-              </a:spcBef>
-              <a:buFont typeface="Arial" panose="020B0604020202020204" pitchFamily="34" charset="0"/>
-              <a:buChar char="•"/>
-              <a:defRPr sz="1800" kern="1200">
-                <a:solidFill>
-                  <a:schemeClr val="tx1"/>
-                </a:solidFill>
-                <a:latin typeface="+mn-lt"/>
-                <a:ea typeface="+mn-ea"/>
-                <a:cs typeface="+mn-cs"/>
-              </a:defRPr>
-            </a:lvl6pPr>
-            <a:lvl7pPr marL="2971800" indent="-228600" algn="l" defTabSz="914400" rtl="0" eaLnBrk="1" latinLnBrk="1" hangingPunct="1">
-              <a:lnSpc>
-                <a:spcPct val="90000"/>
-              </a:lnSpc>
-              <a:spcBef>
-                <a:spcPts val="500"/>
-              </a:spcBef>
-              <a:buFont typeface="Arial" panose="020B0604020202020204" pitchFamily="34" charset="0"/>
-              <a:buChar char="•"/>
-              <a:defRPr sz="1800" kern="1200">
-                <a:solidFill>
-                  <a:schemeClr val="tx1"/>
-                </a:solidFill>
-                <a:latin typeface="+mn-lt"/>
-                <a:ea typeface="+mn-ea"/>
-                <a:cs typeface="+mn-cs"/>
-              </a:defRPr>
-            </a:lvl7pPr>
-            <a:lvl8pPr marL="3429000" indent="-228600" algn="l" defTabSz="914400" rtl="0" eaLnBrk="1" latinLnBrk="1" hangingPunct="1">
-              <a:lnSpc>
-                <a:spcPct val="90000"/>
-              </a:lnSpc>
-              <a:spcBef>
-                <a:spcPts val="500"/>
-              </a:spcBef>
-              <a:buFont typeface="Arial" panose="020B0604020202020204" pitchFamily="34" charset="0"/>
-              <a:buChar char="•"/>
-              <a:defRPr sz="1800" kern="1200">
-                <a:solidFill>
-                  <a:schemeClr val="tx1"/>
-                </a:solidFill>
-                <a:latin typeface="+mn-lt"/>
-                <a:ea typeface="+mn-ea"/>
-                <a:cs typeface="+mn-cs"/>
-              </a:defRPr>
-            </a:lvl8pPr>
-            <a:lvl9pPr marL="3886200" indent="-228600" algn="l" defTabSz="914400" rtl="0" eaLnBrk="1" latinLnBrk="1" hangingPunct="1">
-              <a:lnSpc>
-                <a:spcPct val="90000"/>
-              </a:lnSpc>
-              <a:spcBef>
-                <a:spcPts val="500"/>
-              </a:spcBef>
-              <a:buFont typeface="Arial" panose="020B0604020202020204" pitchFamily="34" charset="0"/>
-              <a:buChar char="•"/>
-              <a:defRPr sz="1800" kern="1200">
-                <a:solidFill>
-                  <a:schemeClr val="tx1"/>
-                </a:solidFill>
-                <a:latin typeface="+mn-lt"/>
-                <a:ea typeface="+mn-ea"/>
-                <a:cs typeface="+mn-cs"/>
-              </a:defRPr>
-            </a:lvl9pPr>
-          </a:lstStyle>
-          <a:p>
-            <a:r>
-              <a:rPr lang="ko-KR" altLang="en-US" dirty="0"/>
-              <a:t>제주 쓰레기 양</a:t>
-            </a:r>
-            <a:endParaRPr lang="en-US" altLang="ko-KR" dirty="0"/>
-          </a:p>
-          <a:p>
-            <a:r>
-              <a:rPr lang="ko-KR" altLang="en-US" dirty="0"/>
-              <a:t>읍</a:t>
-            </a:r>
-            <a:r>
-              <a:rPr lang="en-US" altLang="ko-KR" dirty="0"/>
-              <a:t>,</a:t>
-            </a:r>
-            <a:r>
-              <a:rPr lang="ko-KR" altLang="en-US" dirty="0"/>
-              <a:t>면</a:t>
-            </a:r>
-            <a:r>
-              <a:rPr lang="en-US" altLang="ko-KR" dirty="0"/>
-              <a:t>,</a:t>
-            </a:r>
-            <a:r>
-              <a:rPr lang="ko-KR" altLang="en-US" dirty="0"/>
-              <a:t>동 별 군집화</a:t>
-            </a:r>
-          </a:p>
-        </p:txBody>
-      </p:sp>
-      <p:sp>
-        <p:nvSpPr>
-          <p:cNvPr id="41" name="텍스트 개체 틀 6"/>
-          <p:cNvSpPr>
-            <a:spLocks noGrp="1"/>
-          </p:cNvSpPr>
-          <p:nvPr/>
-        </p:nvSpPr>
-        <p:spPr>
-          <a:xfrm>
-            <a:off x="3146306" y="3890243"/>
-            <a:ext cx="2902802" cy="996179"/>
-          </a:xfrm>
-          <a:prstGeom prst="rect">
-            <a:avLst/>
-          </a:prstGeom>
-        </p:spPr>
-        <p:txBody>
-          <a:bodyPr vert="horz" lIns="91440" tIns="45720" rIns="91440" bIns="45720" rtlCol="0">
-            <a:normAutofit/>
-          </a:bodyPr>
-          <a:lstStyle>
-            <a:lvl1pPr marL="0" indent="0" algn="r" defTabSz="914400" rtl="0" eaLnBrk="1" latinLnBrk="1" hangingPunct="1">
-              <a:lnSpc>
-                <a:spcPct val="90000"/>
-              </a:lnSpc>
-              <a:spcBef>
-                <a:spcPts val="1000"/>
-              </a:spcBef>
-              <a:buFont typeface="Arial" panose="020B0604020202020204" pitchFamily="34" charset="0"/>
-              <a:buNone/>
-              <a:defRPr sz="1200" b="1" i="0" kern="1200">
-                <a:solidFill>
-                  <a:srgbClr val="8B723C"/>
-                </a:solidFill>
-                <a:latin typeface="나눔고딕" panose="020D0604000000000000" pitchFamily="50" charset="-127"/>
-                <a:ea typeface="나눔고딕" panose="020D0604000000000000" pitchFamily="50" charset="-127"/>
-                <a:cs typeface="+mn-cs"/>
-              </a:defRPr>
-            </a:lvl1pPr>
-            <a:lvl2pPr marL="457200" indent="0" algn="l" defTabSz="914400" rtl="0" eaLnBrk="1" latinLnBrk="1" hangingPunct="1">
-              <a:lnSpc>
-                <a:spcPct val="90000"/>
-              </a:lnSpc>
-              <a:spcBef>
-                <a:spcPts val="500"/>
-              </a:spcBef>
-              <a:buFont typeface="Arial" panose="020B0604020202020204" pitchFamily="34" charset="0"/>
-              <a:buNone/>
-              <a:defRPr sz="2400" kern="1200">
-                <a:solidFill>
-                  <a:schemeClr val="tx1"/>
-                </a:solidFill>
-                <a:latin typeface="+mn-lt"/>
-                <a:ea typeface="+mn-ea"/>
-                <a:cs typeface="+mn-cs"/>
-              </a:defRPr>
-            </a:lvl2pPr>
-            <a:lvl3pPr marL="914400" indent="0" algn="l" defTabSz="914400" rtl="0" eaLnBrk="1" latinLnBrk="1" hangingPunct="1">
-              <a:lnSpc>
-                <a:spcPct val="90000"/>
-              </a:lnSpc>
-              <a:spcBef>
-                <a:spcPts val="500"/>
-              </a:spcBef>
-              <a:buFont typeface="Arial" panose="020B0604020202020204" pitchFamily="34" charset="0"/>
-              <a:buNone/>
-              <a:defRPr sz="2000" kern="1200">
-                <a:solidFill>
-                  <a:schemeClr val="tx1"/>
-                </a:solidFill>
-                <a:latin typeface="+mn-lt"/>
-                <a:ea typeface="+mn-ea"/>
-                <a:cs typeface="+mn-cs"/>
-              </a:defRPr>
-            </a:lvl3pPr>
-            <a:lvl4pPr marL="1371600" indent="0" algn="l" defTabSz="914400" rtl="0" eaLnBrk="1" latinLnBrk="1" hangingPunct="1">
-              <a:lnSpc>
-                <a:spcPct val="90000"/>
-              </a:lnSpc>
-              <a:spcBef>
-                <a:spcPts val="500"/>
-              </a:spcBef>
-              <a:buFont typeface="Arial" panose="020B0604020202020204" pitchFamily="34" charset="0"/>
-              <a:buNone/>
-              <a:defRPr sz="1800" kern="1200">
-                <a:solidFill>
-                  <a:schemeClr val="tx1"/>
-                </a:solidFill>
-                <a:latin typeface="+mn-lt"/>
-                <a:ea typeface="+mn-ea"/>
-                <a:cs typeface="+mn-cs"/>
-              </a:defRPr>
-            </a:lvl4pPr>
-            <a:lvl5pPr marL="1828800" indent="0" algn="l" defTabSz="914400" rtl="0" eaLnBrk="1" latinLnBrk="1" hangingPunct="1">
-              <a:lnSpc>
-                <a:spcPct val="90000"/>
-              </a:lnSpc>
-              <a:spcBef>
-                <a:spcPts val="500"/>
-              </a:spcBef>
-              <a:buFont typeface="Arial" panose="020B0604020202020204" pitchFamily="34" charset="0"/>
-              <a:buNone/>
-              <a:defRPr sz="1800" kern="1200">
-                <a:solidFill>
-                  <a:schemeClr val="tx1"/>
-                </a:solidFill>
-                <a:latin typeface="+mn-lt"/>
-                <a:ea typeface="+mn-ea"/>
-                <a:cs typeface="+mn-cs"/>
-              </a:defRPr>
-            </a:lvl5pPr>
-            <a:lvl6pPr marL="2514600" indent="-228600" algn="l" defTabSz="914400" rtl="0" eaLnBrk="1" latinLnBrk="1" hangingPunct="1">
-              <a:lnSpc>
-                <a:spcPct val="90000"/>
-              </a:lnSpc>
-              <a:spcBef>
-                <a:spcPts val="500"/>
-              </a:spcBef>
-              <a:buFont typeface="Arial" panose="020B0604020202020204" pitchFamily="34" charset="0"/>
-              <a:buChar char="•"/>
-              <a:defRPr sz="1800" kern="1200">
-                <a:solidFill>
-                  <a:schemeClr val="tx1"/>
-                </a:solidFill>
-                <a:latin typeface="+mn-lt"/>
-                <a:ea typeface="+mn-ea"/>
-                <a:cs typeface="+mn-cs"/>
-              </a:defRPr>
-            </a:lvl6pPr>
-            <a:lvl7pPr marL="2971800" indent="-228600" algn="l" defTabSz="914400" rtl="0" eaLnBrk="1" latinLnBrk="1" hangingPunct="1">
-              <a:lnSpc>
-                <a:spcPct val="90000"/>
-              </a:lnSpc>
-              <a:spcBef>
-                <a:spcPts val="500"/>
-              </a:spcBef>
-              <a:buFont typeface="Arial" panose="020B0604020202020204" pitchFamily="34" charset="0"/>
-              <a:buChar char="•"/>
-              <a:defRPr sz="1800" kern="1200">
-                <a:solidFill>
-                  <a:schemeClr val="tx1"/>
-                </a:solidFill>
-                <a:latin typeface="+mn-lt"/>
-                <a:ea typeface="+mn-ea"/>
-                <a:cs typeface="+mn-cs"/>
-              </a:defRPr>
-            </a:lvl7pPr>
-            <a:lvl8pPr marL="3429000" indent="-228600" algn="l" defTabSz="914400" rtl="0" eaLnBrk="1" latinLnBrk="1" hangingPunct="1">
-              <a:lnSpc>
-                <a:spcPct val="90000"/>
-              </a:lnSpc>
-              <a:spcBef>
-                <a:spcPts val="500"/>
-              </a:spcBef>
-              <a:buFont typeface="Arial" panose="020B0604020202020204" pitchFamily="34" charset="0"/>
-              <a:buChar char="•"/>
-              <a:defRPr sz="1800" kern="1200">
-                <a:solidFill>
-                  <a:schemeClr val="tx1"/>
-                </a:solidFill>
-                <a:latin typeface="+mn-lt"/>
-                <a:ea typeface="+mn-ea"/>
-                <a:cs typeface="+mn-cs"/>
-              </a:defRPr>
-            </a:lvl8pPr>
-            <a:lvl9pPr marL="3886200" indent="-228600" algn="l" defTabSz="914400" rtl="0" eaLnBrk="1" latinLnBrk="1" hangingPunct="1">
-              <a:lnSpc>
-                <a:spcPct val="90000"/>
-              </a:lnSpc>
-              <a:spcBef>
-                <a:spcPts val="500"/>
-              </a:spcBef>
-              <a:buFont typeface="Arial" panose="020B0604020202020204" pitchFamily="34" charset="0"/>
-              <a:buChar char="•"/>
-              <a:defRPr sz="1800" kern="1200">
-                <a:solidFill>
-                  <a:schemeClr val="tx1"/>
-                </a:solidFill>
-                <a:latin typeface="+mn-lt"/>
-                <a:ea typeface="+mn-ea"/>
-                <a:cs typeface="+mn-cs"/>
-              </a:defRPr>
-            </a:lvl9pPr>
-          </a:lstStyle>
-          <a:p>
-            <a:r>
-              <a:rPr lang="ko-KR" altLang="en-US" dirty="0"/>
-              <a:t>내용을 입력하세요 내용을 입력하세요</a:t>
-            </a:r>
-          </a:p>
-          <a:p>
-            <a:r>
-              <a:rPr lang="ko-KR" altLang="en-US" dirty="0"/>
-              <a:t>내용을 입력하세요 내용을 입력하세요</a:t>
-            </a:r>
-          </a:p>
-          <a:p>
-            <a:r>
-              <a:rPr lang="ko-KR" altLang="en-US" dirty="0"/>
-              <a:t>내용을 입력하세요 내용을 입력하세요</a:t>
-            </a:r>
-          </a:p>
-          <a:p>
-            <a:endParaRPr lang="ko-KR" altLang="en-US" dirty="0"/>
-          </a:p>
-        </p:txBody>
-      </p:sp>
-      <p:sp>
-        <p:nvSpPr>
-          <p:cNvPr id="42" name="텍스트 개체 틀 7"/>
-          <p:cNvSpPr>
-            <a:spLocks noGrp="1"/>
-          </p:cNvSpPr>
-          <p:nvPr/>
-        </p:nvSpPr>
-        <p:spPr>
-          <a:xfrm>
-            <a:off x="2801418" y="2120507"/>
-            <a:ext cx="2902802" cy="996179"/>
-          </a:xfrm>
-          <a:prstGeom prst="rect">
-            <a:avLst/>
-          </a:prstGeom>
-        </p:spPr>
-        <p:txBody>
-          <a:bodyPr vert="horz" lIns="91440" tIns="45720" rIns="91440" bIns="45720" rtlCol="0">
-            <a:normAutofit/>
-          </a:bodyPr>
-          <a:lstStyle>
-            <a:lvl1pPr marL="0" indent="0" algn="r" defTabSz="914400" rtl="0" eaLnBrk="1" latinLnBrk="1" hangingPunct="1">
-              <a:lnSpc>
-                <a:spcPct val="90000"/>
-              </a:lnSpc>
-              <a:spcBef>
-                <a:spcPts val="1000"/>
-              </a:spcBef>
-              <a:buFont typeface="Arial" panose="020B0604020202020204" pitchFamily="34" charset="0"/>
-              <a:buNone/>
-              <a:defRPr sz="1200" b="1" i="0" kern="1200">
-                <a:solidFill>
-                  <a:srgbClr val="8B723C"/>
-                </a:solidFill>
-                <a:latin typeface="나눔고딕" panose="020D0604000000000000" pitchFamily="50" charset="-127"/>
-                <a:ea typeface="나눔고딕" panose="020D0604000000000000" pitchFamily="50" charset="-127"/>
-                <a:cs typeface="+mn-cs"/>
-              </a:defRPr>
-            </a:lvl1pPr>
-            <a:lvl2pPr marL="457200" indent="0" algn="l" defTabSz="914400" rtl="0" eaLnBrk="1" latinLnBrk="1" hangingPunct="1">
-              <a:lnSpc>
-                <a:spcPct val="90000"/>
-              </a:lnSpc>
-              <a:spcBef>
-                <a:spcPts val="500"/>
-              </a:spcBef>
-              <a:buFont typeface="Arial" panose="020B0604020202020204" pitchFamily="34" charset="0"/>
-              <a:buNone/>
-              <a:defRPr sz="2400" kern="1200">
-                <a:solidFill>
-                  <a:schemeClr val="tx1"/>
-                </a:solidFill>
-                <a:latin typeface="+mn-lt"/>
-                <a:ea typeface="+mn-ea"/>
-                <a:cs typeface="+mn-cs"/>
-              </a:defRPr>
-            </a:lvl2pPr>
-            <a:lvl3pPr marL="914400" indent="0" algn="l" defTabSz="914400" rtl="0" eaLnBrk="1" latinLnBrk="1" hangingPunct="1">
-              <a:lnSpc>
-                <a:spcPct val="90000"/>
-              </a:lnSpc>
-              <a:spcBef>
-                <a:spcPts val="500"/>
-              </a:spcBef>
-              <a:buFont typeface="Arial" panose="020B0604020202020204" pitchFamily="34" charset="0"/>
-              <a:buNone/>
-              <a:defRPr sz="2000" kern="1200">
-                <a:solidFill>
-                  <a:schemeClr val="tx1"/>
-                </a:solidFill>
-                <a:latin typeface="+mn-lt"/>
-                <a:ea typeface="+mn-ea"/>
-                <a:cs typeface="+mn-cs"/>
-              </a:defRPr>
-            </a:lvl3pPr>
-            <a:lvl4pPr marL="1371600" indent="0" algn="l" defTabSz="914400" rtl="0" eaLnBrk="1" latinLnBrk="1" hangingPunct="1">
-              <a:lnSpc>
-                <a:spcPct val="90000"/>
-              </a:lnSpc>
-              <a:spcBef>
-                <a:spcPts val="500"/>
-              </a:spcBef>
-              <a:buFont typeface="Arial" panose="020B0604020202020204" pitchFamily="34" charset="0"/>
-              <a:buNone/>
-              <a:defRPr sz="1800" kern="1200">
-                <a:solidFill>
-                  <a:schemeClr val="tx1"/>
-                </a:solidFill>
-                <a:latin typeface="+mn-lt"/>
-                <a:ea typeface="+mn-ea"/>
-                <a:cs typeface="+mn-cs"/>
-              </a:defRPr>
-            </a:lvl4pPr>
-            <a:lvl5pPr marL="1828800" indent="0" algn="l" defTabSz="914400" rtl="0" eaLnBrk="1" latinLnBrk="1" hangingPunct="1">
-              <a:lnSpc>
-                <a:spcPct val="90000"/>
-              </a:lnSpc>
-              <a:spcBef>
-                <a:spcPts val="500"/>
-              </a:spcBef>
-              <a:buFont typeface="Arial" panose="020B0604020202020204" pitchFamily="34" charset="0"/>
-              <a:buNone/>
-              <a:defRPr sz="1800" kern="1200">
-                <a:solidFill>
-                  <a:schemeClr val="tx1"/>
-                </a:solidFill>
-                <a:latin typeface="+mn-lt"/>
-                <a:ea typeface="+mn-ea"/>
-                <a:cs typeface="+mn-cs"/>
-              </a:defRPr>
-            </a:lvl5pPr>
-            <a:lvl6pPr marL="2514600" indent="-228600" algn="l" defTabSz="914400" rtl="0" eaLnBrk="1" latinLnBrk="1" hangingPunct="1">
-              <a:lnSpc>
-                <a:spcPct val="90000"/>
-              </a:lnSpc>
-              <a:spcBef>
-                <a:spcPts val="500"/>
-              </a:spcBef>
-              <a:buFont typeface="Arial" panose="020B0604020202020204" pitchFamily="34" charset="0"/>
-              <a:buChar char="•"/>
-              <a:defRPr sz="1800" kern="1200">
-                <a:solidFill>
-                  <a:schemeClr val="tx1"/>
-                </a:solidFill>
-                <a:latin typeface="+mn-lt"/>
-                <a:ea typeface="+mn-ea"/>
-                <a:cs typeface="+mn-cs"/>
-              </a:defRPr>
-            </a:lvl6pPr>
-            <a:lvl7pPr marL="2971800" indent="-228600" algn="l" defTabSz="914400" rtl="0" eaLnBrk="1" latinLnBrk="1" hangingPunct="1">
-              <a:lnSpc>
-                <a:spcPct val="90000"/>
-              </a:lnSpc>
-              <a:spcBef>
-                <a:spcPts val="500"/>
-              </a:spcBef>
-              <a:buFont typeface="Arial" panose="020B0604020202020204" pitchFamily="34" charset="0"/>
-              <a:buChar char="•"/>
-              <a:defRPr sz="1800" kern="1200">
-                <a:solidFill>
-                  <a:schemeClr val="tx1"/>
-                </a:solidFill>
-                <a:latin typeface="+mn-lt"/>
-                <a:ea typeface="+mn-ea"/>
-                <a:cs typeface="+mn-cs"/>
-              </a:defRPr>
-            </a:lvl7pPr>
-            <a:lvl8pPr marL="3429000" indent="-228600" algn="l" defTabSz="914400" rtl="0" eaLnBrk="1" latinLnBrk="1" hangingPunct="1">
-              <a:lnSpc>
-                <a:spcPct val="90000"/>
-              </a:lnSpc>
-              <a:spcBef>
-                <a:spcPts val="500"/>
-              </a:spcBef>
-              <a:buFont typeface="Arial" panose="020B0604020202020204" pitchFamily="34" charset="0"/>
-              <a:buChar char="•"/>
-              <a:defRPr sz="1800" kern="1200">
-                <a:solidFill>
-                  <a:schemeClr val="tx1"/>
-                </a:solidFill>
-                <a:latin typeface="+mn-lt"/>
-                <a:ea typeface="+mn-ea"/>
-                <a:cs typeface="+mn-cs"/>
-              </a:defRPr>
-            </a:lvl8pPr>
-            <a:lvl9pPr marL="3886200" indent="-228600" algn="l" defTabSz="914400" rtl="0" eaLnBrk="1" latinLnBrk="1" hangingPunct="1">
-              <a:lnSpc>
-                <a:spcPct val="90000"/>
-              </a:lnSpc>
-              <a:spcBef>
-                <a:spcPts val="500"/>
-              </a:spcBef>
-              <a:buFont typeface="Arial" panose="020B0604020202020204" pitchFamily="34" charset="0"/>
-              <a:buChar char="•"/>
-              <a:defRPr sz="1800" kern="1200">
-                <a:solidFill>
-                  <a:schemeClr val="tx1"/>
-                </a:solidFill>
-                <a:latin typeface="+mn-lt"/>
-                <a:ea typeface="+mn-ea"/>
-                <a:cs typeface="+mn-cs"/>
-              </a:defRPr>
-            </a:lvl9pPr>
-          </a:lstStyle>
-          <a:p>
-            <a:r>
-              <a:rPr lang="en-US" altLang="ko-KR" dirty="0"/>
-              <a:t>1</a:t>
-            </a:r>
-            <a:r>
-              <a:rPr lang="ko-KR" altLang="en-US" dirty="0"/>
-              <a:t>인</a:t>
-            </a:r>
-            <a:r>
-              <a:rPr lang="en-US" altLang="ko-KR" dirty="0"/>
-              <a:t> </a:t>
-            </a:r>
-            <a:r>
-              <a:rPr lang="ko-KR" altLang="en-US" dirty="0"/>
-              <a:t>쓰레기 배출 현황</a:t>
-            </a:r>
-            <a:endParaRPr lang="en-US" altLang="ko-KR" dirty="0"/>
-          </a:p>
-          <a:p>
-            <a:r>
-              <a:rPr lang="ko-KR" altLang="en-US" dirty="0"/>
-              <a:t>연도 쓰레기 배출 변화</a:t>
-            </a:r>
-          </a:p>
-          <a:p>
-            <a:r>
-              <a:rPr lang="ko-KR" altLang="en-US" dirty="0"/>
-              <a:t>재활용도움센터 필요성</a:t>
-            </a:r>
-          </a:p>
-        </p:txBody>
-      </p:sp>
-      <p:sp>
-        <p:nvSpPr>
-          <p:cNvPr id="43" name="텍스트 개체 틀 8"/>
-          <p:cNvSpPr>
-            <a:spLocks noGrp="1"/>
-          </p:cNvSpPr>
-          <p:nvPr/>
-        </p:nvSpPr>
-        <p:spPr>
-          <a:xfrm>
-            <a:off x="9116425" y="5438456"/>
-            <a:ext cx="1208673" cy="570382"/>
-          </a:xfrm>
-          <a:prstGeom prst="rect">
-            <a:avLst/>
-          </a:prstGeom>
-        </p:spPr>
-        <p:txBody>
-          <a:bodyPr vert="horz" lIns="91440" tIns="45720" rIns="91440" bIns="45720" rtlCol="0" anchor="ctr">
-            <a:noAutofit/>
-          </a:bodyPr>
-          <a:lstStyle>
-            <a:lvl1pPr marL="0" indent="0" algn="l" defTabSz="914400" rtl="0" eaLnBrk="1" latinLnBrk="1" hangingPunct="1">
-              <a:lnSpc>
-                <a:spcPct val="90000"/>
-              </a:lnSpc>
-              <a:spcBef>
-                <a:spcPts val="1000"/>
-              </a:spcBef>
-              <a:buFont typeface="Arial" panose="020B0604020202020204" pitchFamily="34" charset="0"/>
-              <a:buNone/>
-              <a:defRPr sz="2800" b="0" i="0" kern="1200">
-                <a:solidFill>
-                  <a:srgbClr val="8B723C"/>
-                </a:solidFill>
-                <a:latin typeface="210 하얀바람 B" panose="02020603020101020101" pitchFamily="18" charset="-127"/>
-                <a:ea typeface="210 하얀바람 B" panose="02020603020101020101" pitchFamily="18" charset="-127"/>
-                <a:cs typeface="+mn-cs"/>
-              </a:defRPr>
-            </a:lvl1pPr>
-            <a:lvl2pPr marL="457200" indent="0" algn="l" defTabSz="914400" rtl="0" eaLnBrk="1" latinLnBrk="1" hangingPunct="1">
-              <a:lnSpc>
-                <a:spcPct val="90000"/>
-              </a:lnSpc>
-              <a:spcBef>
-                <a:spcPts val="500"/>
-              </a:spcBef>
-              <a:buFont typeface="Arial" panose="020B0604020202020204" pitchFamily="34" charset="0"/>
-              <a:buNone/>
-              <a:defRPr sz="2400" kern="1200">
-                <a:solidFill>
-                  <a:schemeClr val="tx1"/>
-                </a:solidFill>
-                <a:latin typeface="+mn-lt"/>
-                <a:ea typeface="+mn-ea"/>
-                <a:cs typeface="+mn-cs"/>
-              </a:defRPr>
-            </a:lvl2pPr>
-            <a:lvl3pPr marL="914400" indent="0" algn="l" defTabSz="914400" rtl="0" eaLnBrk="1" latinLnBrk="1" hangingPunct="1">
-              <a:lnSpc>
-                <a:spcPct val="90000"/>
-              </a:lnSpc>
-              <a:spcBef>
-                <a:spcPts val="500"/>
-              </a:spcBef>
-              <a:buFont typeface="Arial" panose="020B0604020202020204" pitchFamily="34" charset="0"/>
-              <a:buNone/>
-              <a:defRPr sz="2000" kern="1200">
-                <a:solidFill>
-                  <a:schemeClr val="tx1"/>
-                </a:solidFill>
-                <a:latin typeface="+mn-lt"/>
-                <a:ea typeface="+mn-ea"/>
-                <a:cs typeface="+mn-cs"/>
-              </a:defRPr>
-            </a:lvl3pPr>
-            <a:lvl4pPr marL="1371600" indent="0" algn="l" defTabSz="914400" rtl="0" eaLnBrk="1" latinLnBrk="1" hangingPunct="1">
-              <a:lnSpc>
-                <a:spcPct val="90000"/>
-              </a:lnSpc>
-              <a:spcBef>
-                <a:spcPts val="500"/>
-              </a:spcBef>
-              <a:buFont typeface="Arial" panose="020B0604020202020204" pitchFamily="34" charset="0"/>
-              <a:buNone/>
-              <a:defRPr sz="1800" kern="1200">
-                <a:solidFill>
-                  <a:schemeClr val="tx1"/>
-                </a:solidFill>
-                <a:latin typeface="+mn-lt"/>
-                <a:ea typeface="+mn-ea"/>
-                <a:cs typeface="+mn-cs"/>
-              </a:defRPr>
-            </a:lvl4pPr>
-            <a:lvl5pPr marL="1828800" indent="0" algn="l" defTabSz="914400" rtl="0" eaLnBrk="1" latinLnBrk="1" hangingPunct="1">
-              <a:lnSpc>
-                <a:spcPct val="90000"/>
-              </a:lnSpc>
-              <a:spcBef>
-                <a:spcPts val="500"/>
-              </a:spcBef>
-              <a:buFont typeface="Arial" panose="020B0604020202020204" pitchFamily="34" charset="0"/>
-              <a:buNone/>
-              <a:defRPr sz="1800" kern="1200">
-                <a:solidFill>
-                  <a:schemeClr val="tx1"/>
-                </a:solidFill>
-                <a:latin typeface="+mn-lt"/>
-                <a:ea typeface="+mn-ea"/>
-                <a:cs typeface="+mn-cs"/>
-              </a:defRPr>
-            </a:lvl5pPr>
-            <a:lvl6pPr marL="2514600" indent="-228600" algn="l" defTabSz="914400" rtl="0" eaLnBrk="1" latinLnBrk="1" hangingPunct="1">
-              <a:lnSpc>
-                <a:spcPct val="90000"/>
-              </a:lnSpc>
-              <a:spcBef>
-                <a:spcPts val="500"/>
-              </a:spcBef>
-              <a:buFont typeface="Arial" panose="020B0604020202020204" pitchFamily="34" charset="0"/>
-              <a:buChar char="•"/>
-              <a:defRPr sz="1800" kern="1200">
-                <a:solidFill>
-                  <a:schemeClr val="tx1"/>
-                </a:solidFill>
-                <a:latin typeface="+mn-lt"/>
-                <a:ea typeface="+mn-ea"/>
-                <a:cs typeface="+mn-cs"/>
-              </a:defRPr>
-            </a:lvl6pPr>
-            <a:lvl7pPr marL="2971800" indent="-228600" algn="l" defTabSz="914400" rtl="0" eaLnBrk="1" latinLnBrk="1" hangingPunct="1">
-              <a:lnSpc>
-                <a:spcPct val="90000"/>
-              </a:lnSpc>
-              <a:spcBef>
-                <a:spcPts val="500"/>
-              </a:spcBef>
-              <a:buFont typeface="Arial" panose="020B0604020202020204" pitchFamily="34" charset="0"/>
-              <a:buChar char="•"/>
-              <a:defRPr sz="1800" kern="1200">
-                <a:solidFill>
-                  <a:schemeClr val="tx1"/>
-                </a:solidFill>
-                <a:latin typeface="+mn-lt"/>
-                <a:ea typeface="+mn-ea"/>
-                <a:cs typeface="+mn-cs"/>
-              </a:defRPr>
-            </a:lvl7pPr>
-            <a:lvl8pPr marL="3429000" indent="-228600" algn="l" defTabSz="914400" rtl="0" eaLnBrk="1" latinLnBrk="1" hangingPunct="1">
-              <a:lnSpc>
-                <a:spcPct val="90000"/>
-              </a:lnSpc>
-              <a:spcBef>
-                <a:spcPts val="500"/>
-              </a:spcBef>
-              <a:buFont typeface="Arial" panose="020B0604020202020204" pitchFamily="34" charset="0"/>
-              <a:buChar char="•"/>
-              <a:defRPr sz="1800" kern="1200">
-                <a:solidFill>
-                  <a:schemeClr val="tx1"/>
-                </a:solidFill>
-                <a:latin typeface="+mn-lt"/>
-                <a:ea typeface="+mn-ea"/>
-                <a:cs typeface="+mn-cs"/>
-              </a:defRPr>
-            </a:lvl8pPr>
-            <a:lvl9pPr marL="3886200" indent="-228600" algn="l" defTabSz="914400" rtl="0" eaLnBrk="1" latinLnBrk="1" hangingPunct="1">
-              <a:lnSpc>
-                <a:spcPct val="90000"/>
-              </a:lnSpc>
-              <a:spcBef>
-                <a:spcPts val="500"/>
-              </a:spcBef>
-              <a:buFont typeface="Arial" panose="020B0604020202020204" pitchFamily="34" charset="0"/>
-              <a:buChar char="•"/>
-              <a:defRPr sz="1800" kern="1200">
-                <a:solidFill>
-                  <a:schemeClr val="tx1"/>
-                </a:solidFill>
-                <a:latin typeface="+mn-lt"/>
-                <a:ea typeface="+mn-ea"/>
-                <a:cs typeface="+mn-cs"/>
-              </a:defRPr>
-            </a:lvl9pPr>
-          </a:lstStyle>
-          <a:p>
-            <a:r>
-              <a:rPr lang="en-US" altLang="ko-KR" sz="3200" dirty="0"/>
-              <a:t>Q&amp;A </a:t>
-            </a:r>
-            <a:r>
-              <a:rPr lang="ko-KR" altLang="en-US" sz="3200" dirty="0"/>
-              <a:t>출처</a:t>
-            </a:r>
-          </a:p>
-        </p:txBody>
-      </p:sp>
-      <p:sp>
-        <p:nvSpPr>
-          <p:cNvPr id="44" name="텍스트 개체 틀 9"/>
-          <p:cNvSpPr>
-            <a:spLocks noGrp="1"/>
-          </p:cNvSpPr>
-          <p:nvPr/>
-        </p:nvSpPr>
-        <p:spPr>
-          <a:xfrm>
-            <a:off x="8925766" y="3554159"/>
-            <a:ext cx="2159576" cy="570382"/>
-          </a:xfrm>
-          <a:prstGeom prst="rect">
-            <a:avLst/>
-          </a:prstGeom>
-        </p:spPr>
-        <p:txBody>
-          <a:bodyPr vert="horz" lIns="91440" tIns="45720" rIns="91440" bIns="45720" rtlCol="0" anchor="ctr">
-            <a:noAutofit/>
-          </a:bodyPr>
-          <a:lstStyle>
-            <a:lvl1pPr marL="0" indent="0" algn="l" defTabSz="914400" rtl="0" eaLnBrk="1" latinLnBrk="1" hangingPunct="1">
-              <a:lnSpc>
-                <a:spcPct val="90000"/>
-              </a:lnSpc>
-              <a:spcBef>
-                <a:spcPts val="1000"/>
-              </a:spcBef>
-              <a:buFont typeface="Arial" panose="020B0604020202020204" pitchFamily="34" charset="0"/>
-              <a:buNone/>
-              <a:defRPr sz="2800" b="0" i="0" kern="1200">
-                <a:solidFill>
-                  <a:srgbClr val="8B723C"/>
-                </a:solidFill>
-                <a:latin typeface="210 하얀바람 B" panose="02020603020101020101" pitchFamily="18" charset="-127"/>
-                <a:ea typeface="210 하얀바람 B" panose="02020603020101020101" pitchFamily="18" charset="-127"/>
-                <a:cs typeface="+mn-cs"/>
-              </a:defRPr>
-            </a:lvl1pPr>
-            <a:lvl2pPr marL="457200" indent="0" algn="l" defTabSz="914400" rtl="0" eaLnBrk="1" latinLnBrk="1" hangingPunct="1">
-              <a:lnSpc>
-                <a:spcPct val="90000"/>
-              </a:lnSpc>
-              <a:spcBef>
-                <a:spcPts val="500"/>
-              </a:spcBef>
-              <a:buFont typeface="Arial" panose="020B0604020202020204" pitchFamily="34" charset="0"/>
-              <a:buNone/>
-              <a:defRPr sz="2400" kern="1200">
-                <a:solidFill>
-                  <a:schemeClr val="tx1"/>
-                </a:solidFill>
-                <a:latin typeface="+mn-lt"/>
-                <a:ea typeface="+mn-ea"/>
-                <a:cs typeface="+mn-cs"/>
-              </a:defRPr>
-            </a:lvl2pPr>
-            <a:lvl3pPr marL="914400" indent="0" algn="l" defTabSz="914400" rtl="0" eaLnBrk="1" latinLnBrk="1" hangingPunct="1">
-              <a:lnSpc>
-                <a:spcPct val="90000"/>
-              </a:lnSpc>
-              <a:spcBef>
-                <a:spcPts val="500"/>
-              </a:spcBef>
-              <a:buFont typeface="Arial" panose="020B0604020202020204" pitchFamily="34" charset="0"/>
-              <a:buNone/>
-              <a:defRPr sz="2000" kern="1200">
-                <a:solidFill>
-                  <a:schemeClr val="tx1"/>
-                </a:solidFill>
-                <a:latin typeface="+mn-lt"/>
-                <a:ea typeface="+mn-ea"/>
-                <a:cs typeface="+mn-cs"/>
-              </a:defRPr>
-            </a:lvl3pPr>
-            <a:lvl4pPr marL="1371600" indent="0" algn="l" defTabSz="914400" rtl="0" eaLnBrk="1" latinLnBrk="1" hangingPunct="1">
-              <a:lnSpc>
-                <a:spcPct val="90000"/>
-              </a:lnSpc>
-              <a:spcBef>
-                <a:spcPts val="500"/>
-              </a:spcBef>
-              <a:buFont typeface="Arial" panose="020B0604020202020204" pitchFamily="34" charset="0"/>
-              <a:buNone/>
-              <a:defRPr sz="1800" kern="1200">
-                <a:solidFill>
-                  <a:schemeClr val="tx1"/>
-                </a:solidFill>
-                <a:latin typeface="+mn-lt"/>
-                <a:ea typeface="+mn-ea"/>
-                <a:cs typeface="+mn-cs"/>
-              </a:defRPr>
-            </a:lvl4pPr>
-            <a:lvl5pPr marL="1828800" indent="0" algn="l" defTabSz="914400" rtl="0" eaLnBrk="1" latinLnBrk="1" hangingPunct="1">
-              <a:lnSpc>
-                <a:spcPct val="90000"/>
-              </a:lnSpc>
-              <a:spcBef>
-                <a:spcPts val="500"/>
-              </a:spcBef>
-              <a:buFont typeface="Arial" panose="020B0604020202020204" pitchFamily="34" charset="0"/>
-              <a:buNone/>
-              <a:defRPr sz="1800" kern="1200">
-                <a:solidFill>
-                  <a:schemeClr val="tx1"/>
-                </a:solidFill>
-                <a:latin typeface="+mn-lt"/>
-                <a:ea typeface="+mn-ea"/>
-                <a:cs typeface="+mn-cs"/>
-              </a:defRPr>
-            </a:lvl5pPr>
-            <a:lvl6pPr marL="2514600" indent="-228600" algn="l" defTabSz="914400" rtl="0" eaLnBrk="1" latinLnBrk="1" hangingPunct="1">
-              <a:lnSpc>
-                <a:spcPct val="90000"/>
-              </a:lnSpc>
-              <a:spcBef>
-                <a:spcPts val="500"/>
-              </a:spcBef>
-              <a:buFont typeface="Arial" panose="020B0604020202020204" pitchFamily="34" charset="0"/>
-              <a:buChar char="•"/>
-              <a:defRPr sz="1800" kern="1200">
-                <a:solidFill>
-                  <a:schemeClr val="tx1"/>
-                </a:solidFill>
-                <a:latin typeface="+mn-lt"/>
-                <a:ea typeface="+mn-ea"/>
-                <a:cs typeface="+mn-cs"/>
-              </a:defRPr>
-            </a:lvl6pPr>
-            <a:lvl7pPr marL="2971800" indent="-228600" algn="l" defTabSz="914400" rtl="0" eaLnBrk="1" latinLnBrk="1" hangingPunct="1">
-              <a:lnSpc>
-                <a:spcPct val="90000"/>
-              </a:lnSpc>
-              <a:spcBef>
-                <a:spcPts val="500"/>
-              </a:spcBef>
-              <a:buFont typeface="Arial" panose="020B0604020202020204" pitchFamily="34" charset="0"/>
-              <a:buChar char="•"/>
-              <a:defRPr sz="1800" kern="1200">
-                <a:solidFill>
-                  <a:schemeClr val="tx1"/>
-                </a:solidFill>
-                <a:latin typeface="+mn-lt"/>
-                <a:ea typeface="+mn-ea"/>
-                <a:cs typeface="+mn-cs"/>
-              </a:defRPr>
-            </a:lvl7pPr>
-            <a:lvl8pPr marL="3429000" indent="-228600" algn="l" defTabSz="914400" rtl="0" eaLnBrk="1" latinLnBrk="1" hangingPunct="1">
-              <a:lnSpc>
-                <a:spcPct val="90000"/>
-              </a:lnSpc>
-              <a:spcBef>
-                <a:spcPts val="500"/>
-              </a:spcBef>
-              <a:buFont typeface="Arial" panose="020B0604020202020204" pitchFamily="34" charset="0"/>
-              <a:buChar char="•"/>
-              <a:defRPr sz="1800" kern="1200">
-                <a:solidFill>
-                  <a:schemeClr val="tx1"/>
-                </a:solidFill>
-                <a:latin typeface="+mn-lt"/>
-                <a:ea typeface="+mn-ea"/>
-                <a:cs typeface="+mn-cs"/>
-              </a:defRPr>
-            </a:lvl8pPr>
-            <a:lvl9pPr marL="3886200" indent="-228600" algn="l" defTabSz="914400" rtl="0" eaLnBrk="1" latinLnBrk="1" hangingPunct="1">
-              <a:lnSpc>
-                <a:spcPct val="90000"/>
-              </a:lnSpc>
-              <a:spcBef>
-                <a:spcPts val="500"/>
-              </a:spcBef>
-              <a:buFont typeface="Arial" panose="020B0604020202020204" pitchFamily="34" charset="0"/>
-              <a:buChar char="•"/>
-              <a:defRPr sz="1800" kern="1200">
-                <a:solidFill>
-                  <a:schemeClr val="tx1"/>
-                </a:solidFill>
-                <a:latin typeface="+mn-lt"/>
-                <a:ea typeface="+mn-ea"/>
-                <a:cs typeface="+mn-cs"/>
-              </a:defRPr>
-            </a:lvl9pPr>
-          </a:lstStyle>
-          <a:p>
-            <a:r>
-              <a:rPr lang="ko-KR" altLang="en-US" sz="3200" dirty="0"/>
-              <a:t>데이터</a:t>
-            </a:r>
-            <a:br>
-              <a:rPr lang="en-US" altLang="ko-KR" sz="3200" dirty="0"/>
-            </a:br>
-            <a:r>
-              <a:rPr lang="ko-KR" altLang="en-US" sz="3200" dirty="0" err="1"/>
-              <a:t>전처리</a:t>
-            </a:r>
-            <a:endParaRPr lang="ko-KR" altLang="en-US" sz="3200" dirty="0"/>
-          </a:p>
-        </p:txBody>
-      </p:sp>
-      <p:sp>
-        <p:nvSpPr>
-          <p:cNvPr id="45" name="텍스트 개체 틀 10"/>
-          <p:cNvSpPr>
-            <a:spLocks noGrp="1"/>
-          </p:cNvSpPr>
-          <p:nvPr/>
-        </p:nvSpPr>
-        <p:spPr>
-          <a:xfrm>
-            <a:off x="8847770" y="1743149"/>
-            <a:ext cx="1477328" cy="570382"/>
-          </a:xfrm>
-          <a:prstGeom prst="rect">
-            <a:avLst/>
-          </a:prstGeom>
-        </p:spPr>
-        <p:txBody>
-          <a:bodyPr vert="horz" lIns="91440" tIns="45720" rIns="91440" bIns="45720" rtlCol="0" anchor="ctr">
-            <a:noAutofit/>
-          </a:bodyPr>
-          <a:lstStyle>
-            <a:lvl1pPr marL="0" indent="0" algn="l" defTabSz="914400" rtl="0" eaLnBrk="1" latinLnBrk="1" hangingPunct="1">
-              <a:lnSpc>
-                <a:spcPct val="90000"/>
-              </a:lnSpc>
-              <a:spcBef>
-                <a:spcPts val="1000"/>
-              </a:spcBef>
-              <a:buFont typeface="Arial" panose="020B0604020202020204" pitchFamily="34" charset="0"/>
-              <a:buNone/>
-              <a:defRPr sz="2800" b="0" i="0" kern="1200">
-                <a:solidFill>
-                  <a:srgbClr val="8B723C"/>
-                </a:solidFill>
-                <a:latin typeface="210 하얀바람 B" panose="02020603020101020101" pitchFamily="18" charset="-127"/>
-                <a:ea typeface="210 하얀바람 B" panose="02020603020101020101" pitchFamily="18" charset="-127"/>
-                <a:cs typeface="+mn-cs"/>
-              </a:defRPr>
-            </a:lvl1pPr>
-            <a:lvl2pPr marL="457200" indent="0" algn="l" defTabSz="914400" rtl="0" eaLnBrk="1" latinLnBrk="1" hangingPunct="1">
-              <a:lnSpc>
-                <a:spcPct val="90000"/>
-              </a:lnSpc>
-              <a:spcBef>
-                <a:spcPts val="500"/>
-              </a:spcBef>
-              <a:buFont typeface="Arial" panose="020B0604020202020204" pitchFamily="34" charset="0"/>
-              <a:buNone/>
-              <a:defRPr sz="2400" kern="1200">
-                <a:solidFill>
-                  <a:schemeClr val="tx1"/>
-                </a:solidFill>
-                <a:latin typeface="+mn-lt"/>
-                <a:ea typeface="+mn-ea"/>
-                <a:cs typeface="+mn-cs"/>
-              </a:defRPr>
-            </a:lvl2pPr>
-            <a:lvl3pPr marL="914400" indent="0" algn="l" defTabSz="914400" rtl="0" eaLnBrk="1" latinLnBrk="1" hangingPunct="1">
-              <a:lnSpc>
-                <a:spcPct val="90000"/>
-              </a:lnSpc>
-              <a:spcBef>
-                <a:spcPts val="500"/>
-              </a:spcBef>
-              <a:buFont typeface="Arial" panose="020B0604020202020204" pitchFamily="34" charset="0"/>
-              <a:buNone/>
-              <a:defRPr sz="2000" kern="1200">
-                <a:solidFill>
-                  <a:schemeClr val="tx1"/>
-                </a:solidFill>
-                <a:latin typeface="+mn-lt"/>
-                <a:ea typeface="+mn-ea"/>
-                <a:cs typeface="+mn-cs"/>
-              </a:defRPr>
-            </a:lvl3pPr>
-            <a:lvl4pPr marL="1371600" indent="0" algn="l" defTabSz="914400" rtl="0" eaLnBrk="1" latinLnBrk="1" hangingPunct="1">
-              <a:lnSpc>
-                <a:spcPct val="90000"/>
-              </a:lnSpc>
-              <a:spcBef>
-                <a:spcPts val="500"/>
-              </a:spcBef>
-              <a:buFont typeface="Arial" panose="020B0604020202020204" pitchFamily="34" charset="0"/>
-              <a:buNone/>
-              <a:defRPr sz="1800" kern="1200">
-                <a:solidFill>
-                  <a:schemeClr val="tx1"/>
-                </a:solidFill>
-                <a:latin typeface="+mn-lt"/>
-                <a:ea typeface="+mn-ea"/>
-                <a:cs typeface="+mn-cs"/>
-              </a:defRPr>
-            </a:lvl4pPr>
-            <a:lvl5pPr marL="1828800" indent="0" algn="l" defTabSz="914400" rtl="0" eaLnBrk="1" latinLnBrk="1" hangingPunct="1">
-              <a:lnSpc>
-                <a:spcPct val="90000"/>
-              </a:lnSpc>
-              <a:spcBef>
-                <a:spcPts val="500"/>
-              </a:spcBef>
-              <a:buFont typeface="Arial" panose="020B0604020202020204" pitchFamily="34" charset="0"/>
-              <a:buNone/>
-              <a:defRPr sz="1800" kern="1200">
-                <a:solidFill>
-                  <a:schemeClr val="tx1"/>
-                </a:solidFill>
-                <a:latin typeface="+mn-lt"/>
-                <a:ea typeface="+mn-ea"/>
-                <a:cs typeface="+mn-cs"/>
-              </a:defRPr>
-            </a:lvl5pPr>
-            <a:lvl6pPr marL="2514600" indent="-228600" algn="l" defTabSz="914400" rtl="0" eaLnBrk="1" latinLnBrk="1" hangingPunct="1">
-              <a:lnSpc>
-                <a:spcPct val="90000"/>
-              </a:lnSpc>
-              <a:spcBef>
-                <a:spcPts val="500"/>
-              </a:spcBef>
-              <a:buFont typeface="Arial" panose="020B0604020202020204" pitchFamily="34" charset="0"/>
-              <a:buChar char="•"/>
-              <a:defRPr sz="1800" kern="1200">
-                <a:solidFill>
-                  <a:schemeClr val="tx1"/>
-                </a:solidFill>
-                <a:latin typeface="+mn-lt"/>
-                <a:ea typeface="+mn-ea"/>
-                <a:cs typeface="+mn-cs"/>
-              </a:defRPr>
-            </a:lvl6pPr>
-            <a:lvl7pPr marL="2971800" indent="-228600" algn="l" defTabSz="914400" rtl="0" eaLnBrk="1" latinLnBrk="1" hangingPunct="1">
-              <a:lnSpc>
-                <a:spcPct val="90000"/>
-              </a:lnSpc>
-              <a:spcBef>
-                <a:spcPts val="500"/>
-              </a:spcBef>
-              <a:buFont typeface="Arial" panose="020B0604020202020204" pitchFamily="34" charset="0"/>
-              <a:buChar char="•"/>
-              <a:defRPr sz="1800" kern="1200">
-                <a:solidFill>
-                  <a:schemeClr val="tx1"/>
-                </a:solidFill>
-                <a:latin typeface="+mn-lt"/>
-                <a:ea typeface="+mn-ea"/>
-                <a:cs typeface="+mn-cs"/>
-              </a:defRPr>
-            </a:lvl7pPr>
-            <a:lvl8pPr marL="3429000" indent="-228600" algn="l" defTabSz="914400" rtl="0" eaLnBrk="1" latinLnBrk="1" hangingPunct="1">
-              <a:lnSpc>
-                <a:spcPct val="90000"/>
-              </a:lnSpc>
-              <a:spcBef>
-                <a:spcPts val="500"/>
-              </a:spcBef>
-              <a:buFont typeface="Arial" panose="020B0604020202020204" pitchFamily="34" charset="0"/>
-              <a:buChar char="•"/>
-              <a:defRPr sz="1800" kern="1200">
-                <a:solidFill>
-                  <a:schemeClr val="tx1"/>
-                </a:solidFill>
-                <a:latin typeface="+mn-lt"/>
-                <a:ea typeface="+mn-ea"/>
-                <a:cs typeface="+mn-cs"/>
-              </a:defRPr>
-            </a:lvl8pPr>
-            <a:lvl9pPr marL="3886200" indent="-228600" algn="l" defTabSz="914400" rtl="0" eaLnBrk="1" latinLnBrk="1" hangingPunct="1">
-              <a:lnSpc>
-                <a:spcPct val="90000"/>
-              </a:lnSpc>
-              <a:spcBef>
-                <a:spcPts val="500"/>
-              </a:spcBef>
-              <a:buFont typeface="Arial" panose="020B0604020202020204" pitchFamily="34" charset="0"/>
-              <a:buChar char="•"/>
-              <a:defRPr sz="1800" kern="1200">
-                <a:solidFill>
-                  <a:schemeClr val="tx1"/>
-                </a:solidFill>
-                <a:latin typeface="+mn-lt"/>
-                <a:ea typeface="+mn-ea"/>
-                <a:cs typeface="+mn-cs"/>
-              </a:defRPr>
-            </a:lvl9pPr>
-          </a:lstStyle>
-          <a:p>
-            <a:r>
-              <a:rPr lang="ko-KR" altLang="en-US" sz="3200" dirty="0"/>
-              <a:t>데이터 분석</a:t>
-            </a:r>
-          </a:p>
-        </p:txBody>
-      </p:sp>
-      <p:sp>
-        <p:nvSpPr>
-          <p:cNvPr id="46" name="텍스트 개체 틀 11"/>
-          <p:cNvSpPr>
-            <a:spLocks noGrp="1"/>
-          </p:cNvSpPr>
-          <p:nvPr/>
-        </p:nvSpPr>
-        <p:spPr>
-          <a:xfrm>
-            <a:off x="1866900" y="4103142"/>
-            <a:ext cx="1359480" cy="570382"/>
-          </a:xfrm>
-          <a:prstGeom prst="rect">
-            <a:avLst/>
-          </a:prstGeom>
-        </p:spPr>
-        <p:txBody>
-          <a:bodyPr vert="horz" lIns="91440" tIns="45720" rIns="91440" bIns="45720" rtlCol="0" anchor="ctr">
-            <a:noAutofit/>
-          </a:bodyPr>
-          <a:lstStyle>
-            <a:lvl1pPr marL="0" indent="0" algn="r" defTabSz="914400" rtl="0" eaLnBrk="1" latinLnBrk="1" hangingPunct="1">
-              <a:lnSpc>
-                <a:spcPct val="90000"/>
-              </a:lnSpc>
-              <a:spcBef>
-                <a:spcPts val="1000"/>
-              </a:spcBef>
-              <a:buFont typeface="Arial" panose="020B0604020202020204" pitchFamily="34" charset="0"/>
-              <a:buNone/>
-              <a:defRPr sz="2800" b="0" i="0" kern="1200">
-                <a:solidFill>
-                  <a:srgbClr val="8B723C"/>
-                </a:solidFill>
-                <a:latin typeface="210 하얀바람 B" panose="02020603020101020101" pitchFamily="18" charset="-127"/>
-                <a:ea typeface="210 하얀바람 B" panose="02020603020101020101" pitchFamily="18" charset="-127"/>
-                <a:cs typeface="+mn-cs"/>
-              </a:defRPr>
-            </a:lvl1pPr>
-            <a:lvl2pPr marL="457200" indent="0" algn="l" defTabSz="914400" rtl="0" eaLnBrk="1" latinLnBrk="1" hangingPunct="1">
-              <a:lnSpc>
-                <a:spcPct val="90000"/>
-              </a:lnSpc>
-              <a:spcBef>
-                <a:spcPts val="500"/>
-              </a:spcBef>
-              <a:buFont typeface="Arial" panose="020B0604020202020204" pitchFamily="34" charset="0"/>
-              <a:buNone/>
-              <a:defRPr sz="2400" kern="1200">
-                <a:solidFill>
-                  <a:schemeClr val="tx1"/>
-                </a:solidFill>
-                <a:latin typeface="+mn-lt"/>
-                <a:ea typeface="+mn-ea"/>
-                <a:cs typeface="+mn-cs"/>
-              </a:defRPr>
-            </a:lvl2pPr>
-            <a:lvl3pPr marL="914400" indent="0" algn="l" defTabSz="914400" rtl="0" eaLnBrk="1" latinLnBrk="1" hangingPunct="1">
-              <a:lnSpc>
-                <a:spcPct val="90000"/>
-              </a:lnSpc>
-              <a:spcBef>
-                <a:spcPts val="500"/>
-              </a:spcBef>
-              <a:buFont typeface="Arial" panose="020B0604020202020204" pitchFamily="34" charset="0"/>
-              <a:buNone/>
-              <a:defRPr sz="2000" kern="1200">
-                <a:solidFill>
-                  <a:schemeClr val="tx1"/>
-                </a:solidFill>
-                <a:latin typeface="+mn-lt"/>
-                <a:ea typeface="+mn-ea"/>
-                <a:cs typeface="+mn-cs"/>
-              </a:defRPr>
-            </a:lvl3pPr>
-            <a:lvl4pPr marL="1371600" indent="0" algn="l" defTabSz="914400" rtl="0" eaLnBrk="1" latinLnBrk="1" hangingPunct="1">
-              <a:lnSpc>
-                <a:spcPct val="90000"/>
-              </a:lnSpc>
-              <a:spcBef>
-                <a:spcPts val="500"/>
-              </a:spcBef>
-              <a:buFont typeface="Arial" panose="020B0604020202020204" pitchFamily="34" charset="0"/>
-              <a:buNone/>
-              <a:defRPr sz="1800" kern="1200">
-                <a:solidFill>
-                  <a:schemeClr val="tx1"/>
-                </a:solidFill>
-                <a:latin typeface="+mn-lt"/>
-                <a:ea typeface="+mn-ea"/>
-                <a:cs typeface="+mn-cs"/>
-              </a:defRPr>
-            </a:lvl4pPr>
-            <a:lvl5pPr marL="1828800" indent="0" algn="l" defTabSz="914400" rtl="0" eaLnBrk="1" latinLnBrk="1" hangingPunct="1">
-              <a:lnSpc>
-                <a:spcPct val="90000"/>
-              </a:lnSpc>
-              <a:spcBef>
-                <a:spcPts val="500"/>
-              </a:spcBef>
-              <a:buFont typeface="Arial" panose="020B0604020202020204" pitchFamily="34" charset="0"/>
-              <a:buNone/>
-              <a:defRPr sz="1800" kern="1200">
-                <a:solidFill>
-                  <a:schemeClr val="tx1"/>
-                </a:solidFill>
-                <a:latin typeface="+mn-lt"/>
-                <a:ea typeface="+mn-ea"/>
-                <a:cs typeface="+mn-cs"/>
-              </a:defRPr>
-            </a:lvl5pPr>
-            <a:lvl6pPr marL="2514600" indent="-228600" algn="l" defTabSz="914400" rtl="0" eaLnBrk="1" latinLnBrk="1" hangingPunct="1">
-              <a:lnSpc>
-                <a:spcPct val="90000"/>
-              </a:lnSpc>
-              <a:spcBef>
-                <a:spcPts val="500"/>
-              </a:spcBef>
-              <a:buFont typeface="Arial" panose="020B0604020202020204" pitchFamily="34" charset="0"/>
-              <a:buChar char="•"/>
-              <a:defRPr sz="1800" kern="1200">
-                <a:solidFill>
-                  <a:schemeClr val="tx1"/>
-                </a:solidFill>
-                <a:latin typeface="+mn-lt"/>
-                <a:ea typeface="+mn-ea"/>
-                <a:cs typeface="+mn-cs"/>
-              </a:defRPr>
-            </a:lvl6pPr>
-            <a:lvl7pPr marL="2971800" indent="-228600" algn="l" defTabSz="914400" rtl="0" eaLnBrk="1" latinLnBrk="1" hangingPunct="1">
-              <a:lnSpc>
-                <a:spcPct val="90000"/>
-              </a:lnSpc>
-              <a:spcBef>
-                <a:spcPts val="500"/>
-              </a:spcBef>
-              <a:buFont typeface="Arial" panose="020B0604020202020204" pitchFamily="34" charset="0"/>
-              <a:buChar char="•"/>
-              <a:defRPr sz="1800" kern="1200">
-                <a:solidFill>
-                  <a:schemeClr val="tx1"/>
-                </a:solidFill>
-                <a:latin typeface="+mn-lt"/>
-                <a:ea typeface="+mn-ea"/>
-                <a:cs typeface="+mn-cs"/>
-              </a:defRPr>
-            </a:lvl7pPr>
-            <a:lvl8pPr marL="3429000" indent="-228600" algn="l" defTabSz="914400" rtl="0" eaLnBrk="1" latinLnBrk="1" hangingPunct="1">
-              <a:lnSpc>
-                <a:spcPct val="90000"/>
-              </a:lnSpc>
-              <a:spcBef>
-                <a:spcPts val="500"/>
-              </a:spcBef>
-              <a:buFont typeface="Arial" panose="020B0604020202020204" pitchFamily="34" charset="0"/>
-              <a:buChar char="•"/>
-              <a:defRPr sz="1800" kern="1200">
-                <a:solidFill>
-                  <a:schemeClr val="tx1"/>
-                </a:solidFill>
-                <a:latin typeface="+mn-lt"/>
-                <a:ea typeface="+mn-ea"/>
-                <a:cs typeface="+mn-cs"/>
-              </a:defRPr>
-            </a:lvl8pPr>
-            <a:lvl9pPr marL="3886200" indent="-228600" algn="l" defTabSz="914400" rtl="0" eaLnBrk="1" latinLnBrk="1" hangingPunct="1">
-              <a:lnSpc>
-                <a:spcPct val="90000"/>
-              </a:lnSpc>
-              <a:spcBef>
-                <a:spcPts val="500"/>
-              </a:spcBef>
-              <a:buFont typeface="Arial" panose="020B0604020202020204" pitchFamily="34" charset="0"/>
-              <a:buChar char="•"/>
-              <a:defRPr sz="1800" kern="1200">
-                <a:solidFill>
-                  <a:schemeClr val="tx1"/>
-                </a:solidFill>
-                <a:latin typeface="+mn-lt"/>
-                <a:ea typeface="+mn-ea"/>
-                <a:cs typeface="+mn-cs"/>
-              </a:defRPr>
-            </a:lvl9pPr>
-          </a:lstStyle>
-          <a:p>
-            <a:r>
-              <a:rPr lang="en-US" altLang="ko-KR" sz="3200" dirty="0"/>
-              <a:t>model</a:t>
-            </a:r>
-            <a:endParaRPr lang="ko-KR" altLang="en-US" sz="3200" dirty="0"/>
-          </a:p>
-        </p:txBody>
-      </p:sp>
-      <p:sp>
-        <p:nvSpPr>
-          <p:cNvPr id="47" name="텍스트 개체 틀 12"/>
-          <p:cNvSpPr>
-            <a:spLocks noGrp="1"/>
-          </p:cNvSpPr>
-          <p:nvPr/>
-        </p:nvSpPr>
-        <p:spPr>
-          <a:xfrm>
-            <a:off x="1780316" y="2333406"/>
-            <a:ext cx="1021102" cy="570382"/>
-          </a:xfrm>
-          <a:prstGeom prst="rect">
-            <a:avLst/>
-          </a:prstGeom>
-        </p:spPr>
-        <p:txBody>
-          <a:bodyPr vert="horz" lIns="91440" tIns="45720" rIns="91440" bIns="45720" rtlCol="0" anchor="ctr">
-            <a:noAutofit/>
-          </a:bodyPr>
-          <a:lstStyle>
-            <a:lvl1pPr marL="0" indent="0" algn="r" defTabSz="914400" rtl="0" eaLnBrk="1" latinLnBrk="1" hangingPunct="1">
-              <a:lnSpc>
-                <a:spcPct val="90000"/>
-              </a:lnSpc>
-              <a:spcBef>
-                <a:spcPts val="1000"/>
-              </a:spcBef>
-              <a:buFont typeface="Arial" panose="020B0604020202020204" pitchFamily="34" charset="0"/>
-              <a:buNone/>
-              <a:defRPr sz="2800" b="0" i="0" kern="1200">
-                <a:solidFill>
-                  <a:srgbClr val="8B723C"/>
-                </a:solidFill>
-                <a:latin typeface="210 하얀바람 B" panose="02020603020101020101" pitchFamily="18" charset="-127"/>
-                <a:ea typeface="210 하얀바람 B" panose="02020603020101020101" pitchFamily="18" charset="-127"/>
-                <a:cs typeface="+mn-cs"/>
-              </a:defRPr>
-            </a:lvl1pPr>
-            <a:lvl2pPr marL="457200" indent="0" algn="l" defTabSz="914400" rtl="0" eaLnBrk="1" latinLnBrk="1" hangingPunct="1">
-              <a:lnSpc>
-                <a:spcPct val="90000"/>
-              </a:lnSpc>
-              <a:spcBef>
-                <a:spcPts val="500"/>
-              </a:spcBef>
-              <a:buFont typeface="Arial" panose="020B0604020202020204" pitchFamily="34" charset="0"/>
-              <a:buNone/>
-              <a:defRPr sz="2400" kern="1200">
-                <a:solidFill>
-                  <a:schemeClr val="tx1"/>
-                </a:solidFill>
-                <a:latin typeface="+mn-lt"/>
-                <a:ea typeface="+mn-ea"/>
-                <a:cs typeface="+mn-cs"/>
-              </a:defRPr>
-            </a:lvl2pPr>
-            <a:lvl3pPr marL="914400" indent="0" algn="l" defTabSz="914400" rtl="0" eaLnBrk="1" latinLnBrk="1" hangingPunct="1">
-              <a:lnSpc>
-                <a:spcPct val="90000"/>
-              </a:lnSpc>
-              <a:spcBef>
-                <a:spcPts val="500"/>
-              </a:spcBef>
-              <a:buFont typeface="Arial" panose="020B0604020202020204" pitchFamily="34" charset="0"/>
-              <a:buNone/>
-              <a:defRPr sz="2000" kern="1200">
-                <a:solidFill>
-                  <a:schemeClr val="tx1"/>
-                </a:solidFill>
-                <a:latin typeface="+mn-lt"/>
-                <a:ea typeface="+mn-ea"/>
-                <a:cs typeface="+mn-cs"/>
-              </a:defRPr>
-            </a:lvl3pPr>
-            <a:lvl4pPr marL="1371600" indent="0" algn="l" defTabSz="914400" rtl="0" eaLnBrk="1" latinLnBrk="1" hangingPunct="1">
-              <a:lnSpc>
-                <a:spcPct val="90000"/>
-              </a:lnSpc>
-              <a:spcBef>
-                <a:spcPts val="500"/>
-              </a:spcBef>
-              <a:buFont typeface="Arial" panose="020B0604020202020204" pitchFamily="34" charset="0"/>
-              <a:buNone/>
-              <a:defRPr sz="1800" kern="1200">
-                <a:solidFill>
-                  <a:schemeClr val="tx1"/>
-                </a:solidFill>
-                <a:latin typeface="+mn-lt"/>
-                <a:ea typeface="+mn-ea"/>
-                <a:cs typeface="+mn-cs"/>
-              </a:defRPr>
-            </a:lvl4pPr>
-            <a:lvl5pPr marL="1828800" indent="0" algn="l" defTabSz="914400" rtl="0" eaLnBrk="1" latinLnBrk="1" hangingPunct="1">
-              <a:lnSpc>
-                <a:spcPct val="90000"/>
-              </a:lnSpc>
-              <a:spcBef>
-                <a:spcPts val="500"/>
-              </a:spcBef>
-              <a:buFont typeface="Arial" panose="020B0604020202020204" pitchFamily="34" charset="0"/>
-              <a:buNone/>
-              <a:defRPr sz="1800" kern="1200">
-                <a:solidFill>
-                  <a:schemeClr val="tx1"/>
-                </a:solidFill>
-                <a:latin typeface="+mn-lt"/>
-                <a:ea typeface="+mn-ea"/>
-                <a:cs typeface="+mn-cs"/>
-              </a:defRPr>
-            </a:lvl5pPr>
-            <a:lvl6pPr marL="2514600" indent="-228600" algn="l" defTabSz="914400" rtl="0" eaLnBrk="1" latinLnBrk="1" hangingPunct="1">
-              <a:lnSpc>
-                <a:spcPct val="90000"/>
-              </a:lnSpc>
-              <a:spcBef>
-                <a:spcPts val="500"/>
-              </a:spcBef>
-              <a:buFont typeface="Arial" panose="020B0604020202020204" pitchFamily="34" charset="0"/>
-              <a:buChar char="•"/>
-              <a:defRPr sz="1800" kern="1200">
-                <a:solidFill>
-                  <a:schemeClr val="tx1"/>
-                </a:solidFill>
-                <a:latin typeface="+mn-lt"/>
-                <a:ea typeface="+mn-ea"/>
-                <a:cs typeface="+mn-cs"/>
-              </a:defRPr>
-            </a:lvl6pPr>
-            <a:lvl7pPr marL="2971800" indent="-228600" algn="l" defTabSz="914400" rtl="0" eaLnBrk="1" latinLnBrk="1" hangingPunct="1">
-              <a:lnSpc>
-                <a:spcPct val="90000"/>
-              </a:lnSpc>
-              <a:spcBef>
-                <a:spcPts val="500"/>
-              </a:spcBef>
-              <a:buFont typeface="Arial" panose="020B0604020202020204" pitchFamily="34" charset="0"/>
-              <a:buChar char="•"/>
-              <a:defRPr sz="1800" kern="1200">
-                <a:solidFill>
-                  <a:schemeClr val="tx1"/>
-                </a:solidFill>
-                <a:latin typeface="+mn-lt"/>
-                <a:ea typeface="+mn-ea"/>
-                <a:cs typeface="+mn-cs"/>
-              </a:defRPr>
-            </a:lvl7pPr>
-            <a:lvl8pPr marL="3429000" indent="-228600" algn="l" defTabSz="914400" rtl="0" eaLnBrk="1" latinLnBrk="1" hangingPunct="1">
-              <a:lnSpc>
-                <a:spcPct val="90000"/>
-              </a:lnSpc>
-              <a:spcBef>
-                <a:spcPts val="500"/>
-              </a:spcBef>
-              <a:buFont typeface="Arial" panose="020B0604020202020204" pitchFamily="34" charset="0"/>
-              <a:buChar char="•"/>
-              <a:defRPr sz="1800" kern="1200">
-                <a:solidFill>
-                  <a:schemeClr val="tx1"/>
-                </a:solidFill>
-                <a:latin typeface="+mn-lt"/>
-                <a:ea typeface="+mn-ea"/>
-                <a:cs typeface="+mn-cs"/>
-              </a:defRPr>
-            </a:lvl8pPr>
-            <a:lvl9pPr marL="3886200" indent="-228600" algn="l" defTabSz="914400" rtl="0" eaLnBrk="1" latinLnBrk="1" hangingPunct="1">
-              <a:lnSpc>
-                <a:spcPct val="90000"/>
-              </a:lnSpc>
-              <a:spcBef>
-                <a:spcPts val="500"/>
-              </a:spcBef>
-              <a:buFont typeface="Arial" panose="020B0604020202020204" pitchFamily="34" charset="0"/>
-              <a:buChar char="•"/>
-              <a:defRPr sz="1800" kern="1200">
-                <a:solidFill>
-                  <a:schemeClr val="tx1"/>
-                </a:solidFill>
-                <a:latin typeface="+mn-lt"/>
-                <a:ea typeface="+mn-ea"/>
-                <a:cs typeface="+mn-cs"/>
-              </a:defRPr>
-            </a:lvl9pPr>
-          </a:lstStyle>
-          <a:p>
-            <a:r>
-              <a:rPr lang="ko-KR" altLang="en-US" sz="3200" dirty="0"/>
-              <a:t>문제현황</a:t>
-            </a:r>
-          </a:p>
-        </p:txBody>
-      </p:sp>
-    </p:spTree>
-    <p:extLst>
-      <p:ext uri="{BB962C8B-B14F-4D97-AF65-F5344CB8AC3E}">
-        <p14:creationId xmlns:p14="http://schemas.microsoft.com/office/powerpoint/2010/main" val="284353440"/>
-      </p:ext>
-    </p:extLst>
-  </p:cSld>
-  <p:clrMapOvr>
-    <a:masterClrMapping/>
-  </p:clrMapOvr>
-  <mc:AlternateContent xmlns:mc="http://schemas.openxmlformats.org/markup-compatibility/2006" xmlns:p14="http://schemas.microsoft.com/office/powerpoint/2010/main">
-    <mc:Choice Requires="p14">
-      <p:transition spd="med" p14:dur="700">
-        <p:fade/>
-      </p:transition>
-    </mc:Choice>
-    <mc:Fallback xmlns="">
-      <p:transition spd="med">
-        <p:fade/>
-      </p:transition>
-    </mc:Fallback>
-  </mc:AlternateContent>
 </p:sld>
 </file>
 

--- a/3조_1차_재활용도움센터 위치 선정.pptx
+++ b/3조_1차_재활용도움센터 위치 선정.pptx
@@ -5,30 +5,29 @@
     <p:sldMasterId id="2147483745" r:id="rId1"/>
   </p:sldMasterIdLst>
   <p:notesMasterIdLst>
-    <p:notesMasterId r:id="rId23"/>
+    <p:notesMasterId r:id="rId22"/>
   </p:notesMasterIdLst>
   <p:sldIdLst>
     <p:sldId id="279" r:id="rId2"/>
-    <p:sldId id="280" r:id="rId3"/>
-    <p:sldId id="297" r:id="rId4"/>
-    <p:sldId id="296" r:id="rId5"/>
-    <p:sldId id="288" r:id="rId6"/>
-    <p:sldId id="289" r:id="rId7"/>
-    <p:sldId id="290" r:id="rId8"/>
+    <p:sldId id="309" r:id="rId3"/>
+    <p:sldId id="280" r:id="rId4"/>
+    <p:sldId id="297" r:id="rId5"/>
+    <p:sldId id="296" r:id="rId6"/>
+    <p:sldId id="306" r:id="rId7"/>
+    <p:sldId id="307" r:id="rId8"/>
     <p:sldId id="291" r:id="rId9"/>
-    <p:sldId id="281" r:id="rId10"/>
+    <p:sldId id="308" r:id="rId10"/>
     <p:sldId id="292" r:id="rId11"/>
     <p:sldId id="298" r:id="rId12"/>
     <p:sldId id="299" r:id="rId13"/>
-    <p:sldId id="301" r:id="rId14"/>
-    <p:sldId id="300" r:id="rId15"/>
-    <p:sldId id="302" r:id="rId16"/>
-    <p:sldId id="303" r:id="rId17"/>
-    <p:sldId id="305" r:id="rId18"/>
-    <p:sldId id="304" r:id="rId19"/>
-    <p:sldId id="293" r:id="rId20"/>
-    <p:sldId id="295" r:id="rId21"/>
-    <p:sldId id="287" r:id="rId22"/>
+    <p:sldId id="300" r:id="rId14"/>
+    <p:sldId id="302" r:id="rId15"/>
+    <p:sldId id="303" r:id="rId16"/>
+    <p:sldId id="305" r:id="rId17"/>
+    <p:sldId id="304" r:id="rId18"/>
+    <p:sldId id="293" r:id="rId19"/>
+    <p:sldId id="295" r:id="rId20"/>
+    <p:sldId id="287" r:id="rId21"/>
   </p:sldIdLst>
   <p:sldSz cx="12192000" cy="6858000"/>
   <p:notesSz cx="6858000" cy="9144000"/>
@@ -9948,7 +9947,7 @@
 </file>
 
 <file path=ppt/slides/slide10.xml><?xml version="1.0" encoding="utf-8"?>
-<p:sld xmlns:a="http://schemas.openxmlformats.org/drawingml/2006/main" xmlns:r="http://schemas.openxmlformats.org/officeDocument/2006/relationships" xmlns:p="http://schemas.openxmlformats.org/presentationml/2006/main">
+<p:sld xmlns:a="http://schemas.openxmlformats.org/drawingml/2006/main" xmlns:r="http://schemas.openxmlformats.org/officeDocument/2006/relationships" xmlns:p="http://schemas.openxmlformats.org/presentationml/2006/main" show="0">
   <p:cSld>
     <p:spTree>
       <p:nvGrpSpPr>
@@ -10185,13 +10184,13 @@
   <p:clrMapOvr>
     <a:masterClrMapping/>
   </p:clrMapOvr>
-  <mc:AlternateContent xmlns:mc="http://schemas.openxmlformats.org/markup-compatibility/2006" xmlns:p14="http://schemas.microsoft.com/office/powerpoint/2010/main">
-    <mc:Choice Requires="p14">
+  <mc:AlternateContent xmlns:mc="http://schemas.openxmlformats.org/markup-compatibility/2006">
+    <mc:Choice xmlns:p14="http://schemas.microsoft.com/office/powerpoint/2010/main" Requires="p14">
       <p:transition spd="med" p14:dur="700">
         <p:fade/>
       </p:transition>
     </mc:Choice>
-    <mc:Fallback xmlns="">
+    <mc:Fallback>
       <p:transition spd="med">
         <p:fade/>
       </p:transition>
@@ -10808,672 +10807,6 @@
           </a:p>
         </p:txBody>
       </p:sp>
-      <p:sp>
-        <p:nvSpPr>
-          <p:cNvPr id="4" name="TextBox 3">
-            <a:extLst>
-              <a:ext uri="{FF2B5EF4-FFF2-40B4-BE49-F238E27FC236}">
-                <a16:creationId xmlns:a16="http://schemas.microsoft.com/office/drawing/2014/main" id="{D2146EB7-9072-4C52-8A37-F8B34C9E69E7}"/>
-              </a:ext>
-            </a:extLst>
-          </p:cNvPr>
-          <p:cNvSpPr txBox="1"/>
-          <p:nvPr/>
-        </p:nvSpPr>
-        <p:spPr>
-          <a:xfrm>
-            <a:off x="383991" y="1397966"/>
-            <a:ext cx="1925053" cy="369332"/>
-          </a:xfrm>
-          <a:prstGeom prst="rect">
-            <a:avLst/>
-          </a:prstGeom>
-          <a:noFill/>
-        </p:spPr>
-        <p:txBody>
-          <a:bodyPr wrap="square" rtlCol="0">
-            <a:spAutoFit/>
-          </a:bodyPr>
-          <a:lstStyle/>
-          <a:p>
-            <a:r>
-              <a:rPr lang="ko-KR" altLang="en-US" dirty="0"/>
-              <a:t>군집 개수 선택</a:t>
-            </a:r>
-          </a:p>
-        </p:txBody>
-      </p:sp>
-      <p:sp>
-        <p:nvSpPr>
-          <p:cNvPr id="5" name="TextBox 4">
-            <a:extLst>
-              <a:ext uri="{FF2B5EF4-FFF2-40B4-BE49-F238E27FC236}">
-                <a16:creationId xmlns:a16="http://schemas.microsoft.com/office/drawing/2014/main" id="{FAB030E8-848C-4A2A-A251-A27B5A988491}"/>
-              </a:ext>
-            </a:extLst>
-          </p:cNvPr>
-          <p:cNvSpPr txBox="1"/>
-          <p:nvPr/>
-        </p:nvSpPr>
-        <p:spPr>
-          <a:xfrm>
-            <a:off x="641684" y="2261937"/>
-            <a:ext cx="8406063" cy="923330"/>
-          </a:xfrm>
-          <a:prstGeom prst="rect">
-            <a:avLst/>
-          </a:prstGeom>
-          <a:noFill/>
-        </p:spPr>
-        <p:txBody>
-          <a:bodyPr wrap="square" rtlCol="0">
-            <a:spAutoFit/>
-          </a:bodyPr>
-          <a:lstStyle/>
-          <a:p>
-            <a:r>
-              <a:rPr lang="en-US" altLang="ko-KR" dirty="0"/>
-              <a:t>Elbow </a:t>
-            </a:r>
-            <a:r>
-              <a:rPr lang="ko-KR" altLang="en-US" dirty="0"/>
-              <a:t>기법</a:t>
-            </a:r>
-            <a:endParaRPr lang="en-US" altLang="ko-KR" dirty="0"/>
-          </a:p>
-          <a:p>
-            <a:pPr marL="285750" indent="-285750">
-              <a:buFontTx/>
-              <a:buChar char="-"/>
-            </a:pPr>
-            <a:r>
-              <a:rPr lang="ko-KR" altLang="en-US" dirty="0"/>
-              <a:t>각 중심점에서 해당 클러스터 내의 점까지 거리 합산한 값으로 측정</a:t>
-            </a:r>
-            <a:endParaRPr lang="en-US" altLang="ko-KR" dirty="0"/>
-          </a:p>
-          <a:p>
-            <a:pPr marL="285750" indent="-285750">
-              <a:buFontTx/>
-              <a:buChar char="-"/>
-            </a:pPr>
-            <a:r>
-              <a:rPr lang="ko-KR" altLang="en-US" dirty="0"/>
-              <a:t>값이 작을 수록 잘 </a:t>
-            </a:r>
-            <a:r>
-              <a:rPr lang="ko-KR" altLang="en-US" dirty="0" err="1"/>
-              <a:t>뭉쳐있음</a:t>
-            </a:r>
-            <a:endParaRPr lang="ko-KR" altLang="en-US" dirty="0"/>
-          </a:p>
-        </p:txBody>
-      </p:sp>
-      <p:sp>
-        <p:nvSpPr>
-          <p:cNvPr id="9" name="TextBox 8">
-            <a:extLst>
-              <a:ext uri="{FF2B5EF4-FFF2-40B4-BE49-F238E27FC236}">
-                <a16:creationId xmlns:a16="http://schemas.microsoft.com/office/drawing/2014/main" id="{2141CD9B-6608-46D2-ADD2-04086FE881DB}"/>
-              </a:ext>
-            </a:extLst>
-          </p:cNvPr>
-          <p:cNvSpPr txBox="1"/>
-          <p:nvPr/>
-        </p:nvSpPr>
-        <p:spPr>
-          <a:xfrm>
-            <a:off x="641684" y="4179088"/>
-            <a:ext cx="8406063" cy="923330"/>
-          </a:xfrm>
-          <a:prstGeom prst="rect">
-            <a:avLst/>
-          </a:prstGeom>
-          <a:noFill/>
-        </p:spPr>
-        <p:txBody>
-          <a:bodyPr wrap="square" rtlCol="0">
-            <a:spAutoFit/>
-          </a:bodyPr>
-          <a:lstStyle/>
-          <a:p>
-            <a:r>
-              <a:rPr lang="ko-KR" altLang="en-US" dirty="0"/>
-              <a:t>실루엣 계수</a:t>
-            </a:r>
-            <a:endParaRPr lang="en-US" altLang="ko-KR" dirty="0"/>
-          </a:p>
-          <a:p>
-            <a:pPr marL="285750" indent="-285750">
-              <a:buFontTx/>
-              <a:buChar char="-"/>
-            </a:pPr>
-            <a:r>
-              <a:rPr lang="ko-KR" altLang="en-US" dirty="0"/>
-              <a:t>같은 클러스터의 데이터가 다른 클러스터의 데이터보다 가까운 정도</a:t>
-            </a:r>
-            <a:endParaRPr lang="en-US" altLang="ko-KR" dirty="0"/>
-          </a:p>
-          <a:p>
-            <a:pPr marL="285750" indent="-285750">
-              <a:buFontTx/>
-              <a:buChar char="-"/>
-            </a:pPr>
-            <a:r>
-              <a:rPr lang="en-US" altLang="ko-KR" dirty="0"/>
-              <a:t>1</a:t>
-            </a:r>
-            <a:r>
-              <a:rPr lang="ko-KR" altLang="en-US" dirty="0"/>
-              <a:t>에 가까울 수록 </a:t>
-            </a:r>
-            <a:r>
-              <a:rPr lang="ko-KR" altLang="en-US" dirty="0" err="1"/>
-              <a:t>클러스트끼리</a:t>
-            </a:r>
-            <a:r>
-              <a:rPr lang="ko-KR" altLang="en-US" dirty="0"/>
-              <a:t> 잘 </a:t>
-            </a:r>
-            <a:r>
-              <a:rPr lang="ko-KR" altLang="en-US" dirty="0" err="1"/>
-              <a:t>뭉쳐있음</a:t>
-            </a:r>
-            <a:endParaRPr lang="ko-KR" altLang="en-US" dirty="0"/>
-          </a:p>
-        </p:txBody>
-      </p:sp>
-      <p:pic>
-        <p:nvPicPr>
-          <p:cNvPr id="7" name="그림 6">
-            <a:extLst>
-              <a:ext uri="{FF2B5EF4-FFF2-40B4-BE49-F238E27FC236}">
-                <a16:creationId xmlns:a16="http://schemas.microsoft.com/office/drawing/2014/main" id="{A4BF61A8-0745-4156-AD7A-570B178FCF0E}"/>
-              </a:ext>
-            </a:extLst>
-          </p:cNvPr>
-          <p:cNvPicPr>
-            <a:picLocks noChangeAspect="1"/>
-          </p:cNvPicPr>
-          <p:nvPr/>
-        </p:nvPicPr>
-        <p:blipFill>
-          <a:blip r:embed="rId2"/>
-          <a:stretch>
-            <a:fillRect/>
-          </a:stretch>
-        </p:blipFill>
-        <p:spPr>
-          <a:xfrm>
-            <a:off x="641684" y="5257186"/>
-            <a:ext cx="2943636" cy="1124107"/>
-          </a:xfrm>
-          <a:prstGeom prst="rect">
-            <a:avLst/>
-          </a:prstGeom>
-        </p:spPr>
-      </p:pic>
-      <p:sp>
-        <p:nvSpPr>
-          <p:cNvPr id="10" name="TextBox 9">
-            <a:extLst>
-              <a:ext uri="{FF2B5EF4-FFF2-40B4-BE49-F238E27FC236}">
-                <a16:creationId xmlns:a16="http://schemas.microsoft.com/office/drawing/2014/main" id="{B2AE7C95-D061-458B-BF14-3F2048626C69}"/>
-              </a:ext>
-            </a:extLst>
-          </p:cNvPr>
-          <p:cNvSpPr txBox="1"/>
-          <p:nvPr/>
-        </p:nvSpPr>
-        <p:spPr>
-          <a:xfrm>
-            <a:off x="4090737" y="5257186"/>
-            <a:ext cx="4957010" cy="369332"/>
-          </a:xfrm>
-          <a:prstGeom prst="rect">
-            <a:avLst/>
-          </a:prstGeom>
-          <a:noFill/>
-        </p:spPr>
-        <p:txBody>
-          <a:bodyPr wrap="square" rtlCol="0">
-            <a:spAutoFit/>
-          </a:bodyPr>
-          <a:lstStyle/>
-          <a:p>
-            <a:endParaRPr lang="ko-KR" altLang="en-US" dirty="0"/>
-          </a:p>
-        </p:txBody>
-      </p:sp>
-      <p:sp>
-        <p:nvSpPr>
-          <p:cNvPr id="11" name="Rectangle 1">
-            <a:extLst>
-              <a:ext uri="{FF2B5EF4-FFF2-40B4-BE49-F238E27FC236}">
-                <a16:creationId xmlns:a16="http://schemas.microsoft.com/office/drawing/2014/main" id="{84AB5DD7-2B98-41EC-BE14-E4A0D276AA4F}"/>
-              </a:ext>
-            </a:extLst>
-          </p:cNvPr>
-          <p:cNvSpPr>
-            <a:spLocks noChangeArrowheads="1"/>
-          </p:cNvSpPr>
-          <p:nvPr/>
-        </p:nvSpPr>
-        <p:spPr bwMode="auto">
-          <a:xfrm>
-            <a:off x="0" y="0"/>
-            <a:ext cx="12192000" cy="0"/>
-          </a:xfrm>
-          <a:prstGeom prst="rect">
-            <a:avLst/>
-          </a:prstGeom>
-          <a:noFill/>
-          <a:ln>
-            <a:noFill/>
-          </a:ln>
-          <a:effectLst/>
-          <a:extLst>
-            <a:ext uri="{909E8E84-426E-40DD-AFC4-6F175D3DCCD1}">
-              <a14:hiddenFill xmlns:a14="http://schemas.microsoft.com/office/drawing/2010/main">
-                <a:solidFill>
-                  <a:schemeClr val="accent1"/>
-                </a:solidFill>
-              </a14:hiddenFill>
-            </a:ext>
-            <a:ext uri="{91240B29-F687-4F45-9708-019B960494DF}">
-              <a14:hiddenLine xmlns:a14="http://schemas.microsoft.com/office/drawing/2010/main" w="9525">
-                <a:solidFill>
-                  <a:schemeClr val="tx1"/>
-                </a:solidFill>
-                <a:miter lim="800000"/>
-                <a:headEnd/>
-                <a:tailEnd/>
-              </a14:hiddenLine>
-            </a:ext>
-            <a:ext uri="{AF507438-7753-43E0-B8FC-AC1667EBCBE1}">
-              <a14:hiddenEffects xmlns:a14="http://schemas.microsoft.com/office/drawing/2010/main">
-                <a:effectLst>
-                  <a:outerShdw dist="35921" dir="2700000" algn="ctr" rotWithShape="0">
-                    <a:schemeClr val="bg2"/>
-                  </a:outerShdw>
-                </a:effectLst>
-              </a14:hiddenEffects>
-            </a:ext>
-          </a:extLst>
-        </p:spPr>
-        <p:txBody>
-          <a:bodyPr vert="horz" wrap="none" lIns="91440" tIns="45720" rIns="91440" bIns="45720" numCol="1" anchor="ctr" anchorCtr="0" compatLnSpc="1">
-            <a:prstTxWarp prst="textNoShape">
-              <a:avLst/>
-            </a:prstTxWarp>
-            <a:spAutoFit/>
-          </a:bodyPr>
-          <a:lstStyle>
-            <a:lvl1pPr eaLnBrk="0" fontAlgn="base" hangingPunct="0">
-              <a:spcBef>
-                <a:spcPct val="0"/>
-              </a:spcBef>
-              <a:spcAft>
-                <a:spcPct val="0"/>
-              </a:spcAft>
-              <a:defRPr>
-                <a:solidFill>
-                  <a:schemeClr val="tx1"/>
-                </a:solidFill>
-                <a:latin typeface="Arial" panose="020B0604020202020204" pitchFamily="34" charset="0"/>
-              </a:defRPr>
-            </a:lvl1pPr>
-            <a:lvl2pPr eaLnBrk="0" fontAlgn="base" hangingPunct="0">
-              <a:spcBef>
-                <a:spcPct val="0"/>
-              </a:spcBef>
-              <a:spcAft>
-                <a:spcPct val="0"/>
-              </a:spcAft>
-              <a:defRPr>
-                <a:solidFill>
-                  <a:schemeClr val="tx1"/>
-                </a:solidFill>
-                <a:latin typeface="Arial" panose="020B0604020202020204" pitchFamily="34" charset="0"/>
-              </a:defRPr>
-            </a:lvl2pPr>
-            <a:lvl3pPr eaLnBrk="0" fontAlgn="base" hangingPunct="0">
-              <a:spcBef>
-                <a:spcPct val="0"/>
-              </a:spcBef>
-              <a:spcAft>
-                <a:spcPct val="0"/>
-              </a:spcAft>
-              <a:defRPr>
-                <a:solidFill>
-                  <a:schemeClr val="tx1"/>
-                </a:solidFill>
-                <a:latin typeface="Arial" panose="020B0604020202020204" pitchFamily="34" charset="0"/>
-              </a:defRPr>
-            </a:lvl3pPr>
-            <a:lvl4pPr eaLnBrk="0" fontAlgn="base" hangingPunct="0">
-              <a:spcBef>
-                <a:spcPct val="0"/>
-              </a:spcBef>
-              <a:spcAft>
-                <a:spcPct val="0"/>
-              </a:spcAft>
-              <a:defRPr>
-                <a:solidFill>
-                  <a:schemeClr val="tx1"/>
-                </a:solidFill>
-                <a:latin typeface="Arial" panose="020B0604020202020204" pitchFamily="34" charset="0"/>
-              </a:defRPr>
-            </a:lvl4pPr>
-            <a:lvl5pPr eaLnBrk="0" fontAlgn="base" hangingPunct="0">
-              <a:spcBef>
-                <a:spcPct val="0"/>
-              </a:spcBef>
-              <a:spcAft>
-                <a:spcPct val="0"/>
-              </a:spcAft>
-              <a:defRPr>
-                <a:solidFill>
-                  <a:schemeClr val="tx1"/>
-                </a:solidFill>
-                <a:latin typeface="Arial" panose="020B0604020202020204" pitchFamily="34" charset="0"/>
-              </a:defRPr>
-            </a:lvl5pPr>
-            <a:lvl6pPr eaLnBrk="0" fontAlgn="base" hangingPunct="0">
-              <a:spcBef>
-                <a:spcPct val="0"/>
-              </a:spcBef>
-              <a:spcAft>
-                <a:spcPct val="0"/>
-              </a:spcAft>
-              <a:defRPr>
-                <a:solidFill>
-                  <a:schemeClr val="tx1"/>
-                </a:solidFill>
-                <a:latin typeface="Arial" panose="020B0604020202020204" pitchFamily="34" charset="0"/>
-              </a:defRPr>
-            </a:lvl6pPr>
-            <a:lvl7pPr eaLnBrk="0" fontAlgn="base" hangingPunct="0">
-              <a:spcBef>
-                <a:spcPct val="0"/>
-              </a:spcBef>
-              <a:spcAft>
-                <a:spcPct val="0"/>
-              </a:spcAft>
-              <a:defRPr>
-                <a:solidFill>
-                  <a:schemeClr val="tx1"/>
-                </a:solidFill>
-                <a:latin typeface="Arial" panose="020B0604020202020204" pitchFamily="34" charset="0"/>
-              </a:defRPr>
-            </a:lvl7pPr>
-            <a:lvl8pPr eaLnBrk="0" fontAlgn="base" hangingPunct="0">
-              <a:spcBef>
-                <a:spcPct val="0"/>
-              </a:spcBef>
-              <a:spcAft>
-                <a:spcPct val="0"/>
-              </a:spcAft>
-              <a:defRPr>
-                <a:solidFill>
-                  <a:schemeClr val="tx1"/>
-                </a:solidFill>
-                <a:latin typeface="Arial" panose="020B0604020202020204" pitchFamily="34" charset="0"/>
-              </a:defRPr>
-            </a:lvl8pPr>
-            <a:lvl9pPr eaLnBrk="0" fontAlgn="base" hangingPunct="0">
-              <a:spcBef>
-                <a:spcPct val="0"/>
-              </a:spcBef>
-              <a:spcAft>
-                <a:spcPct val="0"/>
-              </a:spcAft>
-              <a:defRPr>
-                <a:solidFill>
-                  <a:schemeClr val="tx1"/>
-                </a:solidFill>
-                <a:latin typeface="Arial" panose="020B0604020202020204" pitchFamily="34" charset="0"/>
-              </a:defRPr>
-            </a:lvl9pPr>
-          </a:lstStyle>
-          <a:p>
-            <a:pPr marL="0" marR="0" lvl="0" indent="0" algn="just" defTabSz="914400" rtl="0" eaLnBrk="0" fontAlgn="base" latinLnBrk="0" hangingPunct="0">
-              <a:lnSpc>
-                <a:spcPct val="100000"/>
-              </a:lnSpc>
-              <a:spcBef>
-                <a:spcPct val="0"/>
-              </a:spcBef>
-              <a:spcAft>
-                <a:spcPct val="0"/>
-              </a:spcAft>
-              <a:buClrTx/>
-              <a:buSzTx/>
-              <a:buFontTx/>
-              <a:buNone/>
-              <a:tabLst/>
-            </a:pPr>
-            <a:r>
-              <a:rPr kumimoji="0" lang="ko-KR" altLang="ko-KR" sz="1400" b="0" i="0" u="none" strike="noStrike" cap="none" normalizeH="0" baseline="0">
-                <a:ln>
-                  <a:noFill/>
-                </a:ln>
-                <a:solidFill>
-                  <a:srgbClr val="333333"/>
-                </a:solidFill>
-                <a:effectLst/>
-                <a:latin typeface="Arial" panose="020B0604020202020204" pitchFamily="34" charset="0"/>
-                <a:ea typeface="MathJax_Math-italic"/>
-              </a:rPr>
-              <a:t>a</a:t>
-            </a:r>
-            <a:r>
-              <a:rPr kumimoji="0" lang="ko-KR" altLang="ko-KR" sz="900" b="0" i="0" u="none" strike="noStrike" cap="none" normalizeH="0" baseline="0">
-                <a:ln>
-                  <a:noFill/>
-                </a:ln>
-                <a:solidFill>
-                  <a:srgbClr val="333333"/>
-                </a:solidFill>
-                <a:effectLst/>
-                <a:latin typeface="Arial" panose="020B0604020202020204" pitchFamily="34" charset="0"/>
-                <a:ea typeface="MathJax_Math-italic"/>
-              </a:rPr>
-              <a:t>i</a:t>
-            </a:r>
-            <a:r>
-              <a:rPr kumimoji="0" lang="ko-KR" altLang="ko-KR" sz="1200" b="0" i="0" u="none" strike="noStrike" cap="none" normalizeH="0" baseline="0">
-                <a:ln>
-                  <a:noFill/>
-                </a:ln>
-                <a:solidFill>
-                  <a:srgbClr val="333333"/>
-                </a:solidFill>
-                <a:effectLst/>
-                <a:latin typeface="Arial" panose="020B0604020202020204" pitchFamily="34" charset="0"/>
-                <a:ea typeface="Noto Serif KR"/>
-              </a:rPr>
-              <a:t>ai : </a:t>
-            </a:r>
-            <a:r>
-              <a:rPr kumimoji="0" lang="ko-KR" altLang="ko-KR" sz="1400" b="0" i="0" u="none" strike="noStrike" cap="none" normalizeH="0" baseline="0">
-                <a:ln>
-                  <a:noFill/>
-                </a:ln>
-                <a:solidFill>
-                  <a:srgbClr val="333333"/>
-                </a:solidFill>
-                <a:effectLst/>
-                <a:latin typeface="Arial" panose="020B0604020202020204" pitchFamily="34" charset="0"/>
-                <a:ea typeface="MathJax_Math-italic"/>
-              </a:rPr>
-              <a:t>i</a:t>
-            </a:r>
-            <a:r>
-              <a:rPr kumimoji="0" lang="ko-KR" altLang="ko-KR" sz="1200" b="0" i="0" u="none" strike="noStrike" cap="none" normalizeH="0" baseline="0">
-                <a:ln>
-                  <a:noFill/>
-                </a:ln>
-                <a:solidFill>
-                  <a:srgbClr val="333333"/>
-                </a:solidFill>
-                <a:effectLst/>
-                <a:latin typeface="Arial" panose="020B0604020202020204" pitchFamily="34" charset="0"/>
-                <a:ea typeface="Noto Serif KR"/>
-              </a:rPr>
-              <a:t>i와 같은 클러스터에 속한 원소들의 평균 거리</a:t>
-            </a:r>
-            <a:r>
-              <a:rPr kumimoji="0" lang="ko-KR" altLang="ko-KR" sz="800" b="0" i="0" u="none" strike="noStrike" cap="none" normalizeH="0" baseline="0">
-                <a:ln>
-                  <a:noFill/>
-                </a:ln>
-                <a:solidFill>
-                  <a:schemeClr val="tx1"/>
-                </a:solidFill>
-                <a:effectLst/>
-                <a:latin typeface="Arial" panose="020B0604020202020204" pitchFamily="34" charset="0"/>
-              </a:rPr>
-              <a:t> </a:t>
-            </a:r>
-            <a:endParaRPr kumimoji="0" lang="ko-KR" altLang="ko-KR" sz="1800" b="0" i="0" u="none" strike="noStrike" cap="none" normalizeH="0" baseline="0">
-              <a:ln>
-                <a:noFill/>
-              </a:ln>
-              <a:solidFill>
-                <a:schemeClr val="tx1"/>
-              </a:solidFill>
-              <a:effectLst/>
-              <a:latin typeface="Arial" panose="020B0604020202020204" pitchFamily="34" charset="0"/>
-            </a:endParaRPr>
-          </a:p>
-        </p:txBody>
-      </p:sp>
-      <p:pic>
-        <p:nvPicPr>
-          <p:cNvPr id="12" name="그림 11">
-            <a:extLst>
-              <a:ext uri="{FF2B5EF4-FFF2-40B4-BE49-F238E27FC236}">
-                <a16:creationId xmlns:a16="http://schemas.microsoft.com/office/drawing/2014/main" id="{A58C9463-BB75-48E7-909C-80ED20CD4D2C}"/>
-              </a:ext>
-            </a:extLst>
-          </p:cNvPr>
-          <p:cNvPicPr>
-            <a:picLocks noChangeAspect="1"/>
-          </p:cNvPicPr>
-          <p:nvPr/>
-        </p:nvPicPr>
-        <p:blipFill>
-          <a:blip r:embed="rId3"/>
-          <a:stretch>
-            <a:fillRect/>
-          </a:stretch>
-        </p:blipFill>
-        <p:spPr>
-          <a:xfrm>
-            <a:off x="3669350" y="5924029"/>
-            <a:ext cx="4439270" cy="457264"/>
-          </a:xfrm>
-          <a:prstGeom prst="rect">
-            <a:avLst/>
-          </a:prstGeom>
-        </p:spPr>
-      </p:pic>
-    </p:spTree>
-    <p:extLst>
-      <p:ext uri="{BB962C8B-B14F-4D97-AF65-F5344CB8AC3E}">
-        <p14:creationId xmlns:p14="http://schemas.microsoft.com/office/powerpoint/2010/main" val="247896025"/>
-      </p:ext>
-    </p:extLst>
-  </p:cSld>
-  <p:clrMapOvr>
-    <a:masterClrMapping/>
-  </p:clrMapOvr>
-  <mc:AlternateContent xmlns:mc="http://schemas.openxmlformats.org/markup-compatibility/2006" xmlns:p14="http://schemas.microsoft.com/office/powerpoint/2010/main">
-    <mc:Choice Requires="p14">
-      <p:transition spd="med" p14:dur="700">
-        <p:fade/>
-      </p:transition>
-    </mc:Choice>
-    <mc:Fallback xmlns="">
-      <p:transition spd="med">
-        <p:fade/>
-      </p:transition>
-    </mc:Fallback>
-  </mc:AlternateContent>
-</p:sld>
-</file>
-
-<file path=ppt/slides/slide14.xml><?xml version="1.0" encoding="utf-8"?>
-<p:sld xmlns:a="http://schemas.openxmlformats.org/drawingml/2006/main" xmlns:r="http://schemas.openxmlformats.org/officeDocument/2006/relationships" xmlns:p="http://schemas.openxmlformats.org/presentationml/2006/main">
-  <p:cSld>
-    <p:spTree>
-      <p:nvGrpSpPr>
-        <p:cNvPr id="1" name=""/>
-        <p:cNvGrpSpPr/>
-        <p:nvPr/>
-      </p:nvGrpSpPr>
-      <p:grpSpPr>
-        <a:xfrm>
-          <a:off x="0" y="0"/>
-          <a:ext cx="0" cy="0"/>
-          <a:chOff x="0" y="0"/>
-          <a:chExt cx="0" cy="0"/>
-        </a:xfrm>
-      </p:grpSpPr>
-      <p:sp>
-        <p:nvSpPr>
-          <p:cNvPr id="2" name="제목 1">
-            <a:extLst>
-              <a:ext uri="{FF2B5EF4-FFF2-40B4-BE49-F238E27FC236}">
-                <a16:creationId xmlns:a16="http://schemas.microsoft.com/office/drawing/2014/main" id="{D39C04F3-4F9C-4A62-A63C-CD1D127A7F8A}"/>
-              </a:ext>
-            </a:extLst>
-          </p:cNvPr>
-          <p:cNvSpPr>
-            <a:spLocks noGrp="1"/>
-          </p:cNvSpPr>
-          <p:nvPr>
-            <p:ph type="title"/>
-          </p:nvPr>
-        </p:nvSpPr>
-        <p:spPr/>
-        <p:txBody>
-          <a:bodyPr/>
-          <a:lstStyle/>
-          <a:p>
-            <a:r>
-              <a:rPr lang="ko-KR" altLang="en-US" dirty="0"/>
-              <a:t>모델</a:t>
-            </a:r>
-          </a:p>
-        </p:txBody>
-      </p:sp>
-      <p:sp>
-        <p:nvSpPr>
-          <p:cNvPr id="3" name="텍스트 개체 틀 2">
-            <a:extLst>
-              <a:ext uri="{FF2B5EF4-FFF2-40B4-BE49-F238E27FC236}">
-                <a16:creationId xmlns:a16="http://schemas.microsoft.com/office/drawing/2014/main" id="{3FC47F95-100B-4C55-AC59-C9BCD300A65D}"/>
-              </a:ext>
-            </a:extLst>
-          </p:cNvPr>
-          <p:cNvSpPr>
-            <a:spLocks noGrp="1"/>
-          </p:cNvSpPr>
-          <p:nvPr>
-            <p:ph type="body" sz="quarter" idx="13"/>
-          </p:nvPr>
-        </p:nvSpPr>
-        <p:spPr/>
-        <p:txBody>
-          <a:bodyPr/>
-          <a:lstStyle/>
-          <a:p>
-            <a:endParaRPr lang="ko-KR" altLang="en-US"/>
-          </a:p>
-        </p:txBody>
-      </p:sp>
       <p:pic>
         <p:nvPicPr>
           <p:cNvPr id="6" name="그림 5">
@@ -11808,7 +11141,7 @@
 </p:sld>
 </file>
 
-<file path=ppt/slides/slide15.xml><?xml version="1.0" encoding="utf-8"?>
+<file path=ppt/slides/slide14.xml><?xml version="1.0" encoding="utf-8"?>
 <p:sld xmlns:a="http://schemas.openxmlformats.org/drawingml/2006/main" xmlns:r="http://schemas.openxmlformats.org/officeDocument/2006/relationships" xmlns:p="http://schemas.openxmlformats.org/presentationml/2006/main">
   <p:cSld>
     <p:spTree>
@@ -11874,7 +11207,7 @@
           <a:bodyPr/>
           <a:lstStyle/>
           <a:p>
-            <a:endParaRPr lang="ko-KR" altLang="en-US"/>
+            <a:endParaRPr lang="ko-KR" altLang="en-US" dirty="0"/>
           </a:p>
         </p:txBody>
       </p:sp>
@@ -12222,12 +11555,13 @@
         </p:nvSpPr>
         <p:spPr>
           <a:xfrm>
-            <a:off x="4135272" y="2311093"/>
+            <a:off x="4148920" y="2168481"/>
             <a:ext cx="3963486" cy="3774395"/>
           </a:xfrm>
           <a:prstGeom prst="ellipse">
             <a:avLst/>
           </a:prstGeom>
+          <a:noFill/>
         </p:spPr>
         <p:style>
           <a:lnRef idx="2">
@@ -12279,7 +11613,7 @@
 </p:sld>
 </file>
 
-<file path=ppt/slides/slide16.xml><?xml version="1.0" encoding="utf-8"?>
+<file path=ppt/slides/slide15.xml><?xml version="1.0" encoding="utf-8"?>
 <p:sld xmlns:a="http://schemas.openxmlformats.org/drawingml/2006/main" xmlns:r="http://schemas.openxmlformats.org/officeDocument/2006/relationships" xmlns:p="http://schemas.openxmlformats.org/presentationml/2006/main">
   <p:cSld>
     <p:spTree>
@@ -12550,7 +11884,7 @@
 </p:sld>
 </file>
 
-<file path=ppt/slides/slide17.xml><?xml version="1.0" encoding="utf-8"?>
+<file path=ppt/slides/slide16.xml><?xml version="1.0" encoding="utf-8"?>
 <p:sld xmlns:a="http://schemas.openxmlformats.org/drawingml/2006/main" xmlns:r="http://schemas.openxmlformats.org/officeDocument/2006/relationships" xmlns:p="http://schemas.openxmlformats.org/presentationml/2006/main">
   <p:cSld>
     <p:spTree>
@@ -13153,7 +12487,7 @@
 </p:sld>
 </file>
 
-<file path=ppt/slides/slide18.xml><?xml version="1.0" encoding="utf-8"?>
+<file path=ppt/slides/slide17.xml><?xml version="1.0" encoding="utf-8"?>
 <p:sld xmlns:a="http://schemas.openxmlformats.org/drawingml/2006/main" xmlns:r="http://schemas.openxmlformats.org/officeDocument/2006/relationships" xmlns:p="http://schemas.openxmlformats.org/presentationml/2006/main">
   <p:cSld>
     <p:spTree>
@@ -13275,7 +12609,7 @@
 </p:sld>
 </file>
 
-<file path=ppt/slides/slide19.xml><?xml version="1.0" encoding="utf-8"?>
+<file path=ppt/slides/slide18.xml><?xml version="1.0" encoding="utf-8"?>
 <p:sld xmlns:a="http://schemas.openxmlformats.org/drawingml/2006/main" xmlns:r="http://schemas.openxmlformats.org/officeDocument/2006/relationships" xmlns:p="http://schemas.openxmlformats.org/presentationml/2006/main">
   <p:cSld>
     <p:spTree>
@@ -13996,1697 +13330,7 @@
 </p:sld>
 </file>
 
-<file path=ppt/slides/slide2.xml><?xml version="1.0" encoding="utf-8"?>
-<p:sld xmlns:a="http://schemas.openxmlformats.org/drawingml/2006/main" xmlns:r="http://schemas.openxmlformats.org/officeDocument/2006/relationships" xmlns:p="http://schemas.openxmlformats.org/presentationml/2006/main">
-  <p:cSld>
-    <p:spTree>
-      <p:nvGrpSpPr>
-        <p:cNvPr id="1" name=""/>
-        <p:cNvGrpSpPr/>
-        <p:nvPr/>
-      </p:nvGrpSpPr>
-      <p:grpSpPr>
-        <a:xfrm>
-          <a:off x="0" y="0"/>
-          <a:ext cx="0" cy="0"/>
-          <a:chOff x="0" y="0"/>
-          <a:chExt cx="0" cy="0"/>
-        </a:xfrm>
-      </p:grpSpPr>
-      <p:sp>
-        <p:nvSpPr>
-          <p:cNvPr id="22" name="제목 1"/>
-          <p:cNvSpPr>
-            <a:spLocks noGrp="1"/>
-          </p:cNvSpPr>
-          <p:nvPr>
-            <p:ph type="title"/>
-          </p:nvPr>
-        </p:nvSpPr>
-        <p:spPr>
-          <a:xfrm>
-            <a:off x="977900" y="330201"/>
-            <a:ext cx="2349500" cy="571500"/>
-          </a:xfrm>
-        </p:spPr>
-        <p:txBody>
-          <a:bodyPr/>
-          <a:lstStyle/>
-          <a:p>
-            <a:r>
-              <a:rPr lang="en-US" altLang="ko-KR" dirty="0"/>
-              <a:t>Index</a:t>
-            </a:r>
-            <a:endParaRPr lang="ko-KR" altLang="en-US" dirty="0"/>
-          </a:p>
-        </p:txBody>
-      </p:sp>
-      <p:sp>
-        <p:nvSpPr>
-          <p:cNvPr id="40" name="텍스트 개체 틀 5"/>
-          <p:cNvSpPr>
-            <a:spLocks noGrp="1"/>
-          </p:cNvSpPr>
-          <p:nvPr/>
-        </p:nvSpPr>
-        <p:spPr>
-          <a:xfrm>
-            <a:off x="6127103" y="1537651"/>
-            <a:ext cx="2798663" cy="981378"/>
-          </a:xfrm>
-          <a:prstGeom prst="rect">
-            <a:avLst/>
-          </a:prstGeom>
-        </p:spPr>
-        <p:txBody>
-          <a:bodyPr vert="horz" lIns="91440" tIns="45720" rIns="91440" bIns="45720" rtlCol="0">
-            <a:normAutofit/>
-          </a:bodyPr>
-          <a:lstStyle>
-            <a:lvl1pPr marL="0" indent="0" algn="l" defTabSz="914400" rtl="0" eaLnBrk="1" latinLnBrk="1" hangingPunct="1">
-              <a:lnSpc>
-                <a:spcPct val="90000"/>
-              </a:lnSpc>
-              <a:spcBef>
-                <a:spcPts val="1000"/>
-              </a:spcBef>
-              <a:buFont typeface="Arial" panose="020B0604020202020204" pitchFamily="34" charset="0"/>
-              <a:buNone/>
-              <a:defRPr sz="1200" b="1" i="0" kern="1200">
-                <a:solidFill>
-                  <a:srgbClr val="8B723C"/>
-                </a:solidFill>
-                <a:latin typeface="나눔고딕" panose="020D0604000000000000" pitchFamily="50" charset="-127"/>
-                <a:ea typeface="나눔고딕" panose="020D0604000000000000" pitchFamily="50" charset="-127"/>
-                <a:cs typeface="+mn-cs"/>
-              </a:defRPr>
-            </a:lvl1pPr>
-            <a:lvl2pPr marL="457200" indent="0" algn="l" defTabSz="914400" rtl="0" eaLnBrk="1" latinLnBrk="1" hangingPunct="1">
-              <a:lnSpc>
-                <a:spcPct val="90000"/>
-              </a:lnSpc>
-              <a:spcBef>
-                <a:spcPts val="500"/>
-              </a:spcBef>
-              <a:buFont typeface="Arial" panose="020B0604020202020204" pitchFamily="34" charset="0"/>
-              <a:buNone/>
-              <a:defRPr sz="2400" kern="1200">
-                <a:solidFill>
-                  <a:schemeClr val="tx1"/>
-                </a:solidFill>
-                <a:latin typeface="+mn-lt"/>
-                <a:ea typeface="+mn-ea"/>
-                <a:cs typeface="+mn-cs"/>
-              </a:defRPr>
-            </a:lvl2pPr>
-            <a:lvl3pPr marL="914400" indent="0" algn="l" defTabSz="914400" rtl="0" eaLnBrk="1" latinLnBrk="1" hangingPunct="1">
-              <a:lnSpc>
-                <a:spcPct val="90000"/>
-              </a:lnSpc>
-              <a:spcBef>
-                <a:spcPts val="500"/>
-              </a:spcBef>
-              <a:buFont typeface="Arial" panose="020B0604020202020204" pitchFamily="34" charset="0"/>
-              <a:buNone/>
-              <a:defRPr sz="2000" kern="1200">
-                <a:solidFill>
-                  <a:schemeClr val="tx1"/>
-                </a:solidFill>
-                <a:latin typeface="+mn-lt"/>
-                <a:ea typeface="+mn-ea"/>
-                <a:cs typeface="+mn-cs"/>
-              </a:defRPr>
-            </a:lvl3pPr>
-            <a:lvl4pPr marL="1371600" indent="0" algn="l" defTabSz="914400" rtl="0" eaLnBrk="1" latinLnBrk="1" hangingPunct="1">
-              <a:lnSpc>
-                <a:spcPct val="90000"/>
-              </a:lnSpc>
-              <a:spcBef>
-                <a:spcPts val="500"/>
-              </a:spcBef>
-              <a:buFont typeface="Arial" panose="020B0604020202020204" pitchFamily="34" charset="0"/>
-              <a:buNone/>
-              <a:defRPr sz="1800" kern="1200">
-                <a:solidFill>
-                  <a:schemeClr val="tx1"/>
-                </a:solidFill>
-                <a:latin typeface="+mn-lt"/>
-                <a:ea typeface="+mn-ea"/>
-                <a:cs typeface="+mn-cs"/>
-              </a:defRPr>
-            </a:lvl4pPr>
-            <a:lvl5pPr marL="1828800" indent="0" algn="l" defTabSz="914400" rtl="0" eaLnBrk="1" latinLnBrk="1" hangingPunct="1">
-              <a:lnSpc>
-                <a:spcPct val="90000"/>
-              </a:lnSpc>
-              <a:spcBef>
-                <a:spcPts val="500"/>
-              </a:spcBef>
-              <a:buFont typeface="Arial" panose="020B0604020202020204" pitchFamily="34" charset="0"/>
-              <a:buNone/>
-              <a:defRPr sz="1800" kern="1200">
-                <a:solidFill>
-                  <a:schemeClr val="tx1"/>
-                </a:solidFill>
-                <a:latin typeface="+mn-lt"/>
-                <a:ea typeface="+mn-ea"/>
-                <a:cs typeface="+mn-cs"/>
-              </a:defRPr>
-            </a:lvl5pPr>
-            <a:lvl6pPr marL="2514600" indent="-228600" algn="l" defTabSz="914400" rtl="0" eaLnBrk="1" latinLnBrk="1" hangingPunct="1">
-              <a:lnSpc>
-                <a:spcPct val="90000"/>
-              </a:lnSpc>
-              <a:spcBef>
-                <a:spcPts val="500"/>
-              </a:spcBef>
-              <a:buFont typeface="Arial" panose="020B0604020202020204" pitchFamily="34" charset="0"/>
-              <a:buChar char="•"/>
-              <a:defRPr sz="1800" kern="1200">
-                <a:solidFill>
-                  <a:schemeClr val="tx1"/>
-                </a:solidFill>
-                <a:latin typeface="+mn-lt"/>
-                <a:ea typeface="+mn-ea"/>
-                <a:cs typeface="+mn-cs"/>
-              </a:defRPr>
-            </a:lvl6pPr>
-            <a:lvl7pPr marL="2971800" indent="-228600" algn="l" defTabSz="914400" rtl="0" eaLnBrk="1" latinLnBrk="1" hangingPunct="1">
-              <a:lnSpc>
-                <a:spcPct val="90000"/>
-              </a:lnSpc>
-              <a:spcBef>
-                <a:spcPts val="500"/>
-              </a:spcBef>
-              <a:buFont typeface="Arial" panose="020B0604020202020204" pitchFamily="34" charset="0"/>
-              <a:buChar char="•"/>
-              <a:defRPr sz="1800" kern="1200">
-                <a:solidFill>
-                  <a:schemeClr val="tx1"/>
-                </a:solidFill>
-                <a:latin typeface="+mn-lt"/>
-                <a:ea typeface="+mn-ea"/>
-                <a:cs typeface="+mn-cs"/>
-              </a:defRPr>
-            </a:lvl7pPr>
-            <a:lvl8pPr marL="3429000" indent="-228600" algn="l" defTabSz="914400" rtl="0" eaLnBrk="1" latinLnBrk="1" hangingPunct="1">
-              <a:lnSpc>
-                <a:spcPct val="90000"/>
-              </a:lnSpc>
-              <a:spcBef>
-                <a:spcPts val="500"/>
-              </a:spcBef>
-              <a:buFont typeface="Arial" panose="020B0604020202020204" pitchFamily="34" charset="0"/>
-              <a:buChar char="•"/>
-              <a:defRPr sz="1800" kern="1200">
-                <a:solidFill>
-                  <a:schemeClr val="tx1"/>
-                </a:solidFill>
-                <a:latin typeface="+mn-lt"/>
-                <a:ea typeface="+mn-ea"/>
-                <a:cs typeface="+mn-cs"/>
-              </a:defRPr>
-            </a:lvl8pPr>
-            <a:lvl9pPr marL="3886200" indent="-228600" algn="l" defTabSz="914400" rtl="0" eaLnBrk="1" latinLnBrk="1" hangingPunct="1">
-              <a:lnSpc>
-                <a:spcPct val="90000"/>
-              </a:lnSpc>
-              <a:spcBef>
-                <a:spcPts val="500"/>
-              </a:spcBef>
-              <a:buFont typeface="Arial" panose="020B0604020202020204" pitchFamily="34" charset="0"/>
-              <a:buChar char="•"/>
-              <a:defRPr sz="1800" kern="1200">
-                <a:solidFill>
-                  <a:schemeClr val="tx1"/>
-                </a:solidFill>
-                <a:latin typeface="+mn-lt"/>
-                <a:ea typeface="+mn-ea"/>
-                <a:cs typeface="+mn-cs"/>
-              </a:defRPr>
-            </a:lvl9pPr>
-          </a:lstStyle>
-          <a:p>
-            <a:r>
-              <a:rPr lang="ko-KR" altLang="en-US" dirty="0"/>
-              <a:t>제주 쓰레기 양</a:t>
-            </a:r>
-            <a:endParaRPr lang="en-US" altLang="ko-KR" dirty="0"/>
-          </a:p>
-          <a:p>
-            <a:r>
-              <a:rPr lang="ko-KR" altLang="en-US" dirty="0"/>
-              <a:t>읍</a:t>
-            </a:r>
-            <a:r>
-              <a:rPr lang="en-US" altLang="ko-KR" dirty="0"/>
-              <a:t>,</a:t>
-            </a:r>
-            <a:r>
-              <a:rPr lang="ko-KR" altLang="en-US" dirty="0"/>
-              <a:t>면</a:t>
-            </a:r>
-            <a:r>
-              <a:rPr lang="en-US" altLang="ko-KR" dirty="0"/>
-              <a:t>,</a:t>
-            </a:r>
-            <a:r>
-              <a:rPr lang="ko-KR" altLang="en-US" dirty="0"/>
-              <a:t>동 별 군집화</a:t>
-            </a:r>
-          </a:p>
-        </p:txBody>
-      </p:sp>
-      <p:sp>
-        <p:nvSpPr>
-          <p:cNvPr id="41" name="텍스트 개체 틀 6"/>
-          <p:cNvSpPr>
-            <a:spLocks noGrp="1"/>
-          </p:cNvSpPr>
-          <p:nvPr/>
-        </p:nvSpPr>
-        <p:spPr>
-          <a:xfrm>
-            <a:off x="3146306" y="3890243"/>
-            <a:ext cx="2902802" cy="996179"/>
-          </a:xfrm>
-          <a:prstGeom prst="rect">
-            <a:avLst/>
-          </a:prstGeom>
-        </p:spPr>
-        <p:txBody>
-          <a:bodyPr vert="horz" lIns="91440" tIns="45720" rIns="91440" bIns="45720" rtlCol="0">
-            <a:normAutofit/>
-          </a:bodyPr>
-          <a:lstStyle>
-            <a:lvl1pPr marL="0" indent="0" algn="r" defTabSz="914400" rtl="0" eaLnBrk="1" latinLnBrk="1" hangingPunct="1">
-              <a:lnSpc>
-                <a:spcPct val="90000"/>
-              </a:lnSpc>
-              <a:spcBef>
-                <a:spcPts val="1000"/>
-              </a:spcBef>
-              <a:buFont typeface="Arial" panose="020B0604020202020204" pitchFamily="34" charset="0"/>
-              <a:buNone/>
-              <a:defRPr sz="1200" b="1" i="0" kern="1200">
-                <a:solidFill>
-                  <a:srgbClr val="8B723C"/>
-                </a:solidFill>
-                <a:latin typeface="나눔고딕" panose="020D0604000000000000" pitchFamily="50" charset="-127"/>
-                <a:ea typeface="나눔고딕" panose="020D0604000000000000" pitchFamily="50" charset="-127"/>
-                <a:cs typeface="+mn-cs"/>
-              </a:defRPr>
-            </a:lvl1pPr>
-            <a:lvl2pPr marL="457200" indent="0" algn="l" defTabSz="914400" rtl="0" eaLnBrk="1" latinLnBrk="1" hangingPunct="1">
-              <a:lnSpc>
-                <a:spcPct val="90000"/>
-              </a:lnSpc>
-              <a:spcBef>
-                <a:spcPts val="500"/>
-              </a:spcBef>
-              <a:buFont typeface="Arial" panose="020B0604020202020204" pitchFamily="34" charset="0"/>
-              <a:buNone/>
-              <a:defRPr sz="2400" kern="1200">
-                <a:solidFill>
-                  <a:schemeClr val="tx1"/>
-                </a:solidFill>
-                <a:latin typeface="+mn-lt"/>
-                <a:ea typeface="+mn-ea"/>
-                <a:cs typeface="+mn-cs"/>
-              </a:defRPr>
-            </a:lvl2pPr>
-            <a:lvl3pPr marL="914400" indent="0" algn="l" defTabSz="914400" rtl="0" eaLnBrk="1" latinLnBrk="1" hangingPunct="1">
-              <a:lnSpc>
-                <a:spcPct val="90000"/>
-              </a:lnSpc>
-              <a:spcBef>
-                <a:spcPts val="500"/>
-              </a:spcBef>
-              <a:buFont typeface="Arial" panose="020B0604020202020204" pitchFamily="34" charset="0"/>
-              <a:buNone/>
-              <a:defRPr sz="2000" kern="1200">
-                <a:solidFill>
-                  <a:schemeClr val="tx1"/>
-                </a:solidFill>
-                <a:latin typeface="+mn-lt"/>
-                <a:ea typeface="+mn-ea"/>
-                <a:cs typeface="+mn-cs"/>
-              </a:defRPr>
-            </a:lvl3pPr>
-            <a:lvl4pPr marL="1371600" indent="0" algn="l" defTabSz="914400" rtl="0" eaLnBrk="1" latinLnBrk="1" hangingPunct="1">
-              <a:lnSpc>
-                <a:spcPct val="90000"/>
-              </a:lnSpc>
-              <a:spcBef>
-                <a:spcPts val="500"/>
-              </a:spcBef>
-              <a:buFont typeface="Arial" panose="020B0604020202020204" pitchFamily="34" charset="0"/>
-              <a:buNone/>
-              <a:defRPr sz="1800" kern="1200">
-                <a:solidFill>
-                  <a:schemeClr val="tx1"/>
-                </a:solidFill>
-                <a:latin typeface="+mn-lt"/>
-                <a:ea typeface="+mn-ea"/>
-                <a:cs typeface="+mn-cs"/>
-              </a:defRPr>
-            </a:lvl4pPr>
-            <a:lvl5pPr marL="1828800" indent="0" algn="l" defTabSz="914400" rtl="0" eaLnBrk="1" latinLnBrk="1" hangingPunct="1">
-              <a:lnSpc>
-                <a:spcPct val="90000"/>
-              </a:lnSpc>
-              <a:spcBef>
-                <a:spcPts val="500"/>
-              </a:spcBef>
-              <a:buFont typeface="Arial" panose="020B0604020202020204" pitchFamily="34" charset="0"/>
-              <a:buNone/>
-              <a:defRPr sz="1800" kern="1200">
-                <a:solidFill>
-                  <a:schemeClr val="tx1"/>
-                </a:solidFill>
-                <a:latin typeface="+mn-lt"/>
-                <a:ea typeface="+mn-ea"/>
-                <a:cs typeface="+mn-cs"/>
-              </a:defRPr>
-            </a:lvl5pPr>
-            <a:lvl6pPr marL="2514600" indent="-228600" algn="l" defTabSz="914400" rtl="0" eaLnBrk="1" latinLnBrk="1" hangingPunct="1">
-              <a:lnSpc>
-                <a:spcPct val="90000"/>
-              </a:lnSpc>
-              <a:spcBef>
-                <a:spcPts val="500"/>
-              </a:spcBef>
-              <a:buFont typeface="Arial" panose="020B0604020202020204" pitchFamily="34" charset="0"/>
-              <a:buChar char="•"/>
-              <a:defRPr sz="1800" kern="1200">
-                <a:solidFill>
-                  <a:schemeClr val="tx1"/>
-                </a:solidFill>
-                <a:latin typeface="+mn-lt"/>
-                <a:ea typeface="+mn-ea"/>
-                <a:cs typeface="+mn-cs"/>
-              </a:defRPr>
-            </a:lvl6pPr>
-            <a:lvl7pPr marL="2971800" indent="-228600" algn="l" defTabSz="914400" rtl="0" eaLnBrk="1" latinLnBrk="1" hangingPunct="1">
-              <a:lnSpc>
-                <a:spcPct val="90000"/>
-              </a:lnSpc>
-              <a:spcBef>
-                <a:spcPts val="500"/>
-              </a:spcBef>
-              <a:buFont typeface="Arial" panose="020B0604020202020204" pitchFamily="34" charset="0"/>
-              <a:buChar char="•"/>
-              <a:defRPr sz="1800" kern="1200">
-                <a:solidFill>
-                  <a:schemeClr val="tx1"/>
-                </a:solidFill>
-                <a:latin typeface="+mn-lt"/>
-                <a:ea typeface="+mn-ea"/>
-                <a:cs typeface="+mn-cs"/>
-              </a:defRPr>
-            </a:lvl7pPr>
-            <a:lvl8pPr marL="3429000" indent="-228600" algn="l" defTabSz="914400" rtl="0" eaLnBrk="1" latinLnBrk="1" hangingPunct="1">
-              <a:lnSpc>
-                <a:spcPct val="90000"/>
-              </a:lnSpc>
-              <a:spcBef>
-                <a:spcPts val="500"/>
-              </a:spcBef>
-              <a:buFont typeface="Arial" panose="020B0604020202020204" pitchFamily="34" charset="0"/>
-              <a:buChar char="•"/>
-              <a:defRPr sz="1800" kern="1200">
-                <a:solidFill>
-                  <a:schemeClr val="tx1"/>
-                </a:solidFill>
-                <a:latin typeface="+mn-lt"/>
-                <a:ea typeface="+mn-ea"/>
-                <a:cs typeface="+mn-cs"/>
-              </a:defRPr>
-            </a:lvl8pPr>
-            <a:lvl9pPr marL="3886200" indent="-228600" algn="l" defTabSz="914400" rtl="0" eaLnBrk="1" latinLnBrk="1" hangingPunct="1">
-              <a:lnSpc>
-                <a:spcPct val="90000"/>
-              </a:lnSpc>
-              <a:spcBef>
-                <a:spcPts val="500"/>
-              </a:spcBef>
-              <a:buFont typeface="Arial" panose="020B0604020202020204" pitchFamily="34" charset="0"/>
-              <a:buChar char="•"/>
-              <a:defRPr sz="1800" kern="1200">
-                <a:solidFill>
-                  <a:schemeClr val="tx1"/>
-                </a:solidFill>
-                <a:latin typeface="+mn-lt"/>
-                <a:ea typeface="+mn-ea"/>
-                <a:cs typeface="+mn-cs"/>
-              </a:defRPr>
-            </a:lvl9pPr>
-          </a:lstStyle>
-          <a:p>
-            <a:r>
-              <a:rPr lang="ko-KR" altLang="en-US" dirty="0"/>
-              <a:t>내용을 입력하세요 내용을 입력하세요</a:t>
-            </a:r>
-          </a:p>
-          <a:p>
-            <a:r>
-              <a:rPr lang="ko-KR" altLang="en-US" dirty="0"/>
-              <a:t>내용을 입력하세요 내용을 입력하세요</a:t>
-            </a:r>
-          </a:p>
-          <a:p>
-            <a:r>
-              <a:rPr lang="ko-KR" altLang="en-US" dirty="0"/>
-              <a:t>내용을 입력하세요 내용을 입력하세요</a:t>
-            </a:r>
-          </a:p>
-          <a:p>
-            <a:endParaRPr lang="ko-KR" altLang="en-US" dirty="0"/>
-          </a:p>
-        </p:txBody>
-      </p:sp>
-      <p:sp>
-        <p:nvSpPr>
-          <p:cNvPr id="42" name="텍스트 개체 틀 7"/>
-          <p:cNvSpPr>
-            <a:spLocks noGrp="1"/>
-          </p:cNvSpPr>
-          <p:nvPr/>
-        </p:nvSpPr>
-        <p:spPr>
-          <a:xfrm>
-            <a:off x="2801418" y="2120507"/>
-            <a:ext cx="2902802" cy="996179"/>
-          </a:xfrm>
-          <a:prstGeom prst="rect">
-            <a:avLst/>
-          </a:prstGeom>
-        </p:spPr>
-        <p:txBody>
-          <a:bodyPr vert="horz" lIns="91440" tIns="45720" rIns="91440" bIns="45720" rtlCol="0">
-            <a:normAutofit/>
-          </a:bodyPr>
-          <a:lstStyle>
-            <a:lvl1pPr marL="0" indent="0" algn="r" defTabSz="914400" rtl="0" eaLnBrk="1" latinLnBrk="1" hangingPunct="1">
-              <a:lnSpc>
-                <a:spcPct val="90000"/>
-              </a:lnSpc>
-              <a:spcBef>
-                <a:spcPts val="1000"/>
-              </a:spcBef>
-              <a:buFont typeface="Arial" panose="020B0604020202020204" pitchFamily="34" charset="0"/>
-              <a:buNone/>
-              <a:defRPr sz="1200" b="1" i="0" kern="1200">
-                <a:solidFill>
-                  <a:srgbClr val="8B723C"/>
-                </a:solidFill>
-                <a:latin typeface="나눔고딕" panose="020D0604000000000000" pitchFamily="50" charset="-127"/>
-                <a:ea typeface="나눔고딕" panose="020D0604000000000000" pitchFamily="50" charset="-127"/>
-                <a:cs typeface="+mn-cs"/>
-              </a:defRPr>
-            </a:lvl1pPr>
-            <a:lvl2pPr marL="457200" indent="0" algn="l" defTabSz="914400" rtl="0" eaLnBrk="1" latinLnBrk="1" hangingPunct="1">
-              <a:lnSpc>
-                <a:spcPct val="90000"/>
-              </a:lnSpc>
-              <a:spcBef>
-                <a:spcPts val="500"/>
-              </a:spcBef>
-              <a:buFont typeface="Arial" panose="020B0604020202020204" pitchFamily="34" charset="0"/>
-              <a:buNone/>
-              <a:defRPr sz="2400" kern="1200">
-                <a:solidFill>
-                  <a:schemeClr val="tx1"/>
-                </a:solidFill>
-                <a:latin typeface="+mn-lt"/>
-                <a:ea typeface="+mn-ea"/>
-                <a:cs typeface="+mn-cs"/>
-              </a:defRPr>
-            </a:lvl2pPr>
-            <a:lvl3pPr marL="914400" indent="0" algn="l" defTabSz="914400" rtl="0" eaLnBrk="1" latinLnBrk="1" hangingPunct="1">
-              <a:lnSpc>
-                <a:spcPct val="90000"/>
-              </a:lnSpc>
-              <a:spcBef>
-                <a:spcPts val="500"/>
-              </a:spcBef>
-              <a:buFont typeface="Arial" panose="020B0604020202020204" pitchFamily="34" charset="0"/>
-              <a:buNone/>
-              <a:defRPr sz="2000" kern="1200">
-                <a:solidFill>
-                  <a:schemeClr val="tx1"/>
-                </a:solidFill>
-                <a:latin typeface="+mn-lt"/>
-                <a:ea typeface="+mn-ea"/>
-                <a:cs typeface="+mn-cs"/>
-              </a:defRPr>
-            </a:lvl3pPr>
-            <a:lvl4pPr marL="1371600" indent="0" algn="l" defTabSz="914400" rtl="0" eaLnBrk="1" latinLnBrk="1" hangingPunct="1">
-              <a:lnSpc>
-                <a:spcPct val="90000"/>
-              </a:lnSpc>
-              <a:spcBef>
-                <a:spcPts val="500"/>
-              </a:spcBef>
-              <a:buFont typeface="Arial" panose="020B0604020202020204" pitchFamily="34" charset="0"/>
-              <a:buNone/>
-              <a:defRPr sz="1800" kern="1200">
-                <a:solidFill>
-                  <a:schemeClr val="tx1"/>
-                </a:solidFill>
-                <a:latin typeface="+mn-lt"/>
-                <a:ea typeface="+mn-ea"/>
-                <a:cs typeface="+mn-cs"/>
-              </a:defRPr>
-            </a:lvl4pPr>
-            <a:lvl5pPr marL="1828800" indent="0" algn="l" defTabSz="914400" rtl="0" eaLnBrk="1" latinLnBrk="1" hangingPunct="1">
-              <a:lnSpc>
-                <a:spcPct val="90000"/>
-              </a:lnSpc>
-              <a:spcBef>
-                <a:spcPts val="500"/>
-              </a:spcBef>
-              <a:buFont typeface="Arial" panose="020B0604020202020204" pitchFamily="34" charset="0"/>
-              <a:buNone/>
-              <a:defRPr sz="1800" kern="1200">
-                <a:solidFill>
-                  <a:schemeClr val="tx1"/>
-                </a:solidFill>
-                <a:latin typeface="+mn-lt"/>
-                <a:ea typeface="+mn-ea"/>
-                <a:cs typeface="+mn-cs"/>
-              </a:defRPr>
-            </a:lvl5pPr>
-            <a:lvl6pPr marL="2514600" indent="-228600" algn="l" defTabSz="914400" rtl="0" eaLnBrk="1" latinLnBrk="1" hangingPunct="1">
-              <a:lnSpc>
-                <a:spcPct val="90000"/>
-              </a:lnSpc>
-              <a:spcBef>
-                <a:spcPts val="500"/>
-              </a:spcBef>
-              <a:buFont typeface="Arial" panose="020B0604020202020204" pitchFamily="34" charset="0"/>
-              <a:buChar char="•"/>
-              <a:defRPr sz="1800" kern="1200">
-                <a:solidFill>
-                  <a:schemeClr val="tx1"/>
-                </a:solidFill>
-                <a:latin typeface="+mn-lt"/>
-                <a:ea typeface="+mn-ea"/>
-                <a:cs typeface="+mn-cs"/>
-              </a:defRPr>
-            </a:lvl6pPr>
-            <a:lvl7pPr marL="2971800" indent="-228600" algn="l" defTabSz="914400" rtl="0" eaLnBrk="1" latinLnBrk="1" hangingPunct="1">
-              <a:lnSpc>
-                <a:spcPct val="90000"/>
-              </a:lnSpc>
-              <a:spcBef>
-                <a:spcPts val="500"/>
-              </a:spcBef>
-              <a:buFont typeface="Arial" panose="020B0604020202020204" pitchFamily="34" charset="0"/>
-              <a:buChar char="•"/>
-              <a:defRPr sz="1800" kern="1200">
-                <a:solidFill>
-                  <a:schemeClr val="tx1"/>
-                </a:solidFill>
-                <a:latin typeface="+mn-lt"/>
-                <a:ea typeface="+mn-ea"/>
-                <a:cs typeface="+mn-cs"/>
-              </a:defRPr>
-            </a:lvl7pPr>
-            <a:lvl8pPr marL="3429000" indent="-228600" algn="l" defTabSz="914400" rtl="0" eaLnBrk="1" latinLnBrk="1" hangingPunct="1">
-              <a:lnSpc>
-                <a:spcPct val="90000"/>
-              </a:lnSpc>
-              <a:spcBef>
-                <a:spcPts val="500"/>
-              </a:spcBef>
-              <a:buFont typeface="Arial" panose="020B0604020202020204" pitchFamily="34" charset="0"/>
-              <a:buChar char="•"/>
-              <a:defRPr sz="1800" kern="1200">
-                <a:solidFill>
-                  <a:schemeClr val="tx1"/>
-                </a:solidFill>
-                <a:latin typeface="+mn-lt"/>
-                <a:ea typeface="+mn-ea"/>
-                <a:cs typeface="+mn-cs"/>
-              </a:defRPr>
-            </a:lvl8pPr>
-            <a:lvl9pPr marL="3886200" indent="-228600" algn="l" defTabSz="914400" rtl="0" eaLnBrk="1" latinLnBrk="1" hangingPunct="1">
-              <a:lnSpc>
-                <a:spcPct val="90000"/>
-              </a:lnSpc>
-              <a:spcBef>
-                <a:spcPts val="500"/>
-              </a:spcBef>
-              <a:buFont typeface="Arial" panose="020B0604020202020204" pitchFamily="34" charset="0"/>
-              <a:buChar char="•"/>
-              <a:defRPr sz="1800" kern="1200">
-                <a:solidFill>
-                  <a:schemeClr val="tx1"/>
-                </a:solidFill>
-                <a:latin typeface="+mn-lt"/>
-                <a:ea typeface="+mn-ea"/>
-                <a:cs typeface="+mn-cs"/>
-              </a:defRPr>
-            </a:lvl9pPr>
-          </a:lstStyle>
-          <a:p>
-            <a:r>
-              <a:rPr lang="en-US" altLang="ko-KR" dirty="0"/>
-              <a:t>1</a:t>
-            </a:r>
-            <a:r>
-              <a:rPr lang="ko-KR" altLang="en-US" dirty="0"/>
-              <a:t>인</a:t>
-            </a:r>
-            <a:r>
-              <a:rPr lang="en-US" altLang="ko-KR" dirty="0"/>
-              <a:t> </a:t>
-            </a:r>
-            <a:r>
-              <a:rPr lang="ko-KR" altLang="en-US" dirty="0"/>
-              <a:t>쓰레기 배출 현황</a:t>
-            </a:r>
-            <a:endParaRPr lang="en-US" altLang="ko-KR" dirty="0"/>
-          </a:p>
-          <a:p>
-            <a:r>
-              <a:rPr lang="ko-KR" altLang="en-US" dirty="0"/>
-              <a:t>연도 쓰레기 배출 변화</a:t>
-            </a:r>
-          </a:p>
-          <a:p>
-            <a:r>
-              <a:rPr lang="ko-KR" altLang="en-US" dirty="0"/>
-              <a:t>재활용도움센터 필요성</a:t>
-            </a:r>
-          </a:p>
-        </p:txBody>
-      </p:sp>
-      <p:sp>
-        <p:nvSpPr>
-          <p:cNvPr id="43" name="텍스트 개체 틀 8"/>
-          <p:cNvSpPr>
-            <a:spLocks noGrp="1"/>
-          </p:cNvSpPr>
-          <p:nvPr/>
-        </p:nvSpPr>
-        <p:spPr>
-          <a:xfrm>
-            <a:off x="9116425" y="5438456"/>
-            <a:ext cx="1208673" cy="570382"/>
-          </a:xfrm>
-          <a:prstGeom prst="rect">
-            <a:avLst/>
-          </a:prstGeom>
-        </p:spPr>
-        <p:txBody>
-          <a:bodyPr vert="horz" lIns="91440" tIns="45720" rIns="91440" bIns="45720" rtlCol="0" anchor="ctr">
-            <a:noAutofit/>
-          </a:bodyPr>
-          <a:lstStyle>
-            <a:lvl1pPr marL="0" indent="0" algn="l" defTabSz="914400" rtl="0" eaLnBrk="1" latinLnBrk="1" hangingPunct="1">
-              <a:lnSpc>
-                <a:spcPct val="90000"/>
-              </a:lnSpc>
-              <a:spcBef>
-                <a:spcPts val="1000"/>
-              </a:spcBef>
-              <a:buFont typeface="Arial" panose="020B0604020202020204" pitchFamily="34" charset="0"/>
-              <a:buNone/>
-              <a:defRPr sz="2800" b="0" i="0" kern="1200">
-                <a:solidFill>
-                  <a:srgbClr val="8B723C"/>
-                </a:solidFill>
-                <a:latin typeface="210 하얀바람 B" panose="02020603020101020101" pitchFamily="18" charset="-127"/>
-                <a:ea typeface="210 하얀바람 B" panose="02020603020101020101" pitchFamily="18" charset="-127"/>
-                <a:cs typeface="+mn-cs"/>
-              </a:defRPr>
-            </a:lvl1pPr>
-            <a:lvl2pPr marL="457200" indent="0" algn="l" defTabSz="914400" rtl="0" eaLnBrk="1" latinLnBrk="1" hangingPunct="1">
-              <a:lnSpc>
-                <a:spcPct val="90000"/>
-              </a:lnSpc>
-              <a:spcBef>
-                <a:spcPts val="500"/>
-              </a:spcBef>
-              <a:buFont typeface="Arial" panose="020B0604020202020204" pitchFamily="34" charset="0"/>
-              <a:buNone/>
-              <a:defRPr sz="2400" kern="1200">
-                <a:solidFill>
-                  <a:schemeClr val="tx1"/>
-                </a:solidFill>
-                <a:latin typeface="+mn-lt"/>
-                <a:ea typeface="+mn-ea"/>
-                <a:cs typeface="+mn-cs"/>
-              </a:defRPr>
-            </a:lvl2pPr>
-            <a:lvl3pPr marL="914400" indent="0" algn="l" defTabSz="914400" rtl="0" eaLnBrk="1" latinLnBrk="1" hangingPunct="1">
-              <a:lnSpc>
-                <a:spcPct val="90000"/>
-              </a:lnSpc>
-              <a:spcBef>
-                <a:spcPts val="500"/>
-              </a:spcBef>
-              <a:buFont typeface="Arial" panose="020B0604020202020204" pitchFamily="34" charset="0"/>
-              <a:buNone/>
-              <a:defRPr sz="2000" kern="1200">
-                <a:solidFill>
-                  <a:schemeClr val="tx1"/>
-                </a:solidFill>
-                <a:latin typeface="+mn-lt"/>
-                <a:ea typeface="+mn-ea"/>
-                <a:cs typeface="+mn-cs"/>
-              </a:defRPr>
-            </a:lvl3pPr>
-            <a:lvl4pPr marL="1371600" indent="0" algn="l" defTabSz="914400" rtl="0" eaLnBrk="1" latinLnBrk="1" hangingPunct="1">
-              <a:lnSpc>
-                <a:spcPct val="90000"/>
-              </a:lnSpc>
-              <a:spcBef>
-                <a:spcPts val="500"/>
-              </a:spcBef>
-              <a:buFont typeface="Arial" panose="020B0604020202020204" pitchFamily="34" charset="0"/>
-              <a:buNone/>
-              <a:defRPr sz="1800" kern="1200">
-                <a:solidFill>
-                  <a:schemeClr val="tx1"/>
-                </a:solidFill>
-                <a:latin typeface="+mn-lt"/>
-                <a:ea typeface="+mn-ea"/>
-                <a:cs typeface="+mn-cs"/>
-              </a:defRPr>
-            </a:lvl4pPr>
-            <a:lvl5pPr marL="1828800" indent="0" algn="l" defTabSz="914400" rtl="0" eaLnBrk="1" latinLnBrk="1" hangingPunct="1">
-              <a:lnSpc>
-                <a:spcPct val="90000"/>
-              </a:lnSpc>
-              <a:spcBef>
-                <a:spcPts val="500"/>
-              </a:spcBef>
-              <a:buFont typeface="Arial" panose="020B0604020202020204" pitchFamily="34" charset="0"/>
-              <a:buNone/>
-              <a:defRPr sz="1800" kern="1200">
-                <a:solidFill>
-                  <a:schemeClr val="tx1"/>
-                </a:solidFill>
-                <a:latin typeface="+mn-lt"/>
-                <a:ea typeface="+mn-ea"/>
-                <a:cs typeface="+mn-cs"/>
-              </a:defRPr>
-            </a:lvl5pPr>
-            <a:lvl6pPr marL="2514600" indent="-228600" algn="l" defTabSz="914400" rtl="0" eaLnBrk="1" latinLnBrk="1" hangingPunct="1">
-              <a:lnSpc>
-                <a:spcPct val="90000"/>
-              </a:lnSpc>
-              <a:spcBef>
-                <a:spcPts val="500"/>
-              </a:spcBef>
-              <a:buFont typeface="Arial" panose="020B0604020202020204" pitchFamily="34" charset="0"/>
-              <a:buChar char="•"/>
-              <a:defRPr sz="1800" kern="1200">
-                <a:solidFill>
-                  <a:schemeClr val="tx1"/>
-                </a:solidFill>
-                <a:latin typeface="+mn-lt"/>
-                <a:ea typeface="+mn-ea"/>
-                <a:cs typeface="+mn-cs"/>
-              </a:defRPr>
-            </a:lvl6pPr>
-            <a:lvl7pPr marL="2971800" indent="-228600" algn="l" defTabSz="914400" rtl="0" eaLnBrk="1" latinLnBrk="1" hangingPunct="1">
-              <a:lnSpc>
-                <a:spcPct val="90000"/>
-              </a:lnSpc>
-              <a:spcBef>
-                <a:spcPts val="500"/>
-              </a:spcBef>
-              <a:buFont typeface="Arial" panose="020B0604020202020204" pitchFamily="34" charset="0"/>
-              <a:buChar char="•"/>
-              <a:defRPr sz="1800" kern="1200">
-                <a:solidFill>
-                  <a:schemeClr val="tx1"/>
-                </a:solidFill>
-                <a:latin typeface="+mn-lt"/>
-                <a:ea typeface="+mn-ea"/>
-                <a:cs typeface="+mn-cs"/>
-              </a:defRPr>
-            </a:lvl7pPr>
-            <a:lvl8pPr marL="3429000" indent="-228600" algn="l" defTabSz="914400" rtl="0" eaLnBrk="1" latinLnBrk="1" hangingPunct="1">
-              <a:lnSpc>
-                <a:spcPct val="90000"/>
-              </a:lnSpc>
-              <a:spcBef>
-                <a:spcPts val="500"/>
-              </a:spcBef>
-              <a:buFont typeface="Arial" panose="020B0604020202020204" pitchFamily="34" charset="0"/>
-              <a:buChar char="•"/>
-              <a:defRPr sz="1800" kern="1200">
-                <a:solidFill>
-                  <a:schemeClr val="tx1"/>
-                </a:solidFill>
-                <a:latin typeface="+mn-lt"/>
-                <a:ea typeface="+mn-ea"/>
-                <a:cs typeface="+mn-cs"/>
-              </a:defRPr>
-            </a:lvl8pPr>
-            <a:lvl9pPr marL="3886200" indent="-228600" algn="l" defTabSz="914400" rtl="0" eaLnBrk="1" latinLnBrk="1" hangingPunct="1">
-              <a:lnSpc>
-                <a:spcPct val="90000"/>
-              </a:lnSpc>
-              <a:spcBef>
-                <a:spcPts val="500"/>
-              </a:spcBef>
-              <a:buFont typeface="Arial" panose="020B0604020202020204" pitchFamily="34" charset="0"/>
-              <a:buChar char="•"/>
-              <a:defRPr sz="1800" kern="1200">
-                <a:solidFill>
-                  <a:schemeClr val="tx1"/>
-                </a:solidFill>
-                <a:latin typeface="+mn-lt"/>
-                <a:ea typeface="+mn-ea"/>
-                <a:cs typeface="+mn-cs"/>
-              </a:defRPr>
-            </a:lvl9pPr>
-          </a:lstStyle>
-          <a:p>
-            <a:r>
-              <a:rPr lang="en-US" altLang="ko-KR" sz="3200" dirty="0"/>
-              <a:t>Q&amp;A </a:t>
-            </a:r>
-            <a:r>
-              <a:rPr lang="ko-KR" altLang="en-US" sz="3200" dirty="0"/>
-              <a:t>출처</a:t>
-            </a:r>
-          </a:p>
-        </p:txBody>
-      </p:sp>
-      <p:sp>
-        <p:nvSpPr>
-          <p:cNvPr id="44" name="텍스트 개체 틀 9"/>
-          <p:cNvSpPr>
-            <a:spLocks noGrp="1"/>
-          </p:cNvSpPr>
-          <p:nvPr/>
-        </p:nvSpPr>
-        <p:spPr>
-          <a:xfrm>
-            <a:off x="8925766" y="3554159"/>
-            <a:ext cx="2159576" cy="570382"/>
-          </a:xfrm>
-          <a:prstGeom prst="rect">
-            <a:avLst/>
-          </a:prstGeom>
-        </p:spPr>
-        <p:txBody>
-          <a:bodyPr vert="horz" lIns="91440" tIns="45720" rIns="91440" bIns="45720" rtlCol="0" anchor="ctr">
-            <a:noAutofit/>
-          </a:bodyPr>
-          <a:lstStyle>
-            <a:lvl1pPr marL="0" indent="0" algn="l" defTabSz="914400" rtl="0" eaLnBrk="1" latinLnBrk="1" hangingPunct="1">
-              <a:lnSpc>
-                <a:spcPct val="90000"/>
-              </a:lnSpc>
-              <a:spcBef>
-                <a:spcPts val="1000"/>
-              </a:spcBef>
-              <a:buFont typeface="Arial" panose="020B0604020202020204" pitchFamily="34" charset="0"/>
-              <a:buNone/>
-              <a:defRPr sz="2800" b="0" i="0" kern="1200">
-                <a:solidFill>
-                  <a:srgbClr val="8B723C"/>
-                </a:solidFill>
-                <a:latin typeface="210 하얀바람 B" panose="02020603020101020101" pitchFamily="18" charset="-127"/>
-                <a:ea typeface="210 하얀바람 B" panose="02020603020101020101" pitchFamily="18" charset="-127"/>
-                <a:cs typeface="+mn-cs"/>
-              </a:defRPr>
-            </a:lvl1pPr>
-            <a:lvl2pPr marL="457200" indent="0" algn="l" defTabSz="914400" rtl="0" eaLnBrk="1" latinLnBrk="1" hangingPunct="1">
-              <a:lnSpc>
-                <a:spcPct val="90000"/>
-              </a:lnSpc>
-              <a:spcBef>
-                <a:spcPts val="500"/>
-              </a:spcBef>
-              <a:buFont typeface="Arial" panose="020B0604020202020204" pitchFamily="34" charset="0"/>
-              <a:buNone/>
-              <a:defRPr sz="2400" kern="1200">
-                <a:solidFill>
-                  <a:schemeClr val="tx1"/>
-                </a:solidFill>
-                <a:latin typeface="+mn-lt"/>
-                <a:ea typeface="+mn-ea"/>
-                <a:cs typeface="+mn-cs"/>
-              </a:defRPr>
-            </a:lvl2pPr>
-            <a:lvl3pPr marL="914400" indent="0" algn="l" defTabSz="914400" rtl="0" eaLnBrk="1" latinLnBrk="1" hangingPunct="1">
-              <a:lnSpc>
-                <a:spcPct val="90000"/>
-              </a:lnSpc>
-              <a:spcBef>
-                <a:spcPts val="500"/>
-              </a:spcBef>
-              <a:buFont typeface="Arial" panose="020B0604020202020204" pitchFamily="34" charset="0"/>
-              <a:buNone/>
-              <a:defRPr sz="2000" kern="1200">
-                <a:solidFill>
-                  <a:schemeClr val="tx1"/>
-                </a:solidFill>
-                <a:latin typeface="+mn-lt"/>
-                <a:ea typeface="+mn-ea"/>
-                <a:cs typeface="+mn-cs"/>
-              </a:defRPr>
-            </a:lvl3pPr>
-            <a:lvl4pPr marL="1371600" indent="0" algn="l" defTabSz="914400" rtl="0" eaLnBrk="1" latinLnBrk="1" hangingPunct="1">
-              <a:lnSpc>
-                <a:spcPct val="90000"/>
-              </a:lnSpc>
-              <a:spcBef>
-                <a:spcPts val="500"/>
-              </a:spcBef>
-              <a:buFont typeface="Arial" panose="020B0604020202020204" pitchFamily="34" charset="0"/>
-              <a:buNone/>
-              <a:defRPr sz="1800" kern="1200">
-                <a:solidFill>
-                  <a:schemeClr val="tx1"/>
-                </a:solidFill>
-                <a:latin typeface="+mn-lt"/>
-                <a:ea typeface="+mn-ea"/>
-                <a:cs typeface="+mn-cs"/>
-              </a:defRPr>
-            </a:lvl4pPr>
-            <a:lvl5pPr marL="1828800" indent="0" algn="l" defTabSz="914400" rtl="0" eaLnBrk="1" latinLnBrk="1" hangingPunct="1">
-              <a:lnSpc>
-                <a:spcPct val="90000"/>
-              </a:lnSpc>
-              <a:spcBef>
-                <a:spcPts val="500"/>
-              </a:spcBef>
-              <a:buFont typeface="Arial" panose="020B0604020202020204" pitchFamily="34" charset="0"/>
-              <a:buNone/>
-              <a:defRPr sz="1800" kern="1200">
-                <a:solidFill>
-                  <a:schemeClr val="tx1"/>
-                </a:solidFill>
-                <a:latin typeface="+mn-lt"/>
-                <a:ea typeface="+mn-ea"/>
-                <a:cs typeface="+mn-cs"/>
-              </a:defRPr>
-            </a:lvl5pPr>
-            <a:lvl6pPr marL="2514600" indent="-228600" algn="l" defTabSz="914400" rtl="0" eaLnBrk="1" latinLnBrk="1" hangingPunct="1">
-              <a:lnSpc>
-                <a:spcPct val="90000"/>
-              </a:lnSpc>
-              <a:spcBef>
-                <a:spcPts val="500"/>
-              </a:spcBef>
-              <a:buFont typeface="Arial" panose="020B0604020202020204" pitchFamily="34" charset="0"/>
-              <a:buChar char="•"/>
-              <a:defRPr sz="1800" kern="1200">
-                <a:solidFill>
-                  <a:schemeClr val="tx1"/>
-                </a:solidFill>
-                <a:latin typeface="+mn-lt"/>
-                <a:ea typeface="+mn-ea"/>
-                <a:cs typeface="+mn-cs"/>
-              </a:defRPr>
-            </a:lvl6pPr>
-            <a:lvl7pPr marL="2971800" indent="-228600" algn="l" defTabSz="914400" rtl="0" eaLnBrk="1" latinLnBrk="1" hangingPunct="1">
-              <a:lnSpc>
-                <a:spcPct val="90000"/>
-              </a:lnSpc>
-              <a:spcBef>
-                <a:spcPts val="500"/>
-              </a:spcBef>
-              <a:buFont typeface="Arial" panose="020B0604020202020204" pitchFamily="34" charset="0"/>
-              <a:buChar char="•"/>
-              <a:defRPr sz="1800" kern="1200">
-                <a:solidFill>
-                  <a:schemeClr val="tx1"/>
-                </a:solidFill>
-                <a:latin typeface="+mn-lt"/>
-                <a:ea typeface="+mn-ea"/>
-                <a:cs typeface="+mn-cs"/>
-              </a:defRPr>
-            </a:lvl7pPr>
-            <a:lvl8pPr marL="3429000" indent="-228600" algn="l" defTabSz="914400" rtl="0" eaLnBrk="1" latinLnBrk="1" hangingPunct="1">
-              <a:lnSpc>
-                <a:spcPct val="90000"/>
-              </a:lnSpc>
-              <a:spcBef>
-                <a:spcPts val="500"/>
-              </a:spcBef>
-              <a:buFont typeface="Arial" panose="020B0604020202020204" pitchFamily="34" charset="0"/>
-              <a:buChar char="•"/>
-              <a:defRPr sz="1800" kern="1200">
-                <a:solidFill>
-                  <a:schemeClr val="tx1"/>
-                </a:solidFill>
-                <a:latin typeface="+mn-lt"/>
-                <a:ea typeface="+mn-ea"/>
-                <a:cs typeface="+mn-cs"/>
-              </a:defRPr>
-            </a:lvl8pPr>
-            <a:lvl9pPr marL="3886200" indent="-228600" algn="l" defTabSz="914400" rtl="0" eaLnBrk="1" latinLnBrk="1" hangingPunct="1">
-              <a:lnSpc>
-                <a:spcPct val="90000"/>
-              </a:lnSpc>
-              <a:spcBef>
-                <a:spcPts val="500"/>
-              </a:spcBef>
-              <a:buFont typeface="Arial" panose="020B0604020202020204" pitchFamily="34" charset="0"/>
-              <a:buChar char="•"/>
-              <a:defRPr sz="1800" kern="1200">
-                <a:solidFill>
-                  <a:schemeClr val="tx1"/>
-                </a:solidFill>
-                <a:latin typeface="+mn-lt"/>
-                <a:ea typeface="+mn-ea"/>
-                <a:cs typeface="+mn-cs"/>
-              </a:defRPr>
-            </a:lvl9pPr>
-          </a:lstStyle>
-          <a:p>
-            <a:r>
-              <a:rPr lang="ko-KR" altLang="en-US" sz="3200" dirty="0"/>
-              <a:t>데이터</a:t>
-            </a:r>
-            <a:br>
-              <a:rPr lang="en-US" altLang="ko-KR" sz="3200" dirty="0"/>
-            </a:br>
-            <a:r>
-              <a:rPr lang="ko-KR" altLang="en-US" sz="3200" dirty="0" err="1"/>
-              <a:t>전처리</a:t>
-            </a:r>
-            <a:endParaRPr lang="ko-KR" altLang="en-US" sz="3200" dirty="0"/>
-          </a:p>
-        </p:txBody>
-      </p:sp>
-      <p:sp>
-        <p:nvSpPr>
-          <p:cNvPr id="45" name="텍스트 개체 틀 10"/>
-          <p:cNvSpPr>
-            <a:spLocks noGrp="1"/>
-          </p:cNvSpPr>
-          <p:nvPr/>
-        </p:nvSpPr>
-        <p:spPr>
-          <a:xfrm>
-            <a:off x="8847770" y="1743149"/>
-            <a:ext cx="1477328" cy="570382"/>
-          </a:xfrm>
-          <a:prstGeom prst="rect">
-            <a:avLst/>
-          </a:prstGeom>
-        </p:spPr>
-        <p:txBody>
-          <a:bodyPr vert="horz" lIns="91440" tIns="45720" rIns="91440" bIns="45720" rtlCol="0" anchor="ctr">
-            <a:noAutofit/>
-          </a:bodyPr>
-          <a:lstStyle>
-            <a:lvl1pPr marL="0" indent="0" algn="l" defTabSz="914400" rtl="0" eaLnBrk="1" latinLnBrk="1" hangingPunct="1">
-              <a:lnSpc>
-                <a:spcPct val="90000"/>
-              </a:lnSpc>
-              <a:spcBef>
-                <a:spcPts val="1000"/>
-              </a:spcBef>
-              <a:buFont typeface="Arial" panose="020B0604020202020204" pitchFamily="34" charset="0"/>
-              <a:buNone/>
-              <a:defRPr sz="2800" b="0" i="0" kern="1200">
-                <a:solidFill>
-                  <a:srgbClr val="8B723C"/>
-                </a:solidFill>
-                <a:latin typeface="210 하얀바람 B" panose="02020603020101020101" pitchFamily="18" charset="-127"/>
-                <a:ea typeface="210 하얀바람 B" panose="02020603020101020101" pitchFamily="18" charset="-127"/>
-                <a:cs typeface="+mn-cs"/>
-              </a:defRPr>
-            </a:lvl1pPr>
-            <a:lvl2pPr marL="457200" indent="0" algn="l" defTabSz="914400" rtl="0" eaLnBrk="1" latinLnBrk="1" hangingPunct="1">
-              <a:lnSpc>
-                <a:spcPct val="90000"/>
-              </a:lnSpc>
-              <a:spcBef>
-                <a:spcPts val="500"/>
-              </a:spcBef>
-              <a:buFont typeface="Arial" panose="020B0604020202020204" pitchFamily="34" charset="0"/>
-              <a:buNone/>
-              <a:defRPr sz="2400" kern="1200">
-                <a:solidFill>
-                  <a:schemeClr val="tx1"/>
-                </a:solidFill>
-                <a:latin typeface="+mn-lt"/>
-                <a:ea typeface="+mn-ea"/>
-                <a:cs typeface="+mn-cs"/>
-              </a:defRPr>
-            </a:lvl2pPr>
-            <a:lvl3pPr marL="914400" indent="0" algn="l" defTabSz="914400" rtl="0" eaLnBrk="1" latinLnBrk="1" hangingPunct="1">
-              <a:lnSpc>
-                <a:spcPct val="90000"/>
-              </a:lnSpc>
-              <a:spcBef>
-                <a:spcPts val="500"/>
-              </a:spcBef>
-              <a:buFont typeface="Arial" panose="020B0604020202020204" pitchFamily="34" charset="0"/>
-              <a:buNone/>
-              <a:defRPr sz="2000" kern="1200">
-                <a:solidFill>
-                  <a:schemeClr val="tx1"/>
-                </a:solidFill>
-                <a:latin typeface="+mn-lt"/>
-                <a:ea typeface="+mn-ea"/>
-                <a:cs typeface="+mn-cs"/>
-              </a:defRPr>
-            </a:lvl3pPr>
-            <a:lvl4pPr marL="1371600" indent="0" algn="l" defTabSz="914400" rtl="0" eaLnBrk="1" latinLnBrk="1" hangingPunct="1">
-              <a:lnSpc>
-                <a:spcPct val="90000"/>
-              </a:lnSpc>
-              <a:spcBef>
-                <a:spcPts val="500"/>
-              </a:spcBef>
-              <a:buFont typeface="Arial" panose="020B0604020202020204" pitchFamily="34" charset="0"/>
-              <a:buNone/>
-              <a:defRPr sz="1800" kern="1200">
-                <a:solidFill>
-                  <a:schemeClr val="tx1"/>
-                </a:solidFill>
-                <a:latin typeface="+mn-lt"/>
-                <a:ea typeface="+mn-ea"/>
-                <a:cs typeface="+mn-cs"/>
-              </a:defRPr>
-            </a:lvl4pPr>
-            <a:lvl5pPr marL="1828800" indent="0" algn="l" defTabSz="914400" rtl="0" eaLnBrk="1" latinLnBrk="1" hangingPunct="1">
-              <a:lnSpc>
-                <a:spcPct val="90000"/>
-              </a:lnSpc>
-              <a:spcBef>
-                <a:spcPts val="500"/>
-              </a:spcBef>
-              <a:buFont typeface="Arial" panose="020B0604020202020204" pitchFamily="34" charset="0"/>
-              <a:buNone/>
-              <a:defRPr sz="1800" kern="1200">
-                <a:solidFill>
-                  <a:schemeClr val="tx1"/>
-                </a:solidFill>
-                <a:latin typeface="+mn-lt"/>
-                <a:ea typeface="+mn-ea"/>
-                <a:cs typeface="+mn-cs"/>
-              </a:defRPr>
-            </a:lvl5pPr>
-            <a:lvl6pPr marL="2514600" indent="-228600" algn="l" defTabSz="914400" rtl="0" eaLnBrk="1" latinLnBrk="1" hangingPunct="1">
-              <a:lnSpc>
-                <a:spcPct val="90000"/>
-              </a:lnSpc>
-              <a:spcBef>
-                <a:spcPts val="500"/>
-              </a:spcBef>
-              <a:buFont typeface="Arial" panose="020B0604020202020204" pitchFamily="34" charset="0"/>
-              <a:buChar char="•"/>
-              <a:defRPr sz="1800" kern="1200">
-                <a:solidFill>
-                  <a:schemeClr val="tx1"/>
-                </a:solidFill>
-                <a:latin typeface="+mn-lt"/>
-                <a:ea typeface="+mn-ea"/>
-                <a:cs typeface="+mn-cs"/>
-              </a:defRPr>
-            </a:lvl6pPr>
-            <a:lvl7pPr marL="2971800" indent="-228600" algn="l" defTabSz="914400" rtl="0" eaLnBrk="1" latinLnBrk="1" hangingPunct="1">
-              <a:lnSpc>
-                <a:spcPct val="90000"/>
-              </a:lnSpc>
-              <a:spcBef>
-                <a:spcPts val="500"/>
-              </a:spcBef>
-              <a:buFont typeface="Arial" panose="020B0604020202020204" pitchFamily="34" charset="0"/>
-              <a:buChar char="•"/>
-              <a:defRPr sz="1800" kern="1200">
-                <a:solidFill>
-                  <a:schemeClr val="tx1"/>
-                </a:solidFill>
-                <a:latin typeface="+mn-lt"/>
-                <a:ea typeface="+mn-ea"/>
-                <a:cs typeface="+mn-cs"/>
-              </a:defRPr>
-            </a:lvl7pPr>
-            <a:lvl8pPr marL="3429000" indent="-228600" algn="l" defTabSz="914400" rtl="0" eaLnBrk="1" latinLnBrk="1" hangingPunct="1">
-              <a:lnSpc>
-                <a:spcPct val="90000"/>
-              </a:lnSpc>
-              <a:spcBef>
-                <a:spcPts val="500"/>
-              </a:spcBef>
-              <a:buFont typeface="Arial" panose="020B0604020202020204" pitchFamily="34" charset="0"/>
-              <a:buChar char="•"/>
-              <a:defRPr sz="1800" kern="1200">
-                <a:solidFill>
-                  <a:schemeClr val="tx1"/>
-                </a:solidFill>
-                <a:latin typeface="+mn-lt"/>
-                <a:ea typeface="+mn-ea"/>
-                <a:cs typeface="+mn-cs"/>
-              </a:defRPr>
-            </a:lvl8pPr>
-            <a:lvl9pPr marL="3886200" indent="-228600" algn="l" defTabSz="914400" rtl="0" eaLnBrk="1" latinLnBrk="1" hangingPunct="1">
-              <a:lnSpc>
-                <a:spcPct val="90000"/>
-              </a:lnSpc>
-              <a:spcBef>
-                <a:spcPts val="500"/>
-              </a:spcBef>
-              <a:buFont typeface="Arial" panose="020B0604020202020204" pitchFamily="34" charset="0"/>
-              <a:buChar char="•"/>
-              <a:defRPr sz="1800" kern="1200">
-                <a:solidFill>
-                  <a:schemeClr val="tx1"/>
-                </a:solidFill>
-                <a:latin typeface="+mn-lt"/>
-                <a:ea typeface="+mn-ea"/>
-                <a:cs typeface="+mn-cs"/>
-              </a:defRPr>
-            </a:lvl9pPr>
-          </a:lstStyle>
-          <a:p>
-            <a:r>
-              <a:rPr lang="ko-KR" altLang="en-US" sz="3200" dirty="0"/>
-              <a:t>데이터 분석</a:t>
-            </a:r>
-          </a:p>
-        </p:txBody>
-      </p:sp>
-      <p:sp>
-        <p:nvSpPr>
-          <p:cNvPr id="46" name="텍스트 개체 틀 11"/>
-          <p:cNvSpPr>
-            <a:spLocks noGrp="1"/>
-          </p:cNvSpPr>
-          <p:nvPr/>
-        </p:nvSpPr>
-        <p:spPr>
-          <a:xfrm>
-            <a:off x="1866900" y="4103142"/>
-            <a:ext cx="1359480" cy="570382"/>
-          </a:xfrm>
-          <a:prstGeom prst="rect">
-            <a:avLst/>
-          </a:prstGeom>
-        </p:spPr>
-        <p:txBody>
-          <a:bodyPr vert="horz" lIns="91440" tIns="45720" rIns="91440" bIns="45720" rtlCol="0" anchor="ctr">
-            <a:noAutofit/>
-          </a:bodyPr>
-          <a:lstStyle>
-            <a:lvl1pPr marL="0" indent="0" algn="r" defTabSz="914400" rtl="0" eaLnBrk="1" latinLnBrk="1" hangingPunct="1">
-              <a:lnSpc>
-                <a:spcPct val="90000"/>
-              </a:lnSpc>
-              <a:spcBef>
-                <a:spcPts val="1000"/>
-              </a:spcBef>
-              <a:buFont typeface="Arial" panose="020B0604020202020204" pitchFamily="34" charset="0"/>
-              <a:buNone/>
-              <a:defRPr sz="2800" b="0" i="0" kern="1200">
-                <a:solidFill>
-                  <a:srgbClr val="8B723C"/>
-                </a:solidFill>
-                <a:latin typeface="210 하얀바람 B" panose="02020603020101020101" pitchFamily="18" charset="-127"/>
-                <a:ea typeface="210 하얀바람 B" panose="02020603020101020101" pitchFamily="18" charset="-127"/>
-                <a:cs typeface="+mn-cs"/>
-              </a:defRPr>
-            </a:lvl1pPr>
-            <a:lvl2pPr marL="457200" indent="0" algn="l" defTabSz="914400" rtl="0" eaLnBrk="1" latinLnBrk="1" hangingPunct="1">
-              <a:lnSpc>
-                <a:spcPct val="90000"/>
-              </a:lnSpc>
-              <a:spcBef>
-                <a:spcPts val="500"/>
-              </a:spcBef>
-              <a:buFont typeface="Arial" panose="020B0604020202020204" pitchFamily="34" charset="0"/>
-              <a:buNone/>
-              <a:defRPr sz="2400" kern="1200">
-                <a:solidFill>
-                  <a:schemeClr val="tx1"/>
-                </a:solidFill>
-                <a:latin typeface="+mn-lt"/>
-                <a:ea typeface="+mn-ea"/>
-                <a:cs typeface="+mn-cs"/>
-              </a:defRPr>
-            </a:lvl2pPr>
-            <a:lvl3pPr marL="914400" indent="0" algn="l" defTabSz="914400" rtl="0" eaLnBrk="1" latinLnBrk="1" hangingPunct="1">
-              <a:lnSpc>
-                <a:spcPct val="90000"/>
-              </a:lnSpc>
-              <a:spcBef>
-                <a:spcPts val="500"/>
-              </a:spcBef>
-              <a:buFont typeface="Arial" panose="020B0604020202020204" pitchFamily="34" charset="0"/>
-              <a:buNone/>
-              <a:defRPr sz="2000" kern="1200">
-                <a:solidFill>
-                  <a:schemeClr val="tx1"/>
-                </a:solidFill>
-                <a:latin typeface="+mn-lt"/>
-                <a:ea typeface="+mn-ea"/>
-                <a:cs typeface="+mn-cs"/>
-              </a:defRPr>
-            </a:lvl3pPr>
-            <a:lvl4pPr marL="1371600" indent="0" algn="l" defTabSz="914400" rtl="0" eaLnBrk="1" latinLnBrk="1" hangingPunct="1">
-              <a:lnSpc>
-                <a:spcPct val="90000"/>
-              </a:lnSpc>
-              <a:spcBef>
-                <a:spcPts val="500"/>
-              </a:spcBef>
-              <a:buFont typeface="Arial" panose="020B0604020202020204" pitchFamily="34" charset="0"/>
-              <a:buNone/>
-              <a:defRPr sz="1800" kern="1200">
-                <a:solidFill>
-                  <a:schemeClr val="tx1"/>
-                </a:solidFill>
-                <a:latin typeface="+mn-lt"/>
-                <a:ea typeface="+mn-ea"/>
-                <a:cs typeface="+mn-cs"/>
-              </a:defRPr>
-            </a:lvl4pPr>
-            <a:lvl5pPr marL="1828800" indent="0" algn="l" defTabSz="914400" rtl="0" eaLnBrk="1" latinLnBrk="1" hangingPunct="1">
-              <a:lnSpc>
-                <a:spcPct val="90000"/>
-              </a:lnSpc>
-              <a:spcBef>
-                <a:spcPts val="500"/>
-              </a:spcBef>
-              <a:buFont typeface="Arial" panose="020B0604020202020204" pitchFamily="34" charset="0"/>
-              <a:buNone/>
-              <a:defRPr sz="1800" kern="1200">
-                <a:solidFill>
-                  <a:schemeClr val="tx1"/>
-                </a:solidFill>
-                <a:latin typeface="+mn-lt"/>
-                <a:ea typeface="+mn-ea"/>
-                <a:cs typeface="+mn-cs"/>
-              </a:defRPr>
-            </a:lvl5pPr>
-            <a:lvl6pPr marL="2514600" indent="-228600" algn="l" defTabSz="914400" rtl="0" eaLnBrk="1" latinLnBrk="1" hangingPunct="1">
-              <a:lnSpc>
-                <a:spcPct val="90000"/>
-              </a:lnSpc>
-              <a:spcBef>
-                <a:spcPts val="500"/>
-              </a:spcBef>
-              <a:buFont typeface="Arial" panose="020B0604020202020204" pitchFamily="34" charset="0"/>
-              <a:buChar char="•"/>
-              <a:defRPr sz="1800" kern="1200">
-                <a:solidFill>
-                  <a:schemeClr val="tx1"/>
-                </a:solidFill>
-                <a:latin typeface="+mn-lt"/>
-                <a:ea typeface="+mn-ea"/>
-                <a:cs typeface="+mn-cs"/>
-              </a:defRPr>
-            </a:lvl6pPr>
-            <a:lvl7pPr marL="2971800" indent="-228600" algn="l" defTabSz="914400" rtl="0" eaLnBrk="1" latinLnBrk="1" hangingPunct="1">
-              <a:lnSpc>
-                <a:spcPct val="90000"/>
-              </a:lnSpc>
-              <a:spcBef>
-                <a:spcPts val="500"/>
-              </a:spcBef>
-              <a:buFont typeface="Arial" panose="020B0604020202020204" pitchFamily="34" charset="0"/>
-              <a:buChar char="•"/>
-              <a:defRPr sz="1800" kern="1200">
-                <a:solidFill>
-                  <a:schemeClr val="tx1"/>
-                </a:solidFill>
-                <a:latin typeface="+mn-lt"/>
-                <a:ea typeface="+mn-ea"/>
-                <a:cs typeface="+mn-cs"/>
-              </a:defRPr>
-            </a:lvl7pPr>
-            <a:lvl8pPr marL="3429000" indent="-228600" algn="l" defTabSz="914400" rtl="0" eaLnBrk="1" latinLnBrk="1" hangingPunct="1">
-              <a:lnSpc>
-                <a:spcPct val="90000"/>
-              </a:lnSpc>
-              <a:spcBef>
-                <a:spcPts val="500"/>
-              </a:spcBef>
-              <a:buFont typeface="Arial" panose="020B0604020202020204" pitchFamily="34" charset="0"/>
-              <a:buChar char="•"/>
-              <a:defRPr sz="1800" kern="1200">
-                <a:solidFill>
-                  <a:schemeClr val="tx1"/>
-                </a:solidFill>
-                <a:latin typeface="+mn-lt"/>
-                <a:ea typeface="+mn-ea"/>
-                <a:cs typeface="+mn-cs"/>
-              </a:defRPr>
-            </a:lvl8pPr>
-            <a:lvl9pPr marL="3886200" indent="-228600" algn="l" defTabSz="914400" rtl="0" eaLnBrk="1" latinLnBrk="1" hangingPunct="1">
-              <a:lnSpc>
-                <a:spcPct val="90000"/>
-              </a:lnSpc>
-              <a:spcBef>
-                <a:spcPts val="500"/>
-              </a:spcBef>
-              <a:buFont typeface="Arial" panose="020B0604020202020204" pitchFamily="34" charset="0"/>
-              <a:buChar char="•"/>
-              <a:defRPr sz="1800" kern="1200">
-                <a:solidFill>
-                  <a:schemeClr val="tx1"/>
-                </a:solidFill>
-                <a:latin typeface="+mn-lt"/>
-                <a:ea typeface="+mn-ea"/>
-                <a:cs typeface="+mn-cs"/>
-              </a:defRPr>
-            </a:lvl9pPr>
-          </a:lstStyle>
-          <a:p>
-            <a:r>
-              <a:rPr lang="en-US" altLang="ko-KR" sz="3200" dirty="0"/>
-              <a:t>model</a:t>
-            </a:r>
-            <a:endParaRPr lang="ko-KR" altLang="en-US" sz="3200" dirty="0"/>
-          </a:p>
-        </p:txBody>
-      </p:sp>
-      <p:sp>
-        <p:nvSpPr>
-          <p:cNvPr id="47" name="텍스트 개체 틀 12"/>
-          <p:cNvSpPr>
-            <a:spLocks noGrp="1"/>
-          </p:cNvSpPr>
-          <p:nvPr/>
-        </p:nvSpPr>
-        <p:spPr>
-          <a:xfrm>
-            <a:off x="1780316" y="2333406"/>
-            <a:ext cx="1021102" cy="570382"/>
-          </a:xfrm>
-          <a:prstGeom prst="rect">
-            <a:avLst/>
-          </a:prstGeom>
-        </p:spPr>
-        <p:txBody>
-          <a:bodyPr vert="horz" lIns="91440" tIns="45720" rIns="91440" bIns="45720" rtlCol="0" anchor="ctr">
-            <a:noAutofit/>
-          </a:bodyPr>
-          <a:lstStyle>
-            <a:lvl1pPr marL="0" indent="0" algn="r" defTabSz="914400" rtl="0" eaLnBrk="1" latinLnBrk="1" hangingPunct="1">
-              <a:lnSpc>
-                <a:spcPct val="90000"/>
-              </a:lnSpc>
-              <a:spcBef>
-                <a:spcPts val="1000"/>
-              </a:spcBef>
-              <a:buFont typeface="Arial" panose="020B0604020202020204" pitchFamily="34" charset="0"/>
-              <a:buNone/>
-              <a:defRPr sz="2800" b="0" i="0" kern="1200">
-                <a:solidFill>
-                  <a:srgbClr val="8B723C"/>
-                </a:solidFill>
-                <a:latin typeface="210 하얀바람 B" panose="02020603020101020101" pitchFamily="18" charset="-127"/>
-                <a:ea typeface="210 하얀바람 B" panose="02020603020101020101" pitchFamily="18" charset="-127"/>
-                <a:cs typeface="+mn-cs"/>
-              </a:defRPr>
-            </a:lvl1pPr>
-            <a:lvl2pPr marL="457200" indent="0" algn="l" defTabSz="914400" rtl="0" eaLnBrk="1" latinLnBrk="1" hangingPunct="1">
-              <a:lnSpc>
-                <a:spcPct val="90000"/>
-              </a:lnSpc>
-              <a:spcBef>
-                <a:spcPts val="500"/>
-              </a:spcBef>
-              <a:buFont typeface="Arial" panose="020B0604020202020204" pitchFamily="34" charset="0"/>
-              <a:buNone/>
-              <a:defRPr sz="2400" kern="1200">
-                <a:solidFill>
-                  <a:schemeClr val="tx1"/>
-                </a:solidFill>
-                <a:latin typeface="+mn-lt"/>
-                <a:ea typeface="+mn-ea"/>
-                <a:cs typeface="+mn-cs"/>
-              </a:defRPr>
-            </a:lvl2pPr>
-            <a:lvl3pPr marL="914400" indent="0" algn="l" defTabSz="914400" rtl="0" eaLnBrk="1" latinLnBrk="1" hangingPunct="1">
-              <a:lnSpc>
-                <a:spcPct val="90000"/>
-              </a:lnSpc>
-              <a:spcBef>
-                <a:spcPts val="500"/>
-              </a:spcBef>
-              <a:buFont typeface="Arial" panose="020B0604020202020204" pitchFamily="34" charset="0"/>
-              <a:buNone/>
-              <a:defRPr sz="2000" kern="1200">
-                <a:solidFill>
-                  <a:schemeClr val="tx1"/>
-                </a:solidFill>
-                <a:latin typeface="+mn-lt"/>
-                <a:ea typeface="+mn-ea"/>
-                <a:cs typeface="+mn-cs"/>
-              </a:defRPr>
-            </a:lvl3pPr>
-            <a:lvl4pPr marL="1371600" indent="0" algn="l" defTabSz="914400" rtl="0" eaLnBrk="1" latinLnBrk="1" hangingPunct="1">
-              <a:lnSpc>
-                <a:spcPct val="90000"/>
-              </a:lnSpc>
-              <a:spcBef>
-                <a:spcPts val="500"/>
-              </a:spcBef>
-              <a:buFont typeface="Arial" panose="020B0604020202020204" pitchFamily="34" charset="0"/>
-              <a:buNone/>
-              <a:defRPr sz="1800" kern="1200">
-                <a:solidFill>
-                  <a:schemeClr val="tx1"/>
-                </a:solidFill>
-                <a:latin typeface="+mn-lt"/>
-                <a:ea typeface="+mn-ea"/>
-                <a:cs typeface="+mn-cs"/>
-              </a:defRPr>
-            </a:lvl4pPr>
-            <a:lvl5pPr marL="1828800" indent="0" algn="l" defTabSz="914400" rtl="0" eaLnBrk="1" latinLnBrk="1" hangingPunct="1">
-              <a:lnSpc>
-                <a:spcPct val="90000"/>
-              </a:lnSpc>
-              <a:spcBef>
-                <a:spcPts val="500"/>
-              </a:spcBef>
-              <a:buFont typeface="Arial" panose="020B0604020202020204" pitchFamily="34" charset="0"/>
-              <a:buNone/>
-              <a:defRPr sz="1800" kern="1200">
-                <a:solidFill>
-                  <a:schemeClr val="tx1"/>
-                </a:solidFill>
-                <a:latin typeface="+mn-lt"/>
-                <a:ea typeface="+mn-ea"/>
-                <a:cs typeface="+mn-cs"/>
-              </a:defRPr>
-            </a:lvl5pPr>
-            <a:lvl6pPr marL="2514600" indent="-228600" algn="l" defTabSz="914400" rtl="0" eaLnBrk="1" latinLnBrk="1" hangingPunct="1">
-              <a:lnSpc>
-                <a:spcPct val="90000"/>
-              </a:lnSpc>
-              <a:spcBef>
-                <a:spcPts val="500"/>
-              </a:spcBef>
-              <a:buFont typeface="Arial" panose="020B0604020202020204" pitchFamily="34" charset="0"/>
-              <a:buChar char="•"/>
-              <a:defRPr sz="1800" kern="1200">
-                <a:solidFill>
-                  <a:schemeClr val="tx1"/>
-                </a:solidFill>
-                <a:latin typeface="+mn-lt"/>
-                <a:ea typeface="+mn-ea"/>
-                <a:cs typeface="+mn-cs"/>
-              </a:defRPr>
-            </a:lvl6pPr>
-            <a:lvl7pPr marL="2971800" indent="-228600" algn="l" defTabSz="914400" rtl="0" eaLnBrk="1" latinLnBrk="1" hangingPunct="1">
-              <a:lnSpc>
-                <a:spcPct val="90000"/>
-              </a:lnSpc>
-              <a:spcBef>
-                <a:spcPts val="500"/>
-              </a:spcBef>
-              <a:buFont typeface="Arial" panose="020B0604020202020204" pitchFamily="34" charset="0"/>
-              <a:buChar char="•"/>
-              <a:defRPr sz="1800" kern="1200">
-                <a:solidFill>
-                  <a:schemeClr val="tx1"/>
-                </a:solidFill>
-                <a:latin typeface="+mn-lt"/>
-                <a:ea typeface="+mn-ea"/>
-                <a:cs typeface="+mn-cs"/>
-              </a:defRPr>
-            </a:lvl7pPr>
-            <a:lvl8pPr marL="3429000" indent="-228600" algn="l" defTabSz="914400" rtl="0" eaLnBrk="1" latinLnBrk="1" hangingPunct="1">
-              <a:lnSpc>
-                <a:spcPct val="90000"/>
-              </a:lnSpc>
-              <a:spcBef>
-                <a:spcPts val="500"/>
-              </a:spcBef>
-              <a:buFont typeface="Arial" panose="020B0604020202020204" pitchFamily="34" charset="0"/>
-              <a:buChar char="•"/>
-              <a:defRPr sz="1800" kern="1200">
-                <a:solidFill>
-                  <a:schemeClr val="tx1"/>
-                </a:solidFill>
-                <a:latin typeface="+mn-lt"/>
-                <a:ea typeface="+mn-ea"/>
-                <a:cs typeface="+mn-cs"/>
-              </a:defRPr>
-            </a:lvl8pPr>
-            <a:lvl9pPr marL="3886200" indent="-228600" algn="l" defTabSz="914400" rtl="0" eaLnBrk="1" latinLnBrk="1" hangingPunct="1">
-              <a:lnSpc>
-                <a:spcPct val="90000"/>
-              </a:lnSpc>
-              <a:spcBef>
-                <a:spcPts val="500"/>
-              </a:spcBef>
-              <a:buFont typeface="Arial" panose="020B0604020202020204" pitchFamily="34" charset="0"/>
-              <a:buChar char="•"/>
-              <a:defRPr sz="1800" kern="1200">
-                <a:solidFill>
-                  <a:schemeClr val="tx1"/>
-                </a:solidFill>
-                <a:latin typeface="+mn-lt"/>
-                <a:ea typeface="+mn-ea"/>
-                <a:cs typeface="+mn-cs"/>
-              </a:defRPr>
-            </a:lvl9pPr>
-          </a:lstStyle>
-          <a:p>
-            <a:r>
-              <a:rPr lang="ko-KR" altLang="en-US" sz="3200" dirty="0"/>
-              <a:t>문제현황</a:t>
-            </a:r>
-          </a:p>
-        </p:txBody>
-      </p:sp>
-    </p:spTree>
-    <p:extLst>
-      <p:ext uri="{BB962C8B-B14F-4D97-AF65-F5344CB8AC3E}">
-        <p14:creationId xmlns:p14="http://schemas.microsoft.com/office/powerpoint/2010/main" val="284353440"/>
-      </p:ext>
-    </p:extLst>
-  </p:cSld>
-  <p:clrMapOvr>
-    <a:masterClrMapping/>
-  </p:clrMapOvr>
-  <mc:AlternateContent xmlns:mc="http://schemas.openxmlformats.org/markup-compatibility/2006" xmlns:p14="http://schemas.microsoft.com/office/powerpoint/2010/main">
-    <mc:Choice Requires="p14">
-      <p:transition spd="med" p14:dur="700">
-        <p:fade/>
-      </p:transition>
-    </mc:Choice>
-    <mc:Fallback xmlns="">
-      <p:transition spd="med">
-        <p:fade/>
-      </p:transition>
-    </mc:Fallback>
-  </mc:AlternateContent>
-</p:sld>
-</file>
-
-<file path=ppt/slides/slide20.xml><?xml version="1.0" encoding="utf-8"?>
+<file path=ppt/slides/slide19.xml><?xml version="1.0" encoding="utf-8"?>
 <p:sld xmlns:a="http://schemas.openxmlformats.org/drawingml/2006/main" xmlns:r="http://schemas.openxmlformats.org/officeDocument/2006/relationships" xmlns:p="http://schemas.openxmlformats.org/presentationml/2006/main">
   <p:cSld>
     <p:spTree>
@@ -15875,7 +13519,1706 @@
 </p:sld>
 </file>
 
-<file path=ppt/slides/slide21.xml><?xml version="1.0" encoding="utf-8"?>
+<file path=ppt/slides/slide2.xml><?xml version="1.0" encoding="utf-8"?>
+<p:sld xmlns:a="http://schemas.openxmlformats.org/drawingml/2006/main" xmlns:r="http://schemas.openxmlformats.org/officeDocument/2006/relationships" xmlns:p="http://schemas.openxmlformats.org/presentationml/2006/main">
+  <p:cSld>
+    <p:spTree>
+      <p:nvGrpSpPr>
+        <p:cNvPr id="1" name=""/>
+        <p:cNvGrpSpPr/>
+        <p:nvPr/>
+      </p:nvGrpSpPr>
+      <p:grpSpPr>
+        <a:xfrm>
+          <a:off x="0" y="0"/>
+          <a:ext cx="0" cy="0"/>
+          <a:chOff x="0" y="0"/>
+          <a:chExt cx="0" cy="0"/>
+        </a:xfrm>
+      </p:grpSpPr>
+      <p:sp>
+        <p:nvSpPr>
+          <p:cNvPr id="22" name="제목 1"/>
+          <p:cNvSpPr>
+            <a:spLocks noGrp="1"/>
+          </p:cNvSpPr>
+          <p:nvPr>
+            <p:ph type="title"/>
+          </p:nvPr>
+        </p:nvSpPr>
+        <p:spPr>
+          <a:xfrm>
+            <a:off x="977900" y="330201"/>
+            <a:ext cx="2349500" cy="571500"/>
+          </a:xfrm>
+        </p:spPr>
+        <p:txBody>
+          <a:bodyPr/>
+          <a:lstStyle/>
+          <a:p>
+            <a:r>
+              <a:rPr lang="en-US" altLang="ko-KR" dirty="0"/>
+              <a:t>Index</a:t>
+            </a:r>
+            <a:endParaRPr lang="ko-KR" altLang="en-US" dirty="0"/>
+          </a:p>
+        </p:txBody>
+      </p:sp>
+      <p:sp>
+        <p:nvSpPr>
+          <p:cNvPr id="40" name="텍스트 개체 틀 5"/>
+          <p:cNvSpPr>
+            <a:spLocks noGrp="1"/>
+          </p:cNvSpPr>
+          <p:nvPr/>
+        </p:nvSpPr>
+        <p:spPr>
+          <a:xfrm>
+            <a:off x="6096000" y="1537651"/>
+            <a:ext cx="2798663" cy="981378"/>
+          </a:xfrm>
+          <a:prstGeom prst="rect">
+            <a:avLst/>
+          </a:prstGeom>
+        </p:spPr>
+        <p:txBody>
+          <a:bodyPr vert="horz" lIns="91440" tIns="45720" rIns="91440" bIns="45720" rtlCol="0">
+            <a:normAutofit fontScale="92500" lnSpcReduction="20000"/>
+          </a:bodyPr>
+          <a:lstStyle>
+            <a:lvl1pPr marL="0" indent="0" algn="l" defTabSz="914400" rtl="0" eaLnBrk="1" latinLnBrk="1" hangingPunct="1">
+              <a:lnSpc>
+                <a:spcPct val="90000"/>
+              </a:lnSpc>
+              <a:spcBef>
+                <a:spcPts val="1000"/>
+              </a:spcBef>
+              <a:buFont typeface="Arial" panose="020B0604020202020204" pitchFamily="34" charset="0"/>
+              <a:buNone/>
+              <a:defRPr sz="1200" b="1" i="0" kern="1200">
+                <a:solidFill>
+                  <a:srgbClr val="8B723C"/>
+                </a:solidFill>
+                <a:latin typeface="나눔고딕" panose="020D0604000000000000" pitchFamily="50" charset="-127"/>
+                <a:ea typeface="나눔고딕" panose="020D0604000000000000" pitchFamily="50" charset="-127"/>
+                <a:cs typeface="+mn-cs"/>
+              </a:defRPr>
+            </a:lvl1pPr>
+            <a:lvl2pPr marL="457200" indent="0" algn="l" defTabSz="914400" rtl="0" eaLnBrk="1" latinLnBrk="1" hangingPunct="1">
+              <a:lnSpc>
+                <a:spcPct val="90000"/>
+              </a:lnSpc>
+              <a:spcBef>
+                <a:spcPts val="500"/>
+              </a:spcBef>
+              <a:buFont typeface="Arial" panose="020B0604020202020204" pitchFamily="34" charset="0"/>
+              <a:buNone/>
+              <a:defRPr sz="2400" kern="1200">
+                <a:solidFill>
+                  <a:schemeClr val="tx1"/>
+                </a:solidFill>
+                <a:latin typeface="+mn-lt"/>
+                <a:ea typeface="+mn-ea"/>
+                <a:cs typeface="+mn-cs"/>
+              </a:defRPr>
+            </a:lvl2pPr>
+            <a:lvl3pPr marL="914400" indent="0" algn="l" defTabSz="914400" rtl="0" eaLnBrk="1" latinLnBrk="1" hangingPunct="1">
+              <a:lnSpc>
+                <a:spcPct val="90000"/>
+              </a:lnSpc>
+              <a:spcBef>
+                <a:spcPts val="500"/>
+              </a:spcBef>
+              <a:buFont typeface="Arial" panose="020B0604020202020204" pitchFamily="34" charset="0"/>
+              <a:buNone/>
+              <a:defRPr sz="2000" kern="1200">
+                <a:solidFill>
+                  <a:schemeClr val="tx1"/>
+                </a:solidFill>
+                <a:latin typeface="+mn-lt"/>
+                <a:ea typeface="+mn-ea"/>
+                <a:cs typeface="+mn-cs"/>
+              </a:defRPr>
+            </a:lvl3pPr>
+            <a:lvl4pPr marL="1371600" indent="0" algn="l" defTabSz="914400" rtl="0" eaLnBrk="1" latinLnBrk="1" hangingPunct="1">
+              <a:lnSpc>
+                <a:spcPct val="90000"/>
+              </a:lnSpc>
+              <a:spcBef>
+                <a:spcPts val="500"/>
+              </a:spcBef>
+              <a:buFont typeface="Arial" panose="020B0604020202020204" pitchFamily="34" charset="0"/>
+              <a:buNone/>
+              <a:defRPr sz="1800" kern="1200">
+                <a:solidFill>
+                  <a:schemeClr val="tx1"/>
+                </a:solidFill>
+                <a:latin typeface="+mn-lt"/>
+                <a:ea typeface="+mn-ea"/>
+                <a:cs typeface="+mn-cs"/>
+              </a:defRPr>
+            </a:lvl4pPr>
+            <a:lvl5pPr marL="1828800" indent="0" algn="l" defTabSz="914400" rtl="0" eaLnBrk="1" latinLnBrk="1" hangingPunct="1">
+              <a:lnSpc>
+                <a:spcPct val="90000"/>
+              </a:lnSpc>
+              <a:spcBef>
+                <a:spcPts val="500"/>
+              </a:spcBef>
+              <a:buFont typeface="Arial" panose="020B0604020202020204" pitchFamily="34" charset="0"/>
+              <a:buNone/>
+              <a:defRPr sz="1800" kern="1200">
+                <a:solidFill>
+                  <a:schemeClr val="tx1"/>
+                </a:solidFill>
+                <a:latin typeface="+mn-lt"/>
+                <a:ea typeface="+mn-ea"/>
+                <a:cs typeface="+mn-cs"/>
+              </a:defRPr>
+            </a:lvl5pPr>
+            <a:lvl6pPr marL="2514600" indent="-228600" algn="l" defTabSz="914400" rtl="0" eaLnBrk="1" latinLnBrk="1" hangingPunct="1">
+              <a:lnSpc>
+                <a:spcPct val="90000"/>
+              </a:lnSpc>
+              <a:spcBef>
+                <a:spcPts val="500"/>
+              </a:spcBef>
+              <a:buFont typeface="Arial" panose="020B0604020202020204" pitchFamily="34" charset="0"/>
+              <a:buChar char="•"/>
+              <a:defRPr sz="1800" kern="1200">
+                <a:solidFill>
+                  <a:schemeClr val="tx1"/>
+                </a:solidFill>
+                <a:latin typeface="+mn-lt"/>
+                <a:ea typeface="+mn-ea"/>
+                <a:cs typeface="+mn-cs"/>
+              </a:defRPr>
+            </a:lvl6pPr>
+            <a:lvl7pPr marL="2971800" indent="-228600" algn="l" defTabSz="914400" rtl="0" eaLnBrk="1" latinLnBrk="1" hangingPunct="1">
+              <a:lnSpc>
+                <a:spcPct val="90000"/>
+              </a:lnSpc>
+              <a:spcBef>
+                <a:spcPts val="500"/>
+              </a:spcBef>
+              <a:buFont typeface="Arial" panose="020B0604020202020204" pitchFamily="34" charset="0"/>
+              <a:buChar char="•"/>
+              <a:defRPr sz="1800" kern="1200">
+                <a:solidFill>
+                  <a:schemeClr val="tx1"/>
+                </a:solidFill>
+                <a:latin typeface="+mn-lt"/>
+                <a:ea typeface="+mn-ea"/>
+                <a:cs typeface="+mn-cs"/>
+              </a:defRPr>
+            </a:lvl7pPr>
+            <a:lvl8pPr marL="3429000" indent="-228600" algn="l" defTabSz="914400" rtl="0" eaLnBrk="1" latinLnBrk="1" hangingPunct="1">
+              <a:lnSpc>
+                <a:spcPct val="90000"/>
+              </a:lnSpc>
+              <a:spcBef>
+                <a:spcPts val="500"/>
+              </a:spcBef>
+              <a:buFont typeface="Arial" panose="020B0604020202020204" pitchFamily="34" charset="0"/>
+              <a:buChar char="•"/>
+              <a:defRPr sz="1800" kern="1200">
+                <a:solidFill>
+                  <a:schemeClr val="tx1"/>
+                </a:solidFill>
+                <a:latin typeface="+mn-lt"/>
+                <a:ea typeface="+mn-ea"/>
+                <a:cs typeface="+mn-cs"/>
+              </a:defRPr>
+            </a:lvl8pPr>
+            <a:lvl9pPr marL="3886200" indent="-228600" algn="l" defTabSz="914400" rtl="0" eaLnBrk="1" latinLnBrk="1" hangingPunct="1">
+              <a:lnSpc>
+                <a:spcPct val="90000"/>
+              </a:lnSpc>
+              <a:spcBef>
+                <a:spcPts val="500"/>
+              </a:spcBef>
+              <a:buFont typeface="Arial" panose="020B0604020202020204" pitchFamily="34" charset="0"/>
+              <a:buChar char="•"/>
+              <a:defRPr sz="1800" kern="1200">
+                <a:solidFill>
+                  <a:schemeClr val="tx1"/>
+                </a:solidFill>
+                <a:latin typeface="+mn-lt"/>
+                <a:ea typeface="+mn-ea"/>
+                <a:cs typeface="+mn-cs"/>
+              </a:defRPr>
+            </a:lvl9pPr>
+          </a:lstStyle>
+          <a:p>
+            <a:r>
+              <a:rPr lang="ko-KR" altLang="en-US" dirty="0"/>
+              <a:t>제주 쓰레기 양 상관관계</a:t>
+            </a:r>
+            <a:endParaRPr lang="en-US" altLang="ko-KR" dirty="0"/>
+          </a:p>
+          <a:p>
+            <a:r>
+              <a:rPr lang="ko-KR" altLang="en-US" dirty="0"/>
+              <a:t>데이터 수집</a:t>
+            </a:r>
+            <a:endParaRPr lang="en-US" altLang="ko-KR" dirty="0"/>
+          </a:p>
+          <a:p>
+            <a:r>
+              <a:rPr lang="ko-KR" altLang="en-US" dirty="0"/>
+              <a:t>데이터 </a:t>
+            </a:r>
+            <a:r>
+              <a:rPr lang="ko-KR" altLang="en-US" dirty="0" err="1"/>
+              <a:t>전처리</a:t>
+            </a:r>
+            <a:endParaRPr lang="en-US" altLang="ko-KR" dirty="0"/>
+          </a:p>
+          <a:p>
+            <a:r>
+              <a:rPr lang="ko-KR" altLang="en-US" dirty="0"/>
+              <a:t>정규화</a:t>
+            </a:r>
+            <a:endParaRPr lang="en-US" altLang="ko-KR" dirty="0"/>
+          </a:p>
+        </p:txBody>
+      </p:sp>
+      <p:sp>
+        <p:nvSpPr>
+          <p:cNvPr id="41" name="텍스트 개체 틀 6"/>
+          <p:cNvSpPr>
+            <a:spLocks noGrp="1"/>
+          </p:cNvSpPr>
+          <p:nvPr/>
+        </p:nvSpPr>
+        <p:spPr>
+          <a:xfrm>
+            <a:off x="3146306" y="3890243"/>
+            <a:ext cx="2902802" cy="996179"/>
+          </a:xfrm>
+          <a:prstGeom prst="rect">
+            <a:avLst/>
+          </a:prstGeom>
+        </p:spPr>
+        <p:txBody>
+          <a:bodyPr vert="horz" lIns="91440" tIns="45720" rIns="91440" bIns="45720" rtlCol="0">
+            <a:normAutofit/>
+          </a:bodyPr>
+          <a:lstStyle>
+            <a:lvl1pPr marL="0" indent="0" algn="r" defTabSz="914400" rtl="0" eaLnBrk="1" latinLnBrk="1" hangingPunct="1">
+              <a:lnSpc>
+                <a:spcPct val="90000"/>
+              </a:lnSpc>
+              <a:spcBef>
+                <a:spcPts val="1000"/>
+              </a:spcBef>
+              <a:buFont typeface="Arial" panose="020B0604020202020204" pitchFamily="34" charset="0"/>
+              <a:buNone/>
+              <a:defRPr sz="1200" b="1" i="0" kern="1200">
+                <a:solidFill>
+                  <a:srgbClr val="8B723C"/>
+                </a:solidFill>
+                <a:latin typeface="나눔고딕" panose="020D0604000000000000" pitchFamily="50" charset="-127"/>
+                <a:ea typeface="나눔고딕" panose="020D0604000000000000" pitchFamily="50" charset="-127"/>
+                <a:cs typeface="+mn-cs"/>
+              </a:defRPr>
+            </a:lvl1pPr>
+            <a:lvl2pPr marL="457200" indent="0" algn="l" defTabSz="914400" rtl="0" eaLnBrk="1" latinLnBrk="1" hangingPunct="1">
+              <a:lnSpc>
+                <a:spcPct val="90000"/>
+              </a:lnSpc>
+              <a:spcBef>
+                <a:spcPts val="500"/>
+              </a:spcBef>
+              <a:buFont typeface="Arial" panose="020B0604020202020204" pitchFamily="34" charset="0"/>
+              <a:buNone/>
+              <a:defRPr sz="2400" kern="1200">
+                <a:solidFill>
+                  <a:schemeClr val="tx1"/>
+                </a:solidFill>
+                <a:latin typeface="+mn-lt"/>
+                <a:ea typeface="+mn-ea"/>
+                <a:cs typeface="+mn-cs"/>
+              </a:defRPr>
+            </a:lvl2pPr>
+            <a:lvl3pPr marL="914400" indent="0" algn="l" defTabSz="914400" rtl="0" eaLnBrk="1" latinLnBrk="1" hangingPunct="1">
+              <a:lnSpc>
+                <a:spcPct val="90000"/>
+              </a:lnSpc>
+              <a:spcBef>
+                <a:spcPts val="500"/>
+              </a:spcBef>
+              <a:buFont typeface="Arial" panose="020B0604020202020204" pitchFamily="34" charset="0"/>
+              <a:buNone/>
+              <a:defRPr sz="2000" kern="1200">
+                <a:solidFill>
+                  <a:schemeClr val="tx1"/>
+                </a:solidFill>
+                <a:latin typeface="+mn-lt"/>
+                <a:ea typeface="+mn-ea"/>
+                <a:cs typeface="+mn-cs"/>
+              </a:defRPr>
+            </a:lvl3pPr>
+            <a:lvl4pPr marL="1371600" indent="0" algn="l" defTabSz="914400" rtl="0" eaLnBrk="1" latinLnBrk="1" hangingPunct="1">
+              <a:lnSpc>
+                <a:spcPct val="90000"/>
+              </a:lnSpc>
+              <a:spcBef>
+                <a:spcPts val="500"/>
+              </a:spcBef>
+              <a:buFont typeface="Arial" panose="020B0604020202020204" pitchFamily="34" charset="0"/>
+              <a:buNone/>
+              <a:defRPr sz="1800" kern="1200">
+                <a:solidFill>
+                  <a:schemeClr val="tx1"/>
+                </a:solidFill>
+                <a:latin typeface="+mn-lt"/>
+                <a:ea typeface="+mn-ea"/>
+                <a:cs typeface="+mn-cs"/>
+              </a:defRPr>
+            </a:lvl4pPr>
+            <a:lvl5pPr marL="1828800" indent="0" algn="l" defTabSz="914400" rtl="0" eaLnBrk="1" latinLnBrk="1" hangingPunct="1">
+              <a:lnSpc>
+                <a:spcPct val="90000"/>
+              </a:lnSpc>
+              <a:spcBef>
+                <a:spcPts val="500"/>
+              </a:spcBef>
+              <a:buFont typeface="Arial" panose="020B0604020202020204" pitchFamily="34" charset="0"/>
+              <a:buNone/>
+              <a:defRPr sz="1800" kern="1200">
+                <a:solidFill>
+                  <a:schemeClr val="tx1"/>
+                </a:solidFill>
+                <a:latin typeface="+mn-lt"/>
+                <a:ea typeface="+mn-ea"/>
+                <a:cs typeface="+mn-cs"/>
+              </a:defRPr>
+            </a:lvl5pPr>
+            <a:lvl6pPr marL="2514600" indent="-228600" algn="l" defTabSz="914400" rtl="0" eaLnBrk="1" latinLnBrk="1" hangingPunct="1">
+              <a:lnSpc>
+                <a:spcPct val="90000"/>
+              </a:lnSpc>
+              <a:spcBef>
+                <a:spcPts val="500"/>
+              </a:spcBef>
+              <a:buFont typeface="Arial" panose="020B0604020202020204" pitchFamily="34" charset="0"/>
+              <a:buChar char="•"/>
+              <a:defRPr sz="1800" kern="1200">
+                <a:solidFill>
+                  <a:schemeClr val="tx1"/>
+                </a:solidFill>
+                <a:latin typeface="+mn-lt"/>
+                <a:ea typeface="+mn-ea"/>
+                <a:cs typeface="+mn-cs"/>
+              </a:defRPr>
+            </a:lvl6pPr>
+            <a:lvl7pPr marL="2971800" indent="-228600" algn="l" defTabSz="914400" rtl="0" eaLnBrk="1" latinLnBrk="1" hangingPunct="1">
+              <a:lnSpc>
+                <a:spcPct val="90000"/>
+              </a:lnSpc>
+              <a:spcBef>
+                <a:spcPts val="500"/>
+              </a:spcBef>
+              <a:buFont typeface="Arial" panose="020B0604020202020204" pitchFamily="34" charset="0"/>
+              <a:buChar char="•"/>
+              <a:defRPr sz="1800" kern="1200">
+                <a:solidFill>
+                  <a:schemeClr val="tx1"/>
+                </a:solidFill>
+                <a:latin typeface="+mn-lt"/>
+                <a:ea typeface="+mn-ea"/>
+                <a:cs typeface="+mn-cs"/>
+              </a:defRPr>
+            </a:lvl7pPr>
+            <a:lvl8pPr marL="3429000" indent="-228600" algn="l" defTabSz="914400" rtl="0" eaLnBrk="1" latinLnBrk="1" hangingPunct="1">
+              <a:lnSpc>
+                <a:spcPct val="90000"/>
+              </a:lnSpc>
+              <a:spcBef>
+                <a:spcPts val="500"/>
+              </a:spcBef>
+              <a:buFont typeface="Arial" panose="020B0604020202020204" pitchFamily="34" charset="0"/>
+              <a:buChar char="•"/>
+              <a:defRPr sz="1800" kern="1200">
+                <a:solidFill>
+                  <a:schemeClr val="tx1"/>
+                </a:solidFill>
+                <a:latin typeface="+mn-lt"/>
+                <a:ea typeface="+mn-ea"/>
+                <a:cs typeface="+mn-cs"/>
+              </a:defRPr>
+            </a:lvl8pPr>
+            <a:lvl9pPr marL="3886200" indent="-228600" algn="l" defTabSz="914400" rtl="0" eaLnBrk="1" latinLnBrk="1" hangingPunct="1">
+              <a:lnSpc>
+                <a:spcPct val="90000"/>
+              </a:lnSpc>
+              <a:spcBef>
+                <a:spcPts val="500"/>
+              </a:spcBef>
+              <a:buFont typeface="Arial" panose="020B0604020202020204" pitchFamily="34" charset="0"/>
+              <a:buChar char="•"/>
+              <a:defRPr sz="1800" kern="1200">
+                <a:solidFill>
+                  <a:schemeClr val="tx1"/>
+                </a:solidFill>
+                <a:latin typeface="+mn-lt"/>
+                <a:ea typeface="+mn-ea"/>
+                <a:cs typeface="+mn-cs"/>
+              </a:defRPr>
+            </a:lvl9pPr>
+          </a:lstStyle>
+          <a:p>
+            <a:r>
+              <a:rPr lang="ko-KR" altLang="en-US" dirty="0"/>
+              <a:t>내용을 입력하세요 내용을 입력하세요</a:t>
+            </a:r>
+          </a:p>
+          <a:p>
+            <a:r>
+              <a:rPr lang="ko-KR" altLang="en-US" dirty="0"/>
+              <a:t>내용을 입력하세요 내용을 입력하세요</a:t>
+            </a:r>
+          </a:p>
+          <a:p>
+            <a:r>
+              <a:rPr lang="ko-KR" altLang="en-US" dirty="0"/>
+              <a:t>내용을 입력하세요 내용을 입력하세요</a:t>
+            </a:r>
+          </a:p>
+          <a:p>
+            <a:endParaRPr lang="ko-KR" altLang="en-US" dirty="0"/>
+          </a:p>
+        </p:txBody>
+      </p:sp>
+      <p:sp>
+        <p:nvSpPr>
+          <p:cNvPr id="42" name="텍스트 개체 틀 7"/>
+          <p:cNvSpPr>
+            <a:spLocks noGrp="1"/>
+          </p:cNvSpPr>
+          <p:nvPr/>
+        </p:nvSpPr>
+        <p:spPr>
+          <a:xfrm>
+            <a:off x="2801418" y="2120507"/>
+            <a:ext cx="2902802" cy="996179"/>
+          </a:xfrm>
+          <a:prstGeom prst="rect">
+            <a:avLst/>
+          </a:prstGeom>
+        </p:spPr>
+        <p:txBody>
+          <a:bodyPr vert="horz" lIns="91440" tIns="45720" rIns="91440" bIns="45720" rtlCol="0">
+            <a:normAutofit/>
+          </a:bodyPr>
+          <a:lstStyle>
+            <a:lvl1pPr marL="0" indent="0" algn="r" defTabSz="914400" rtl="0" eaLnBrk="1" latinLnBrk="1" hangingPunct="1">
+              <a:lnSpc>
+                <a:spcPct val="90000"/>
+              </a:lnSpc>
+              <a:spcBef>
+                <a:spcPts val="1000"/>
+              </a:spcBef>
+              <a:buFont typeface="Arial" panose="020B0604020202020204" pitchFamily="34" charset="0"/>
+              <a:buNone/>
+              <a:defRPr sz="1200" b="1" i="0" kern="1200">
+                <a:solidFill>
+                  <a:srgbClr val="8B723C"/>
+                </a:solidFill>
+                <a:latin typeface="나눔고딕" panose="020D0604000000000000" pitchFamily="50" charset="-127"/>
+                <a:ea typeface="나눔고딕" panose="020D0604000000000000" pitchFamily="50" charset="-127"/>
+                <a:cs typeface="+mn-cs"/>
+              </a:defRPr>
+            </a:lvl1pPr>
+            <a:lvl2pPr marL="457200" indent="0" algn="l" defTabSz="914400" rtl="0" eaLnBrk="1" latinLnBrk="1" hangingPunct="1">
+              <a:lnSpc>
+                <a:spcPct val="90000"/>
+              </a:lnSpc>
+              <a:spcBef>
+                <a:spcPts val="500"/>
+              </a:spcBef>
+              <a:buFont typeface="Arial" panose="020B0604020202020204" pitchFamily="34" charset="0"/>
+              <a:buNone/>
+              <a:defRPr sz="2400" kern="1200">
+                <a:solidFill>
+                  <a:schemeClr val="tx1"/>
+                </a:solidFill>
+                <a:latin typeface="+mn-lt"/>
+                <a:ea typeface="+mn-ea"/>
+                <a:cs typeface="+mn-cs"/>
+              </a:defRPr>
+            </a:lvl2pPr>
+            <a:lvl3pPr marL="914400" indent="0" algn="l" defTabSz="914400" rtl="0" eaLnBrk="1" latinLnBrk="1" hangingPunct="1">
+              <a:lnSpc>
+                <a:spcPct val="90000"/>
+              </a:lnSpc>
+              <a:spcBef>
+                <a:spcPts val="500"/>
+              </a:spcBef>
+              <a:buFont typeface="Arial" panose="020B0604020202020204" pitchFamily="34" charset="0"/>
+              <a:buNone/>
+              <a:defRPr sz="2000" kern="1200">
+                <a:solidFill>
+                  <a:schemeClr val="tx1"/>
+                </a:solidFill>
+                <a:latin typeface="+mn-lt"/>
+                <a:ea typeface="+mn-ea"/>
+                <a:cs typeface="+mn-cs"/>
+              </a:defRPr>
+            </a:lvl3pPr>
+            <a:lvl4pPr marL="1371600" indent="0" algn="l" defTabSz="914400" rtl="0" eaLnBrk="1" latinLnBrk="1" hangingPunct="1">
+              <a:lnSpc>
+                <a:spcPct val="90000"/>
+              </a:lnSpc>
+              <a:spcBef>
+                <a:spcPts val="500"/>
+              </a:spcBef>
+              <a:buFont typeface="Arial" panose="020B0604020202020204" pitchFamily="34" charset="0"/>
+              <a:buNone/>
+              <a:defRPr sz="1800" kern="1200">
+                <a:solidFill>
+                  <a:schemeClr val="tx1"/>
+                </a:solidFill>
+                <a:latin typeface="+mn-lt"/>
+                <a:ea typeface="+mn-ea"/>
+                <a:cs typeface="+mn-cs"/>
+              </a:defRPr>
+            </a:lvl4pPr>
+            <a:lvl5pPr marL="1828800" indent="0" algn="l" defTabSz="914400" rtl="0" eaLnBrk="1" latinLnBrk="1" hangingPunct="1">
+              <a:lnSpc>
+                <a:spcPct val="90000"/>
+              </a:lnSpc>
+              <a:spcBef>
+                <a:spcPts val="500"/>
+              </a:spcBef>
+              <a:buFont typeface="Arial" panose="020B0604020202020204" pitchFamily="34" charset="0"/>
+              <a:buNone/>
+              <a:defRPr sz="1800" kern="1200">
+                <a:solidFill>
+                  <a:schemeClr val="tx1"/>
+                </a:solidFill>
+                <a:latin typeface="+mn-lt"/>
+                <a:ea typeface="+mn-ea"/>
+                <a:cs typeface="+mn-cs"/>
+              </a:defRPr>
+            </a:lvl5pPr>
+            <a:lvl6pPr marL="2514600" indent="-228600" algn="l" defTabSz="914400" rtl="0" eaLnBrk="1" latinLnBrk="1" hangingPunct="1">
+              <a:lnSpc>
+                <a:spcPct val="90000"/>
+              </a:lnSpc>
+              <a:spcBef>
+                <a:spcPts val="500"/>
+              </a:spcBef>
+              <a:buFont typeface="Arial" panose="020B0604020202020204" pitchFamily="34" charset="0"/>
+              <a:buChar char="•"/>
+              <a:defRPr sz="1800" kern="1200">
+                <a:solidFill>
+                  <a:schemeClr val="tx1"/>
+                </a:solidFill>
+                <a:latin typeface="+mn-lt"/>
+                <a:ea typeface="+mn-ea"/>
+                <a:cs typeface="+mn-cs"/>
+              </a:defRPr>
+            </a:lvl6pPr>
+            <a:lvl7pPr marL="2971800" indent="-228600" algn="l" defTabSz="914400" rtl="0" eaLnBrk="1" latinLnBrk="1" hangingPunct="1">
+              <a:lnSpc>
+                <a:spcPct val="90000"/>
+              </a:lnSpc>
+              <a:spcBef>
+                <a:spcPts val="500"/>
+              </a:spcBef>
+              <a:buFont typeface="Arial" panose="020B0604020202020204" pitchFamily="34" charset="0"/>
+              <a:buChar char="•"/>
+              <a:defRPr sz="1800" kern="1200">
+                <a:solidFill>
+                  <a:schemeClr val="tx1"/>
+                </a:solidFill>
+                <a:latin typeface="+mn-lt"/>
+                <a:ea typeface="+mn-ea"/>
+                <a:cs typeface="+mn-cs"/>
+              </a:defRPr>
+            </a:lvl7pPr>
+            <a:lvl8pPr marL="3429000" indent="-228600" algn="l" defTabSz="914400" rtl="0" eaLnBrk="1" latinLnBrk="1" hangingPunct="1">
+              <a:lnSpc>
+                <a:spcPct val="90000"/>
+              </a:lnSpc>
+              <a:spcBef>
+                <a:spcPts val="500"/>
+              </a:spcBef>
+              <a:buFont typeface="Arial" panose="020B0604020202020204" pitchFamily="34" charset="0"/>
+              <a:buChar char="•"/>
+              <a:defRPr sz="1800" kern="1200">
+                <a:solidFill>
+                  <a:schemeClr val="tx1"/>
+                </a:solidFill>
+                <a:latin typeface="+mn-lt"/>
+                <a:ea typeface="+mn-ea"/>
+                <a:cs typeface="+mn-cs"/>
+              </a:defRPr>
+            </a:lvl8pPr>
+            <a:lvl9pPr marL="3886200" indent="-228600" algn="l" defTabSz="914400" rtl="0" eaLnBrk="1" latinLnBrk="1" hangingPunct="1">
+              <a:lnSpc>
+                <a:spcPct val="90000"/>
+              </a:lnSpc>
+              <a:spcBef>
+                <a:spcPts val="500"/>
+              </a:spcBef>
+              <a:buFont typeface="Arial" panose="020B0604020202020204" pitchFamily="34" charset="0"/>
+              <a:buChar char="•"/>
+              <a:defRPr sz="1800" kern="1200">
+                <a:solidFill>
+                  <a:schemeClr val="tx1"/>
+                </a:solidFill>
+                <a:latin typeface="+mn-lt"/>
+                <a:ea typeface="+mn-ea"/>
+                <a:cs typeface="+mn-cs"/>
+              </a:defRPr>
+            </a:lvl9pPr>
+          </a:lstStyle>
+          <a:p>
+            <a:r>
+              <a:rPr lang="ko-KR" altLang="en-US" dirty="0"/>
+              <a:t>주제 선정 배경</a:t>
+            </a:r>
+            <a:endParaRPr lang="en-US" altLang="ko-KR" dirty="0"/>
+          </a:p>
+          <a:p>
+            <a:r>
+              <a:rPr lang="ko-KR" altLang="en-US" dirty="0"/>
+              <a:t>쓰레기 배출 현황</a:t>
+            </a:r>
+          </a:p>
+          <a:p>
+            <a:r>
+              <a:rPr lang="ko-KR" altLang="en-US" dirty="0"/>
+              <a:t>재활용도움센터 필요성</a:t>
+            </a:r>
+          </a:p>
+        </p:txBody>
+      </p:sp>
+      <p:sp>
+        <p:nvSpPr>
+          <p:cNvPr id="43" name="텍스트 개체 틀 8"/>
+          <p:cNvSpPr>
+            <a:spLocks noGrp="1"/>
+          </p:cNvSpPr>
+          <p:nvPr/>
+        </p:nvSpPr>
+        <p:spPr>
+          <a:xfrm>
+            <a:off x="7746377" y="5383601"/>
+            <a:ext cx="3085399" cy="570382"/>
+          </a:xfrm>
+          <a:prstGeom prst="rect">
+            <a:avLst/>
+          </a:prstGeom>
+        </p:spPr>
+        <p:txBody>
+          <a:bodyPr vert="horz" lIns="91440" tIns="45720" rIns="91440" bIns="45720" rtlCol="0" anchor="ctr">
+            <a:noAutofit/>
+          </a:bodyPr>
+          <a:lstStyle>
+            <a:lvl1pPr marL="0" indent="0" algn="l" defTabSz="914400" rtl="0" eaLnBrk="1" latinLnBrk="1" hangingPunct="1">
+              <a:lnSpc>
+                <a:spcPct val="90000"/>
+              </a:lnSpc>
+              <a:spcBef>
+                <a:spcPts val="1000"/>
+              </a:spcBef>
+              <a:buFont typeface="Arial" panose="020B0604020202020204" pitchFamily="34" charset="0"/>
+              <a:buNone/>
+              <a:defRPr sz="2800" b="0" i="0" kern="1200">
+                <a:solidFill>
+                  <a:srgbClr val="8B723C"/>
+                </a:solidFill>
+                <a:latin typeface="210 하얀바람 B" panose="02020603020101020101" pitchFamily="18" charset="-127"/>
+                <a:ea typeface="210 하얀바람 B" panose="02020603020101020101" pitchFamily="18" charset="-127"/>
+                <a:cs typeface="+mn-cs"/>
+              </a:defRPr>
+            </a:lvl1pPr>
+            <a:lvl2pPr marL="457200" indent="0" algn="l" defTabSz="914400" rtl="0" eaLnBrk="1" latinLnBrk="1" hangingPunct="1">
+              <a:lnSpc>
+                <a:spcPct val="90000"/>
+              </a:lnSpc>
+              <a:spcBef>
+                <a:spcPts val="500"/>
+              </a:spcBef>
+              <a:buFont typeface="Arial" panose="020B0604020202020204" pitchFamily="34" charset="0"/>
+              <a:buNone/>
+              <a:defRPr sz="2400" kern="1200">
+                <a:solidFill>
+                  <a:schemeClr val="tx1"/>
+                </a:solidFill>
+                <a:latin typeface="+mn-lt"/>
+                <a:ea typeface="+mn-ea"/>
+                <a:cs typeface="+mn-cs"/>
+              </a:defRPr>
+            </a:lvl2pPr>
+            <a:lvl3pPr marL="914400" indent="0" algn="l" defTabSz="914400" rtl="0" eaLnBrk="1" latinLnBrk="1" hangingPunct="1">
+              <a:lnSpc>
+                <a:spcPct val="90000"/>
+              </a:lnSpc>
+              <a:spcBef>
+                <a:spcPts val="500"/>
+              </a:spcBef>
+              <a:buFont typeface="Arial" panose="020B0604020202020204" pitchFamily="34" charset="0"/>
+              <a:buNone/>
+              <a:defRPr sz="2000" kern="1200">
+                <a:solidFill>
+                  <a:schemeClr val="tx1"/>
+                </a:solidFill>
+                <a:latin typeface="+mn-lt"/>
+                <a:ea typeface="+mn-ea"/>
+                <a:cs typeface="+mn-cs"/>
+              </a:defRPr>
+            </a:lvl3pPr>
+            <a:lvl4pPr marL="1371600" indent="0" algn="l" defTabSz="914400" rtl="0" eaLnBrk="1" latinLnBrk="1" hangingPunct="1">
+              <a:lnSpc>
+                <a:spcPct val="90000"/>
+              </a:lnSpc>
+              <a:spcBef>
+                <a:spcPts val="500"/>
+              </a:spcBef>
+              <a:buFont typeface="Arial" panose="020B0604020202020204" pitchFamily="34" charset="0"/>
+              <a:buNone/>
+              <a:defRPr sz="1800" kern="1200">
+                <a:solidFill>
+                  <a:schemeClr val="tx1"/>
+                </a:solidFill>
+                <a:latin typeface="+mn-lt"/>
+                <a:ea typeface="+mn-ea"/>
+                <a:cs typeface="+mn-cs"/>
+              </a:defRPr>
+            </a:lvl4pPr>
+            <a:lvl5pPr marL="1828800" indent="0" algn="l" defTabSz="914400" rtl="0" eaLnBrk="1" latinLnBrk="1" hangingPunct="1">
+              <a:lnSpc>
+                <a:spcPct val="90000"/>
+              </a:lnSpc>
+              <a:spcBef>
+                <a:spcPts val="500"/>
+              </a:spcBef>
+              <a:buFont typeface="Arial" panose="020B0604020202020204" pitchFamily="34" charset="0"/>
+              <a:buNone/>
+              <a:defRPr sz="1800" kern="1200">
+                <a:solidFill>
+                  <a:schemeClr val="tx1"/>
+                </a:solidFill>
+                <a:latin typeface="+mn-lt"/>
+                <a:ea typeface="+mn-ea"/>
+                <a:cs typeface="+mn-cs"/>
+              </a:defRPr>
+            </a:lvl5pPr>
+            <a:lvl6pPr marL="2514600" indent="-228600" algn="l" defTabSz="914400" rtl="0" eaLnBrk="1" latinLnBrk="1" hangingPunct="1">
+              <a:lnSpc>
+                <a:spcPct val="90000"/>
+              </a:lnSpc>
+              <a:spcBef>
+                <a:spcPts val="500"/>
+              </a:spcBef>
+              <a:buFont typeface="Arial" panose="020B0604020202020204" pitchFamily="34" charset="0"/>
+              <a:buChar char="•"/>
+              <a:defRPr sz="1800" kern="1200">
+                <a:solidFill>
+                  <a:schemeClr val="tx1"/>
+                </a:solidFill>
+                <a:latin typeface="+mn-lt"/>
+                <a:ea typeface="+mn-ea"/>
+                <a:cs typeface="+mn-cs"/>
+              </a:defRPr>
+            </a:lvl6pPr>
+            <a:lvl7pPr marL="2971800" indent="-228600" algn="l" defTabSz="914400" rtl="0" eaLnBrk="1" latinLnBrk="1" hangingPunct="1">
+              <a:lnSpc>
+                <a:spcPct val="90000"/>
+              </a:lnSpc>
+              <a:spcBef>
+                <a:spcPts val="500"/>
+              </a:spcBef>
+              <a:buFont typeface="Arial" panose="020B0604020202020204" pitchFamily="34" charset="0"/>
+              <a:buChar char="•"/>
+              <a:defRPr sz="1800" kern="1200">
+                <a:solidFill>
+                  <a:schemeClr val="tx1"/>
+                </a:solidFill>
+                <a:latin typeface="+mn-lt"/>
+                <a:ea typeface="+mn-ea"/>
+                <a:cs typeface="+mn-cs"/>
+              </a:defRPr>
+            </a:lvl7pPr>
+            <a:lvl8pPr marL="3429000" indent="-228600" algn="l" defTabSz="914400" rtl="0" eaLnBrk="1" latinLnBrk="1" hangingPunct="1">
+              <a:lnSpc>
+                <a:spcPct val="90000"/>
+              </a:lnSpc>
+              <a:spcBef>
+                <a:spcPts val="500"/>
+              </a:spcBef>
+              <a:buFont typeface="Arial" panose="020B0604020202020204" pitchFamily="34" charset="0"/>
+              <a:buChar char="•"/>
+              <a:defRPr sz="1800" kern="1200">
+                <a:solidFill>
+                  <a:schemeClr val="tx1"/>
+                </a:solidFill>
+                <a:latin typeface="+mn-lt"/>
+                <a:ea typeface="+mn-ea"/>
+                <a:cs typeface="+mn-cs"/>
+              </a:defRPr>
+            </a:lvl8pPr>
+            <a:lvl9pPr marL="3886200" indent="-228600" algn="l" defTabSz="914400" rtl="0" eaLnBrk="1" latinLnBrk="1" hangingPunct="1">
+              <a:lnSpc>
+                <a:spcPct val="90000"/>
+              </a:lnSpc>
+              <a:spcBef>
+                <a:spcPts val="500"/>
+              </a:spcBef>
+              <a:buFont typeface="Arial" panose="020B0604020202020204" pitchFamily="34" charset="0"/>
+              <a:buChar char="•"/>
+              <a:defRPr sz="1800" kern="1200">
+                <a:solidFill>
+                  <a:schemeClr val="tx1"/>
+                </a:solidFill>
+                <a:latin typeface="+mn-lt"/>
+                <a:ea typeface="+mn-ea"/>
+                <a:cs typeface="+mn-cs"/>
+              </a:defRPr>
+            </a:lvl9pPr>
+          </a:lstStyle>
+          <a:p>
+            <a:r>
+              <a:rPr lang="en-US" altLang="ko-KR" sz="3200" dirty="0"/>
+              <a:t>5. </a:t>
+            </a:r>
+            <a:r>
+              <a:rPr lang="ko-KR" altLang="en-US" sz="3200" dirty="0"/>
+              <a:t>출처 및 </a:t>
+            </a:r>
+            <a:r>
+              <a:rPr lang="en-US" altLang="ko-KR" sz="3200" dirty="0"/>
+              <a:t>Q&amp;A </a:t>
+            </a:r>
+            <a:endParaRPr lang="ko-KR" altLang="en-US" sz="3200" dirty="0"/>
+          </a:p>
+        </p:txBody>
+      </p:sp>
+      <p:sp>
+        <p:nvSpPr>
+          <p:cNvPr id="44" name="텍스트 개체 틀 9"/>
+          <p:cNvSpPr>
+            <a:spLocks noGrp="1"/>
+          </p:cNvSpPr>
+          <p:nvPr/>
+        </p:nvSpPr>
+        <p:spPr>
+          <a:xfrm>
+            <a:off x="8084552" y="3554159"/>
+            <a:ext cx="3305342" cy="570382"/>
+          </a:xfrm>
+          <a:prstGeom prst="rect">
+            <a:avLst/>
+          </a:prstGeom>
+        </p:spPr>
+        <p:txBody>
+          <a:bodyPr vert="horz" lIns="91440" tIns="45720" rIns="91440" bIns="45720" rtlCol="0" anchor="ctr">
+            <a:noAutofit/>
+          </a:bodyPr>
+          <a:lstStyle>
+            <a:lvl1pPr marL="0" indent="0" algn="l" defTabSz="914400" rtl="0" eaLnBrk="1" latinLnBrk="1" hangingPunct="1">
+              <a:lnSpc>
+                <a:spcPct val="90000"/>
+              </a:lnSpc>
+              <a:spcBef>
+                <a:spcPts val="1000"/>
+              </a:spcBef>
+              <a:buFont typeface="Arial" panose="020B0604020202020204" pitchFamily="34" charset="0"/>
+              <a:buNone/>
+              <a:defRPr sz="2800" b="0" i="0" kern="1200">
+                <a:solidFill>
+                  <a:srgbClr val="8B723C"/>
+                </a:solidFill>
+                <a:latin typeface="210 하얀바람 B" panose="02020603020101020101" pitchFamily="18" charset="-127"/>
+                <a:ea typeface="210 하얀바람 B" panose="02020603020101020101" pitchFamily="18" charset="-127"/>
+                <a:cs typeface="+mn-cs"/>
+              </a:defRPr>
+            </a:lvl1pPr>
+            <a:lvl2pPr marL="457200" indent="0" algn="l" defTabSz="914400" rtl="0" eaLnBrk="1" latinLnBrk="1" hangingPunct="1">
+              <a:lnSpc>
+                <a:spcPct val="90000"/>
+              </a:lnSpc>
+              <a:spcBef>
+                <a:spcPts val="500"/>
+              </a:spcBef>
+              <a:buFont typeface="Arial" panose="020B0604020202020204" pitchFamily="34" charset="0"/>
+              <a:buNone/>
+              <a:defRPr sz="2400" kern="1200">
+                <a:solidFill>
+                  <a:schemeClr val="tx1"/>
+                </a:solidFill>
+                <a:latin typeface="+mn-lt"/>
+                <a:ea typeface="+mn-ea"/>
+                <a:cs typeface="+mn-cs"/>
+              </a:defRPr>
+            </a:lvl2pPr>
+            <a:lvl3pPr marL="914400" indent="0" algn="l" defTabSz="914400" rtl="0" eaLnBrk="1" latinLnBrk="1" hangingPunct="1">
+              <a:lnSpc>
+                <a:spcPct val="90000"/>
+              </a:lnSpc>
+              <a:spcBef>
+                <a:spcPts val="500"/>
+              </a:spcBef>
+              <a:buFont typeface="Arial" panose="020B0604020202020204" pitchFamily="34" charset="0"/>
+              <a:buNone/>
+              <a:defRPr sz="2000" kern="1200">
+                <a:solidFill>
+                  <a:schemeClr val="tx1"/>
+                </a:solidFill>
+                <a:latin typeface="+mn-lt"/>
+                <a:ea typeface="+mn-ea"/>
+                <a:cs typeface="+mn-cs"/>
+              </a:defRPr>
+            </a:lvl3pPr>
+            <a:lvl4pPr marL="1371600" indent="0" algn="l" defTabSz="914400" rtl="0" eaLnBrk="1" latinLnBrk="1" hangingPunct="1">
+              <a:lnSpc>
+                <a:spcPct val="90000"/>
+              </a:lnSpc>
+              <a:spcBef>
+                <a:spcPts val="500"/>
+              </a:spcBef>
+              <a:buFont typeface="Arial" panose="020B0604020202020204" pitchFamily="34" charset="0"/>
+              <a:buNone/>
+              <a:defRPr sz="1800" kern="1200">
+                <a:solidFill>
+                  <a:schemeClr val="tx1"/>
+                </a:solidFill>
+                <a:latin typeface="+mn-lt"/>
+                <a:ea typeface="+mn-ea"/>
+                <a:cs typeface="+mn-cs"/>
+              </a:defRPr>
+            </a:lvl4pPr>
+            <a:lvl5pPr marL="1828800" indent="0" algn="l" defTabSz="914400" rtl="0" eaLnBrk="1" latinLnBrk="1" hangingPunct="1">
+              <a:lnSpc>
+                <a:spcPct val="90000"/>
+              </a:lnSpc>
+              <a:spcBef>
+                <a:spcPts val="500"/>
+              </a:spcBef>
+              <a:buFont typeface="Arial" panose="020B0604020202020204" pitchFamily="34" charset="0"/>
+              <a:buNone/>
+              <a:defRPr sz="1800" kern="1200">
+                <a:solidFill>
+                  <a:schemeClr val="tx1"/>
+                </a:solidFill>
+                <a:latin typeface="+mn-lt"/>
+                <a:ea typeface="+mn-ea"/>
+                <a:cs typeface="+mn-cs"/>
+              </a:defRPr>
+            </a:lvl5pPr>
+            <a:lvl6pPr marL="2514600" indent="-228600" algn="l" defTabSz="914400" rtl="0" eaLnBrk="1" latinLnBrk="1" hangingPunct="1">
+              <a:lnSpc>
+                <a:spcPct val="90000"/>
+              </a:lnSpc>
+              <a:spcBef>
+                <a:spcPts val="500"/>
+              </a:spcBef>
+              <a:buFont typeface="Arial" panose="020B0604020202020204" pitchFamily="34" charset="0"/>
+              <a:buChar char="•"/>
+              <a:defRPr sz="1800" kern="1200">
+                <a:solidFill>
+                  <a:schemeClr val="tx1"/>
+                </a:solidFill>
+                <a:latin typeface="+mn-lt"/>
+                <a:ea typeface="+mn-ea"/>
+                <a:cs typeface="+mn-cs"/>
+              </a:defRPr>
+            </a:lvl6pPr>
+            <a:lvl7pPr marL="2971800" indent="-228600" algn="l" defTabSz="914400" rtl="0" eaLnBrk="1" latinLnBrk="1" hangingPunct="1">
+              <a:lnSpc>
+                <a:spcPct val="90000"/>
+              </a:lnSpc>
+              <a:spcBef>
+                <a:spcPts val="500"/>
+              </a:spcBef>
+              <a:buFont typeface="Arial" panose="020B0604020202020204" pitchFamily="34" charset="0"/>
+              <a:buChar char="•"/>
+              <a:defRPr sz="1800" kern="1200">
+                <a:solidFill>
+                  <a:schemeClr val="tx1"/>
+                </a:solidFill>
+                <a:latin typeface="+mn-lt"/>
+                <a:ea typeface="+mn-ea"/>
+                <a:cs typeface="+mn-cs"/>
+              </a:defRPr>
+            </a:lvl7pPr>
+            <a:lvl8pPr marL="3429000" indent="-228600" algn="l" defTabSz="914400" rtl="0" eaLnBrk="1" latinLnBrk="1" hangingPunct="1">
+              <a:lnSpc>
+                <a:spcPct val="90000"/>
+              </a:lnSpc>
+              <a:spcBef>
+                <a:spcPts val="500"/>
+              </a:spcBef>
+              <a:buFont typeface="Arial" panose="020B0604020202020204" pitchFamily="34" charset="0"/>
+              <a:buChar char="•"/>
+              <a:defRPr sz="1800" kern="1200">
+                <a:solidFill>
+                  <a:schemeClr val="tx1"/>
+                </a:solidFill>
+                <a:latin typeface="+mn-lt"/>
+                <a:ea typeface="+mn-ea"/>
+                <a:cs typeface="+mn-cs"/>
+              </a:defRPr>
+            </a:lvl8pPr>
+            <a:lvl9pPr marL="3886200" indent="-228600" algn="l" defTabSz="914400" rtl="0" eaLnBrk="1" latinLnBrk="1" hangingPunct="1">
+              <a:lnSpc>
+                <a:spcPct val="90000"/>
+              </a:lnSpc>
+              <a:spcBef>
+                <a:spcPts val="500"/>
+              </a:spcBef>
+              <a:buFont typeface="Arial" panose="020B0604020202020204" pitchFamily="34" charset="0"/>
+              <a:buChar char="•"/>
+              <a:defRPr sz="1800" kern="1200">
+                <a:solidFill>
+                  <a:schemeClr val="tx1"/>
+                </a:solidFill>
+                <a:latin typeface="+mn-lt"/>
+                <a:ea typeface="+mn-ea"/>
+                <a:cs typeface="+mn-cs"/>
+              </a:defRPr>
+            </a:lvl9pPr>
+          </a:lstStyle>
+          <a:p>
+            <a:r>
+              <a:rPr lang="en-US" altLang="ko-KR" sz="3200" dirty="0"/>
+              <a:t>3. </a:t>
+            </a:r>
+            <a:r>
+              <a:rPr lang="ko-KR" altLang="en-US" sz="3200" dirty="0"/>
+              <a:t>데이터</a:t>
+            </a:r>
+            <a:r>
+              <a:rPr lang="en-US" altLang="ko-KR" sz="3200" dirty="0"/>
+              <a:t> </a:t>
+            </a:r>
+            <a:r>
+              <a:rPr lang="ko-KR" altLang="en-US" sz="3200" dirty="0"/>
+              <a:t>분석</a:t>
+            </a:r>
+          </a:p>
+        </p:txBody>
+      </p:sp>
+      <p:sp>
+        <p:nvSpPr>
+          <p:cNvPr id="45" name="텍스트 개체 틀 10"/>
+          <p:cNvSpPr>
+            <a:spLocks noGrp="1"/>
+          </p:cNvSpPr>
+          <p:nvPr/>
+        </p:nvSpPr>
+        <p:spPr>
+          <a:xfrm>
+            <a:off x="7526434" y="1743149"/>
+            <a:ext cx="3305342" cy="570382"/>
+          </a:xfrm>
+          <a:prstGeom prst="rect">
+            <a:avLst/>
+          </a:prstGeom>
+        </p:spPr>
+        <p:txBody>
+          <a:bodyPr vert="horz" lIns="91440" tIns="45720" rIns="91440" bIns="45720" rtlCol="0" anchor="ctr">
+            <a:noAutofit/>
+          </a:bodyPr>
+          <a:lstStyle>
+            <a:lvl1pPr marL="0" indent="0" algn="l" defTabSz="914400" rtl="0" eaLnBrk="1" latinLnBrk="1" hangingPunct="1">
+              <a:lnSpc>
+                <a:spcPct val="90000"/>
+              </a:lnSpc>
+              <a:spcBef>
+                <a:spcPts val="1000"/>
+              </a:spcBef>
+              <a:buFont typeface="Arial" panose="020B0604020202020204" pitchFamily="34" charset="0"/>
+              <a:buNone/>
+              <a:defRPr sz="2800" b="0" i="0" kern="1200">
+                <a:solidFill>
+                  <a:srgbClr val="8B723C"/>
+                </a:solidFill>
+                <a:latin typeface="210 하얀바람 B" panose="02020603020101020101" pitchFamily="18" charset="-127"/>
+                <a:ea typeface="210 하얀바람 B" panose="02020603020101020101" pitchFamily="18" charset="-127"/>
+                <a:cs typeface="+mn-cs"/>
+              </a:defRPr>
+            </a:lvl1pPr>
+            <a:lvl2pPr marL="457200" indent="0" algn="l" defTabSz="914400" rtl="0" eaLnBrk="1" latinLnBrk="1" hangingPunct="1">
+              <a:lnSpc>
+                <a:spcPct val="90000"/>
+              </a:lnSpc>
+              <a:spcBef>
+                <a:spcPts val="500"/>
+              </a:spcBef>
+              <a:buFont typeface="Arial" panose="020B0604020202020204" pitchFamily="34" charset="0"/>
+              <a:buNone/>
+              <a:defRPr sz="2400" kern="1200">
+                <a:solidFill>
+                  <a:schemeClr val="tx1"/>
+                </a:solidFill>
+                <a:latin typeface="+mn-lt"/>
+                <a:ea typeface="+mn-ea"/>
+                <a:cs typeface="+mn-cs"/>
+              </a:defRPr>
+            </a:lvl2pPr>
+            <a:lvl3pPr marL="914400" indent="0" algn="l" defTabSz="914400" rtl="0" eaLnBrk="1" latinLnBrk="1" hangingPunct="1">
+              <a:lnSpc>
+                <a:spcPct val="90000"/>
+              </a:lnSpc>
+              <a:spcBef>
+                <a:spcPts val="500"/>
+              </a:spcBef>
+              <a:buFont typeface="Arial" panose="020B0604020202020204" pitchFamily="34" charset="0"/>
+              <a:buNone/>
+              <a:defRPr sz="2000" kern="1200">
+                <a:solidFill>
+                  <a:schemeClr val="tx1"/>
+                </a:solidFill>
+                <a:latin typeface="+mn-lt"/>
+                <a:ea typeface="+mn-ea"/>
+                <a:cs typeface="+mn-cs"/>
+              </a:defRPr>
+            </a:lvl3pPr>
+            <a:lvl4pPr marL="1371600" indent="0" algn="l" defTabSz="914400" rtl="0" eaLnBrk="1" latinLnBrk="1" hangingPunct="1">
+              <a:lnSpc>
+                <a:spcPct val="90000"/>
+              </a:lnSpc>
+              <a:spcBef>
+                <a:spcPts val="500"/>
+              </a:spcBef>
+              <a:buFont typeface="Arial" panose="020B0604020202020204" pitchFamily="34" charset="0"/>
+              <a:buNone/>
+              <a:defRPr sz="1800" kern="1200">
+                <a:solidFill>
+                  <a:schemeClr val="tx1"/>
+                </a:solidFill>
+                <a:latin typeface="+mn-lt"/>
+                <a:ea typeface="+mn-ea"/>
+                <a:cs typeface="+mn-cs"/>
+              </a:defRPr>
+            </a:lvl4pPr>
+            <a:lvl5pPr marL="1828800" indent="0" algn="l" defTabSz="914400" rtl="0" eaLnBrk="1" latinLnBrk="1" hangingPunct="1">
+              <a:lnSpc>
+                <a:spcPct val="90000"/>
+              </a:lnSpc>
+              <a:spcBef>
+                <a:spcPts val="500"/>
+              </a:spcBef>
+              <a:buFont typeface="Arial" panose="020B0604020202020204" pitchFamily="34" charset="0"/>
+              <a:buNone/>
+              <a:defRPr sz="1800" kern="1200">
+                <a:solidFill>
+                  <a:schemeClr val="tx1"/>
+                </a:solidFill>
+                <a:latin typeface="+mn-lt"/>
+                <a:ea typeface="+mn-ea"/>
+                <a:cs typeface="+mn-cs"/>
+              </a:defRPr>
+            </a:lvl5pPr>
+            <a:lvl6pPr marL="2514600" indent="-228600" algn="l" defTabSz="914400" rtl="0" eaLnBrk="1" latinLnBrk="1" hangingPunct="1">
+              <a:lnSpc>
+                <a:spcPct val="90000"/>
+              </a:lnSpc>
+              <a:spcBef>
+                <a:spcPts val="500"/>
+              </a:spcBef>
+              <a:buFont typeface="Arial" panose="020B0604020202020204" pitchFamily="34" charset="0"/>
+              <a:buChar char="•"/>
+              <a:defRPr sz="1800" kern="1200">
+                <a:solidFill>
+                  <a:schemeClr val="tx1"/>
+                </a:solidFill>
+                <a:latin typeface="+mn-lt"/>
+                <a:ea typeface="+mn-ea"/>
+                <a:cs typeface="+mn-cs"/>
+              </a:defRPr>
+            </a:lvl6pPr>
+            <a:lvl7pPr marL="2971800" indent="-228600" algn="l" defTabSz="914400" rtl="0" eaLnBrk="1" latinLnBrk="1" hangingPunct="1">
+              <a:lnSpc>
+                <a:spcPct val="90000"/>
+              </a:lnSpc>
+              <a:spcBef>
+                <a:spcPts val="500"/>
+              </a:spcBef>
+              <a:buFont typeface="Arial" panose="020B0604020202020204" pitchFamily="34" charset="0"/>
+              <a:buChar char="•"/>
+              <a:defRPr sz="1800" kern="1200">
+                <a:solidFill>
+                  <a:schemeClr val="tx1"/>
+                </a:solidFill>
+                <a:latin typeface="+mn-lt"/>
+                <a:ea typeface="+mn-ea"/>
+                <a:cs typeface="+mn-cs"/>
+              </a:defRPr>
+            </a:lvl7pPr>
+            <a:lvl8pPr marL="3429000" indent="-228600" algn="l" defTabSz="914400" rtl="0" eaLnBrk="1" latinLnBrk="1" hangingPunct="1">
+              <a:lnSpc>
+                <a:spcPct val="90000"/>
+              </a:lnSpc>
+              <a:spcBef>
+                <a:spcPts val="500"/>
+              </a:spcBef>
+              <a:buFont typeface="Arial" panose="020B0604020202020204" pitchFamily="34" charset="0"/>
+              <a:buChar char="•"/>
+              <a:defRPr sz="1800" kern="1200">
+                <a:solidFill>
+                  <a:schemeClr val="tx1"/>
+                </a:solidFill>
+                <a:latin typeface="+mn-lt"/>
+                <a:ea typeface="+mn-ea"/>
+                <a:cs typeface="+mn-cs"/>
+              </a:defRPr>
+            </a:lvl8pPr>
+            <a:lvl9pPr marL="3886200" indent="-228600" algn="l" defTabSz="914400" rtl="0" eaLnBrk="1" latinLnBrk="1" hangingPunct="1">
+              <a:lnSpc>
+                <a:spcPct val="90000"/>
+              </a:lnSpc>
+              <a:spcBef>
+                <a:spcPts val="500"/>
+              </a:spcBef>
+              <a:buFont typeface="Arial" panose="020B0604020202020204" pitchFamily="34" charset="0"/>
+              <a:buChar char="•"/>
+              <a:defRPr sz="1800" kern="1200">
+                <a:solidFill>
+                  <a:schemeClr val="tx1"/>
+                </a:solidFill>
+                <a:latin typeface="+mn-lt"/>
+                <a:ea typeface="+mn-ea"/>
+                <a:cs typeface="+mn-cs"/>
+              </a:defRPr>
+            </a:lvl9pPr>
+          </a:lstStyle>
+          <a:p>
+            <a:pPr algn="r"/>
+            <a:r>
+              <a:rPr lang="en-US" altLang="ko-KR" sz="3200" dirty="0"/>
+              <a:t>2. </a:t>
+            </a:r>
+            <a:r>
+              <a:rPr lang="ko-KR" altLang="en-US" sz="3200" dirty="0"/>
+              <a:t>데이터 분석</a:t>
+            </a:r>
+          </a:p>
+        </p:txBody>
+      </p:sp>
+      <p:sp>
+        <p:nvSpPr>
+          <p:cNvPr id="46" name="텍스트 개체 틀 11"/>
+          <p:cNvSpPr>
+            <a:spLocks noGrp="1"/>
+          </p:cNvSpPr>
+          <p:nvPr/>
+        </p:nvSpPr>
+        <p:spPr>
+          <a:xfrm>
+            <a:off x="1283368" y="4103142"/>
+            <a:ext cx="1943012" cy="570382"/>
+          </a:xfrm>
+          <a:prstGeom prst="rect">
+            <a:avLst/>
+          </a:prstGeom>
+        </p:spPr>
+        <p:txBody>
+          <a:bodyPr vert="horz" lIns="91440" tIns="45720" rIns="91440" bIns="45720" rtlCol="0" anchor="ctr">
+            <a:noAutofit/>
+          </a:bodyPr>
+          <a:lstStyle>
+            <a:lvl1pPr marL="0" indent="0" algn="r" defTabSz="914400" rtl="0" eaLnBrk="1" latinLnBrk="1" hangingPunct="1">
+              <a:lnSpc>
+                <a:spcPct val="90000"/>
+              </a:lnSpc>
+              <a:spcBef>
+                <a:spcPts val="1000"/>
+              </a:spcBef>
+              <a:buFont typeface="Arial" panose="020B0604020202020204" pitchFamily="34" charset="0"/>
+              <a:buNone/>
+              <a:defRPr sz="2800" b="0" i="0" kern="1200">
+                <a:solidFill>
+                  <a:srgbClr val="8B723C"/>
+                </a:solidFill>
+                <a:latin typeface="210 하얀바람 B" panose="02020603020101020101" pitchFamily="18" charset="-127"/>
+                <a:ea typeface="210 하얀바람 B" panose="02020603020101020101" pitchFamily="18" charset="-127"/>
+                <a:cs typeface="+mn-cs"/>
+              </a:defRPr>
+            </a:lvl1pPr>
+            <a:lvl2pPr marL="457200" indent="0" algn="l" defTabSz="914400" rtl="0" eaLnBrk="1" latinLnBrk="1" hangingPunct="1">
+              <a:lnSpc>
+                <a:spcPct val="90000"/>
+              </a:lnSpc>
+              <a:spcBef>
+                <a:spcPts val="500"/>
+              </a:spcBef>
+              <a:buFont typeface="Arial" panose="020B0604020202020204" pitchFamily="34" charset="0"/>
+              <a:buNone/>
+              <a:defRPr sz="2400" kern="1200">
+                <a:solidFill>
+                  <a:schemeClr val="tx1"/>
+                </a:solidFill>
+                <a:latin typeface="+mn-lt"/>
+                <a:ea typeface="+mn-ea"/>
+                <a:cs typeface="+mn-cs"/>
+              </a:defRPr>
+            </a:lvl2pPr>
+            <a:lvl3pPr marL="914400" indent="0" algn="l" defTabSz="914400" rtl="0" eaLnBrk="1" latinLnBrk="1" hangingPunct="1">
+              <a:lnSpc>
+                <a:spcPct val="90000"/>
+              </a:lnSpc>
+              <a:spcBef>
+                <a:spcPts val="500"/>
+              </a:spcBef>
+              <a:buFont typeface="Arial" panose="020B0604020202020204" pitchFamily="34" charset="0"/>
+              <a:buNone/>
+              <a:defRPr sz="2000" kern="1200">
+                <a:solidFill>
+                  <a:schemeClr val="tx1"/>
+                </a:solidFill>
+                <a:latin typeface="+mn-lt"/>
+                <a:ea typeface="+mn-ea"/>
+                <a:cs typeface="+mn-cs"/>
+              </a:defRPr>
+            </a:lvl3pPr>
+            <a:lvl4pPr marL="1371600" indent="0" algn="l" defTabSz="914400" rtl="0" eaLnBrk="1" latinLnBrk="1" hangingPunct="1">
+              <a:lnSpc>
+                <a:spcPct val="90000"/>
+              </a:lnSpc>
+              <a:spcBef>
+                <a:spcPts val="500"/>
+              </a:spcBef>
+              <a:buFont typeface="Arial" panose="020B0604020202020204" pitchFamily="34" charset="0"/>
+              <a:buNone/>
+              <a:defRPr sz="1800" kern="1200">
+                <a:solidFill>
+                  <a:schemeClr val="tx1"/>
+                </a:solidFill>
+                <a:latin typeface="+mn-lt"/>
+                <a:ea typeface="+mn-ea"/>
+                <a:cs typeface="+mn-cs"/>
+              </a:defRPr>
+            </a:lvl4pPr>
+            <a:lvl5pPr marL="1828800" indent="0" algn="l" defTabSz="914400" rtl="0" eaLnBrk="1" latinLnBrk="1" hangingPunct="1">
+              <a:lnSpc>
+                <a:spcPct val="90000"/>
+              </a:lnSpc>
+              <a:spcBef>
+                <a:spcPts val="500"/>
+              </a:spcBef>
+              <a:buFont typeface="Arial" panose="020B0604020202020204" pitchFamily="34" charset="0"/>
+              <a:buNone/>
+              <a:defRPr sz="1800" kern="1200">
+                <a:solidFill>
+                  <a:schemeClr val="tx1"/>
+                </a:solidFill>
+                <a:latin typeface="+mn-lt"/>
+                <a:ea typeface="+mn-ea"/>
+                <a:cs typeface="+mn-cs"/>
+              </a:defRPr>
+            </a:lvl5pPr>
+            <a:lvl6pPr marL="2514600" indent="-228600" algn="l" defTabSz="914400" rtl="0" eaLnBrk="1" latinLnBrk="1" hangingPunct="1">
+              <a:lnSpc>
+                <a:spcPct val="90000"/>
+              </a:lnSpc>
+              <a:spcBef>
+                <a:spcPts val="500"/>
+              </a:spcBef>
+              <a:buFont typeface="Arial" panose="020B0604020202020204" pitchFamily="34" charset="0"/>
+              <a:buChar char="•"/>
+              <a:defRPr sz="1800" kern="1200">
+                <a:solidFill>
+                  <a:schemeClr val="tx1"/>
+                </a:solidFill>
+                <a:latin typeface="+mn-lt"/>
+                <a:ea typeface="+mn-ea"/>
+                <a:cs typeface="+mn-cs"/>
+              </a:defRPr>
+            </a:lvl6pPr>
+            <a:lvl7pPr marL="2971800" indent="-228600" algn="l" defTabSz="914400" rtl="0" eaLnBrk="1" latinLnBrk="1" hangingPunct="1">
+              <a:lnSpc>
+                <a:spcPct val="90000"/>
+              </a:lnSpc>
+              <a:spcBef>
+                <a:spcPts val="500"/>
+              </a:spcBef>
+              <a:buFont typeface="Arial" panose="020B0604020202020204" pitchFamily="34" charset="0"/>
+              <a:buChar char="•"/>
+              <a:defRPr sz="1800" kern="1200">
+                <a:solidFill>
+                  <a:schemeClr val="tx1"/>
+                </a:solidFill>
+                <a:latin typeface="+mn-lt"/>
+                <a:ea typeface="+mn-ea"/>
+                <a:cs typeface="+mn-cs"/>
+              </a:defRPr>
+            </a:lvl7pPr>
+            <a:lvl8pPr marL="3429000" indent="-228600" algn="l" defTabSz="914400" rtl="0" eaLnBrk="1" latinLnBrk="1" hangingPunct="1">
+              <a:lnSpc>
+                <a:spcPct val="90000"/>
+              </a:lnSpc>
+              <a:spcBef>
+                <a:spcPts val="500"/>
+              </a:spcBef>
+              <a:buFont typeface="Arial" panose="020B0604020202020204" pitchFamily="34" charset="0"/>
+              <a:buChar char="•"/>
+              <a:defRPr sz="1800" kern="1200">
+                <a:solidFill>
+                  <a:schemeClr val="tx1"/>
+                </a:solidFill>
+                <a:latin typeface="+mn-lt"/>
+                <a:ea typeface="+mn-ea"/>
+                <a:cs typeface="+mn-cs"/>
+              </a:defRPr>
+            </a:lvl8pPr>
+            <a:lvl9pPr marL="3886200" indent="-228600" algn="l" defTabSz="914400" rtl="0" eaLnBrk="1" latinLnBrk="1" hangingPunct="1">
+              <a:lnSpc>
+                <a:spcPct val="90000"/>
+              </a:lnSpc>
+              <a:spcBef>
+                <a:spcPts val="500"/>
+              </a:spcBef>
+              <a:buFont typeface="Arial" panose="020B0604020202020204" pitchFamily="34" charset="0"/>
+              <a:buChar char="•"/>
+              <a:defRPr sz="1800" kern="1200">
+                <a:solidFill>
+                  <a:schemeClr val="tx1"/>
+                </a:solidFill>
+                <a:latin typeface="+mn-lt"/>
+                <a:ea typeface="+mn-ea"/>
+                <a:cs typeface="+mn-cs"/>
+              </a:defRPr>
+            </a:lvl9pPr>
+          </a:lstStyle>
+          <a:p>
+            <a:r>
+              <a:rPr lang="en-US" altLang="ko-KR" sz="3200" dirty="0"/>
+              <a:t>4. model</a:t>
+            </a:r>
+            <a:endParaRPr lang="ko-KR" altLang="en-US" sz="3200" dirty="0"/>
+          </a:p>
+        </p:txBody>
+      </p:sp>
+      <p:sp>
+        <p:nvSpPr>
+          <p:cNvPr id="47" name="텍스트 개체 틀 12"/>
+          <p:cNvSpPr>
+            <a:spLocks noGrp="1"/>
+          </p:cNvSpPr>
+          <p:nvPr/>
+        </p:nvSpPr>
+        <p:spPr>
+          <a:xfrm>
+            <a:off x="977900" y="2313531"/>
+            <a:ext cx="2621547" cy="570382"/>
+          </a:xfrm>
+          <a:prstGeom prst="rect">
+            <a:avLst/>
+          </a:prstGeom>
+        </p:spPr>
+        <p:txBody>
+          <a:bodyPr vert="horz" lIns="91440" tIns="45720" rIns="91440" bIns="45720" rtlCol="0" anchor="ctr">
+            <a:noAutofit/>
+          </a:bodyPr>
+          <a:lstStyle>
+            <a:lvl1pPr marL="0" indent="0" algn="r" defTabSz="914400" rtl="0" eaLnBrk="1" latinLnBrk="1" hangingPunct="1">
+              <a:lnSpc>
+                <a:spcPct val="90000"/>
+              </a:lnSpc>
+              <a:spcBef>
+                <a:spcPts val="1000"/>
+              </a:spcBef>
+              <a:buFont typeface="Arial" panose="020B0604020202020204" pitchFamily="34" charset="0"/>
+              <a:buNone/>
+              <a:defRPr sz="2800" b="0" i="0" kern="1200">
+                <a:solidFill>
+                  <a:srgbClr val="8B723C"/>
+                </a:solidFill>
+                <a:latin typeface="210 하얀바람 B" panose="02020603020101020101" pitchFamily="18" charset="-127"/>
+                <a:ea typeface="210 하얀바람 B" panose="02020603020101020101" pitchFamily="18" charset="-127"/>
+                <a:cs typeface="+mn-cs"/>
+              </a:defRPr>
+            </a:lvl1pPr>
+            <a:lvl2pPr marL="457200" indent="0" algn="l" defTabSz="914400" rtl="0" eaLnBrk="1" latinLnBrk="1" hangingPunct="1">
+              <a:lnSpc>
+                <a:spcPct val="90000"/>
+              </a:lnSpc>
+              <a:spcBef>
+                <a:spcPts val="500"/>
+              </a:spcBef>
+              <a:buFont typeface="Arial" panose="020B0604020202020204" pitchFamily="34" charset="0"/>
+              <a:buNone/>
+              <a:defRPr sz="2400" kern="1200">
+                <a:solidFill>
+                  <a:schemeClr val="tx1"/>
+                </a:solidFill>
+                <a:latin typeface="+mn-lt"/>
+                <a:ea typeface="+mn-ea"/>
+                <a:cs typeface="+mn-cs"/>
+              </a:defRPr>
+            </a:lvl2pPr>
+            <a:lvl3pPr marL="914400" indent="0" algn="l" defTabSz="914400" rtl="0" eaLnBrk="1" latinLnBrk="1" hangingPunct="1">
+              <a:lnSpc>
+                <a:spcPct val="90000"/>
+              </a:lnSpc>
+              <a:spcBef>
+                <a:spcPts val="500"/>
+              </a:spcBef>
+              <a:buFont typeface="Arial" panose="020B0604020202020204" pitchFamily="34" charset="0"/>
+              <a:buNone/>
+              <a:defRPr sz="2000" kern="1200">
+                <a:solidFill>
+                  <a:schemeClr val="tx1"/>
+                </a:solidFill>
+                <a:latin typeface="+mn-lt"/>
+                <a:ea typeface="+mn-ea"/>
+                <a:cs typeface="+mn-cs"/>
+              </a:defRPr>
+            </a:lvl3pPr>
+            <a:lvl4pPr marL="1371600" indent="0" algn="l" defTabSz="914400" rtl="0" eaLnBrk="1" latinLnBrk="1" hangingPunct="1">
+              <a:lnSpc>
+                <a:spcPct val="90000"/>
+              </a:lnSpc>
+              <a:spcBef>
+                <a:spcPts val="500"/>
+              </a:spcBef>
+              <a:buFont typeface="Arial" panose="020B0604020202020204" pitchFamily="34" charset="0"/>
+              <a:buNone/>
+              <a:defRPr sz="1800" kern="1200">
+                <a:solidFill>
+                  <a:schemeClr val="tx1"/>
+                </a:solidFill>
+                <a:latin typeface="+mn-lt"/>
+                <a:ea typeface="+mn-ea"/>
+                <a:cs typeface="+mn-cs"/>
+              </a:defRPr>
+            </a:lvl4pPr>
+            <a:lvl5pPr marL="1828800" indent="0" algn="l" defTabSz="914400" rtl="0" eaLnBrk="1" latinLnBrk="1" hangingPunct="1">
+              <a:lnSpc>
+                <a:spcPct val="90000"/>
+              </a:lnSpc>
+              <a:spcBef>
+                <a:spcPts val="500"/>
+              </a:spcBef>
+              <a:buFont typeface="Arial" panose="020B0604020202020204" pitchFamily="34" charset="0"/>
+              <a:buNone/>
+              <a:defRPr sz="1800" kern="1200">
+                <a:solidFill>
+                  <a:schemeClr val="tx1"/>
+                </a:solidFill>
+                <a:latin typeface="+mn-lt"/>
+                <a:ea typeface="+mn-ea"/>
+                <a:cs typeface="+mn-cs"/>
+              </a:defRPr>
+            </a:lvl5pPr>
+            <a:lvl6pPr marL="2514600" indent="-228600" algn="l" defTabSz="914400" rtl="0" eaLnBrk="1" latinLnBrk="1" hangingPunct="1">
+              <a:lnSpc>
+                <a:spcPct val="90000"/>
+              </a:lnSpc>
+              <a:spcBef>
+                <a:spcPts val="500"/>
+              </a:spcBef>
+              <a:buFont typeface="Arial" panose="020B0604020202020204" pitchFamily="34" charset="0"/>
+              <a:buChar char="•"/>
+              <a:defRPr sz="1800" kern="1200">
+                <a:solidFill>
+                  <a:schemeClr val="tx1"/>
+                </a:solidFill>
+                <a:latin typeface="+mn-lt"/>
+                <a:ea typeface="+mn-ea"/>
+                <a:cs typeface="+mn-cs"/>
+              </a:defRPr>
+            </a:lvl6pPr>
+            <a:lvl7pPr marL="2971800" indent="-228600" algn="l" defTabSz="914400" rtl="0" eaLnBrk="1" latinLnBrk="1" hangingPunct="1">
+              <a:lnSpc>
+                <a:spcPct val="90000"/>
+              </a:lnSpc>
+              <a:spcBef>
+                <a:spcPts val="500"/>
+              </a:spcBef>
+              <a:buFont typeface="Arial" panose="020B0604020202020204" pitchFamily="34" charset="0"/>
+              <a:buChar char="•"/>
+              <a:defRPr sz="1800" kern="1200">
+                <a:solidFill>
+                  <a:schemeClr val="tx1"/>
+                </a:solidFill>
+                <a:latin typeface="+mn-lt"/>
+                <a:ea typeface="+mn-ea"/>
+                <a:cs typeface="+mn-cs"/>
+              </a:defRPr>
+            </a:lvl7pPr>
+            <a:lvl8pPr marL="3429000" indent="-228600" algn="l" defTabSz="914400" rtl="0" eaLnBrk="1" latinLnBrk="1" hangingPunct="1">
+              <a:lnSpc>
+                <a:spcPct val="90000"/>
+              </a:lnSpc>
+              <a:spcBef>
+                <a:spcPts val="500"/>
+              </a:spcBef>
+              <a:buFont typeface="Arial" panose="020B0604020202020204" pitchFamily="34" charset="0"/>
+              <a:buChar char="•"/>
+              <a:defRPr sz="1800" kern="1200">
+                <a:solidFill>
+                  <a:schemeClr val="tx1"/>
+                </a:solidFill>
+                <a:latin typeface="+mn-lt"/>
+                <a:ea typeface="+mn-ea"/>
+                <a:cs typeface="+mn-cs"/>
+              </a:defRPr>
+            </a:lvl8pPr>
+            <a:lvl9pPr marL="3886200" indent="-228600" algn="l" defTabSz="914400" rtl="0" eaLnBrk="1" latinLnBrk="1" hangingPunct="1">
+              <a:lnSpc>
+                <a:spcPct val="90000"/>
+              </a:lnSpc>
+              <a:spcBef>
+                <a:spcPts val="500"/>
+              </a:spcBef>
+              <a:buFont typeface="Arial" panose="020B0604020202020204" pitchFamily="34" charset="0"/>
+              <a:buChar char="•"/>
+              <a:defRPr sz="1800" kern="1200">
+                <a:solidFill>
+                  <a:schemeClr val="tx1"/>
+                </a:solidFill>
+                <a:latin typeface="+mn-lt"/>
+                <a:ea typeface="+mn-ea"/>
+                <a:cs typeface="+mn-cs"/>
+              </a:defRPr>
+            </a:lvl9pPr>
+          </a:lstStyle>
+          <a:p>
+            <a:r>
+              <a:rPr lang="en-US" altLang="ko-KR" sz="3200" dirty="0"/>
+              <a:t>1.</a:t>
+            </a:r>
+            <a:r>
+              <a:rPr lang="ko-KR" altLang="en-US" sz="3200" dirty="0"/>
+              <a:t>문제현황</a:t>
+            </a:r>
+          </a:p>
+        </p:txBody>
+      </p:sp>
+    </p:spTree>
+    <p:extLst>
+      <p:ext uri="{BB962C8B-B14F-4D97-AF65-F5344CB8AC3E}">
+        <p14:creationId xmlns:p14="http://schemas.microsoft.com/office/powerpoint/2010/main" val="2780902010"/>
+      </p:ext>
+    </p:extLst>
+  </p:cSld>
+  <p:clrMapOvr>
+    <a:masterClrMapping/>
+  </p:clrMapOvr>
+  <mc:AlternateContent xmlns:mc="http://schemas.openxmlformats.org/markup-compatibility/2006" xmlns:p14="http://schemas.microsoft.com/office/powerpoint/2010/main">
+    <mc:Choice Requires="p14">
+      <p:transition spd="med" p14:dur="700">
+        <p:fade/>
+      </p:transition>
+    </mc:Choice>
+    <mc:Fallback xmlns="">
+      <p:transition spd="med">
+        <p:fade/>
+      </p:transition>
+    </mc:Fallback>
+  </mc:AlternateContent>
+</p:sld>
+</file>
+
+<file path=ppt/slides/slide20.xml><?xml version="1.0" encoding="utf-8"?>
 <p:sld xmlns:a="http://schemas.openxmlformats.org/drawingml/2006/main" xmlns:r="http://schemas.openxmlformats.org/officeDocument/2006/relationships" xmlns:p="http://schemas.openxmlformats.org/presentationml/2006/main">
   <p:cSld>
     <p:spTree>
@@ -16142,7 +15485,7 @@
 </file>
 
 <file path=ppt/slides/slide3.xml><?xml version="1.0" encoding="utf-8"?>
-<p:sld xmlns:a="http://schemas.openxmlformats.org/drawingml/2006/main" xmlns:r="http://schemas.openxmlformats.org/officeDocument/2006/relationships" xmlns:p="http://schemas.openxmlformats.org/presentationml/2006/main">
+<p:sld xmlns:a="http://schemas.openxmlformats.org/drawingml/2006/main" xmlns:r="http://schemas.openxmlformats.org/officeDocument/2006/relationships" xmlns:p="http://schemas.openxmlformats.org/presentationml/2006/main" show="0">
   <p:cSld>
     <p:spTree>
       <p:nvGrpSpPr>
@@ -16838,6 +16181,1696 @@
         </p:nvSpPr>
         <p:spPr>
           <a:xfrm>
+            <a:off x="9116425" y="5438456"/>
+            <a:ext cx="1208673" cy="570382"/>
+          </a:xfrm>
+          <a:prstGeom prst="rect">
+            <a:avLst/>
+          </a:prstGeom>
+        </p:spPr>
+        <p:txBody>
+          <a:bodyPr vert="horz" lIns="91440" tIns="45720" rIns="91440" bIns="45720" rtlCol="0" anchor="ctr">
+            <a:noAutofit/>
+          </a:bodyPr>
+          <a:lstStyle>
+            <a:lvl1pPr marL="0" indent="0" algn="l" defTabSz="914400" rtl="0" eaLnBrk="1" latinLnBrk="1" hangingPunct="1">
+              <a:lnSpc>
+                <a:spcPct val="90000"/>
+              </a:lnSpc>
+              <a:spcBef>
+                <a:spcPts val="1000"/>
+              </a:spcBef>
+              <a:buFont typeface="Arial" panose="020B0604020202020204" pitchFamily="34" charset="0"/>
+              <a:buNone/>
+              <a:defRPr sz="2800" b="0" i="0" kern="1200">
+                <a:solidFill>
+                  <a:srgbClr val="8B723C"/>
+                </a:solidFill>
+                <a:latin typeface="210 하얀바람 B" panose="02020603020101020101" pitchFamily="18" charset="-127"/>
+                <a:ea typeface="210 하얀바람 B" panose="02020603020101020101" pitchFamily="18" charset="-127"/>
+                <a:cs typeface="+mn-cs"/>
+              </a:defRPr>
+            </a:lvl1pPr>
+            <a:lvl2pPr marL="457200" indent="0" algn="l" defTabSz="914400" rtl="0" eaLnBrk="1" latinLnBrk="1" hangingPunct="1">
+              <a:lnSpc>
+                <a:spcPct val="90000"/>
+              </a:lnSpc>
+              <a:spcBef>
+                <a:spcPts val="500"/>
+              </a:spcBef>
+              <a:buFont typeface="Arial" panose="020B0604020202020204" pitchFamily="34" charset="0"/>
+              <a:buNone/>
+              <a:defRPr sz="2400" kern="1200">
+                <a:solidFill>
+                  <a:schemeClr val="tx1"/>
+                </a:solidFill>
+                <a:latin typeface="+mn-lt"/>
+                <a:ea typeface="+mn-ea"/>
+                <a:cs typeface="+mn-cs"/>
+              </a:defRPr>
+            </a:lvl2pPr>
+            <a:lvl3pPr marL="914400" indent="0" algn="l" defTabSz="914400" rtl="0" eaLnBrk="1" latinLnBrk="1" hangingPunct="1">
+              <a:lnSpc>
+                <a:spcPct val="90000"/>
+              </a:lnSpc>
+              <a:spcBef>
+                <a:spcPts val="500"/>
+              </a:spcBef>
+              <a:buFont typeface="Arial" panose="020B0604020202020204" pitchFamily="34" charset="0"/>
+              <a:buNone/>
+              <a:defRPr sz="2000" kern="1200">
+                <a:solidFill>
+                  <a:schemeClr val="tx1"/>
+                </a:solidFill>
+                <a:latin typeface="+mn-lt"/>
+                <a:ea typeface="+mn-ea"/>
+                <a:cs typeface="+mn-cs"/>
+              </a:defRPr>
+            </a:lvl3pPr>
+            <a:lvl4pPr marL="1371600" indent="0" algn="l" defTabSz="914400" rtl="0" eaLnBrk="1" latinLnBrk="1" hangingPunct="1">
+              <a:lnSpc>
+                <a:spcPct val="90000"/>
+              </a:lnSpc>
+              <a:spcBef>
+                <a:spcPts val="500"/>
+              </a:spcBef>
+              <a:buFont typeface="Arial" panose="020B0604020202020204" pitchFamily="34" charset="0"/>
+              <a:buNone/>
+              <a:defRPr sz="1800" kern="1200">
+                <a:solidFill>
+                  <a:schemeClr val="tx1"/>
+                </a:solidFill>
+                <a:latin typeface="+mn-lt"/>
+                <a:ea typeface="+mn-ea"/>
+                <a:cs typeface="+mn-cs"/>
+              </a:defRPr>
+            </a:lvl4pPr>
+            <a:lvl5pPr marL="1828800" indent="0" algn="l" defTabSz="914400" rtl="0" eaLnBrk="1" latinLnBrk="1" hangingPunct="1">
+              <a:lnSpc>
+                <a:spcPct val="90000"/>
+              </a:lnSpc>
+              <a:spcBef>
+                <a:spcPts val="500"/>
+              </a:spcBef>
+              <a:buFont typeface="Arial" panose="020B0604020202020204" pitchFamily="34" charset="0"/>
+              <a:buNone/>
+              <a:defRPr sz="1800" kern="1200">
+                <a:solidFill>
+                  <a:schemeClr val="tx1"/>
+                </a:solidFill>
+                <a:latin typeface="+mn-lt"/>
+                <a:ea typeface="+mn-ea"/>
+                <a:cs typeface="+mn-cs"/>
+              </a:defRPr>
+            </a:lvl5pPr>
+            <a:lvl6pPr marL="2514600" indent="-228600" algn="l" defTabSz="914400" rtl="0" eaLnBrk="1" latinLnBrk="1" hangingPunct="1">
+              <a:lnSpc>
+                <a:spcPct val="90000"/>
+              </a:lnSpc>
+              <a:spcBef>
+                <a:spcPts val="500"/>
+              </a:spcBef>
+              <a:buFont typeface="Arial" panose="020B0604020202020204" pitchFamily="34" charset="0"/>
+              <a:buChar char="•"/>
+              <a:defRPr sz="1800" kern="1200">
+                <a:solidFill>
+                  <a:schemeClr val="tx1"/>
+                </a:solidFill>
+                <a:latin typeface="+mn-lt"/>
+                <a:ea typeface="+mn-ea"/>
+                <a:cs typeface="+mn-cs"/>
+              </a:defRPr>
+            </a:lvl6pPr>
+            <a:lvl7pPr marL="2971800" indent="-228600" algn="l" defTabSz="914400" rtl="0" eaLnBrk="1" latinLnBrk="1" hangingPunct="1">
+              <a:lnSpc>
+                <a:spcPct val="90000"/>
+              </a:lnSpc>
+              <a:spcBef>
+                <a:spcPts val="500"/>
+              </a:spcBef>
+              <a:buFont typeface="Arial" panose="020B0604020202020204" pitchFamily="34" charset="0"/>
+              <a:buChar char="•"/>
+              <a:defRPr sz="1800" kern="1200">
+                <a:solidFill>
+                  <a:schemeClr val="tx1"/>
+                </a:solidFill>
+                <a:latin typeface="+mn-lt"/>
+                <a:ea typeface="+mn-ea"/>
+                <a:cs typeface="+mn-cs"/>
+              </a:defRPr>
+            </a:lvl7pPr>
+            <a:lvl8pPr marL="3429000" indent="-228600" algn="l" defTabSz="914400" rtl="0" eaLnBrk="1" latinLnBrk="1" hangingPunct="1">
+              <a:lnSpc>
+                <a:spcPct val="90000"/>
+              </a:lnSpc>
+              <a:spcBef>
+                <a:spcPts val="500"/>
+              </a:spcBef>
+              <a:buFont typeface="Arial" panose="020B0604020202020204" pitchFamily="34" charset="0"/>
+              <a:buChar char="•"/>
+              <a:defRPr sz="1800" kern="1200">
+                <a:solidFill>
+                  <a:schemeClr val="tx1"/>
+                </a:solidFill>
+                <a:latin typeface="+mn-lt"/>
+                <a:ea typeface="+mn-ea"/>
+                <a:cs typeface="+mn-cs"/>
+              </a:defRPr>
+            </a:lvl8pPr>
+            <a:lvl9pPr marL="3886200" indent="-228600" algn="l" defTabSz="914400" rtl="0" eaLnBrk="1" latinLnBrk="1" hangingPunct="1">
+              <a:lnSpc>
+                <a:spcPct val="90000"/>
+              </a:lnSpc>
+              <a:spcBef>
+                <a:spcPts val="500"/>
+              </a:spcBef>
+              <a:buFont typeface="Arial" panose="020B0604020202020204" pitchFamily="34" charset="0"/>
+              <a:buChar char="•"/>
+              <a:defRPr sz="1800" kern="1200">
+                <a:solidFill>
+                  <a:schemeClr val="tx1"/>
+                </a:solidFill>
+                <a:latin typeface="+mn-lt"/>
+                <a:ea typeface="+mn-ea"/>
+                <a:cs typeface="+mn-cs"/>
+              </a:defRPr>
+            </a:lvl9pPr>
+          </a:lstStyle>
+          <a:p>
+            <a:r>
+              <a:rPr lang="en-US" altLang="ko-KR" sz="3200" dirty="0"/>
+              <a:t>Q&amp;A </a:t>
+            </a:r>
+            <a:r>
+              <a:rPr lang="ko-KR" altLang="en-US" sz="3200" dirty="0"/>
+              <a:t>출처</a:t>
+            </a:r>
+          </a:p>
+        </p:txBody>
+      </p:sp>
+      <p:sp>
+        <p:nvSpPr>
+          <p:cNvPr id="44" name="텍스트 개체 틀 9"/>
+          <p:cNvSpPr>
+            <a:spLocks noGrp="1"/>
+          </p:cNvSpPr>
+          <p:nvPr/>
+        </p:nvSpPr>
+        <p:spPr>
+          <a:xfrm>
+            <a:off x="8925766" y="3554159"/>
+            <a:ext cx="2159576" cy="570382"/>
+          </a:xfrm>
+          <a:prstGeom prst="rect">
+            <a:avLst/>
+          </a:prstGeom>
+        </p:spPr>
+        <p:txBody>
+          <a:bodyPr vert="horz" lIns="91440" tIns="45720" rIns="91440" bIns="45720" rtlCol="0" anchor="ctr">
+            <a:noAutofit/>
+          </a:bodyPr>
+          <a:lstStyle>
+            <a:lvl1pPr marL="0" indent="0" algn="l" defTabSz="914400" rtl="0" eaLnBrk="1" latinLnBrk="1" hangingPunct="1">
+              <a:lnSpc>
+                <a:spcPct val="90000"/>
+              </a:lnSpc>
+              <a:spcBef>
+                <a:spcPts val="1000"/>
+              </a:spcBef>
+              <a:buFont typeface="Arial" panose="020B0604020202020204" pitchFamily="34" charset="0"/>
+              <a:buNone/>
+              <a:defRPr sz="2800" b="0" i="0" kern="1200">
+                <a:solidFill>
+                  <a:srgbClr val="8B723C"/>
+                </a:solidFill>
+                <a:latin typeface="210 하얀바람 B" panose="02020603020101020101" pitchFamily="18" charset="-127"/>
+                <a:ea typeface="210 하얀바람 B" panose="02020603020101020101" pitchFamily="18" charset="-127"/>
+                <a:cs typeface="+mn-cs"/>
+              </a:defRPr>
+            </a:lvl1pPr>
+            <a:lvl2pPr marL="457200" indent="0" algn="l" defTabSz="914400" rtl="0" eaLnBrk="1" latinLnBrk="1" hangingPunct="1">
+              <a:lnSpc>
+                <a:spcPct val="90000"/>
+              </a:lnSpc>
+              <a:spcBef>
+                <a:spcPts val="500"/>
+              </a:spcBef>
+              <a:buFont typeface="Arial" panose="020B0604020202020204" pitchFamily="34" charset="0"/>
+              <a:buNone/>
+              <a:defRPr sz="2400" kern="1200">
+                <a:solidFill>
+                  <a:schemeClr val="tx1"/>
+                </a:solidFill>
+                <a:latin typeface="+mn-lt"/>
+                <a:ea typeface="+mn-ea"/>
+                <a:cs typeface="+mn-cs"/>
+              </a:defRPr>
+            </a:lvl2pPr>
+            <a:lvl3pPr marL="914400" indent="0" algn="l" defTabSz="914400" rtl="0" eaLnBrk="1" latinLnBrk="1" hangingPunct="1">
+              <a:lnSpc>
+                <a:spcPct val="90000"/>
+              </a:lnSpc>
+              <a:spcBef>
+                <a:spcPts val="500"/>
+              </a:spcBef>
+              <a:buFont typeface="Arial" panose="020B0604020202020204" pitchFamily="34" charset="0"/>
+              <a:buNone/>
+              <a:defRPr sz="2000" kern="1200">
+                <a:solidFill>
+                  <a:schemeClr val="tx1"/>
+                </a:solidFill>
+                <a:latin typeface="+mn-lt"/>
+                <a:ea typeface="+mn-ea"/>
+                <a:cs typeface="+mn-cs"/>
+              </a:defRPr>
+            </a:lvl3pPr>
+            <a:lvl4pPr marL="1371600" indent="0" algn="l" defTabSz="914400" rtl="0" eaLnBrk="1" latinLnBrk="1" hangingPunct="1">
+              <a:lnSpc>
+                <a:spcPct val="90000"/>
+              </a:lnSpc>
+              <a:spcBef>
+                <a:spcPts val="500"/>
+              </a:spcBef>
+              <a:buFont typeface="Arial" panose="020B0604020202020204" pitchFamily="34" charset="0"/>
+              <a:buNone/>
+              <a:defRPr sz="1800" kern="1200">
+                <a:solidFill>
+                  <a:schemeClr val="tx1"/>
+                </a:solidFill>
+                <a:latin typeface="+mn-lt"/>
+                <a:ea typeface="+mn-ea"/>
+                <a:cs typeface="+mn-cs"/>
+              </a:defRPr>
+            </a:lvl4pPr>
+            <a:lvl5pPr marL="1828800" indent="0" algn="l" defTabSz="914400" rtl="0" eaLnBrk="1" latinLnBrk="1" hangingPunct="1">
+              <a:lnSpc>
+                <a:spcPct val="90000"/>
+              </a:lnSpc>
+              <a:spcBef>
+                <a:spcPts val="500"/>
+              </a:spcBef>
+              <a:buFont typeface="Arial" panose="020B0604020202020204" pitchFamily="34" charset="0"/>
+              <a:buNone/>
+              <a:defRPr sz="1800" kern="1200">
+                <a:solidFill>
+                  <a:schemeClr val="tx1"/>
+                </a:solidFill>
+                <a:latin typeface="+mn-lt"/>
+                <a:ea typeface="+mn-ea"/>
+                <a:cs typeface="+mn-cs"/>
+              </a:defRPr>
+            </a:lvl5pPr>
+            <a:lvl6pPr marL="2514600" indent="-228600" algn="l" defTabSz="914400" rtl="0" eaLnBrk="1" latinLnBrk="1" hangingPunct="1">
+              <a:lnSpc>
+                <a:spcPct val="90000"/>
+              </a:lnSpc>
+              <a:spcBef>
+                <a:spcPts val="500"/>
+              </a:spcBef>
+              <a:buFont typeface="Arial" panose="020B0604020202020204" pitchFamily="34" charset="0"/>
+              <a:buChar char="•"/>
+              <a:defRPr sz="1800" kern="1200">
+                <a:solidFill>
+                  <a:schemeClr val="tx1"/>
+                </a:solidFill>
+                <a:latin typeface="+mn-lt"/>
+                <a:ea typeface="+mn-ea"/>
+                <a:cs typeface="+mn-cs"/>
+              </a:defRPr>
+            </a:lvl6pPr>
+            <a:lvl7pPr marL="2971800" indent="-228600" algn="l" defTabSz="914400" rtl="0" eaLnBrk="1" latinLnBrk="1" hangingPunct="1">
+              <a:lnSpc>
+                <a:spcPct val="90000"/>
+              </a:lnSpc>
+              <a:spcBef>
+                <a:spcPts val="500"/>
+              </a:spcBef>
+              <a:buFont typeface="Arial" panose="020B0604020202020204" pitchFamily="34" charset="0"/>
+              <a:buChar char="•"/>
+              <a:defRPr sz="1800" kern="1200">
+                <a:solidFill>
+                  <a:schemeClr val="tx1"/>
+                </a:solidFill>
+                <a:latin typeface="+mn-lt"/>
+                <a:ea typeface="+mn-ea"/>
+                <a:cs typeface="+mn-cs"/>
+              </a:defRPr>
+            </a:lvl7pPr>
+            <a:lvl8pPr marL="3429000" indent="-228600" algn="l" defTabSz="914400" rtl="0" eaLnBrk="1" latinLnBrk="1" hangingPunct="1">
+              <a:lnSpc>
+                <a:spcPct val="90000"/>
+              </a:lnSpc>
+              <a:spcBef>
+                <a:spcPts val="500"/>
+              </a:spcBef>
+              <a:buFont typeface="Arial" panose="020B0604020202020204" pitchFamily="34" charset="0"/>
+              <a:buChar char="•"/>
+              <a:defRPr sz="1800" kern="1200">
+                <a:solidFill>
+                  <a:schemeClr val="tx1"/>
+                </a:solidFill>
+                <a:latin typeface="+mn-lt"/>
+                <a:ea typeface="+mn-ea"/>
+                <a:cs typeface="+mn-cs"/>
+              </a:defRPr>
+            </a:lvl8pPr>
+            <a:lvl9pPr marL="3886200" indent="-228600" algn="l" defTabSz="914400" rtl="0" eaLnBrk="1" latinLnBrk="1" hangingPunct="1">
+              <a:lnSpc>
+                <a:spcPct val="90000"/>
+              </a:lnSpc>
+              <a:spcBef>
+                <a:spcPts val="500"/>
+              </a:spcBef>
+              <a:buFont typeface="Arial" panose="020B0604020202020204" pitchFamily="34" charset="0"/>
+              <a:buChar char="•"/>
+              <a:defRPr sz="1800" kern="1200">
+                <a:solidFill>
+                  <a:schemeClr val="tx1"/>
+                </a:solidFill>
+                <a:latin typeface="+mn-lt"/>
+                <a:ea typeface="+mn-ea"/>
+                <a:cs typeface="+mn-cs"/>
+              </a:defRPr>
+            </a:lvl9pPr>
+          </a:lstStyle>
+          <a:p>
+            <a:r>
+              <a:rPr lang="ko-KR" altLang="en-US" sz="3200" dirty="0"/>
+              <a:t>데이터</a:t>
+            </a:r>
+            <a:br>
+              <a:rPr lang="en-US" altLang="ko-KR" sz="3200" dirty="0"/>
+            </a:br>
+            <a:r>
+              <a:rPr lang="ko-KR" altLang="en-US" sz="3200" dirty="0" err="1"/>
+              <a:t>전처리</a:t>
+            </a:r>
+            <a:endParaRPr lang="ko-KR" altLang="en-US" sz="3200" dirty="0"/>
+          </a:p>
+        </p:txBody>
+      </p:sp>
+      <p:sp>
+        <p:nvSpPr>
+          <p:cNvPr id="45" name="텍스트 개체 틀 10"/>
+          <p:cNvSpPr>
+            <a:spLocks noGrp="1"/>
+          </p:cNvSpPr>
+          <p:nvPr/>
+        </p:nvSpPr>
+        <p:spPr>
+          <a:xfrm>
+            <a:off x="8847770" y="1743149"/>
+            <a:ext cx="1477328" cy="570382"/>
+          </a:xfrm>
+          <a:prstGeom prst="rect">
+            <a:avLst/>
+          </a:prstGeom>
+        </p:spPr>
+        <p:txBody>
+          <a:bodyPr vert="horz" lIns="91440" tIns="45720" rIns="91440" bIns="45720" rtlCol="0" anchor="ctr">
+            <a:noAutofit/>
+          </a:bodyPr>
+          <a:lstStyle>
+            <a:lvl1pPr marL="0" indent="0" algn="l" defTabSz="914400" rtl="0" eaLnBrk="1" latinLnBrk="1" hangingPunct="1">
+              <a:lnSpc>
+                <a:spcPct val="90000"/>
+              </a:lnSpc>
+              <a:spcBef>
+                <a:spcPts val="1000"/>
+              </a:spcBef>
+              <a:buFont typeface="Arial" panose="020B0604020202020204" pitchFamily="34" charset="0"/>
+              <a:buNone/>
+              <a:defRPr sz="2800" b="0" i="0" kern="1200">
+                <a:solidFill>
+                  <a:srgbClr val="8B723C"/>
+                </a:solidFill>
+                <a:latin typeface="210 하얀바람 B" panose="02020603020101020101" pitchFamily="18" charset="-127"/>
+                <a:ea typeface="210 하얀바람 B" panose="02020603020101020101" pitchFamily="18" charset="-127"/>
+                <a:cs typeface="+mn-cs"/>
+              </a:defRPr>
+            </a:lvl1pPr>
+            <a:lvl2pPr marL="457200" indent="0" algn="l" defTabSz="914400" rtl="0" eaLnBrk="1" latinLnBrk="1" hangingPunct="1">
+              <a:lnSpc>
+                <a:spcPct val="90000"/>
+              </a:lnSpc>
+              <a:spcBef>
+                <a:spcPts val="500"/>
+              </a:spcBef>
+              <a:buFont typeface="Arial" panose="020B0604020202020204" pitchFamily="34" charset="0"/>
+              <a:buNone/>
+              <a:defRPr sz="2400" kern="1200">
+                <a:solidFill>
+                  <a:schemeClr val="tx1"/>
+                </a:solidFill>
+                <a:latin typeface="+mn-lt"/>
+                <a:ea typeface="+mn-ea"/>
+                <a:cs typeface="+mn-cs"/>
+              </a:defRPr>
+            </a:lvl2pPr>
+            <a:lvl3pPr marL="914400" indent="0" algn="l" defTabSz="914400" rtl="0" eaLnBrk="1" latinLnBrk="1" hangingPunct="1">
+              <a:lnSpc>
+                <a:spcPct val="90000"/>
+              </a:lnSpc>
+              <a:spcBef>
+                <a:spcPts val="500"/>
+              </a:spcBef>
+              <a:buFont typeface="Arial" panose="020B0604020202020204" pitchFamily="34" charset="0"/>
+              <a:buNone/>
+              <a:defRPr sz="2000" kern="1200">
+                <a:solidFill>
+                  <a:schemeClr val="tx1"/>
+                </a:solidFill>
+                <a:latin typeface="+mn-lt"/>
+                <a:ea typeface="+mn-ea"/>
+                <a:cs typeface="+mn-cs"/>
+              </a:defRPr>
+            </a:lvl3pPr>
+            <a:lvl4pPr marL="1371600" indent="0" algn="l" defTabSz="914400" rtl="0" eaLnBrk="1" latinLnBrk="1" hangingPunct="1">
+              <a:lnSpc>
+                <a:spcPct val="90000"/>
+              </a:lnSpc>
+              <a:spcBef>
+                <a:spcPts val="500"/>
+              </a:spcBef>
+              <a:buFont typeface="Arial" panose="020B0604020202020204" pitchFamily="34" charset="0"/>
+              <a:buNone/>
+              <a:defRPr sz="1800" kern="1200">
+                <a:solidFill>
+                  <a:schemeClr val="tx1"/>
+                </a:solidFill>
+                <a:latin typeface="+mn-lt"/>
+                <a:ea typeface="+mn-ea"/>
+                <a:cs typeface="+mn-cs"/>
+              </a:defRPr>
+            </a:lvl4pPr>
+            <a:lvl5pPr marL="1828800" indent="0" algn="l" defTabSz="914400" rtl="0" eaLnBrk="1" latinLnBrk="1" hangingPunct="1">
+              <a:lnSpc>
+                <a:spcPct val="90000"/>
+              </a:lnSpc>
+              <a:spcBef>
+                <a:spcPts val="500"/>
+              </a:spcBef>
+              <a:buFont typeface="Arial" panose="020B0604020202020204" pitchFamily="34" charset="0"/>
+              <a:buNone/>
+              <a:defRPr sz="1800" kern="1200">
+                <a:solidFill>
+                  <a:schemeClr val="tx1"/>
+                </a:solidFill>
+                <a:latin typeface="+mn-lt"/>
+                <a:ea typeface="+mn-ea"/>
+                <a:cs typeface="+mn-cs"/>
+              </a:defRPr>
+            </a:lvl5pPr>
+            <a:lvl6pPr marL="2514600" indent="-228600" algn="l" defTabSz="914400" rtl="0" eaLnBrk="1" latinLnBrk="1" hangingPunct="1">
+              <a:lnSpc>
+                <a:spcPct val="90000"/>
+              </a:lnSpc>
+              <a:spcBef>
+                <a:spcPts val="500"/>
+              </a:spcBef>
+              <a:buFont typeface="Arial" panose="020B0604020202020204" pitchFamily="34" charset="0"/>
+              <a:buChar char="•"/>
+              <a:defRPr sz="1800" kern="1200">
+                <a:solidFill>
+                  <a:schemeClr val="tx1"/>
+                </a:solidFill>
+                <a:latin typeface="+mn-lt"/>
+                <a:ea typeface="+mn-ea"/>
+                <a:cs typeface="+mn-cs"/>
+              </a:defRPr>
+            </a:lvl6pPr>
+            <a:lvl7pPr marL="2971800" indent="-228600" algn="l" defTabSz="914400" rtl="0" eaLnBrk="1" latinLnBrk="1" hangingPunct="1">
+              <a:lnSpc>
+                <a:spcPct val="90000"/>
+              </a:lnSpc>
+              <a:spcBef>
+                <a:spcPts val="500"/>
+              </a:spcBef>
+              <a:buFont typeface="Arial" panose="020B0604020202020204" pitchFamily="34" charset="0"/>
+              <a:buChar char="•"/>
+              <a:defRPr sz="1800" kern="1200">
+                <a:solidFill>
+                  <a:schemeClr val="tx1"/>
+                </a:solidFill>
+                <a:latin typeface="+mn-lt"/>
+                <a:ea typeface="+mn-ea"/>
+                <a:cs typeface="+mn-cs"/>
+              </a:defRPr>
+            </a:lvl7pPr>
+            <a:lvl8pPr marL="3429000" indent="-228600" algn="l" defTabSz="914400" rtl="0" eaLnBrk="1" latinLnBrk="1" hangingPunct="1">
+              <a:lnSpc>
+                <a:spcPct val="90000"/>
+              </a:lnSpc>
+              <a:spcBef>
+                <a:spcPts val="500"/>
+              </a:spcBef>
+              <a:buFont typeface="Arial" panose="020B0604020202020204" pitchFamily="34" charset="0"/>
+              <a:buChar char="•"/>
+              <a:defRPr sz="1800" kern="1200">
+                <a:solidFill>
+                  <a:schemeClr val="tx1"/>
+                </a:solidFill>
+                <a:latin typeface="+mn-lt"/>
+                <a:ea typeface="+mn-ea"/>
+                <a:cs typeface="+mn-cs"/>
+              </a:defRPr>
+            </a:lvl8pPr>
+            <a:lvl9pPr marL="3886200" indent="-228600" algn="l" defTabSz="914400" rtl="0" eaLnBrk="1" latinLnBrk="1" hangingPunct="1">
+              <a:lnSpc>
+                <a:spcPct val="90000"/>
+              </a:lnSpc>
+              <a:spcBef>
+                <a:spcPts val="500"/>
+              </a:spcBef>
+              <a:buFont typeface="Arial" panose="020B0604020202020204" pitchFamily="34" charset="0"/>
+              <a:buChar char="•"/>
+              <a:defRPr sz="1800" kern="1200">
+                <a:solidFill>
+                  <a:schemeClr val="tx1"/>
+                </a:solidFill>
+                <a:latin typeface="+mn-lt"/>
+                <a:ea typeface="+mn-ea"/>
+                <a:cs typeface="+mn-cs"/>
+              </a:defRPr>
+            </a:lvl9pPr>
+          </a:lstStyle>
+          <a:p>
+            <a:r>
+              <a:rPr lang="ko-KR" altLang="en-US" sz="3200" dirty="0"/>
+              <a:t>데이터 분석</a:t>
+            </a:r>
+          </a:p>
+        </p:txBody>
+      </p:sp>
+      <p:sp>
+        <p:nvSpPr>
+          <p:cNvPr id="46" name="텍스트 개체 틀 11"/>
+          <p:cNvSpPr>
+            <a:spLocks noGrp="1"/>
+          </p:cNvSpPr>
+          <p:nvPr/>
+        </p:nvSpPr>
+        <p:spPr>
+          <a:xfrm>
+            <a:off x="1866900" y="4103142"/>
+            <a:ext cx="1359480" cy="570382"/>
+          </a:xfrm>
+          <a:prstGeom prst="rect">
+            <a:avLst/>
+          </a:prstGeom>
+        </p:spPr>
+        <p:txBody>
+          <a:bodyPr vert="horz" lIns="91440" tIns="45720" rIns="91440" bIns="45720" rtlCol="0" anchor="ctr">
+            <a:noAutofit/>
+          </a:bodyPr>
+          <a:lstStyle>
+            <a:lvl1pPr marL="0" indent="0" algn="r" defTabSz="914400" rtl="0" eaLnBrk="1" latinLnBrk="1" hangingPunct="1">
+              <a:lnSpc>
+                <a:spcPct val="90000"/>
+              </a:lnSpc>
+              <a:spcBef>
+                <a:spcPts val="1000"/>
+              </a:spcBef>
+              <a:buFont typeface="Arial" panose="020B0604020202020204" pitchFamily="34" charset="0"/>
+              <a:buNone/>
+              <a:defRPr sz="2800" b="0" i="0" kern="1200">
+                <a:solidFill>
+                  <a:srgbClr val="8B723C"/>
+                </a:solidFill>
+                <a:latin typeface="210 하얀바람 B" panose="02020603020101020101" pitchFamily="18" charset="-127"/>
+                <a:ea typeface="210 하얀바람 B" panose="02020603020101020101" pitchFamily="18" charset="-127"/>
+                <a:cs typeface="+mn-cs"/>
+              </a:defRPr>
+            </a:lvl1pPr>
+            <a:lvl2pPr marL="457200" indent="0" algn="l" defTabSz="914400" rtl="0" eaLnBrk="1" latinLnBrk="1" hangingPunct="1">
+              <a:lnSpc>
+                <a:spcPct val="90000"/>
+              </a:lnSpc>
+              <a:spcBef>
+                <a:spcPts val="500"/>
+              </a:spcBef>
+              <a:buFont typeface="Arial" panose="020B0604020202020204" pitchFamily="34" charset="0"/>
+              <a:buNone/>
+              <a:defRPr sz="2400" kern="1200">
+                <a:solidFill>
+                  <a:schemeClr val="tx1"/>
+                </a:solidFill>
+                <a:latin typeface="+mn-lt"/>
+                <a:ea typeface="+mn-ea"/>
+                <a:cs typeface="+mn-cs"/>
+              </a:defRPr>
+            </a:lvl2pPr>
+            <a:lvl3pPr marL="914400" indent="0" algn="l" defTabSz="914400" rtl="0" eaLnBrk="1" latinLnBrk="1" hangingPunct="1">
+              <a:lnSpc>
+                <a:spcPct val="90000"/>
+              </a:lnSpc>
+              <a:spcBef>
+                <a:spcPts val="500"/>
+              </a:spcBef>
+              <a:buFont typeface="Arial" panose="020B0604020202020204" pitchFamily="34" charset="0"/>
+              <a:buNone/>
+              <a:defRPr sz="2000" kern="1200">
+                <a:solidFill>
+                  <a:schemeClr val="tx1"/>
+                </a:solidFill>
+                <a:latin typeface="+mn-lt"/>
+                <a:ea typeface="+mn-ea"/>
+                <a:cs typeface="+mn-cs"/>
+              </a:defRPr>
+            </a:lvl3pPr>
+            <a:lvl4pPr marL="1371600" indent="0" algn="l" defTabSz="914400" rtl="0" eaLnBrk="1" latinLnBrk="1" hangingPunct="1">
+              <a:lnSpc>
+                <a:spcPct val="90000"/>
+              </a:lnSpc>
+              <a:spcBef>
+                <a:spcPts val="500"/>
+              </a:spcBef>
+              <a:buFont typeface="Arial" panose="020B0604020202020204" pitchFamily="34" charset="0"/>
+              <a:buNone/>
+              <a:defRPr sz="1800" kern="1200">
+                <a:solidFill>
+                  <a:schemeClr val="tx1"/>
+                </a:solidFill>
+                <a:latin typeface="+mn-lt"/>
+                <a:ea typeface="+mn-ea"/>
+                <a:cs typeface="+mn-cs"/>
+              </a:defRPr>
+            </a:lvl4pPr>
+            <a:lvl5pPr marL="1828800" indent="0" algn="l" defTabSz="914400" rtl="0" eaLnBrk="1" latinLnBrk="1" hangingPunct="1">
+              <a:lnSpc>
+                <a:spcPct val="90000"/>
+              </a:lnSpc>
+              <a:spcBef>
+                <a:spcPts val="500"/>
+              </a:spcBef>
+              <a:buFont typeface="Arial" panose="020B0604020202020204" pitchFamily="34" charset="0"/>
+              <a:buNone/>
+              <a:defRPr sz="1800" kern="1200">
+                <a:solidFill>
+                  <a:schemeClr val="tx1"/>
+                </a:solidFill>
+                <a:latin typeface="+mn-lt"/>
+                <a:ea typeface="+mn-ea"/>
+                <a:cs typeface="+mn-cs"/>
+              </a:defRPr>
+            </a:lvl5pPr>
+            <a:lvl6pPr marL="2514600" indent="-228600" algn="l" defTabSz="914400" rtl="0" eaLnBrk="1" latinLnBrk="1" hangingPunct="1">
+              <a:lnSpc>
+                <a:spcPct val="90000"/>
+              </a:lnSpc>
+              <a:spcBef>
+                <a:spcPts val="500"/>
+              </a:spcBef>
+              <a:buFont typeface="Arial" panose="020B0604020202020204" pitchFamily="34" charset="0"/>
+              <a:buChar char="•"/>
+              <a:defRPr sz="1800" kern="1200">
+                <a:solidFill>
+                  <a:schemeClr val="tx1"/>
+                </a:solidFill>
+                <a:latin typeface="+mn-lt"/>
+                <a:ea typeface="+mn-ea"/>
+                <a:cs typeface="+mn-cs"/>
+              </a:defRPr>
+            </a:lvl6pPr>
+            <a:lvl7pPr marL="2971800" indent="-228600" algn="l" defTabSz="914400" rtl="0" eaLnBrk="1" latinLnBrk="1" hangingPunct="1">
+              <a:lnSpc>
+                <a:spcPct val="90000"/>
+              </a:lnSpc>
+              <a:spcBef>
+                <a:spcPts val="500"/>
+              </a:spcBef>
+              <a:buFont typeface="Arial" panose="020B0604020202020204" pitchFamily="34" charset="0"/>
+              <a:buChar char="•"/>
+              <a:defRPr sz="1800" kern="1200">
+                <a:solidFill>
+                  <a:schemeClr val="tx1"/>
+                </a:solidFill>
+                <a:latin typeface="+mn-lt"/>
+                <a:ea typeface="+mn-ea"/>
+                <a:cs typeface="+mn-cs"/>
+              </a:defRPr>
+            </a:lvl7pPr>
+            <a:lvl8pPr marL="3429000" indent="-228600" algn="l" defTabSz="914400" rtl="0" eaLnBrk="1" latinLnBrk="1" hangingPunct="1">
+              <a:lnSpc>
+                <a:spcPct val="90000"/>
+              </a:lnSpc>
+              <a:spcBef>
+                <a:spcPts val="500"/>
+              </a:spcBef>
+              <a:buFont typeface="Arial" panose="020B0604020202020204" pitchFamily="34" charset="0"/>
+              <a:buChar char="•"/>
+              <a:defRPr sz="1800" kern="1200">
+                <a:solidFill>
+                  <a:schemeClr val="tx1"/>
+                </a:solidFill>
+                <a:latin typeface="+mn-lt"/>
+                <a:ea typeface="+mn-ea"/>
+                <a:cs typeface="+mn-cs"/>
+              </a:defRPr>
+            </a:lvl8pPr>
+            <a:lvl9pPr marL="3886200" indent="-228600" algn="l" defTabSz="914400" rtl="0" eaLnBrk="1" latinLnBrk="1" hangingPunct="1">
+              <a:lnSpc>
+                <a:spcPct val="90000"/>
+              </a:lnSpc>
+              <a:spcBef>
+                <a:spcPts val="500"/>
+              </a:spcBef>
+              <a:buFont typeface="Arial" panose="020B0604020202020204" pitchFamily="34" charset="0"/>
+              <a:buChar char="•"/>
+              <a:defRPr sz="1800" kern="1200">
+                <a:solidFill>
+                  <a:schemeClr val="tx1"/>
+                </a:solidFill>
+                <a:latin typeface="+mn-lt"/>
+                <a:ea typeface="+mn-ea"/>
+                <a:cs typeface="+mn-cs"/>
+              </a:defRPr>
+            </a:lvl9pPr>
+          </a:lstStyle>
+          <a:p>
+            <a:r>
+              <a:rPr lang="en-US" altLang="ko-KR" sz="3200" dirty="0"/>
+              <a:t>model</a:t>
+            </a:r>
+            <a:endParaRPr lang="ko-KR" altLang="en-US" sz="3200" dirty="0"/>
+          </a:p>
+        </p:txBody>
+      </p:sp>
+      <p:sp>
+        <p:nvSpPr>
+          <p:cNvPr id="47" name="텍스트 개체 틀 12"/>
+          <p:cNvSpPr>
+            <a:spLocks noGrp="1"/>
+          </p:cNvSpPr>
+          <p:nvPr/>
+        </p:nvSpPr>
+        <p:spPr>
+          <a:xfrm>
+            <a:off x="1780316" y="2333406"/>
+            <a:ext cx="1021102" cy="570382"/>
+          </a:xfrm>
+          <a:prstGeom prst="rect">
+            <a:avLst/>
+          </a:prstGeom>
+        </p:spPr>
+        <p:txBody>
+          <a:bodyPr vert="horz" lIns="91440" tIns="45720" rIns="91440" bIns="45720" rtlCol="0" anchor="ctr">
+            <a:noAutofit/>
+          </a:bodyPr>
+          <a:lstStyle>
+            <a:lvl1pPr marL="0" indent="0" algn="r" defTabSz="914400" rtl="0" eaLnBrk="1" latinLnBrk="1" hangingPunct="1">
+              <a:lnSpc>
+                <a:spcPct val="90000"/>
+              </a:lnSpc>
+              <a:spcBef>
+                <a:spcPts val="1000"/>
+              </a:spcBef>
+              <a:buFont typeface="Arial" panose="020B0604020202020204" pitchFamily="34" charset="0"/>
+              <a:buNone/>
+              <a:defRPr sz="2800" b="0" i="0" kern="1200">
+                <a:solidFill>
+                  <a:srgbClr val="8B723C"/>
+                </a:solidFill>
+                <a:latin typeface="210 하얀바람 B" panose="02020603020101020101" pitchFamily="18" charset="-127"/>
+                <a:ea typeface="210 하얀바람 B" panose="02020603020101020101" pitchFamily="18" charset="-127"/>
+                <a:cs typeface="+mn-cs"/>
+              </a:defRPr>
+            </a:lvl1pPr>
+            <a:lvl2pPr marL="457200" indent="0" algn="l" defTabSz="914400" rtl="0" eaLnBrk="1" latinLnBrk="1" hangingPunct="1">
+              <a:lnSpc>
+                <a:spcPct val="90000"/>
+              </a:lnSpc>
+              <a:spcBef>
+                <a:spcPts val="500"/>
+              </a:spcBef>
+              <a:buFont typeface="Arial" panose="020B0604020202020204" pitchFamily="34" charset="0"/>
+              <a:buNone/>
+              <a:defRPr sz="2400" kern="1200">
+                <a:solidFill>
+                  <a:schemeClr val="tx1"/>
+                </a:solidFill>
+                <a:latin typeface="+mn-lt"/>
+                <a:ea typeface="+mn-ea"/>
+                <a:cs typeface="+mn-cs"/>
+              </a:defRPr>
+            </a:lvl2pPr>
+            <a:lvl3pPr marL="914400" indent="0" algn="l" defTabSz="914400" rtl="0" eaLnBrk="1" latinLnBrk="1" hangingPunct="1">
+              <a:lnSpc>
+                <a:spcPct val="90000"/>
+              </a:lnSpc>
+              <a:spcBef>
+                <a:spcPts val="500"/>
+              </a:spcBef>
+              <a:buFont typeface="Arial" panose="020B0604020202020204" pitchFamily="34" charset="0"/>
+              <a:buNone/>
+              <a:defRPr sz="2000" kern="1200">
+                <a:solidFill>
+                  <a:schemeClr val="tx1"/>
+                </a:solidFill>
+                <a:latin typeface="+mn-lt"/>
+                <a:ea typeface="+mn-ea"/>
+                <a:cs typeface="+mn-cs"/>
+              </a:defRPr>
+            </a:lvl3pPr>
+            <a:lvl4pPr marL="1371600" indent="0" algn="l" defTabSz="914400" rtl="0" eaLnBrk="1" latinLnBrk="1" hangingPunct="1">
+              <a:lnSpc>
+                <a:spcPct val="90000"/>
+              </a:lnSpc>
+              <a:spcBef>
+                <a:spcPts val="500"/>
+              </a:spcBef>
+              <a:buFont typeface="Arial" panose="020B0604020202020204" pitchFamily="34" charset="0"/>
+              <a:buNone/>
+              <a:defRPr sz="1800" kern="1200">
+                <a:solidFill>
+                  <a:schemeClr val="tx1"/>
+                </a:solidFill>
+                <a:latin typeface="+mn-lt"/>
+                <a:ea typeface="+mn-ea"/>
+                <a:cs typeface="+mn-cs"/>
+              </a:defRPr>
+            </a:lvl4pPr>
+            <a:lvl5pPr marL="1828800" indent="0" algn="l" defTabSz="914400" rtl="0" eaLnBrk="1" latinLnBrk="1" hangingPunct="1">
+              <a:lnSpc>
+                <a:spcPct val="90000"/>
+              </a:lnSpc>
+              <a:spcBef>
+                <a:spcPts val="500"/>
+              </a:spcBef>
+              <a:buFont typeface="Arial" panose="020B0604020202020204" pitchFamily="34" charset="0"/>
+              <a:buNone/>
+              <a:defRPr sz="1800" kern="1200">
+                <a:solidFill>
+                  <a:schemeClr val="tx1"/>
+                </a:solidFill>
+                <a:latin typeface="+mn-lt"/>
+                <a:ea typeface="+mn-ea"/>
+                <a:cs typeface="+mn-cs"/>
+              </a:defRPr>
+            </a:lvl5pPr>
+            <a:lvl6pPr marL="2514600" indent="-228600" algn="l" defTabSz="914400" rtl="0" eaLnBrk="1" latinLnBrk="1" hangingPunct="1">
+              <a:lnSpc>
+                <a:spcPct val="90000"/>
+              </a:lnSpc>
+              <a:spcBef>
+                <a:spcPts val="500"/>
+              </a:spcBef>
+              <a:buFont typeface="Arial" panose="020B0604020202020204" pitchFamily="34" charset="0"/>
+              <a:buChar char="•"/>
+              <a:defRPr sz="1800" kern="1200">
+                <a:solidFill>
+                  <a:schemeClr val="tx1"/>
+                </a:solidFill>
+                <a:latin typeface="+mn-lt"/>
+                <a:ea typeface="+mn-ea"/>
+                <a:cs typeface="+mn-cs"/>
+              </a:defRPr>
+            </a:lvl6pPr>
+            <a:lvl7pPr marL="2971800" indent="-228600" algn="l" defTabSz="914400" rtl="0" eaLnBrk="1" latinLnBrk="1" hangingPunct="1">
+              <a:lnSpc>
+                <a:spcPct val="90000"/>
+              </a:lnSpc>
+              <a:spcBef>
+                <a:spcPts val="500"/>
+              </a:spcBef>
+              <a:buFont typeface="Arial" panose="020B0604020202020204" pitchFamily="34" charset="0"/>
+              <a:buChar char="•"/>
+              <a:defRPr sz="1800" kern="1200">
+                <a:solidFill>
+                  <a:schemeClr val="tx1"/>
+                </a:solidFill>
+                <a:latin typeface="+mn-lt"/>
+                <a:ea typeface="+mn-ea"/>
+                <a:cs typeface="+mn-cs"/>
+              </a:defRPr>
+            </a:lvl7pPr>
+            <a:lvl8pPr marL="3429000" indent="-228600" algn="l" defTabSz="914400" rtl="0" eaLnBrk="1" latinLnBrk="1" hangingPunct="1">
+              <a:lnSpc>
+                <a:spcPct val="90000"/>
+              </a:lnSpc>
+              <a:spcBef>
+                <a:spcPts val="500"/>
+              </a:spcBef>
+              <a:buFont typeface="Arial" panose="020B0604020202020204" pitchFamily="34" charset="0"/>
+              <a:buChar char="•"/>
+              <a:defRPr sz="1800" kern="1200">
+                <a:solidFill>
+                  <a:schemeClr val="tx1"/>
+                </a:solidFill>
+                <a:latin typeface="+mn-lt"/>
+                <a:ea typeface="+mn-ea"/>
+                <a:cs typeface="+mn-cs"/>
+              </a:defRPr>
+            </a:lvl8pPr>
+            <a:lvl9pPr marL="3886200" indent="-228600" algn="l" defTabSz="914400" rtl="0" eaLnBrk="1" latinLnBrk="1" hangingPunct="1">
+              <a:lnSpc>
+                <a:spcPct val="90000"/>
+              </a:lnSpc>
+              <a:spcBef>
+                <a:spcPts val="500"/>
+              </a:spcBef>
+              <a:buFont typeface="Arial" panose="020B0604020202020204" pitchFamily="34" charset="0"/>
+              <a:buChar char="•"/>
+              <a:defRPr sz="1800" kern="1200">
+                <a:solidFill>
+                  <a:schemeClr val="tx1"/>
+                </a:solidFill>
+                <a:latin typeface="+mn-lt"/>
+                <a:ea typeface="+mn-ea"/>
+                <a:cs typeface="+mn-cs"/>
+              </a:defRPr>
+            </a:lvl9pPr>
+          </a:lstStyle>
+          <a:p>
+            <a:r>
+              <a:rPr lang="ko-KR" altLang="en-US" sz="3200" dirty="0"/>
+              <a:t>문제현황</a:t>
+            </a:r>
+          </a:p>
+        </p:txBody>
+      </p:sp>
+    </p:spTree>
+    <p:extLst>
+      <p:ext uri="{BB962C8B-B14F-4D97-AF65-F5344CB8AC3E}">
+        <p14:creationId xmlns:p14="http://schemas.microsoft.com/office/powerpoint/2010/main" val="284353440"/>
+      </p:ext>
+    </p:extLst>
+  </p:cSld>
+  <p:clrMapOvr>
+    <a:masterClrMapping/>
+  </p:clrMapOvr>
+  <mc:AlternateContent xmlns:mc="http://schemas.openxmlformats.org/markup-compatibility/2006">
+    <mc:Choice xmlns:p14="http://schemas.microsoft.com/office/powerpoint/2010/main" Requires="p14">
+      <p:transition spd="med" p14:dur="700">
+        <p:fade/>
+      </p:transition>
+    </mc:Choice>
+    <mc:Fallback>
+      <p:transition spd="med">
+        <p:fade/>
+      </p:transition>
+    </mc:Fallback>
+  </mc:AlternateContent>
+</p:sld>
+</file>
+
+<file path=ppt/slides/slide4.xml><?xml version="1.0" encoding="utf-8"?>
+<p:sld xmlns:a="http://schemas.openxmlformats.org/drawingml/2006/main" xmlns:r="http://schemas.openxmlformats.org/officeDocument/2006/relationships" xmlns:p="http://schemas.openxmlformats.org/presentationml/2006/main" show="0">
+  <p:cSld>
+    <p:spTree>
+      <p:nvGrpSpPr>
+        <p:cNvPr id="1" name=""/>
+        <p:cNvGrpSpPr/>
+        <p:nvPr/>
+      </p:nvGrpSpPr>
+      <p:grpSpPr>
+        <a:xfrm>
+          <a:off x="0" y="0"/>
+          <a:ext cx="0" cy="0"/>
+          <a:chOff x="0" y="0"/>
+          <a:chExt cx="0" cy="0"/>
+        </a:xfrm>
+      </p:grpSpPr>
+      <p:sp>
+        <p:nvSpPr>
+          <p:cNvPr id="22" name="제목 1"/>
+          <p:cNvSpPr>
+            <a:spLocks noGrp="1"/>
+          </p:cNvSpPr>
+          <p:nvPr>
+            <p:ph type="title"/>
+          </p:nvPr>
+        </p:nvSpPr>
+        <p:spPr>
+          <a:xfrm>
+            <a:off x="977900" y="330201"/>
+            <a:ext cx="2349500" cy="571500"/>
+          </a:xfrm>
+        </p:spPr>
+        <p:txBody>
+          <a:bodyPr/>
+          <a:lstStyle/>
+          <a:p>
+            <a:r>
+              <a:rPr lang="en-US" altLang="ko-KR" dirty="0"/>
+              <a:t>Index</a:t>
+            </a:r>
+            <a:endParaRPr lang="ko-KR" altLang="en-US" dirty="0"/>
+          </a:p>
+        </p:txBody>
+      </p:sp>
+      <p:sp>
+        <p:nvSpPr>
+          <p:cNvPr id="40" name="텍스트 개체 틀 5"/>
+          <p:cNvSpPr>
+            <a:spLocks noGrp="1"/>
+          </p:cNvSpPr>
+          <p:nvPr/>
+        </p:nvSpPr>
+        <p:spPr>
+          <a:xfrm>
+            <a:off x="6127103" y="1537651"/>
+            <a:ext cx="2798663" cy="981378"/>
+          </a:xfrm>
+          <a:prstGeom prst="rect">
+            <a:avLst/>
+          </a:prstGeom>
+        </p:spPr>
+        <p:txBody>
+          <a:bodyPr vert="horz" lIns="91440" tIns="45720" rIns="91440" bIns="45720" rtlCol="0">
+            <a:normAutofit/>
+          </a:bodyPr>
+          <a:lstStyle>
+            <a:lvl1pPr marL="0" indent="0" algn="l" defTabSz="914400" rtl="0" eaLnBrk="1" latinLnBrk="1" hangingPunct="1">
+              <a:lnSpc>
+                <a:spcPct val="90000"/>
+              </a:lnSpc>
+              <a:spcBef>
+                <a:spcPts val="1000"/>
+              </a:spcBef>
+              <a:buFont typeface="Arial" panose="020B0604020202020204" pitchFamily="34" charset="0"/>
+              <a:buNone/>
+              <a:defRPr sz="1200" b="1" i="0" kern="1200">
+                <a:solidFill>
+                  <a:srgbClr val="8B723C"/>
+                </a:solidFill>
+                <a:latin typeface="나눔고딕" panose="020D0604000000000000" pitchFamily="50" charset="-127"/>
+                <a:ea typeface="나눔고딕" panose="020D0604000000000000" pitchFamily="50" charset="-127"/>
+                <a:cs typeface="+mn-cs"/>
+              </a:defRPr>
+            </a:lvl1pPr>
+            <a:lvl2pPr marL="457200" indent="0" algn="l" defTabSz="914400" rtl="0" eaLnBrk="1" latinLnBrk="1" hangingPunct="1">
+              <a:lnSpc>
+                <a:spcPct val="90000"/>
+              </a:lnSpc>
+              <a:spcBef>
+                <a:spcPts val="500"/>
+              </a:spcBef>
+              <a:buFont typeface="Arial" panose="020B0604020202020204" pitchFamily="34" charset="0"/>
+              <a:buNone/>
+              <a:defRPr sz="2400" kern="1200">
+                <a:solidFill>
+                  <a:schemeClr val="tx1"/>
+                </a:solidFill>
+                <a:latin typeface="+mn-lt"/>
+                <a:ea typeface="+mn-ea"/>
+                <a:cs typeface="+mn-cs"/>
+              </a:defRPr>
+            </a:lvl2pPr>
+            <a:lvl3pPr marL="914400" indent="0" algn="l" defTabSz="914400" rtl="0" eaLnBrk="1" latinLnBrk="1" hangingPunct="1">
+              <a:lnSpc>
+                <a:spcPct val="90000"/>
+              </a:lnSpc>
+              <a:spcBef>
+                <a:spcPts val="500"/>
+              </a:spcBef>
+              <a:buFont typeface="Arial" panose="020B0604020202020204" pitchFamily="34" charset="0"/>
+              <a:buNone/>
+              <a:defRPr sz="2000" kern="1200">
+                <a:solidFill>
+                  <a:schemeClr val="tx1"/>
+                </a:solidFill>
+                <a:latin typeface="+mn-lt"/>
+                <a:ea typeface="+mn-ea"/>
+                <a:cs typeface="+mn-cs"/>
+              </a:defRPr>
+            </a:lvl3pPr>
+            <a:lvl4pPr marL="1371600" indent="0" algn="l" defTabSz="914400" rtl="0" eaLnBrk="1" latinLnBrk="1" hangingPunct="1">
+              <a:lnSpc>
+                <a:spcPct val="90000"/>
+              </a:lnSpc>
+              <a:spcBef>
+                <a:spcPts val="500"/>
+              </a:spcBef>
+              <a:buFont typeface="Arial" panose="020B0604020202020204" pitchFamily="34" charset="0"/>
+              <a:buNone/>
+              <a:defRPr sz="1800" kern="1200">
+                <a:solidFill>
+                  <a:schemeClr val="tx1"/>
+                </a:solidFill>
+                <a:latin typeface="+mn-lt"/>
+                <a:ea typeface="+mn-ea"/>
+                <a:cs typeface="+mn-cs"/>
+              </a:defRPr>
+            </a:lvl4pPr>
+            <a:lvl5pPr marL="1828800" indent="0" algn="l" defTabSz="914400" rtl="0" eaLnBrk="1" latinLnBrk="1" hangingPunct="1">
+              <a:lnSpc>
+                <a:spcPct val="90000"/>
+              </a:lnSpc>
+              <a:spcBef>
+                <a:spcPts val="500"/>
+              </a:spcBef>
+              <a:buFont typeface="Arial" panose="020B0604020202020204" pitchFamily="34" charset="0"/>
+              <a:buNone/>
+              <a:defRPr sz="1800" kern="1200">
+                <a:solidFill>
+                  <a:schemeClr val="tx1"/>
+                </a:solidFill>
+                <a:latin typeface="+mn-lt"/>
+                <a:ea typeface="+mn-ea"/>
+                <a:cs typeface="+mn-cs"/>
+              </a:defRPr>
+            </a:lvl5pPr>
+            <a:lvl6pPr marL="2514600" indent="-228600" algn="l" defTabSz="914400" rtl="0" eaLnBrk="1" latinLnBrk="1" hangingPunct="1">
+              <a:lnSpc>
+                <a:spcPct val="90000"/>
+              </a:lnSpc>
+              <a:spcBef>
+                <a:spcPts val="500"/>
+              </a:spcBef>
+              <a:buFont typeface="Arial" panose="020B0604020202020204" pitchFamily="34" charset="0"/>
+              <a:buChar char="•"/>
+              <a:defRPr sz="1800" kern="1200">
+                <a:solidFill>
+                  <a:schemeClr val="tx1"/>
+                </a:solidFill>
+                <a:latin typeface="+mn-lt"/>
+                <a:ea typeface="+mn-ea"/>
+                <a:cs typeface="+mn-cs"/>
+              </a:defRPr>
+            </a:lvl6pPr>
+            <a:lvl7pPr marL="2971800" indent="-228600" algn="l" defTabSz="914400" rtl="0" eaLnBrk="1" latinLnBrk="1" hangingPunct="1">
+              <a:lnSpc>
+                <a:spcPct val="90000"/>
+              </a:lnSpc>
+              <a:spcBef>
+                <a:spcPts val="500"/>
+              </a:spcBef>
+              <a:buFont typeface="Arial" panose="020B0604020202020204" pitchFamily="34" charset="0"/>
+              <a:buChar char="•"/>
+              <a:defRPr sz="1800" kern="1200">
+                <a:solidFill>
+                  <a:schemeClr val="tx1"/>
+                </a:solidFill>
+                <a:latin typeface="+mn-lt"/>
+                <a:ea typeface="+mn-ea"/>
+                <a:cs typeface="+mn-cs"/>
+              </a:defRPr>
+            </a:lvl7pPr>
+            <a:lvl8pPr marL="3429000" indent="-228600" algn="l" defTabSz="914400" rtl="0" eaLnBrk="1" latinLnBrk="1" hangingPunct="1">
+              <a:lnSpc>
+                <a:spcPct val="90000"/>
+              </a:lnSpc>
+              <a:spcBef>
+                <a:spcPts val="500"/>
+              </a:spcBef>
+              <a:buFont typeface="Arial" panose="020B0604020202020204" pitchFamily="34" charset="0"/>
+              <a:buChar char="•"/>
+              <a:defRPr sz="1800" kern="1200">
+                <a:solidFill>
+                  <a:schemeClr val="tx1"/>
+                </a:solidFill>
+                <a:latin typeface="+mn-lt"/>
+                <a:ea typeface="+mn-ea"/>
+                <a:cs typeface="+mn-cs"/>
+              </a:defRPr>
+            </a:lvl8pPr>
+            <a:lvl9pPr marL="3886200" indent="-228600" algn="l" defTabSz="914400" rtl="0" eaLnBrk="1" latinLnBrk="1" hangingPunct="1">
+              <a:lnSpc>
+                <a:spcPct val="90000"/>
+              </a:lnSpc>
+              <a:spcBef>
+                <a:spcPts val="500"/>
+              </a:spcBef>
+              <a:buFont typeface="Arial" panose="020B0604020202020204" pitchFamily="34" charset="0"/>
+              <a:buChar char="•"/>
+              <a:defRPr sz="1800" kern="1200">
+                <a:solidFill>
+                  <a:schemeClr val="tx1"/>
+                </a:solidFill>
+                <a:latin typeface="+mn-lt"/>
+                <a:ea typeface="+mn-ea"/>
+                <a:cs typeface="+mn-cs"/>
+              </a:defRPr>
+            </a:lvl9pPr>
+          </a:lstStyle>
+          <a:p>
+            <a:r>
+              <a:rPr lang="ko-KR" altLang="en-US" dirty="0"/>
+              <a:t>제주 쓰레기 양</a:t>
+            </a:r>
+            <a:endParaRPr lang="en-US" altLang="ko-KR" dirty="0"/>
+          </a:p>
+          <a:p>
+            <a:r>
+              <a:rPr lang="ko-KR" altLang="en-US" dirty="0"/>
+              <a:t>읍</a:t>
+            </a:r>
+            <a:r>
+              <a:rPr lang="en-US" altLang="ko-KR" dirty="0"/>
+              <a:t>,</a:t>
+            </a:r>
+            <a:r>
+              <a:rPr lang="ko-KR" altLang="en-US" dirty="0"/>
+              <a:t>면</a:t>
+            </a:r>
+            <a:r>
+              <a:rPr lang="en-US" altLang="ko-KR" dirty="0"/>
+              <a:t>,</a:t>
+            </a:r>
+            <a:r>
+              <a:rPr lang="ko-KR" altLang="en-US" dirty="0"/>
+              <a:t>동 별 군집화</a:t>
+            </a:r>
+          </a:p>
+        </p:txBody>
+      </p:sp>
+      <p:sp>
+        <p:nvSpPr>
+          <p:cNvPr id="41" name="텍스트 개체 틀 6"/>
+          <p:cNvSpPr>
+            <a:spLocks noGrp="1"/>
+          </p:cNvSpPr>
+          <p:nvPr/>
+        </p:nvSpPr>
+        <p:spPr>
+          <a:xfrm>
+            <a:off x="3146306" y="3890243"/>
+            <a:ext cx="2902802" cy="996179"/>
+          </a:xfrm>
+          <a:prstGeom prst="rect">
+            <a:avLst/>
+          </a:prstGeom>
+        </p:spPr>
+        <p:txBody>
+          <a:bodyPr vert="horz" lIns="91440" tIns="45720" rIns="91440" bIns="45720" rtlCol="0">
+            <a:normAutofit/>
+          </a:bodyPr>
+          <a:lstStyle>
+            <a:lvl1pPr marL="0" indent="0" algn="r" defTabSz="914400" rtl="0" eaLnBrk="1" latinLnBrk="1" hangingPunct="1">
+              <a:lnSpc>
+                <a:spcPct val="90000"/>
+              </a:lnSpc>
+              <a:spcBef>
+                <a:spcPts val="1000"/>
+              </a:spcBef>
+              <a:buFont typeface="Arial" panose="020B0604020202020204" pitchFamily="34" charset="0"/>
+              <a:buNone/>
+              <a:defRPr sz="1200" b="1" i="0" kern="1200">
+                <a:solidFill>
+                  <a:srgbClr val="8B723C"/>
+                </a:solidFill>
+                <a:latin typeface="나눔고딕" panose="020D0604000000000000" pitchFamily="50" charset="-127"/>
+                <a:ea typeface="나눔고딕" panose="020D0604000000000000" pitchFamily="50" charset="-127"/>
+                <a:cs typeface="+mn-cs"/>
+              </a:defRPr>
+            </a:lvl1pPr>
+            <a:lvl2pPr marL="457200" indent="0" algn="l" defTabSz="914400" rtl="0" eaLnBrk="1" latinLnBrk="1" hangingPunct="1">
+              <a:lnSpc>
+                <a:spcPct val="90000"/>
+              </a:lnSpc>
+              <a:spcBef>
+                <a:spcPts val="500"/>
+              </a:spcBef>
+              <a:buFont typeface="Arial" panose="020B0604020202020204" pitchFamily="34" charset="0"/>
+              <a:buNone/>
+              <a:defRPr sz="2400" kern="1200">
+                <a:solidFill>
+                  <a:schemeClr val="tx1"/>
+                </a:solidFill>
+                <a:latin typeface="+mn-lt"/>
+                <a:ea typeface="+mn-ea"/>
+                <a:cs typeface="+mn-cs"/>
+              </a:defRPr>
+            </a:lvl2pPr>
+            <a:lvl3pPr marL="914400" indent="0" algn="l" defTabSz="914400" rtl="0" eaLnBrk="1" latinLnBrk="1" hangingPunct="1">
+              <a:lnSpc>
+                <a:spcPct val="90000"/>
+              </a:lnSpc>
+              <a:spcBef>
+                <a:spcPts val="500"/>
+              </a:spcBef>
+              <a:buFont typeface="Arial" panose="020B0604020202020204" pitchFamily="34" charset="0"/>
+              <a:buNone/>
+              <a:defRPr sz="2000" kern="1200">
+                <a:solidFill>
+                  <a:schemeClr val="tx1"/>
+                </a:solidFill>
+                <a:latin typeface="+mn-lt"/>
+                <a:ea typeface="+mn-ea"/>
+                <a:cs typeface="+mn-cs"/>
+              </a:defRPr>
+            </a:lvl3pPr>
+            <a:lvl4pPr marL="1371600" indent="0" algn="l" defTabSz="914400" rtl="0" eaLnBrk="1" latinLnBrk="1" hangingPunct="1">
+              <a:lnSpc>
+                <a:spcPct val="90000"/>
+              </a:lnSpc>
+              <a:spcBef>
+                <a:spcPts val="500"/>
+              </a:spcBef>
+              <a:buFont typeface="Arial" panose="020B0604020202020204" pitchFamily="34" charset="0"/>
+              <a:buNone/>
+              <a:defRPr sz="1800" kern="1200">
+                <a:solidFill>
+                  <a:schemeClr val="tx1"/>
+                </a:solidFill>
+                <a:latin typeface="+mn-lt"/>
+                <a:ea typeface="+mn-ea"/>
+                <a:cs typeface="+mn-cs"/>
+              </a:defRPr>
+            </a:lvl4pPr>
+            <a:lvl5pPr marL="1828800" indent="0" algn="l" defTabSz="914400" rtl="0" eaLnBrk="1" latinLnBrk="1" hangingPunct="1">
+              <a:lnSpc>
+                <a:spcPct val="90000"/>
+              </a:lnSpc>
+              <a:spcBef>
+                <a:spcPts val="500"/>
+              </a:spcBef>
+              <a:buFont typeface="Arial" panose="020B0604020202020204" pitchFamily="34" charset="0"/>
+              <a:buNone/>
+              <a:defRPr sz="1800" kern="1200">
+                <a:solidFill>
+                  <a:schemeClr val="tx1"/>
+                </a:solidFill>
+                <a:latin typeface="+mn-lt"/>
+                <a:ea typeface="+mn-ea"/>
+                <a:cs typeface="+mn-cs"/>
+              </a:defRPr>
+            </a:lvl5pPr>
+            <a:lvl6pPr marL="2514600" indent="-228600" algn="l" defTabSz="914400" rtl="0" eaLnBrk="1" latinLnBrk="1" hangingPunct="1">
+              <a:lnSpc>
+                <a:spcPct val="90000"/>
+              </a:lnSpc>
+              <a:spcBef>
+                <a:spcPts val="500"/>
+              </a:spcBef>
+              <a:buFont typeface="Arial" panose="020B0604020202020204" pitchFamily="34" charset="0"/>
+              <a:buChar char="•"/>
+              <a:defRPr sz="1800" kern="1200">
+                <a:solidFill>
+                  <a:schemeClr val="tx1"/>
+                </a:solidFill>
+                <a:latin typeface="+mn-lt"/>
+                <a:ea typeface="+mn-ea"/>
+                <a:cs typeface="+mn-cs"/>
+              </a:defRPr>
+            </a:lvl6pPr>
+            <a:lvl7pPr marL="2971800" indent="-228600" algn="l" defTabSz="914400" rtl="0" eaLnBrk="1" latinLnBrk="1" hangingPunct="1">
+              <a:lnSpc>
+                <a:spcPct val="90000"/>
+              </a:lnSpc>
+              <a:spcBef>
+                <a:spcPts val="500"/>
+              </a:spcBef>
+              <a:buFont typeface="Arial" panose="020B0604020202020204" pitchFamily="34" charset="0"/>
+              <a:buChar char="•"/>
+              <a:defRPr sz="1800" kern="1200">
+                <a:solidFill>
+                  <a:schemeClr val="tx1"/>
+                </a:solidFill>
+                <a:latin typeface="+mn-lt"/>
+                <a:ea typeface="+mn-ea"/>
+                <a:cs typeface="+mn-cs"/>
+              </a:defRPr>
+            </a:lvl7pPr>
+            <a:lvl8pPr marL="3429000" indent="-228600" algn="l" defTabSz="914400" rtl="0" eaLnBrk="1" latinLnBrk="1" hangingPunct="1">
+              <a:lnSpc>
+                <a:spcPct val="90000"/>
+              </a:lnSpc>
+              <a:spcBef>
+                <a:spcPts val="500"/>
+              </a:spcBef>
+              <a:buFont typeface="Arial" panose="020B0604020202020204" pitchFamily="34" charset="0"/>
+              <a:buChar char="•"/>
+              <a:defRPr sz="1800" kern="1200">
+                <a:solidFill>
+                  <a:schemeClr val="tx1"/>
+                </a:solidFill>
+                <a:latin typeface="+mn-lt"/>
+                <a:ea typeface="+mn-ea"/>
+                <a:cs typeface="+mn-cs"/>
+              </a:defRPr>
+            </a:lvl8pPr>
+            <a:lvl9pPr marL="3886200" indent="-228600" algn="l" defTabSz="914400" rtl="0" eaLnBrk="1" latinLnBrk="1" hangingPunct="1">
+              <a:lnSpc>
+                <a:spcPct val="90000"/>
+              </a:lnSpc>
+              <a:spcBef>
+                <a:spcPts val="500"/>
+              </a:spcBef>
+              <a:buFont typeface="Arial" panose="020B0604020202020204" pitchFamily="34" charset="0"/>
+              <a:buChar char="•"/>
+              <a:defRPr sz="1800" kern="1200">
+                <a:solidFill>
+                  <a:schemeClr val="tx1"/>
+                </a:solidFill>
+                <a:latin typeface="+mn-lt"/>
+                <a:ea typeface="+mn-ea"/>
+                <a:cs typeface="+mn-cs"/>
+              </a:defRPr>
+            </a:lvl9pPr>
+          </a:lstStyle>
+          <a:p>
+            <a:r>
+              <a:rPr lang="ko-KR" altLang="en-US" dirty="0"/>
+              <a:t>내용을 입력하세요 내용을 입력하세요</a:t>
+            </a:r>
+          </a:p>
+          <a:p>
+            <a:r>
+              <a:rPr lang="ko-KR" altLang="en-US" dirty="0"/>
+              <a:t>내용을 입력하세요 내용을 입력하세요</a:t>
+            </a:r>
+          </a:p>
+          <a:p>
+            <a:r>
+              <a:rPr lang="ko-KR" altLang="en-US" dirty="0"/>
+              <a:t>내용을 입력하세요 내용을 입력하세요</a:t>
+            </a:r>
+          </a:p>
+          <a:p>
+            <a:endParaRPr lang="ko-KR" altLang="en-US" dirty="0"/>
+          </a:p>
+        </p:txBody>
+      </p:sp>
+      <p:sp>
+        <p:nvSpPr>
+          <p:cNvPr id="42" name="텍스트 개체 틀 7"/>
+          <p:cNvSpPr>
+            <a:spLocks noGrp="1"/>
+          </p:cNvSpPr>
+          <p:nvPr/>
+        </p:nvSpPr>
+        <p:spPr>
+          <a:xfrm>
+            <a:off x="2801418" y="2120507"/>
+            <a:ext cx="2902802" cy="996179"/>
+          </a:xfrm>
+          <a:prstGeom prst="rect">
+            <a:avLst/>
+          </a:prstGeom>
+        </p:spPr>
+        <p:txBody>
+          <a:bodyPr vert="horz" lIns="91440" tIns="45720" rIns="91440" bIns="45720" rtlCol="0">
+            <a:normAutofit/>
+          </a:bodyPr>
+          <a:lstStyle>
+            <a:lvl1pPr marL="0" indent="0" algn="r" defTabSz="914400" rtl="0" eaLnBrk="1" latinLnBrk="1" hangingPunct="1">
+              <a:lnSpc>
+                <a:spcPct val="90000"/>
+              </a:lnSpc>
+              <a:spcBef>
+                <a:spcPts val="1000"/>
+              </a:spcBef>
+              <a:buFont typeface="Arial" panose="020B0604020202020204" pitchFamily="34" charset="0"/>
+              <a:buNone/>
+              <a:defRPr sz="1200" b="1" i="0" kern="1200">
+                <a:solidFill>
+                  <a:srgbClr val="8B723C"/>
+                </a:solidFill>
+                <a:latin typeface="나눔고딕" panose="020D0604000000000000" pitchFamily="50" charset="-127"/>
+                <a:ea typeface="나눔고딕" panose="020D0604000000000000" pitchFamily="50" charset="-127"/>
+                <a:cs typeface="+mn-cs"/>
+              </a:defRPr>
+            </a:lvl1pPr>
+            <a:lvl2pPr marL="457200" indent="0" algn="l" defTabSz="914400" rtl="0" eaLnBrk="1" latinLnBrk="1" hangingPunct="1">
+              <a:lnSpc>
+                <a:spcPct val="90000"/>
+              </a:lnSpc>
+              <a:spcBef>
+                <a:spcPts val="500"/>
+              </a:spcBef>
+              <a:buFont typeface="Arial" panose="020B0604020202020204" pitchFamily="34" charset="0"/>
+              <a:buNone/>
+              <a:defRPr sz="2400" kern="1200">
+                <a:solidFill>
+                  <a:schemeClr val="tx1"/>
+                </a:solidFill>
+                <a:latin typeface="+mn-lt"/>
+                <a:ea typeface="+mn-ea"/>
+                <a:cs typeface="+mn-cs"/>
+              </a:defRPr>
+            </a:lvl2pPr>
+            <a:lvl3pPr marL="914400" indent="0" algn="l" defTabSz="914400" rtl="0" eaLnBrk="1" latinLnBrk="1" hangingPunct="1">
+              <a:lnSpc>
+                <a:spcPct val="90000"/>
+              </a:lnSpc>
+              <a:spcBef>
+                <a:spcPts val="500"/>
+              </a:spcBef>
+              <a:buFont typeface="Arial" panose="020B0604020202020204" pitchFamily="34" charset="0"/>
+              <a:buNone/>
+              <a:defRPr sz="2000" kern="1200">
+                <a:solidFill>
+                  <a:schemeClr val="tx1"/>
+                </a:solidFill>
+                <a:latin typeface="+mn-lt"/>
+                <a:ea typeface="+mn-ea"/>
+                <a:cs typeface="+mn-cs"/>
+              </a:defRPr>
+            </a:lvl3pPr>
+            <a:lvl4pPr marL="1371600" indent="0" algn="l" defTabSz="914400" rtl="0" eaLnBrk="1" latinLnBrk="1" hangingPunct="1">
+              <a:lnSpc>
+                <a:spcPct val="90000"/>
+              </a:lnSpc>
+              <a:spcBef>
+                <a:spcPts val="500"/>
+              </a:spcBef>
+              <a:buFont typeface="Arial" panose="020B0604020202020204" pitchFamily="34" charset="0"/>
+              <a:buNone/>
+              <a:defRPr sz="1800" kern="1200">
+                <a:solidFill>
+                  <a:schemeClr val="tx1"/>
+                </a:solidFill>
+                <a:latin typeface="+mn-lt"/>
+                <a:ea typeface="+mn-ea"/>
+                <a:cs typeface="+mn-cs"/>
+              </a:defRPr>
+            </a:lvl4pPr>
+            <a:lvl5pPr marL="1828800" indent="0" algn="l" defTabSz="914400" rtl="0" eaLnBrk="1" latinLnBrk="1" hangingPunct="1">
+              <a:lnSpc>
+                <a:spcPct val="90000"/>
+              </a:lnSpc>
+              <a:spcBef>
+                <a:spcPts val="500"/>
+              </a:spcBef>
+              <a:buFont typeface="Arial" panose="020B0604020202020204" pitchFamily="34" charset="0"/>
+              <a:buNone/>
+              <a:defRPr sz="1800" kern="1200">
+                <a:solidFill>
+                  <a:schemeClr val="tx1"/>
+                </a:solidFill>
+                <a:latin typeface="+mn-lt"/>
+                <a:ea typeface="+mn-ea"/>
+                <a:cs typeface="+mn-cs"/>
+              </a:defRPr>
+            </a:lvl5pPr>
+            <a:lvl6pPr marL="2514600" indent="-228600" algn="l" defTabSz="914400" rtl="0" eaLnBrk="1" latinLnBrk="1" hangingPunct="1">
+              <a:lnSpc>
+                <a:spcPct val="90000"/>
+              </a:lnSpc>
+              <a:spcBef>
+                <a:spcPts val="500"/>
+              </a:spcBef>
+              <a:buFont typeface="Arial" panose="020B0604020202020204" pitchFamily="34" charset="0"/>
+              <a:buChar char="•"/>
+              <a:defRPr sz="1800" kern="1200">
+                <a:solidFill>
+                  <a:schemeClr val="tx1"/>
+                </a:solidFill>
+                <a:latin typeface="+mn-lt"/>
+                <a:ea typeface="+mn-ea"/>
+                <a:cs typeface="+mn-cs"/>
+              </a:defRPr>
+            </a:lvl6pPr>
+            <a:lvl7pPr marL="2971800" indent="-228600" algn="l" defTabSz="914400" rtl="0" eaLnBrk="1" latinLnBrk="1" hangingPunct="1">
+              <a:lnSpc>
+                <a:spcPct val="90000"/>
+              </a:lnSpc>
+              <a:spcBef>
+                <a:spcPts val="500"/>
+              </a:spcBef>
+              <a:buFont typeface="Arial" panose="020B0604020202020204" pitchFamily="34" charset="0"/>
+              <a:buChar char="•"/>
+              <a:defRPr sz="1800" kern="1200">
+                <a:solidFill>
+                  <a:schemeClr val="tx1"/>
+                </a:solidFill>
+                <a:latin typeface="+mn-lt"/>
+                <a:ea typeface="+mn-ea"/>
+                <a:cs typeface="+mn-cs"/>
+              </a:defRPr>
+            </a:lvl7pPr>
+            <a:lvl8pPr marL="3429000" indent="-228600" algn="l" defTabSz="914400" rtl="0" eaLnBrk="1" latinLnBrk="1" hangingPunct="1">
+              <a:lnSpc>
+                <a:spcPct val="90000"/>
+              </a:lnSpc>
+              <a:spcBef>
+                <a:spcPts val="500"/>
+              </a:spcBef>
+              <a:buFont typeface="Arial" panose="020B0604020202020204" pitchFamily="34" charset="0"/>
+              <a:buChar char="•"/>
+              <a:defRPr sz="1800" kern="1200">
+                <a:solidFill>
+                  <a:schemeClr val="tx1"/>
+                </a:solidFill>
+                <a:latin typeface="+mn-lt"/>
+                <a:ea typeface="+mn-ea"/>
+                <a:cs typeface="+mn-cs"/>
+              </a:defRPr>
+            </a:lvl8pPr>
+            <a:lvl9pPr marL="3886200" indent="-228600" algn="l" defTabSz="914400" rtl="0" eaLnBrk="1" latinLnBrk="1" hangingPunct="1">
+              <a:lnSpc>
+                <a:spcPct val="90000"/>
+              </a:lnSpc>
+              <a:spcBef>
+                <a:spcPts val="500"/>
+              </a:spcBef>
+              <a:buFont typeface="Arial" panose="020B0604020202020204" pitchFamily="34" charset="0"/>
+              <a:buChar char="•"/>
+              <a:defRPr sz="1800" kern="1200">
+                <a:solidFill>
+                  <a:schemeClr val="tx1"/>
+                </a:solidFill>
+                <a:latin typeface="+mn-lt"/>
+                <a:ea typeface="+mn-ea"/>
+                <a:cs typeface="+mn-cs"/>
+              </a:defRPr>
+            </a:lvl9pPr>
+          </a:lstStyle>
+          <a:p>
+            <a:r>
+              <a:rPr lang="en-US" altLang="ko-KR" dirty="0"/>
+              <a:t>1</a:t>
+            </a:r>
+            <a:r>
+              <a:rPr lang="ko-KR" altLang="en-US" dirty="0"/>
+              <a:t>인</a:t>
+            </a:r>
+            <a:r>
+              <a:rPr lang="en-US" altLang="ko-KR" dirty="0"/>
+              <a:t> </a:t>
+            </a:r>
+            <a:r>
+              <a:rPr lang="ko-KR" altLang="en-US" dirty="0"/>
+              <a:t>쓰레기 배출 현황</a:t>
+            </a:r>
+            <a:endParaRPr lang="en-US" altLang="ko-KR" dirty="0"/>
+          </a:p>
+          <a:p>
+            <a:r>
+              <a:rPr lang="ko-KR" altLang="en-US" dirty="0"/>
+              <a:t>연도 쓰레기 배출 변화</a:t>
+            </a:r>
+          </a:p>
+          <a:p>
+            <a:r>
+              <a:rPr lang="ko-KR" altLang="en-US" dirty="0"/>
+              <a:t>재활용도움센터 필요성</a:t>
+            </a:r>
+          </a:p>
+        </p:txBody>
+      </p:sp>
+      <p:sp>
+        <p:nvSpPr>
+          <p:cNvPr id="43" name="텍스트 개체 틀 8"/>
+          <p:cNvSpPr>
+            <a:spLocks noGrp="1"/>
+          </p:cNvSpPr>
+          <p:nvPr/>
+        </p:nvSpPr>
+        <p:spPr>
+          <a:xfrm>
             <a:off x="8925766" y="5422305"/>
             <a:ext cx="1968917" cy="570382"/>
           </a:xfrm>
@@ -18042,13 +19075,13 @@
   <p:clrMapOvr>
     <a:masterClrMapping/>
   </p:clrMapOvr>
-  <mc:AlternateContent xmlns:mc="http://schemas.openxmlformats.org/markup-compatibility/2006" xmlns:p14="http://schemas.microsoft.com/office/powerpoint/2010/main">
-    <mc:Choice Requires="p14">
+  <mc:AlternateContent xmlns:mc="http://schemas.openxmlformats.org/markup-compatibility/2006">
+    <mc:Choice xmlns:p14="http://schemas.microsoft.com/office/powerpoint/2010/main" Requires="p14">
       <p:transition spd="med" p14:dur="700">
         <p:fade/>
       </p:transition>
     </mc:Choice>
-    <mc:Fallback xmlns="">
+    <mc:Fallback>
       <p:transition spd="med">
         <p:fade/>
       </p:transition>
@@ -18057,7 +19090,7 @@
 </p:sld>
 </file>
 
-<file path=ppt/slides/slide4.xml><?xml version="1.0" encoding="utf-8"?>
+<file path=ppt/slides/slide5.xml><?xml version="1.0" encoding="utf-8"?>
 <p:sld xmlns:a="http://schemas.openxmlformats.org/drawingml/2006/main" xmlns:r="http://schemas.openxmlformats.org/officeDocument/2006/relationships" xmlns:p="http://schemas.openxmlformats.org/presentationml/2006/main">
   <p:cSld>
     <p:spTree>
@@ -18132,10 +19165,10 @@
       </p:sp>
       <p:pic>
         <p:nvPicPr>
-          <p:cNvPr id="4" name="그림 3">
+          <p:cNvPr id="10" name="그림 9">
             <a:extLst>
               <a:ext uri="{FF2B5EF4-FFF2-40B4-BE49-F238E27FC236}">
-                <a16:creationId xmlns:a16="http://schemas.microsoft.com/office/drawing/2014/main" id="{747F4685-747D-4A19-AB04-24E03F11C99B}"/>
+                <a16:creationId xmlns:a16="http://schemas.microsoft.com/office/drawing/2014/main" id="{067A1841-83C0-45F1-9E4C-08CB528E6ABA}"/>
               </a:ext>
             </a:extLst>
           </p:cNvPr>
@@ -18162,10 +19195,10 @@
       </p:pic>
       <p:pic>
         <p:nvPicPr>
-          <p:cNvPr id="5" name="그림 4">
+          <p:cNvPr id="11" name="그림 10">
             <a:extLst>
               <a:ext uri="{FF2B5EF4-FFF2-40B4-BE49-F238E27FC236}">
-                <a16:creationId xmlns:a16="http://schemas.microsoft.com/office/drawing/2014/main" id="{9A4AEB2B-C2E8-479F-B5A5-DCE108731CE5}"/>
+                <a16:creationId xmlns:a16="http://schemas.microsoft.com/office/drawing/2014/main" id="{2325B486-B9E6-40D3-9870-4AFBC1A28859}"/>
               </a:ext>
             </a:extLst>
           </p:cNvPr>
@@ -18182,7 +19215,7 @@
         </p:blipFill>
         <p:spPr>
           <a:xfrm>
-            <a:off x="4456083" y="4474088"/>
+            <a:off x="3000454" y="4474088"/>
             <a:ext cx="7430537" cy="1314633"/>
           </a:xfrm>
           <a:prstGeom prst="rect">
@@ -18192,10 +19225,10 @@
       </p:pic>
       <p:pic>
         <p:nvPicPr>
-          <p:cNvPr id="6" name="그림 5">
+          <p:cNvPr id="12" name="그림 11">
             <a:extLst>
               <a:ext uri="{FF2B5EF4-FFF2-40B4-BE49-F238E27FC236}">
-                <a16:creationId xmlns:a16="http://schemas.microsoft.com/office/drawing/2014/main" id="{6D3ABFEF-4B6E-448F-860B-1E042B75B2EE}"/>
+                <a16:creationId xmlns:a16="http://schemas.microsoft.com/office/drawing/2014/main" id="{321EC489-8344-4AFC-9758-C271573801D4}"/>
               </a:ext>
             </a:extLst>
           </p:cNvPr>
@@ -18222,10 +19255,10 @@
       </p:pic>
       <p:pic>
         <p:nvPicPr>
-          <p:cNvPr id="7" name="그림 6">
+          <p:cNvPr id="13" name="그림 12">
             <a:extLst>
               <a:ext uri="{FF2B5EF4-FFF2-40B4-BE49-F238E27FC236}">
-                <a16:creationId xmlns:a16="http://schemas.microsoft.com/office/drawing/2014/main" id="{43F487E6-80E4-446B-BCB1-5F0A9F09672A}"/>
+                <a16:creationId xmlns:a16="http://schemas.microsoft.com/office/drawing/2014/main" id="{5B2947D1-B3B7-443B-9541-37AB189A6DF9}"/>
               </a:ext>
             </a:extLst>
           </p:cNvPr>
@@ -18242,8 +19275,38 @@
         </p:blipFill>
         <p:spPr>
           <a:xfrm>
-            <a:off x="9714617" y="5788721"/>
+            <a:off x="3000454" y="5788721"/>
             <a:ext cx="2172003" cy="438211"/>
+          </a:xfrm>
+          <a:prstGeom prst="rect">
+            <a:avLst/>
+          </a:prstGeom>
+        </p:spPr>
+      </p:pic>
+      <p:pic>
+        <p:nvPicPr>
+          <p:cNvPr id="14" name="그림 13">
+            <a:extLst>
+              <a:ext uri="{FF2B5EF4-FFF2-40B4-BE49-F238E27FC236}">
+                <a16:creationId xmlns:a16="http://schemas.microsoft.com/office/drawing/2014/main" id="{AE49E42E-73A2-4EB3-B695-9D718C0D2E19}"/>
+              </a:ext>
+            </a:extLst>
+          </p:cNvPr>
+          <p:cNvPicPr>
+            <a:picLocks noChangeAspect="1"/>
+          </p:cNvPicPr>
+          <p:nvPr/>
+        </p:nvPicPr>
+        <p:blipFill>
+          <a:blip r:embed="rId6"/>
+          <a:stretch>
+            <a:fillRect/>
+          </a:stretch>
+        </p:blipFill>
+        <p:spPr>
+          <a:xfrm>
+            <a:off x="7384094" y="1429828"/>
+            <a:ext cx="4502526" cy="1314633"/>
           </a:xfrm>
           <a:prstGeom prst="rect">
             <a:avLst/>
@@ -18272,354 +19335,10 @@
       </p:transition>
     </mc:Fallback>
   </mc:AlternateContent>
-  <p:timing>
-    <p:tnLst>
-      <p:par>
-        <p:cTn id="1" dur="indefinite" restart="never" nodeType="tmRoot">
-          <p:childTnLst>
-            <p:seq concurrent="1" nextAc="seek">
-              <p:cTn id="2" dur="indefinite" nodeType="mainSeq">
-                <p:childTnLst>
-                  <p:par>
-                    <p:cTn id="3" fill="hold">
-                      <p:stCondLst>
-                        <p:cond delay="indefinite"/>
-                      </p:stCondLst>
-                      <p:childTnLst>
-                        <p:par>
-                          <p:cTn id="4" fill="hold">
-                            <p:stCondLst>
-                              <p:cond delay="0"/>
-                            </p:stCondLst>
-                            <p:childTnLst>
-                              <p:par>
-                                <p:cTn id="5" presetID="31" presetClass="entr" presetSubtype="0" fill="hold" nodeType="clickEffect">
-                                  <p:stCondLst>
-                                    <p:cond delay="0"/>
-                                  </p:stCondLst>
-                                  <p:childTnLst>
-                                    <p:set>
-                                      <p:cBhvr>
-                                        <p:cTn id="6" dur="1" fill="hold">
-                                          <p:stCondLst>
-                                            <p:cond delay="0"/>
-                                          </p:stCondLst>
-                                        </p:cTn>
-                                        <p:tgtEl>
-                                          <p:spTgt spid="4"/>
-                                        </p:tgtEl>
-                                        <p:attrNameLst>
-                                          <p:attrName>style.visibility</p:attrName>
-                                        </p:attrNameLst>
-                                      </p:cBhvr>
-                                      <p:to>
-                                        <p:strVal val="visible"/>
-                                      </p:to>
-                                    </p:set>
-                                    <p:anim calcmode="lin" valueType="num">
-                                      <p:cBhvr>
-                                        <p:cTn id="7" dur="750" fill="hold"/>
-                                        <p:tgtEl>
-                                          <p:spTgt spid="4"/>
-                                        </p:tgtEl>
-                                        <p:attrNameLst>
-                                          <p:attrName>ppt_w</p:attrName>
-                                        </p:attrNameLst>
-                                      </p:cBhvr>
-                                      <p:tavLst>
-                                        <p:tav tm="0">
-                                          <p:val>
-                                            <p:fltVal val="0"/>
-                                          </p:val>
-                                        </p:tav>
-                                        <p:tav tm="100000">
-                                          <p:val>
-                                            <p:strVal val="#ppt_w"/>
-                                          </p:val>
-                                        </p:tav>
-                                      </p:tavLst>
-                                    </p:anim>
-                                    <p:anim calcmode="lin" valueType="num">
-                                      <p:cBhvr>
-                                        <p:cTn id="8" dur="750" fill="hold"/>
-                                        <p:tgtEl>
-                                          <p:spTgt spid="4"/>
-                                        </p:tgtEl>
-                                        <p:attrNameLst>
-                                          <p:attrName>ppt_h</p:attrName>
-                                        </p:attrNameLst>
-                                      </p:cBhvr>
-                                      <p:tavLst>
-                                        <p:tav tm="0">
-                                          <p:val>
-                                            <p:fltVal val="0"/>
-                                          </p:val>
-                                        </p:tav>
-                                        <p:tav tm="100000">
-                                          <p:val>
-                                            <p:strVal val="#ppt_h"/>
-                                          </p:val>
-                                        </p:tav>
-                                      </p:tavLst>
-                                    </p:anim>
-                                    <p:anim calcmode="lin" valueType="num">
-                                      <p:cBhvr>
-                                        <p:cTn id="9" dur="750" fill="hold"/>
-                                        <p:tgtEl>
-                                          <p:spTgt spid="4"/>
-                                        </p:tgtEl>
-                                        <p:attrNameLst>
-                                          <p:attrName>style.rotation</p:attrName>
-                                        </p:attrNameLst>
-                                      </p:cBhvr>
-                                      <p:tavLst>
-                                        <p:tav tm="0">
-                                          <p:val>
-                                            <p:fltVal val="90"/>
-                                          </p:val>
-                                        </p:tav>
-                                        <p:tav tm="100000">
-                                          <p:val>
-                                            <p:fltVal val="0"/>
-                                          </p:val>
-                                        </p:tav>
-                                      </p:tavLst>
-                                    </p:anim>
-                                    <p:animEffect transition="in" filter="fade">
-                                      <p:cBhvr>
-                                        <p:cTn id="10" dur="750"/>
-                                        <p:tgtEl>
-                                          <p:spTgt spid="4"/>
-                                        </p:tgtEl>
-                                      </p:cBhvr>
-                                    </p:animEffect>
-                                  </p:childTnLst>
-                                </p:cTn>
-                              </p:par>
-                              <p:par>
-                                <p:cTn id="11" presetID="14" presetClass="entr" presetSubtype="10" fill="hold" nodeType="withEffect">
-                                  <p:stCondLst>
-                                    <p:cond delay="0"/>
-                                  </p:stCondLst>
-                                  <p:childTnLst>
-                                    <p:set>
-                                      <p:cBhvr>
-                                        <p:cTn id="12" dur="1" fill="hold">
-                                          <p:stCondLst>
-                                            <p:cond delay="0"/>
-                                          </p:stCondLst>
-                                        </p:cTn>
-                                        <p:tgtEl>
-                                          <p:spTgt spid="6"/>
-                                        </p:tgtEl>
-                                        <p:attrNameLst>
-                                          <p:attrName>style.visibility</p:attrName>
-                                        </p:attrNameLst>
-                                      </p:cBhvr>
-                                      <p:to>
-                                        <p:strVal val="visible"/>
-                                      </p:to>
-                                    </p:set>
-                                    <p:animEffect transition="in" filter="randombar(horizontal)">
-                                      <p:cBhvr>
-                                        <p:cTn id="13" dur="500"/>
-                                        <p:tgtEl>
-                                          <p:spTgt spid="6"/>
-                                        </p:tgtEl>
-                                      </p:cBhvr>
-                                    </p:animEffect>
-                                  </p:childTnLst>
-                                </p:cTn>
-                              </p:par>
-                            </p:childTnLst>
-                          </p:cTn>
-                        </p:par>
-                      </p:childTnLst>
-                    </p:cTn>
-                  </p:par>
-                  <p:par>
-                    <p:cTn id="14" fill="hold">
-                      <p:stCondLst>
-                        <p:cond delay="indefinite"/>
-                      </p:stCondLst>
-                      <p:childTnLst>
-                        <p:par>
-                          <p:cTn id="15" fill="hold">
-                            <p:stCondLst>
-                              <p:cond delay="0"/>
-                            </p:stCondLst>
-                            <p:childTnLst>
-                              <p:par>
-                                <p:cTn id="16" presetID="31" presetClass="entr" presetSubtype="0" fill="hold" nodeType="clickEffect">
-                                  <p:stCondLst>
-                                    <p:cond delay="0"/>
-                                  </p:stCondLst>
-                                  <p:childTnLst>
-                                    <p:set>
-                                      <p:cBhvr>
-                                        <p:cTn id="17" dur="1" fill="hold">
-                                          <p:stCondLst>
-                                            <p:cond delay="0"/>
-                                          </p:stCondLst>
-                                        </p:cTn>
-                                        <p:tgtEl>
-                                          <p:spTgt spid="5"/>
-                                        </p:tgtEl>
-                                        <p:attrNameLst>
-                                          <p:attrName>style.visibility</p:attrName>
-                                        </p:attrNameLst>
-                                      </p:cBhvr>
-                                      <p:to>
-                                        <p:strVal val="visible"/>
-                                      </p:to>
-                                    </p:set>
-                                    <p:anim calcmode="lin" valueType="num">
-                                      <p:cBhvr>
-                                        <p:cTn id="18" dur="750" fill="hold"/>
-                                        <p:tgtEl>
-                                          <p:spTgt spid="5"/>
-                                        </p:tgtEl>
-                                        <p:attrNameLst>
-                                          <p:attrName>ppt_w</p:attrName>
-                                        </p:attrNameLst>
-                                      </p:cBhvr>
-                                      <p:tavLst>
-                                        <p:tav tm="0">
-                                          <p:val>
-                                            <p:fltVal val="0"/>
-                                          </p:val>
-                                        </p:tav>
-                                        <p:tav tm="100000">
-                                          <p:val>
-                                            <p:strVal val="#ppt_w"/>
-                                          </p:val>
-                                        </p:tav>
-                                      </p:tavLst>
-                                    </p:anim>
-                                    <p:anim calcmode="lin" valueType="num">
-                                      <p:cBhvr>
-                                        <p:cTn id="19" dur="750" fill="hold"/>
-                                        <p:tgtEl>
-                                          <p:spTgt spid="5"/>
-                                        </p:tgtEl>
-                                        <p:attrNameLst>
-                                          <p:attrName>ppt_h</p:attrName>
-                                        </p:attrNameLst>
-                                      </p:cBhvr>
-                                      <p:tavLst>
-                                        <p:tav tm="0">
-                                          <p:val>
-                                            <p:fltVal val="0"/>
-                                          </p:val>
-                                        </p:tav>
-                                        <p:tav tm="100000">
-                                          <p:val>
-                                            <p:strVal val="#ppt_h"/>
-                                          </p:val>
-                                        </p:tav>
-                                      </p:tavLst>
-                                    </p:anim>
-                                    <p:anim calcmode="lin" valueType="num">
-                                      <p:cBhvr>
-                                        <p:cTn id="20" dur="750" fill="hold"/>
-                                        <p:tgtEl>
-                                          <p:spTgt spid="5"/>
-                                        </p:tgtEl>
-                                        <p:attrNameLst>
-                                          <p:attrName>style.rotation</p:attrName>
-                                        </p:attrNameLst>
-                                      </p:cBhvr>
-                                      <p:tavLst>
-                                        <p:tav tm="0">
-                                          <p:val>
-                                            <p:fltVal val="90"/>
-                                          </p:val>
-                                        </p:tav>
-                                        <p:tav tm="100000">
-                                          <p:val>
-                                            <p:fltVal val="0"/>
-                                          </p:val>
-                                        </p:tav>
-                                      </p:tavLst>
-                                    </p:anim>
-                                    <p:animEffect transition="in" filter="fade">
-                                      <p:cBhvr>
-                                        <p:cTn id="21" dur="750"/>
-                                        <p:tgtEl>
-                                          <p:spTgt spid="5"/>
-                                        </p:tgtEl>
-                                      </p:cBhvr>
-                                    </p:animEffect>
-                                  </p:childTnLst>
-                                </p:cTn>
-                              </p:par>
-                              <p:par>
-                                <p:cTn id="22" presetID="14" presetClass="entr" presetSubtype="10" fill="hold" nodeType="withEffect">
-                                  <p:stCondLst>
-                                    <p:cond delay="0"/>
-                                  </p:stCondLst>
-                                  <p:childTnLst>
-                                    <p:set>
-                                      <p:cBhvr>
-                                        <p:cTn id="23" dur="1" fill="hold">
-                                          <p:stCondLst>
-                                            <p:cond delay="0"/>
-                                          </p:stCondLst>
-                                        </p:cTn>
-                                        <p:tgtEl>
-                                          <p:spTgt spid="7"/>
-                                        </p:tgtEl>
-                                        <p:attrNameLst>
-                                          <p:attrName>style.visibility</p:attrName>
-                                        </p:attrNameLst>
-                                      </p:cBhvr>
-                                      <p:to>
-                                        <p:strVal val="visible"/>
-                                      </p:to>
-                                    </p:set>
-                                    <p:animEffect transition="in" filter="randombar(horizontal)">
-                                      <p:cBhvr>
-                                        <p:cTn id="24" dur="500"/>
-                                        <p:tgtEl>
-                                          <p:spTgt spid="7"/>
-                                        </p:tgtEl>
-                                      </p:cBhvr>
-                                    </p:animEffect>
-                                  </p:childTnLst>
-                                </p:cTn>
-                              </p:par>
-                            </p:childTnLst>
-                          </p:cTn>
-                        </p:par>
-                      </p:childTnLst>
-                    </p:cTn>
-                  </p:par>
-                </p:childTnLst>
-              </p:cTn>
-              <p:prevCondLst>
-                <p:cond evt="onPrev" delay="0">
-                  <p:tgtEl>
-                    <p:sldTgt/>
-                  </p:tgtEl>
-                </p:cond>
-              </p:prevCondLst>
-              <p:nextCondLst>
-                <p:cond evt="onNext" delay="0">
-                  <p:tgtEl>
-                    <p:sldTgt/>
-                  </p:tgtEl>
-                </p:cond>
-              </p:nextCondLst>
-            </p:seq>
-          </p:childTnLst>
-        </p:cTn>
-      </p:par>
-    </p:tnLst>
-  </p:timing>
 </p:sld>
 </file>
 
-<file path=ppt/slides/slide5.xml><?xml version="1.0" encoding="utf-8"?>
+<file path=ppt/slides/slide6.xml><?xml version="1.0" encoding="utf-8"?>
 <p:sld xmlns:a="http://schemas.openxmlformats.org/drawingml/2006/main" xmlns:r="http://schemas.openxmlformats.org/officeDocument/2006/relationships" xmlns:p="http://schemas.openxmlformats.org/presentationml/2006/main">
   <p:cSld>
     <p:spTree>
@@ -18674,12 +19393,8 @@
           <a:lstStyle/>
           <a:p>
             <a:r>
-              <a:rPr lang="en-US" altLang="ko-KR" dirty="0"/>
-              <a:t>1</a:t>
-            </a:r>
-            <a:r>
               <a:rPr lang="ko-KR" altLang="en-US" dirty="0"/>
-              <a:t>인 쓰레기 배출 현황</a:t>
+              <a:t>쓰레기 배출 현황</a:t>
             </a:r>
           </a:p>
         </p:txBody>
@@ -18706,8 +19421,38 @@
         </p:blipFill>
         <p:spPr>
           <a:xfrm>
-            <a:off x="1637678" y="1513346"/>
-            <a:ext cx="8916644" cy="2915057"/>
+            <a:off x="383991" y="1131120"/>
+            <a:ext cx="10461491" cy="2585492"/>
+          </a:xfrm>
+          <a:prstGeom prst="rect">
+            <a:avLst/>
+          </a:prstGeom>
+        </p:spPr>
+      </p:pic>
+      <p:pic>
+        <p:nvPicPr>
+          <p:cNvPr id="7" name="그림 6">
+            <a:extLst>
+              <a:ext uri="{FF2B5EF4-FFF2-40B4-BE49-F238E27FC236}">
+                <a16:creationId xmlns:a16="http://schemas.microsoft.com/office/drawing/2014/main" id="{FF62D998-6867-4908-A8FE-59BB2F432E69}"/>
+              </a:ext>
+            </a:extLst>
+          </p:cNvPr>
+          <p:cNvPicPr>
+            <a:picLocks noChangeAspect="1"/>
+          </p:cNvPicPr>
+          <p:nvPr/>
+        </p:nvPicPr>
+        <p:blipFill>
+          <a:blip r:embed="rId3"/>
+          <a:stretch>
+            <a:fillRect/>
+          </a:stretch>
+        </p:blipFill>
+        <p:spPr>
+          <a:xfrm>
+            <a:off x="383990" y="3815881"/>
+            <a:ext cx="10461491" cy="2585492"/>
           </a:xfrm>
           <a:prstGeom prst="rect">
             <a:avLst/>
@@ -18716,10 +19461,10 @@
       </p:pic>
       <p:sp>
         <p:nvSpPr>
-          <p:cNvPr id="2" name="화살표: 오른쪽 1">
+          <p:cNvPr id="9" name="구름 8">
             <a:extLst>
               <a:ext uri="{FF2B5EF4-FFF2-40B4-BE49-F238E27FC236}">
-                <a16:creationId xmlns:a16="http://schemas.microsoft.com/office/drawing/2014/main" id="{2579ACEB-66A0-43B8-86F1-CB4717EDA16B}"/>
+                <a16:creationId xmlns:a16="http://schemas.microsoft.com/office/drawing/2014/main" id="{33D26F13-23B2-44E9-9428-26E4885ABA3C}"/>
               </a:ext>
             </a:extLst>
           </p:cNvPr>
@@ -18728,14 +19473,14 @@
         </p:nvSpPr>
         <p:spPr>
           <a:xfrm>
-            <a:off x="1016000" y="5014454"/>
-            <a:ext cx="1427255" cy="660400"/>
+            <a:off x="729913" y="2843826"/>
+            <a:ext cx="9769642" cy="1844842"/>
           </a:xfrm>
-          <a:prstGeom prst="rightArrow">
+          <a:prstGeom prst="cloud">
             <a:avLst/>
           </a:prstGeom>
           <a:solidFill>
-            <a:srgbClr val="A1B502"/>
+            <a:srgbClr val="00B0F0"/>
           </a:solidFill>
         </p:spPr>
         <p:style>
@@ -18777,8 +19522,8 @@
         </p:nvSpPr>
         <p:spPr>
           <a:xfrm>
-            <a:off x="2827883" y="5159988"/>
-            <a:ext cx="7082955" cy="369332"/>
+            <a:off x="1440676" y="3429000"/>
+            <a:ext cx="8348117" cy="584775"/>
           </a:xfrm>
           <a:prstGeom prst="rect">
             <a:avLst/>
@@ -18792,19 +19537,35 @@
           <a:lstStyle/>
           <a:p>
             <a:r>
-              <a:rPr lang="ko-KR" altLang="en-US" dirty="0" err="1"/>
+              <a:rPr lang="ko-KR" altLang="en-US" sz="3200" dirty="0" err="1">
+                <a:solidFill>
+                  <a:schemeClr val="accent6"/>
+                </a:solidFill>
+              </a:rPr>
               <a:t>요일별</a:t>
             </a:r>
             <a:r>
-              <a:rPr lang="ko-KR" altLang="en-US" dirty="0"/>
+              <a:rPr lang="ko-KR" altLang="en-US" sz="3200" dirty="0">
+                <a:solidFill>
+                  <a:schemeClr val="accent6"/>
+                </a:solidFill>
+              </a:rPr>
               <a:t> </a:t>
             </a:r>
             <a:r>
-              <a:rPr lang="ko-KR" altLang="en-US" dirty="0" err="1"/>
+              <a:rPr lang="ko-KR" altLang="en-US" sz="3200" dirty="0" err="1">
+                <a:solidFill>
+                  <a:schemeClr val="accent6"/>
+                </a:solidFill>
+              </a:rPr>
               <a:t>배출제</a:t>
             </a:r>
             <a:r>
-              <a:rPr lang="ko-KR" altLang="en-US" dirty="0"/>
+              <a:rPr lang="ko-KR" altLang="en-US" sz="3200" dirty="0">
+                <a:solidFill>
+                  <a:schemeClr val="accent6"/>
+                </a:solidFill>
+              </a:rPr>
               <a:t> 시행 후 주춤해진 쓰레기 배출량</a:t>
             </a:r>
           </a:p>
@@ -18813,7 +19574,7 @@
     </p:spTree>
     <p:extLst>
       <p:ext uri="{BB962C8B-B14F-4D97-AF65-F5344CB8AC3E}">
-        <p14:creationId xmlns:p14="http://schemas.microsoft.com/office/powerpoint/2010/main" val="1734236339"/>
+        <p14:creationId xmlns:p14="http://schemas.microsoft.com/office/powerpoint/2010/main" val="1953362644"/>
       </p:ext>
     </p:extLst>
   </p:cSld>
@@ -18832,122 +19593,220 @@
       </p:transition>
     </mc:Fallback>
   </mc:AlternateContent>
-</p:sld>
-</file>
-
-<file path=ppt/slides/slide6.xml><?xml version="1.0" encoding="utf-8"?>
-<p:sld xmlns:a="http://schemas.openxmlformats.org/drawingml/2006/main" xmlns:r="http://schemas.openxmlformats.org/officeDocument/2006/relationships" xmlns:p="http://schemas.openxmlformats.org/presentationml/2006/main">
-  <p:cSld>
-    <p:spTree>
-      <p:nvGrpSpPr>
-        <p:cNvPr id="1" name=""/>
-        <p:cNvGrpSpPr/>
-        <p:nvPr/>
-      </p:nvGrpSpPr>
-      <p:grpSpPr>
-        <a:xfrm>
-          <a:off x="0" y="0"/>
-          <a:ext cx="0" cy="0"/>
-          <a:chOff x="0" y="0"/>
-          <a:chExt cx="0" cy="0"/>
-        </a:xfrm>
-      </p:grpSpPr>
-      <p:sp>
-        <p:nvSpPr>
-          <p:cNvPr id="2" name="제목 1"/>
-          <p:cNvSpPr>
-            <a:spLocks noGrp="1"/>
-          </p:cNvSpPr>
-          <p:nvPr>
-            <p:ph type="title"/>
-          </p:nvPr>
-        </p:nvSpPr>
-        <p:spPr/>
-        <p:txBody>
-          <a:bodyPr/>
-          <a:lstStyle/>
-          <a:p>
-            <a:r>
-              <a:rPr lang="ko-KR" altLang="en-US" dirty="0"/>
-              <a:t>문제현황</a:t>
-            </a:r>
-          </a:p>
-        </p:txBody>
-      </p:sp>
-      <p:sp>
-        <p:nvSpPr>
-          <p:cNvPr id="3" name="텍스트 개체 틀 2"/>
-          <p:cNvSpPr>
-            <a:spLocks noGrp="1"/>
-          </p:cNvSpPr>
-          <p:nvPr>
-            <p:ph type="body" sz="quarter" idx="13"/>
-          </p:nvPr>
-        </p:nvSpPr>
-        <p:spPr/>
-        <p:txBody>
-          <a:bodyPr/>
-          <a:lstStyle/>
-          <a:p>
-            <a:r>
-              <a:rPr lang="ko-KR" altLang="en-US" dirty="0"/>
-              <a:t>연도별 쓰레기 배출 변화</a:t>
-            </a:r>
-          </a:p>
-        </p:txBody>
-      </p:sp>
-      <p:pic>
-        <p:nvPicPr>
-          <p:cNvPr id="7" name="그림 6">
-            <a:extLst>
-              <a:ext uri="{FF2B5EF4-FFF2-40B4-BE49-F238E27FC236}">
-                <a16:creationId xmlns:a16="http://schemas.microsoft.com/office/drawing/2014/main" id="{7867B66E-EC8C-425A-9D86-FD2B164907FE}"/>
-              </a:ext>
-            </a:extLst>
-          </p:cNvPr>
-          <p:cNvPicPr>
-            <a:picLocks noChangeAspect="1"/>
-          </p:cNvPicPr>
-          <p:nvPr/>
-        </p:nvPicPr>
-        <p:blipFill>
-          <a:blip r:embed="rId2"/>
-          <a:stretch>
-            <a:fillRect/>
-          </a:stretch>
-        </p:blipFill>
-        <p:spPr>
-          <a:xfrm>
-            <a:off x="1645639" y="1521890"/>
-            <a:ext cx="8783276" cy="2924583"/>
-          </a:xfrm>
-          <a:prstGeom prst="rect">
-            <a:avLst/>
-          </a:prstGeom>
-        </p:spPr>
-      </p:pic>
-    </p:spTree>
-    <p:extLst>
-      <p:ext uri="{BB962C8B-B14F-4D97-AF65-F5344CB8AC3E}">
-        <p14:creationId xmlns:p14="http://schemas.microsoft.com/office/powerpoint/2010/main" val="2112369635"/>
-      </p:ext>
-    </p:extLst>
-  </p:cSld>
-  <p:clrMapOvr>
-    <a:masterClrMapping/>
-  </p:clrMapOvr>
-  <mc:AlternateContent xmlns:mc="http://schemas.openxmlformats.org/markup-compatibility/2006" xmlns:p14="http://schemas.microsoft.com/office/powerpoint/2010/main">
-    <mc:Choice Requires="p14">
-      <p:transition spd="med" p14:dur="700">
-        <p:fade/>
-      </p:transition>
-    </mc:Choice>
-    <mc:Fallback xmlns="">
-      <p:transition spd="med">
-        <p:fade/>
-      </p:transition>
-    </mc:Fallback>
-  </mc:AlternateContent>
+  <p:timing>
+    <p:tnLst>
+      <p:par>
+        <p:cTn id="1" dur="indefinite" restart="never" nodeType="tmRoot">
+          <p:childTnLst>
+            <p:seq concurrent="1" nextAc="seek">
+              <p:cTn id="2" dur="indefinite" nodeType="mainSeq">
+                <p:childTnLst>
+                  <p:par>
+                    <p:cTn id="3" fill="hold">
+                      <p:stCondLst>
+                        <p:cond delay="indefinite"/>
+                      </p:stCondLst>
+                      <p:childTnLst>
+                        <p:par>
+                          <p:cTn id="4" fill="hold">
+                            <p:stCondLst>
+                              <p:cond delay="0"/>
+                            </p:stCondLst>
+                            <p:childTnLst>
+                              <p:par>
+                                <p:cTn id="5" presetID="42" presetClass="entr" presetSubtype="0" fill="hold" grpId="0" nodeType="clickEffect">
+                                  <p:stCondLst>
+                                    <p:cond delay="0"/>
+                                  </p:stCondLst>
+                                  <p:childTnLst>
+                                    <p:set>
+                                      <p:cBhvr>
+                                        <p:cTn id="6" dur="1" fill="hold">
+                                          <p:stCondLst>
+                                            <p:cond delay="0"/>
+                                          </p:stCondLst>
+                                        </p:cTn>
+                                        <p:tgtEl>
+                                          <p:spTgt spid="6"/>
+                                        </p:tgtEl>
+                                        <p:attrNameLst>
+                                          <p:attrName>style.visibility</p:attrName>
+                                        </p:attrNameLst>
+                                      </p:cBhvr>
+                                      <p:to>
+                                        <p:strVal val="visible"/>
+                                      </p:to>
+                                    </p:set>
+                                    <p:animEffect transition="in" filter="fade">
+                                      <p:cBhvr>
+                                        <p:cTn id="7" dur="1000"/>
+                                        <p:tgtEl>
+                                          <p:spTgt spid="6"/>
+                                        </p:tgtEl>
+                                      </p:cBhvr>
+                                    </p:animEffect>
+                                    <p:anim calcmode="lin" valueType="num">
+                                      <p:cBhvr>
+                                        <p:cTn id="8" dur="1000" fill="hold"/>
+                                        <p:tgtEl>
+                                          <p:spTgt spid="6"/>
+                                        </p:tgtEl>
+                                        <p:attrNameLst>
+                                          <p:attrName>ppt_x</p:attrName>
+                                        </p:attrNameLst>
+                                      </p:cBhvr>
+                                      <p:tavLst>
+                                        <p:tav tm="0">
+                                          <p:val>
+                                            <p:strVal val="#ppt_x"/>
+                                          </p:val>
+                                        </p:tav>
+                                        <p:tav tm="100000">
+                                          <p:val>
+                                            <p:strVal val="#ppt_x"/>
+                                          </p:val>
+                                        </p:tav>
+                                      </p:tavLst>
+                                    </p:anim>
+                                    <p:anim calcmode="lin" valueType="num">
+                                      <p:cBhvr>
+                                        <p:cTn id="9" dur="1000" fill="hold"/>
+                                        <p:tgtEl>
+                                          <p:spTgt spid="6"/>
+                                        </p:tgtEl>
+                                        <p:attrNameLst>
+                                          <p:attrName>ppt_y</p:attrName>
+                                        </p:attrNameLst>
+                                      </p:cBhvr>
+                                      <p:tavLst>
+                                        <p:tav tm="0">
+                                          <p:val>
+                                            <p:strVal val="#ppt_y+.1"/>
+                                          </p:val>
+                                        </p:tav>
+                                        <p:tav tm="100000">
+                                          <p:val>
+                                            <p:strVal val="#ppt_y"/>
+                                          </p:val>
+                                        </p:tav>
+                                      </p:tavLst>
+                                    </p:anim>
+                                  </p:childTnLst>
+                                </p:cTn>
+                              </p:par>
+                              <p:par>
+                                <p:cTn id="10" presetID="42" presetClass="entr" presetSubtype="0" fill="hold" grpId="0" nodeType="withEffect">
+                                  <p:stCondLst>
+                                    <p:cond delay="0"/>
+                                  </p:stCondLst>
+                                  <p:childTnLst>
+                                    <p:set>
+                                      <p:cBhvr>
+                                        <p:cTn id="11" dur="1" fill="hold">
+                                          <p:stCondLst>
+                                            <p:cond delay="0"/>
+                                          </p:stCondLst>
+                                        </p:cTn>
+                                        <p:tgtEl>
+                                          <p:spTgt spid="9"/>
+                                        </p:tgtEl>
+                                        <p:attrNameLst>
+                                          <p:attrName>style.visibility</p:attrName>
+                                        </p:attrNameLst>
+                                      </p:cBhvr>
+                                      <p:to>
+                                        <p:strVal val="visible"/>
+                                      </p:to>
+                                    </p:set>
+                                    <p:animEffect transition="in" filter="fade">
+                                      <p:cBhvr>
+                                        <p:cTn id="12" dur="1000"/>
+                                        <p:tgtEl>
+                                          <p:spTgt spid="9"/>
+                                        </p:tgtEl>
+                                      </p:cBhvr>
+                                    </p:animEffect>
+                                    <p:anim calcmode="lin" valueType="num">
+                                      <p:cBhvr>
+                                        <p:cTn id="13" dur="1000" fill="hold"/>
+                                        <p:tgtEl>
+                                          <p:spTgt spid="9"/>
+                                        </p:tgtEl>
+                                        <p:attrNameLst>
+                                          <p:attrName>ppt_x</p:attrName>
+                                        </p:attrNameLst>
+                                      </p:cBhvr>
+                                      <p:tavLst>
+                                        <p:tav tm="0">
+                                          <p:val>
+                                            <p:strVal val="#ppt_x"/>
+                                          </p:val>
+                                        </p:tav>
+                                        <p:tav tm="100000">
+                                          <p:val>
+                                            <p:strVal val="#ppt_x"/>
+                                          </p:val>
+                                        </p:tav>
+                                      </p:tavLst>
+                                    </p:anim>
+                                    <p:anim calcmode="lin" valueType="num">
+                                      <p:cBhvr>
+                                        <p:cTn id="14" dur="1000" fill="hold"/>
+                                        <p:tgtEl>
+                                          <p:spTgt spid="9"/>
+                                        </p:tgtEl>
+                                        <p:attrNameLst>
+                                          <p:attrName>ppt_y</p:attrName>
+                                        </p:attrNameLst>
+                                      </p:cBhvr>
+                                      <p:tavLst>
+                                        <p:tav tm="0">
+                                          <p:val>
+                                            <p:strVal val="#ppt_y+.1"/>
+                                          </p:val>
+                                        </p:tav>
+                                        <p:tav tm="100000">
+                                          <p:val>
+                                            <p:strVal val="#ppt_y"/>
+                                          </p:val>
+                                        </p:tav>
+                                      </p:tavLst>
+                                    </p:anim>
+                                  </p:childTnLst>
+                                </p:cTn>
+                              </p:par>
+                            </p:childTnLst>
+                          </p:cTn>
+                        </p:par>
+                      </p:childTnLst>
+                    </p:cTn>
+                  </p:par>
+                </p:childTnLst>
+              </p:cTn>
+              <p:prevCondLst>
+                <p:cond evt="onPrev" delay="0">
+                  <p:tgtEl>
+                    <p:sldTgt/>
+                  </p:tgtEl>
+                </p:cond>
+              </p:prevCondLst>
+              <p:nextCondLst>
+                <p:cond evt="onNext" delay="0">
+                  <p:tgtEl>
+                    <p:sldTgt/>
+                  </p:tgtEl>
+                </p:cond>
+              </p:nextCondLst>
+            </p:seq>
+          </p:childTnLst>
+        </p:cTn>
+      </p:par>
+    </p:tnLst>
+    <p:bldLst>
+      <p:bldP spid="9" grpId="0" animBg="1"/>
+      <p:bldP spid="6" grpId="0"/>
+    </p:bldLst>
+  </p:timing>
 </p:sld>
 </file>
 
@@ -19034,7 +19893,7 @@
         </p:blipFill>
         <p:spPr>
           <a:xfrm>
-            <a:off x="614572" y="1293355"/>
+            <a:off x="598530" y="1673577"/>
             <a:ext cx="4400475" cy="4193045"/>
           </a:xfrm>
           <a:prstGeom prst="rect">
@@ -19064,18 +19923,228 @@
         </p:blipFill>
         <p:spPr>
           <a:xfrm>
-            <a:off x="6096000" y="2600361"/>
-            <a:ext cx="4994246" cy="4043720"/>
+            <a:off x="6320590" y="1673577"/>
+            <a:ext cx="4994246" cy="4193044"/>
           </a:xfrm>
           <a:prstGeom prst="rect">
             <a:avLst/>
           </a:prstGeom>
         </p:spPr>
       </p:pic>
+      <p:pic>
+        <p:nvPicPr>
+          <p:cNvPr id="8" name="Picture 3">
+            <a:extLst>
+              <a:ext uri="{FF2B5EF4-FFF2-40B4-BE49-F238E27FC236}">
+                <a16:creationId xmlns:a16="http://schemas.microsoft.com/office/drawing/2014/main" id="{B4CFD8E0-3AE0-44BD-B3E5-890997E122B4}"/>
+              </a:ext>
+            </a:extLst>
+          </p:cNvPr>
+          <p:cNvPicPr>
+            <a:picLocks noChangeAspect="1" noChangeArrowheads="1"/>
+          </p:cNvPicPr>
+          <p:nvPr/>
+        </p:nvPicPr>
+        <p:blipFill>
+          <a:blip r:embed="rId4">
+            <a:extLst>
+              <a:ext uri="{28A0092B-C50C-407E-A947-70E740481C1C}">
+                <a14:useLocalDpi xmlns:a14="http://schemas.microsoft.com/office/drawing/2010/main" val="0"/>
+              </a:ext>
+            </a:extLst>
+          </a:blip>
+          <a:srcRect/>
+          <a:stretch>
+            <a:fillRect/>
+          </a:stretch>
+        </p:blipFill>
+        <p:spPr bwMode="auto">
+          <a:xfrm>
+            <a:off x="360661" y="1212216"/>
+            <a:ext cx="5959929" cy="3787674"/>
+          </a:xfrm>
+          <a:prstGeom prst="rect">
+            <a:avLst/>
+          </a:prstGeom>
+          <a:noFill/>
+          <a:ln>
+            <a:noFill/>
+          </a:ln>
+          <a:effectLst/>
+          <a:extLst>
+            <a:ext uri="{909E8E84-426E-40DD-AFC4-6F175D3DCCD1}">
+              <a14:hiddenFill xmlns:a14="http://schemas.microsoft.com/office/drawing/2010/main">
+                <a:solidFill>
+                  <a:schemeClr val="accent1"/>
+                </a:solidFill>
+              </a14:hiddenFill>
+            </a:ext>
+            <a:ext uri="{91240B29-F687-4F45-9708-019B960494DF}">
+              <a14:hiddenLine xmlns:a14="http://schemas.microsoft.com/office/drawing/2010/main" w="9525">
+                <a:solidFill>
+                  <a:schemeClr val="tx1"/>
+                </a:solidFill>
+                <a:miter lim="800000"/>
+                <a:headEnd/>
+                <a:tailEnd/>
+              </a14:hiddenLine>
+            </a:ext>
+            <a:ext uri="{AF507438-7753-43E0-B8FC-AC1667EBCBE1}">
+              <a14:hiddenEffects xmlns:a14="http://schemas.microsoft.com/office/drawing/2010/main">
+                <a:effectLst>
+                  <a:outerShdw dist="35921" dir="2700000" algn="ctr" rotWithShape="0">
+                    <a:schemeClr val="bg2"/>
+                  </a:outerShdw>
+                </a:effectLst>
+              </a14:hiddenEffects>
+            </a:ext>
+          </a:extLst>
+        </p:spPr>
+      </p:pic>
+      <p:pic>
+        <p:nvPicPr>
+          <p:cNvPr id="9" name="Picture 4">
+            <a:extLst>
+              <a:ext uri="{FF2B5EF4-FFF2-40B4-BE49-F238E27FC236}">
+                <a16:creationId xmlns:a16="http://schemas.microsoft.com/office/drawing/2014/main" id="{DA4505B3-F990-4CF1-AAE6-54EE5F581EBB}"/>
+              </a:ext>
+            </a:extLst>
+          </p:cNvPr>
+          <p:cNvPicPr>
+            <a:picLocks noChangeAspect="1" noChangeArrowheads="1"/>
+          </p:cNvPicPr>
+          <p:nvPr/>
+        </p:nvPicPr>
+        <p:blipFill>
+          <a:blip r:embed="rId5">
+            <a:extLst>
+              <a:ext uri="{28A0092B-C50C-407E-A947-70E740481C1C}">
+                <a14:useLocalDpi xmlns:a14="http://schemas.microsoft.com/office/drawing/2010/main" val="0"/>
+              </a:ext>
+            </a:extLst>
+          </a:blip>
+          <a:srcRect/>
+          <a:stretch>
+            <a:fillRect/>
+          </a:stretch>
+        </p:blipFill>
+        <p:spPr bwMode="auto">
+          <a:xfrm>
+            <a:off x="2224631" y="3676963"/>
+            <a:ext cx="4594065" cy="2756779"/>
+          </a:xfrm>
+          <a:prstGeom prst="rect">
+            <a:avLst/>
+          </a:prstGeom>
+          <a:noFill/>
+          <a:ln>
+            <a:noFill/>
+          </a:ln>
+          <a:effectLst/>
+          <a:extLst>
+            <a:ext uri="{909E8E84-426E-40DD-AFC4-6F175D3DCCD1}">
+              <a14:hiddenFill xmlns:a14="http://schemas.microsoft.com/office/drawing/2010/main">
+                <a:solidFill>
+                  <a:schemeClr val="accent1"/>
+                </a:solidFill>
+              </a14:hiddenFill>
+            </a:ext>
+            <a:ext uri="{91240B29-F687-4F45-9708-019B960494DF}">
+              <a14:hiddenLine xmlns:a14="http://schemas.microsoft.com/office/drawing/2010/main" w="9525">
+                <a:solidFill>
+                  <a:schemeClr val="tx1"/>
+                </a:solidFill>
+                <a:miter lim="800000"/>
+                <a:headEnd/>
+                <a:tailEnd/>
+              </a14:hiddenLine>
+            </a:ext>
+            <a:ext uri="{AF507438-7753-43E0-B8FC-AC1667EBCBE1}">
+              <a14:hiddenEffects xmlns:a14="http://schemas.microsoft.com/office/drawing/2010/main">
+                <a:effectLst>
+                  <a:outerShdw dist="35921" dir="2700000" algn="ctr" rotWithShape="0">
+                    <a:schemeClr val="bg2"/>
+                  </a:outerShdw>
+                </a:effectLst>
+              </a14:hiddenEffects>
+            </a:ext>
+          </a:extLst>
+        </p:spPr>
+      </p:pic>
+      <p:pic>
+        <p:nvPicPr>
+          <p:cNvPr id="10" name="Picture 5">
+            <a:extLst>
+              <a:ext uri="{FF2B5EF4-FFF2-40B4-BE49-F238E27FC236}">
+                <a16:creationId xmlns:a16="http://schemas.microsoft.com/office/drawing/2014/main" id="{DAFFFB7B-F7CC-4BCA-BAAB-15B671565D51}"/>
+              </a:ext>
+            </a:extLst>
+          </p:cNvPr>
+          <p:cNvPicPr>
+            <a:picLocks noChangeAspect="1" noChangeArrowheads="1"/>
+          </p:cNvPicPr>
+          <p:nvPr/>
+        </p:nvPicPr>
+        <p:blipFill>
+          <a:blip r:embed="rId6">
+            <a:extLst>
+              <a:ext uri="{28A0092B-C50C-407E-A947-70E740481C1C}">
+                <a14:useLocalDpi xmlns:a14="http://schemas.microsoft.com/office/drawing/2010/main" val="0"/>
+              </a:ext>
+            </a:extLst>
+          </a:blip>
+          <a:srcRect/>
+          <a:stretch>
+            <a:fillRect/>
+          </a:stretch>
+        </p:blipFill>
+        <p:spPr bwMode="auto">
+          <a:xfrm>
+            <a:off x="5328655" y="1673577"/>
+            <a:ext cx="6477915" cy="3780617"/>
+          </a:xfrm>
+          <a:prstGeom prst="rect">
+            <a:avLst/>
+          </a:prstGeom>
+          <a:noFill/>
+          <a:ln>
+            <a:noFill/>
+          </a:ln>
+          <a:effectLst/>
+          <a:extLst>
+            <a:ext uri="{909E8E84-426E-40DD-AFC4-6F175D3DCCD1}">
+              <a14:hiddenFill xmlns:a14="http://schemas.microsoft.com/office/drawing/2010/main">
+                <a:solidFill>
+                  <a:schemeClr val="accent1"/>
+                </a:solidFill>
+              </a14:hiddenFill>
+            </a:ext>
+            <a:ext uri="{91240B29-F687-4F45-9708-019B960494DF}">
+              <a14:hiddenLine xmlns:a14="http://schemas.microsoft.com/office/drawing/2010/main" w="9525">
+                <a:solidFill>
+                  <a:schemeClr val="tx1"/>
+                </a:solidFill>
+                <a:miter lim="800000"/>
+                <a:headEnd/>
+                <a:tailEnd/>
+              </a14:hiddenLine>
+            </a:ext>
+            <a:ext uri="{AF507438-7753-43E0-B8FC-AC1667EBCBE1}">
+              <a14:hiddenEffects xmlns:a14="http://schemas.microsoft.com/office/drawing/2010/main">
+                <a:effectLst>
+                  <a:outerShdw dist="35921" dir="2700000" algn="ctr" rotWithShape="0">
+                    <a:schemeClr val="bg2"/>
+                  </a:outerShdw>
+                </a:effectLst>
+              </a14:hiddenEffects>
+            </a:ext>
+          </a:extLst>
+        </p:spPr>
+      </p:pic>
     </p:spTree>
     <p:extLst>
       <p:ext uri="{BB962C8B-B14F-4D97-AF65-F5344CB8AC3E}">
-        <p14:creationId xmlns:p14="http://schemas.microsoft.com/office/powerpoint/2010/main" val="2301547524"/>
+        <p14:creationId xmlns:p14="http://schemas.microsoft.com/office/powerpoint/2010/main" val="4029989435"/>
       </p:ext>
     </p:extLst>
   </p:cSld>
@@ -19094,6 +20163,297 @@
       </p:transition>
     </mc:Fallback>
   </mc:AlternateContent>
+  <p:timing>
+    <p:tnLst>
+      <p:par>
+        <p:cTn id="1" dur="indefinite" restart="never" nodeType="tmRoot">
+          <p:childTnLst>
+            <p:seq concurrent="1" nextAc="seek">
+              <p:cTn id="2" dur="indefinite" nodeType="mainSeq">
+                <p:childTnLst>
+                  <p:par>
+                    <p:cTn id="3" fill="hold">
+                      <p:stCondLst>
+                        <p:cond delay="indefinite"/>
+                      </p:stCondLst>
+                      <p:childTnLst>
+                        <p:par>
+                          <p:cTn id="4" fill="hold">
+                            <p:stCondLst>
+                              <p:cond delay="0"/>
+                            </p:stCondLst>
+                            <p:childTnLst>
+                              <p:par>
+                                <p:cTn id="5" presetID="42" presetClass="entr" presetSubtype="0" fill="hold" nodeType="clickEffect">
+                                  <p:stCondLst>
+                                    <p:cond delay="0"/>
+                                  </p:stCondLst>
+                                  <p:childTnLst>
+                                    <p:set>
+                                      <p:cBhvr>
+                                        <p:cTn id="6" dur="1" fill="hold">
+                                          <p:stCondLst>
+                                            <p:cond delay="0"/>
+                                          </p:stCondLst>
+                                        </p:cTn>
+                                        <p:tgtEl>
+                                          <p:spTgt spid="8"/>
+                                        </p:tgtEl>
+                                        <p:attrNameLst>
+                                          <p:attrName>style.visibility</p:attrName>
+                                        </p:attrNameLst>
+                                      </p:cBhvr>
+                                      <p:to>
+                                        <p:strVal val="visible"/>
+                                      </p:to>
+                                    </p:set>
+                                    <p:animEffect transition="in" filter="fade">
+                                      <p:cBhvr>
+                                        <p:cTn id="7" dur="1000"/>
+                                        <p:tgtEl>
+                                          <p:spTgt spid="8"/>
+                                        </p:tgtEl>
+                                      </p:cBhvr>
+                                    </p:animEffect>
+                                    <p:anim calcmode="lin" valueType="num">
+                                      <p:cBhvr>
+                                        <p:cTn id="8" dur="1000" fill="hold"/>
+                                        <p:tgtEl>
+                                          <p:spTgt spid="8"/>
+                                        </p:tgtEl>
+                                        <p:attrNameLst>
+                                          <p:attrName>ppt_x</p:attrName>
+                                        </p:attrNameLst>
+                                      </p:cBhvr>
+                                      <p:tavLst>
+                                        <p:tav tm="0">
+                                          <p:val>
+                                            <p:strVal val="#ppt_x"/>
+                                          </p:val>
+                                        </p:tav>
+                                        <p:tav tm="100000">
+                                          <p:val>
+                                            <p:strVal val="#ppt_x"/>
+                                          </p:val>
+                                        </p:tav>
+                                      </p:tavLst>
+                                    </p:anim>
+                                    <p:anim calcmode="lin" valueType="num">
+                                      <p:cBhvr>
+                                        <p:cTn id="9" dur="1000" fill="hold"/>
+                                        <p:tgtEl>
+                                          <p:spTgt spid="8"/>
+                                        </p:tgtEl>
+                                        <p:attrNameLst>
+                                          <p:attrName>ppt_y</p:attrName>
+                                        </p:attrNameLst>
+                                      </p:cBhvr>
+                                      <p:tavLst>
+                                        <p:tav tm="0">
+                                          <p:val>
+                                            <p:strVal val="#ppt_y+.1"/>
+                                          </p:val>
+                                        </p:tav>
+                                        <p:tav tm="100000">
+                                          <p:val>
+                                            <p:strVal val="#ppt_y"/>
+                                          </p:val>
+                                        </p:tav>
+                                      </p:tavLst>
+                                    </p:anim>
+                                  </p:childTnLst>
+                                </p:cTn>
+                              </p:par>
+                              <p:par>
+                                <p:cTn id="10" presetID="42" presetClass="entr" presetSubtype="0" fill="hold" nodeType="withEffect">
+                                  <p:stCondLst>
+                                    <p:cond delay="0"/>
+                                  </p:stCondLst>
+                                  <p:childTnLst>
+                                    <p:set>
+                                      <p:cBhvr>
+                                        <p:cTn id="11" dur="1" fill="hold">
+                                          <p:stCondLst>
+                                            <p:cond delay="0"/>
+                                          </p:stCondLst>
+                                        </p:cTn>
+                                        <p:tgtEl>
+                                          <p:spTgt spid="9"/>
+                                        </p:tgtEl>
+                                        <p:attrNameLst>
+                                          <p:attrName>style.visibility</p:attrName>
+                                        </p:attrNameLst>
+                                      </p:cBhvr>
+                                      <p:to>
+                                        <p:strVal val="visible"/>
+                                      </p:to>
+                                    </p:set>
+                                    <p:animEffect transition="in" filter="fade">
+                                      <p:cBhvr>
+                                        <p:cTn id="12" dur="1000"/>
+                                        <p:tgtEl>
+                                          <p:spTgt spid="9"/>
+                                        </p:tgtEl>
+                                      </p:cBhvr>
+                                    </p:animEffect>
+                                    <p:anim calcmode="lin" valueType="num">
+                                      <p:cBhvr>
+                                        <p:cTn id="13" dur="1000" fill="hold"/>
+                                        <p:tgtEl>
+                                          <p:spTgt spid="9"/>
+                                        </p:tgtEl>
+                                        <p:attrNameLst>
+                                          <p:attrName>ppt_x</p:attrName>
+                                        </p:attrNameLst>
+                                      </p:cBhvr>
+                                      <p:tavLst>
+                                        <p:tav tm="0">
+                                          <p:val>
+                                            <p:strVal val="#ppt_x"/>
+                                          </p:val>
+                                        </p:tav>
+                                        <p:tav tm="100000">
+                                          <p:val>
+                                            <p:strVal val="#ppt_x"/>
+                                          </p:val>
+                                        </p:tav>
+                                      </p:tavLst>
+                                    </p:anim>
+                                    <p:anim calcmode="lin" valueType="num">
+                                      <p:cBhvr>
+                                        <p:cTn id="14" dur="1000" fill="hold"/>
+                                        <p:tgtEl>
+                                          <p:spTgt spid="9"/>
+                                        </p:tgtEl>
+                                        <p:attrNameLst>
+                                          <p:attrName>ppt_y</p:attrName>
+                                        </p:attrNameLst>
+                                      </p:cBhvr>
+                                      <p:tavLst>
+                                        <p:tav tm="0">
+                                          <p:val>
+                                            <p:strVal val="#ppt_y+.1"/>
+                                          </p:val>
+                                        </p:tav>
+                                        <p:tav tm="100000">
+                                          <p:val>
+                                            <p:strVal val="#ppt_y"/>
+                                          </p:val>
+                                        </p:tav>
+                                      </p:tavLst>
+                                    </p:anim>
+                                  </p:childTnLst>
+                                </p:cTn>
+                              </p:par>
+                              <p:par>
+                                <p:cTn id="15" presetID="42" presetClass="entr" presetSubtype="0" fill="hold" nodeType="withEffect">
+                                  <p:stCondLst>
+                                    <p:cond delay="0"/>
+                                  </p:stCondLst>
+                                  <p:childTnLst>
+                                    <p:set>
+                                      <p:cBhvr>
+                                        <p:cTn id="16" dur="1" fill="hold">
+                                          <p:stCondLst>
+                                            <p:cond delay="0"/>
+                                          </p:stCondLst>
+                                        </p:cTn>
+                                        <p:tgtEl>
+                                          <p:spTgt spid="10"/>
+                                        </p:tgtEl>
+                                        <p:attrNameLst>
+                                          <p:attrName>style.visibility</p:attrName>
+                                        </p:attrNameLst>
+                                      </p:cBhvr>
+                                      <p:to>
+                                        <p:strVal val="visible"/>
+                                      </p:to>
+                                    </p:set>
+                                    <p:animEffect transition="in" filter="fade">
+                                      <p:cBhvr>
+                                        <p:cTn id="17" dur="1000"/>
+                                        <p:tgtEl>
+                                          <p:spTgt spid="10"/>
+                                        </p:tgtEl>
+                                      </p:cBhvr>
+                                    </p:animEffect>
+                                    <p:anim calcmode="lin" valueType="num">
+                                      <p:cBhvr>
+                                        <p:cTn id="18" dur="1000" fill="hold"/>
+                                        <p:tgtEl>
+                                          <p:spTgt spid="10"/>
+                                        </p:tgtEl>
+                                        <p:attrNameLst>
+                                          <p:attrName>ppt_x</p:attrName>
+                                        </p:attrNameLst>
+                                      </p:cBhvr>
+                                      <p:tavLst>
+                                        <p:tav tm="0">
+                                          <p:val>
+                                            <p:strVal val="#ppt_x"/>
+                                          </p:val>
+                                        </p:tav>
+                                        <p:tav tm="100000">
+                                          <p:val>
+                                            <p:strVal val="#ppt_x"/>
+                                          </p:val>
+                                        </p:tav>
+                                      </p:tavLst>
+                                    </p:anim>
+                                    <p:anim calcmode="lin" valueType="num">
+                                      <p:cBhvr>
+                                        <p:cTn id="19" dur="1000" fill="hold"/>
+                                        <p:tgtEl>
+                                          <p:spTgt spid="10"/>
+                                        </p:tgtEl>
+                                        <p:attrNameLst>
+                                          <p:attrName>ppt_y</p:attrName>
+                                        </p:attrNameLst>
+                                      </p:cBhvr>
+                                      <p:tavLst>
+                                        <p:tav tm="0">
+                                          <p:val>
+                                            <p:strVal val="#ppt_y+.1"/>
+                                          </p:val>
+                                        </p:tav>
+                                        <p:tav tm="100000">
+                                          <p:val>
+                                            <p:strVal val="#ppt_y"/>
+                                          </p:val>
+                                        </p:tav>
+                                      </p:tavLst>
+                                    </p:anim>
+                                  </p:childTnLst>
+                                </p:cTn>
+                              </p:par>
+                            </p:childTnLst>
+                          </p:cTn>
+                        </p:par>
+                      </p:childTnLst>
+                    </p:cTn>
+                  </p:par>
+                </p:childTnLst>
+              </p:cTn>
+              <p:prevCondLst>
+                <p:cond evt="onPrev" delay="0">
+                  <p:tgtEl>
+                    <p:sldTgt/>
+                  </p:tgtEl>
+                </p:cond>
+              </p:prevCondLst>
+              <p:nextCondLst>
+                <p:cond evt="onNext" delay="0">
+                  <p:tgtEl>
+                    <p:sldTgt/>
+                  </p:tgtEl>
+                </p:cond>
+              </p:nextCondLst>
+            </p:seq>
+          </p:childTnLst>
+        </p:cTn>
+      </p:par>
+    </p:tnLst>
+  </p:timing>
 </p:sld>
 </file>
 
@@ -19114,18 +20474,6 @@
           <a:chExt cx="0" cy="0"/>
         </a:xfrm>
       </p:grpSpPr>
-      <p:sp>
-        <p:nvSpPr>
-          <p:cNvPr id="6" name="차트 개체 틀 5"/>
-          <p:cNvSpPr>
-            <a:spLocks noGrp="1"/>
-          </p:cNvSpPr>
-          <p:nvPr>
-            <p:ph type="chart" sz="quarter" idx="14"/>
-          </p:nvPr>
-        </p:nvSpPr>
-        <p:spPr/>
-      </p:sp>
       <p:sp>
         <p:nvSpPr>
           <p:cNvPr id="7" name="텍스트 개체 틀 6"/>
@@ -19478,7 +20826,12 @@
             <p:ph type="body" sz="quarter" idx="14"/>
           </p:nvPr>
         </p:nvSpPr>
-        <p:spPr/>
+        <p:spPr>
+          <a:xfrm>
+            <a:off x="5920805" y="1433299"/>
+            <a:ext cx="3867097" cy="433181"/>
+          </a:xfrm>
+        </p:spPr>
         <p:txBody>
           <a:bodyPr/>
           <a:lstStyle/>
@@ -19508,28 +20861,6 @@
             <a:r>
               <a:rPr lang="ko-KR" altLang="en-US" b="1" dirty="0"/>
               <a:t>지역별 매출액</a:t>
-            </a:r>
-          </a:p>
-        </p:txBody>
-      </p:sp>
-      <p:sp>
-        <p:nvSpPr>
-          <p:cNvPr id="11" name="텍스트 개체 틀 10"/>
-          <p:cNvSpPr>
-            <a:spLocks noGrp="1"/>
-          </p:cNvSpPr>
-          <p:nvPr>
-            <p:ph type="body" sz="quarter" idx="18"/>
-          </p:nvPr>
-        </p:nvSpPr>
-        <p:spPr/>
-        <p:txBody>
-          <a:bodyPr/>
-          <a:lstStyle/>
-          <a:p>
-            <a:r>
-              <a:rPr lang="ko-KR" altLang="en-US" b="1" dirty="0"/>
-              <a:t>교육기관 수</a:t>
             </a:r>
           </a:p>
         </p:txBody>
@@ -19986,76 +21317,205 @@
           </a:p>
         </p:txBody>
       </p:sp>
-      <p:pic>
-        <p:nvPicPr>
-          <p:cNvPr id="28" name="그림 27"/>
-          <p:cNvPicPr>
-            <a:picLocks noChangeAspect="1"/>
-          </p:cNvPicPr>
-          <p:nvPr/>
-        </p:nvPicPr>
-        <p:blipFill>
-          <a:blip r:embed="rId2" cstate="print">
+      <p:sp>
+        <p:nvSpPr>
+          <p:cNvPr id="18" name="텍스트 개체 틀 8">
             <a:extLst>
-              <a:ext uri="{BEBA8EAE-BF5A-486C-A8C5-ECC9F3942E4B}">
-                <a14:imgProps xmlns:a14="http://schemas.microsoft.com/office/drawing/2010/main">
-                  <a14:imgLayer r:embed="rId3">
-                    <a14:imgEffect>
-                      <a14:brightnessContrast bright="100000" contrast="100000"/>
-                    </a14:imgEffect>
-                  </a14:imgLayer>
-                </a14:imgProps>
-              </a:ext>
-              <a:ext uri="{28A0092B-C50C-407E-A947-70E740481C1C}">
-                <a14:useLocalDpi xmlns:a14="http://schemas.microsoft.com/office/drawing/2010/main" val="0"/>
+              <a:ext uri="{FF2B5EF4-FFF2-40B4-BE49-F238E27FC236}">
+                <a16:creationId xmlns:a16="http://schemas.microsoft.com/office/drawing/2014/main" id="{C42FCC35-46D7-4161-A83F-703EFBA0F312}"/>
               </a:ext>
             </a:extLst>
-          </a:blip>
-          <a:stretch>
-            <a:fillRect/>
-          </a:stretch>
-        </p:blipFill>
+          </p:cNvPr>
+          <p:cNvSpPr txBox="1">
+            <a:spLocks/>
+          </p:cNvSpPr>
+          <p:nvPr/>
+        </p:nvSpPr>
         <p:spPr>
-          <a:xfrm rot="1716649">
-            <a:off x="6205805" y="2029997"/>
-            <a:ext cx="1029597" cy="1029597"/>
+          <a:xfrm>
+            <a:off x="8412828" y="4663311"/>
+            <a:ext cx="3461670" cy="433181"/>
           </a:xfrm>
           <a:prstGeom prst="rect">
             <a:avLst/>
           </a:prstGeom>
         </p:spPr>
-      </p:pic>
-      <p:sp>
-        <p:nvSpPr>
-          <p:cNvPr id="29" name="텍스트 개체 틀 8"/>
-          <p:cNvSpPr>
-            <a:spLocks noGrp="1"/>
-          </p:cNvSpPr>
-          <p:nvPr>
-            <p:ph type="body" sz="quarter" idx="16"/>
-          </p:nvPr>
-        </p:nvSpPr>
-        <p:spPr>
-          <a:xfrm>
-            <a:off x="7073769" y="1885416"/>
-            <a:ext cx="3461670" cy="433181"/>
-          </a:xfrm>
-        </p:spPr>
         <p:txBody>
-          <a:bodyPr/>
-          <a:lstStyle/>
+          <a:bodyPr vert="horz" lIns="91440" tIns="45720" rIns="91440" bIns="45720" rtlCol="0" anchor="ctr">
+            <a:normAutofit/>
+          </a:bodyPr>
+          <a:lstStyle>
+            <a:lvl1pPr marL="0" indent="0" algn="l" defTabSz="914400" rtl="0" eaLnBrk="1" latinLnBrk="1" hangingPunct="1">
+              <a:lnSpc>
+                <a:spcPct val="90000"/>
+              </a:lnSpc>
+              <a:spcBef>
+                <a:spcPts val="1000"/>
+              </a:spcBef>
+              <a:buFont typeface="Arial" panose="020B0604020202020204" pitchFamily="34" charset="0"/>
+              <a:buNone/>
+              <a:defRPr sz="2400" b="0" i="0" kern="1200">
+                <a:solidFill>
+                  <a:srgbClr val="8B723C"/>
+                </a:solidFill>
+                <a:latin typeface="210 하얀바람 B" panose="02020603020101020101" pitchFamily="18" charset="-127"/>
+                <a:ea typeface="210 하얀바람 B" panose="02020603020101020101" pitchFamily="18" charset="-127"/>
+                <a:cs typeface="+mn-cs"/>
+              </a:defRPr>
+            </a:lvl1pPr>
+            <a:lvl2pPr marL="457200" indent="0" algn="l" defTabSz="914400" rtl="0" eaLnBrk="1" latinLnBrk="1" hangingPunct="1">
+              <a:lnSpc>
+                <a:spcPct val="90000"/>
+              </a:lnSpc>
+              <a:spcBef>
+                <a:spcPts val="500"/>
+              </a:spcBef>
+              <a:buFont typeface="Arial" panose="020B0604020202020204" pitchFamily="34" charset="0"/>
+              <a:buNone/>
+              <a:defRPr sz="2400" kern="1200">
+                <a:solidFill>
+                  <a:schemeClr val="tx1"/>
+                </a:solidFill>
+                <a:latin typeface="+mn-lt"/>
+                <a:ea typeface="+mn-ea"/>
+                <a:cs typeface="+mn-cs"/>
+              </a:defRPr>
+            </a:lvl2pPr>
+            <a:lvl3pPr marL="914400" indent="0" algn="l" defTabSz="914400" rtl="0" eaLnBrk="1" latinLnBrk="1" hangingPunct="1">
+              <a:lnSpc>
+                <a:spcPct val="90000"/>
+              </a:lnSpc>
+              <a:spcBef>
+                <a:spcPts val="500"/>
+              </a:spcBef>
+              <a:buFont typeface="Arial" panose="020B0604020202020204" pitchFamily="34" charset="0"/>
+              <a:buNone/>
+              <a:defRPr sz="2000" kern="1200">
+                <a:solidFill>
+                  <a:schemeClr val="tx1"/>
+                </a:solidFill>
+                <a:latin typeface="+mn-lt"/>
+                <a:ea typeface="+mn-ea"/>
+                <a:cs typeface="+mn-cs"/>
+              </a:defRPr>
+            </a:lvl3pPr>
+            <a:lvl4pPr marL="1371600" indent="0" algn="l" defTabSz="914400" rtl="0" eaLnBrk="1" latinLnBrk="1" hangingPunct="1">
+              <a:lnSpc>
+                <a:spcPct val="90000"/>
+              </a:lnSpc>
+              <a:spcBef>
+                <a:spcPts val="500"/>
+              </a:spcBef>
+              <a:buFont typeface="Arial" panose="020B0604020202020204" pitchFamily="34" charset="0"/>
+              <a:buNone/>
+              <a:defRPr sz="1800" kern="1200">
+                <a:solidFill>
+                  <a:schemeClr val="tx1"/>
+                </a:solidFill>
+                <a:latin typeface="+mn-lt"/>
+                <a:ea typeface="+mn-ea"/>
+                <a:cs typeface="+mn-cs"/>
+              </a:defRPr>
+            </a:lvl4pPr>
+            <a:lvl5pPr marL="1828800" indent="0" algn="l" defTabSz="914400" rtl="0" eaLnBrk="1" latinLnBrk="1" hangingPunct="1">
+              <a:lnSpc>
+                <a:spcPct val="90000"/>
+              </a:lnSpc>
+              <a:spcBef>
+                <a:spcPts val="500"/>
+              </a:spcBef>
+              <a:buFont typeface="Arial" panose="020B0604020202020204" pitchFamily="34" charset="0"/>
+              <a:buNone/>
+              <a:defRPr sz="1800" kern="1200">
+                <a:solidFill>
+                  <a:schemeClr val="tx1"/>
+                </a:solidFill>
+                <a:latin typeface="+mn-lt"/>
+                <a:ea typeface="+mn-ea"/>
+                <a:cs typeface="+mn-cs"/>
+              </a:defRPr>
+            </a:lvl5pPr>
+            <a:lvl6pPr marL="2514600" indent="-228600" algn="l" defTabSz="914400" rtl="0" eaLnBrk="1" latinLnBrk="1" hangingPunct="1">
+              <a:lnSpc>
+                <a:spcPct val="90000"/>
+              </a:lnSpc>
+              <a:spcBef>
+                <a:spcPts val="500"/>
+              </a:spcBef>
+              <a:buFont typeface="Arial" panose="020B0604020202020204" pitchFamily="34" charset="0"/>
+              <a:buChar char="•"/>
+              <a:defRPr sz="1800" kern="1200">
+                <a:solidFill>
+                  <a:schemeClr val="tx1"/>
+                </a:solidFill>
+                <a:latin typeface="+mn-lt"/>
+                <a:ea typeface="+mn-ea"/>
+                <a:cs typeface="+mn-cs"/>
+              </a:defRPr>
+            </a:lvl6pPr>
+            <a:lvl7pPr marL="2971800" indent="-228600" algn="l" defTabSz="914400" rtl="0" eaLnBrk="1" latinLnBrk="1" hangingPunct="1">
+              <a:lnSpc>
+                <a:spcPct val="90000"/>
+              </a:lnSpc>
+              <a:spcBef>
+                <a:spcPts val="500"/>
+              </a:spcBef>
+              <a:buFont typeface="Arial" panose="020B0604020202020204" pitchFamily="34" charset="0"/>
+              <a:buChar char="•"/>
+              <a:defRPr sz="1800" kern="1200">
+                <a:solidFill>
+                  <a:schemeClr val="tx1"/>
+                </a:solidFill>
+                <a:latin typeface="+mn-lt"/>
+                <a:ea typeface="+mn-ea"/>
+                <a:cs typeface="+mn-cs"/>
+              </a:defRPr>
+            </a:lvl7pPr>
+            <a:lvl8pPr marL="3429000" indent="-228600" algn="l" defTabSz="914400" rtl="0" eaLnBrk="1" latinLnBrk="1" hangingPunct="1">
+              <a:lnSpc>
+                <a:spcPct val="90000"/>
+              </a:lnSpc>
+              <a:spcBef>
+                <a:spcPts val="500"/>
+              </a:spcBef>
+              <a:buFont typeface="Arial" panose="020B0604020202020204" pitchFamily="34" charset="0"/>
+              <a:buChar char="•"/>
+              <a:defRPr sz="1800" kern="1200">
+                <a:solidFill>
+                  <a:schemeClr val="tx1"/>
+                </a:solidFill>
+                <a:latin typeface="+mn-lt"/>
+                <a:ea typeface="+mn-ea"/>
+                <a:cs typeface="+mn-cs"/>
+              </a:defRPr>
+            </a:lvl8pPr>
+            <a:lvl9pPr marL="3886200" indent="-228600" algn="l" defTabSz="914400" rtl="0" eaLnBrk="1" latinLnBrk="1" hangingPunct="1">
+              <a:lnSpc>
+                <a:spcPct val="90000"/>
+              </a:lnSpc>
+              <a:spcBef>
+                <a:spcPts val="500"/>
+              </a:spcBef>
+              <a:buFont typeface="Arial" panose="020B0604020202020204" pitchFamily="34" charset="0"/>
+              <a:buChar char="•"/>
+              <a:defRPr sz="1800" kern="1200">
+                <a:solidFill>
+                  <a:schemeClr val="tx1"/>
+                </a:solidFill>
+                <a:latin typeface="+mn-lt"/>
+                <a:ea typeface="+mn-ea"/>
+                <a:cs typeface="+mn-cs"/>
+              </a:defRPr>
+            </a:lvl9pPr>
+          </a:lstStyle>
           <a:p>
             <a:r>
-              <a:rPr lang="en-US" altLang="ko-KR" b="1" dirty="0"/>
+              <a:rPr lang="en-US" altLang="ko-KR" b="1"/>
               <a:t>WIFI</a:t>
             </a:r>
             <a:r>
-              <a:rPr lang="ko-KR" altLang="en-US" b="1" dirty="0"/>
-              <a:t> </a:t>
-            </a:r>
-            <a:r>
-              <a:rPr lang="ko-KR" altLang="en-US" b="1" dirty="0" err="1"/>
-              <a:t>접속수</a:t>
+              <a:rPr lang="ko-KR" altLang="en-US" b="1"/>
+              <a:t> 접속수</a:t>
             </a:r>
             <a:endParaRPr lang="ko-KR" altLang="en-US" b="1" dirty="0"/>
           </a:p>
@@ -20064,7 +21524,7 @@
     </p:spTree>
     <p:extLst>
       <p:ext uri="{BB962C8B-B14F-4D97-AF65-F5344CB8AC3E}">
-        <p14:creationId xmlns:p14="http://schemas.microsoft.com/office/powerpoint/2010/main" val="3942025166"/>
+        <p14:creationId xmlns:p14="http://schemas.microsoft.com/office/powerpoint/2010/main" val="2681861992"/>
       </p:ext>
     </p:extLst>
   </p:cSld>
@@ -20496,7 +21956,7 @@
                                           </p:stCondLst>
                                         </p:cTn>
                                         <p:tgtEl>
-                                          <p:spTgt spid="11">
+                                          <p:spTgt spid="18">
                                             <p:txEl>
                                               <p:pRg st="0" end="0"/>
                                             </p:txEl>
@@ -20514,95 +21974,7 @@
                                       <p:cBhvr>
                                         <p:cTn id="37" dur="500"/>
                                         <p:tgtEl>
-                                          <p:spTgt spid="11">
-                                            <p:txEl>
-                                              <p:pRg st="0" end="0"/>
-                                            </p:txEl>
-                                          </p:spTgt>
-                                        </p:tgtEl>
-                                      </p:cBhvr>
-                                    </p:animEffect>
-                                  </p:childTnLst>
-                                </p:cTn>
-                              </p:par>
-                            </p:childTnLst>
-                          </p:cTn>
-                        </p:par>
-                        <p:par>
-                          <p:cTn id="38" fill="hold">
-                            <p:stCondLst>
-                              <p:cond delay="2500"/>
-                            </p:stCondLst>
-                            <p:childTnLst>
-                              <p:par>
-                                <p:cTn id="39" presetID="1" presetClass="entr" presetSubtype="0" fill="hold" nodeType="afterEffect">
-                                  <p:stCondLst>
-                                    <p:cond delay="0"/>
-                                  </p:stCondLst>
-                                  <p:childTnLst>
-                                    <p:set>
-                                      <p:cBhvr>
-                                        <p:cTn id="40" dur="1" fill="hold">
-                                          <p:stCondLst>
-                                            <p:cond delay="0"/>
-                                          </p:stCondLst>
-                                        </p:cTn>
-                                        <p:tgtEl>
-                                          <p:spTgt spid="28"/>
-                                        </p:tgtEl>
-                                        <p:attrNameLst>
-                                          <p:attrName>style.visibility</p:attrName>
-                                        </p:attrNameLst>
-                                      </p:cBhvr>
-                                      <p:to>
-                                        <p:strVal val="visible"/>
-                                      </p:to>
-                                    </p:set>
-                                  </p:childTnLst>
-                                </p:cTn>
-                              </p:par>
-                            </p:childTnLst>
-                          </p:cTn>
-                        </p:par>
-                        <p:par>
-                          <p:cTn id="41" fill="hold">
-                            <p:stCondLst>
-                              <p:cond delay="2500"/>
-                            </p:stCondLst>
-                            <p:childTnLst>
-                              <p:par>
-                                <p:cTn id="42" presetID="10" presetClass="entr" presetSubtype="0" fill="hold" grpId="0" nodeType="afterEffect">
-                                  <p:stCondLst>
-                                    <p:cond delay="0"/>
-                                  </p:stCondLst>
-                                  <p:childTnLst>
-                                    <p:set>
-                                      <p:cBhvr>
-                                        <p:cTn id="43" dur="1" fill="hold">
-                                          <p:stCondLst>
-                                            <p:cond delay="0"/>
-                                          </p:stCondLst>
-                                        </p:cTn>
-                                        <p:tgtEl>
-                                          <p:spTgt spid="29">
-                                            <p:txEl>
-                                              <p:pRg st="0" end="0"/>
-                                            </p:txEl>
-                                          </p:spTgt>
-                                        </p:tgtEl>
-                                        <p:attrNameLst>
-                                          <p:attrName>style.visibility</p:attrName>
-                                        </p:attrNameLst>
-                                      </p:cBhvr>
-                                      <p:to>
-                                        <p:strVal val="visible"/>
-                                      </p:to>
-                                    </p:set>
-                                    <p:animEffect transition="in" filter="fade">
-                                      <p:cBhvr>
-                                        <p:cTn id="44" dur="500"/>
-                                        <p:tgtEl>
-                                          <p:spTgt spid="29">
+                                          <p:spTgt spid="18">
                                             <p:txEl>
                                               <p:pRg st="0" end="0"/>
                                             </p:txEl>
@@ -20645,8 +22017,7 @@
       <p:bldP spid="5" grpId="0" build="p"/>
       <p:bldP spid="7" grpId="0" build="p"/>
       <p:bldP spid="9" grpId="0" build="p"/>
-      <p:bldP spid="11" grpId="0" build="p"/>
-      <p:bldP spid="29" grpId="0" build="p"/>
+      <p:bldP spid="18" grpId="0" build="p"/>
     </p:bldLst>
   </p:timing>
 </p:sld>
